--- a/倒産の研究(仮).pptx
+++ b/倒産の研究(仮).pptx
@@ -2,28 +2,34 @@
 <file path=ppt/presentation.xml><?xml version="1.0" encoding="utf-8"?>
 <p:presentation xmlns:a="http://schemas.openxmlformats.org/drawingml/2006/main" xmlns:r="http://schemas.openxmlformats.org/officeDocument/2006/relationships" xmlns:p="http://schemas.openxmlformats.org/presentationml/2006/main" saveSubsetFonts="1">
   <p:sldMasterIdLst>
-    <p:sldMasterId id="2147483648" r:id="rId1"/>
+    <p:sldMasterId id="2147483660" r:id="rId1"/>
   </p:sldMasterIdLst>
   <p:sldIdLst>
     <p:sldId id="256" r:id="rId2"/>
     <p:sldId id="257" r:id="rId3"/>
-    <p:sldId id="258" r:id="rId4"/>
-    <p:sldId id="259" r:id="rId5"/>
-    <p:sldId id="265" r:id="rId6"/>
-    <p:sldId id="260" r:id="rId7"/>
-    <p:sldId id="261" r:id="rId8"/>
-    <p:sldId id="262" r:id="rId9"/>
-    <p:sldId id="263" r:id="rId10"/>
-    <p:sldId id="264" r:id="rId11"/>
+    <p:sldId id="269" r:id="rId4"/>
+    <p:sldId id="273" r:id="rId5"/>
+    <p:sldId id="274" r:id="rId6"/>
+    <p:sldId id="258" r:id="rId7"/>
+    <p:sldId id="266" r:id="rId8"/>
+    <p:sldId id="267" r:id="rId9"/>
+    <p:sldId id="268" r:id="rId10"/>
+    <p:sldId id="271" r:id="rId11"/>
+    <p:sldId id="277" r:id="rId12"/>
+    <p:sldId id="272" r:id="rId13"/>
+    <p:sldId id="275" r:id="rId14"/>
+    <p:sldId id="270" r:id="rId15"/>
+    <p:sldId id="261" r:id="rId16"/>
+    <p:sldId id="264" r:id="rId17"/>
   </p:sldIdLst>
   <p:sldSz cx="12192000" cy="6858000"/>
   <p:notesSz cx="6858000" cy="9144000"/>
   <p:defaultTextStyle>
     <a:defPPr>
-      <a:defRPr lang="ja-JP"/>
+      <a:defRPr lang="en-US"/>
     </a:defPPr>
-    <a:lvl1pPr marL="0" algn="l" defTabSz="914400" rtl="0" eaLnBrk="1" latinLnBrk="0" hangingPunct="1">
-      <a:defRPr kumimoji="1" sz="1800" kern="1200">
+    <a:lvl1pPr marL="0" algn="l" defTabSz="457200" rtl="0" eaLnBrk="1" latinLnBrk="0" hangingPunct="1">
+      <a:defRPr sz="1800" kern="1200">
         <a:solidFill>
           <a:schemeClr val="tx1"/>
         </a:solidFill>
@@ -32,8 +38,8 @@
         <a:cs typeface="+mn-cs"/>
       </a:defRPr>
     </a:lvl1pPr>
-    <a:lvl2pPr marL="457200" algn="l" defTabSz="914400" rtl="0" eaLnBrk="1" latinLnBrk="0" hangingPunct="1">
-      <a:defRPr kumimoji="1" sz="1800" kern="1200">
+    <a:lvl2pPr marL="457200" algn="l" defTabSz="457200" rtl="0" eaLnBrk="1" latinLnBrk="0" hangingPunct="1">
+      <a:defRPr sz="1800" kern="1200">
         <a:solidFill>
           <a:schemeClr val="tx1"/>
         </a:solidFill>
@@ -42,8 +48,8 @@
         <a:cs typeface="+mn-cs"/>
       </a:defRPr>
     </a:lvl2pPr>
-    <a:lvl3pPr marL="914400" algn="l" defTabSz="914400" rtl="0" eaLnBrk="1" latinLnBrk="0" hangingPunct="1">
-      <a:defRPr kumimoji="1" sz="1800" kern="1200">
+    <a:lvl3pPr marL="914400" algn="l" defTabSz="457200" rtl="0" eaLnBrk="1" latinLnBrk="0" hangingPunct="1">
+      <a:defRPr sz="1800" kern="1200">
         <a:solidFill>
           <a:schemeClr val="tx1"/>
         </a:solidFill>
@@ -52,8 +58,8 @@
         <a:cs typeface="+mn-cs"/>
       </a:defRPr>
     </a:lvl3pPr>
-    <a:lvl4pPr marL="1371600" algn="l" defTabSz="914400" rtl="0" eaLnBrk="1" latinLnBrk="0" hangingPunct="1">
-      <a:defRPr kumimoji="1" sz="1800" kern="1200">
+    <a:lvl4pPr marL="1371600" algn="l" defTabSz="457200" rtl="0" eaLnBrk="1" latinLnBrk="0" hangingPunct="1">
+      <a:defRPr sz="1800" kern="1200">
         <a:solidFill>
           <a:schemeClr val="tx1"/>
         </a:solidFill>
@@ -62,8 +68,8 @@
         <a:cs typeface="+mn-cs"/>
       </a:defRPr>
     </a:lvl4pPr>
-    <a:lvl5pPr marL="1828800" algn="l" defTabSz="914400" rtl="0" eaLnBrk="1" latinLnBrk="0" hangingPunct="1">
-      <a:defRPr kumimoji="1" sz="1800" kern="1200">
+    <a:lvl5pPr marL="1828800" algn="l" defTabSz="457200" rtl="0" eaLnBrk="1" latinLnBrk="0" hangingPunct="1">
+      <a:defRPr sz="1800" kern="1200">
         <a:solidFill>
           <a:schemeClr val="tx1"/>
         </a:solidFill>
@@ -72,8 +78,8 @@
         <a:cs typeface="+mn-cs"/>
       </a:defRPr>
     </a:lvl5pPr>
-    <a:lvl6pPr marL="2286000" algn="l" defTabSz="914400" rtl="0" eaLnBrk="1" latinLnBrk="0" hangingPunct="1">
-      <a:defRPr kumimoji="1" sz="1800" kern="1200">
+    <a:lvl6pPr marL="2286000" algn="l" defTabSz="457200" rtl="0" eaLnBrk="1" latinLnBrk="0" hangingPunct="1">
+      <a:defRPr sz="1800" kern="1200">
         <a:solidFill>
           <a:schemeClr val="tx1"/>
         </a:solidFill>
@@ -82,8 +88,8 @@
         <a:cs typeface="+mn-cs"/>
       </a:defRPr>
     </a:lvl6pPr>
-    <a:lvl7pPr marL="2743200" algn="l" defTabSz="914400" rtl="0" eaLnBrk="1" latinLnBrk="0" hangingPunct="1">
-      <a:defRPr kumimoji="1" sz="1800" kern="1200">
+    <a:lvl7pPr marL="2743200" algn="l" defTabSz="457200" rtl="0" eaLnBrk="1" latinLnBrk="0" hangingPunct="1">
+      <a:defRPr sz="1800" kern="1200">
         <a:solidFill>
           <a:schemeClr val="tx1"/>
         </a:solidFill>
@@ -92,8 +98,8 @@
         <a:cs typeface="+mn-cs"/>
       </a:defRPr>
     </a:lvl7pPr>
-    <a:lvl8pPr marL="3200400" algn="l" defTabSz="914400" rtl="0" eaLnBrk="1" latinLnBrk="0" hangingPunct="1">
-      <a:defRPr kumimoji="1" sz="1800" kern="1200">
+    <a:lvl8pPr marL="3200400" algn="l" defTabSz="457200" rtl="0" eaLnBrk="1" latinLnBrk="0" hangingPunct="1">
+      <a:defRPr sz="1800" kern="1200">
         <a:solidFill>
           <a:schemeClr val="tx1"/>
         </a:solidFill>
@@ -102,8 +108,8 @@
         <a:cs typeface="+mn-cs"/>
       </a:defRPr>
     </a:lvl8pPr>
-    <a:lvl9pPr marL="3657600" algn="l" defTabSz="914400" rtl="0" eaLnBrk="1" latinLnBrk="0" hangingPunct="1">
-      <a:defRPr kumimoji="1" sz="1800" kern="1200">
+    <a:lvl9pPr marL="3657600" algn="l" defTabSz="457200" rtl="0" eaLnBrk="1" latinLnBrk="0" hangingPunct="1">
+      <a:defRPr sz="1800" kern="1200">
         <a:solidFill>
           <a:schemeClr val="tx1"/>
         </a:solidFill>
@@ -119,6 +125,1080 @@
     </p:ext>
   </p:extLst>
 </p:presentation>
+</file>
+
+<file path=ppt/charts/chart1.xml><?xml version="1.0" encoding="utf-8"?>
+<c:chartSpace xmlns:c="http://schemas.openxmlformats.org/drawingml/2006/chart" xmlns:a="http://schemas.openxmlformats.org/drawingml/2006/main" xmlns:r="http://schemas.openxmlformats.org/officeDocument/2006/relationships" xmlns:c16r2="http://schemas.microsoft.com/office/drawing/2015/06/chart">
+  <c:date1904 val="0"/>
+  <c:lang val="ja-JP"/>
+  <c:roundedCorners val="0"/>
+  <mc:AlternateContent xmlns:mc="http://schemas.openxmlformats.org/markup-compatibility/2006">
+    <mc:Choice xmlns:c14="http://schemas.microsoft.com/office/drawing/2007/8/2/chart" Requires="c14">
+      <c14:style val="102"/>
+    </mc:Choice>
+    <mc:Fallback>
+      <c:style val="2"/>
+    </mc:Fallback>
+  </mc:AlternateContent>
+  <c:chart>
+    <c:autoTitleDeleted val="1"/>
+    <c:view3D>
+      <c:rotX val="30"/>
+      <c:rotY val="0"/>
+      <c:depthPercent val="100"/>
+      <c:rAngAx val="0"/>
+    </c:view3D>
+    <c:floor>
+      <c:thickness val="0"/>
+      <c:spPr>
+        <a:noFill/>
+        <a:ln>
+          <a:noFill/>
+        </a:ln>
+        <a:effectLst/>
+        <a:sp3d/>
+      </c:spPr>
+    </c:floor>
+    <c:sideWall>
+      <c:thickness val="0"/>
+      <c:spPr>
+        <a:noFill/>
+        <a:ln>
+          <a:noFill/>
+        </a:ln>
+        <a:effectLst/>
+        <a:sp3d/>
+      </c:spPr>
+    </c:sideWall>
+    <c:backWall>
+      <c:thickness val="0"/>
+      <c:spPr>
+        <a:noFill/>
+        <a:ln>
+          <a:noFill/>
+        </a:ln>
+        <a:effectLst/>
+        <a:sp3d/>
+      </c:spPr>
+    </c:backWall>
+    <c:plotArea>
+      <c:layout>
+        <c:manualLayout>
+          <c:layoutTarget val="inner"/>
+          <c:xMode val="edge"/>
+          <c:yMode val="edge"/>
+          <c:x val="1.8767355167560573E-2"/>
+          <c:y val="8.6277251729723503E-2"/>
+          <c:w val="0.55743019894252344"/>
+          <c:h val="0.82744549654055299"/>
+        </c:manualLayout>
+      </c:layout>
+      <c:pie3DChart>
+        <c:varyColors val="1"/>
+        <c:ser>
+          <c:idx val="0"/>
+          <c:order val="0"/>
+          <c:tx>
+            <c:strRef>
+              <c:f>Sheet1!$B$1</c:f>
+              <c:strCache>
+                <c:ptCount val="1"/>
+                <c:pt idx="0">
+                  <c:v>会社数</c:v>
+                </c:pt>
+              </c:strCache>
+            </c:strRef>
+          </c:tx>
+          <c:dPt>
+            <c:idx val="0"/>
+            <c:bubble3D val="0"/>
+            <c:spPr>
+              <a:solidFill>
+                <a:schemeClr val="accent1"/>
+              </a:solidFill>
+              <a:ln w="25400">
+                <a:solidFill>
+                  <a:schemeClr val="lt1"/>
+                </a:solidFill>
+              </a:ln>
+              <a:effectLst/>
+              <a:sp3d contourW="25400">
+                <a:contourClr>
+                  <a:schemeClr val="lt1"/>
+                </a:contourClr>
+              </a:sp3d>
+            </c:spPr>
+          </c:dPt>
+          <c:dPt>
+            <c:idx val="1"/>
+            <c:bubble3D val="0"/>
+            <c:explosion val="6"/>
+            <c:spPr>
+              <a:solidFill>
+                <a:schemeClr val="accent2"/>
+              </a:solidFill>
+              <a:ln w="25400">
+                <a:solidFill>
+                  <a:schemeClr val="lt1"/>
+                </a:solidFill>
+              </a:ln>
+              <a:effectLst/>
+              <a:sp3d contourW="25400">
+                <a:contourClr>
+                  <a:schemeClr val="lt1"/>
+                </a:contourClr>
+              </a:sp3d>
+            </c:spPr>
+            <c:extLst>
+              <c:ext xmlns:c16="http://schemas.microsoft.com/office/drawing/2014/chart" uri="{C3380CC4-5D6E-409C-BE32-E72D297353CC}">
+                <c16:uniqueId val="{00000001-4C7B-4B47-B281-52FC893ED1C9}"/>
+              </c:ext>
+            </c:extLst>
+          </c:dPt>
+          <c:dPt>
+            <c:idx val="2"/>
+            <c:bubble3D val="0"/>
+            <c:spPr>
+              <a:solidFill>
+                <a:schemeClr val="accent3"/>
+              </a:solidFill>
+              <a:ln w="25400">
+                <a:solidFill>
+                  <a:schemeClr val="lt1"/>
+                </a:solidFill>
+              </a:ln>
+              <a:effectLst/>
+              <a:sp3d contourW="25400">
+                <a:contourClr>
+                  <a:schemeClr val="lt1"/>
+                </a:contourClr>
+              </a:sp3d>
+            </c:spPr>
+          </c:dPt>
+          <c:dPt>
+            <c:idx val="3"/>
+            <c:bubble3D val="0"/>
+            <c:spPr>
+              <a:solidFill>
+                <a:schemeClr val="accent4"/>
+              </a:solidFill>
+              <a:ln w="25400">
+                <a:solidFill>
+                  <a:schemeClr val="lt1"/>
+                </a:solidFill>
+              </a:ln>
+              <a:effectLst/>
+              <a:sp3d contourW="25400">
+                <a:contourClr>
+                  <a:schemeClr val="lt1"/>
+                </a:contourClr>
+              </a:sp3d>
+            </c:spPr>
+          </c:dPt>
+          <c:dPt>
+            <c:idx val="4"/>
+            <c:bubble3D val="0"/>
+            <c:spPr>
+              <a:solidFill>
+                <a:schemeClr val="accent5"/>
+              </a:solidFill>
+              <a:ln w="25400">
+                <a:solidFill>
+                  <a:schemeClr val="lt1"/>
+                </a:solidFill>
+              </a:ln>
+              <a:effectLst/>
+              <a:sp3d contourW="25400">
+                <a:contourClr>
+                  <a:schemeClr val="lt1"/>
+                </a:contourClr>
+              </a:sp3d>
+            </c:spPr>
+          </c:dPt>
+          <c:dPt>
+            <c:idx val="5"/>
+            <c:bubble3D val="0"/>
+            <c:spPr>
+              <a:solidFill>
+                <a:schemeClr val="accent6"/>
+              </a:solidFill>
+              <a:ln w="25400">
+                <a:solidFill>
+                  <a:schemeClr val="lt1"/>
+                </a:solidFill>
+              </a:ln>
+              <a:effectLst/>
+              <a:sp3d contourW="25400">
+                <a:contourClr>
+                  <a:schemeClr val="lt1"/>
+                </a:contourClr>
+              </a:sp3d>
+            </c:spPr>
+            <c:extLst>
+              <c:ext xmlns:c16="http://schemas.microsoft.com/office/drawing/2014/chart" uri="{C3380CC4-5D6E-409C-BE32-E72D297353CC}">
+                <c16:uniqueId val="{00000003-4C7B-4B47-B281-52FC893ED1C9}"/>
+              </c:ext>
+            </c:extLst>
+          </c:dPt>
+          <c:dPt>
+            <c:idx val="6"/>
+            <c:bubble3D val="0"/>
+            <c:spPr>
+              <a:solidFill>
+                <a:schemeClr val="accent1">
+                  <a:lumMod val="60000"/>
+                </a:schemeClr>
+              </a:solidFill>
+              <a:ln w="25400">
+                <a:solidFill>
+                  <a:schemeClr val="lt1"/>
+                </a:solidFill>
+              </a:ln>
+              <a:effectLst/>
+              <a:sp3d contourW="25400">
+                <a:contourClr>
+                  <a:schemeClr val="lt1"/>
+                </a:contourClr>
+              </a:sp3d>
+            </c:spPr>
+            <c:extLst>
+              <c:ext xmlns:c16="http://schemas.microsoft.com/office/drawing/2014/chart" uri="{C3380CC4-5D6E-409C-BE32-E72D297353CC}">
+                <c16:uniqueId val="{00000002-4C7B-4B47-B281-52FC893ED1C9}"/>
+              </c:ext>
+            </c:extLst>
+          </c:dPt>
+          <c:dLbls>
+            <c:dLbl>
+              <c:idx val="5"/>
+              <c:layout>
+                <c:manualLayout>
+                  <c:x val="-2.4154589371980697E-2"/>
+                  <c:y val="-3.026197028574076E-2"/>
+                </c:manualLayout>
+              </c:layout>
+              <c:tx>
+                <c:rich>
+                  <a:bodyPr/>
+                  <a:lstStyle/>
+                  <a:p>
+                    <a:fld id="{2B221F3F-2C85-46F5-838B-797181803E03}" type="VALUE">
+                      <a:rPr lang="en-US" altLang="ja-JP"/>
+                      <a:pPr/>
+                      <a:t>[値]</a:t>
+                    </a:fld>
+                    <a:r>
+                      <a:rPr lang="en-US" altLang="ja-JP" baseline="0" dirty="0"/>
+                      <a:t>, </a:t>
+                    </a:r>
+                    <a:fld id="{06889D96-0589-4DD7-9168-BD14F5E3CEEB}" type="PERCENTAGE">
+                      <a:rPr lang="en-US" altLang="ja-JP" baseline="0" smtClean="0"/>
+                      <a:pPr/>
+                      <a:t>[パーセンテージ]</a:t>
+                    </a:fld>
+                    <a:endParaRPr lang="en-US" altLang="ja-JP" baseline="0" dirty="0"/>
+                  </a:p>
+                </c:rich>
+              </c:tx>
+              <c:dLblPos val="bestFit"/>
+              <c:showLegendKey val="0"/>
+              <c:showVal val="1"/>
+              <c:showCatName val="0"/>
+              <c:showSerName val="0"/>
+              <c:showPercent val="1"/>
+              <c:showBubbleSize val="0"/>
+              <c:extLst>
+                <c:ext xmlns:c15="http://schemas.microsoft.com/office/drawing/2012/chart" uri="{CE6537A1-D6FC-4f65-9D91-7224C49458BB}">
+                  <c15:dlblFieldTable/>
+                  <c15:showDataLabelsRange val="0"/>
+                </c:ext>
+                <c:ext xmlns:c16="http://schemas.microsoft.com/office/drawing/2014/chart" uri="{C3380CC4-5D6E-409C-BE32-E72D297353CC}">
+                  <c16:uniqueId val="{00000003-4C7B-4B47-B281-52FC893ED1C9}"/>
+                </c:ext>
+              </c:extLst>
+            </c:dLbl>
+            <c:dLbl>
+              <c:idx val="6"/>
+              <c:layout>
+                <c:manualLayout>
+                  <c:x val="1.4492753623188361E-2"/>
+                  <c:y val="-3.2423539591865079E-2"/>
+                </c:manualLayout>
+              </c:layout>
+              <c:dLblPos val="bestFit"/>
+              <c:showLegendKey val="0"/>
+              <c:showVal val="1"/>
+              <c:showCatName val="0"/>
+              <c:showSerName val="0"/>
+              <c:showPercent val="1"/>
+              <c:showBubbleSize val="0"/>
+              <c:extLst>
+                <c:ext xmlns:c15="http://schemas.microsoft.com/office/drawing/2012/chart" uri="{CE6537A1-D6FC-4f65-9D91-7224C49458BB}"/>
+                <c:ext xmlns:c16="http://schemas.microsoft.com/office/drawing/2014/chart" uri="{C3380CC4-5D6E-409C-BE32-E72D297353CC}">
+                  <c16:uniqueId val="{00000002-4C7B-4B47-B281-52FC893ED1C9}"/>
+                </c:ext>
+              </c:extLst>
+            </c:dLbl>
+            <c:spPr>
+              <a:noFill/>
+              <a:ln>
+                <a:noFill/>
+              </a:ln>
+              <a:effectLst/>
+            </c:spPr>
+            <c:txPr>
+              <a:bodyPr rot="0" spcFirstLastPara="1" vertOverflow="ellipsis" vert="horz" wrap="square" lIns="38100" tIns="19050" rIns="38100" bIns="19050" anchor="ctr" anchorCtr="1">
+                <a:spAutoFit/>
+              </a:bodyPr>
+              <a:lstStyle/>
+              <a:p>
+                <a:pPr>
+                  <a:defRPr sz="1197" b="0" i="0" u="none" strike="noStrike" kern="1200" baseline="0">
+                    <a:solidFill>
+                      <a:schemeClr val="tx1">
+                        <a:lumMod val="75000"/>
+                        <a:lumOff val="25000"/>
+                      </a:schemeClr>
+                    </a:solidFill>
+                    <a:latin typeface="+mn-lt"/>
+                    <a:ea typeface="+mn-ea"/>
+                    <a:cs typeface="+mn-cs"/>
+                  </a:defRPr>
+                </a:pPr>
+                <a:endParaRPr lang="ja-JP"/>
+              </a:p>
+            </c:txPr>
+            <c:dLblPos val="outEnd"/>
+            <c:showLegendKey val="0"/>
+            <c:showVal val="1"/>
+            <c:showCatName val="0"/>
+            <c:showSerName val="0"/>
+            <c:showPercent val="1"/>
+            <c:showBubbleSize val="0"/>
+            <c:showLeaderLines val="1"/>
+            <c:leaderLines>
+              <c:spPr>
+                <a:ln w="9525" cap="flat" cmpd="sng" algn="ctr">
+                  <a:solidFill>
+                    <a:schemeClr val="tx1">
+                      <a:lumMod val="35000"/>
+                      <a:lumOff val="65000"/>
+                    </a:schemeClr>
+                  </a:solidFill>
+                  <a:round/>
+                </a:ln>
+                <a:effectLst/>
+              </c:spPr>
+            </c:leaderLines>
+            <c:extLst>
+              <c:ext xmlns:c15="http://schemas.microsoft.com/office/drawing/2012/chart" uri="{CE6537A1-D6FC-4f65-9D91-7224C49458BB}"/>
+            </c:extLst>
+          </c:dLbls>
+          <c:cat>
+            <c:strRef>
+              <c:f>Sheet1!$A$2:$A$8</c:f>
+              <c:strCache>
+                <c:ptCount val="7"/>
+                <c:pt idx="0">
+                  <c:v>情報通信</c:v>
+                </c:pt>
+                <c:pt idx="1">
+                  <c:v>製造業</c:v>
+                </c:pt>
+                <c:pt idx="2">
+                  <c:v>銀行  保険  証券、商品先物取引  その他金融</c:v>
+                </c:pt>
+                <c:pt idx="3">
+                  <c:v>建設  不動産</c:v>
+                </c:pt>
+                <c:pt idx="4">
+                  <c:v>小売 卸売  サービス</c:v>
+                </c:pt>
+                <c:pt idx="5">
+                  <c:v>水産・農林  鉱業</c:v>
+                </c:pt>
+                <c:pt idx="6">
+                  <c:v>陸運・海運・空運  倉庫・運輸関連  電力・ガス</c:v>
+                </c:pt>
+              </c:strCache>
+            </c:strRef>
+          </c:cat>
+          <c:val>
+            <c:numRef>
+              <c:f>Sheet1!$B$2:$B$8</c:f>
+              <c:numCache>
+                <c:formatCode>General</c:formatCode>
+                <c:ptCount val="7"/>
+                <c:pt idx="0">
+                  <c:v>457</c:v>
+                </c:pt>
+                <c:pt idx="1">
+                  <c:v>1497</c:v>
+                </c:pt>
+                <c:pt idx="2">
+                  <c:v>183</c:v>
+                </c:pt>
+                <c:pt idx="3">
+                  <c:v>313</c:v>
+                </c:pt>
+                <c:pt idx="4">
+                  <c:v>1169</c:v>
+                </c:pt>
+                <c:pt idx="5">
+                  <c:v>16</c:v>
+                </c:pt>
+                <c:pt idx="6">
+                  <c:v>147</c:v>
+                </c:pt>
+              </c:numCache>
+            </c:numRef>
+          </c:val>
+          <c:extLst>
+            <c:ext xmlns:c16="http://schemas.microsoft.com/office/drawing/2014/chart" uri="{C3380CC4-5D6E-409C-BE32-E72D297353CC}">
+              <c16:uniqueId val="{00000000-4C7B-4B47-B281-52FC893ED1C9}"/>
+            </c:ext>
+          </c:extLst>
+        </c:ser>
+        <c:dLbls>
+          <c:dLblPos val="outEnd"/>
+          <c:showLegendKey val="0"/>
+          <c:showVal val="1"/>
+          <c:showCatName val="0"/>
+          <c:showSerName val="0"/>
+          <c:showPercent val="0"/>
+          <c:showBubbleSize val="0"/>
+          <c:showLeaderLines val="1"/>
+        </c:dLbls>
+      </c:pie3DChart>
+      <c:spPr>
+        <a:noFill/>
+        <a:ln>
+          <a:noFill/>
+        </a:ln>
+        <a:effectLst/>
+      </c:spPr>
+    </c:plotArea>
+    <c:legend>
+      <c:legendPos val="r"/>
+      <c:overlay val="0"/>
+      <c:spPr>
+        <a:noFill/>
+        <a:ln>
+          <a:noFill/>
+        </a:ln>
+        <a:effectLst/>
+      </c:spPr>
+      <c:txPr>
+        <a:bodyPr rot="0" spcFirstLastPara="1" vertOverflow="ellipsis" vert="horz" wrap="square" anchor="ctr" anchorCtr="1"/>
+        <a:lstStyle/>
+        <a:p>
+          <a:pPr>
+            <a:defRPr sz="1197" b="0" i="0" u="none" strike="noStrike" kern="1200" baseline="0">
+              <a:solidFill>
+                <a:schemeClr val="tx1">
+                  <a:lumMod val="65000"/>
+                  <a:lumOff val="35000"/>
+                </a:schemeClr>
+              </a:solidFill>
+              <a:latin typeface="+mn-lt"/>
+              <a:ea typeface="+mn-ea"/>
+              <a:cs typeface="+mn-cs"/>
+            </a:defRPr>
+          </a:pPr>
+          <a:endParaRPr lang="ja-JP"/>
+        </a:p>
+      </c:txPr>
+    </c:legend>
+    <c:plotVisOnly val="1"/>
+    <c:dispBlanksAs val="gap"/>
+    <c:extLst>
+      <c:ext xmlns:c16r3="http://schemas.microsoft.com/office/drawing/2017/03/chart" uri="{56B9EC1D-385E-4148-901F-78D8002777C0}">
+        <c16r3:dataDisplayOptions16>
+          <c16r3:dispNaAsBlank val="1"/>
+        </c16r3:dataDisplayOptions16>
+      </c:ext>
+    </c:extLst>
+    <c:showDLblsOverMax val="0"/>
+  </c:chart>
+  <c:spPr>
+    <a:noFill/>
+    <a:ln>
+      <a:noFill/>
+    </a:ln>
+    <a:effectLst/>
+  </c:spPr>
+  <c:txPr>
+    <a:bodyPr/>
+    <a:lstStyle/>
+    <a:p>
+      <a:pPr>
+        <a:defRPr/>
+      </a:pPr>
+      <a:endParaRPr lang="ja-JP"/>
+    </a:p>
+  </c:txPr>
+  <c:externalData r:id="rId3">
+    <c:autoUpdate val="0"/>
+  </c:externalData>
+</c:chartSpace>
+</file>
+
+<file path=ppt/charts/colors1.xml><?xml version="1.0" encoding="utf-8"?>
+<cs:colorStyle xmlns:cs="http://schemas.microsoft.com/office/drawing/2012/chartStyle" xmlns:a="http://schemas.openxmlformats.org/drawingml/2006/main" meth="cycle" id="10">
+  <a:schemeClr val="accent1"/>
+  <a:schemeClr val="accent2"/>
+  <a:schemeClr val="accent3"/>
+  <a:schemeClr val="accent4"/>
+  <a:schemeClr val="accent5"/>
+  <a:schemeClr val="accent6"/>
+  <cs:variation/>
+  <cs:variation>
+    <a:lumMod val="60000"/>
+  </cs:variation>
+  <cs:variation>
+    <a:lumMod val="80000"/>
+    <a:lumOff val="20000"/>
+  </cs:variation>
+  <cs:variation>
+    <a:lumMod val="80000"/>
+  </cs:variation>
+  <cs:variation>
+    <a:lumMod val="60000"/>
+    <a:lumOff val="40000"/>
+  </cs:variation>
+  <cs:variation>
+    <a:lumMod val="50000"/>
+  </cs:variation>
+  <cs:variation>
+    <a:lumMod val="70000"/>
+    <a:lumOff val="30000"/>
+  </cs:variation>
+  <cs:variation>
+    <a:lumMod val="70000"/>
+  </cs:variation>
+  <cs:variation>
+    <a:lumMod val="50000"/>
+    <a:lumOff val="50000"/>
+  </cs:variation>
+</cs:colorStyle>
+</file>
+
+<file path=ppt/charts/style1.xml><?xml version="1.0" encoding="utf-8"?>
+<cs:chartStyle xmlns:cs="http://schemas.microsoft.com/office/drawing/2012/chartStyle" xmlns:a="http://schemas.openxmlformats.org/drawingml/2006/main" id="262">
+  <cs:axisTitle>
+    <cs:lnRef idx="0"/>
+    <cs:fillRef idx="0"/>
+    <cs:effectRef idx="0"/>
+    <cs:fontRef idx="minor">
+      <a:schemeClr val="tx1">
+        <a:lumMod val="65000"/>
+        <a:lumOff val="35000"/>
+      </a:schemeClr>
+    </cs:fontRef>
+    <cs:defRPr sz="1330" kern="1200"/>
+  </cs:axisTitle>
+  <cs:categoryAxis>
+    <cs:lnRef idx="0"/>
+    <cs:fillRef idx="0"/>
+    <cs:effectRef idx="0"/>
+    <cs:fontRef idx="minor">
+      <a:schemeClr val="tx1">
+        <a:lumMod val="65000"/>
+        <a:lumOff val="35000"/>
+      </a:schemeClr>
+    </cs:fontRef>
+    <cs:spPr>
+      <a:ln w="9525" cap="flat" cmpd="sng" algn="ctr">
+        <a:solidFill>
+          <a:schemeClr val="tx1">
+            <a:lumMod val="15000"/>
+            <a:lumOff val="85000"/>
+          </a:schemeClr>
+        </a:solidFill>
+        <a:round/>
+      </a:ln>
+    </cs:spPr>
+    <cs:defRPr sz="1197" kern="1200"/>
+  </cs:categoryAxis>
+  <cs:chartArea mods="allowNoFillOverride allowNoLineOverride">
+    <cs:lnRef idx="0"/>
+    <cs:fillRef idx="0"/>
+    <cs:effectRef idx="0"/>
+    <cs:fontRef idx="minor">
+      <a:schemeClr val="tx1"/>
+    </cs:fontRef>
+    <cs:spPr>
+      <a:solidFill>
+        <a:schemeClr val="bg1"/>
+      </a:solidFill>
+      <a:ln w="9525" cap="flat" cmpd="sng" algn="ctr">
+        <a:solidFill>
+          <a:schemeClr val="tx1">
+            <a:lumMod val="15000"/>
+            <a:lumOff val="85000"/>
+          </a:schemeClr>
+        </a:solidFill>
+        <a:round/>
+      </a:ln>
+    </cs:spPr>
+    <cs:defRPr sz="1197" kern="1200"/>
+  </cs:chartArea>
+  <cs:dataLabel>
+    <cs:lnRef idx="0"/>
+    <cs:fillRef idx="0"/>
+    <cs:effectRef idx="0"/>
+    <cs:fontRef idx="minor">
+      <a:schemeClr val="tx1">
+        <a:lumMod val="75000"/>
+        <a:lumOff val="25000"/>
+      </a:schemeClr>
+    </cs:fontRef>
+    <cs:defRPr sz="1197" kern="1200"/>
+  </cs:dataLabel>
+  <cs:dataLabelCallout>
+    <cs:lnRef idx="0"/>
+    <cs:fillRef idx="0"/>
+    <cs:effectRef idx="0"/>
+    <cs:fontRef idx="minor">
+      <a:schemeClr val="dk1">
+        <a:lumMod val="65000"/>
+        <a:lumOff val="35000"/>
+      </a:schemeClr>
+    </cs:fontRef>
+    <cs:spPr>
+      <a:solidFill>
+        <a:schemeClr val="lt1"/>
+      </a:solidFill>
+      <a:ln>
+        <a:solidFill>
+          <a:schemeClr val="dk1">
+            <a:lumMod val="25000"/>
+            <a:lumOff val="75000"/>
+          </a:schemeClr>
+        </a:solidFill>
+      </a:ln>
+    </cs:spPr>
+    <cs:defRPr sz="1197" kern="1200"/>
+    <cs:bodyPr rot="0" spcFirstLastPara="1" vertOverflow="clip" horzOverflow="clip" vert="horz" wrap="square" lIns="36576" tIns="18288" rIns="36576" bIns="18288" anchor="ctr" anchorCtr="1">
+      <a:spAutoFit/>
+    </cs:bodyPr>
+  </cs:dataLabelCallout>
+  <cs:dataPoint>
+    <cs:lnRef idx="0"/>
+    <cs:fillRef idx="1">
+      <cs:styleClr val="auto"/>
+    </cs:fillRef>
+    <cs:effectRef idx="0"/>
+    <cs:fontRef idx="minor">
+      <a:schemeClr val="tx1"/>
+    </cs:fontRef>
+    <cs:spPr>
+      <a:ln w="19050">
+        <a:solidFill>
+          <a:schemeClr val="lt1"/>
+        </a:solidFill>
+      </a:ln>
+    </cs:spPr>
+  </cs:dataPoint>
+  <cs:dataPoint3D>
+    <cs:lnRef idx="0"/>
+    <cs:fillRef idx="1">
+      <cs:styleClr val="auto"/>
+    </cs:fillRef>
+    <cs:effectRef idx="0"/>
+    <cs:fontRef idx="minor">
+      <a:schemeClr val="tx1"/>
+    </cs:fontRef>
+    <cs:spPr>
+      <a:ln w="25400">
+        <a:solidFill>
+          <a:schemeClr val="lt1"/>
+        </a:solidFill>
+      </a:ln>
+    </cs:spPr>
+  </cs:dataPoint3D>
+  <cs:dataPointLine>
+    <cs:lnRef idx="0">
+      <cs:styleClr val="auto"/>
+    </cs:lnRef>
+    <cs:fillRef idx="0"/>
+    <cs:effectRef idx="0"/>
+    <cs:fontRef idx="minor">
+      <a:schemeClr val="tx1"/>
+    </cs:fontRef>
+    <cs:spPr>
+      <a:ln w="28575" cap="rnd">
+        <a:solidFill>
+          <a:schemeClr val="phClr"/>
+        </a:solidFill>
+        <a:round/>
+      </a:ln>
+    </cs:spPr>
+  </cs:dataPointLine>
+  <cs:dataPointMarker>
+    <cs:lnRef idx="0">
+      <cs:styleClr val="auto"/>
+    </cs:lnRef>
+    <cs:fillRef idx="1">
+      <cs:styleClr val="auto"/>
+    </cs:fillRef>
+    <cs:effectRef idx="0"/>
+    <cs:fontRef idx="minor">
+      <a:schemeClr val="tx1"/>
+    </cs:fontRef>
+    <cs:spPr>
+      <a:ln w="9525">
+        <a:solidFill>
+          <a:schemeClr val="phClr"/>
+        </a:solidFill>
+      </a:ln>
+    </cs:spPr>
+  </cs:dataPointMarker>
+  <cs:dataPointMarkerLayout symbol="circle" size="5"/>
+  <cs:dataPointWireframe>
+    <cs:lnRef idx="0">
+      <cs:styleClr val="auto"/>
+    </cs:lnRef>
+    <cs:fillRef idx="0"/>
+    <cs:effectRef idx="0"/>
+    <cs:fontRef idx="minor">
+      <a:schemeClr val="tx1"/>
+    </cs:fontRef>
+    <cs:spPr>
+      <a:ln w="9525" cap="rnd">
+        <a:solidFill>
+          <a:schemeClr val="phClr"/>
+        </a:solidFill>
+        <a:round/>
+      </a:ln>
+    </cs:spPr>
+  </cs:dataPointWireframe>
+  <cs:dataTable>
+    <cs:lnRef idx="0"/>
+    <cs:fillRef idx="0"/>
+    <cs:effectRef idx="0"/>
+    <cs:fontRef idx="minor">
+      <a:schemeClr val="tx1">
+        <a:lumMod val="65000"/>
+        <a:lumOff val="35000"/>
+      </a:schemeClr>
+    </cs:fontRef>
+    <cs:spPr>
+      <a:noFill/>
+      <a:ln w="9525" cap="flat" cmpd="sng" algn="ctr">
+        <a:solidFill>
+          <a:schemeClr val="tx1">
+            <a:lumMod val="15000"/>
+            <a:lumOff val="85000"/>
+          </a:schemeClr>
+        </a:solidFill>
+        <a:round/>
+      </a:ln>
+    </cs:spPr>
+    <cs:defRPr sz="1197" kern="1200"/>
+  </cs:dataTable>
+  <cs:downBar>
+    <cs:lnRef idx="0"/>
+    <cs:fillRef idx="0"/>
+    <cs:effectRef idx="0"/>
+    <cs:fontRef idx="minor">
+      <a:schemeClr val="tx1"/>
+    </cs:fontRef>
+    <cs:spPr>
+      <a:solidFill>
+        <a:schemeClr val="dk1">
+          <a:lumMod val="75000"/>
+          <a:lumOff val="25000"/>
+        </a:schemeClr>
+      </a:solidFill>
+      <a:ln w="9525" cap="flat" cmpd="sng" algn="ctr">
+        <a:solidFill>
+          <a:schemeClr val="tx1">
+            <a:lumMod val="65000"/>
+            <a:lumOff val="35000"/>
+          </a:schemeClr>
+        </a:solidFill>
+        <a:round/>
+      </a:ln>
+    </cs:spPr>
+  </cs:downBar>
+  <cs:dropLine>
+    <cs:lnRef idx="0"/>
+    <cs:fillRef idx="0"/>
+    <cs:effectRef idx="0"/>
+    <cs:fontRef idx="minor">
+      <a:schemeClr val="tx1"/>
+    </cs:fontRef>
+    <cs:spPr>
+      <a:ln w="9525" cap="flat" cmpd="sng" algn="ctr">
+        <a:solidFill>
+          <a:schemeClr val="tx1">
+            <a:lumMod val="35000"/>
+            <a:lumOff val="65000"/>
+          </a:schemeClr>
+        </a:solidFill>
+        <a:round/>
+      </a:ln>
+    </cs:spPr>
+  </cs:dropLine>
+  <cs:errorBar>
+    <cs:lnRef idx="0"/>
+    <cs:fillRef idx="0"/>
+    <cs:effectRef idx="0"/>
+    <cs:fontRef idx="minor">
+      <a:schemeClr val="tx1"/>
+    </cs:fontRef>
+    <cs:spPr>
+      <a:ln w="9525" cap="flat" cmpd="sng" algn="ctr">
+        <a:solidFill>
+          <a:schemeClr val="tx1">
+            <a:lumMod val="65000"/>
+            <a:lumOff val="35000"/>
+          </a:schemeClr>
+        </a:solidFill>
+        <a:round/>
+      </a:ln>
+    </cs:spPr>
+  </cs:errorBar>
+  <cs:floor>
+    <cs:lnRef idx="0"/>
+    <cs:fillRef idx="0"/>
+    <cs:effectRef idx="0"/>
+    <cs:fontRef idx="minor">
+      <a:schemeClr val="tx1"/>
+    </cs:fontRef>
+    <cs:spPr>
+      <a:noFill/>
+      <a:ln>
+        <a:noFill/>
+      </a:ln>
+    </cs:spPr>
+  </cs:floor>
+  <cs:gridlineMajor>
+    <cs:lnRef idx="0"/>
+    <cs:fillRef idx="0"/>
+    <cs:effectRef idx="0"/>
+    <cs:fontRef idx="minor">
+      <a:schemeClr val="tx1"/>
+    </cs:fontRef>
+    <cs:spPr>
+      <a:ln w="9525" cap="flat" cmpd="sng" algn="ctr">
+        <a:solidFill>
+          <a:schemeClr val="tx1">
+            <a:lumMod val="15000"/>
+            <a:lumOff val="85000"/>
+          </a:schemeClr>
+        </a:solidFill>
+        <a:round/>
+      </a:ln>
+    </cs:spPr>
+  </cs:gridlineMajor>
+  <cs:gridlineMinor>
+    <cs:lnRef idx="0"/>
+    <cs:fillRef idx="0"/>
+    <cs:effectRef idx="0"/>
+    <cs:fontRef idx="minor">
+      <a:schemeClr val="tx1"/>
+    </cs:fontRef>
+    <cs:spPr>
+      <a:ln w="9525" cap="flat" cmpd="sng" algn="ctr">
+        <a:solidFill>
+          <a:schemeClr val="tx1">
+            <a:lumMod val="5000"/>
+            <a:lumOff val="95000"/>
+          </a:schemeClr>
+        </a:solidFill>
+        <a:round/>
+      </a:ln>
+    </cs:spPr>
+  </cs:gridlineMinor>
+  <cs:hiLoLine>
+    <cs:lnRef idx="0"/>
+    <cs:fillRef idx="0"/>
+    <cs:effectRef idx="0"/>
+    <cs:fontRef idx="minor">
+      <a:schemeClr val="tx1"/>
+    </cs:fontRef>
+    <cs:spPr>
+      <a:ln w="9525" cap="flat" cmpd="sng" algn="ctr">
+        <a:solidFill>
+          <a:schemeClr val="tx1">
+            <a:lumMod val="50000"/>
+            <a:lumOff val="50000"/>
+          </a:schemeClr>
+        </a:solidFill>
+        <a:round/>
+      </a:ln>
+    </cs:spPr>
+  </cs:hiLoLine>
+  <cs:leaderLine>
+    <cs:lnRef idx="0"/>
+    <cs:fillRef idx="0"/>
+    <cs:effectRef idx="0"/>
+    <cs:fontRef idx="minor">
+      <a:schemeClr val="tx1"/>
+    </cs:fontRef>
+    <cs:spPr>
+      <a:ln w="9525" cap="flat" cmpd="sng" algn="ctr">
+        <a:solidFill>
+          <a:schemeClr val="tx1">
+            <a:lumMod val="35000"/>
+            <a:lumOff val="65000"/>
+          </a:schemeClr>
+        </a:solidFill>
+        <a:round/>
+      </a:ln>
+    </cs:spPr>
+  </cs:leaderLine>
+  <cs:legend>
+    <cs:lnRef idx="0"/>
+    <cs:fillRef idx="0"/>
+    <cs:effectRef idx="0"/>
+    <cs:fontRef idx="minor">
+      <a:schemeClr val="tx1">
+        <a:lumMod val="65000"/>
+        <a:lumOff val="35000"/>
+      </a:schemeClr>
+    </cs:fontRef>
+    <cs:defRPr sz="1197" kern="1200"/>
+  </cs:legend>
+  <cs:plotArea mods="allowNoFillOverride allowNoLineOverride">
+    <cs:lnRef idx="0"/>
+    <cs:fillRef idx="0"/>
+    <cs:effectRef idx="0"/>
+    <cs:fontRef idx="minor">
+      <a:schemeClr val="tx1"/>
+    </cs:fontRef>
+  </cs:plotArea>
+  <cs:plotArea3D mods="allowNoFillOverride allowNoLineOverride">
+    <cs:lnRef idx="0"/>
+    <cs:fillRef idx="0"/>
+    <cs:effectRef idx="0"/>
+    <cs:fontRef idx="minor">
+      <a:schemeClr val="tx1"/>
+    </cs:fontRef>
+  </cs:plotArea3D>
+  <cs:seriesAxis>
+    <cs:lnRef idx="0"/>
+    <cs:fillRef idx="0"/>
+    <cs:effectRef idx="0"/>
+    <cs:fontRef idx="minor">
+      <a:schemeClr val="tx1">
+        <a:lumMod val="65000"/>
+        <a:lumOff val="35000"/>
+      </a:schemeClr>
+    </cs:fontRef>
+    <cs:defRPr sz="1197" kern="1200"/>
+  </cs:seriesAxis>
+  <cs:seriesLine>
+    <cs:lnRef idx="0"/>
+    <cs:fillRef idx="0"/>
+    <cs:effectRef idx="0"/>
+    <cs:fontRef idx="minor">
+      <a:schemeClr val="tx1"/>
+    </cs:fontRef>
+    <cs:spPr>
+      <a:ln w="9525" cap="flat" cmpd="sng" algn="ctr">
+        <a:solidFill>
+          <a:schemeClr val="tx1">
+            <a:lumMod val="35000"/>
+            <a:lumOff val="65000"/>
+          </a:schemeClr>
+        </a:solidFill>
+        <a:round/>
+      </a:ln>
+    </cs:spPr>
+  </cs:seriesLine>
+  <cs:title>
+    <cs:lnRef idx="0"/>
+    <cs:fillRef idx="0"/>
+    <cs:effectRef idx="0"/>
+    <cs:fontRef idx="minor">
+      <a:schemeClr val="tx1">
+        <a:lumMod val="65000"/>
+        <a:lumOff val="35000"/>
+      </a:schemeClr>
+    </cs:fontRef>
+    <cs:defRPr sz="1862" b="0" kern="1200" spc="0" baseline="0"/>
+  </cs:title>
+  <cs:trendline>
+    <cs:lnRef idx="0">
+      <cs:styleClr val="auto"/>
+    </cs:lnRef>
+    <cs:fillRef idx="0"/>
+    <cs:effectRef idx="0"/>
+    <cs:fontRef idx="minor">
+      <a:schemeClr val="tx1"/>
+    </cs:fontRef>
+    <cs:spPr>
+      <a:ln w="19050" cap="rnd">
+        <a:solidFill>
+          <a:schemeClr val="phClr"/>
+        </a:solidFill>
+        <a:prstDash val="sysDot"/>
+      </a:ln>
+    </cs:spPr>
+  </cs:trendline>
+  <cs:trendlineLabel>
+    <cs:lnRef idx="0"/>
+    <cs:fillRef idx="0"/>
+    <cs:effectRef idx="0"/>
+    <cs:fontRef idx="minor">
+      <a:schemeClr val="tx1">
+        <a:lumMod val="65000"/>
+        <a:lumOff val="35000"/>
+      </a:schemeClr>
+    </cs:fontRef>
+    <cs:defRPr sz="1197" kern="1200"/>
+  </cs:trendlineLabel>
+  <cs:upBar>
+    <cs:lnRef idx="0"/>
+    <cs:fillRef idx="0"/>
+    <cs:effectRef idx="0"/>
+    <cs:fontRef idx="minor">
+      <a:schemeClr val="tx1"/>
+    </cs:fontRef>
+    <cs:spPr>
+      <a:solidFill>
+        <a:schemeClr val="lt1"/>
+      </a:solidFill>
+      <a:ln w="9525" cap="flat" cmpd="sng" algn="ctr">
+        <a:solidFill>
+          <a:schemeClr val="tx1">
+            <a:lumMod val="65000"/>
+            <a:lumOff val="35000"/>
+          </a:schemeClr>
+        </a:solidFill>
+        <a:round/>
+      </a:ln>
+    </cs:spPr>
+  </cs:upBar>
+  <cs:valueAxis>
+    <cs:lnRef idx="0"/>
+    <cs:fillRef idx="0"/>
+    <cs:effectRef idx="0"/>
+    <cs:fontRef idx="minor">
+      <a:schemeClr val="tx1">
+        <a:lumMod val="65000"/>
+        <a:lumOff val="35000"/>
+      </a:schemeClr>
+    </cs:fontRef>
+    <cs:defRPr sz="1197" kern="1200"/>
+  </cs:valueAxis>
+  <cs:wall>
+    <cs:lnRef idx="0"/>
+    <cs:fillRef idx="0"/>
+    <cs:effectRef idx="0"/>
+    <cs:fontRef idx="minor">
+      <a:schemeClr val="tx1"/>
+    </cs:fontRef>
+    <cs:spPr>
+      <a:noFill/>
+      <a:ln>
+        <a:noFill/>
+      </a:ln>
+    </cs:spPr>
+  </cs:wall>
+</cs:chartStyle>
 </file>
 
 <file path=ppt/slideLayouts/slideLayout1.xml><?xml version="1.0" encoding="utf-8"?>
@@ -140,13 +1220,7 @@
       </p:grpSpPr>
       <p:sp>
         <p:nvSpPr>
-          <p:cNvPr id="2" name="タイトル 1">
-            <a:extLst>
-              <a:ext uri="{FF2B5EF4-FFF2-40B4-BE49-F238E27FC236}">
-                <a16:creationId xmlns:a16="http://schemas.microsoft.com/office/drawing/2014/main" id="{2A42AB1D-AFD6-4AE4-985D-50A02CFF6AE9}"/>
-              </a:ext>
-            </a:extLst>
-          </p:cNvPr>
+          <p:cNvPr id="2" name="Title 1"/>
           <p:cNvSpPr>
             <a:spLocks noGrp="1"/>
           </p:cNvSpPr>
@@ -169,21 +1243,16 @@
           </a:lstStyle>
           <a:p>
             <a:r>
-              <a:rPr kumimoji="1" lang="ja-JP" altLang="en-US"/>
+              <a:rPr lang="ja-JP" altLang="en-US"/>
               <a:t>マスター タイトルの書式設定</a:t>
             </a:r>
-          </a:p>
-        </p:txBody>
-      </p:sp>
-      <p:sp>
-        <p:nvSpPr>
-          <p:cNvPr id="3" name="字幕 2">
-            <a:extLst>
-              <a:ext uri="{FF2B5EF4-FFF2-40B4-BE49-F238E27FC236}">
-                <a16:creationId xmlns:a16="http://schemas.microsoft.com/office/drawing/2014/main" id="{A35A2EDD-5F45-4A57-B08E-71C22824C1EB}"/>
-              </a:ext>
-            </a:extLst>
-          </p:cNvPr>
+            <a:endParaRPr lang="en-US" dirty="0"/>
+          </a:p>
+        </p:txBody>
+      </p:sp>
+      <p:sp>
+        <p:nvSpPr>
+          <p:cNvPr id="3" name="Subtitle 2"/>
           <p:cNvSpPr>
             <a:spLocks noGrp="1"/>
           </p:cNvSpPr>
@@ -239,21 +1308,16 @@
           </a:lstStyle>
           <a:p>
             <a:r>
-              <a:rPr kumimoji="1" lang="ja-JP" altLang="en-US"/>
+              <a:rPr lang="ja-JP" altLang="en-US"/>
               <a:t>マスター サブタイトルの書式設定</a:t>
             </a:r>
-          </a:p>
-        </p:txBody>
-      </p:sp>
-      <p:sp>
-        <p:nvSpPr>
-          <p:cNvPr id="4" name="日付プレースホルダー 3">
-            <a:extLst>
-              <a:ext uri="{FF2B5EF4-FFF2-40B4-BE49-F238E27FC236}">
-                <a16:creationId xmlns:a16="http://schemas.microsoft.com/office/drawing/2014/main" id="{37E44445-0643-410D-9591-0B6B00E62009}"/>
-              </a:ext>
-            </a:extLst>
-          </p:cNvPr>
+            <a:endParaRPr lang="en-US" dirty="0"/>
+          </a:p>
+        </p:txBody>
+      </p:sp>
+      <p:sp>
+        <p:nvSpPr>
+          <p:cNvPr id="4" name="Date Placeholder 3"/>
           <p:cNvSpPr>
             <a:spLocks noGrp="1"/>
           </p:cNvSpPr>
@@ -268,7 +1332,7 @@
           <a:p>
             <a:fld id="{6E587BC8-DE6F-4726-95DA-1B2BF3724B67}" type="datetimeFigureOut">
               <a:rPr kumimoji="1" lang="ja-JP" altLang="en-US" smtClean="0"/>
-              <a:t>2019/5/31</a:t>
+              <a:t>2019/6/11</a:t>
             </a:fld>
             <a:endParaRPr kumimoji="1" lang="ja-JP" altLang="en-US"/>
           </a:p>
@@ -276,13 +1340,7 @@
       </p:sp>
       <p:sp>
         <p:nvSpPr>
-          <p:cNvPr id="5" name="フッター プレースホルダー 4">
-            <a:extLst>
-              <a:ext uri="{FF2B5EF4-FFF2-40B4-BE49-F238E27FC236}">
-                <a16:creationId xmlns:a16="http://schemas.microsoft.com/office/drawing/2014/main" id="{5C70E2B2-920F-4B54-B9AE-2166EE084800}"/>
-              </a:ext>
-            </a:extLst>
-          </p:cNvPr>
+          <p:cNvPr id="5" name="Footer Placeholder 4"/>
           <p:cNvSpPr>
             <a:spLocks noGrp="1"/>
           </p:cNvSpPr>
@@ -301,13 +1359,7 @@
       </p:sp>
       <p:sp>
         <p:nvSpPr>
-          <p:cNvPr id="6" name="スライド番号プレースホルダー 5">
-            <a:extLst>
-              <a:ext uri="{FF2B5EF4-FFF2-40B4-BE49-F238E27FC236}">
-                <a16:creationId xmlns:a16="http://schemas.microsoft.com/office/drawing/2014/main" id="{2D0547CD-DD57-41C1-B96F-381E48A28C18}"/>
-              </a:ext>
-            </a:extLst>
-          </p:cNvPr>
+          <p:cNvPr id="6" name="Slide Number Placeholder 5"/>
           <p:cNvSpPr>
             <a:spLocks noGrp="1"/>
           </p:cNvSpPr>
@@ -331,7 +1383,7 @@
     </p:spTree>
     <p:extLst>
       <p:ext uri="{BB962C8B-B14F-4D97-AF65-F5344CB8AC3E}">
-        <p14:creationId xmlns:p14="http://schemas.microsoft.com/office/powerpoint/2010/main" val="1653312887"/>
+        <p14:creationId xmlns:p14="http://schemas.microsoft.com/office/powerpoint/2010/main" val="1376008576"/>
       </p:ext>
     </p:extLst>
   </p:cSld>
@@ -360,13 +1412,7 @@
       </p:grpSpPr>
       <p:sp>
         <p:nvSpPr>
-          <p:cNvPr id="2" name="タイトル 1">
-            <a:extLst>
-              <a:ext uri="{FF2B5EF4-FFF2-40B4-BE49-F238E27FC236}">
-                <a16:creationId xmlns:a16="http://schemas.microsoft.com/office/drawing/2014/main" id="{6E4BC9B7-9E1E-4824-8F4A-A195274DEF7D}"/>
-              </a:ext>
-            </a:extLst>
-          </p:cNvPr>
+          <p:cNvPr id="2" name="Title 1"/>
           <p:cNvSpPr>
             <a:spLocks noGrp="1"/>
           </p:cNvSpPr>
@@ -380,21 +1426,16 @@
           <a:lstStyle/>
           <a:p>
             <a:r>
-              <a:rPr kumimoji="1" lang="ja-JP" altLang="en-US"/>
+              <a:rPr lang="ja-JP" altLang="en-US"/>
               <a:t>マスター タイトルの書式設定</a:t>
             </a:r>
-          </a:p>
-        </p:txBody>
-      </p:sp>
-      <p:sp>
-        <p:nvSpPr>
-          <p:cNvPr id="3" name="縦書きテキスト プレースホルダー 2">
-            <a:extLst>
-              <a:ext uri="{FF2B5EF4-FFF2-40B4-BE49-F238E27FC236}">
-                <a16:creationId xmlns:a16="http://schemas.microsoft.com/office/drawing/2014/main" id="{C303CFFC-6FBA-40B9-98E2-3449048EB9DA}"/>
-              </a:ext>
-            </a:extLst>
-          </p:cNvPr>
+            <a:endParaRPr lang="en-US" dirty="0"/>
+          </a:p>
+        </p:txBody>
+      </p:sp>
+      <p:sp>
+        <p:nvSpPr>
+          <p:cNvPr id="3" name="Vertical Text Placeholder 2"/>
           <p:cNvSpPr>
             <a:spLocks noGrp="1"/>
           </p:cNvSpPr>
@@ -409,81 +1450,76 @@
           <a:p>
             <a:pPr lvl="0"/>
             <a:r>
-              <a:rPr kumimoji="1" lang="ja-JP" altLang="en-US"/>
+              <a:rPr lang="ja-JP" altLang="en-US"/>
               <a:t>マスター テキストの書式設定</a:t>
             </a:r>
           </a:p>
           <a:p>
             <a:pPr lvl="1"/>
             <a:r>
-              <a:rPr kumimoji="1" lang="ja-JP" altLang="en-US"/>
+              <a:rPr lang="ja-JP" altLang="en-US"/>
               <a:t>第 </a:t>
             </a:r>
             <a:r>
-              <a:rPr kumimoji="1" lang="en-US" altLang="ja-JP"/>
+              <a:rPr lang="en-US" altLang="ja-JP"/>
               <a:t>2 </a:t>
             </a:r>
             <a:r>
-              <a:rPr kumimoji="1" lang="ja-JP" altLang="en-US"/>
+              <a:rPr lang="ja-JP" altLang="en-US"/>
               <a:t>レベル</a:t>
             </a:r>
           </a:p>
           <a:p>
             <a:pPr lvl="2"/>
             <a:r>
-              <a:rPr kumimoji="1" lang="ja-JP" altLang="en-US"/>
+              <a:rPr lang="ja-JP" altLang="en-US"/>
               <a:t>第 </a:t>
             </a:r>
             <a:r>
-              <a:rPr kumimoji="1" lang="en-US" altLang="ja-JP"/>
+              <a:rPr lang="en-US" altLang="ja-JP"/>
               <a:t>3 </a:t>
             </a:r>
             <a:r>
-              <a:rPr kumimoji="1" lang="ja-JP" altLang="en-US"/>
+              <a:rPr lang="ja-JP" altLang="en-US"/>
               <a:t>レベル</a:t>
             </a:r>
           </a:p>
           <a:p>
             <a:pPr lvl="3"/>
             <a:r>
-              <a:rPr kumimoji="1" lang="ja-JP" altLang="en-US"/>
+              <a:rPr lang="ja-JP" altLang="en-US"/>
               <a:t>第 </a:t>
             </a:r>
             <a:r>
-              <a:rPr kumimoji="1" lang="en-US" altLang="ja-JP"/>
+              <a:rPr lang="en-US" altLang="ja-JP"/>
               <a:t>4 </a:t>
             </a:r>
             <a:r>
-              <a:rPr kumimoji="1" lang="ja-JP" altLang="en-US"/>
+              <a:rPr lang="ja-JP" altLang="en-US"/>
               <a:t>レベル</a:t>
             </a:r>
           </a:p>
           <a:p>
             <a:pPr lvl="4"/>
             <a:r>
-              <a:rPr kumimoji="1" lang="ja-JP" altLang="en-US"/>
+              <a:rPr lang="ja-JP" altLang="en-US"/>
               <a:t>第 </a:t>
             </a:r>
             <a:r>
-              <a:rPr kumimoji="1" lang="en-US" altLang="ja-JP"/>
+              <a:rPr lang="en-US" altLang="ja-JP"/>
               <a:t>5 </a:t>
             </a:r>
             <a:r>
-              <a:rPr kumimoji="1" lang="ja-JP" altLang="en-US"/>
+              <a:rPr lang="ja-JP" altLang="en-US"/>
               <a:t>レベル</a:t>
             </a:r>
-          </a:p>
-        </p:txBody>
-      </p:sp>
-      <p:sp>
-        <p:nvSpPr>
-          <p:cNvPr id="4" name="日付プレースホルダー 3">
-            <a:extLst>
-              <a:ext uri="{FF2B5EF4-FFF2-40B4-BE49-F238E27FC236}">
-                <a16:creationId xmlns:a16="http://schemas.microsoft.com/office/drawing/2014/main" id="{448F3C2A-23B3-4E4E-93C8-BBCAE284DB85}"/>
-              </a:ext>
-            </a:extLst>
-          </p:cNvPr>
+            <a:endParaRPr lang="en-US" dirty="0"/>
+          </a:p>
+        </p:txBody>
+      </p:sp>
+      <p:sp>
+        <p:nvSpPr>
+          <p:cNvPr id="4" name="Date Placeholder 3"/>
           <p:cNvSpPr>
             <a:spLocks noGrp="1"/>
           </p:cNvSpPr>
@@ -498,7 +1534,7 @@
           <a:p>
             <a:fld id="{6E587BC8-DE6F-4726-95DA-1B2BF3724B67}" type="datetimeFigureOut">
               <a:rPr kumimoji="1" lang="ja-JP" altLang="en-US" smtClean="0"/>
-              <a:t>2019/5/31</a:t>
+              <a:t>2019/6/11</a:t>
             </a:fld>
             <a:endParaRPr kumimoji="1" lang="ja-JP" altLang="en-US"/>
           </a:p>
@@ -506,13 +1542,7 @@
       </p:sp>
       <p:sp>
         <p:nvSpPr>
-          <p:cNvPr id="5" name="フッター プレースホルダー 4">
-            <a:extLst>
-              <a:ext uri="{FF2B5EF4-FFF2-40B4-BE49-F238E27FC236}">
-                <a16:creationId xmlns:a16="http://schemas.microsoft.com/office/drawing/2014/main" id="{C6A931B3-C915-4230-954F-8F10EA5E5F3D}"/>
-              </a:ext>
-            </a:extLst>
-          </p:cNvPr>
+          <p:cNvPr id="5" name="Footer Placeholder 4"/>
           <p:cNvSpPr>
             <a:spLocks noGrp="1"/>
           </p:cNvSpPr>
@@ -531,13 +1561,7 @@
       </p:sp>
       <p:sp>
         <p:nvSpPr>
-          <p:cNvPr id="6" name="スライド番号プレースホルダー 5">
-            <a:extLst>
-              <a:ext uri="{FF2B5EF4-FFF2-40B4-BE49-F238E27FC236}">
-                <a16:creationId xmlns:a16="http://schemas.microsoft.com/office/drawing/2014/main" id="{51572E13-B2BB-4CED-AB05-8A44CA9D967A}"/>
-              </a:ext>
-            </a:extLst>
-          </p:cNvPr>
+          <p:cNvPr id="6" name="Slide Number Placeholder 5"/>
           <p:cNvSpPr>
             <a:spLocks noGrp="1"/>
           </p:cNvSpPr>
@@ -561,7 +1585,7 @@
     </p:spTree>
     <p:extLst>
       <p:ext uri="{BB962C8B-B14F-4D97-AF65-F5344CB8AC3E}">
-        <p14:creationId xmlns:p14="http://schemas.microsoft.com/office/powerpoint/2010/main" val="2765018696"/>
+        <p14:creationId xmlns:p14="http://schemas.microsoft.com/office/powerpoint/2010/main" val="2204609619"/>
       </p:ext>
     </p:extLst>
   </p:cSld>
@@ -590,13 +1614,7 @@
       </p:grpSpPr>
       <p:sp>
         <p:nvSpPr>
-          <p:cNvPr id="2" name="縦書きタイトル 1">
-            <a:extLst>
-              <a:ext uri="{FF2B5EF4-FFF2-40B4-BE49-F238E27FC236}">
-                <a16:creationId xmlns:a16="http://schemas.microsoft.com/office/drawing/2014/main" id="{D6974AF6-EEB5-444F-8B8D-5EF96FBB2458}"/>
-              </a:ext>
-            </a:extLst>
-          </p:cNvPr>
+          <p:cNvPr id="2" name="Vertical Title 1"/>
           <p:cNvSpPr>
             <a:spLocks noGrp="1"/>
           </p:cNvSpPr>
@@ -615,21 +1633,16 @@
           <a:lstStyle/>
           <a:p>
             <a:r>
-              <a:rPr kumimoji="1" lang="ja-JP" altLang="en-US"/>
+              <a:rPr lang="ja-JP" altLang="en-US"/>
               <a:t>マスター タイトルの書式設定</a:t>
             </a:r>
-          </a:p>
-        </p:txBody>
-      </p:sp>
-      <p:sp>
-        <p:nvSpPr>
-          <p:cNvPr id="3" name="縦書きテキスト プレースホルダー 2">
-            <a:extLst>
-              <a:ext uri="{FF2B5EF4-FFF2-40B4-BE49-F238E27FC236}">
-                <a16:creationId xmlns:a16="http://schemas.microsoft.com/office/drawing/2014/main" id="{F1964DB3-80E1-42A6-8B3D-7E43F94D9B34}"/>
-              </a:ext>
-            </a:extLst>
-          </p:cNvPr>
+            <a:endParaRPr lang="en-US" dirty="0"/>
+          </a:p>
+        </p:txBody>
+      </p:sp>
+      <p:sp>
+        <p:nvSpPr>
+          <p:cNvPr id="3" name="Vertical Text Placeholder 2"/>
           <p:cNvSpPr>
             <a:spLocks noGrp="1"/>
           </p:cNvSpPr>
@@ -649,81 +1662,76 @@
           <a:p>
             <a:pPr lvl="0"/>
             <a:r>
-              <a:rPr kumimoji="1" lang="ja-JP" altLang="en-US"/>
+              <a:rPr lang="ja-JP" altLang="en-US"/>
               <a:t>マスター テキストの書式設定</a:t>
             </a:r>
           </a:p>
           <a:p>
             <a:pPr lvl="1"/>
             <a:r>
-              <a:rPr kumimoji="1" lang="ja-JP" altLang="en-US"/>
+              <a:rPr lang="ja-JP" altLang="en-US"/>
               <a:t>第 </a:t>
             </a:r>
             <a:r>
-              <a:rPr kumimoji="1" lang="en-US" altLang="ja-JP"/>
+              <a:rPr lang="en-US" altLang="ja-JP"/>
               <a:t>2 </a:t>
             </a:r>
             <a:r>
-              <a:rPr kumimoji="1" lang="ja-JP" altLang="en-US"/>
+              <a:rPr lang="ja-JP" altLang="en-US"/>
               <a:t>レベル</a:t>
             </a:r>
           </a:p>
           <a:p>
             <a:pPr lvl="2"/>
             <a:r>
-              <a:rPr kumimoji="1" lang="ja-JP" altLang="en-US"/>
+              <a:rPr lang="ja-JP" altLang="en-US"/>
               <a:t>第 </a:t>
             </a:r>
             <a:r>
-              <a:rPr kumimoji="1" lang="en-US" altLang="ja-JP"/>
+              <a:rPr lang="en-US" altLang="ja-JP"/>
               <a:t>3 </a:t>
             </a:r>
             <a:r>
-              <a:rPr kumimoji="1" lang="ja-JP" altLang="en-US"/>
+              <a:rPr lang="ja-JP" altLang="en-US"/>
               <a:t>レベル</a:t>
             </a:r>
           </a:p>
           <a:p>
             <a:pPr lvl="3"/>
             <a:r>
-              <a:rPr kumimoji="1" lang="ja-JP" altLang="en-US"/>
+              <a:rPr lang="ja-JP" altLang="en-US"/>
               <a:t>第 </a:t>
             </a:r>
             <a:r>
-              <a:rPr kumimoji="1" lang="en-US" altLang="ja-JP"/>
+              <a:rPr lang="en-US" altLang="ja-JP"/>
               <a:t>4 </a:t>
             </a:r>
             <a:r>
-              <a:rPr kumimoji="1" lang="ja-JP" altLang="en-US"/>
+              <a:rPr lang="ja-JP" altLang="en-US"/>
               <a:t>レベル</a:t>
             </a:r>
           </a:p>
           <a:p>
             <a:pPr lvl="4"/>
             <a:r>
-              <a:rPr kumimoji="1" lang="ja-JP" altLang="en-US"/>
+              <a:rPr lang="ja-JP" altLang="en-US"/>
               <a:t>第 </a:t>
             </a:r>
             <a:r>
-              <a:rPr kumimoji="1" lang="en-US" altLang="ja-JP"/>
+              <a:rPr lang="en-US" altLang="ja-JP"/>
               <a:t>5 </a:t>
             </a:r>
             <a:r>
-              <a:rPr kumimoji="1" lang="ja-JP" altLang="en-US"/>
+              <a:rPr lang="ja-JP" altLang="en-US"/>
               <a:t>レベル</a:t>
             </a:r>
-          </a:p>
-        </p:txBody>
-      </p:sp>
-      <p:sp>
-        <p:nvSpPr>
-          <p:cNvPr id="4" name="日付プレースホルダー 3">
-            <a:extLst>
-              <a:ext uri="{FF2B5EF4-FFF2-40B4-BE49-F238E27FC236}">
-                <a16:creationId xmlns:a16="http://schemas.microsoft.com/office/drawing/2014/main" id="{51C4850E-7527-400A-A39E-5693AEEB303B}"/>
-              </a:ext>
-            </a:extLst>
-          </p:cNvPr>
+            <a:endParaRPr lang="en-US" dirty="0"/>
+          </a:p>
+        </p:txBody>
+      </p:sp>
+      <p:sp>
+        <p:nvSpPr>
+          <p:cNvPr id="4" name="Date Placeholder 3"/>
           <p:cNvSpPr>
             <a:spLocks noGrp="1"/>
           </p:cNvSpPr>
@@ -738,7 +1746,7 @@
           <a:p>
             <a:fld id="{6E587BC8-DE6F-4726-95DA-1B2BF3724B67}" type="datetimeFigureOut">
               <a:rPr kumimoji="1" lang="ja-JP" altLang="en-US" smtClean="0"/>
-              <a:t>2019/5/31</a:t>
+              <a:t>2019/6/11</a:t>
             </a:fld>
             <a:endParaRPr kumimoji="1" lang="ja-JP" altLang="en-US"/>
           </a:p>
@@ -746,13 +1754,7 @@
       </p:sp>
       <p:sp>
         <p:nvSpPr>
-          <p:cNvPr id="5" name="フッター プレースホルダー 4">
-            <a:extLst>
-              <a:ext uri="{FF2B5EF4-FFF2-40B4-BE49-F238E27FC236}">
-                <a16:creationId xmlns:a16="http://schemas.microsoft.com/office/drawing/2014/main" id="{8825DAD2-64BC-4BC6-861A-AF8029AE1A15}"/>
-              </a:ext>
-            </a:extLst>
-          </p:cNvPr>
+          <p:cNvPr id="5" name="Footer Placeholder 4"/>
           <p:cNvSpPr>
             <a:spLocks noGrp="1"/>
           </p:cNvSpPr>
@@ -771,13 +1773,7 @@
       </p:sp>
       <p:sp>
         <p:nvSpPr>
-          <p:cNvPr id="6" name="スライド番号プレースホルダー 5">
-            <a:extLst>
-              <a:ext uri="{FF2B5EF4-FFF2-40B4-BE49-F238E27FC236}">
-                <a16:creationId xmlns:a16="http://schemas.microsoft.com/office/drawing/2014/main" id="{0652D60C-AB27-456F-BB88-CA1BE4DB1A0B}"/>
-              </a:ext>
-            </a:extLst>
-          </p:cNvPr>
+          <p:cNvPr id="6" name="Slide Number Placeholder 5"/>
           <p:cNvSpPr>
             <a:spLocks noGrp="1"/>
           </p:cNvSpPr>
@@ -801,7 +1797,7 @@
     </p:spTree>
     <p:extLst>
       <p:ext uri="{BB962C8B-B14F-4D97-AF65-F5344CB8AC3E}">
-        <p14:creationId xmlns:p14="http://schemas.microsoft.com/office/powerpoint/2010/main" val="2020965859"/>
+        <p14:creationId xmlns:p14="http://schemas.microsoft.com/office/powerpoint/2010/main" val="556868235"/>
       </p:ext>
     </p:extLst>
   </p:cSld>
@@ -830,13 +1826,7 @@
       </p:grpSpPr>
       <p:sp>
         <p:nvSpPr>
-          <p:cNvPr id="2" name="タイトル 1">
-            <a:extLst>
-              <a:ext uri="{FF2B5EF4-FFF2-40B4-BE49-F238E27FC236}">
-                <a16:creationId xmlns:a16="http://schemas.microsoft.com/office/drawing/2014/main" id="{E2879A34-88E7-4586-A355-ADBCD113F36C}"/>
-              </a:ext>
-            </a:extLst>
-          </p:cNvPr>
+          <p:cNvPr id="2" name="Title 1"/>
           <p:cNvSpPr>
             <a:spLocks noGrp="1"/>
           </p:cNvSpPr>
@@ -850,21 +1840,16 @@
           <a:lstStyle/>
           <a:p>
             <a:r>
-              <a:rPr kumimoji="1" lang="ja-JP" altLang="en-US"/>
+              <a:rPr lang="ja-JP" altLang="en-US"/>
               <a:t>マスター タイトルの書式設定</a:t>
             </a:r>
-          </a:p>
-        </p:txBody>
-      </p:sp>
-      <p:sp>
-        <p:nvSpPr>
-          <p:cNvPr id="3" name="コンテンツ プレースホルダー 2">
-            <a:extLst>
-              <a:ext uri="{FF2B5EF4-FFF2-40B4-BE49-F238E27FC236}">
-                <a16:creationId xmlns:a16="http://schemas.microsoft.com/office/drawing/2014/main" id="{693EADCC-C64A-4308-8EE5-EDFBA509BA14}"/>
-              </a:ext>
-            </a:extLst>
-          </p:cNvPr>
+            <a:endParaRPr lang="en-US" dirty="0"/>
+          </a:p>
+        </p:txBody>
+      </p:sp>
+      <p:sp>
+        <p:nvSpPr>
+          <p:cNvPr id="3" name="Content Placeholder 2"/>
           <p:cNvSpPr>
             <a:spLocks noGrp="1"/>
           </p:cNvSpPr>
@@ -879,81 +1864,76 @@
           <a:p>
             <a:pPr lvl="0"/>
             <a:r>
-              <a:rPr kumimoji="1" lang="ja-JP" altLang="en-US"/>
+              <a:rPr lang="ja-JP" altLang="en-US"/>
               <a:t>マスター テキストの書式設定</a:t>
             </a:r>
           </a:p>
           <a:p>
             <a:pPr lvl="1"/>
             <a:r>
-              <a:rPr kumimoji="1" lang="ja-JP" altLang="en-US"/>
+              <a:rPr lang="ja-JP" altLang="en-US"/>
               <a:t>第 </a:t>
             </a:r>
             <a:r>
-              <a:rPr kumimoji="1" lang="en-US" altLang="ja-JP"/>
+              <a:rPr lang="en-US" altLang="ja-JP"/>
               <a:t>2 </a:t>
             </a:r>
             <a:r>
-              <a:rPr kumimoji="1" lang="ja-JP" altLang="en-US"/>
+              <a:rPr lang="ja-JP" altLang="en-US"/>
               <a:t>レベル</a:t>
             </a:r>
           </a:p>
           <a:p>
             <a:pPr lvl="2"/>
             <a:r>
-              <a:rPr kumimoji="1" lang="ja-JP" altLang="en-US"/>
+              <a:rPr lang="ja-JP" altLang="en-US"/>
               <a:t>第 </a:t>
             </a:r>
             <a:r>
-              <a:rPr kumimoji="1" lang="en-US" altLang="ja-JP"/>
+              <a:rPr lang="en-US" altLang="ja-JP"/>
               <a:t>3 </a:t>
             </a:r>
             <a:r>
-              <a:rPr kumimoji="1" lang="ja-JP" altLang="en-US"/>
+              <a:rPr lang="ja-JP" altLang="en-US"/>
               <a:t>レベル</a:t>
             </a:r>
           </a:p>
           <a:p>
             <a:pPr lvl="3"/>
             <a:r>
-              <a:rPr kumimoji="1" lang="ja-JP" altLang="en-US"/>
+              <a:rPr lang="ja-JP" altLang="en-US"/>
               <a:t>第 </a:t>
             </a:r>
             <a:r>
-              <a:rPr kumimoji="1" lang="en-US" altLang="ja-JP"/>
+              <a:rPr lang="en-US" altLang="ja-JP"/>
               <a:t>4 </a:t>
             </a:r>
             <a:r>
-              <a:rPr kumimoji="1" lang="ja-JP" altLang="en-US"/>
+              <a:rPr lang="ja-JP" altLang="en-US"/>
               <a:t>レベル</a:t>
             </a:r>
           </a:p>
           <a:p>
             <a:pPr lvl="4"/>
             <a:r>
-              <a:rPr kumimoji="1" lang="ja-JP" altLang="en-US"/>
+              <a:rPr lang="ja-JP" altLang="en-US"/>
               <a:t>第 </a:t>
             </a:r>
             <a:r>
-              <a:rPr kumimoji="1" lang="en-US" altLang="ja-JP"/>
+              <a:rPr lang="en-US" altLang="ja-JP"/>
               <a:t>5 </a:t>
             </a:r>
             <a:r>
-              <a:rPr kumimoji="1" lang="ja-JP" altLang="en-US"/>
+              <a:rPr lang="ja-JP" altLang="en-US"/>
               <a:t>レベル</a:t>
             </a:r>
-          </a:p>
-        </p:txBody>
-      </p:sp>
-      <p:sp>
-        <p:nvSpPr>
-          <p:cNvPr id="4" name="日付プレースホルダー 3">
-            <a:extLst>
-              <a:ext uri="{FF2B5EF4-FFF2-40B4-BE49-F238E27FC236}">
-                <a16:creationId xmlns:a16="http://schemas.microsoft.com/office/drawing/2014/main" id="{BAF37EC5-6380-4857-A672-74B680AB55E3}"/>
-              </a:ext>
-            </a:extLst>
-          </p:cNvPr>
+            <a:endParaRPr lang="en-US" dirty="0"/>
+          </a:p>
+        </p:txBody>
+      </p:sp>
+      <p:sp>
+        <p:nvSpPr>
+          <p:cNvPr id="4" name="Date Placeholder 3"/>
           <p:cNvSpPr>
             <a:spLocks noGrp="1"/>
           </p:cNvSpPr>
@@ -968,7 +1948,7 @@
           <a:p>
             <a:fld id="{6E587BC8-DE6F-4726-95DA-1B2BF3724B67}" type="datetimeFigureOut">
               <a:rPr kumimoji="1" lang="ja-JP" altLang="en-US" smtClean="0"/>
-              <a:t>2019/5/31</a:t>
+              <a:t>2019/6/11</a:t>
             </a:fld>
             <a:endParaRPr kumimoji="1" lang="ja-JP" altLang="en-US"/>
           </a:p>
@@ -976,13 +1956,7 @@
       </p:sp>
       <p:sp>
         <p:nvSpPr>
-          <p:cNvPr id="5" name="フッター プレースホルダー 4">
-            <a:extLst>
-              <a:ext uri="{FF2B5EF4-FFF2-40B4-BE49-F238E27FC236}">
-                <a16:creationId xmlns:a16="http://schemas.microsoft.com/office/drawing/2014/main" id="{D7BDEE94-82ED-4705-8F3B-280B8DEC65B0}"/>
-              </a:ext>
-            </a:extLst>
-          </p:cNvPr>
+          <p:cNvPr id="5" name="Footer Placeholder 4"/>
           <p:cNvSpPr>
             <a:spLocks noGrp="1"/>
           </p:cNvSpPr>
@@ -1001,13 +1975,7 @@
       </p:sp>
       <p:sp>
         <p:nvSpPr>
-          <p:cNvPr id="6" name="スライド番号プレースホルダー 5">
-            <a:extLst>
-              <a:ext uri="{FF2B5EF4-FFF2-40B4-BE49-F238E27FC236}">
-                <a16:creationId xmlns:a16="http://schemas.microsoft.com/office/drawing/2014/main" id="{FB9151FD-0B3E-4CA9-B91B-1054B6087C42}"/>
-              </a:ext>
-            </a:extLst>
-          </p:cNvPr>
+          <p:cNvPr id="6" name="Slide Number Placeholder 5"/>
           <p:cNvSpPr>
             <a:spLocks noGrp="1"/>
           </p:cNvSpPr>
@@ -1031,7 +1999,7 @@
     </p:spTree>
     <p:extLst>
       <p:ext uri="{BB962C8B-B14F-4D97-AF65-F5344CB8AC3E}">
-        <p14:creationId xmlns:p14="http://schemas.microsoft.com/office/powerpoint/2010/main" val="292247667"/>
+        <p14:creationId xmlns:p14="http://schemas.microsoft.com/office/powerpoint/2010/main" val="3083257669"/>
       </p:ext>
     </p:extLst>
   </p:cSld>
@@ -1060,13 +2028,7 @@
       </p:grpSpPr>
       <p:sp>
         <p:nvSpPr>
-          <p:cNvPr id="2" name="タイトル 1">
-            <a:extLst>
-              <a:ext uri="{FF2B5EF4-FFF2-40B4-BE49-F238E27FC236}">
-                <a16:creationId xmlns:a16="http://schemas.microsoft.com/office/drawing/2014/main" id="{56F0FE16-2ACB-4B88-A4EB-ADC72ACB98A7}"/>
-              </a:ext>
-            </a:extLst>
-          </p:cNvPr>
+          <p:cNvPr id="2" name="Title 1"/>
           <p:cNvSpPr>
             <a:spLocks noGrp="1"/>
           </p:cNvSpPr>
@@ -1089,21 +2051,16 @@
           </a:lstStyle>
           <a:p>
             <a:r>
-              <a:rPr kumimoji="1" lang="ja-JP" altLang="en-US"/>
+              <a:rPr lang="ja-JP" altLang="en-US"/>
               <a:t>マスター タイトルの書式設定</a:t>
             </a:r>
-          </a:p>
-        </p:txBody>
-      </p:sp>
-      <p:sp>
-        <p:nvSpPr>
-          <p:cNvPr id="3" name="テキスト プレースホルダー 2">
-            <a:extLst>
-              <a:ext uri="{FF2B5EF4-FFF2-40B4-BE49-F238E27FC236}">
-                <a16:creationId xmlns:a16="http://schemas.microsoft.com/office/drawing/2014/main" id="{1E9FAAF2-E077-4ACE-8BA2-6FED3D299DB0}"/>
-              </a:ext>
-            </a:extLst>
-          </p:cNvPr>
+            <a:endParaRPr lang="en-US" dirty="0"/>
+          </a:p>
+        </p:txBody>
+      </p:sp>
+      <p:sp>
+        <p:nvSpPr>
+          <p:cNvPr id="3" name="Text Placeholder 2"/>
           <p:cNvSpPr>
             <a:spLocks noGrp="1"/>
           </p:cNvSpPr>
@@ -1214,7 +2171,7 @@
           <a:p>
             <a:pPr lvl="0"/>
             <a:r>
-              <a:rPr kumimoji="1" lang="ja-JP" altLang="en-US"/>
+              <a:rPr lang="ja-JP" altLang="en-US"/>
               <a:t>マスター テキストの書式設定</a:t>
             </a:r>
           </a:p>
@@ -1222,13 +2179,7 @@
       </p:sp>
       <p:sp>
         <p:nvSpPr>
-          <p:cNvPr id="4" name="日付プレースホルダー 3">
-            <a:extLst>
-              <a:ext uri="{FF2B5EF4-FFF2-40B4-BE49-F238E27FC236}">
-                <a16:creationId xmlns:a16="http://schemas.microsoft.com/office/drawing/2014/main" id="{6B2F81D5-8F3D-40F4-9F7B-1FCF68E5AC28}"/>
-              </a:ext>
-            </a:extLst>
-          </p:cNvPr>
+          <p:cNvPr id="4" name="Date Placeholder 3"/>
           <p:cNvSpPr>
             <a:spLocks noGrp="1"/>
           </p:cNvSpPr>
@@ -1243,7 +2194,7 @@
           <a:p>
             <a:fld id="{6E587BC8-DE6F-4726-95DA-1B2BF3724B67}" type="datetimeFigureOut">
               <a:rPr kumimoji="1" lang="ja-JP" altLang="en-US" smtClean="0"/>
-              <a:t>2019/5/31</a:t>
+              <a:t>2019/6/11</a:t>
             </a:fld>
             <a:endParaRPr kumimoji="1" lang="ja-JP" altLang="en-US"/>
           </a:p>
@@ -1251,13 +2202,7 @@
       </p:sp>
       <p:sp>
         <p:nvSpPr>
-          <p:cNvPr id="5" name="フッター プレースホルダー 4">
-            <a:extLst>
-              <a:ext uri="{FF2B5EF4-FFF2-40B4-BE49-F238E27FC236}">
-                <a16:creationId xmlns:a16="http://schemas.microsoft.com/office/drawing/2014/main" id="{0D4C930D-1498-4D8F-B769-CD7F6C36173E}"/>
-              </a:ext>
-            </a:extLst>
-          </p:cNvPr>
+          <p:cNvPr id="5" name="Footer Placeholder 4"/>
           <p:cNvSpPr>
             <a:spLocks noGrp="1"/>
           </p:cNvSpPr>
@@ -1276,13 +2221,7 @@
       </p:sp>
       <p:sp>
         <p:nvSpPr>
-          <p:cNvPr id="6" name="スライド番号プレースホルダー 5">
-            <a:extLst>
-              <a:ext uri="{FF2B5EF4-FFF2-40B4-BE49-F238E27FC236}">
-                <a16:creationId xmlns:a16="http://schemas.microsoft.com/office/drawing/2014/main" id="{E426D470-3351-4640-941F-0F4F9D9103E1}"/>
-              </a:ext>
-            </a:extLst>
-          </p:cNvPr>
+          <p:cNvPr id="6" name="Slide Number Placeholder 5"/>
           <p:cNvSpPr>
             <a:spLocks noGrp="1"/>
           </p:cNvSpPr>
@@ -1306,7 +2245,7 @@
     </p:spTree>
     <p:extLst>
       <p:ext uri="{BB962C8B-B14F-4D97-AF65-F5344CB8AC3E}">
-        <p14:creationId xmlns:p14="http://schemas.microsoft.com/office/powerpoint/2010/main" val="2659564212"/>
+        <p14:creationId xmlns:p14="http://schemas.microsoft.com/office/powerpoint/2010/main" val="4170551563"/>
       </p:ext>
     </p:extLst>
   </p:cSld>
@@ -1335,13 +2274,7 @@
       </p:grpSpPr>
       <p:sp>
         <p:nvSpPr>
-          <p:cNvPr id="2" name="タイトル 1">
-            <a:extLst>
-              <a:ext uri="{FF2B5EF4-FFF2-40B4-BE49-F238E27FC236}">
-                <a16:creationId xmlns:a16="http://schemas.microsoft.com/office/drawing/2014/main" id="{FA8F0326-5592-4A11-ABD9-5A3426009769}"/>
-              </a:ext>
-            </a:extLst>
-          </p:cNvPr>
+          <p:cNvPr id="2" name="Title 1"/>
           <p:cNvSpPr>
             <a:spLocks noGrp="1"/>
           </p:cNvSpPr>
@@ -1355,21 +2288,16 @@
           <a:lstStyle/>
           <a:p>
             <a:r>
-              <a:rPr kumimoji="1" lang="ja-JP" altLang="en-US"/>
+              <a:rPr lang="ja-JP" altLang="en-US"/>
               <a:t>マスター タイトルの書式設定</a:t>
             </a:r>
-          </a:p>
-        </p:txBody>
-      </p:sp>
-      <p:sp>
-        <p:nvSpPr>
-          <p:cNvPr id="3" name="コンテンツ プレースホルダー 2">
-            <a:extLst>
-              <a:ext uri="{FF2B5EF4-FFF2-40B4-BE49-F238E27FC236}">
-                <a16:creationId xmlns:a16="http://schemas.microsoft.com/office/drawing/2014/main" id="{BEFD8280-8CE8-4CD6-B6E3-61A658F3A0F1}"/>
-              </a:ext>
-            </a:extLst>
-          </p:cNvPr>
+            <a:endParaRPr lang="en-US" dirty="0"/>
+          </a:p>
+        </p:txBody>
+      </p:sp>
+      <p:sp>
+        <p:nvSpPr>
+          <p:cNvPr id="3" name="Content Placeholder 2"/>
           <p:cNvSpPr>
             <a:spLocks noGrp="1"/>
           </p:cNvSpPr>
@@ -1389,81 +2317,76 @@
           <a:p>
             <a:pPr lvl="0"/>
             <a:r>
-              <a:rPr kumimoji="1" lang="ja-JP" altLang="en-US"/>
+              <a:rPr lang="ja-JP" altLang="en-US"/>
               <a:t>マスター テキストの書式設定</a:t>
             </a:r>
           </a:p>
           <a:p>
             <a:pPr lvl="1"/>
             <a:r>
-              <a:rPr kumimoji="1" lang="ja-JP" altLang="en-US"/>
+              <a:rPr lang="ja-JP" altLang="en-US"/>
               <a:t>第 </a:t>
             </a:r>
             <a:r>
-              <a:rPr kumimoji="1" lang="en-US" altLang="ja-JP"/>
+              <a:rPr lang="en-US" altLang="ja-JP"/>
               <a:t>2 </a:t>
             </a:r>
             <a:r>
-              <a:rPr kumimoji="1" lang="ja-JP" altLang="en-US"/>
+              <a:rPr lang="ja-JP" altLang="en-US"/>
               <a:t>レベル</a:t>
             </a:r>
           </a:p>
           <a:p>
             <a:pPr lvl="2"/>
             <a:r>
-              <a:rPr kumimoji="1" lang="ja-JP" altLang="en-US"/>
+              <a:rPr lang="ja-JP" altLang="en-US"/>
               <a:t>第 </a:t>
             </a:r>
             <a:r>
-              <a:rPr kumimoji="1" lang="en-US" altLang="ja-JP"/>
+              <a:rPr lang="en-US" altLang="ja-JP"/>
               <a:t>3 </a:t>
             </a:r>
             <a:r>
-              <a:rPr kumimoji="1" lang="ja-JP" altLang="en-US"/>
+              <a:rPr lang="ja-JP" altLang="en-US"/>
               <a:t>レベル</a:t>
             </a:r>
           </a:p>
           <a:p>
             <a:pPr lvl="3"/>
             <a:r>
-              <a:rPr kumimoji="1" lang="ja-JP" altLang="en-US"/>
+              <a:rPr lang="ja-JP" altLang="en-US"/>
               <a:t>第 </a:t>
             </a:r>
             <a:r>
-              <a:rPr kumimoji="1" lang="en-US" altLang="ja-JP"/>
+              <a:rPr lang="en-US" altLang="ja-JP"/>
               <a:t>4 </a:t>
             </a:r>
             <a:r>
-              <a:rPr kumimoji="1" lang="ja-JP" altLang="en-US"/>
+              <a:rPr lang="ja-JP" altLang="en-US"/>
               <a:t>レベル</a:t>
             </a:r>
           </a:p>
           <a:p>
             <a:pPr lvl="4"/>
             <a:r>
-              <a:rPr kumimoji="1" lang="ja-JP" altLang="en-US"/>
+              <a:rPr lang="ja-JP" altLang="en-US"/>
               <a:t>第 </a:t>
             </a:r>
             <a:r>
-              <a:rPr kumimoji="1" lang="en-US" altLang="ja-JP"/>
+              <a:rPr lang="en-US" altLang="ja-JP"/>
               <a:t>5 </a:t>
             </a:r>
             <a:r>
-              <a:rPr kumimoji="1" lang="ja-JP" altLang="en-US"/>
+              <a:rPr lang="ja-JP" altLang="en-US"/>
               <a:t>レベル</a:t>
             </a:r>
-          </a:p>
-        </p:txBody>
-      </p:sp>
-      <p:sp>
-        <p:nvSpPr>
-          <p:cNvPr id="4" name="コンテンツ プレースホルダー 3">
-            <a:extLst>
-              <a:ext uri="{FF2B5EF4-FFF2-40B4-BE49-F238E27FC236}">
-                <a16:creationId xmlns:a16="http://schemas.microsoft.com/office/drawing/2014/main" id="{746B7235-712B-4298-B4F2-2CE79D265EB8}"/>
-              </a:ext>
-            </a:extLst>
-          </p:cNvPr>
+            <a:endParaRPr lang="en-US" dirty="0"/>
+          </a:p>
+        </p:txBody>
+      </p:sp>
+      <p:sp>
+        <p:nvSpPr>
+          <p:cNvPr id="4" name="Content Placeholder 3"/>
           <p:cNvSpPr>
             <a:spLocks noGrp="1"/>
           </p:cNvSpPr>
@@ -1483,81 +2406,76 @@
           <a:p>
             <a:pPr lvl="0"/>
             <a:r>
-              <a:rPr kumimoji="1" lang="ja-JP" altLang="en-US"/>
+              <a:rPr lang="ja-JP" altLang="en-US"/>
               <a:t>マスター テキストの書式設定</a:t>
             </a:r>
           </a:p>
           <a:p>
             <a:pPr lvl="1"/>
             <a:r>
-              <a:rPr kumimoji="1" lang="ja-JP" altLang="en-US"/>
+              <a:rPr lang="ja-JP" altLang="en-US"/>
               <a:t>第 </a:t>
             </a:r>
             <a:r>
-              <a:rPr kumimoji="1" lang="en-US" altLang="ja-JP"/>
+              <a:rPr lang="en-US" altLang="ja-JP"/>
               <a:t>2 </a:t>
             </a:r>
             <a:r>
-              <a:rPr kumimoji="1" lang="ja-JP" altLang="en-US"/>
+              <a:rPr lang="ja-JP" altLang="en-US"/>
               <a:t>レベル</a:t>
             </a:r>
           </a:p>
           <a:p>
             <a:pPr lvl="2"/>
             <a:r>
-              <a:rPr kumimoji="1" lang="ja-JP" altLang="en-US"/>
+              <a:rPr lang="ja-JP" altLang="en-US"/>
               <a:t>第 </a:t>
             </a:r>
             <a:r>
-              <a:rPr kumimoji="1" lang="en-US" altLang="ja-JP"/>
+              <a:rPr lang="en-US" altLang="ja-JP"/>
               <a:t>3 </a:t>
             </a:r>
             <a:r>
-              <a:rPr kumimoji="1" lang="ja-JP" altLang="en-US"/>
+              <a:rPr lang="ja-JP" altLang="en-US"/>
               <a:t>レベル</a:t>
             </a:r>
           </a:p>
           <a:p>
             <a:pPr lvl="3"/>
             <a:r>
-              <a:rPr kumimoji="1" lang="ja-JP" altLang="en-US"/>
+              <a:rPr lang="ja-JP" altLang="en-US"/>
               <a:t>第 </a:t>
             </a:r>
             <a:r>
-              <a:rPr kumimoji="1" lang="en-US" altLang="ja-JP"/>
+              <a:rPr lang="en-US" altLang="ja-JP"/>
               <a:t>4 </a:t>
             </a:r>
             <a:r>
-              <a:rPr kumimoji="1" lang="ja-JP" altLang="en-US"/>
+              <a:rPr lang="ja-JP" altLang="en-US"/>
               <a:t>レベル</a:t>
             </a:r>
           </a:p>
           <a:p>
             <a:pPr lvl="4"/>
             <a:r>
-              <a:rPr kumimoji="1" lang="ja-JP" altLang="en-US"/>
+              <a:rPr lang="ja-JP" altLang="en-US"/>
               <a:t>第 </a:t>
             </a:r>
             <a:r>
-              <a:rPr kumimoji="1" lang="en-US" altLang="ja-JP"/>
+              <a:rPr lang="en-US" altLang="ja-JP"/>
               <a:t>5 </a:t>
             </a:r>
             <a:r>
-              <a:rPr kumimoji="1" lang="ja-JP" altLang="en-US"/>
+              <a:rPr lang="ja-JP" altLang="en-US"/>
               <a:t>レベル</a:t>
             </a:r>
-          </a:p>
-        </p:txBody>
-      </p:sp>
-      <p:sp>
-        <p:nvSpPr>
-          <p:cNvPr id="5" name="日付プレースホルダー 4">
-            <a:extLst>
-              <a:ext uri="{FF2B5EF4-FFF2-40B4-BE49-F238E27FC236}">
-                <a16:creationId xmlns:a16="http://schemas.microsoft.com/office/drawing/2014/main" id="{404AFB8C-1089-446B-9CE3-6CED5F4CACD3}"/>
-              </a:ext>
-            </a:extLst>
-          </p:cNvPr>
+            <a:endParaRPr lang="en-US" dirty="0"/>
+          </a:p>
+        </p:txBody>
+      </p:sp>
+      <p:sp>
+        <p:nvSpPr>
+          <p:cNvPr id="5" name="Date Placeholder 4"/>
           <p:cNvSpPr>
             <a:spLocks noGrp="1"/>
           </p:cNvSpPr>
@@ -1572,7 +2490,7 @@
           <a:p>
             <a:fld id="{6E587BC8-DE6F-4726-95DA-1B2BF3724B67}" type="datetimeFigureOut">
               <a:rPr kumimoji="1" lang="ja-JP" altLang="en-US" smtClean="0"/>
-              <a:t>2019/5/31</a:t>
+              <a:t>2019/6/11</a:t>
             </a:fld>
             <a:endParaRPr kumimoji="1" lang="ja-JP" altLang="en-US"/>
           </a:p>
@@ -1580,13 +2498,7 @@
       </p:sp>
       <p:sp>
         <p:nvSpPr>
-          <p:cNvPr id="6" name="フッター プレースホルダー 5">
-            <a:extLst>
-              <a:ext uri="{FF2B5EF4-FFF2-40B4-BE49-F238E27FC236}">
-                <a16:creationId xmlns:a16="http://schemas.microsoft.com/office/drawing/2014/main" id="{45C56DD2-1894-4B26-B3D1-636017EEF85E}"/>
-              </a:ext>
-            </a:extLst>
-          </p:cNvPr>
+          <p:cNvPr id="6" name="Footer Placeholder 5"/>
           <p:cNvSpPr>
             <a:spLocks noGrp="1"/>
           </p:cNvSpPr>
@@ -1605,13 +2517,7 @@
       </p:sp>
       <p:sp>
         <p:nvSpPr>
-          <p:cNvPr id="7" name="スライド番号プレースホルダー 6">
-            <a:extLst>
-              <a:ext uri="{FF2B5EF4-FFF2-40B4-BE49-F238E27FC236}">
-                <a16:creationId xmlns:a16="http://schemas.microsoft.com/office/drawing/2014/main" id="{687D8767-ABDB-4ED7-875B-AF40658251BB}"/>
-              </a:ext>
-            </a:extLst>
-          </p:cNvPr>
+          <p:cNvPr id="7" name="Slide Number Placeholder 6"/>
           <p:cNvSpPr>
             <a:spLocks noGrp="1"/>
           </p:cNvSpPr>
@@ -1635,7 +2541,7 @@
     </p:spTree>
     <p:extLst>
       <p:ext uri="{BB962C8B-B14F-4D97-AF65-F5344CB8AC3E}">
-        <p14:creationId xmlns:p14="http://schemas.microsoft.com/office/powerpoint/2010/main" val="605704932"/>
+        <p14:creationId xmlns:p14="http://schemas.microsoft.com/office/powerpoint/2010/main" val="2896937357"/>
       </p:ext>
     </p:extLst>
   </p:cSld>
@@ -1664,13 +2570,7 @@
       </p:grpSpPr>
       <p:sp>
         <p:nvSpPr>
-          <p:cNvPr id="2" name="タイトル 1">
-            <a:extLst>
-              <a:ext uri="{FF2B5EF4-FFF2-40B4-BE49-F238E27FC236}">
-                <a16:creationId xmlns:a16="http://schemas.microsoft.com/office/drawing/2014/main" id="{09ECFBC0-A8DD-4F43-80EB-FEB70F8A7E42}"/>
-              </a:ext>
-            </a:extLst>
-          </p:cNvPr>
+          <p:cNvPr id="2" name="Title 1"/>
           <p:cNvSpPr>
             <a:spLocks noGrp="1"/>
           </p:cNvSpPr>
@@ -1689,21 +2589,16 @@
           <a:lstStyle/>
           <a:p>
             <a:r>
-              <a:rPr kumimoji="1" lang="ja-JP" altLang="en-US"/>
+              <a:rPr lang="ja-JP" altLang="en-US"/>
               <a:t>マスター タイトルの書式設定</a:t>
             </a:r>
-          </a:p>
-        </p:txBody>
-      </p:sp>
-      <p:sp>
-        <p:nvSpPr>
-          <p:cNvPr id="3" name="テキスト プレースホルダー 2">
-            <a:extLst>
-              <a:ext uri="{FF2B5EF4-FFF2-40B4-BE49-F238E27FC236}">
-                <a16:creationId xmlns:a16="http://schemas.microsoft.com/office/drawing/2014/main" id="{C5683950-F5D9-4E60-953F-3E3A9FCE381F}"/>
-              </a:ext>
-            </a:extLst>
-          </p:cNvPr>
+            <a:endParaRPr lang="en-US" dirty="0"/>
+          </a:p>
+        </p:txBody>
+      </p:sp>
+      <p:sp>
+        <p:nvSpPr>
+          <p:cNvPr id="3" name="Text Placeholder 2"/>
           <p:cNvSpPr>
             <a:spLocks noGrp="1"/>
           </p:cNvSpPr>
@@ -1760,7 +2655,7 @@
           <a:p>
             <a:pPr lvl="0"/>
             <a:r>
-              <a:rPr kumimoji="1" lang="ja-JP" altLang="en-US"/>
+              <a:rPr lang="ja-JP" altLang="en-US"/>
               <a:t>マスター テキストの書式設定</a:t>
             </a:r>
           </a:p>
@@ -1768,13 +2663,7 @@
       </p:sp>
       <p:sp>
         <p:nvSpPr>
-          <p:cNvPr id="4" name="コンテンツ プレースホルダー 3">
-            <a:extLst>
-              <a:ext uri="{FF2B5EF4-FFF2-40B4-BE49-F238E27FC236}">
-                <a16:creationId xmlns:a16="http://schemas.microsoft.com/office/drawing/2014/main" id="{5410D68E-64D6-41C4-9A12-C58C799AF999}"/>
-              </a:ext>
-            </a:extLst>
-          </p:cNvPr>
+          <p:cNvPr id="4" name="Content Placeholder 3"/>
           <p:cNvSpPr>
             <a:spLocks noGrp="1"/>
           </p:cNvSpPr>
@@ -1794,81 +2683,76 @@
           <a:p>
             <a:pPr lvl="0"/>
             <a:r>
-              <a:rPr kumimoji="1" lang="ja-JP" altLang="en-US"/>
+              <a:rPr lang="ja-JP" altLang="en-US"/>
               <a:t>マスター テキストの書式設定</a:t>
             </a:r>
           </a:p>
           <a:p>
             <a:pPr lvl="1"/>
             <a:r>
-              <a:rPr kumimoji="1" lang="ja-JP" altLang="en-US"/>
+              <a:rPr lang="ja-JP" altLang="en-US"/>
               <a:t>第 </a:t>
             </a:r>
             <a:r>
-              <a:rPr kumimoji="1" lang="en-US" altLang="ja-JP"/>
+              <a:rPr lang="en-US" altLang="ja-JP"/>
               <a:t>2 </a:t>
             </a:r>
             <a:r>
-              <a:rPr kumimoji="1" lang="ja-JP" altLang="en-US"/>
+              <a:rPr lang="ja-JP" altLang="en-US"/>
               <a:t>レベル</a:t>
             </a:r>
           </a:p>
           <a:p>
             <a:pPr lvl="2"/>
             <a:r>
-              <a:rPr kumimoji="1" lang="ja-JP" altLang="en-US"/>
+              <a:rPr lang="ja-JP" altLang="en-US"/>
               <a:t>第 </a:t>
             </a:r>
             <a:r>
-              <a:rPr kumimoji="1" lang="en-US" altLang="ja-JP"/>
+              <a:rPr lang="en-US" altLang="ja-JP"/>
               <a:t>3 </a:t>
             </a:r>
             <a:r>
-              <a:rPr kumimoji="1" lang="ja-JP" altLang="en-US"/>
+              <a:rPr lang="ja-JP" altLang="en-US"/>
               <a:t>レベル</a:t>
             </a:r>
           </a:p>
           <a:p>
             <a:pPr lvl="3"/>
             <a:r>
-              <a:rPr kumimoji="1" lang="ja-JP" altLang="en-US"/>
+              <a:rPr lang="ja-JP" altLang="en-US"/>
               <a:t>第 </a:t>
             </a:r>
             <a:r>
-              <a:rPr kumimoji="1" lang="en-US" altLang="ja-JP"/>
+              <a:rPr lang="en-US" altLang="ja-JP"/>
               <a:t>4 </a:t>
             </a:r>
             <a:r>
-              <a:rPr kumimoji="1" lang="ja-JP" altLang="en-US"/>
+              <a:rPr lang="ja-JP" altLang="en-US"/>
               <a:t>レベル</a:t>
             </a:r>
           </a:p>
           <a:p>
             <a:pPr lvl="4"/>
             <a:r>
-              <a:rPr kumimoji="1" lang="ja-JP" altLang="en-US"/>
+              <a:rPr lang="ja-JP" altLang="en-US"/>
               <a:t>第 </a:t>
             </a:r>
             <a:r>
-              <a:rPr kumimoji="1" lang="en-US" altLang="ja-JP"/>
+              <a:rPr lang="en-US" altLang="ja-JP"/>
               <a:t>5 </a:t>
             </a:r>
             <a:r>
-              <a:rPr kumimoji="1" lang="ja-JP" altLang="en-US"/>
+              <a:rPr lang="ja-JP" altLang="en-US"/>
               <a:t>レベル</a:t>
             </a:r>
-          </a:p>
-        </p:txBody>
-      </p:sp>
-      <p:sp>
-        <p:nvSpPr>
-          <p:cNvPr id="5" name="テキスト プレースホルダー 4">
-            <a:extLst>
-              <a:ext uri="{FF2B5EF4-FFF2-40B4-BE49-F238E27FC236}">
-                <a16:creationId xmlns:a16="http://schemas.microsoft.com/office/drawing/2014/main" id="{A490CE76-1900-4A57-B9CD-F940B79BF0D6}"/>
-              </a:ext>
-            </a:extLst>
-          </p:cNvPr>
+            <a:endParaRPr lang="en-US" dirty="0"/>
+          </a:p>
+        </p:txBody>
+      </p:sp>
+      <p:sp>
+        <p:nvSpPr>
+          <p:cNvPr id="5" name="Text Placeholder 4"/>
           <p:cNvSpPr>
             <a:spLocks noGrp="1"/>
           </p:cNvSpPr>
@@ -1925,7 +2809,7 @@
           <a:p>
             <a:pPr lvl="0"/>
             <a:r>
-              <a:rPr kumimoji="1" lang="ja-JP" altLang="en-US"/>
+              <a:rPr lang="ja-JP" altLang="en-US"/>
               <a:t>マスター テキストの書式設定</a:t>
             </a:r>
           </a:p>
@@ -1933,13 +2817,7 @@
       </p:sp>
       <p:sp>
         <p:nvSpPr>
-          <p:cNvPr id="6" name="コンテンツ プレースホルダー 5">
-            <a:extLst>
-              <a:ext uri="{FF2B5EF4-FFF2-40B4-BE49-F238E27FC236}">
-                <a16:creationId xmlns:a16="http://schemas.microsoft.com/office/drawing/2014/main" id="{83E12957-1C9B-4441-B170-21041643F7B9}"/>
-              </a:ext>
-            </a:extLst>
-          </p:cNvPr>
+          <p:cNvPr id="6" name="Content Placeholder 5"/>
           <p:cNvSpPr>
             <a:spLocks noGrp="1"/>
           </p:cNvSpPr>
@@ -1959,81 +2837,76 @@
           <a:p>
             <a:pPr lvl="0"/>
             <a:r>
-              <a:rPr kumimoji="1" lang="ja-JP" altLang="en-US"/>
+              <a:rPr lang="ja-JP" altLang="en-US"/>
               <a:t>マスター テキストの書式設定</a:t>
             </a:r>
           </a:p>
           <a:p>
             <a:pPr lvl="1"/>
             <a:r>
-              <a:rPr kumimoji="1" lang="ja-JP" altLang="en-US"/>
+              <a:rPr lang="ja-JP" altLang="en-US"/>
               <a:t>第 </a:t>
             </a:r>
             <a:r>
-              <a:rPr kumimoji="1" lang="en-US" altLang="ja-JP"/>
+              <a:rPr lang="en-US" altLang="ja-JP"/>
               <a:t>2 </a:t>
             </a:r>
             <a:r>
-              <a:rPr kumimoji="1" lang="ja-JP" altLang="en-US"/>
+              <a:rPr lang="ja-JP" altLang="en-US"/>
               <a:t>レベル</a:t>
             </a:r>
           </a:p>
           <a:p>
             <a:pPr lvl="2"/>
             <a:r>
-              <a:rPr kumimoji="1" lang="ja-JP" altLang="en-US"/>
+              <a:rPr lang="ja-JP" altLang="en-US"/>
               <a:t>第 </a:t>
             </a:r>
             <a:r>
-              <a:rPr kumimoji="1" lang="en-US" altLang="ja-JP"/>
+              <a:rPr lang="en-US" altLang="ja-JP"/>
               <a:t>3 </a:t>
             </a:r>
             <a:r>
-              <a:rPr kumimoji="1" lang="ja-JP" altLang="en-US"/>
+              <a:rPr lang="ja-JP" altLang="en-US"/>
               <a:t>レベル</a:t>
             </a:r>
           </a:p>
           <a:p>
             <a:pPr lvl="3"/>
             <a:r>
-              <a:rPr kumimoji="1" lang="ja-JP" altLang="en-US"/>
+              <a:rPr lang="ja-JP" altLang="en-US"/>
               <a:t>第 </a:t>
             </a:r>
             <a:r>
-              <a:rPr kumimoji="1" lang="en-US" altLang="ja-JP"/>
+              <a:rPr lang="en-US" altLang="ja-JP"/>
               <a:t>4 </a:t>
             </a:r>
             <a:r>
-              <a:rPr kumimoji="1" lang="ja-JP" altLang="en-US"/>
+              <a:rPr lang="ja-JP" altLang="en-US"/>
               <a:t>レベル</a:t>
             </a:r>
           </a:p>
           <a:p>
             <a:pPr lvl="4"/>
             <a:r>
-              <a:rPr kumimoji="1" lang="ja-JP" altLang="en-US"/>
+              <a:rPr lang="ja-JP" altLang="en-US"/>
               <a:t>第 </a:t>
             </a:r>
             <a:r>
-              <a:rPr kumimoji="1" lang="en-US" altLang="ja-JP"/>
+              <a:rPr lang="en-US" altLang="ja-JP"/>
               <a:t>5 </a:t>
             </a:r>
             <a:r>
-              <a:rPr kumimoji="1" lang="ja-JP" altLang="en-US"/>
+              <a:rPr lang="ja-JP" altLang="en-US"/>
               <a:t>レベル</a:t>
             </a:r>
-          </a:p>
-        </p:txBody>
-      </p:sp>
-      <p:sp>
-        <p:nvSpPr>
-          <p:cNvPr id="7" name="日付プレースホルダー 6">
-            <a:extLst>
-              <a:ext uri="{FF2B5EF4-FFF2-40B4-BE49-F238E27FC236}">
-                <a16:creationId xmlns:a16="http://schemas.microsoft.com/office/drawing/2014/main" id="{1BB8C78C-479B-417E-959A-DDFDC56657AC}"/>
-              </a:ext>
-            </a:extLst>
-          </p:cNvPr>
+            <a:endParaRPr lang="en-US" dirty="0"/>
+          </a:p>
+        </p:txBody>
+      </p:sp>
+      <p:sp>
+        <p:nvSpPr>
+          <p:cNvPr id="7" name="Date Placeholder 6"/>
           <p:cNvSpPr>
             <a:spLocks noGrp="1"/>
           </p:cNvSpPr>
@@ -2048,7 +2921,7 @@
           <a:p>
             <a:fld id="{6E587BC8-DE6F-4726-95DA-1B2BF3724B67}" type="datetimeFigureOut">
               <a:rPr kumimoji="1" lang="ja-JP" altLang="en-US" smtClean="0"/>
-              <a:t>2019/5/31</a:t>
+              <a:t>2019/6/11</a:t>
             </a:fld>
             <a:endParaRPr kumimoji="1" lang="ja-JP" altLang="en-US"/>
           </a:p>
@@ -2056,13 +2929,7 @@
       </p:sp>
       <p:sp>
         <p:nvSpPr>
-          <p:cNvPr id="8" name="フッター プレースホルダー 7">
-            <a:extLst>
-              <a:ext uri="{FF2B5EF4-FFF2-40B4-BE49-F238E27FC236}">
-                <a16:creationId xmlns:a16="http://schemas.microsoft.com/office/drawing/2014/main" id="{4EB6F4C4-4424-4F70-B3C6-40426EEDB2F9}"/>
-              </a:ext>
-            </a:extLst>
-          </p:cNvPr>
+          <p:cNvPr id="8" name="Footer Placeholder 7"/>
           <p:cNvSpPr>
             <a:spLocks noGrp="1"/>
           </p:cNvSpPr>
@@ -2081,13 +2948,7 @@
       </p:sp>
       <p:sp>
         <p:nvSpPr>
-          <p:cNvPr id="9" name="スライド番号プレースホルダー 8">
-            <a:extLst>
-              <a:ext uri="{FF2B5EF4-FFF2-40B4-BE49-F238E27FC236}">
-                <a16:creationId xmlns:a16="http://schemas.microsoft.com/office/drawing/2014/main" id="{0E13D3AD-FD14-4A97-9D75-11EF24B5FCD4}"/>
-              </a:ext>
-            </a:extLst>
-          </p:cNvPr>
+          <p:cNvPr id="9" name="Slide Number Placeholder 8"/>
           <p:cNvSpPr>
             <a:spLocks noGrp="1"/>
           </p:cNvSpPr>
@@ -2111,7 +2972,7 @@
     </p:spTree>
     <p:extLst>
       <p:ext uri="{BB962C8B-B14F-4D97-AF65-F5344CB8AC3E}">
-        <p14:creationId xmlns:p14="http://schemas.microsoft.com/office/powerpoint/2010/main" val="1421930763"/>
+        <p14:creationId xmlns:p14="http://schemas.microsoft.com/office/powerpoint/2010/main" val="1108833359"/>
       </p:ext>
     </p:extLst>
   </p:cSld>
@@ -2140,13 +3001,7 @@
       </p:grpSpPr>
       <p:sp>
         <p:nvSpPr>
-          <p:cNvPr id="2" name="タイトル 1">
-            <a:extLst>
-              <a:ext uri="{FF2B5EF4-FFF2-40B4-BE49-F238E27FC236}">
-                <a16:creationId xmlns:a16="http://schemas.microsoft.com/office/drawing/2014/main" id="{EF0A55DA-2D50-43BE-8383-072151C463F0}"/>
-              </a:ext>
-            </a:extLst>
-          </p:cNvPr>
+          <p:cNvPr id="2" name="Title 1"/>
           <p:cNvSpPr>
             <a:spLocks noGrp="1"/>
           </p:cNvSpPr>
@@ -2160,21 +3015,16 @@
           <a:lstStyle/>
           <a:p>
             <a:r>
-              <a:rPr kumimoji="1" lang="ja-JP" altLang="en-US"/>
+              <a:rPr lang="ja-JP" altLang="en-US"/>
               <a:t>マスター タイトルの書式設定</a:t>
             </a:r>
-          </a:p>
-        </p:txBody>
-      </p:sp>
-      <p:sp>
-        <p:nvSpPr>
-          <p:cNvPr id="3" name="日付プレースホルダー 2">
-            <a:extLst>
-              <a:ext uri="{FF2B5EF4-FFF2-40B4-BE49-F238E27FC236}">
-                <a16:creationId xmlns:a16="http://schemas.microsoft.com/office/drawing/2014/main" id="{0F7000FB-3EBE-4CCE-A388-0F6B7976C3B9}"/>
-              </a:ext>
-            </a:extLst>
-          </p:cNvPr>
+            <a:endParaRPr lang="en-US" dirty="0"/>
+          </a:p>
+        </p:txBody>
+      </p:sp>
+      <p:sp>
+        <p:nvSpPr>
+          <p:cNvPr id="3" name="Date Placeholder 2"/>
           <p:cNvSpPr>
             <a:spLocks noGrp="1"/>
           </p:cNvSpPr>
@@ -2189,7 +3039,7 @@
           <a:p>
             <a:fld id="{6E587BC8-DE6F-4726-95DA-1B2BF3724B67}" type="datetimeFigureOut">
               <a:rPr kumimoji="1" lang="ja-JP" altLang="en-US" smtClean="0"/>
-              <a:t>2019/5/31</a:t>
+              <a:t>2019/6/11</a:t>
             </a:fld>
             <a:endParaRPr kumimoji="1" lang="ja-JP" altLang="en-US"/>
           </a:p>
@@ -2197,13 +3047,7 @@
       </p:sp>
       <p:sp>
         <p:nvSpPr>
-          <p:cNvPr id="4" name="フッター プレースホルダー 3">
-            <a:extLst>
-              <a:ext uri="{FF2B5EF4-FFF2-40B4-BE49-F238E27FC236}">
-                <a16:creationId xmlns:a16="http://schemas.microsoft.com/office/drawing/2014/main" id="{C4F62D20-BA49-4FE7-BC7D-A18270294E28}"/>
-              </a:ext>
-            </a:extLst>
-          </p:cNvPr>
+          <p:cNvPr id="4" name="Footer Placeholder 3"/>
           <p:cNvSpPr>
             <a:spLocks noGrp="1"/>
           </p:cNvSpPr>
@@ -2222,13 +3066,7 @@
       </p:sp>
       <p:sp>
         <p:nvSpPr>
-          <p:cNvPr id="5" name="スライド番号プレースホルダー 4">
-            <a:extLst>
-              <a:ext uri="{FF2B5EF4-FFF2-40B4-BE49-F238E27FC236}">
-                <a16:creationId xmlns:a16="http://schemas.microsoft.com/office/drawing/2014/main" id="{4D086B40-DA6B-44E5-9AD4-0840DBD3836E}"/>
-              </a:ext>
-            </a:extLst>
-          </p:cNvPr>
+          <p:cNvPr id="5" name="Slide Number Placeholder 4"/>
           <p:cNvSpPr>
             <a:spLocks noGrp="1"/>
           </p:cNvSpPr>
@@ -2252,7 +3090,7 @@
     </p:spTree>
     <p:extLst>
       <p:ext uri="{BB962C8B-B14F-4D97-AF65-F5344CB8AC3E}">
-        <p14:creationId xmlns:p14="http://schemas.microsoft.com/office/powerpoint/2010/main" val="585419059"/>
+        <p14:creationId xmlns:p14="http://schemas.microsoft.com/office/powerpoint/2010/main" val="784675829"/>
       </p:ext>
     </p:extLst>
   </p:cSld>
@@ -2281,13 +3119,7 @@
       </p:grpSpPr>
       <p:sp>
         <p:nvSpPr>
-          <p:cNvPr id="2" name="日付プレースホルダー 1">
-            <a:extLst>
-              <a:ext uri="{FF2B5EF4-FFF2-40B4-BE49-F238E27FC236}">
-                <a16:creationId xmlns:a16="http://schemas.microsoft.com/office/drawing/2014/main" id="{400E6751-64B1-4D92-A1BE-2DB1B54E8C06}"/>
-              </a:ext>
-            </a:extLst>
-          </p:cNvPr>
+          <p:cNvPr id="2" name="Date Placeholder 1"/>
           <p:cNvSpPr>
             <a:spLocks noGrp="1"/>
           </p:cNvSpPr>
@@ -2302,7 +3134,7 @@
           <a:p>
             <a:fld id="{6E587BC8-DE6F-4726-95DA-1B2BF3724B67}" type="datetimeFigureOut">
               <a:rPr kumimoji="1" lang="ja-JP" altLang="en-US" smtClean="0"/>
-              <a:t>2019/5/31</a:t>
+              <a:t>2019/6/11</a:t>
             </a:fld>
             <a:endParaRPr kumimoji="1" lang="ja-JP" altLang="en-US"/>
           </a:p>
@@ -2310,13 +3142,7 @@
       </p:sp>
       <p:sp>
         <p:nvSpPr>
-          <p:cNvPr id="3" name="フッター プレースホルダー 2">
-            <a:extLst>
-              <a:ext uri="{FF2B5EF4-FFF2-40B4-BE49-F238E27FC236}">
-                <a16:creationId xmlns:a16="http://schemas.microsoft.com/office/drawing/2014/main" id="{63DC5C53-371E-4C34-A8F3-A6E08721E563}"/>
-              </a:ext>
-            </a:extLst>
-          </p:cNvPr>
+          <p:cNvPr id="3" name="Footer Placeholder 2"/>
           <p:cNvSpPr>
             <a:spLocks noGrp="1"/>
           </p:cNvSpPr>
@@ -2335,13 +3161,7 @@
       </p:sp>
       <p:sp>
         <p:nvSpPr>
-          <p:cNvPr id="4" name="スライド番号プレースホルダー 3">
-            <a:extLst>
-              <a:ext uri="{FF2B5EF4-FFF2-40B4-BE49-F238E27FC236}">
-                <a16:creationId xmlns:a16="http://schemas.microsoft.com/office/drawing/2014/main" id="{20213AA3-9030-4F6E-ACF9-BFF3C431E6AC}"/>
-              </a:ext>
-            </a:extLst>
-          </p:cNvPr>
+          <p:cNvPr id="4" name="Slide Number Placeholder 3"/>
           <p:cNvSpPr>
             <a:spLocks noGrp="1"/>
           </p:cNvSpPr>
@@ -2365,7 +3185,7 @@
     </p:spTree>
     <p:extLst>
       <p:ext uri="{BB962C8B-B14F-4D97-AF65-F5344CB8AC3E}">
-        <p14:creationId xmlns:p14="http://schemas.microsoft.com/office/powerpoint/2010/main" val="2351005491"/>
+        <p14:creationId xmlns:p14="http://schemas.microsoft.com/office/powerpoint/2010/main" val="385847927"/>
       </p:ext>
     </p:extLst>
   </p:cSld>
@@ -2394,13 +3214,7 @@
       </p:grpSpPr>
       <p:sp>
         <p:nvSpPr>
-          <p:cNvPr id="2" name="タイトル 1">
-            <a:extLst>
-              <a:ext uri="{FF2B5EF4-FFF2-40B4-BE49-F238E27FC236}">
-                <a16:creationId xmlns:a16="http://schemas.microsoft.com/office/drawing/2014/main" id="{47FCCD5B-639C-415C-989A-98D06A2218C0}"/>
-              </a:ext>
-            </a:extLst>
-          </p:cNvPr>
+          <p:cNvPr id="2" name="Title 1"/>
           <p:cNvSpPr>
             <a:spLocks noGrp="1"/>
           </p:cNvSpPr>
@@ -2423,21 +3237,16 @@
           </a:lstStyle>
           <a:p>
             <a:r>
-              <a:rPr kumimoji="1" lang="ja-JP" altLang="en-US"/>
+              <a:rPr lang="ja-JP" altLang="en-US"/>
               <a:t>マスター タイトルの書式設定</a:t>
             </a:r>
-          </a:p>
-        </p:txBody>
-      </p:sp>
-      <p:sp>
-        <p:nvSpPr>
-          <p:cNvPr id="3" name="コンテンツ プレースホルダー 2">
-            <a:extLst>
-              <a:ext uri="{FF2B5EF4-FFF2-40B4-BE49-F238E27FC236}">
-                <a16:creationId xmlns:a16="http://schemas.microsoft.com/office/drawing/2014/main" id="{04633227-423E-4EAF-B0B4-C2BAB8897003}"/>
-              </a:ext>
-            </a:extLst>
-          </p:cNvPr>
+            <a:endParaRPr lang="en-US" dirty="0"/>
+          </a:p>
+        </p:txBody>
+      </p:sp>
+      <p:sp>
+        <p:nvSpPr>
+          <p:cNvPr id="3" name="Content Placeholder 2"/>
           <p:cNvSpPr>
             <a:spLocks noGrp="1"/>
           </p:cNvSpPr>
@@ -2485,81 +3294,76 @@
           <a:p>
             <a:pPr lvl="0"/>
             <a:r>
-              <a:rPr kumimoji="1" lang="ja-JP" altLang="en-US"/>
+              <a:rPr lang="ja-JP" altLang="en-US"/>
               <a:t>マスター テキストの書式設定</a:t>
             </a:r>
           </a:p>
           <a:p>
             <a:pPr lvl="1"/>
             <a:r>
-              <a:rPr kumimoji="1" lang="ja-JP" altLang="en-US"/>
+              <a:rPr lang="ja-JP" altLang="en-US"/>
               <a:t>第 </a:t>
             </a:r>
             <a:r>
-              <a:rPr kumimoji="1" lang="en-US" altLang="ja-JP"/>
+              <a:rPr lang="en-US" altLang="ja-JP"/>
               <a:t>2 </a:t>
             </a:r>
             <a:r>
-              <a:rPr kumimoji="1" lang="ja-JP" altLang="en-US"/>
+              <a:rPr lang="ja-JP" altLang="en-US"/>
               <a:t>レベル</a:t>
             </a:r>
           </a:p>
           <a:p>
             <a:pPr lvl="2"/>
             <a:r>
-              <a:rPr kumimoji="1" lang="ja-JP" altLang="en-US"/>
+              <a:rPr lang="ja-JP" altLang="en-US"/>
               <a:t>第 </a:t>
             </a:r>
             <a:r>
-              <a:rPr kumimoji="1" lang="en-US" altLang="ja-JP"/>
+              <a:rPr lang="en-US" altLang="ja-JP"/>
               <a:t>3 </a:t>
             </a:r>
             <a:r>
-              <a:rPr kumimoji="1" lang="ja-JP" altLang="en-US"/>
+              <a:rPr lang="ja-JP" altLang="en-US"/>
               <a:t>レベル</a:t>
             </a:r>
           </a:p>
           <a:p>
             <a:pPr lvl="3"/>
             <a:r>
-              <a:rPr kumimoji="1" lang="ja-JP" altLang="en-US"/>
+              <a:rPr lang="ja-JP" altLang="en-US"/>
               <a:t>第 </a:t>
             </a:r>
             <a:r>
-              <a:rPr kumimoji="1" lang="en-US" altLang="ja-JP"/>
+              <a:rPr lang="en-US" altLang="ja-JP"/>
               <a:t>4 </a:t>
             </a:r>
             <a:r>
-              <a:rPr kumimoji="1" lang="ja-JP" altLang="en-US"/>
+              <a:rPr lang="ja-JP" altLang="en-US"/>
               <a:t>レベル</a:t>
             </a:r>
           </a:p>
           <a:p>
             <a:pPr lvl="4"/>
             <a:r>
-              <a:rPr kumimoji="1" lang="ja-JP" altLang="en-US"/>
+              <a:rPr lang="ja-JP" altLang="en-US"/>
               <a:t>第 </a:t>
             </a:r>
             <a:r>
-              <a:rPr kumimoji="1" lang="en-US" altLang="ja-JP"/>
+              <a:rPr lang="en-US" altLang="ja-JP"/>
               <a:t>5 </a:t>
             </a:r>
             <a:r>
-              <a:rPr kumimoji="1" lang="ja-JP" altLang="en-US"/>
+              <a:rPr lang="ja-JP" altLang="en-US"/>
               <a:t>レベル</a:t>
             </a:r>
-          </a:p>
-        </p:txBody>
-      </p:sp>
-      <p:sp>
-        <p:nvSpPr>
-          <p:cNvPr id="4" name="テキスト プレースホルダー 3">
-            <a:extLst>
-              <a:ext uri="{FF2B5EF4-FFF2-40B4-BE49-F238E27FC236}">
-                <a16:creationId xmlns:a16="http://schemas.microsoft.com/office/drawing/2014/main" id="{C0240112-19B8-4792-B31A-CE4243D150AC}"/>
-              </a:ext>
-            </a:extLst>
-          </p:cNvPr>
+            <a:endParaRPr lang="en-US" dirty="0"/>
+          </a:p>
+        </p:txBody>
+      </p:sp>
+      <p:sp>
+        <p:nvSpPr>
+          <p:cNvPr id="4" name="Text Placeholder 3"/>
           <p:cNvSpPr>
             <a:spLocks noGrp="1"/>
           </p:cNvSpPr>
@@ -2616,7 +3420,7 @@
           <a:p>
             <a:pPr lvl="0"/>
             <a:r>
-              <a:rPr kumimoji="1" lang="ja-JP" altLang="en-US"/>
+              <a:rPr lang="ja-JP" altLang="en-US"/>
               <a:t>マスター テキストの書式設定</a:t>
             </a:r>
           </a:p>
@@ -2624,13 +3428,7 @@
       </p:sp>
       <p:sp>
         <p:nvSpPr>
-          <p:cNvPr id="5" name="日付プレースホルダー 4">
-            <a:extLst>
-              <a:ext uri="{FF2B5EF4-FFF2-40B4-BE49-F238E27FC236}">
-                <a16:creationId xmlns:a16="http://schemas.microsoft.com/office/drawing/2014/main" id="{EF043FC7-E566-4904-9A75-F3446E247E84}"/>
-              </a:ext>
-            </a:extLst>
-          </p:cNvPr>
+          <p:cNvPr id="5" name="Date Placeholder 4"/>
           <p:cNvSpPr>
             <a:spLocks noGrp="1"/>
           </p:cNvSpPr>
@@ -2645,7 +3443,7 @@
           <a:p>
             <a:fld id="{6E587BC8-DE6F-4726-95DA-1B2BF3724B67}" type="datetimeFigureOut">
               <a:rPr kumimoji="1" lang="ja-JP" altLang="en-US" smtClean="0"/>
-              <a:t>2019/5/31</a:t>
+              <a:t>2019/6/11</a:t>
             </a:fld>
             <a:endParaRPr kumimoji="1" lang="ja-JP" altLang="en-US"/>
           </a:p>
@@ -2653,13 +3451,7 @@
       </p:sp>
       <p:sp>
         <p:nvSpPr>
-          <p:cNvPr id="6" name="フッター プレースホルダー 5">
-            <a:extLst>
-              <a:ext uri="{FF2B5EF4-FFF2-40B4-BE49-F238E27FC236}">
-                <a16:creationId xmlns:a16="http://schemas.microsoft.com/office/drawing/2014/main" id="{F2436BD0-3D95-408D-8366-5BA7F53B2C46}"/>
-              </a:ext>
-            </a:extLst>
-          </p:cNvPr>
+          <p:cNvPr id="6" name="Footer Placeholder 5"/>
           <p:cNvSpPr>
             <a:spLocks noGrp="1"/>
           </p:cNvSpPr>
@@ -2678,13 +3470,7 @@
       </p:sp>
       <p:sp>
         <p:nvSpPr>
-          <p:cNvPr id="7" name="スライド番号プレースホルダー 6">
-            <a:extLst>
-              <a:ext uri="{FF2B5EF4-FFF2-40B4-BE49-F238E27FC236}">
-                <a16:creationId xmlns:a16="http://schemas.microsoft.com/office/drawing/2014/main" id="{029A4EFE-3410-41F0-8EA3-67EEFBC988D3}"/>
-              </a:ext>
-            </a:extLst>
-          </p:cNvPr>
+          <p:cNvPr id="7" name="Slide Number Placeholder 6"/>
           <p:cNvSpPr>
             <a:spLocks noGrp="1"/>
           </p:cNvSpPr>
@@ -2708,7 +3494,7 @@
     </p:spTree>
     <p:extLst>
       <p:ext uri="{BB962C8B-B14F-4D97-AF65-F5344CB8AC3E}">
-        <p14:creationId xmlns:p14="http://schemas.microsoft.com/office/powerpoint/2010/main" val="3438503370"/>
+        <p14:creationId xmlns:p14="http://schemas.microsoft.com/office/powerpoint/2010/main" val="1155891404"/>
       </p:ext>
     </p:extLst>
   </p:cSld>
@@ -2737,13 +3523,7 @@
       </p:grpSpPr>
       <p:sp>
         <p:nvSpPr>
-          <p:cNvPr id="2" name="タイトル 1">
-            <a:extLst>
-              <a:ext uri="{FF2B5EF4-FFF2-40B4-BE49-F238E27FC236}">
-                <a16:creationId xmlns:a16="http://schemas.microsoft.com/office/drawing/2014/main" id="{86451BD6-548E-451A-82CF-B44B61056BD3}"/>
-              </a:ext>
-            </a:extLst>
-          </p:cNvPr>
+          <p:cNvPr id="2" name="Title 1"/>
           <p:cNvSpPr>
             <a:spLocks noGrp="1"/>
           </p:cNvSpPr>
@@ -2766,23 +3546,18 @@
           </a:lstStyle>
           <a:p>
             <a:r>
-              <a:rPr kumimoji="1" lang="ja-JP" altLang="en-US"/>
+              <a:rPr lang="ja-JP" altLang="en-US"/>
               <a:t>マスター タイトルの書式設定</a:t>
             </a:r>
-          </a:p>
-        </p:txBody>
-      </p:sp>
-      <p:sp>
-        <p:nvSpPr>
-          <p:cNvPr id="3" name="図プレースホルダー 2">
-            <a:extLst>
-              <a:ext uri="{FF2B5EF4-FFF2-40B4-BE49-F238E27FC236}">
-                <a16:creationId xmlns:a16="http://schemas.microsoft.com/office/drawing/2014/main" id="{024F126D-397E-4B16-AA24-AA6022433774}"/>
-              </a:ext>
-            </a:extLst>
-          </p:cNvPr>
-          <p:cNvSpPr>
-            <a:spLocks noGrp="1"/>
+            <a:endParaRPr lang="en-US" dirty="0"/>
+          </a:p>
+        </p:txBody>
+      </p:sp>
+      <p:sp>
+        <p:nvSpPr>
+          <p:cNvPr id="3" name="Picture Placeholder 2"/>
+          <p:cNvSpPr>
+            <a:spLocks noGrp="1" noChangeAspect="1"/>
           </p:cNvSpPr>
           <p:nvPr>
             <p:ph type="pic" idx="1"/>
@@ -2795,7 +3570,7 @@
           </a:xfrm>
         </p:spPr>
         <p:txBody>
-          <a:bodyPr/>
+          <a:bodyPr anchor="t"/>
           <a:lstStyle>
             <a:lvl1pPr marL="0" indent="0">
               <a:buNone/>
@@ -2835,19 +3610,17 @@
             </a:lvl9pPr>
           </a:lstStyle>
           <a:p>
-            <a:endParaRPr kumimoji="1" lang="ja-JP" altLang="en-US"/>
-          </a:p>
-        </p:txBody>
-      </p:sp>
-      <p:sp>
-        <p:nvSpPr>
-          <p:cNvPr id="4" name="テキスト プレースホルダー 3">
-            <a:extLst>
-              <a:ext uri="{FF2B5EF4-FFF2-40B4-BE49-F238E27FC236}">
-                <a16:creationId xmlns:a16="http://schemas.microsoft.com/office/drawing/2014/main" id="{1644F4F3-3359-468A-BDCD-3074A7C9E096}"/>
-              </a:ext>
-            </a:extLst>
-          </p:cNvPr>
+            <a:r>
+              <a:rPr lang="ja-JP" altLang="en-US"/>
+              <a:t>アイコンをクリックして図を追加</a:t>
+            </a:r>
+            <a:endParaRPr lang="en-US" dirty="0"/>
+          </a:p>
+        </p:txBody>
+      </p:sp>
+      <p:sp>
+        <p:nvSpPr>
+          <p:cNvPr id="4" name="Text Placeholder 3"/>
           <p:cNvSpPr>
             <a:spLocks noGrp="1"/>
           </p:cNvSpPr>
@@ -2904,7 +3677,7 @@
           <a:p>
             <a:pPr lvl="0"/>
             <a:r>
-              <a:rPr kumimoji="1" lang="ja-JP" altLang="en-US"/>
+              <a:rPr lang="ja-JP" altLang="en-US"/>
               <a:t>マスター テキストの書式設定</a:t>
             </a:r>
           </a:p>
@@ -2912,13 +3685,7 @@
       </p:sp>
       <p:sp>
         <p:nvSpPr>
-          <p:cNvPr id="5" name="日付プレースホルダー 4">
-            <a:extLst>
-              <a:ext uri="{FF2B5EF4-FFF2-40B4-BE49-F238E27FC236}">
-                <a16:creationId xmlns:a16="http://schemas.microsoft.com/office/drawing/2014/main" id="{39CC84DA-C5E3-4655-B36F-1FF50BB37DD8}"/>
-              </a:ext>
-            </a:extLst>
-          </p:cNvPr>
+          <p:cNvPr id="5" name="Date Placeholder 4"/>
           <p:cNvSpPr>
             <a:spLocks noGrp="1"/>
           </p:cNvSpPr>
@@ -2933,7 +3700,7 @@
           <a:p>
             <a:fld id="{6E587BC8-DE6F-4726-95DA-1B2BF3724B67}" type="datetimeFigureOut">
               <a:rPr kumimoji="1" lang="ja-JP" altLang="en-US" smtClean="0"/>
-              <a:t>2019/5/31</a:t>
+              <a:t>2019/6/11</a:t>
             </a:fld>
             <a:endParaRPr kumimoji="1" lang="ja-JP" altLang="en-US"/>
           </a:p>
@@ -2941,13 +3708,7 @@
       </p:sp>
       <p:sp>
         <p:nvSpPr>
-          <p:cNvPr id="6" name="フッター プレースホルダー 5">
-            <a:extLst>
-              <a:ext uri="{FF2B5EF4-FFF2-40B4-BE49-F238E27FC236}">
-                <a16:creationId xmlns:a16="http://schemas.microsoft.com/office/drawing/2014/main" id="{000D0EA6-A8F6-4F6B-959B-9B13F83EA15C}"/>
-              </a:ext>
-            </a:extLst>
-          </p:cNvPr>
+          <p:cNvPr id="6" name="Footer Placeholder 5"/>
           <p:cNvSpPr>
             <a:spLocks noGrp="1"/>
           </p:cNvSpPr>
@@ -2966,13 +3727,7 @@
       </p:sp>
       <p:sp>
         <p:nvSpPr>
-          <p:cNvPr id="7" name="スライド番号プレースホルダー 6">
-            <a:extLst>
-              <a:ext uri="{FF2B5EF4-FFF2-40B4-BE49-F238E27FC236}">
-                <a16:creationId xmlns:a16="http://schemas.microsoft.com/office/drawing/2014/main" id="{6379244B-93C7-4821-A6FC-2F2D5D26E2DD}"/>
-              </a:ext>
-            </a:extLst>
-          </p:cNvPr>
+          <p:cNvPr id="7" name="Slide Number Placeholder 6"/>
           <p:cNvSpPr>
             <a:spLocks noGrp="1"/>
           </p:cNvSpPr>
@@ -2996,7 +3751,7 @@
     </p:spTree>
     <p:extLst>
       <p:ext uri="{BB962C8B-B14F-4D97-AF65-F5344CB8AC3E}">
-        <p14:creationId xmlns:p14="http://schemas.microsoft.com/office/powerpoint/2010/main" val="1542333407"/>
+        <p14:creationId xmlns:p14="http://schemas.microsoft.com/office/powerpoint/2010/main" val="3596325469"/>
       </p:ext>
     </p:extLst>
   </p:cSld>
@@ -3030,13 +3785,7 @@
       </p:grpSpPr>
       <p:sp>
         <p:nvSpPr>
-          <p:cNvPr id="2" name="タイトル プレースホルダー 1">
-            <a:extLst>
-              <a:ext uri="{FF2B5EF4-FFF2-40B4-BE49-F238E27FC236}">
-                <a16:creationId xmlns:a16="http://schemas.microsoft.com/office/drawing/2014/main" id="{B333AE8C-1C41-44F1-B2B1-A243559ECB32}"/>
-              </a:ext>
-            </a:extLst>
-          </p:cNvPr>
+          <p:cNvPr id="2" name="Title Placeholder 1"/>
           <p:cNvSpPr>
             <a:spLocks noGrp="1"/>
           </p:cNvSpPr>
@@ -3060,21 +3809,16 @@
           <a:lstStyle/>
           <a:p>
             <a:r>
-              <a:rPr kumimoji="1" lang="ja-JP" altLang="en-US"/>
+              <a:rPr lang="ja-JP" altLang="en-US"/>
               <a:t>マスター タイトルの書式設定</a:t>
             </a:r>
-          </a:p>
-        </p:txBody>
-      </p:sp>
-      <p:sp>
-        <p:nvSpPr>
-          <p:cNvPr id="3" name="テキスト プレースホルダー 2">
-            <a:extLst>
-              <a:ext uri="{FF2B5EF4-FFF2-40B4-BE49-F238E27FC236}">
-                <a16:creationId xmlns:a16="http://schemas.microsoft.com/office/drawing/2014/main" id="{BEE61C27-9826-4AF1-9D5F-025046D2E2F3}"/>
-              </a:ext>
-            </a:extLst>
-          </p:cNvPr>
+            <a:endParaRPr lang="en-US" dirty="0"/>
+          </a:p>
+        </p:txBody>
+      </p:sp>
+      <p:sp>
+        <p:nvSpPr>
+          <p:cNvPr id="3" name="Text Placeholder 2"/>
           <p:cNvSpPr>
             <a:spLocks noGrp="1"/>
           </p:cNvSpPr>
@@ -3099,81 +3843,76 @@
           <a:p>
             <a:pPr lvl="0"/>
             <a:r>
-              <a:rPr kumimoji="1" lang="ja-JP" altLang="en-US"/>
+              <a:rPr lang="ja-JP" altLang="en-US"/>
               <a:t>マスター テキストの書式設定</a:t>
             </a:r>
           </a:p>
           <a:p>
             <a:pPr lvl="1"/>
             <a:r>
-              <a:rPr kumimoji="1" lang="ja-JP" altLang="en-US"/>
+              <a:rPr lang="ja-JP" altLang="en-US"/>
               <a:t>第 </a:t>
             </a:r>
             <a:r>
-              <a:rPr kumimoji="1" lang="en-US" altLang="ja-JP"/>
+              <a:rPr lang="en-US" altLang="ja-JP"/>
               <a:t>2 </a:t>
             </a:r>
             <a:r>
-              <a:rPr kumimoji="1" lang="ja-JP" altLang="en-US"/>
+              <a:rPr lang="ja-JP" altLang="en-US"/>
               <a:t>レベル</a:t>
             </a:r>
           </a:p>
           <a:p>
             <a:pPr lvl="2"/>
             <a:r>
-              <a:rPr kumimoji="1" lang="ja-JP" altLang="en-US"/>
+              <a:rPr lang="ja-JP" altLang="en-US"/>
               <a:t>第 </a:t>
             </a:r>
             <a:r>
-              <a:rPr kumimoji="1" lang="en-US" altLang="ja-JP"/>
+              <a:rPr lang="en-US" altLang="ja-JP"/>
               <a:t>3 </a:t>
             </a:r>
             <a:r>
-              <a:rPr kumimoji="1" lang="ja-JP" altLang="en-US"/>
+              <a:rPr lang="ja-JP" altLang="en-US"/>
               <a:t>レベル</a:t>
             </a:r>
           </a:p>
           <a:p>
             <a:pPr lvl="3"/>
             <a:r>
-              <a:rPr kumimoji="1" lang="ja-JP" altLang="en-US"/>
+              <a:rPr lang="ja-JP" altLang="en-US"/>
               <a:t>第 </a:t>
             </a:r>
             <a:r>
-              <a:rPr kumimoji="1" lang="en-US" altLang="ja-JP"/>
+              <a:rPr lang="en-US" altLang="ja-JP"/>
               <a:t>4 </a:t>
             </a:r>
             <a:r>
-              <a:rPr kumimoji="1" lang="ja-JP" altLang="en-US"/>
+              <a:rPr lang="ja-JP" altLang="en-US"/>
               <a:t>レベル</a:t>
             </a:r>
           </a:p>
           <a:p>
             <a:pPr lvl="4"/>
             <a:r>
-              <a:rPr kumimoji="1" lang="ja-JP" altLang="en-US"/>
+              <a:rPr lang="ja-JP" altLang="en-US"/>
               <a:t>第 </a:t>
             </a:r>
             <a:r>
-              <a:rPr kumimoji="1" lang="en-US" altLang="ja-JP"/>
+              <a:rPr lang="en-US" altLang="ja-JP"/>
               <a:t>5 </a:t>
             </a:r>
             <a:r>
-              <a:rPr kumimoji="1" lang="ja-JP" altLang="en-US"/>
+              <a:rPr lang="ja-JP" altLang="en-US"/>
               <a:t>レベル</a:t>
             </a:r>
-          </a:p>
-        </p:txBody>
-      </p:sp>
-      <p:sp>
-        <p:nvSpPr>
-          <p:cNvPr id="4" name="日付プレースホルダー 3">
-            <a:extLst>
-              <a:ext uri="{FF2B5EF4-FFF2-40B4-BE49-F238E27FC236}">
-                <a16:creationId xmlns:a16="http://schemas.microsoft.com/office/drawing/2014/main" id="{F5717CE1-C52A-4CCF-897A-008A406B3033}"/>
-              </a:ext>
-            </a:extLst>
-          </p:cNvPr>
+            <a:endParaRPr lang="en-US" dirty="0"/>
+          </a:p>
+        </p:txBody>
+      </p:sp>
+      <p:sp>
+        <p:nvSpPr>
+          <p:cNvPr id="4" name="Date Placeholder 3"/>
           <p:cNvSpPr>
             <a:spLocks noGrp="1"/>
           </p:cNvSpPr>
@@ -3206,7 +3945,7 @@
           <a:p>
             <a:fld id="{6E587BC8-DE6F-4726-95DA-1B2BF3724B67}" type="datetimeFigureOut">
               <a:rPr kumimoji="1" lang="ja-JP" altLang="en-US" smtClean="0"/>
-              <a:t>2019/5/31</a:t>
+              <a:t>2019/6/11</a:t>
             </a:fld>
             <a:endParaRPr kumimoji="1" lang="ja-JP" altLang="en-US"/>
           </a:p>
@@ -3214,13 +3953,7 @@
       </p:sp>
       <p:sp>
         <p:nvSpPr>
-          <p:cNvPr id="5" name="フッター プレースホルダー 4">
-            <a:extLst>
-              <a:ext uri="{FF2B5EF4-FFF2-40B4-BE49-F238E27FC236}">
-                <a16:creationId xmlns:a16="http://schemas.microsoft.com/office/drawing/2014/main" id="{1C7A5CF2-E707-454A-B379-B245760EF936}"/>
-              </a:ext>
-            </a:extLst>
-          </p:cNvPr>
+          <p:cNvPr id="5" name="Footer Placeholder 4"/>
           <p:cNvSpPr>
             <a:spLocks noGrp="1"/>
           </p:cNvSpPr>
@@ -3257,13 +3990,7 @@
       </p:sp>
       <p:sp>
         <p:nvSpPr>
-          <p:cNvPr id="6" name="スライド番号プレースホルダー 5">
-            <a:extLst>
-              <a:ext uri="{FF2B5EF4-FFF2-40B4-BE49-F238E27FC236}">
-                <a16:creationId xmlns:a16="http://schemas.microsoft.com/office/drawing/2014/main" id="{64780ABF-325C-4C41-8020-C5CA8A54FB68}"/>
-              </a:ext>
-            </a:extLst>
-          </p:cNvPr>
+          <p:cNvPr id="6" name="Slide Number Placeholder 5"/>
           <p:cNvSpPr>
             <a:spLocks noGrp="1"/>
           </p:cNvSpPr>
@@ -3305,23 +4032,23 @@
     </p:spTree>
     <p:extLst>
       <p:ext uri="{BB962C8B-B14F-4D97-AF65-F5344CB8AC3E}">
-        <p14:creationId xmlns:p14="http://schemas.microsoft.com/office/powerpoint/2010/main" val="2096785544"/>
+        <p14:creationId xmlns:p14="http://schemas.microsoft.com/office/powerpoint/2010/main" val="3480801567"/>
       </p:ext>
     </p:extLst>
   </p:cSld>
-  <p:clrMap bg1="lt1" tx1="dk1" bg2="lt2" tx2="dk2" accent1="accent1" accent2="accent2" accent3="accent3" accent4="accent4" accent5="accent5" accent6="accent6" hlink="hlink" folHlink="folHlink"/>
+  <p:clrMap bg1="dk1" tx1="lt1" bg2="dk2" tx2="lt2" accent1="accent1" accent2="accent2" accent3="accent3" accent4="accent4" accent5="accent5" accent6="accent6" hlink="hlink" folHlink="folHlink"/>
   <p:sldLayoutIdLst>
-    <p:sldLayoutId id="2147483649" r:id="rId1"/>
-    <p:sldLayoutId id="2147483650" r:id="rId2"/>
-    <p:sldLayoutId id="2147483651" r:id="rId3"/>
-    <p:sldLayoutId id="2147483652" r:id="rId4"/>
-    <p:sldLayoutId id="2147483653" r:id="rId5"/>
-    <p:sldLayoutId id="2147483654" r:id="rId6"/>
-    <p:sldLayoutId id="2147483655" r:id="rId7"/>
-    <p:sldLayoutId id="2147483656" r:id="rId8"/>
-    <p:sldLayoutId id="2147483657" r:id="rId9"/>
-    <p:sldLayoutId id="2147483658" r:id="rId10"/>
-    <p:sldLayoutId id="2147483659" r:id="rId11"/>
+    <p:sldLayoutId id="2147483661" r:id="rId1"/>
+    <p:sldLayoutId id="2147483662" r:id="rId2"/>
+    <p:sldLayoutId id="2147483663" r:id="rId3"/>
+    <p:sldLayoutId id="2147483664" r:id="rId4"/>
+    <p:sldLayoutId id="2147483665" r:id="rId5"/>
+    <p:sldLayoutId id="2147483666" r:id="rId6"/>
+    <p:sldLayoutId id="2147483667" r:id="rId7"/>
+    <p:sldLayoutId id="2147483668" r:id="rId8"/>
+    <p:sldLayoutId id="2147483669" r:id="rId9"/>
+    <p:sldLayoutId id="2147483670" r:id="rId10"/>
+    <p:sldLayoutId id="2147483671" r:id="rId11"/>
   </p:sldLayoutIdLst>
   <p:txStyles>
     <p:titleStyle>
@@ -3509,7 +4236,7 @@
     </p:bodyStyle>
     <p:otherStyle>
       <a:defPPr>
-        <a:defRPr lang="ja-JP"/>
+        <a:defRPr lang="en-US"/>
       </a:defPPr>
       <a:lvl1pPr marL="0" algn="l" defTabSz="914400" rtl="0" eaLnBrk="1" latinLnBrk="0" hangingPunct="1">
         <a:defRPr kumimoji="1" sz="1800" kern="1200">
@@ -3739,6 +4466,1147 @@
           <p:cNvPr id="2" name="タイトル 1">
             <a:extLst>
               <a:ext uri="{FF2B5EF4-FFF2-40B4-BE49-F238E27FC236}">
+                <a16:creationId xmlns:a16="http://schemas.microsoft.com/office/drawing/2014/main" id="{84E76098-5ABF-4709-A130-78345D6144C6}"/>
+              </a:ext>
+            </a:extLst>
+          </p:cNvPr>
+          <p:cNvSpPr>
+            <a:spLocks noGrp="1"/>
+          </p:cNvSpPr>
+          <p:nvPr>
+            <p:ph type="title"/>
+          </p:nvPr>
+        </p:nvSpPr>
+        <p:spPr>
+          <a:xfrm>
+            <a:off x="838200" y="365125"/>
+            <a:ext cx="10515600" cy="746983"/>
+          </a:xfrm>
+        </p:spPr>
+        <p:txBody>
+          <a:bodyPr/>
+          <a:lstStyle/>
+          <a:p>
+            <a:r>
+              <a:rPr lang="ja-JP" altLang="en-US" dirty="0"/>
+              <a:t>対象とする企業について</a:t>
+            </a:r>
+            <a:endParaRPr kumimoji="1" lang="ja-JP" altLang="en-US" dirty="0"/>
+          </a:p>
+        </p:txBody>
+      </p:sp>
+      <p:sp>
+        <p:nvSpPr>
+          <p:cNvPr id="3" name="コンテンツ プレースホルダー 2">
+            <a:extLst>
+              <a:ext uri="{FF2B5EF4-FFF2-40B4-BE49-F238E27FC236}">
+                <a16:creationId xmlns:a16="http://schemas.microsoft.com/office/drawing/2014/main" id="{6542FA18-B0BE-4A9A-A81C-6917BCE2D0B7}"/>
+              </a:ext>
+            </a:extLst>
+          </p:cNvPr>
+          <p:cNvSpPr>
+            <a:spLocks noGrp="1"/>
+          </p:cNvSpPr>
+          <p:nvPr>
+            <p:ph idx="1"/>
+          </p:nvPr>
+        </p:nvSpPr>
+        <p:spPr>
+          <a:xfrm>
+            <a:off x="838200" y="1112108"/>
+            <a:ext cx="10515600" cy="5064855"/>
+          </a:xfrm>
+        </p:spPr>
+        <p:txBody>
+          <a:bodyPr/>
+          <a:lstStyle/>
+          <a:p>
+            <a:pPr marL="0" indent="0">
+              <a:buNone/>
+            </a:pPr>
+            <a:r>
+              <a:rPr lang="ja-JP" altLang="en-US" dirty="0"/>
+              <a:t>①東京証券取引所に上場していた企業</a:t>
+            </a:r>
+            <a:r>
+              <a:rPr lang="en-US" altLang="ja-JP" dirty="0"/>
+              <a:t>(1</a:t>
+            </a:r>
+            <a:r>
+              <a:rPr lang="ja-JP" altLang="en-US" dirty="0"/>
+              <a:t>部</a:t>
+            </a:r>
+            <a:r>
+              <a:rPr lang="en-US" altLang="ja-JP" dirty="0"/>
+              <a:t>,2</a:t>
+            </a:r>
+            <a:r>
+              <a:rPr lang="ja-JP" altLang="en-US" dirty="0"/>
+              <a:t>部</a:t>
+            </a:r>
+            <a:r>
+              <a:rPr lang="en-US" altLang="ja-JP" dirty="0"/>
+              <a:t>,JASDAQ,</a:t>
+            </a:r>
+            <a:r>
+              <a:rPr lang="ja-JP" altLang="en-US" dirty="0"/>
+              <a:t>マザーズ</a:t>
+            </a:r>
+            <a:r>
+              <a:rPr lang="en-US" altLang="ja-JP" dirty="0"/>
+              <a:t>)</a:t>
+            </a:r>
+          </a:p>
+          <a:p>
+            <a:pPr marL="0" indent="0">
+              <a:buNone/>
+            </a:pPr>
+            <a:r>
+              <a:rPr lang="ja-JP" altLang="en-US" dirty="0"/>
+              <a:t>②</a:t>
+            </a:r>
+            <a:r>
+              <a:rPr lang="en-US" altLang="ja-JP" dirty="0"/>
+              <a:t>2000</a:t>
+            </a:r>
+            <a:r>
+              <a:rPr lang="ja-JP" altLang="en-US" dirty="0"/>
+              <a:t>年</a:t>
+            </a:r>
+            <a:r>
+              <a:rPr lang="en-US" altLang="ja-JP" dirty="0"/>
+              <a:t>4</a:t>
+            </a:r>
+            <a:r>
+              <a:rPr lang="ja-JP" altLang="en-US" dirty="0"/>
+              <a:t>月以降に上場廃止となった企業</a:t>
+            </a:r>
+            <a:endParaRPr lang="en-US" altLang="ja-JP" dirty="0"/>
+          </a:p>
+          <a:p>
+            <a:pPr marL="0" indent="0">
+              <a:buNone/>
+            </a:pPr>
+            <a:r>
+              <a:rPr lang="ja-JP" altLang="en-US" dirty="0"/>
+              <a:t>③製造業に分類される企業</a:t>
+            </a:r>
+            <a:r>
+              <a:rPr lang="en-US" altLang="ja-JP" dirty="0"/>
+              <a:t>(</a:t>
+            </a:r>
+            <a:r>
+              <a:rPr lang="ja-JP" altLang="en-US" dirty="0"/>
+              <a:t>総務省の日本標準産業分類に基づく</a:t>
+            </a:r>
+            <a:r>
+              <a:rPr lang="en-US" altLang="ja-JP" dirty="0"/>
+              <a:t>)</a:t>
+            </a:r>
+          </a:p>
+        </p:txBody>
+      </p:sp>
+    </p:spTree>
+    <p:extLst>
+      <p:ext uri="{BB962C8B-B14F-4D97-AF65-F5344CB8AC3E}">
+        <p14:creationId xmlns:p14="http://schemas.microsoft.com/office/powerpoint/2010/main" val="421789723"/>
+      </p:ext>
+    </p:extLst>
+  </p:cSld>
+  <p:clrMapOvr>
+    <a:masterClrMapping/>
+  </p:clrMapOvr>
+</p:sld>
+</file>
+
+<file path=ppt/slides/slide11.xml><?xml version="1.0" encoding="utf-8"?>
+<p:sld xmlns:a="http://schemas.openxmlformats.org/drawingml/2006/main" xmlns:r="http://schemas.openxmlformats.org/officeDocument/2006/relationships" xmlns:p="http://schemas.openxmlformats.org/presentationml/2006/main">
+  <p:cSld>
+    <p:spTree>
+      <p:nvGrpSpPr>
+        <p:cNvPr id="1" name=""/>
+        <p:cNvGrpSpPr/>
+        <p:nvPr/>
+      </p:nvGrpSpPr>
+      <p:grpSpPr>
+        <a:xfrm>
+          <a:off x="0" y="0"/>
+          <a:ext cx="0" cy="0"/>
+          <a:chOff x="0" y="0"/>
+          <a:chExt cx="0" cy="0"/>
+        </a:xfrm>
+      </p:grpSpPr>
+      <p:sp>
+        <p:nvSpPr>
+          <p:cNvPr id="2" name="タイトル 1">
+            <a:extLst>
+              <a:ext uri="{FF2B5EF4-FFF2-40B4-BE49-F238E27FC236}">
+                <a16:creationId xmlns:a16="http://schemas.microsoft.com/office/drawing/2014/main" id="{84E76098-5ABF-4709-A130-78345D6144C6}"/>
+              </a:ext>
+            </a:extLst>
+          </p:cNvPr>
+          <p:cNvSpPr>
+            <a:spLocks noGrp="1"/>
+          </p:cNvSpPr>
+          <p:nvPr>
+            <p:ph type="title"/>
+          </p:nvPr>
+        </p:nvSpPr>
+        <p:spPr>
+          <a:xfrm>
+            <a:off x="838200" y="0"/>
+            <a:ext cx="10515600" cy="746983"/>
+          </a:xfrm>
+        </p:spPr>
+        <p:txBody>
+          <a:bodyPr>
+            <a:normAutofit/>
+          </a:bodyPr>
+          <a:lstStyle/>
+          <a:p>
+            <a:r>
+              <a:rPr kumimoji="1" lang="ja-JP" altLang="en-US" dirty="0"/>
+              <a:t>なぜ②が倒産ではなく上場廃止なのか</a:t>
+            </a:r>
+          </a:p>
+        </p:txBody>
+      </p:sp>
+      <p:sp>
+        <p:nvSpPr>
+          <p:cNvPr id="3" name="コンテンツ プレースホルダー 2">
+            <a:extLst>
+              <a:ext uri="{FF2B5EF4-FFF2-40B4-BE49-F238E27FC236}">
+                <a16:creationId xmlns:a16="http://schemas.microsoft.com/office/drawing/2014/main" id="{6542FA18-B0BE-4A9A-A81C-6917BCE2D0B7}"/>
+              </a:ext>
+            </a:extLst>
+          </p:cNvPr>
+          <p:cNvSpPr>
+            <a:spLocks noGrp="1"/>
+          </p:cNvSpPr>
+          <p:nvPr>
+            <p:ph idx="1"/>
+          </p:nvPr>
+        </p:nvSpPr>
+        <p:spPr>
+          <a:xfrm>
+            <a:off x="838200" y="746983"/>
+            <a:ext cx="10515600" cy="5642919"/>
+          </a:xfrm>
+        </p:spPr>
+        <p:txBody>
+          <a:bodyPr>
+            <a:normAutofit/>
+          </a:bodyPr>
+          <a:lstStyle/>
+          <a:p>
+            <a:r>
+              <a:rPr lang="ja-JP" altLang="en-US" dirty="0"/>
+              <a:t>東京証券取引所の主な上場廃止基準</a:t>
+            </a:r>
+            <a:r>
+              <a:rPr lang="en-US" altLang="ja-JP" dirty="0"/>
+              <a:t>(1</a:t>
+            </a:r>
+            <a:r>
+              <a:rPr lang="ja-JP" altLang="en-US" dirty="0"/>
+              <a:t>部</a:t>
+            </a:r>
+            <a:r>
+              <a:rPr lang="en-US" altLang="ja-JP" dirty="0"/>
+              <a:t>,2</a:t>
+            </a:r>
+            <a:r>
+              <a:rPr lang="ja-JP" altLang="en-US" dirty="0"/>
+              <a:t>部のの場合</a:t>
+            </a:r>
+            <a:r>
+              <a:rPr lang="en-US" altLang="ja-JP" dirty="0"/>
+              <a:t>)</a:t>
+            </a:r>
+          </a:p>
+          <a:p>
+            <a:pPr lvl="1"/>
+            <a:r>
+              <a:rPr lang="ja-JP" altLang="en-US" dirty="0"/>
+              <a:t>株主数・流通株式数が基準を下回る</a:t>
+            </a:r>
+          </a:p>
+          <a:p>
+            <a:pPr lvl="1"/>
+            <a:r>
+              <a:rPr lang="ja-JP" altLang="en-US" dirty="0"/>
+              <a:t>売買高・時価総額・流通株式時価総額が基準を下回る</a:t>
+            </a:r>
+          </a:p>
+          <a:p>
+            <a:pPr lvl="1"/>
+            <a:r>
+              <a:rPr lang="ja-JP" altLang="en-US" dirty="0"/>
+              <a:t>売上高が基準を下回る</a:t>
+            </a:r>
+            <a:endParaRPr lang="en-US" altLang="ja-JP" dirty="0"/>
+          </a:p>
+          <a:p>
+            <a:pPr lvl="1"/>
+            <a:r>
+              <a:rPr lang="ja-JP" altLang="en-US" dirty="0">
+                <a:solidFill>
+                  <a:srgbClr val="FF0000"/>
+                </a:solidFill>
+              </a:rPr>
+              <a:t>債務超過・銀行取引の停止・破産手続、再生手続又は更生手続・事業</a:t>
+            </a:r>
+            <a:br>
+              <a:rPr lang="en-US" altLang="ja-JP" dirty="0">
+                <a:solidFill>
+                  <a:srgbClr val="FF0000"/>
+                </a:solidFill>
+              </a:rPr>
+            </a:br>
+            <a:r>
+              <a:rPr lang="ja-JP" altLang="en-US" dirty="0">
+                <a:solidFill>
+                  <a:srgbClr val="FF0000"/>
+                </a:solidFill>
+              </a:rPr>
+              <a:t>活動の停止</a:t>
+            </a:r>
+            <a:r>
+              <a:rPr lang="en-US" altLang="ja-JP" dirty="0">
+                <a:solidFill>
+                  <a:srgbClr val="FF0000"/>
+                </a:solidFill>
+              </a:rPr>
+              <a:t>(</a:t>
+            </a:r>
+            <a:r>
+              <a:rPr lang="ja-JP" altLang="en-US" dirty="0">
+                <a:solidFill>
+                  <a:srgbClr val="FF0000"/>
+                </a:solidFill>
+              </a:rPr>
+              <a:t>いわゆる経営破綻</a:t>
+            </a:r>
+            <a:r>
+              <a:rPr lang="en-US" altLang="ja-JP" dirty="0">
+                <a:solidFill>
+                  <a:srgbClr val="FF0000"/>
+                </a:solidFill>
+              </a:rPr>
+              <a:t>)</a:t>
+            </a:r>
+          </a:p>
+          <a:p>
+            <a:pPr lvl="1"/>
+            <a:r>
+              <a:rPr lang="ja-JP" altLang="en-US" dirty="0"/>
+              <a:t>不適当な合併等（いわゆる裏口上場）・有価証券報告書又は半期報告書の提出遅延・虚偽記載または監査法人による不適正意見等・上場契約違反等・内部管理体制が改善されない等</a:t>
+            </a:r>
+          </a:p>
+          <a:p>
+            <a:pPr lvl="1"/>
+            <a:r>
+              <a:rPr lang="ja-JP" altLang="en-US" dirty="0"/>
+              <a:t>株式事務代行機関への委託契約解除・株式の譲渡制限・完全子会社化・指定保管振替機関における取扱いに係る同意の撤回・株主の権利の不当な制限・反社会的勢力の関与・全部取得・その他（公益・投資者保護）</a:t>
+            </a:r>
+          </a:p>
+          <a:p>
+            <a:pPr lvl="1"/>
+            <a:r>
+              <a:rPr lang="ja-JP" altLang="en-US" dirty="0">
+                <a:solidFill>
+                  <a:srgbClr val="FFC000"/>
+                </a:solidFill>
+              </a:rPr>
+              <a:t>会社の解散</a:t>
+            </a:r>
+          </a:p>
+          <a:p>
+            <a:pPr lvl="1"/>
+            <a:r>
+              <a:rPr lang="ja-JP" altLang="en-US" dirty="0"/>
+              <a:t>営業活動におけるキャッシュ・フローが基準を下回る</a:t>
+            </a:r>
+            <a:endParaRPr lang="en-US" altLang="ja-JP" dirty="0"/>
+          </a:p>
+          <a:p>
+            <a:pPr marL="0" indent="0">
+              <a:buNone/>
+            </a:pPr>
+            <a:endParaRPr lang="en-US" altLang="ja-JP" dirty="0"/>
+          </a:p>
+        </p:txBody>
+      </p:sp>
+    </p:spTree>
+    <p:extLst>
+      <p:ext uri="{BB962C8B-B14F-4D97-AF65-F5344CB8AC3E}">
+        <p14:creationId xmlns:p14="http://schemas.microsoft.com/office/powerpoint/2010/main" val="3259732705"/>
+      </p:ext>
+    </p:extLst>
+  </p:cSld>
+  <p:clrMapOvr>
+    <a:masterClrMapping/>
+  </p:clrMapOvr>
+</p:sld>
+</file>
+
+<file path=ppt/slides/slide12.xml><?xml version="1.0" encoding="utf-8"?>
+<p:sld xmlns:a="http://schemas.openxmlformats.org/drawingml/2006/main" xmlns:r="http://schemas.openxmlformats.org/officeDocument/2006/relationships" xmlns:p="http://schemas.openxmlformats.org/presentationml/2006/main">
+  <p:cSld>
+    <p:spTree>
+      <p:nvGrpSpPr>
+        <p:cNvPr id="1" name=""/>
+        <p:cNvGrpSpPr/>
+        <p:nvPr/>
+      </p:nvGrpSpPr>
+      <p:grpSpPr>
+        <a:xfrm>
+          <a:off x="0" y="0"/>
+          <a:ext cx="0" cy="0"/>
+          <a:chOff x="0" y="0"/>
+          <a:chExt cx="0" cy="0"/>
+        </a:xfrm>
+      </p:grpSpPr>
+      <p:sp>
+        <p:nvSpPr>
+          <p:cNvPr id="3" name="コンテンツ プレースホルダー 2">
+            <a:extLst>
+              <a:ext uri="{FF2B5EF4-FFF2-40B4-BE49-F238E27FC236}">
+                <a16:creationId xmlns:a16="http://schemas.microsoft.com/office/drawing/2014/main" id="{6542FA18-B0BE-4A9A-A81C-6917BCE2D0B7}"/>
+              </a:ext>
+            </a:extLst>
+          </p:cNvPr>
+          <p:cNvSpPr>
+            <a:spLocks noGrp="1"/>
+          </p:cNvSpPr>
+          <p:nvPr>
+            <p:ph idx="1"/>
+          </p:nvPr>
+        </p:nvSpPr>
+        <p:spPr>
+          <a:xfrm>
+            <a:off x="838200" y="823783"/>
+            <a:ext cx="10515600" cy="5881817"/>
+          </a:xfrm>
+        </p:spPr>
+        <p:txBody>
+          <a:bodyPr>
+            <a:normAutofit/>
+          </a:bodyPr>
+          <a:lstStyle/>
+          <a:p>
+            <a:pPr marL="0" indent="0" algn="ctr">
+              <a:buNone/>
+            </a:pPr>
+            <a:r>
+              <a:rPr lang="en-US" altLang="ja-JP" dirty="0"/>
+              <a:t>(</a:t>
+            </a:r>
+            <a:r>
+              <a:rPr lang="ja-JP" altLang="en-US" dirty="0"/>
+              <a:t>当たり前だが</a:t>
+            </a:r>
+            <a:r>
+              <a:rPr lang="en-US" altLang="ja-JP" dirty="0"/>
+              <a:t>)</a:t>
+            </a:r>
+            <a:r>
+              <a:rPr lang="ja-JP" altLang="en-US" dirty="0"/>
+              <a:t>倒産となった企業は上場廃止となる。</a:t>
+            </a:r>
+            <a:endParaRPr lang="en-US" altLang="ja-JP" dirty="0"/>
+          </a:p>
+          <a:p>
+            <a:pPr marL="0" indent="0" algn="ctr">
+              <a:buNone/>
+            </a:pPr>
+            <a:r>
+              <a:rPr lang="ja-JP" altLang="en-US" dirty="0">
+                <a:solidFill>
+                  <a:srgbClr val="FF0000"/>
+                </a:solidFill>
+              </a:rPr>
+              <a:t>しかしながら</a:t>
+            </a:r>
+            <a:endParaRPr lang="en-US" altLang="ja-JP" dirty="0">
+              <a:solidFill>
+                <a:srgbClr val="FF0000"/>
+              </a:solidFill>
+            </a:endParaRPr>
+          </a:p>
+          <a:p>
+            <a:pPr marL="0" indent="0">
+              <a:buNone/>
+            </a:pPr>
+            <a:r>
+              <a:rPr lang="ja-JP" altLang="en-US" dirty="0"/>
+              <a:t>倒産以外の理由で上場廃止となった企業のその後を調べると倒産となった企業が多々あった。</a:t>
+            </a:r>
+            <a:endParaRPr lang="en-US" altLang="ja-JP" dirty="0"/>
+          </a:p>
+          <a:p>
+            <a:pPr marL="0" indent="0" algn="ctr">
+              <a:buNone/>
+            </a:pPr>
+            <a:r>
+              <a:rPr lang="ja-JP" altLang="en-US" dirty="0">
+                <a:solidFill>
+                  <a:srgbClr val="FF0000"/>
+                </a:solidFill>
+              </a:rPr>
+              <a:t>↓</a:t>
+            </a:r>
+            <a:endParaRPr lang="en-US" altLang="ja-JP" dirty="0">
+              <a:solidFill>
+                <a:srgbClr val="FF0000"/>
+              </a:solidFill>
+            </a:endParaRPr>
+          </a:p>
+          <a:p>
+            <a:pPr marL="0" indent="0">
+              <a:buNone/>
+            </a:pPr>
+            <a:r>
+              <a:rPr lang="ja-JP" altLang="en-US" dirty="0"/>
+              <a:t>倒産以外の理由で上場廃止となったがその後倒産した場合、その企業を上場企業の倒産に含めないことは不合理ではないか？</a:t>
+            </a:r>
+            <a:endParaRPr lang="en-US" altLang="ja-JP" dirty="0"/>
+          </a:p>
+          <a:p>
+            <a:pPr marL="0" indent="0" algn="ctr">
+              <a:buNone/>
+            </a:pPr>
+            <a:r>
+              <a:rPr lang="ja-JP" altLang="en-US" dirty="0">
+                <a:solidFill>
+                  <a:srgbClr val="FF0000"/>
+                </a:solidFill>
+              </a:rPr>
+              <a:t>↓</a:t>
+            </a:r>
+            <a:endParaRPr lang="en-US" altLang="ja-JP" dirty="0">
+              <a:solidFill>
+                <a:srgbClr val="FF0000"/>
+              </a:solidFill>
+            </a:endParaRPr>
+          </a:p>
+          <a:p>
+            <a:pPr marL="0" indent="0">
+              <a:buNone/>
+            </a:pPr>
+            <a:r>
+              <a:rPr lang="ja-JP" altLang="en-US" dirty="0"/>
+              <a:t>“倒産以外の理由で上場廃止となった企業“について対象とする</a:t>
+            </a:r>
+            <a:br>
+              <a:rPr lang="en-US" altLang="ja-JP" dirty="0"/>
+            </a:br>
+            <a:r>
+              <a:rPr lang="ja-JP" altLang="en-US" dirty="0"/>
+              <a:t>企業の中に含めるかどうかを検討する必要がある</a:t>
+            </a:r>
+            <a:endParaRPr lang="en-US" altLang="ja-JP" dirty="0"/>
+          </a:p>
+        </p:txBody>
+      </p:sp>
+    </p:spTree>
+    <p:extLst>
+      <p:ext uri="{BB962C8B-B14F-4D97-AF65-F5344CB8AC3E}">
+        <p14:creationId xmlns:p14="http://schemas.microsoft.com/office/powerpoint/2010/main" val="2721327828"/>
+      </p:ext>
+    </p:extLst>
+  </p:cSld>
+  <p:clrMapOvr>
+    <a:masterClrMapping/>
+  </p:clrMapOvr>
+</p:sld>
+</file>
+
+<file path=ppt/slides/slide13.xml><?xml version="1.0" encoding="utf-8"?>
+<p:sld xmlns:a="http://schemas.openxmlformats.org/drawingml/2006/main" xmlns:r="http://schemas.openxmlformats.org/officeDocument/2006/relationships" xmlns:p="http://schemas.openxmlformats.org/presentationml/2006/main">
+  <p:cSld>
+    <p:spTree>
+      <p:nvGrpSpPr>
+        <p:cNvPr id="1" name=""/>
+        <p:cNvGrpSpPr/>
+        <p:nvPr/>
+      </p:nvGrpSpPr>
+      <p:grpSpPr>
+        <a:xfrm>
+          <a:off x="0" y="0"/>
+          <a:ext cx="0" cy="0"/>
+          <a:chOff x="0" y="0"/>
+          <a:chExt cx="0" cy="0"/>
+        </a:xfrm>
+      </p:grpSpPr>
+      <p:sp>
+        <p:nvSpPr>
+          <p:cNvPr id="2" name="タイトル 1">
+            <a:extLst>
+              <a:ext uri="{FF2B5EF4-FFF2-40B4-BE49-F238E27FC236}">
+                <a16:creationId xmlns:a16="http://schemas.microsoft.com/office/drawing/2014/main" id="{84E76098-5ABF-4709-A130-78345D6144C6}"/>
+              </a:ext>
+            </a:extLst>
+          </p:cNvPr>
+          <p:cNvSpPr>
+            <a:spLocks noGrp="1"/>
+          </p:cNvSpPr>
+          <p:nvPr>
+            <p:ph type="title"/>
+          </p:nvPr>
+        </p:nvSpPr>
+        <p:spPr>
+          <a:xfrm>
+            <a:off x="914400" y="0"/>
+            <a:ext cx="10515600" cy="1291268"/>
+          </a:xfrm>
+        </p:spPr>
+        <p:txBody>
+          <a:bodyPr>
+            <a:normAutofit fontScale="90000"/>
+          </a:bodyPr>
+          <a:lstStyle/>
+          <a:p>
+            <a:r>
+              <a:rPr lang="ja-JP" altLang="en-US" dirty="0"/>
+              <a:t>上場廃止からいつまでに倒産したならば対象企業に含めるのか</a:t>
+            </a:r>
+          </a:p>
+        </p:txBody>
+      </p:sp>
+      <p:sp>
+        <p:nvSpPr>
+          <p:cNvPr id="3" name="コンテンツ プレースホルダー 2">
+            <a:extLst>
+              <a:ext uri="{FF2B5EF4-FFF2-40B4-BE49-F238E27FC236}">
+                <a16:creationId xmlns:a16="http://schemas.microsoft.com/office/drawing/2014/main" id="{6542FA18-B0BE-4A9A-A81C-6917BCE2D0B7}"/>
+              </a:ext>
+            </a:extLst>
+          </p:cNvPr>
+          <p:cNvSpPr>
+            <a:spLocks noGrp="1"/>
+          </p:cNvSpPr>
+          <p:nvPr>
+            <p:ph idx="1"/>
+          </p:nvPr>
+        </p:nvSpPr>
+        <p:spPr>
+          <a:xfrm>
+            <a:off x="718457" y="1502229"/>
+            <a:ext cx="10929257" cy="4887673"/>
+          </a:xfrm>
+        </p:spPr>
+        <p:txBody>
+          <a:bodyPr>
+            <a:normAutofit/>
+          </a:bodyPr>
+          <a:lstStyle/>
+          <a:p>
+            <a:pPr marL="0" indent="0">
+              <a:buNone/>
+            </a:pPr>
+            <a:r>
+              <a:rPr lang="ja-JP" altLang="en-US" dirty="0"/>
+              <a:t>上場廃止から何年も経過してから倒産した場合には上場廃止の倒産という枠から大きく外れる。また財務諸表の入手可能性も下がる。</a:t>
+            </a:r>
+            <a:endParaRPr lang="en-US" altLang="ja-JP" dirty="0"/>
+          </a:p>
+          <a:p>
+            <a:pPr marL="0" indent="0" algn="ctr">
+              <a:buNone/>
+            </a:pPr>
+            <a:r>
+              <a:rPr lang="ja-JP" altLang="en-US" dirty="0"/>
+              <a:t>↓</a:t>
+            </a:r>
+            <a:endParaRPr lang="en-US" altLang="ja-JP" dirty="0"/>
+          </a:p>
+          <a:p>
+            <a:pPr marL="0" indent="0">
+              <a:buNone/>
+            </a:pPr>
+            <a:r>
+              <a:rPr lang="en-US" altLang="ja-JP" dirty="0"/>
+              <a:t>(</a:t>
+            </a:r>
+            <a:r>
+              <a:rPr lang="ja-JP" altLang="en-US" dirty="0"/>
+              <a:t>倒産以外の理由で</a:t>
+            </a:r>
+            <a:r>
+              <a:rPr lang="en-US" altLang="ja-JP" dirty="0"/>
+              <a:t>)</a:t>
+            </a:r>
+            <a:r>
+              <a:rPr lang="ja-JP" altLang="en-US" dirty="0"/>
+              <a:t>上場廃止してから</a:t>
+            </a:r>
+            <a:r>
+              <a:rPr lang="en-US" altLang="ja-JP" dirty="0"/>
+              <a:t>12</a:t>
+            </a:r>
+            <a:r>
+              <a:rPr lang="ja-JP" altLang="en-US" dirty="0"/>
+              <a:t>ヶ月以内に倒産したケース</a:t>
+            </a:r>
+            <a:endParaRPr lang="en-US" altLang="ja-JP" dirty="0"/>
+          </a:p>
+          <a:p>
+            <a:pPr marL="0" indent="0">
+              <a:buNone/>
+            </a:pPr>
+            <a:r>
+              <a:rPr lang="ja-JP" altLang="en-US" dirty="0"/>
+              <a:t>を対象企業に含めることに決定。</a:t>
+            </a:r>
+            <a:endParaRPr lang="en-US" altLang="ja-JP" dirty="0"/>
+          </a:p>
+          <a:p>
+            <a:pPr marL="0" indent="0">
+              <a:buNone/>
+            </a:pPr>
+            <a:r>
+              <a:rPr lang="ja-JP" altLang="en-US" dirty="0"/>
+              <a:t>→銀行取引停止処分を受けた場合と同じ期間にした</a:t>
+            </a:r>
+            <a:endParaRPr lang="en-US" altLang="ja-JP" dirty="0"/>
+          </a:p>
+        </p:txBody>
+      </p:sp>
+    </p:spTree>
+    <p:extLst>
+      <p:ext uri="{BB962C8B-B14F-4D97-AF65-F5344CB8AC3E}">
+        <p14:creationId xmlns:p14="http://schemas.microsoft.com/office/powerpoint/2010/main" val="3764045877"/>
+      </p:ext>
+    </p:extLst>
+  </p:cSld>
+  <p:clrMapOvr>
+    <a:masterClrMapping/>
+  </p:clrMapOvr>
+</p:sld>
+</file>
+
+<file path=ppt/slides/slide14.xml><?xml version="1.0" encoding="utf-8"?>
+<p:sld xmlns:a="http://schemas.openxmlformats.org/drawingml/2006/main" xmlns:r="http://schemas.openxmlformats.org/officeDocument/2006/relationships" xmlns:p="http://schemas.openxmlformats.org/presentationml/2006/main">
+  <p:cSld>
+    <p:spTree>
+      <p:nvGrpSpPr>
+        <p:cNvPr id="1" name=""/>
+        <p:cNvGrpSpPr/>
+        <p:nvPr/>
+      </p:nvGrpSpPr>
+      <p:grpSpPr>
+        <a:xfrm>
+          <a:off x="0" y="0"/>
+          <a:ext cx="0" cy="0"/>
+          <a:chOff x="0" y="0"/>
+          <a:chExt cx="0" cy="0"/>
+        </a:xfrm>
+      </p:grpSpPr>
+      <p:sp>
+        <p:nvSpPr>
+          <p:cNvPr id="2" name="タイトル 1">
+            <a:extLst>
+              <a:ext uri="{FF2B5EF4-FFF2-40B4-BE49-F238E27FC236}">
+                <a16:creationId xmlns:a16="http://schemas.microsoft.com/office/drawing/2014/main" id="{84E76098-5ABF-4709-A130-78345D6144C6}"/>
+              </a:ext>
+            </a:extLst>
+          </p:cNvPr>
+          <p:cNvSpPr>
+            <a:spLocks noGrp="1"/>
+          </p:cNvSpPr>
+          <p:nvPr>
+            <p:ph type="title"/>
+          </p:nvPr>
+        </p:nvSpPr>
+        <p:spPr>
+          <a:xfrm>
+            <a:off x="838200" y="0"/>
+            <a:ext cx="10515600" cy="746983"/>
+          </a:xfrm>
+        </p:spPr>
+        <p:txBody>
+          <a:bodyPr>
+            <a:normAutofit/>
+          </a:bodyPr>
+          <a:lstStyle/>
+          <a:p>
+            <a:r>
+              <a:rPr lang="ja-JP" altLang="en-US" dirty="0"/>
+              <a:t>対象とする年代について</a:t>
+            </a:r>
+            <a:endParaRPr kumimoji="1" lang="ja-JP" altLang="en-US" dirty="0"/>
+          </a:p>
+        </p:txBody>
+      </p:sp>
+      <p:sp>
+        <p:nvSpPr>
+          <p:cNvPr id="3" name="コンテンツ プレースホルダー 2">
+            <a:extLst>
+              <a:ext uri="{FF2B5EF4-FFF2-40B4-BE49-F238E27FC236}">
+                <a16:creationId xmlns:a16="http://schemas.microsoft.com/office/drawing/2014/main" id="{6542FA18-B0BE-4A9A-A81C-6917BCE2D0B7}"/>
+              </a:ext>
+            </a:extLst>
+          </p:cNvPr>
+          <p:cNvSpPr>
+            <a:spLocks noGrp="1"/>
+          </p:cNvSpPr>
+          <p:nvPr>
+            <p:ph idx="1"/>
+          </p:nvPr>
+        </p:nvSpPr>
+        <p:spPr>
+          <a:xfrm>
+            <a:off x="838200" y="746983"/>
+            <a:ext cx="10515600" cy="5642919"/>
+          </a:xfrm>
+        </p:spPr>
+        <p:txBody>
+          <a:bodyPr>
+            <a:normAutofit/>
+          </a:bodyPr>
+          <a:lstStyle/>
+          <a:p>
+            <a:r>
+              <a:rPr lang="ja-JP" altLang="en-US" dirty="0"/>
+              <a:t>なぜ</a:t>
+            </a:r>
+            <a:r>
+              <a:rPr lang="en-US" altLang="ja-JP" dirty="0"/>
+              <a:t>2000</a:t>
+            </a:r>
+            <a:r>
+              <a:rPr lang="ja-JP" altLang="en-US" dirty="0"/>
+              <a:t>年</a:t>
+            </a:r>
+            <a:r>
+              <a:rPr lang="en-US" altLang="ja-JP" dirty="0"/>
+              <a:t>4</a:t>
+            </a:r>
+            <a:r>
+              <a:rPr lang="ja-JP" altLang="en-US" dirty="0"/>
+              <a:t>月以降なのか</a:t>
+            </a:r>
+            <a:endParaRPr lang="en-US" altLang="ja-JP" dirty="0"/>
+          </a:p>
+          <a:p>
+            <a:pPr marL="0" indent="0">
+              <a:buNone/>
+            </a:pPr>
+            <a:r>
+              <a:rPr lang="ja-JP" altLang="en-US" dirty="0"/>
+              <a:t>　</a:t>
+            </a:r>
+            <a:r>
+              <a:rPr lang="en-US" altLang="ja-JP" dirty="0"/>
+              <a:t>2000</a:t>
+            </a:r>
+            <a:r>
+              <a:rPr lang="ja-JP" altLang="en-US" dirty="0"/>
+              <a:t>年</a:t>
+            </a:r>
+            <a:r>
+              <a:rPr lang="en-US" altLang="ja-JP" dirty="0"/>
+              <a:t>4</a:t>
+            </a:r>
+            <a:r>
+              <a:rPr lang="ja-JP" altLang="en-US" dirty="0"/>
+              <a:t>月に民事再生法が施行され、和議法が廃止された。</a:t>
+            </a:r>
+            <a:endParaRPr lang="en-US" altLang="ja-JP" dirty="0"/>
+          </a:p>
+          <a:p>
+            <a:pPr marL="0" indent="0">
+              <a:buNone/>
+            </a:pPr>
+            <a:br>
+              <a:rPr lang="en-US" altLang="ja-JP" dirty="0"/>
+            </a:br>
+            <a:r>
+              <a:rPr lang="en-US" altLang="ja-JP" dirty="0"/>
+              <a:t>2000</a:t>
+            </a:r>
+            <a:r>
+              <a:rPr lang="ja-JP" altLang="en-US" dirty="0"/>
+              <a:t>年</a:t>
+            </a:r>
+            <a:r>
+              <a:rPr lang="en-US" altLang="ja-JP" dirty="0"/>
+              <a:t>4</a:t>
+            </a:r>
+            <a:r>
+              <a:rPr lang="ja-JP" altLang="en-US" dirty="0"/>
+              <a:t>月以前は殆どの企業は法的整理により再建を目指す場合。会社更生法により会社の再建を目指すことが多かった。</a:t>
+            </a:r>
+            <a:endParaRPr lang="en-US" altLang="ja-JP" dirty="0"/>
+          </a:p>
+          <a:p>
+            <a:pPr marL="0" indent="0" algn="ctr">
+              <a:buNone/>
+            </a:pPr>
+            <a:r>
+              <a:rPr lang="ja-JP" altLang="en-US" dirty="0"/>
+              <a:t>しかし</a:t>
+            </a:r>
+            <a:endParaRPr lang="en-US" altLang="ja-JP" dirty="0"/>
+          </a:p>
+          <a:p>
+            <a:pPr marL="0" indent="0">
+              <a:buNone/>
+            </a:pPr>
+            <a:r>
+              <a:rPr lang="en-US" altLang="ja-JP" dirty="0"/>
+              <a:t>2000</a:t>
+            </a:r>
+            <a:r>
+              <a:rPr lang="ja-JP" altLang="en-US" dirty="0"/>
+              <a:t>年</a:t>
+            </a:r>
+            <a:r>
+              <a:rPr lang="en-US" altLang="ja-JP" dirty="0"/>
+              <a:t>4</a:t>
+            </a:r>
+            <a:r>
+              <a:rPr lang="ja-JP" altLang="en-US" dirty="0"/>
+              <a:t>月以降は使い勝手のよい民事再生手続きを用いて、会社の状況がより悪化する前から再建を目指すケースが多く見られた。</a:t>
+            </a:r>
+            <a:endParaRPr lang="en-US" altLang="ja-JP" dirty="0"/>
+          </a:p>
+          <a:p>
+            <a:pPr marL="0" indent="0">
+              <a:buNone/>
+            </a:pPr>
+            <a:endParaRPr lang="en-US" altLang="ja-JP" dirty="0"/>
+          </a:p>
+          <a:p>
+            <a:pPr marL="0" indent="0">
+              <a:buNone/>
+            </a:pPr>
+            <a:r>
+              <a:rPr lang="ja-JP" altLang="en-US" dirty="0"/>
+              <a:t>よって、今後の会社倒産にも対応できるモデル構築を目指すためにも民事再生法施行以後の企業のみを対象とした。</a:t>
+            </a:r>
+            <a:endParaRPr lang="en-US" altLang="ja-JP" dirty="0"/>
+          </a:p>
+        </p:txBody>
+      </p:sp>
+    </p:spTree>
+    <p:extLst>
+      <p:ext uri="{BB962C8B-B14F-4D97-AF65-F5344CB8AC3E}">
+        <p14:creationId xmlns:p14="http://schemas.microsoft.com/office/powerpoint/2010/main" val="3080708488"/>
+      </p:ext>
+    </p:extLst>
+  </p:cSld>
+  <p:clrMapOvr>
+    <a:masterClrMapping/>
+  </p:clrMapOvr>
+</p:sld>
+</file>
+
+<file path=ppt/slides/slide15.xml><?xml version="1.0" encoding="utf-8"?>
+<p:sld xmlns:a="http://schemas.openxmlformats.org/drawingml/2006/main" xmlns:r="http://schemas.openxmlformats.org/officeDocument/2006/relationships" xmlns:p="http://schemas.openxmlformats.org/presentationml/2006/main">
+  <p:cSld>
+    <p:spTree>
+      <p:nvGrpSpPr>
+        <p:cNvPr id="1" name=""/>
+        <p:cNvGrpSpPr/>
+        <p:nvPr/>
+      </p:nvGrpSpPr>
+      <p:grpSpPr>
+        <a:xfrm>
+          <a:off x="0" y="0"/>
+          <a:ext cx="0" cy="0"/>
+          <a:chOff x="0" y="0"/>
+          <a:chExt cx="0" cy="0"/>
+        </a:xfrm>
+      </p:grpSpPr>
+      <p:sp>
+        <p:nvSpPr>
+          <p:cNvPr id="2" name="タイトル 1">
+            <a:extLst>
+              <a:ext uri="{FF2B5EF4-FFF2-40B4-BE49-F238E27FC236}">
+                <a16:creationId xmlns:a16="http://schemas.microsoft.com/office/drawing/2014/main" id="{A0221AC4-50DA-4E6B-9BA7-8A3BDEE0EA4C}"/>
+              </a:ext>
+            </a:extLst>
+          </p:cNvPr>
+          <p:cNvSpPr>
+            <a:spLocks noGrp="1"/>
+          </p:cNvSpPr>
+          <p:nvPr>
+            <p:ph type="title"/>
+          </p:nvPr>
+        </p:nvSpPr>
+        <p:spPr/>
+        <p:txBody>
+          <a:bodyPr/>
+          <a:lstStyle/>
+          <a:p>
+            <a:r>
+              <a:rPr kumimoji="1" lang="ja-JP" altLang="en-US" dirty="0"/>
+              <a:t>対象とする情報</a:t>
+            </a:r>
+          </a:p>
+        </p:txBody>
+      </p:sp>
+      <p:sp>
+        <p:nvSpPr>
+          <p:cNvPr id="3" name="コンテンツ プレースホルダー 2">
+            <a:extLst>
+              <a:ext uri="{FF2B5EF4-FFF2-40B4-BE49-F238E27FC236}">
+                <a16:creationId xmlns:a16="http://schemas.microsoft.com/office/drawing/2014/main" id="{2B24CA91-8E81-4A08-87D5-485ADA5005B8}"/>
+              </a:ext>
+            </a:extLst>
+          </p:cNvPr>
+          <p:cNvSpPr>
+            <a:spLocks noGrp="1"/>
+          </p:cNvSpPr>
+          <p:nvPr>
+            <p:ph idx="1"/>
+          </p:nvPr>
+        </p:nvSpPr>
+        <p:spPr/>
+        <p:txBody>
+          <a:bodyPr/>
+          <a:lstStyle/>
+          <a:p>
+            <a:r>
+              <a:rPr kumimoji="1" lang="ja-JP" altLang="en-US" dirty="0"/>
+              <a:t>貸借対照表</a:t>
+            </a:r>
+            <a:r>
+              <a:rPr kumimoji="1" lang="en-US" altLang="ja-JP" dirty="0"/>
+              <a:t>(B/S),</a:t>
+            </a:r>
+            <a:r>
+              <a:rPr kumimoji="1" lang="ja-JP" altLang="en-US" dirty="0"/>
+              <a:t>損益計算書</a:t>
+            </a:r>
+            <a:r>
+              <a:rPr kumimoji="1" lang="en-US" altLang="ja-JP" dirty="0"/>
+              <a:t>(P/L),</a:t>
+            </a:r>
+            <a:r>
+              <a:rPr kumimoji="1" lang="ja-JP" altLang="en-US" dirty="0"/>
+              <a:t>キャッシュ・フロー計算書</a:t>
+            </a:r>
+            <a:r>
+              <a:rPr kumimoji="1" lang="en-US" altLang="ja-JP" dirty="0"/>
+              <a:t>(C/F),</a:t>
+            </a:r>
+            <a:r>
+              <a:rPr kumimoji="1" lang="ja-JP" altLang="en-US" dirty="0"/>
+              <a:t>株主資本等変動計算書</a:t>
+            </a:r>
+            <a:r>
+              <a:rPr kumimoji="1" lang="en-US" altLang="ja-JP" dirty="0"/>
+              <a:t>(S/S)</a:t>
+            </a:r>
+          </a:p>
+          <a:p>
+            <a:pPr marL="0" indent="0">
+              <a:buNone/>
+            </a:pPr>
+            <a:endParaRPr lang="en-US" altLang="ja-JP" dirty="0"/>
+          </a:p>
+          <a:p>
+            <a:pPr marL="0" indent="0">
+              <a:buNone/>
+            </a:pPr>
+            <a:r>
+              <a:rPr lang="en-US" altLang="ja-JP" dirty="0"/>
+              <a:t>※</a:t>
+            </a:r>
+            <a:r>
+              <a:rPr lang="ja-JP" altLang="en-US" dirty="0"/>
+              <a:t>但し</a:t>
+            </a:r>
+            <a:r>
+              <a:rPr lang="en-US" altLang="ja-JP" dirty="0"/>
+              <a:t>C/F</a:t>
+            </a:r>
+            <a:r>
+              <a:rPr lang="ja-JP" altLang="en-US" dirty="0"/>
+              <a:t>は</a:t>
+            </a:r>
+            <a:r>
+              <a:rPr lang="en-US" altLang="ja-JP" dirty="0"/>
+              <a:t>2000</a:t>
+            </a:r>
+            <a:r>
+              <a:rPr lang="ja-JP" altLang="en-US" dirty="0"/>
+              <a:t>年</a:t>
+            </a:r>
+            <a:r>
+              <a:rPr lang="en-US" altLang="ja-JP" dirty="0"/>
+              <a:t>3</a:t>
+            </a:r>
+            <a:r>
+              <a:rPr lang="ja-JP" altLang="en-US" dirty="0"/>
+              <a:t>月期から作成が義務づけ、</a:t>
+            </a:r>
+            <a:r>
+              <a:rPr lang="en-US" altLang="ja-JP" dirty="0"/>
+              <a:t>S/S</a:t>
+            </a:r>
+            <a:r>
+              <a:rPr lang="ja-JP" altLang="en-US" dirty="0"/>
+              <a:t>は</a:t>
+            </a:r>
+            <a:r>
+              <a:rPr lang="en-US" altLang="ja-JP" dirty="0"/>
+              <a:t>2006</a:t>
+            </a:r>
+            <a:r>
+              <a:rPr lang="ja-JP" altLang="en-US" dirty="0"/>
+              <a:t>年</a:t>
+            </a:r>
+            <a:r>
+              <a:rPr lang="en-US" altLang="ja-JP" dirty="0"/>
+              <a:t>5</a:t>
+            </a:r>
+            <a:r>
+              <a:rPr lang="ja-JP" altLang="en-US" dirty="0"/>
+              <a:t>月期から作成が義務付けられたため、それ以前の期間については対象とできない</a:t>
+            </a:r>
+            <a:endParaRPr lang="en-US" altLang="ja-JP" dirty="0"/>
+          </a:p>
+        </p:txBody>
+      </p:sp>
+    </p:spTree>
+    <p:extLst>
+      <p:ext uri="{BB962C8B-B14F-4D97-AF65-F5344CB8AC3E}">
+        <p14:creationId xmlns:p14="http://schemas.microsoft.com/office/powerpoint/2010/main" val="4127348422"/>
+      </p:ext>
+    </p:extLst>
+  </p:cSld>
+  <p:clrMapOvr>
+    <a:masterClrMapping/>
+  </p:clrMapOvr>
+</p:sld>
+</file>
+
+<file path=ppt/slides/slide16.xml><?xml version="1.0" encoding="utf-8"?>
+<p:sld xmlns:a="http://schemas.openxmlformats.org/drawingml/2006/main" xmlns:r="http://schemas.openxmlformats.org/officeDocument/2006/relationships" xmlns:p="http://schemas.openxmlformats.org/presentationml/2006/main">
+  <p:cSld>
+    <p:spTree>
+      <p:nvGrpSpPr>
+        <p:cNvPr id="1" name=""/>
+        <p:cNvGrpSpPr/>
+        <p:nvPr/>
+      </p:nvGrpSpPr>
+      <p:grpSpPr>
+        <a:xfrm>
+          <a:off x="0" y="0"/>
+          <a:ext cx="0" cy="0"/>
+          <a:chOff x="0" y="0"/>
+          <a:chExt cx="0" cy="0"/>
+        </a:xfrm>
+      </p:grpSpPr>
+      <p:sp>
+        <p:nvSpPr>
+          <p:cNvPr id="2" name="タイトル 1">
+            <a:extLst>
+              <a:ext uri="{FF2B5EF4-FFF2-40B4-BE49-F238E27FC236}">
                 <a16:creationId xmlns:a16="http://schemas.microsoft.com/office/drawing/2014/main" id="{5508EA8E-AA18-45DC-99A6-DE54D80C7554}"/>
               </a:ext>
             </a:extLst>
@@ -3907,14 +5775,6 @@
           <a:p>
             <a:pPr lvl="1"/>
             <a:r>
-              <a:rPr kumimoji="1" lang="ja-JP" altLang="en-US" dirty="0"/>
-              <a:t>倒産とは</a:t>
-            </a:r>
-            <a:endParaRPr kumimoji="1" lang="en-US" altLang="ja-JP" dirty="0"/>
-          </a:p>
-          <a:p>
-            <a:pPr lvl="1"/>
-            <a:r>
               <a:rPr lang="ja-JP" altLang="en-US" dirty="0"/>
               <a:t>対象とする企業</a:t>
             </a:r>
@@ -3925,6 +5785,14 @@
             <a:r>
               <a:rPr kumimoji="1" lang="ja-JP" altLang="en-US" dirty="0"/>
               <a:t>対象とする年代</a:t>
+            </a:r>
+            <a:endParaRPr kumimoji="1" lang="en-US" altLang="ja-JP" dirty="0"/>
+          </a:p>
+          <a:p>
+            <a:pPr lvl="1"/>
+            <a:r>
+              <a:rPr lang="ja-JP" altLang="en-US" dirty="0"/>
+              <a:t>倒産とは</a:t>
             </a:r>
             <a:endParaRPr kumimoji="1" lang="en-US" altLang="ja-JP" dirty="0"/>
           </a:p>
@@ -3987,7 +5855,7 @@
           <p:cNvPr id="2" name="タイトル 1">
             <a:extLst>
               <a:ext uri="{FF2B5EF4-FFF2-40B4-BE49-F238E27FC236}">
-                <a16:creationId xmlns:a16="http://schemas.microsoft.com/office/drawing/2014/main" id="{8B5A7389-141B-4298-A831-4BFD405E0393}"/>
+                <a16:creationId xmlns:a16="http://schemas.microsoft.com/office/drawing/2014/main" id="{84E76098-5ABF-4709-A130-78345D6144C6}"/>
               </a:ext>
             </a:extLst>
           </p:cNvPr>
@@ -3998,18 +5866,20 @@
             <p:ph type="title"/>
           </p:nvPr>
         </p:nvSpPr>
-        <p:spPr/>
+        <p:spPr>
+          <a:xfrm>
+            <a:off x="838200" y="365125"/>
+            <a:ext cx="10515600" cy="746983"/>
+          </a:xfrm>
+        </p:spPr>
         <p:txBody>
           <a:bodyPr/>
           <a:lstStyle/>
           <a:p>
             <a:r>
-              <a:rPr kumimoji="1" lang="ja-JP" altLang="en-US" dirty="0"/>
-              <a:t>倒産とは</a:t>
-            </a:r>
-            <a:br>
-              <a:rPr kumimoji="1" lang="en-US" altLang="ja-JP" dirty="0"/>
-            </a:br>
+              <a:rPr lang="ja-JP" altLang="en-US" dirty="0"/>
+              <a:t>対象とする企業</a:t>
+            </a:r>
             <a:endParaRPr kumimoji="1" lang="ja-JP" altLang="en-US" dirty="0"/>
           </a:p>
         </p:txBody>
@@ -4019,7 +5889,7 @@
           <p:cNvPr id="3" name="コンテンツ プレースホルダー 2">
             <a:extLst>
               <a:ext uri="{FF2B5EF4-FFF2-40B4-BE49-F238E27FC236}">
-                <a16:creationId xmlns:a16="http://schemas.microsoft.com/office/drawing/2014/main" id="{9AF6E8AB-948C-4E55-9D2A-BC0B81D0CB8E}"/>
+                <a16:creationId xmlns:a16="http://schemas.microsoft.com/office/drawing/2014/main" id="{6542FA18-B0BE-4A9A-A81C-6917BCE2D0B7}"/>
               </a:ext>
             </a:extLst>
           </p:cNvPr>
@@ -4030,19 +5900,204 @@
             <p:ph idx="1"/>
           </p:nvPr>
         </p:nvSpPr>
-        <p:spPr/>
-        <p:txBody>
-          <a:bodyPr/>
-          <a:lstStyle/>
-          <a:p>
-            <a:endParaRPr kumimoji="1" lang="ja-JP" altLang="en-US"/>
+        <p:spPr>
+          <a:xfrm>
+            <a:off x="838200" y="1112108"/>
+            <a:ext cx="10515600" cy="5064855"/>
+          </a:xfrm>
+        </p:spPr>
+        <p:txBody>
+          <a:bodyPr>
+            <a:normAutofit/>
+          </a:bodyPr>
+          <a:lstStyle/>
+          <a:p>
+            <a:pPr marL="0" indent="0">
+              <a:buNone/>
+            </a:pPr>
+            <a:r>
+              <a:rPr lang="ja-JP" altLang="en-US" dirty="0"/>
+              <a:t>①東京証券取引所に上場していた企業</a:t>
+            </a:r>
+            <a:r>
+              <a:rPr lang="en-US" altLang="ja-JP" dirty="0"/>
+              <a:t>(1</a:t>
+            </a:r>
+            <a:r>
+              <a:rPr lang="ja-JP" altLang="en-US" dirty="0"/>
+              <a:t>部</a:t>
+            </a:r>
+            <a:r>
+              <a:rPr lang="en-US" altLang="ja-JP" dirty="0"/>
+              <a:t>,2</a:t>
+            </a:r>
+            <a:r>
+              <a:rPr lang="ja-JP" altLang="en-US" dirty="0"/>
+              <a:t>部</a:t>
+            </a:r>
+            <a:r>
+              <a:rPr lang="en-US" altLang="ja-JP" dirty="0"/>
+              <a:t>,JASDAQ,</a:t>
+            </a:r>
+            <a:r>
+              <a:rPr lang="ja-JP" altLang="en-US" dirty="0"/>
+              <a:t>マザーズ</a:t>
+            </a:r>
+            <a:r>
+              <a:rPr lang="en-US" altLang="ja-JP" dirty="0"/>
+              <a:t>)</a:t>
+            </a:r>
+          </a:p>
+          <a:p>
+            <a:pPr marL="0" indent="0">
+              <a:buNone/>
+            </a:pPr>
+            <a:r>
+              <a:rPr lang="en-US" altLang="ja-JP" dirty="0"/>
+              <a:t>    </a:t>
+            </a:r>
+            <a:r>
+              <a:rPr lang="ja-JP" altLang="en-US" dirty="0"/>
+              <a:t>→上場している企業は財務データの入手が容易であるため</a:t>
+            </a:r>
+            <a:endParaRPr lang="en-US" altLang="ja-JP" dirty="0"/>
+          </a:p>
+          <a:p>
+            <a:pPr marL="0" indent="0">
+              <a:buNone/>
+            </a:pPr>
+            <a:endParaRPr lang="en-US" altLang="ja-JP" dirty="0"/>
+          </a:p>
+          <a:p>
+            <a:pPr marL="0" indent="0">
+              <a:buNone/>
+            </a:pPr>
+            <a:r>
+              <a:rPr lang="ja-JP" altLang="en-US" dirty="0"/>
+              <a:t>②</a:t>
+            </a:r>
+            <a:r>
+              <a:rPr lang="en-US" altLang="ja-JP" dirty="0"/>
+              <a:t>2000</a:t>
+            </a:r>
+            <a:r>
+              <a:rPr lang="ja-JP" altLang="en-US" dirty="0"/>
+              <a:t>年以降に上場廃止かつ倒産した企業</a:t>
+            </a:r>
+            <a:endParaRPr lang="en-US" altLang="ja-JP" dirty="0"/>
+          </a:p>
+          <a:p>
+            <a:pPr marL="0" indent="0">
+              <a:buNone/>
+            </a:pPr>
+            <a:r>
+              <a:rPr lang="ja-JP" altLang="en-US" dirty="0"/>
+              <a:t>　→倒産に関する法律が関連</a:t>
+            </a:r>
+            <a:r>
+              <a:rPr lang="en-US" altLang="ja-JP" dirty="0"/>
+              <a:t>(</a:t>
+            </a:r>
+            <a:r>
+              <a:rPr lang="ja-JP" altLang="en-US" dirty="0"/>
+              <a:t>後述</a:t>
+            </a:r>
+            <a:r>
+              <a:rPr lang="en-US" altLang="ja-JP" dirty="0"/>
+              <a:t>)</a:t>
+            </a:r>
+          </a:p>
+          <a:p>
+            <a:pPr marL="0" indent="0">
+              <a:buNone/>
+            </a:pPr>
+            <a:endParaRPr lang="en-US" altLang="ja-JP" dirty="0"/>
+          </a:p>
+          <a:p>
+            <a:pPr marL="0" indent="0">
+              <a:buNone/>
+            </a:pPr>
+            <a:r>
+              <a:rPr lang="ja-JP" altLang="en-US" dirty="0"/>
+              <a:t>③製造業に分類される企業</a:t>
+            </a:r>
+            <a:r>
+              <a:rPr lang="en-US" altLang="ja-JP" dirty="0"/>
+              <a:t>(</a:t>
+            </a:r>
+            <a:r>
+              <a:rPr lang="ja-JP" altLang="en-US" dirty="0"/>
+              <a:t>総務省の日本標準産業分類に基づく</a:t>
+            </a:r>
+            <a:r>
+              <a:rPr lang="en-US" altLang="ja-JP" dirty="0"/>
+              <a:t>)</a:t>
+            </a:r>
+          </a:p>
+          <a:p>
+            <a:pPr marL="0" indent="0">
+              <a:buNone/>
+            </a:pPr>
+            <a:r>
+              <a:rPr lang="en-US" altLang="ja-JP" dirty="0"/>
+              <a:t>    </a:t>
+            </a:r>
+            <a:r>
+              <a:rPr lang="ja-JP" altLang="en-US" dirty="0"/>
+              <a:t>→日本の全上場企業のうち最も多い業種は製造業で</a:t>
+            </a:r>
+            <a:r>
+              <a:rPr lang="en-US" altLang="ja-JP" dirty="0"/>
+              <a:t>41%</a:t>
+            </a:r>
+          </a:p>
+          <a:p>
+            <a:pPr marL="0" indent="0">
+              <a:buNone/>
+            </a:pPr>
+            <a:r>
+              <a:rPr lang="ja-JP" altLang="en-US" dirty="0"/>
+              <a:t>　　</a:t>
+            </a:r>
+            <a:r>
+              <a:rPr lang="en-US" altLang="ja-JP" dirty="0"/>
+              <a:t>2017</a:t>
+            </a:r>
+            <a:r>
+              <a:rPr lang="ja-JP" altLang="en-US" dirty="0"/>
+              <a:t>年にタカタ</a:t>
+            </a:r>
+            <a:r>
+              <a:rPr lang="en-US" altLang="ja-JP" dirty="0"/>
+              <a:t>(7312)</a:t>
+            </a:r>
+            <a:r>
+              <a:rPr lang="ja-JP" altLang="en-US" dirty="0"/>
+              <a:t>が負債総額</a:t>
+            </a:r>
+            <a:r>
+              <a:rPr lang="en-US" altLang="ja-JP" dirty="0"/>
+              <a:t>1</a:t>
+            </a:r>
+            <a:r>
+              <a:rPr lang="ja-JP" altLang="en-US" dirty="0"/>
+              <a:t>兆円を超えて製造業とし　　</a:t>
+            </a:r>
+            <a:br>
+              <a:rPr lang="en-US" altLang="ja-JP" dirty="0"/>
+            </a:br>
+            <a:r>
+              <a:rPr lang="ja-JP" altLang="en-US" dirty="0"/>
+              <a:t>　　ては戦後最大の経営破たんを起こしており、話題性がある</a:t>
+            </a:r>
+            <a:endParaRPr lang="en-US" altLang="ja-JP" dirty="0"/>
           </a:p>
         </p:txBody>
       </p:sp>
     </p:spTree>
     <p:extLst>
       <p:ext uri="{BB962C8B-B14F-4D97-AF65-F5344CB8AC3E}">
-        <p14:creationId xmlns:p14="http://schemas.microsoft.com/office/powerpoint/2010/main" val="3400625032"/>
+        <p14:creationId xmlns:p14="http://schemas.microsoft.com/office/powerpoint/2010/main" val="1237661953"/>
       </p:ext>
     </p:extLst>
   </p:cSld>
@@ -4074,7 +6129,7 @@
           <p:cNvPr id="2" name="タイトル 1">
             <a:extLst>
               <a:ext uri="{FF2B5EF4-FFF2-40B4-BE49-F238E27FC236}">
-                <a16:creationId xmlns:a16="http://schemas.microsoft.com/office/drawing/2014/main" id="{B72E87BB-51E8-4CE9-A5FB-68A51C7B532F}"/>
+                <a16:creationId xmlns:a16="http://schemas.microsoft.com/office/drawing/2014/main" id="{84E76098-5ABF-4709-A130-78345D6144C6}"/>
               </a:ext>
             </a:extLst>
           </p:cNvPr>
@@ -4085,16 +6140,34 @@
             <p:ph type="title"/>
           </p:nvPr>
         </p:nvSpPr>
-        <p:spPr/>
-        <p:txBody>
-          <a:bodyPr/>
-          <a:lstStyle/>
-          <a:p>
-            <a:r>
-              <a:rPr lang="ja-JP" altLang="en-US" dirty="0"/>
-              <a:t>対象とする企業</a:t>
-            </a:r>
-            <a:endParaRPr kumimoji="1" lang="ja-JP" altLang="en-US" dirty="0"/>
+        <p:spPr>
+          <a:xfrm>
+            <a:off x="0" y="0"/>
+            <a:ext cx="11036300" cy="1219200"/>
+          </a:xfrm>
+        </p:spPr>
+        <p:txBody>
+          <a:bodyPr>
+            <a:normAutofit/>
+          </a:bodyPr>
+          <a:lstStyle/>
+          <a:p>
+            <a:r>
+              <a:rPr kumimoji="1" lang="en-US" altLang="ja-JP" dirty="0"/>
+              <a:t>(</a:t>
+            </a:r>
+            <a:r>
+              <a:rPr kumimoji="1" lang="ja-JP" altLang="en-US" dirty="0"/>
+              <a:t>参考</a:t>
+            </a:r>
+            <a:r>
+              <a:rPr kumimoji="1" lang="en-US" altLang="ja-JP" dirty="0"/>
+              <a:t>1)</a:t>
+            </a:r>
+            <a:r>
+              <a:rPr kumimoji="1" lang="ja-JP" altLang="en-US" dirty="0"/>
+              <a:t>製造業の範囲</a:t>
+            </a:r>
           </a:p>
         </p:txBody>
       </p:sp>
@@ -4103,7 +6176,7 @@
           <p:cNvPr id="3" name="コンテンツ プレースホルダー 2">
             <a:extLst>
               <a:ext uri="{FF2B5EF4-FFF2-40B4-BE49-F238E27FC236}">
-                <a16:creationId xmlns:a16="http://schemas.microsoft.com/office/drawing/2014/main" id="{67AD07AE-8224-47C5-91CD-47EA5A724F85}"/>
+                <a16:creationId xmlns:a16="http://schemas.microsoft.com/office/drawing/2014/main" id="{6542FA18-B0BE-4A9A-A81C-6917BCE2D0B7}"/>
               </a:ext>
             </a:extLst>
           </p:cNvPr>
@@ -4114,19 +6187,215 @@
             <p:ph idx="1"/>
           </p:nvPr>
         </p:nvSpPr>
-        <p:spPr/>
-        <p:txBody>
-          <a:bodyPr/>
-          <a:lstStyle/>
-          <a:p>
-            <a:endParaRPr kumimoji="1" lang="ja-JP" altLang="en-US"/>
+        <p:spPr>
+          <a:xfrm>
+            <a:off x="0" y="1219200"/>
+            <a:ext cx="12192000" cy="5636483"/>
+          </a:xfrm>
+        </p:spPr>
+        <p:txBody>
+          <a:bodyPr numCol="3">
+            <a:normAutofit/>
+          </a:bodyPr>
+          <a:lstStyle/>
+          <a:p>
+            <a:r>
+              <a:rPr lang="ja-JP" altLang="en-US" sz="2400" dirty="0"/>
+              <a:t>食料品製造業</a:t>
+            </a:r>
+            <a:endParaRPr lang="en-US" altLang="ja-JP" sz="2400" dirty="0"/>
+          </a:p>
+          <a:p>
+            <a:r>
+              <a:rPr lang="ja-JP" altLang="en-US" sz="2400" dirty="0"/>
+              <a:t>飲料・たばこ・飼料製造業</a:t>
+            </a:r>
+          </a:p>
+          <a:p>
+            <a:r>
+              <a:rPr lang="ja-JP" altLang="en-US" sz="2400" dirty="0"/>
+              <a:t>繊維工業</a:t>
+            </a:r>
+          </a:p>
+          <a:p>
+            <a:r>
+              <a:rPr lang="ja-JP" altLang="en-US" sz="2400" dirty="0"/>
+              <a:t>木材・木製品製造業</a:t>
+            </a:r>
+            <a:endParaRPr lang="en-US" altLang="ja-JP" sz="2400" dirty="0"/>
+          </a:p>
+          <a:p>
+            <a:r>
+              <a:rPr lang="ja-JP" altLang="en-US" sz="2400" dirty="0"/>
+              <a:t>家具・装備品製造業</a:t>
+            </a:r>
+          </a:p>
+          <a:p>
+            <a:r>
+              <a:rPr lang="ja-JP" altLang="en-US" sz="2400" dirty="0"/>
+              <a:t>パルプ・紙・紙加工品製造業</a:t>
+            </a:r>
+          </a:p>
+          <a:p>
+            <a:r>
+              <a:rPr lang="ja-JP" altLang="en-US" sz="2400" dirty="0"/>
+              <a:t>印刷・同関連業</a:t>
+            </a:r>
+          </a:p>
+          <a:p>
+            <a:r>
+              <a:rPr lang="ja-JP" altLang="en-US" sz="2400" dirty="0"/>
+              <a:t>化学工業</a:t>
+            </a:r>
+            <a:r>
+              <a:rPr lang="en-US" altLang="ja-JP" sz="2400" dirty="0"/>
+              <a:t>(</a:t>
+            </a:r>
+            <a:r>
+              <a:rPr lang="ja-JP" altLang="en-US" sz="2400" dirty="0"/>
+              <a:t>医薬品・化粧品</a:t>
+            </a:r>
+            <a:r>
+              <a:rPr lang="en-US" altLang="ja-JP" sz="2400" dirty="0"/>
+              <a:t>)</a:t>
+            </a:r>
+            <a:endParaRPr lang="ja-JP" altLang="en-US" sz="2400" dirty="0"/>
+          </a:p>
+          <a:p>
+            <a:r>
+              <a:rPr lang="ja-JP" altLang="en-US" sz="2400" dirty="0"/>
+              <a:t>石油製品・石炭製品製造業</a:t>
+            </a:r>
+          </a:p>
+          <a:p>
+            <a:r>
+              <a:rPr lang="ja-JP" altLang="en-US" sz="2400" dirty="0"/>
+              <a:t>プラスチック製品製造業    </a:t>
+            </a:r>
+            <a:endParaRPr lang="en-US" altLang="ja-JP" sz="2400" dirty="0"/>
+          </a:p>
+          <a:p>
+            <a:r>
+              <a:rPr lang="ja-JP" altLang="en-US" sz="2400" dirty="0"/>
+              <a:t>ゴム製品製造業</a:t>
+            </a:r>
+          </a:p>
+          <a:p>
+            <a:r>
+              <a:rPr lang="ja-JP" altLang="en-US" sz="2400" dirty="0"/>
+              <a:t>なめし革・同製品・毛皮製造業</a:t>
+            </a:r>
+            <a:endParaRPr lang="en-US" altLang="ja-JP" sz="2400" dirty="0"/>
+          </a:p>
+          <a:p>
+            <a:r>
+              <a:rPr lang="ja-JP" altLang="en-US" sz="2400" dirty="0"/>
+              <a:t>窯業・土石製品製造業</a:t>
+            </a:r>
+          </a:p>
+          <a:p>
+            <a:r>
+              <a:rPr lang="ja-JP" altLang="en-US" sz="2400" dirty="0"/>
+              <a:t>コンクリート製品</a:t>
+            </a:r>
+            <a:endParaRPr lang="en-US" altLang="ja-JP" sz="2400" dirty="0"/>
+          </a:p>
+          <a:p>
+            <a:r>
+              <a:rPr lang="ja-JP" altLang="en-US" sz="2400" dirty="0"/>
+              <a:t> 鉄鋼業</a:t>
+            </a:r>
+          </a:p>
+          <a:p>
+            <a:r>
+              <a:rPr lang="ja-JP" altLang="en-US" sz="2400" dirty="0"/>
+              <a:t> 非鉄金属製造業</a:t>
+            </a:r>
+          </a:p>
+          <a:p>
+            <a:r>
+              <a:rPr lang="ja-JP" altLang="en-US" sz="2400" dirty="0"/>
+              <a:t> 金属製品製造業</a:t>
+            </a:r>
+          </a:p>
+          <a:p>
+            <a:r>
+              <a:rPr lang="ja-JP" altLang="en-US" sz="2400" dirty="0"/>
+              <a:t>はん用機械製造業</a:t>
+            </a:r>
+          </a:p>
+          <a:p>
+            <a:r>
+              <a:rPr lang="ja-JP" altLang="en-US" sz="2400" dirty="0"/>
+              <a:t>生産用機械製造業</a:t>
+            </a:r>
+          </a:p>
+          <a:p>
+            <a:r>
+              <a:rPr lang="ja-JP" altLang="en-US" sz="2400" dirty="0"/>
+              <a:t>業務用機械製造業</a:t>
+            </a:r>
+          </a:p>
+          <a:p>
+            <a:r>
+              <a:rPr lang="ja-JP" altLang="en-US" sz="2400" dirty="0"/>
+              <a:t>電子部品・デバイス・電子回路製造業</a:t>
+            </a:r>
+            <a:endParaRPr lang="en-US" altLang="ja-JP" sz="2400" dirty="0"/>
+          </a:p>
+          <a:p>
+            <a:r>
+              <a:rPr lang="ja-JP" altLang="en-US" sz="2400" dirty="0"/>
+              <a:t>電気機械器具製造業</a:t>
+            </a:r>
+            <a:endParaRPr lang="en-US" altLang="ja-JP" sz="2400" dirty="0"/>
+          </a:p>
+          <a:p>
+            <a:r>
+              <a:rPr lang="ja-JP" altLang="en-US" sz="2400" dirty="0"/>
+              <a:t>情報通信機械器具製造業</a:t>
+            </a:r>
+            <a:endParaRPr lang="en-US" altLang="ja-JP" sz="2400" dirty="0"/>
+          </a:p>
+          <a:p>
+            <a:r>
+              <a:rPr lang="ja-JP" altLang="en-US" sz="2400" dirty="0"/>
+              <a:t>電子デバイス</a:t>
+            </a:r>
+            <a:r>
+              <a:rPr lang="en-US" altLang="ja-JP" sz="2400" dirty="0"/>
+              <a:t>,</a:t>
+            </a:r>
+            <a:r>
+              <a:rPr lang="ja-JP" altLang="en-US" sz="2400" dirty="0"/>
+              <a:t>精密機械以外のハードウェア</a:t>
+            </a:r>
+            <a:endParaRPr lang="en-US" altLang="ja-JP" sz="2400" dirty="0"/>
+          </a:p>
+          <a:p>
+            <a:r>
+              <a:rPr lang="ja-JP" altLang="en-US" sz="2400" dirty="0"/>
+              <a:t>輸送用機械器具製造業</a:t>
+            </a:r>
+          </a:p>
+          <a:p>
+            <a:r>
+              <a:rPr lang="ja-JP" altLang="en-US" sz="2400" dirty="0"/>
+              <a:t>その他の製造業</a:t>
+            </a:r>
+          </a:p>
+          <a:p>
+            <a:pPr marL="0" indent="0">
+              <a:buNone/>
+            </a:pPr>
+            <a:endParaRPr lang="ja-JP" altLang="en-US" dirty="0"/>
           </a:p>
         </p:txBody>
       </p:sp>
     </p:spTree>
     <p:extLst>
       <p:ext uri="{BB962C8B-B14F-4D97-AF65-F5344CB8AC3E}">
-        <p14:creationId xmlns:p14="http://schemas.microsoft.com/office/powerpoint/2010/main" val="1985730439"/>
+        <p14:creationId xmlns:p14="http://schemas.microsoft.com/office/powerpoint/2010/main" val="1301868170"/>
       </p:ext>
     </p:extLst>
   </p:cSld>
@@ -4158,7 +6427,7 @@
           <p:cNvPr id="2" name="タイトル 1">
             <a:extLst>
               <a:ext uri="{FF2B5EF4-FFF2-40B4-BE49-F238E27FC236}">
-                <a16:creationId xmlns:a16="http://schemas.microsoft.com/office/drawing/2014/main" id="{823BD718-EA1B-42FC-8452-02412916EA07}"/>
+                <a16:creationId xmlns:a16="http://schemas.microsoft.com/office/drawing/2014/main" id="{84E76098-5ABF-4709-A130-78345D6144C6}"/>
               </a:ext>
             </a:extLst>
           </p:cNvPr>
@@ -4169,60 +6438,76 @@
             <p:ph type="title"/>
           </p:nvPr>
         </p:nvSpPr>
-        <p:spPr/>
-        <p:txBody>
-          <a:bodyPr/>
-          <a:lstStyle/>
-          <a:p>
-            <a:r>
-              <a:rPr kumimoji="1" lang="ja-JP" altLang="en-US" dirty="0"/>
-              <a:t>対象とする企業</a:t>
-            </a:r>
+        <p:spPr>
+          <a:xfrm>
+            <a:off x="0" y="0"/>
+            <a:ext cx="11036300" cy="1219200"/>
+          </a:xfrm>
+        </p:spPr>
+        <p:txBody>
+          <a:bodyPr>
+            <a:normAutofit/>
+          </a:bodyPr>
+          <a:lstStyle/>
+          <a:p>
             <a:r>
               <a:rPr kumimoji="1" lang="en-US" altLang="ja-JP" dirty="0"/>
               <a:t>(</a:t>
             </a:r>
             <a:r>
               <a:rPr kumimoji="1" lang="ja-JP" altLang="en-US" dirty="0"/>
-              <a:t>業種</a:t>
+              <a:t>参考</a:t>
+            </a:r>
+            <a:r>
+              <a:rPr lang="en-US" altLang="ja-JP" dirty="0"/>
+              <a:t>2</a:t>
             </a:r>
             <a:r>
               <a:rPr kumimoji="1" lang="en-US" altLang="ja-JP" dirty="0"/>
               <a:t>)</a:t>
             </a:r>
-            <a:endParaRPr kumimoji="1" lang="ja-JP" altLang="en-US" dirty="0"/>
-          </a:p>
-        </p:txBody>
-      </p:sp>
-      <p:sp>
-        <p:nvSpPr>
-          <p:cNvPr id="3" name="コンテンツ プレースホルダー 2">
+            <a:r>
+              <a:rPr kumimoji="1" lang="ja-JP" altLang="en-US" dirty="0"/>
+              <a:t>上場企業の業種割合</a:t>
+            </a:r>
+          </a:p>
+        </p:txBody>
+      </p:sp>
+      <p:graphicFrame>
+        <p:nvGraphicFramePr>
+          <p:cNvPr id="11" name="コンテンツ プレースホルダー 10">
             <a:extLst>
               <a:ext uri="{FF2B5EF4-FFF2-40B4-BE49-F238E27FC236}">
-                <a16:creationId xmlns:a16="http://schemas.microsoft.com/office/drawing/2014/main" id="{5D524078-C26C-47CF-9FF5-33012C7FD90A}"/>
+                <a16:creationId xmlns:a16="http://schemas.microsoft.com/office/drawing/2014/main" id="{846626DD-C8BD-43A9-A465-8AD1088D3922}"/>
               </a:ext>
             </a:extLst>
           </p:cNvPr>
-          <p:cNvSpPr>
-            <a:spLocks noGrp="1"/>
-          </p:cNvSpPr>
+          <p:cNvGraphicFramePr>
+            <a:graphicFrameLocks noGrp="1"/>
+          </p:cNvGraphicFramePr>
           <p:nvPr>
             <p:ph idx="1"/>
-          </p:nvPr>
-        </p:nvSpPr>
-        <p:spPr/>
-        <p:txBody>
-          <a:bodyPr/>
-          <a:lstStyle/>
-          <a:p>
-            <a:endParaRPr kumimoji="1" lang="ja-JP" altLang="en-US"/>
-          </a:p>
-        </p:txBody>
-      </p:sp>
+            <p:extLst>
+              <p:ext uri="{D42A27DB-BD31-4B8C-83A1-F6EECF244321}">
+                <p14:modId xmlns:p14="http://schemas.microsoft.com/office/powerpoint/2010/main" val="1346181787"/>
+              </p:ext>
+            </p:extLst>
+          </p:nvPr>
+        </p:nvGraphicFramePr>
+        <p:xfrm>
+          <a:off x="838200" y="982639"/>
+          <a:ext cx="10515600" cy="5875361"/>
+        </p:xfrm>
+        <a:graphic>
+          <a:graphicData uri="http://schemas.openxmlformats.org/drawingml/2006/chart">
+            <c:chart xmlns:c="http://schemas.openxmlformats.org/drawingml/2006/chart" xmlns:r="http://schemas.openxmlformats.org/officeDocument/2006/relationships" r:id="rId2"/>
+          </a:graphicData>
+        </a:graphic>
+      </p:graphicFrame>
     </p:spTree>
     <p:extLst>
       <p:ext uri="{BB962C8B-B14F-4D97-AF65-F5344CB8AC3E}">
-        <p14:creationId xmlns:p14="http://schemas.microsoft.com/office/powerpoint/2010/main" val="2286128765"/>
+        <p14:creationId xmlns:p14="http://schemas.microsoft.com/office/powerpoint/2010/main" val="2444170190"/>
       </p:ext>
     </p:extLst>
   </p:cSld>
@@ -4254,7 +6539,7 @@
           <p:cNvPr id="2" name="タイトル 1">
             <a:extLst>
               <a:ext uri="{FF2B5EF4-FFF2-40B4-BE49-F238E27FC236}">
-                <a16:creationId xmlns:a16="http://schemas.microsoft.com/office/drawing/2014/main" id="{21B0A9AB-396F-4C30-AE44-E617626C0A72}"/>
+                <a16:creationId xmlns:a16="http://schemas.microsoft.com/office/drawing/2014/main" id="{8B5A7389-141B-4298-A831-4BFD405E0393}"/>
               </a:ext>
             </a:extLst>
           </p:cNvPr>
@@ -4265,14 +6550,21 @@
             <p:ph type="title"/>
           </p:nvPr>
         </p:nvSpPr>
-        <p:spPr/>
-        <p:txBody>
-          <a:bodyPr/>
+        <p:spPr>
+          <a:xfrm>
+            <a:off x="838200" y="365125"/>
+            <a:ext cx="10515600" cy="730507"/>
+          </a:xfrm>
+        </p:spPr>
+        <p:txBody>
+          <a:bodyPr>
+            <a:normAutofit/>
+          </a:bodyPr>
           <a:lstStyle/>
           <a:p>
             <a:r>
               <a:rPr kumimoji="1" lang="ja-JP" altLang="en-US" dirty="0"/>
-              <a:t>対象とする年代</a:t>
+              <a:t>倒産とは</a:t>
             </a:r>
           </a:p>
         </p:txBody>
@@ -4282,7 +6574,7 @@
           <p:cNvPr id="3" name="コンテンツ プレースホルダー 2">
             <a:extLst>
               <a:ext uri="{FF2B5EF4-FFF2-40B4-BE49-F238E27FC236}">
-                <a16:creationId xmlns:a16="http://schemas.microsoft.com/office/drawing/2014/main" id="{AA0D01DD-68F1-4DD6-B124-2230CD89186D}"/>
+                <a16:creationId xmlns:a16="http://schemas.microsoft.com/office/drawing/2014/main" id="{9AF6E8AB-948C-4E55-9D2A-BC0B81D0CB8E}"/>
               </a:ext>
             </a:extLst>
           </p:cNvPr>
@@ -4293,19 +6585,84 @@
             <p:ph idx="1"/>
           </p:nvPr>
         </p:nvSpPr>
-        <p:spPr/>
+        <p:spPr>
+          <a:xfrm>
+            <a:off x="838200" y="1095632"/>
+            <a:ext cx="10515600" cy="5081331"/>
+          </a:xfrm>
+        </p:spPr>
         <p:txBody>
           <a:bodyPr/>
           <a:lstStyle/>
           <a:p>
-            <a:endParaRPr kumimoji="1" lang="ja-JP" altLang="en-US"/>
+            <a:pPr marL="0" indent="0">
+              <a:buNone/>
+            </a:pPr>
+            <a:r>
+              <a:rPr lang="ja-JP" altLang="en-US" dirty="0"/>
+              <a:t>企業が経営に行き詰まり、つぶれること。</a:t>
+            </a:r>
+            <a:br>
+              <a:rPr lang="en-US" altLang="ja-JP" dirty="0"/>
+            </a:br>
+            <a:r>
+              <a:rPr lang="ja-JP" altLang="en-US" dirty="0"/>
+              <a:t>倒産という用語は、専門語のような語感をもっているが、それ自体は</a:t>
+            </a:r>
+            <a:r>
+              <a:rPr lang="ja-JP" altLang="en-US" dirty="0">
+                <a:solidFill>
+                  <a:srgbClr val="FF0000"/>
+                </a:solidFill>
+              </a:rPr>
+              <a:t>法律用語でも経済・経営用語でもなく</a:t>
+            </a:r>
+            <a:r>
+              <a:rPr lang="ja-JP" altLang="en-US" dirty="0"/>
+              <a:t>、企業が経営に行き詰まってつぶれるに至った状況を総称する一般用語にすぎない。</a:t>
+            </a:r>
+            <a:r>
+              <a:rPr lang="en-US" altLang="ja-JP" sz="1600" i="1" dirty="0"/>
+              <a:t>-</a:t>
+            </a:r>
+            <a:r>
+              <a:rPr lang="ja-JP" altLang="en-US" sz="1600" i="1" dirty="0"/>
+              <a:t>日本大百科全書</a:t>
+            </a:r>
+            <a:r>
+              <a:rPr lang="en-US" altLang="ja-JP" sz="1600" i="1" dirty="0"/>
+              <a:t>(</a:t>
+            </a:r>
+            <a:r>
+              <a:rPr lang="ja-JP" altLang="en-US" sz="1600" i="1" dirty="0"/>
+              <a:t>ニッポニカ</a:t>
+            </a:r>
+            <a:r>
+              <a:rPr lang="en-US" altLang="ja-JP" sz="1600" i="1" dirty="0"/>
+              <a:t>)</a:t>
+            </a:r>
+            <a:r>
+              <a:rPr lang="ja-JP" altLang="en-US" sz="1600" i="1" dirty="0"/>
+              <a:t>より</a:t>
+            </a:r>
+            <a:endParaRPr lang="en-US" altLang="ja-JP" sz="1600" i="1" dirty="0"/>
+          </a:p>
+          <a:p>
+            <a:pPr marL="0" indent="0">
+              <a:buNone/>
+            </a:pPr>
+            <a:r>
+              <a:rPr lang="ja-JP" altLang="en-US" dirty="0"/>
+              <a:t>　→“倒産“の範囲を決めなければならない</a:t>
+            </a:r>
+            <a:endParaRPr lang="en-US" altLang="ja-JP" dirty="0"/>
           </a:p>
         </p:txBody>
       </p:sp>
     </p:spTree>
     <p:extLst>
       <p:ext uri="{BB962C8B-B14F-4D97-AF65-F5344CB8AC3E}">
-        <p14:creationId xmlns:p14="http://schemas.microsoft.com/office/powerpoint/2010/main" val="1659129085"/>
+        <p14:creationId xmlns:p14="http://schemas.microsoft.com/office/powerpoint/2010/main" val="3400625032"/>
       </p:ext>
     </p:extLst>
   </p:cSld>
@@ -4337,7 +6694,7 @@
           <p:cNvPr id="2" name="タイトル 1">
             <a:extLst>
               <a:ext uri="{FF2B5EF4-FFF2-40B4-BE49-F238E27FC236}">
-                <a16:creationId xmlns:a16="http://schemas.microsoft.com/office/drawing/2014/main" id="{A0221AC4-50DA-4E6B-9BA7-8A3BDEE0EA4C}"/>
+                <a16:creationId xmlns:a16="http://schemas.microsoft.com/office/drawing/2014/main" id="{84E76098-5ABF-4709-A130-78345D6144C6}"/>
               </a:ext>
             </a:extLst>
           </p:cNvPr>
@@ -4348,14 +6705,19 @@
             <p:ph type="title"/>
           </p:nvPr>
         </p:nvSpPr>
-        <p:spPr/>
+        <p:spPr>
+          <a:xfrm>
+            <a:off x="838200" y="365125"/>
+            <a:ext cx="10515600" cy="746983"/>
+          </a:xfrm>
+        </p:spPr>
         <p:txBody>
           <a:bodyPr/>
           <a:lstStyle/>
           <a:p>
             <a:r>
               <a:rPr kumimoji="1" lang="ja-JP" altLang="en-US" dirty="0"/>
-              <a:t>対象とする情報</a:t>
+              <a:t>信用調査会社での“倒産”の定義</a:t>
             </a:r>
           </a:p>
         </p:txBody>
@@ -4365,7 +6727,7 @@
           <p:cNvPr id="3" name="コンテンツ プレースホルダー 2">
             <a:extLst>
               <a:ext uri="{FF2B5EF4-FFF2-40B4-BE49-F238E27FC236}">
-                <a16:creationId xmlns:a16="http://schemas.microsoft.com/office/drawing/2014/main" id="{2B24CA91-8E81-4A08-87D5-485ADA5005B8}"/>
+                <a16:creationId xmlns:a16="http://schemas.microsoft.com/office/drawing/2014/main" id="{6542FA18-B0BE-4A9A-A81C-6917BCE2D0B7}"/>
               </a:ext>
             </a:extLst>
           </p:cNvPr>
@@ -4376,19 +6738,64 @@
             <p:ph idx="1"/>
           </p:nvPr>
         </p:nvSpPr>
-        <p:spPr/>
+        <p:spPr>
+          <a:xfrm>
+            <a:off x="838200" y="1112108"/>
+            <a:ext cx="10515600" cy="5064855"/>
+          </a:xfrm>
+        </p:spPr>
         <p:txBody>
           <a:bodyPr/>
           <a:lstStyle/>
           <a:p>
-            <a:endParaRPr kumimoji="1" lang="ja-JP" altLang="en-US"/>
+            <a:r>
+              <a:rPr lang="ja-JP" altLang="en-US" dirty="0"/>
+              <a:t>東京データバンク</a:t>
+            </a:r>
+            <a:r>
+              <a:rPr lang="en-US" altLang="ja-JP" dirty="0"/>
+              <a:t>(TDB)</a:t>
+            </a:r>
+          </a:p>
+          <a:p>
+            <a:pPr marL="0" indent="0">
+              <a:buNone/>
+            </a:pPr>
+            <a:r>
+              <a:rPr lang="ja-JP" altLang="en-US" dirty="0"/>
+              <a:t>「倒産」とは、企業が債務の支払不能に陥ったり、経済活動を続けることが困難になった状態を指す。</a:t>
+            </a:r>
+            <a:br>
+              <a:rPr lang="en-US" altLang="ja-JP" dirty="0"/>
+            </a:br>
+            <a:r>
+              <a:rPr lang="ja-JP" altLang="en-US" dirty="0"/>
+              <a:t>「法的倒産」と「私的倒産」の</a:t>
+            </a:r>
+            <a:r>
+              <a:rPr lang="en-US" altLang="ja-JP" dirty="0"/>
+              <a:t>2</a:t>
+            </a:r>
+            <a:r>
+              <a:rPr lang="ja-JP" altLang="en-US" dirty="0"/>
+              <a:t>つに大別され、「法的倒産」では再建型の「会社更生法」と「民事再生法」、清算型の「破産」と「特別清算」に</a:t>
+            </a:r>
+            <a:r>
+              <a:rPr lang="en-US" altLang="ja-JP" dirty="0"/>
+              <a:t>4</a:t>
+            </a:r>
+            <a:r>
+              <a:rPr lang="ja-JP" altLang="en-US" dirty="0"/>
+              <a:t>分類される。「私的倒産」は、「銀行取引停止」と「内整理」に分けられる。</a:t>
+            </a:r>
+            <a:endParaRPr lang="en-US" altLang="ja-JP" dirty="0"/>
           </a:p>
         </p:txBody>
       </p:sp>
     </p:spTree>
     <p:extLst>
       <p:ext uri="{BB962C8B-B14F-4D97-AF65-F5344CB8AC3E}">
-        <p14:creationId xmlns:p14="http://schemas.microsoft.com/office/powerpoint/2010/main" val="4127348422"/>
+        <p14:creationId xmlns:p14="http://schemas.microsoft.com/office/powerpoint/2010/main" val="3111322397"/>
       </p:ext>
     </p:extLst>
   </p:cSld>
@@ -4415,126 +6822,356 @@
           <a:chExt cx="0" cy="0"/>
         </a:xfrm>
       </p:grpSpPr>
-      <p:sp>
-        <p:nvSpPr>
-          <p:cNvPr id="2" name="タイトル 1">
+      <p:pic>
+        <p:nvPicPr>
+          <p:cNvPr id="7" name="コンテンツ プレースホルダー 6">
             <a:extLst>
               <a:ext uri="{FF2B5EF4-FFF2-40B4-BE49-F238E27FC236}">
-                <a16:creationId xmlns:a16="http://schemas.microsoft.com/office/drawing/2014/main" id="{D04BAD76-1BDE-418A-9BCF-ED54101F19D3}"/>
+                <a16:creationId xmlns:a16="http://schemas.microsoft.com/office/drawing/2014/main" id="{19874983-CFB4-482A-9002-249C20F82BD2}"/>
               </a:ext>
             </a:extLst>
           </p:cNvPr>
-          <p:cNvSpPr>
-            <a:spLocks noGrp="1"/>
-          </p:cNvSpPr>
-          <p:nvPr>
-            <p:ph type="title"/>
-          </p:nvPr>
-        </p:nvSpPr>
-        <p:spPr/>
-        <p:txBody>
-          <a:bodyPr/>
-          <a:lstStyle/>
-          <a:p>
-            <a:r>
-              <a:rPr kumimoji="1" lang="ja-JP" altLang="en-US" dirty="0"/>
-              <a:t>問題点①</a:t>
-            </a:r>
-          </a:p>
-        </p:txBody>
-      </p:sp>
-      <p:sp>
-        <p:nvSpPr>
-          <p:cNvPr id="3" name="コンテンツ プレースホルダー 2">
+          <p:cNvPicPr>
+            <a:picLocks noGrp="1" noChangeAspect="1"/>
+          </p:cNvPicPr>
+          <p:nvPr>
+            <p:ph idx="1"/>
+          </p:nvPr>
+        </p:nvPicPr>
+        <p:blipFill>
+          <a:blip r:embed="rId2">
+            <a:extLst>
+              <a:ext uri="{28A0092B-C50C-407E-A947-70E740481C1C}">
+                <a14:useLocalDpi xmlns:a14="http://schemas.microsoft.com/office/drawing/2010/main" val="0"/>
+              </a:ext>
+            </a:extLst>
+          </a:blip>
+          <a:stretch>
+            <a:fillRect/>
+          </a:stretch>
+        </p:blipFill>
+        <p:spPr>
+          <a:xfrm>
+            <a:off x="189470" y="334530"/>
+            <a:ext cx="6326294" cy="5564331"/>
+          </a:xfrm>
+        </p:spPr>
+      </p:pic>
+      <p:sp>
+        <p:nvSpPr>
+          <p:cNvPr id="8" name="テキスト ボックス 7">
             <a:extLst>
               <a:ext uri="{FF2B5EF4-FFF2-40B4-BE49-F238E27FC236}">
-                <a16:creationId xmlns:a16="http://schemas.microsoft.com/office/drawing/2014/main" id="{31F74AB3-CE59-4669-9DA7-C0EAE8310F9E}"/>
+                <a16:creationId xmlns:a16="http://schemas.microsoft.com/office/drawing/2014/main" id="{4B4CB30B-95B6-45AA-BB02-32520685035D}"/>
               </a:ext>
             </a:extLst>
           </p:cNvPr>
-          <p:cNvSpPr>
-            <a:spLocks noGrp="1"/>
-          </p:cNvSpPr>
-          <p:nvPr>
-            <p:ph idx="1"/>
-          </p:nvPr>
-        </p:nvSpPr>
-        <p:spPr/>
-        <p:txBody>
-          <a:bodyPr/>
-          <a:lstStyle/>
-          <a:p>
-            <a:r>
-              <a:rPr lang="ja-JP" altLang="en-US" dirty="0"/>
-              <a:t>定義した倒産以外の理由</a:t>
-            </a:r>
+          <p:cNvSpPr txBox="1"/>
+          <p:nvPr/>
+        </p:nvSpPr>
+        <p:spPr>
+          <a:xfrm>
+            <a:off x="6182476" y="6211669"/>
+            <a:ext cx="6009524" cy="646331"/>
+          </a:xfrm>
+          <a:prstGeom prst="rect">
+            <a:avLst/>
+          </a:prstGeom>
+          <a:noFill/>
+        </p:spPr>
+        <p:txBody>
+          <a:bodyPr wrap="square" rtlCol="0">
+            <a:spAutoFit/>
+          </a:bodyPr>
+          <a:lstStyle/>
+          <a:p>
+            <a:r>
+              <a:rPr kumimoji="1" lang="ja-JP" altLang="en-US" dirty="0"/>
+              <a:t>東京商工リサーチ</a:t>
+            </a:r>
+            <a:r>
+              <a:rPr kumimoji="1" lang="en-US" altLang="ja-JP" dirty="0"/>
+              <a:t>(TSR)HP</a:t>
+            </a:r>
+            <a:r>
+              <a:rPr kumimoji="1" lang="ja-JP" altLang="en-US" dirty="0"/>
+              <a:t>より引用</a:t>
+            </a:r>
+            <a:endParaRPr kumimoji="1" lang="en-US" altLang="ja-JP" dirty="0"/>
+          </a:p>
+          <a:p>
             <a:r>
               <a:rPr lang="en-US" altLang="ja-JP" dirty="0"/>
+              <a:t>http://www.tsrnet.co.jp/guide/feature/establishment/</a:t>
+            </a:r>
+            <a:endParaRPr kumimoji="1" lang="ja-JP" altLang="en-US" dirty="0"/>
+          </a:p>
+        </p:txBody>
+      </p:sp>
+      <p:sp>
+        <p:nvSpPr>
+          <p:cNvPr id="9" name="右中かっこ 8">
+            <a:extLst>
+              <a:ext uri="{FF2B5EF4-FFF2-40B4-BE49-F238E27FC236}">
+                <a16:creationId xmlns:a16="http://schemas.microsoft.com/office/drawing/2014/main" id="{6B37B460-79D9-44F8-B80F-856BAFE77022}"/>
+              </a:ext>
+            </a:extLst>
+          </p:cNvPr>
+          <p:cNvSpPr/>
+          <p:nvPr/>
+        </p:nvSpPr>
+        <p:spPr>
+          <a:xfrm>
+            <a:off x="6515764" y="350337"/>
+            <a:ext cx="414102" cy="3320443"/>
+          </a:xfrm>
+          <a:prstGeom prst="rightBrace">
+            <a:avLst/>
+          </a:prstGeom>
+          <a:ln w="38100"/>
+        </p:spPr>
+        <p:style>
+          <a:lnRef idx="1">
+            <a:schemeClr val="accent1"/>
+          </a:lnRef>
+          <a:fillRef idx="0">
+            <a:schemeClr val="accent1"/>
+          </a:fillRef>
+          <a:effectRef idx="0">
+            <a:schemeClr val="accent1"/>
+          </a:effectRef>
+          <a:fontRef idx="minor">
+            <a:schemeClr val="tx1"/>
+          </a:fontRef>
+        </p:style>
+        <p:txBody>
+          <a:bodyPr rtlCol="0" anchor="ctr"/>
+          <a:lstStyle/>
+          <a:p>
+            <a:pPr algn="ctr"/>
+            <a:endParaRPr kumimoji="1" lang="ja-JP" altLang="en-US"/>
+          </a:p>
+        </p:txBody>
+      </p:sp>
+      <p:sp>
+        <p:nvSpPr>
+          <p:cNvPr id="10" name="テキスト ボックス 9">
+            <a:extLst>
+              <a:ext uri="{FF2B5EF4-FFF2-40B4-BE49-F238E27FC236}">
+                <a16:creationId xmlns:a16="http://schemas.microsoft.com/office/drawing/2014/main" id="{E8BDD551-9C3C-4D74-8290-6F3247F46020}"/>
+              </a:ext>
+            </a:extLst>
+          </p:cNvPr>
+          <p:cNvSpPr txBox="1"/>
+          <p:nvPr/>
+        </p:nvSpPr>
+        <p:spPr>
+          <a:xfrm>
+            <a:off x="7025159" y="1826631"/>
+            <a:ext cx="4849457" cy="367853"/>
+          </a:xfrm>
+          <a:prstGeom prst="rect">
+            <a:avLst/>
+          </a:prstGeom>
+          <a:noFill/>
+        </p:spPr>
+        <p:txBody>
+          <a:bodyPr wrap="square" rtlCol="0">
+            <a:spAutoFit/>
+          </a:bodyPr>
+          <a:lstStyle/>
+          <a:p>
+            <a:r>
+              <a:rPr kumimoji="1" lang="ja-JP" altLang="en-US" dirty="0"/>
+              <a:t>裁判所の関与と監督により整理が行われる</a:t>
+            </a:r>
+          </a:p>
+        </p:txBody>
+      </p:sp>
+      <p:sp>
+        <p:nvSpPr>
+          <p:cNvPr id="11" name="右中かっこ 10">
+            <a:extLst>
+              <a:ext uri="{FF2B5EF4-FFF2-40B4-BE49-F238E27FC236}">
+                <a16:creationId xmlns:a16="http://schemas.microsoft.com/office/drawing/2014/main" id="{4A005CA1-2F16-47C5-B50D-B1AD5D96AAE0}"/>
+              </a:ext>
+            </a:extLst>
+          </p:cNvPr>
+          <p:cNvSpPr/>
+          <p:nvPr/>
+        </p:nvSpPr>
+        <p:spPr>
+          <a:xfrm>
+            <a:off x="6515764" y="5378366"/>
+            <a:ext cx="414102" cy="451266"/>
+          </a:xfrm>
+          <a:prstGeom prst="rightBrace">
+            <a:avLst/>
+          </a:prstGeom>
+          <a:ln w="38100"/>
+        </p:spPr>
+        <p:style>
+          <a:lnRef idx="1">
+            <a:schemeClr val="accent6"/>
+          </a:lnRef>
+          <a:fillRef idx="0">
+            <a:schemeClr val="accent6"/>
+          </a:fillRef>
+          <a:effectRef idx="0">
+            <a:schemeClr val="accent6"/>
+          </a:effectRef>
+          <a:fontRef idx="minor">
+            <a:schemeClr val="tx1"/>
+          </a:fontRef>
+        </p:style>
+        <p:txBody>
+          <a:bodyPr rtlCol="0" anchor="ctr"/>
+          <a:lstStyle/>
+          <a:p>
+            <a:pPr algn="ctr"/>
+            <a:endParaRPr kumimoji="1" lang="ja-JP" altLang="en-US"/>
+          </a:p>
+        </p:txBody>
+      </p:sp>
+      <p:sp>
+        <p:nvSpPr>
+          <p:cNvPr id="12" name="テキスト ボックス 11">
+            <a:extLst>
+              <a:ext uri="{FF2B5EF4-FFF2-40B4-BE49-F238E27FC236}">
+                <a16:creationId xmlns:a16="http://schemas.microsoft.com/office/drawing/2014/main" id="{A74CB73A-C64D-465A-B62E-1CAC06FF6EC2}"/>
+              </a:ext>
+            </a:extLst>
+          </p:cNvPr>
+          <p:cNvSpPr txBox="1"/>
+          <p:nvPr/>
+        </p:nvSpPr>
+        <p:spPr>
+          <a:xfrm>
+            <a:off x="7025158" y="5282127"/>
+            <a:ext cx="5036424" cy="646331"/>
+          </a:xfrm>
+          <a:prstGeom prst="rect">
+            <a:avLst/>
+          </a:prstGeom>
+          <a:noFill/>
+        </p:spPr>
+        <p:txBody>
+          <a:bodyPr wrap="square" rtlCol="0">
+            <a:spAutoFit/>
+          </a:bodyPr>
+          <a:lstStyle/>
+          <a:p>
+            <a:r>
+              <a:rPr kumimoji="1" lang="ja-JP" altLang="en-US" dirty="0"/>
+              <a:t>倒産会社と債権者との話し合いによる整理。</a:t>
+            </a:r>
+            <a:endParaRPr kumimoji="1" lang="en-US" altLang="ja-JP" dirty="0"/>
+          </a:p>
+          <a:p>
+            <a:r>
+              <a:rPr kumimoji="1" lang="ja-JP" altLang="en-US" dirty="0"/>
+              <a:t>法的な拘束はない</a:t>
+            </a:r>
+            <a:r>
+              <a:rPr kumimoji="1" lang="en-US" altLang="ja-JP" dirty="0"/>
               <a:t>(</a:t>
             </a:r>
             <a:r>
-              <a:rPr lang="ja-JP" altLang="en-US" dirty="0"/>
-              <a:t>以降倒産以外</a:t>
-            </a:r>
-            <a:r>
-              <a:rPr lang="en-US" altLang="ja-JP" dirty="0"/>
+              <a:rPr kumimoji="1" lang="ja-JP" altLang="en-US" dirty="0"/>
+              <a:t>解散による清算の場合は別</a:t>
+            </a:r>
+            <a:r>
+              <a:rPr kumimoji="1" lang="en-US" altLang="ja-JP" dirty="0"/>
               <a:t>)</a:t>
             </a:r>
-            <a:r>
-              <a:rPr lang="ja-JP" altLang="en-US" dirty="0"/>
-              <a:t>により上場廃止になった企業の取り扱い</a:t>
-            </a:r>
-            <a:endParaRPr lang="en-US" altLang="ja-JP" dirty="0"/>
-          </a:p>
-          <a:p>
-            <a:endParaRPr kumimoji="1" lang="en-US" altLang="ja-JP" dirty="0"/>
-          </a:p>
-          <a:p>
-            <a:pPr marL="0" indent="0">
-              <a:buNone/>
-            </a:pPr>
+            <a:endParaRPr kumimoji="1" lang="ja-JP" altLang="en-US" dirty="0"/>
+          </a:p>
+        </p:txBody>
+      </p:sp>
+      <p:sp>
+        <p:nvSpPr>
+          <p:cNvPr id="13" name="右中かっこ 12">
+            <a:extLst>
+              <a:ext uri="{FF2B5EF4-FFF2-40B4-BE49-F238E27FC236}">
+                <a16:creationId xmlns:a16="http://schemas.microsoft.com/office/drawing/2014/main" id="{715F9872-68A1-43DC-83A6-443012F9EC8A}"/>
+              </a:ext>
+            </a:extLst>
+          </p:cNvPr>
+          <p:cNvSpPr/>
+          <p:nvPr/>
+        </p:nvSpPr>
+        <p:spPr>
+          <a:xfrm>
+            <a:off x="6515764" y="3983587"/>
+            <a:ext cx="414102" cy="1259117"/>
+          </a:xfrm>
+          <a:prstGeom prst="rightBrace">
+            <a:avLst/>
+          </a:prstGeom>
+          <a:ln w="38100"/>
+        </p:spPr>
+        <p:style>
+          <a:lnRef idx="1">
+            <a:schemeClr val="accent3"/>
+          </a:lnRef>
+          <a:fillRef idx="0">
+            <a:schemeClr val="accent3"/>
+          </a:fillRef>
+          <a:effectRef idx="0">
+            <a:schemeClr val="accent3"/>
+          </a:effectRef>
+          <a:fontRef idx="minor">
+            <a:schemeClr val="tx1"/>
+          </a:fontRef>
+        </p:style>
+        <p:txBody>
+          <a:bodyPr rtlCol="0" anchor="ctr"/>
+          <a:lstStyle/>
+          <a:p>
+            <a:pPr algn="ctr"/>
+            <a:endParaRPr kumimoji="1" lang="ja-JP" altLang="en-US"/>
+          </a:p>
+        </p:txBody>
+      </p:sp>
+      <p:sp>
+        <p:nvSpPr>
+          <p:cNvPr id="14" name="テキスト ボックス 13">
+            <a:extLst>
+              <a:ext uri="{FF2B5EF4-FFF2-40B4-BE49-F238E27FC236}">
+                <a16:creationId xmlns:a16="http://schemas.microsoft.com/office/drawing/2014/main" id="{E48A63CA-1F32-4C06-9E19-D606F0919047}"/>
+              </a:ext>
+            </a:extLst>
+          </p:cNvPr>
+          <p:cNvSpPr txBox="1"/>
+          <p:nvPr/>
+        </p:nvSpPr>
+        <p:spPr>
+          <a:xfrm>
+            <a:off x="7025158" y="4289979"/>
+            <a:ext cx="5036424" cy="646331"/>
+          </a:xfrm>
+          <a:prstGeom prst="rect">
+            <a:avLst/>
+          </a:prstGeom>
+          <a:noFill/>
+        </p:spPr>
+        <p:txBody>
+          <a:bodyPr wrap="square" rtlCol="0">
+            <a:spAutoFit/>
+          </a:bodyPr>
+          <a:lstStyle/>
+          <a:p>
             <a:r>
               <a:rPr kumimoji="1" lang="ja-JP" altLang="en-US" dirty="0"/>
-              <a:t>単純に考えると上場企業の倒産という枠内に入らないため、対象とならない。</a:t>
-            </a:r>
-            <a:endParaRPr kumimoji="1" lang="en-US" altLang="ja-JP" dirty="0"/>
-          </a:p>
-          <a:p>
-            <a:pPr marL="0" indent="0">
-              <a:buNone/>
-            </a:pPr>
-            <a:r>
-              <a:rPr lang="ja-JP" altLang="en-US" dirty="0"/>
-              <a:t>↓しかし</a:t>
-            </a:r>
-            <a:endParaRPr lang="en-US" altLang="ja-JP" dirty="0"/>
-          </a:p>
-          <a:p>
-            <a:pPr marL="0" indent="0">
-              <a:buNone/>
-            </a:pPr>
-            <a:r>
-              <a:rPr kumimoji="1" lang="ja-JP" altLang="en-US" dirty="0"/>
-              <a:t>調べていくうちに倒産以外の理由で上場廃止となり、しばらくした後に倒産となった</a:t>
-            </a:r>
-            <a:r>
-              <a:rPr lang="ja-JP" altLang="en-US" dirty="0"/>
-              <a:t>ケースが多々あった。</a:t>
-            </a:r>
-            <a:endParaRPr lang="en-US" altLang="ja-JP" dirty="0"/>
-          </a:p>
-          <a:p>
-            <a:pPr marL="0" indent="0">
-              <a:buNone/>
-            </a:pPr>
-            <a:endParaRPr lang="en-US" altLang="ja-JP" dirty="0"/>
+              <a:t>銀行取引なしに事業活動を行うことは不可能に等しいため、実質的に倒産したとみなされる</a:t>
+            </a:r>
           </a:p>
         </p:txBody>
       </p:sp>
     </p:spTree>
     <p:extLst>
       <p:ext uri="{BB962C8B-B14F-4D97-AF65-F5344CB8AC3E}">
-        <p14:creationId xmlns:p14="http://schemas.microsoft.com/office/powerpoint/2010/main" val="3415744280"/>
+        <p14:creationId xmlns:p14="http://schemas.microsoft.com/office/powerpoint/2010/main" val="4027371210"/>
       </p:ext>
     </p:extLst>
   </p:cSld>
@@ -4563,10 +7200,43 @@
       </p:grpSpPr>
       <p:sp>
         <p:nvSpPr>
+          <p:cNvPr id="2" name="タイトル 1">
+            <a:extLst>
+              <a:ext uri="{FF2B5EF4-FFF2-40B4-BE49-F238E27FC236}">
+                <a16:creationId xmlns:a16="http://schemas.microsoft.com/office/drawing/2014/main" id="{84E76098-5ABF-4709-A130-78345D6144C6}"/>
+              </a:ext>
+            </a:extLst>
+          </p:cNvPr>
+          <p:cNvSpPr>
+            <a:spLocks noGrp="1"/>
+          </p:cNvSpPr>
+          <p:nvPr>
+            <p:ph type="title"/>
+          </p:nvPr>
+        </p:nvSpPr>
+        <p:spPr>
+          <a:xfrm>
+            <a:off x="838200" y="365125"/>
+            <a:ext cx="10515600" cy="746983"/>
+          </a:xfrm>
+        </p:spPr>
+        <p:txBody>
+          <a:bodyPr/>
+          <a:lstStyle/>
+          <a:p>
+            <a:r>
+              <a:rPr kumimoji="1" lang="ja-JP" altLang="en-US" dirty="0"/>
+              <a:t>倒産の定義を決定</a:t>
+            </a:r>
+          </a:p>
+        </p:txBody>
+      </p:sp>
+      <p:sp>
+        <p:nvSpPr>
           <p:cNvPr id="3" name="コンテンツ プレースホルダー 2">
             <a:extLst>
               <a:ext uri="{FF2B5EF4-FFF2-40B4-BE49-F238E27FC236}">
-                <a16:creationId xmlns:a16="http://schemas.microsoft.com/office/drawing/2014/main" id="{7A6FCB1F-97F7-4F28-B702-B02E11599798}"/>
+                <a16:creationId xmlns:a16="http://schemas.microsoft.com/office/drawing/2014/main" id="{6542FA18-B0BE-4A9A-A81C-6917BCE2D0B7}"/>
               </a:ext>
             </a:extLst>
           </p:cNvPr>
@@ -4579,14 +7249,12 @@
         </p:nvSpPr>
         <p:spPr>
           <a:xfrm>
-            <a:off x="838200" y="624114"/>
-            <a:ext cx="10515600" cy="5552849"/>
+            <a:off x="838200" y="1112108"/>
+            <a:ext cx="10515600" cy="5064855"/>
           </a:xfrm>
         </p:spPr>
         <p:txBody>
-          <a:bodyPr>
-            <a:normAutofit fontScale="92500" lnSpcReduction="10000"/>
-          </a:bodyPr>
+          <a:bodyPr/>
           <a:lstStyle/>
           <a:p>
             <a:pPr marL="0" indent="0">
@@ -4594,120 +7262,78 @@
             </a:pPr>
             <a:r>
               <a:rPr lang="ja-JP" altLang="en-US" dirty="0"/>
-              <a:t>これらの企業を上場企業の倒産に含めないことには違和感</a:t>
+              <a:t>以上を踏まえて、倒産の定義を</a:t>
             </a:r>
             <a:endParaRPr lang="en-US" altLang="ja-JP" dirty="0"/>
           </a:p>
           <a:p>
+            <a:r>
+              <a:rPr lang="ja-JP" altLang="en-US" dirty="0"/>
+              <a:t>会社更生法手続きを行った企業</a:t>
+            </a:r>
+            <a:endParaRPr lang="en-US" altLang="ja-JP" dirty="0"/>
+          </a:p>
+          <a:p>
+            <a:r>
+              <a:rPr lang="ja-JP" altLang="en-US" dirty="0"/>
+              <a:t>民事再生法手続きを行った企業</a:t>
+            </a:r>
+            <a:endParaRPr lang="en-US" altLang="ja-JP" dirty="0"/>
+          </a:p>
+          <a:p>
+            <a:r>
+              <a:rPr lang="ja-JP" altLang="en-US" dirty="0"/>
+              <a:t>破産手続きを行った企業</a:t>
+            </a:r>
+            <a:endParaRPr lang="en-US" altLang="ja-JP" dirty="0"/>
+          </a:p>
+          <a:p>
+            <a:r>
+              <a:rPr lang="ja-JP" altLang="en-US" dirty="0"/>
+              <a:t>特別清算手続きを行った企業</a:t>
+            </a:r>
+            <a:endParaRPr lang="en-US" altLang="ja-JP" dirty="0"/>
+          </a:p>
+          <a:p>
+            <a:r>
+              <a:rPr lang="ja-JP" altLang="en-US" dirty="0"/>
+              <a:t>銀行取引処分を受けてから</a:t>
+            </a:r>
+            <a:r>
+              <a:rPr lang="en-US" altLang="ja-JP" dirty="0"/>
+              <a:t>12</a:t>
+            </a:r>
+            <a:r>
+              <a:rPr lang="ja-JP" altLang="en-US" dirty="0"/>
+              <a:t>ヶ月以内に法的整理の手続きを行った企業</a:t>
+            </a:r>
+            <a:endParaRPr lang="en-US" altLang="ja-JP" dirty="0"/>
+          </a:p>
+          <a:p>
+            <a:endParaRPr lang="en-US" altLang="ja-JP" dirty="0"/>
+          </a:p>
+          <a:p>
             <a:pPr marL="0" indent="0">
               <a:buNone/>
             </a:pPr>
+            <a:r>
+              <a:rPr lang="ja-JP" altLang="en-US" dirty="0"/>
+              <a:t>以後“倒産“という場合にはこれらの企業を指す</a:t>
+            </a:r>
             <a:endParaRPr lang="en-US" altLang="ja-JP" dirty="0"/>
           </a:p>
           <a:p>
-            <a:pPr marL="0" indent="0">
-              <a:buNone/>
-            </a:pPr>
-            <a:r>
-              <a:rPr lang="ja-JP" altLang="en-US" dirty="0"/>
-              <a:t>つまり</a:t>
-            </a:r>
-            <a:r>
-              <a:rPr lang="en-US" altLang="ja-JP" dirty="0"/>
-              <a:t>…</a:t>
-            </a:r>
-            <a:r>
-              <a:rPr lang="ja-JP" altLang="en-US" dirty="0"/>
-              <a:t>名目</a:t>
-            </a:r>
-            <a:r>
-              <a:rPr lang="en-US" altLang="ja-JP" dirty="0"/>
-              <a:t>(</a:t>
-            </a:r>
-            <a:r>
-              <a:rPr lang="ja-JP" altLang="en-US" dirty="0"/>
-              <a:t>書類</a:t>
-            </a:r>
-            <a:r>
-              <a:rPr lang="en-US" altLang="ja-JP" dirty="0"/>
-              <a:t>)</a:t>
-            </a:r>
-            <a:r>
-              <a:rPr lang="ja-JP" altLang="en-US" dirty="0"/>
-              <a:t>上の上場廃止理由のみを対象企業の判断基準とすると網羅性に欠けることになる。</a:t>
-            </a:r>
             <a:endParaRPr lang="en-US" altLang="ja-JP" dirty="0"/>
           </a:p>
           <a:p>
-            <a:pPr marL="0" indent="0">
-              <a:buNone/>
-            </a:pPr>
-            <a:endParaRPr kumimoji="1" lang="en-US" altLang="ja-JP" dirty="0"/>
-          </a:p>
-          <a:p>
-            <a:pPr marL="0" indent="0">
-              <a:buNone/>
-            </a:pPr>
-            <a:r>
-              <a:rPr kumimoji="1" lang="ja-JP" altLang="en-US" dirty="0"/>
-              <a:t>かと言って上場廃止後</a:t>
-            </a:r>
-            <a:r>
-              <a:rPr lang="en-US" altLang="ja-JP" dirty="0"/>
-              <a:t>10</a:t>
-            </a:r>
-            <a:r>
-              <a:rPr lang="ja-JP" altLang="en-US" dirty="0"/>
-              <a:t>年経過したのちに倒産した企業を上場企業の倒産に含めることも不自然</a:t>
-            </a:r>
             <a:endParaRPr lang="en-US" altLang="ja-JP" dirty="0"/>
-          </a:p>
-          <a:p>
-            <a:pPr marL="0" indent="0">
-              <a:buNone/>
-            </a:pPr>
-            <a:r>
-              <a:rPr kumimoji="1" lang="ja-JP" altLang="en-US" dirty="0"/>
-              <a:t>↓</a:t>
-            </a:r>
-            <a:endParaRPr kumimoji="1" lang="en-US" altLang="ja-JP" dirty="0"/>
-          </a:p>
-          <a:p>
-            <a:pPr marL="0" indent="0">
-              <a:buNone/>
-            </a:pPr>
-            <a:r>
-              <a:rPr kumimoji="1" lang="ja-JP" altLang="en-US" dirty="0"/>
-              <a:t>倒産以外により上場廃止となり、その後何年以内に倒産したならば上場企業の倒産としてカウントするのかが問題となる</a:t>
-            </a:r>
-            <a:endParaRPr kumimoji="1" lang="en-US" altLang="ja-JP" dirty="0"/>
-          </a:p>
-          <a:p>
-            <a:pPr marL="0" indent="0">
-              <a:buNone/>
-            </a:pPr>
-            <a:endParaRPr lang="en-US" altLang="ja-JP" dirty="0"/>
-          </a:p>
-          <a:p>
-            <a:pPr marL="0" indent="0">
-              <a:buNone/>
-            </a:pPr>
-            <a:r>
-              <a:rPr lang="en-US" altLang="ja-JP" dirty="0"/>
-              <a:t>(</a:t>
-            </a:r>
-            <a:r>
-              <a:rPr lang="ja-JP" altLang="en-US" dirty="0"/>
-              <a:t>但し、上場企業でなくなるため財務諸表の入手が難しくなることに留意しなければならない）</a:t>
-            </a:r>
-            <a:endParaRPr kumimoji="1" lang="ja-JP" altLang="en-US" dirty="0"/>
           </a:p>
         </p:txBody>
       </p:sp>
     </p:spTree>
     <p:extLst>
       <p:ext uri="{BB962C8B-B14F-4D97-AF65-F5344CB8AC3E}">
-        <p14:creationId xmlns:p14="http://schemas.microsoft.com/office/powerpoint/2010/main" val="4075734318"/>
+        <p14:creationId xmlns:p14="http://schemas.microsoft.com/office/powerpoint/2010/main" val="106172253"/>
       </p:ext>
     </p:extLst>
   </p:cSld>
@@ -4718,9 +7344,9 @@
 </file>
 
 <file path=ppt/theme/theme1.xml><?xml version="1.0" encoding="utf-8"?>
-<a:theme xmlns:a="http://schemas.openxmlformats.org/drawingml/2006/main" name="Office テーマ">
+<a:theme xmlns:a="http://schemas.openxmlformats.org/drawingml/2006/main" name="Office Theme">
   <a:themeElements>
-    <a:clrScheme name="Office">
+    <a:clrScheme name="Office テーマ">
       <a:dk1>
         <a:sysClr val="windowText" lastClr="000000"/>
       </a:dk1>
@@ -4734,22 +7360,22 @@
         <a:srgbClr val="E7E6E6"/>
       </a:lt2>
       <a:accent1>
-        <a:srgbClr val="4472C4"/>
+        <a:srgbClr val="29AF8C"/>
       </a:accent1>
       <a:accent2>
-        <a:srgbClr val="ED7D31"/>
+        <a:srgbClr val="97BE49"/>
       </a:accent2>
       <a:accent3>
-        <a:srgbClr val="A5A5A5"/>
+        <a:srgbClr val="3D9CCC"/>
       </a:accent3>
       <a:accent4>
-        <a:srgbClr val="FFC000"/>
+        <a:srgbClr val="7C60C6"/>
       </a:accent4>
       <a:accent5>
-        <a:srgbClr val="5B9BD5"/>
+        <a:srgbClr val="C9492C"/>
       </a:accent5>
       <a:accent6>
-        <a:srgbClr val="70AD47"/>
+        <a:srgbClr val="D58C2E"/>
       </a:accent6>
       <a:hlink>
         <a:srgbClr val="0563C1"/>
@@ -4758,9 +7384,9 @@
         <a:srgbClr val="954F72"/>
       </a:folHlink>
     </a:clrScheme>
-    <a:fontScheme name="Office">
+    <a:fontScheme name="Office テーマ">
       <a:majorFont>
-        <a:latin typeface="游ゴシック Light" panose="020F0302020204030204"/>
+        <a:latin typeface="Calibri Light" panose="020F0302020204030204"/>
         <a:ea typeface=""/>
         <a:cs typeface=""/>
         <a:font script="Jpan" typeface="游ゴシック Light"/>
@@ -4793,26 +7419,9 @@
         <a:font script="Viet" typeface="Times New Roman"/>
         <a:font script="Uigh" typeface="Microsoft Uighur"/>
         <a:font script="Geor" typeface="Sylfaen"/>
-        <a:font script="Armn" typeface="Arial"/>
-        <a:font script="Bugi" typeface="Leelawadee UI"/>
-        <a:font script="Bopo" typeface="Microsoft JhengHei"/>
-        <a:font script="Java" typeface="Javanese Text"/>
-        <a:font script="Lisu" typeface="Segoe UI"/>
-        <a:font script="Mymr" typeface="Myanmar Text"/>
-        <a:font script="Nkoo" typeface="Ebrima"/>
-        <a:font script="Olck" typeface="Nirmala UI"/>
-        <a:font script="Osma" typeface="Ebrima"/>
-        <a:font script="Phag" typeface="Phagspa"/>
-        <a:font script="Syrn" typeface="Estrangelo Edessa"/>
-        <a:font script="Syrj" typeface="Estrangelo Edessa"/>
-        <a:font script="Syre" typeface="Estrangelo Edessa"/>
-        <a:font script="Sora" typeface="Nirmala UI"/>
-        <a:font script="Tale" typeface="Microsoft Tai Le"/>
-        <a:font script="Talu" typeface="Microsoft New Tai Lue"/>
-        <a:font script="Tfng" typeface="Ebrima"/>
       </a:majorFont>
       <a:minorFont>
-        <a:latin typeface="游ゴシック" panose="020F0502020204030204"/>
+        <a:latin typeface="Calibri" panose="020F0502020204030204"/>
         <a:ea typeface=""/>
         <a:cs typeface=""/>
         <a:font script="Jpan" typeface="游ゴシック"/>
@@ -4845,26 +7454,9 @@
         <a:font script="Viet" typeface="Arial"/>
         <a:font script="Uigh" typeface="Microsoft Uighur"/>
         <a:font script="Geor" typeface="Sylfaen"/>
-        <a:font script="Armn" typeface="Arial"/>
-        <a:font script="Bugi" typeface="Leelawadee UI"/>
-        <a:font script="Bopo" typeface="Microsoft JhengHei"/>
-        <a:font script="Java" typeface="Javanese Text"/>
-        <a:font script="Lisu" typeface="Segoe UI"/>
-        <a:font script="Mymr" typeface="Myanmar Text"/>
-        <a:font script="Nkoo" typeface="Ebrima"/>
-        <a:font script="Olck" typeface="Nirmala UI"/>
-        <a:font script="Osma" typeface="Ebrima"/>
-        <a:font script="Phag" typeface="Phagspa"/>
-        <a:font script="Syrn" typeface="Estrangelo Edessa"/>
-        <a:font script="Syrj" typeface="Estrangelo Edessa"/>
-        <a:font script="Syre" typeface="Estrangelo Edessa"/>
-        <a:font script="Sora" typeface="Nirmala UI"/>
-        <a:font script="Tale" typeface="Microsoft Tai Le"/>
-        <a:font script="Talu" typeface="Microsoft New Tai Lue"/>
-        <a:font script="Tfng" typeface="Ebrima"/>
       </a:minorFont>
     </a:fontScheme>
-    <a:fmtScheme name="Office">
+    <a:fmtScheme name="Office テーマ">
       <a:fillStyleLst>
         <a:solidFill>
           <a:schemeClr val="phClr"/>
@@ -5006,7 +7598,7 @@
   <a:extraClrSchemeLst/>
   <a:extLst>
     <a:ext uri="{05A4C25C-085E-4340-85A3-A5531E510DB2}">
-      <thm15:themeFamily xmlns:thm15="http://schemas.microsoft.com/office/thememl/2012/main" name="Office Theme" id="{62F939B6-93AF-4DB8-9C6B-D6C7DFDC589F}" vid="{4A3C46E8-61CC-4603-A589-7422A47A8E4A}"/>
+      <thm15:themeFamily xmlns:thm15="http://schemas.microsoft.com/office/thememl/2012/main" name="Office Theme" id="{62F939B6-93AF-4DB8-9C6B-D6C7DFDC589F}" vid="{3E4F19A7-A959-40BB-972C-4880BAF8EB09}"/>
     </a:ext>
   </a:extLst>
 </a:theme>

--- a/倒産の研究(仮).pptx
+++ b/倒産の研究(仮).pptx
@@ -22,10 +22,20 @@
     <p:sldId id="277" r:id="rId16"/>
     <p:sldId id="272" r:id="rId17"/>
     <p:sldId id="275" r:id="rId18"/>
-    <p:sldId id="270" r:id="rId19"/>
-    <p:sldId id="261" r:id="rId20"/>
-    <p:sldId id="264" r:id="rId21"/>
-    <p:sldId id="278" r:id="rId22"/>
+    <p:sldId id="285" r:id="rId19"/>
+    <p:sldId id="286" r:id="rId20"/>
+    <p:sldId id="288" r:id="rId21"/>
+    <p:sldId id="289" r:id="rId22"/>
+    <p:sldId id="291" r:id="rId23"/>
+    <p:sldId id="290" r:id="rId24"/>
+    <p:sldId id="292" r:id="rId25"/>
+    <p:sldId id="287" r:id="rId26"/>
+    <p:sldId id="270" r:id="rId27"/>
+    <p:sldId id="261" r:id="rId28"/>
+    <p:sldId id="264" r:id="rId29"/>
+    <p:sldId id="278" r:id="rId30"/>
+    <p:sldId id="283" r:id="rId31"/>
+    <p:sldId id="284" r:id="rId32"/>
   </p:sldIdLst>
   <p:sldSz cx="12192000" cy="6858000"/>
   <p:notesSz cx="6858000" cy="9144000"/>
@@ -10542,8 +10552,8 @@
         </p:nvSpPr>
         <p:spPr>
           <a:xfrm>
-            <a:off x="7025158" y="4289979"/>
-            <a:ext cx="5036424" cy="646331"/>
+            <a:off x="7025158" y="4075586"/>
+            <a:ext cx="5036424" cy="923330"/>
           </a:xfrm>
           <a:prstGeom prst="rect">
             <a:avLst/>
@@ -10558,7 +10568,7 @@
           <a:p>
             <a:r>
               <a:rPr kumimoji="1" lang="ja-JP" altLang="en-US" dirty="0"/>
-              <a:t>銀行取引なしに事業活動を行うことは不可能に等しいため、実質的に倒産したとみなされる</a:t>
+              <a:t>法的倒産ではないが銀行取引なしに事業活動を行うことは不可能に等しいため、実質的に倒産したとみなされる</a:t>
             </a:r>
           </a:p>
         </p:txBody>
@@ -10895,16 +10905,12 @@
           <a:lstStyle/>
           <a:p>
             <a:r>
-              <a:rPr lang="ja-JP" altLang="en-US" dirty="0"/>
-              <a:t>内整理</a:t>
-            </a:r>
-            <a:r>
               <a:rPr lang="en-US" altLang="ja-JP" dirty="0"/>
               <a:t>(</a:t>
             </a:r>
             <a:r>
               <a:rPr lang="ja-JP" altLang="en-US" dirty="0"/>
-              <a:t>私的整理</a:t>
+              <a:t>参考</a:t>
             </a:r>
             <a:r>
               <a:rPr lang="en-US" altLang="ja-JP" dirty="0"/>
@@ -10912,7 +10918,7 @@
             </a:r>
             <a:r>
               <a:rPr lang="ja-JP" altLang="en-US" dirty="0"/>
-              <a:t>の事例</a:t>
+              <a:t>内整理の事例</a:t>
             </a:r>
             <a:endParaRPr kumimoji="1" lang="ja-JP" altLang="en-US" dirty="0"/>
           </a:p>
@@ -10977,7 +10983,7 @@
         <p:spPr>
           <a:xfrm>
             <a:off x="838200" y="1112108"/>
-            <a:ext cx="10515600" cy="369332"/>
+            <a:ext cx="10515600" cy="5570756"/>
           </a:xfrm>
           <a:prstGeom prst="rect">
             <a:avLst/>
@@ -10991,14 +10997,165 @@
           <a:lstStyle/>
           <a:p>
             <a:r>
-              <a:rPr kumimoji="1" lang="ja-JP" altLang="en-US" dirty="0"/>
+              <a:rPr kumimoji="1" lang="ja-JP" altLang="en-US" sz="2400" dirty="0"/>
               <a:t>曙ブレーキ工業</a:t>
             </a:r>
             <a:r>
-              <a:rPr kumimoji="1" lang="en-US" altLang="ja-JP" dirty="0"/>
+              <a:rPr kumimoji="1" lang="en-US" altLang="ja-JP" sz="2400" dirty="0"/>
               <a:t>(7238)</a:t>
             </a:r>
-            <a:endParaRPr kumimoji="1" lang="ja-JP" altLang="en-US" dirty="0"/>
+          </a:p>
+          <a:p>
+            <a:r>
+              <a:rPr lang="ja-JP" altLang="en-US" sz="2400" dirty="0"/>
+              <a:t>曙ブレーキ工業は</a:t>
+            </a:r>
+            <a:r>
+              <a:rPr lang="en-US" altLang="ja-JP" sz="2400" dirty="0"/>
+              <a:t>30</a:t>
+            </a:r>
+            <a:r>
+              <a:rPr lang="ja-JP" altLang="en-US" sz="2400" dirty="0"/>
+              <a:t>日、私的整理の一つである事業再生</a:t>
+            </a:r>
+            <a:r>
+              <a:rPr lang="en-US" altLang="ja-JP" sz="2400" dirty="0"/>
+              <a:t>ADR</a:t>
+            </a:r>
+            <a:r>
+              <a:rPr lang="ja-JP" altLang="en-US" sz="2400" dirty="0"/>
+              <a:t>（裁判以外の紛争解決）を使って再建を目指すと発表した。</a:t>
+            </a:r>
+            <a:endParaRPr lang="en-US" altLang="ja-JP" sz="2400" dirty="0"/>
+          </a:p>
+          <a:p>
+            <a:r>
+              <a:rPr lang="en-US" altLang="ja-JP" sz="2400" dirty="0"/>
+              <a:t>(</a:t>
+            </a:r>
+            <a:r>
+              <a:rPr lang="ja-JP" altLang="en-US" sz="2400" dirty="0"/>
+              <a:t>中略</a:t>
+            </a:r>
+            <a:r>
+              <a:rPr lang="en-US" altLang="ja-JP" sz="2400" dirty="0"/>
+              <a:t>)</a:t>
+            </a:r>
+            <a:endParaRPr lang="ja-JP" altLang="en-US" sz="2400" dirty="0"/>
+          </a:p>
+          <a:p>
+            <a:r>
+              <a:rPr lang="en-US" altLang="ja-JP" sz="2400" dirty="0"/>
+              <a:t>1</a:t>
+            </a:r>
+            <a:r>
+              <a:rPr lang="ja-JP" altLang="en-US" sz="2400" dirty="0"/>
+              <a:t>月初め、ある地方銀行が債務の返済を曙ブレーキに強く迫ってきたのが引き金だった。</a:t>
+            </a:r>
+          </a:p>
+          <a:p>
+            <a:endParaRPr kumimoji="1" lang="en-US" altLang="ja-JP" sz="2400" dirty="0"/>
+          </a:p>
+          <a:p>
+            <a:r>
+              <a:rPr lang="ja-JP" altLang="en-US" sz="2400" u="sng" dirty="0"/>
+              <a:t>曙ブレーキは債務超過でもなく、資金繰りに窮しているわけでもない。</a:t>
+            </a:r>
+            <a:r>
+              <a:rPr lang="ja-JP" altLang="en-US" sz="2400" dirty="0"/>
+              <a:t>しかし、ゼロ金利政策で追い込まれている地銀各行にとって、債務返済の延長を訴える曙ブレーキの要求はのめる話ではなかった。</a:t>
+            </a:r>
+            <a:endParaRPr lang="en-US" altLang="ja-JP" sz="2400" dirty="0"/>
+          </a:p>
+          <a:p>
+            <a:r>
+              <a:rPr lang="ja-JP" altLang="en-US" sz="2400" u="sng" dirty="0"/>
+              <a:t>取引のある約</a:t>
+            </a:r>
+            <a:r>
+              <a:rPr lang="en-US" altLang="ja-JP" sz="2400" u="sng" dirty="0"/>
+              <a:t>30</a:t>
+            </a:r>
+            <a:r>
+              <a:rPr lang="ja-JP" altLang="en-US" sz="2400" u="sng" dirty="0"/>
+              <a:t>の地銀が足並みをそろえて債権回収を迫れば曙ブレーキの資金繰りは一気に悪化してしまう。この事態を避けるため</a:t>
+            </a:r>
+            <a:r>
+              <a:rPr lang="ja-JP" altLang="en-US" sz="2400" dirty="0"/>
+              <a:t>、曙ブレーキはメインバンクと協議して</a:t>
+            </a:r>
+            <a:r>
+              <a:rPr lang="en-US" altLang="ja-JP" sz="2400" dirty="0"/>
+              <a:t>ADR</a:t>
+            </a:r>
+            <a:r>
+              <a:rPr lang="ja-JP" altLang="en-US" sz="2400" dirty="0"/>
+              <a:t>を申請することを決めた。</a:t>
+            </a:r>
+            <a:endParaRPr lang="en-US" altLang="ja-JP" sz="2400" dirty="0"/>
+          </a:p>
+          <a:p>
+            <a:endParaRPr lang="en-US" altLang="ja-JP" sz="2400" dirty="0"/>
+          </a:p>
+          <a:p>
+            <a:pPr algn="r"/>
+            <a:r>
+              <a:rPr lang="en-US" altLang="ja-JP" sz="2000" dirty="0"/>
+              <a:t>(</a:t>
+            </a:r>
+            <a:r>
+              <a:rPr lang="ja-JP" altLang="en-US" sz="2000" dirty="0"/>
+              <a:t>日経新聞電子版 </a:t>
+            </a:r>
+            <a:r>
+              <a:rPr lang="en-US" altLang="ja-JP" sz="2000" dirty="0"/>
+              <a:t>2019</a:t>
+            </a:r>
+            <a:r>
+              <a:rPr lang="ja-JP" altLang="en-US" sz="2000" dirty="0"/>
+              <a:t>年</a:t>
+            </a:r>
+            <a:r>
+              <a:rPr lang="en-US" altLang="ja-JP" sz="2000" dirty="0"/>
+              <a:t>1</a:t>
+            </a:r>
+            <a:r>
+              <a:rPr lang="ja-JP" altLang="en-US" sz="2000" dirty="0"/>
+              <a:t>月</a:t>
+            </a:r>
+            <a:r>
+              <a:rPr lang="en-US" altLang="ja-JP" sz="2000" dirty="0"/>
+              <a:t>30</a:t>
+            </a:r>
+            <a:r>
+              <a:rPr lang="ja-JP" altLang="en-US" sz="2000" dirty="0"/>
+              <a:t>日付、曙ブレーキ、</a:t>
+            </a:r>
+            <a:r>
+              <a:rPr lang="en-US" altLang="ja-JP" sz="2000" dirty="0"/>
+              <a:t>ADR</a:t>
+            </a:r>
+            <a:r>
+              <a:rPr lang="ja-JP" altLang="en-US" sz="2000" dirty="0"/>
+              <a:t>申請　</a:t>
+            </a:r>
+            <a:r>
+              <a:rPr lang="en-US" altLang="ja-JP" sz="2000" dirty="0"/>
+              <a:t>CASE</a:t>
+            </a:r>
+            <a:r>
+              <a:rPr lang="ja-JP" altLang="en-US" sz="2000" dirty="0"/>
+              <a:t>で綻ぶケイレツより引用</a:t>
+            </a:r>
+            <a:r>
+              <a:rPr lang="en-US" altLang="ja-JP" sz="2000" dirty="0"/>
+              <a:t>)</a:t>
+            </a:r>
+            <a:r>
+              <a:rPr lang="ja-JP" altLang="en-US" sz="2000" dirty="0"/>
+              <a:t> </a:t>
+            </a:r>
+            <a:endParaRPr lang="en-US" altLang="ja-JP" sz="2000" dirty="0"/>
           </a:p>
         </p:txBody>
       </p:sp>
@@ -11962,8 +12119,8 @@
         </p:nvSpPr>
         <p:spPr>
           <a:xfrm>
-            <a:off x="838200" y="0"/>
-            <a:ext cx="10515600" cy="746983"/>
+            <a:off x="914400" y="0"/>
+            <a:ext cx="10515600" cy="1291268"/>
           </a:xfrm>
         </p:spPr>
         <p:txBody>
@@ -11974,9 +12131,16 @@
           <a:p>
             <a:r>
               <a:rPr lang="ja-JP" altLang="en-US" dirty="0"/>
-              <a:t>対象とする年代について</a:t>
-            </a:r>
-            <a:endParaRPr kumimoji="1" lang="ja-JP" altLang="en-US" dirty="0"/>
+              <a:t>問題点</a:t>
+            </a:r>
+            <a:r>
+              <a:rPr lang="en-US" altLang="ja-JP" dirty="0"/>
+              <a:t>#1</a:t>
+            </a:r>
+            <a:r>
+              <a:rPr lang="ja-JP" altLang="en-US" dirty="0"/>
+              <a:t>　カネボウ</a:t>
+            </a:r>
           </a:p>
         </p:txBody>
       </p:sp>
@@ -11998,8 +12162,8 @@
         </p:nvSpPr>
         <p:spPr>
           <a:xfrm>
-            <a:off x="838200" y="746983"/>
-            <a:ext cx="10515600" cy="5642919"/>
+            <a:off x="718457" y="1502229"/>
+            <a:ext cx="10929257" cy="4887673"/>
           </a:xfrm>
         </p:spPr>
         <p:txBody>
@@ -12008,108 +12172,116 @@
           </a:bodyPr>
           <a:lstStyle/>
           <a:p>
-            <a:r>
-              <a:rPr lang="ja-JP" altLang="en-US" dirty="0"/>
-              <a:t>なぜ</a:t>
-            </a:r>
-            <a:r>
-              <a:rPr lang="en-US" altLang="ja-JP" dirty="0"/>
-              <a:t>2000</a:t>
-            </a:r>
-            <a:r>
-              <a:rPr lang="ja-JP" altLang="en-US" dirty="0"/>
-              <a:t>年</a:t>
-            </a:r>
-            <a:r>
-              <a:rPr lang="en-US" altLang="ja-JP" dirty="0"/>
-              <a:t>4</a:t>
-            </a:r>
-            <a:r>
-              <a:rPr lang="ja-JP" altLang="en-US" dirty="0"/>
-              <a:t>月以降なのか</a:t>
-            </a:r>
-            <a:endParaRPr lang="en-US" altLang="ja-JP" dirty="0"/>
-          </a:p>
-          <a:p>
             <a:pPr marL="0" indent="0">
               <a:buNone/>
             </a:pPr>
             <a:r>
-              <a:rPr lang="ja-JP" altLang="en-US" dirty="0"/>
-              <a:t>　</a:t>
-            </a:r>
-            <a:r>
               <a:rPr lang="en-US" altLang="ja-JP" dirty="0"/>
-              <a:t>2000</a:t>
-            </a:r>
-            <a:r>
-              <a:rPr lang="ja-JP" altLang="en-US" dirty="0"/>
+              <a:t>(</a:t>
+            </a:r>
+            <a:r>
+              <a:rPr lang="ja-JP" altLang="en-US" dirty="0"/>
+              <a:t>旧</a:t>
+            </a:r>
+            <a:r>
+              <a:rPr lang="en-US" altLang="ja-JP" dirty="0"/>
+              <a:t>)</a:t>
+            </a:r>
+            <a:r>
+              <a:rPr lang="ja-JP" altLang="en-US" dirty="0"/>
+              <a:t>カネボウは</a:t>
+            </a:r>
+            <a:r>
+              <a:rPr lang="en-US" altLang="ja-JP" dirty="0"/>
+              <a:t>2001</a:t>
+            </a:r>
+            <a:r>
+              <a:rPr lang="ja-JP" altLang="en-US" dirty="0"/>
+              <a:t>年度から粉飾決算を繰り返し、</a:t>
+            </a:r>
+            <a:r>
+              <a:rPr lang="en-US" altLang="ja-JP" dirty="0"/>
+              <a:t>2003</a:t>
+            </a:r>
+            <a:r>
+              <a:rPr lang="ja-JP" altLang="en-US" dirty="0"/>
+              <a:t>年度決算で</a:t>
+            </a:r>
+            <a:r>
+              <a:rPr lang="en-US" altLang="ja-JP" dirty="0"/>
+              <a:t>3553</a:t>
+            </a:r>
+            <a:r>
+              <a:rPr lang="ja-JP" altLang="en-US" dirty="0"/>
+              <a:t>億円にも及ぶ債務超過に陥った。その後 </a:t>
+            </a:r>
+            <a:r>
+              <a:rPr lang="en-US" altLang="ja-JP" dirty="0">
+                <a:solidFill>
+                  <a:srgbClr val="FFC000"/>
+                </a:solidFill>
+              </a:rPr>
+              <a:t>2005</a:t>
+            </a:r>
+            <a:r>
+              <a:rPr lang="ja-JP" altLang="en-US" dirty="0">
+                <a:solidFill>
+                  <a:srgbClr val="FFC000"/>
+                </a:solidFill>
+              </a:rPr>
               <a:t>年</a:t>
             </a:r>
             <a:r>
-              <a:rPr lang="en-US" altLang="ja-JP" dirty="0"/>
-              <a:t>4</a:t>
-            </a:r>
-            <a:r>
-              <a:rPr lang="ja-JP" altLang="en-US" dirty="0"/>
-              <a:t>月に民事再生法が施行され、和議法が廃止された。</a:t>
-            </a:r>
-            <a:endParaRPr lang="en-US" altLang="ja-JP" dirty="0"/>
-          </a:p>
-          <a:p>
-            <a:pPr marL="0" indent="0">
-              <a:buNone/>
-            </a:pPr>
-            <a:br>
-              <a:rPr lang="en-US" altLang="ja-JP" dirty="0"/>
-            </a:br>
-            <a:r>
-              <a:rPr lang="en-US" altLang="ja-JP" dirty="0"/>
-              <a:t>2000</a:t>
-            </a:r>
-            <a:r>
-              <a:rPr lang="ja-JP" altLang="en-US" dirty="0"/>
-              <a:t>年</a:t>
-            </a:r>
-            <a:r>
-              <a:rPr lang="en-US" altLang="ja-JP" dirty="0"/>
-              <a:t>4</a:t>
-            </a:r>
-            <a:r>
-              <a:rPr lang="ja-JP" altLang="en-US" dirty="0"/>
-              <a:t>月以前は殆どの企業は法的整理により再建を目指す場合。会社更生法により会社の再建を目指すことが多かった。</a:t>
-            </a:r>
-            <a:endParaRPr lang="en-US" altLang="ja-JP" dirty="0"/>
-          </a:p>
-          <a:p>
-            <a:pPr marL="0" indent="0" algn="ctr">
-              <a:buNone/>
-            </a:pPr>
-            <a:r>
-              <a:rPr lang="ja-JP" altLang="en-US" dirty="0"/>
-              <a:t>しかし</a:t>
-            </a:r>
-            <a:endParaRPr lang="en-US" altLang="ja-JP" dirty="0"/>
-          </a:p>
-          <a:p>
-            <a:pPr marL="0" indent="0">
-              <a:buNone/>
-            </a:pPr>
-            <a:r>
-              <a:rPr lang="en-US" altLang="ja-JP" dirty="0"/>
-              <a:t>2000</a:t>
-            </a:r>
-            <a:r>
-              <a:rPr lang="ja-JP" altLang="en-US" dirty="0"/>
-              <a:t>年</a:t>
-            </a:r>
-            <a:r>
-              <a:rPr lang="en-US" altLang="ja-JP" dirty="0"/>
-              <a:t>4</a:t>
-            </a:r>
-            <a:r>
-              <a:rPr lang="ja-JP" altLang="en-US" dirty="0"/>
-              <a:t>月以降は使い勝手のよい民事再生手続きを用いて、会社の状況がより悪化する前から再建を目指すケースが多く見られた。</a:t>
+              <a:rPr lang="en-US" altLang="ja-JP" dirty="0">
+                <a:solidFill>
+                  <a:srgbClr val="FFC000"/>
+                </a:solidFill>
+              </a:rPr>
+              <a:t>6</a:t>
+            </a:r>
+            <a:r>
+              <a:rPr lang="ja-JP" altLang="en-US" dirty="0">
+                <a:solidFill>
+                  <a:srgbClr val="FFC000"/>
+                </a:solidFill>
+              </a:rPr>
+              <a:t>月</a:t>
+            </a:r>
+            <a:r>
+              <a:rPr lang="en-US" altLang="ja-JP" dirty="0">
+                <a:solidFill>
+                  <a:srgbClr val="FFC000"/>
+                </a:solidFill>
+              </a:rPr>
+              <a:t>13</a:t>
+            </a:r>
+            <a:r>
+              <a:rPr lang="ja-JP" altLang="en-US" dirty="0">
+                <a:solidFill>
+                  <a:srgbClr val="FFC000"/>
+                </a:solidFill>
+              </a:rPr>
+              <a:t>日に東京証券取引所を</a:t>
+            </a:r>
+            <a:r>
+              <a:rPr lang="ja-JP" altLang="en-US" u="sng" dirty="0">
+                <a:solidFill>
+                  <a:srgbClr val="FFC000"/>
+                </a:solidFill>
+              </a:rPr>
+              <a:t>有価証券報告書の虚偽記載により</a:t>
+            </a:r>
+            <a:r>
+              <a:rPr lang="ja-JP" altLang="en-US" dirty="0">
+                <a:solidFill>
+                  <a:srgbClr val="FFC000"/>
+                </a:solidFill>
+              </a:rPr>
+              <a:t>上場廃止</a:t>
+            </a:r>
+            <a:r>
+              <a:rPr lang="ja-JP" altLang="en-US" dirty="0"/>
+              <a:t>となった。</a:t>
             </a:r>
             <a:endParaRPr lang="en-US" altLang="ja-JP" dirty="0"/>
           </a:p>
@@ -12125,22 +12297,389 @@
             </a:pPr>
             <a:r>
               <a:rPr lang="ja-JP" altLang="en-US" dirty="0"/>
-              <a:t>よって、今後の会社倒産にも対応できるモデル構築を目指すためにも民事再生法施行以後の企業のみを対象とした。</a:t>
+              <a:t>上場廃止後には、化粧品部門を花王へ売却</a:t>
+            </a:r>
+            <a:r>
+              <a:rPr lang="en-US" altLang="ja-JP" dirty="0"/>
+              <a:t>(</a:t>
+            </a:r>
+            <a:r>
+              <a:rPr lang="ja-JP" altLang="en-US" dirty="0"/>
+              <a:t>現在の花王子会社のカネボウ化粧品</a:t>
+            </a:r>
+            <a:r>
+              <a:rPr lang="en-US" altLang="ja-JP" dirty="0"/>
+              <a:t>)</a:t>
+            </a:r>
+            <a:r>
+              <a:rPr lang="ja-JP" altLang="en-US" dirty="0"/>
+              <a:t>。他の部門はクラシエ</a:t>
+            </a:r>
+            <a:r>
+              <a:rPr lang="en-US" altLang="ja-JP" dirty="0"/>
+              <a:t>HD(</a:t>
+            </a:r>
+            <a:r>
+              <a:rPr lang="ja-JP" altLang="en-US" dirty="0"/>
+              <a:t>現在朋友</a:t>
+            </a:r>
+            <a:r>
+              <a:rPr lang="en-US" altLang="ja-JP" dirty="0"/>
+              <a:t>HD</a:t>
+            </a:r>
+            <a:r>
+              <a:rPr lang="ja-JP" altLang="en-US" dirty="0"/>
+              <a:t>傘下</a:t>
+            </a:r>
+            <a:r>
+              <a:rPr lang="en-US" altLang="ja-JP" dirty="0"/>
+              <a:t>)</a:t>
+            </a:r>
+            <a:r>
+              <a:rPr lang="ja-JP" altLang="en-US" dirty="0"/>
+              <a:t>が承継した。</a:t>
             </a:r>
             <a:endParaRPr lang="en-US" altLang="ja-JP" dirty="0"/>
+          </a:p>
+          <a:p>
+            <a:pPr marL="0" indent="0">
+              <a:buNone/>
+            </a:pPr>
+            <a:r>
+              <a:rPr lang="ja-JP" altLang="en-US" dirty="0"/>
+              <a:t>そして、</a:t>
+            </a:r>
+            <a:r>
+              <a:rPr lang="en-US" altLang="ja-JP" dirty="0"/>
+              <a:t>(</a:t>
+            </a:r>
+            <a:r>
+              <a:rPr lang="ja-JP" altLang="en-US" dirty="0"/>
+              <a:t>旧</a:t>
+            </a:r>
+            <a:r>
+              <a:rPr lang="en-US" altLang="ja-JP" dirty="0"/>
+              <a:t>)</a:t>
+            </a:r>
+            <a:r>
+              <a:rPr lang="ja-JP" altLang="en-US" dirty="0"/>
+              <a:t>カネボウ本体は</a:t>
+            </a:r>
+            <a:r>
+              <a:rPr lang="en-US" altLang="ja-JP" dirty="0">
+                <a:solidFill>
+                  <a:srgbClr val="00B050"/>
+                </a:solidFill>
+              </a:rPr>
+              <a:t>2007</a:t>
+            </a:r>
+            <a:r>
+              <a:rPr lang="ja-JP" altLang="en-US" dirty="0">
+                <a:solidFill>
+                  <a:srgbClr val="00B050"/>
+                </a:solidFill>
+              </a:rPr>
+              <a:t>年</a:t>
+            </a:r>
+            <a:r>
+              <a:rPr lang="en-US" altLang="ja-JP" dirty="0">
+                <a:solidFill>
+                  <a:srgbClr val="00B050"/>
+                </a:solidFill>
+              </a:rPr>
+              <a:t>6</a:t>
+            </a:r>
+            <a:r>
+              <a:rPr lang="ja-JP" altLang="en-US" dirty="0">
+                <a:solidFill>
+                  <a:srgbClr val="00B050"/>
+                </a:solidFill>
+              </a:rPr>
+              <a:t>月</a:t>
+            </a:r>
+            <a:r>
+              <a:rPr lang="en-US" altLang="ja-JP" dirty="0">
+                <a:solidFill>
+                  <a:srgbClr val="00B050"/>
+                </a:solidFill>
+              </a:rPr>
+              <a:t>30</a:t>
+            </a:r>
+            <a:r>
+              <a:rPr lang="ja-JP" altLang="en-US" dirty="0">
+                <a:solidFill>
+                  <a:srgbClr val="00B050"/>
+                </a:solidFill>
+              </a:rPr>
+              <a:t>日に解散決議</a:t>
+            </a:r>
+            <a:r>
+              <a:rPr lang="ja-JP" altLang="en-US" dirty="0"/>
+              <a:t>をし、同時に清算会社として海岸ベルマネジメント株式会社（かいがんベルマネジメント）に商号変更。</a:t>
+            </a:r>
+            <a:r>
+              <a:rPr lang="en-US" altLang="ja-JP" dirty="0"/>
+              <a:t>2008</a:t>
+            </a:r>
+            <a:r>
+              <a:rPr lang="ja-JP" altLang="en-US" dirty="0"/>
+              <a:t>年</a:t>
+            </a:r>
+            <a:r>
+              <a:rPr lang="en-US" altLang="ja-JP" dirty="0"/>
+              <a:t>11</a:t>
+            </a:r>
+            <a:r>
+              <a:rPr lang="ja-JP" altLang="en-US" dirty="0"/>
+              <a:t>月</a:t>
+            </a:r>
+            <a:r>
+              <a:rPr lang="en-US" altLang="ja-JP" dirty="0"/>
+              <a:t>11</a:t>
+            </a:r>
+            <a:r>
+              <a:rPr lang="ja-JP" altLang="en-US" dirty="0"/>
+              <a:t>日、トリニティ・インベストメント株式会社に清算目的で吸収合併されて消滅した。 </a:t>
+            </a:r>
+            <a:endParaRPr lang="en-US" altLang="ja-JP" dirty="0"/>
+          </a:p>
+        </p:txBody>
+      </p:sp>
+      <p:sp>
+        <p:nvSpPr>
+          <p:cNvPr id="4" name="矢印: 上下 3">
+            <a:extLst>
+              <a:ext uri="{FF2B5EF4-FFF2-40B4-BE49-F238E27FC236}">
+                <a16:creationId xmlns:a16="http://schemas.microsoft.com/office/drawing/2014/main" id="{152B08C5-9772-4B7C-864A-0790E2417E45}"/>
+              </a:ext>
+            </a:extLst>
+          </p:cNvPr>
+          <p:cNvSpPr/>
+          <p:nvPr/>
+        </p:nvSpPr>
+        <p:spPr>
+          <a:xfrm rot="2124184">
+            <a:off x="6918583" y="2035426"/>
+            <a:ext cx="848139" cy="2787148"/>
+          </a:xfrm>
+          <a:prstGeom prst="upDownArrow">
+            <a:avLst/>
+          </a:prstGeom>
+        </p:spPr>
+        <p:style>
+          <a:lnRef idx="0">
+            <a:schemeClr val="accent3"/>
+          </a:lnRef>
+          <a:fillRef idx="3">
+            <a:schemeClr val="accent3"/>
+          </a:fillRef>
+          <a:effectRef idx="3">
+            <a:schemeClr val="accent3"/>
+          </a:effectRef>
+          <a:fontRef idx="minor">
+            <a:schemeClr val="lt1"/>
+          </a:fontRef>
+        </p:style>
+        <p:txBody>
+          <a:bodyPr rtlCol="0" anchor="ctr"/>
+          <a:lstStyle/>
+          <a:p>
+            <a:pPr algn="ctr"/>
+            <a:endParaRPr kumimoji="1" lang="ja-JP" altLang="en-US" dirty="0"/>
+          </a:p>
+        </p:txBody>
+      </p:sp>
+      <p:sp>
+        <p:nvSpPr>
+          <p:cNvPr id="5" name="正方形/長方形 4">
+            <a:extLst>
+              <a:ext uri="{FF2B5EF4-FFF2-40B4-BE49-F238E27FC236}">
+                <a16:creationId xmlns:a16="http://schemas.microsoft.com/office/drawing/2014/main" id="{38754546-27EB-4F61-9823-308A5CF37727}"/>
+              </a:ext>
+            </a:extLst>
+          </p:cNvPr>
+          <p:cNvSpPr/>
+          <p:nvPr/>
+        </p:nvSpPr>
+        <p:spPr>
+          <a:xfrm>
+            <a:off x="8282609" y="3240156"/>
+            <a:ext cx="2425148" cy="993914"/>
+          </a:xfrm>
+          <a:prstGeom prst="rect">
+            <a:avLst/>
+          </a:prstGeom>
+        </p:spPr>
+        <p:style>
+          <a:lnRef idx="0">
+            <a:schemeClr val="accent3"/>
+          </a:lnRef>
+          <a:fillRef idx="3">
+            <a:schemeClr val="accent3"/>
+          </a:fillRef>
+          <a:effectRef idx="3">
+            <a:schemeClr val="accent3"/>
+          </a:effectRef>
+          <a:fontRef idx="minor">
+            <a:schemeClr val="lt1"/>
+          </a:fontRef>
+        </p:style>
+        <p:txBody>
+          <a:bodyPr rtlCol="0" anchor="ctr"/>
+          <a:lstStyle/>
+          <a:p>
+            <a:pPr algn="ctr"/>
+            <a:r>
+              <a:rPr kumimoji="1" lang="ja-JP" altLang="en-US" sz="2400" dirty="0"/>
+              <a:t>上場廃止から</a:t>
+            </a:r>
+            <a:endParaRPr kumimoji="1" lang="en-US" altLang="ja-JP" sz="2400" dirty="0"/>
+          </a:p>
+          <a:p>
+            <a:pPr algn="ctr"/>
+            <a:r>
+              <a:rPr kumimoji="1" lang="en-US" altLang="ja-JP" sz="2400" dirty="0"/>
+              <a:t>2</a:t>
+            </a:r>
+            <a:r>
+              <a:rPr kumimoji="1" lang="ja-JP" altLang="en-US" sz="2400" dirty="0"/>
+              <a:t>年の差がある</a:t>
+            </a:r>
           </a:p>
         </p:txBody>
       </p:sp>
     </p:spTree>
     <p:extLst>
       <p:ext uri="{BB962C8B-B14F-4D97-AF65-F5344CB8AC3E}">
-        <p14:creationId xmlns:p14="http://schemas.microsoft.com/office/powerpoint/2010/main" val="3080708488"/>
+        <p14:creationId xmlns:p14="http://schemas.microsoft.com/office/powerpoint/2010/main" val="702086579"/>
       </p:ext>
     </p:extLst>
   </p:cSld>
   <p:clrMapOvr>
     <a:masterClrMapping/>
   </p:clrMapOvr>
+  <p:timing>
+    <p:tnLst>
+      <p:par>
+        <p:cTn id="1" dur="indefinite" restart="never" nodeType="tmRoot">
+          <p:childTnLst>
+            <p:seq concurrent="1" nextAc="seek">
+              <p:cTn id="2" dur="indefinite" nodeType="mainSeq">
+                <p:childTnLst>
+                  <p:par>
+                    <p:cTn id="3" fill="hold">
+                      <p:stCondLst>
+                        <p:cond delay="indefinite"/>
+                      </p:stCondLst>
+                      <p:childTnLst>
+                        <p:par>
+                          <p:cTn id="4" fill="hold">
+                            <p:stCondLst>
+                              <p:cond delay="0"/>
+                            </p:stCondLst>
+                            <p:childTnLst>
+                              <p:par>
+                                <p:cTn id="5" presetID="10" presetClass="entr" presetSubtype="0" fill="hold" grpId="0" nodeType="clickEffect">
+                                  <p:stCondLst>
+                                    <p:cond delay="0"/>
+                                  </p:stCondLst>
+                                  <p:childTnLst>
+                                    <p:set>
+                                      <p:cBhvr>
+                                        <p:cTn id="6" dur="1" fill="hold">
+                                          <p:stCondLst>
+                                            <p:cond delay="0"/>
+                                          </p:stCondLst>
+                                        </p:cTn>
+                                        <p:tgtEl>
+                                          <p:spTgt spid="4"/>
+                                        </p:tgtEl>
+                                        <p:attrNameLst>
+                                          <p:attrName>style.visibility</p:attrName>
+                                        </p:attrNameLst>
+                                      </p:cBhvr>
+                                      <p:to>
+                                        <p:strVal val="visible"/>
+                                      </p:to>
+                                    </p:set>
+                                    <p:animEffect transition="in" filter="fade">
+                                      <p:cBhvr>
+                                        <p:cTn id="7" dur="500"/>
+                                        <p:tgtEl>
+                                          <p:spTgt spid="4"/>
+                                        </p:tgtEl>
+                                      </p:cBhvr>
+                                    </p:animEffect>
+                                  </p:childTnLst>
+                                </p:cTn>
+                              </p:par>
+                              <p:par>
+                                <p:cTn id="8" presetID="10" presetClass="entr" presetSubtype="0" fill="hold" grpId="0" nodeType="withEffect">
+                                  <p:stCondLst>
+                                    <p:cond delay="0"/>
+                                  </p:stCondLst>
+                                  <p:childTnLst>
+                                    <p:set>
+                                      <p:cBhvr>
+                                        <p:cTn id="9" dur="1" fill="hold">
+                                          <p:stCondLst>
+                                            <p:cond delay="0"/>
+                                          </p:stCondLst>
+                                        </p:cTn>
+                                        <p:tgtEl>
+                                          <p:spTgt spid="5"/>
+                                        </p:tgtEl>
+                                        <p:attrNameLst>
+                                          <p:attrName>style.visibility</p:attrName>
+                                        </p:attrNameLst>
+                                      </p:cBhvr>
+                                      <p:to>
+                                        <p:strVal val="visible"/>
+                                      </p:to>
+                                    </p:set>
+                                    <p:animEffect transition="in" filter="fade">
+                                      <p:cBhvr>
+                                        <p:cTn id="10" dur="500"/>
+                                        <p:tgtEl>
+                                          <p:spTgt spid="5"/>
+                                        </p:tgtEl>
+                                      </p:cBhvr>
+                                    </p:animEffect>
+                                  </p:childTnLst>
+                                </p:cTn>
+                              </p:par>
+                            </p:childTnLst>
+                          </p:cTn>
+                        </p:par>
+                      </p:childTnLst>
+                    </p:cTn>
+                  </p:par>
+                </p:childTnLst>
+              </p:cTn>
+              <p:prevCondLst>
+                <p:cond evt="onPrev" delay="0">
+                  <p:tgtEl>
+                    <p:sldTgt/>
+                  </p:tgtEl>
+                </p:cond>
+              </p:prevCondLst>
+              <p:nextCondLst>
+                <p:cond evt="onNext" delay="0">
+                  <p:tgtEl>
+                    <p:sldTgt/>
+                  </p:tgtEl>
+                </p:cond>
+              </p:nextCondLst>
+            </p:seq>
+          </p:childTnLst>
+        </p:cTn>
+      </p:par>
+    </p:tnLst>
+    <p:bldLst>
+      <p:bldP spid="4" grpId="0" animBg="1"/>
+      <p:bldP spid="5" grpId="0" animBg="1"/>
+    </p:bldLst>
+  </p:timing>
 </p:sld>
 </file>
 
@@ -12166,7 +12705,7 @@
           <p:cNvPr id="2" name="タイトル 1">
             <a:extLst>
               <a:ext uri="{FF2B5EF4-FFF2-40B4-BE49-F238E27FC236}">
-                <a16:creationId xmlns:a16="http://schemas.microsoft.com/office/drawing/2014/main" id="{A0221AC4-50DA-4E6B-9BA7-8A3BDEE0EA4C}"/>
+                <a16:creationId xmlns:a16="http://schemas.microsoft.com/office/drawing/2014/main" id="{84E76098-5ABF-4709-A130-78345D6144C6}"/>
               </a:ext>
             </a:extLst>
           </p:cNvPr>
@@ -12177,14 +12716,35 @@
             <p:ph type="title"/>
           </p:nvPr>
         </p:nvSpPr>
-        <p:spPr/>
+        <p:spPr>
+          <a:xfrm>
+            <a:off x="838200" y="365125"/>
+            <a:ext cx="10515600" cy="746983"/>
+          </a:xfrm>
+        </p:spPr>
         <p:txBody>
           <a:bodyPr/>
           <a:lstStyle/>
           <a:p>
             <a:r>
+              <a:rPr kumimoji="1" lang="en-US" altLang="ja-JP" dirty="0"/>
+              <a:t>(</a:t>
+            </a:r>
+            <a:r>
               <a:rPr kumimoji="1" lang="ja-JP" altLang="en-US" dirty="0"/>
-              <a:t>対象とする情報</a:t>
+              <a:t>再</a:t>
+            </a:r>
+            <a:r>
+              <a:rPr lang="ja-JP" altLang="en-US" dirty="0"/>
+              <a:t>表示</a:t>
+            </a:r>
+            <a:r>
+              <a:rPr lang="en-US" altLang="ja-JP" dirty="0"/>
+              <a:t>)</a:t>
+            </a:r>
+            <a:r>
+              <a:rPr kumimoji="1" lang="ja-JP" altLang="en-US" dirty="0"/>
+              <a:t>倒産の定義を決定</a:t>
             </a:r>
           </a:p>
         </p:txBody>
@@ -12194,7 +12754,7 @@
           <p:cNvPr id="3" name="コンテンツ プレースホルダー 2">
             <a:extLst>
               <a:ext uri="{FF2B5EF4-FFF2-40B4-BE49-F238E27FC236}">
-                <a16:creationId xmlns:a16="http://schemas.microsoft.com/office/drawing/2014/main" id="{2B24CA91-8E81-4A08-87D5-485ADA5005B8}"/>
+                <a16:creationId xmlns:a16="http://schemas.microsoft.com/office/drawing/2014/main" id="{6542FA18-B0BE-4A9A-A81C-6917BCE2D0B7}"/>
               </a:ext>
             </a:extLst>
           </p:cNvPr>
@@ -12205,56 +12765,69 @@
             <p:ph idx="1"/>
           </p:nvPr>
         </p:nvSpPr>
-        <p:spPr/>
+        <p:spPr>
+          <a:xfrm>
+            <a:off x="838200" y="1112108"/>
+            <a:ext cx="10515600" cy="5064855"/>
+          </a:xfrm>
+        </p:spPr>
         <p:txBody>
           <a:bodyPr/>
           <a:lstStyle/>
           <a:p>
-            <a:r>
-              <a:rPr kumimoji="1" lang="ja-JP" altLang="en-US" dirty="0"/>
-              <a:t>倒産までの直近</a:t>
-            </a:r>
-            <a:r>
-              <a:rPr kumimoji="1" lang="en-US" altLang="ja-JP" dirty="0"/>
-              <a:t>10</a:t>
-            </a:r>
-            <a:r>
-              <a:rPr kumimoji="1" lang="ja-JP" altLang="en-US" dirty="0"/>
-              <a:t>年分の貸借対照表</a:t>
-            </a:r>
-            <a:r>
-              <a:rPr kumimoji="1" lang="en-US" altLang="ja-JP" dirty="0"/>
-              <a:t>(B/S),</a:t>
-            </a:r>
-            <a:r>
-              <a:rPr kumimoji="1" lang="ja-JP" altLang="en-US" dirty="0"/>
-              <a:t>損益計算書</a:t>
-            </a:r>
-            <a:r>
-              <a:rPr kumimoji="1" lang="en-US" altLang="ja-JP" dirty="0"/>
-              <a:t>(P/L),</a:t>
-            </a:r>
-            <a:r>
-              <a:rPr kumimoji="1" lang="ja-JP" altLang="en-US" dirty="0"/>
-              <a:t>キャッシュ・フロー計算書</a:t>
-            </a:r>
-            <a:r>
-              <a:rPr kumimoji="1" lang="en-US" altLang="ja-JP" dirty="0"/>
-              <a:t>(C/F),</a:t>
-            </a:r>
-            <a:r>
-              <a:rPr kumimoji="1" lang="ja-JP" altLang="en-US" dirty="0"/>
-              <a:t>株主資本等変動計算書</a:t>
-            </a:r>
-            <a:r>
-              <a:rPr kumimoji="1" lang="en-US" altLang="ja-JP" dirty="0"/>
-              <a:t>(S/S)</a:t>
-            </a:r>
-          </a:p>
-          <a:p>
             <a:pPr marL="0" indent="0">
               <a:buNone/>
             </a:pPr>
+            <a:r>
+              <a:rPr lang="ja-JP" altLang="en-US" dirty="0"/>
+              <a:t>以上を踏まえて、倒産の定義を</a:t>
+            </a:r>
+            <a:endParaRPr lang="en-US" altLang="ja-JP" dirty="0"/>
+          </a:p>
+          <a:p>
+            <a:r>
+              <a:rPr lang="ja-JP" altLang="en-US" dirty="0"/>
+              <a:t>会社更生法手続きを行った企業</a:t>
+            </a:r>
+            <a:endParaRPr lang="en-US" altLang="ja-JP" dirty="0"/>
+          </a:p>
+          <a:p>
+            <a:r>
+              <a:rPr lang="ja-JP" altLang="en-US" dirty="0"/>
+              <a:t>民事再生法手続きを行った企業</a:t>
+            </a:r>
+            <a:endParaRPr lang="en-US" altLang="ja-JP" dirty="0"/>
+          </a:p>
+          <a:p>
+            <a:r>
+              <a:rPr lang="ja-JP" altLang="en-US" dirty="0"/>
+              <a:t>破産手続きを行った企業</a:t>
+            </a:r>
+            <a:endParaRPr lang="en-US" altLang="ja-JP" dirty="0"/>
+          </a:p>
+          <a:p>
+            <a:r>
+              <a:rPr lang="ja-JP" altLang="en-US" dirty="0"/>
+              <a:t>特別清算手続きを行った企業</a:t>
+            </a:r>
+            <a:endParaRPr lang="en-US" altLang="ja-JP" dirty="0"/>
+          </a:p>
+          <a:p>
+            <a:r>
+              <a:rPr lang="ja-JP" altLang="en-US" dirty="0"/>
+              <a:t>銀行取引処分を受けてから</a:t>
+            </a:r>
+            <a:r>
+              <a:rPr lang="en-US" altLang="ja-JP" dirty="0"/>
+              <a:t>12</a:t>
+            </a:r>
+            <a:r>
+              <a:rPr lang="ja-JP" altLang="en-US" dirty="0"/>
+              <a:t>ヶ月以内に法的整理の手続きを行った企業</a:t>
+            </a:r>
+            <a:endParaRPr lang="en-US" altLang="ja-JP" dirty="0"/>
+          </a:p>
+          <a:p>
             <a:endParaRPr lang="en-US" altLang="ja-JP" dirty="0"/>
           </a:p>
           <a:p>
@@ -12262,61 +12835,15 @@
               <a:buNone/>
             </a:pPr>
             <a:r>
-              <a:rPr lang="en-US" altLang="ja-JP" dirty="0"/>
-              <a:t>※</a:t>
-            </a:r>
-            <a:r>
-              <a:rPr lang="ja-JP" altLang="en-US" dirty="0"/>
-              <a:t>但し</a:t>
-            </a:r>
-            <a:r>
-              <a:rPr lang="en-US" altLang="ja-JP" dirty="0"/>
-              <a:t>C/F</a:t>
-            </a:r>
-            <a:r>
-              <a:rPr lang="ja-JP" altLang="en-US" dirty="0"/>
-              <a:t>は</a:t>
-            </a:r>
-            <a:r>
-              <a:rPr lang="en-US" altLang="ja-JP" dirty="0"/>
-              <a:t>2000</a:t>
-            </a:r>
-            <a:r>
-              <a:rPr lang="ja-JP" altLang="en-US" dirty="0"/>
-              <a:t>年</a:t>
-            </a:r>
-            <a:r>
-              <a:rPr lang="en-US" altLang="ja-JP" dirty="0"/>
-              <a:t>3</a:t>
-            </a:r>
-            <a:r>
-              <a:rPr lang="ja-JP" altLang="en-US" dirty="0"/>
-              <a:t>月期から作成が義務づけ、</a:t>
-            </a:r>
-            <a:r>
-              <a:rPr lang="en-US" altLang="ja-JP" dirty="0"/>
-              <a:t>S/S</a:t>
-            </a:r>
-            <a:r>
-              <a:rPr lang="ja-JP" altLang="en-US" dirty="0"/>
-              <a:t>は</a:t>
-            </a:r>
-            <a:r>
-              <a:rPr lang="en-US" altLang="ja-JP" dirty="0"/>
-              <a:t>2006</a:t>
-            </a:r>
-            <a:r>
-              <a:rPr lang="ja-JP" altLang="en-US" dirty="0"/>
-              <a:t>年</a:t>
-            </a:r>
-            <a:r>
-              <a:rPr lang="en-US" altLang="ja-JP" dirty="0"/>
-              <a:t>5</a:t>
-            </a:r>
-            <a:r>
-              <a:rPr lang="ja-JP" altLang="en-US" dirty="0"/>
-              <a:t>月期から作成が義務づけられたため、それ以前の期間については対象にできない</a:t>
-            </a:r>
+              <a:rPr lang="ja-JP" altLang="en-US" dirty="0"/>
+              <a:t>以後“倒産“という場合にはこれらの企業を指す</a:t>
+            </a:r>
+            <a:endParaRPr lang="en-US" altLang="ja-JP" dirty="0"/>
+          </a:p>
+          <a:p>
+            <a:endParaRPr lang="en-US" altLang="ja-JP" dirty="0"/>
+          </a:p>
+          <a:p>
             <a:endParaRPr lang="en-US" altLang="ja-JP" dirty="0"/>
           </a:p>
         </p:txBody>
@@ -12324,7 +12851,7 @@
     </p:spTree>
     <p:extLst>
       <p:ext uri="{BB962C8B-B14F-4D97-AF65-F5344CB8AC3E}">
-        <p14:creationId xmlns:p14="http://schemas.microsoft.com/office/powerpoint/2010/main" val="4127348422"/>
+        <p14:creationId xmlns:p14="http://schemas.microsoft.com/office/powerpoint/2010/main" val="483309650"/>
       </p:ext>
     </p:extLst>
   </p:cSld>
@@ -12549,6 +13076,1541 @@
           <p:cNvPr id="2" name="タイトル 1">
             <a:extLst>
               <a:ext uri="{FF2B5EF4-FFF2-40B4-BE49-F238E27FC236}">
+                <a16:creationId xmlns:a16="http://schemas.microsoft.com/office/drawing/2014/main" id="{84E76098-5ABF-4709-A130-78345D6144C6}"/>
+              </a:ext>
+            </a:extLst>
+          </p:cNvPr>
+          <p:cNvSpPr>
+            <a:spLocks noGrp="1"/>
+          </p:cNvSpPr>
+          <p:nvPr>
+            <p:ph type="title"/>
+          </p:nvPr>
+        </p:nvSpPr>
+        <p:spPr>
+          <a:xfrm>
+            <a:off x="914400" y="0"/>
+            <a:ext cx="10515600" cy="1291268"/>
+          </a:xfrm>
+        </p:spPr>
+        <p:txBody>
+          <a:bodyPr>
+            <a:normAutofit fontScale="90000"/>
+          </a:bodyPr>
+          <a:lstStyle/>
+          <a:p>
+            <a:r>
+              <a:rPr lang="ja-JP" altLang="en-US" dirty="0"/>
+              <a:t>上場廃止からいつまでに倒産したならば対象企業に含めるのか</a:t>
+            </a:r>
+          </a:p>
+        </p:txBody>
+      </p:sp>
+      <p:sp>
+        <p:nvSpPr>
+          <p:cNvPr id="3" name="コンテンツ プレースホルダー 2">
+            <a:extLst>
+              <a:ext uri="{FF2B5EF4-FFF2-40B4-BE49-F238E27FC236}">
+                <a16:creationId xmlns:a16="http://schemas.microsoft.com/office/drawing/2014/main" id="{6542FA18-B0BE-4A9A-A81C-6917BCE2D0B7}"/>
+              </a:ext>
+            </a:extLst>
+          </p:cNvPr>
+          <p:cNvSpPr>
+            <a:spLocks noGrp="1"/>
+          </p:cNvSpPr>
+          <p:nvPr>
+            <p:ph idx="1"/>
+          </p:nvPr>
+        </p:nvSpPr>
+        <p:spPr>
+          <a:xfrm>
+            <a:off x="718457" y="1502229"/>
+            <a:ext cx="10929257" cy="5150362"/>
+          </a:xfrm>
+        </p:spPr>
+        <p:txBody>
+          <a:bodyPr>
+            <a:normAutofit/>
+          </a:bodyPr>
+          <a:lstStyle/>
+          <a:p>
+            <a:pPr marL="0" indent="0">
+              <a:buNone/>
+            </a:pPr>
+            <a:r>
+              <a:rPr lang="ja-JP" altLang="en-US" dirty="0"/>
+              <a:t>上場廃止から何年も経過してから倒産した場合には上場廃止の倒産という枠から大きく外れる。また財務諸表の入手可能性も下がる。</a:t>
+            </a:r>
+            <a:endParaRPr lang="en-US" altLang="ja-JP" dirty="0"/>
+          </a:p>
+          <a:p>
+            <a:pPr marL="0" indent="0" algn="ctr">
+              <a:buNone/>
+            </a:pPr>
+            <a:r>
+              <a:rPr lang="ja-JP" altLang="en-US" dirty="0"/>
+              <a:t>↓</a:t>
+            </a:r>
+            <a:endParaRPr lang="en-US" altLang="ja-JP" dirty="0"/>
+          </a:p>
+          <a:p>
+            <a:pPr marL="0" indent="0">
+              <a:buNone/>
+            </a:pPr>
+            <a:r>
+              <a:rPr lang="en-US" altLang="ja-JP" dirty="0"/>
+              <a:t>(</a:t>
+            </a:r>
+            <a:r>
+              <a:rPr lang="ja-JP" altLang="en-US" dirty="0"/>
+              <a:t>倒産以外の理由で</a:t>
+            </a:r>
+            <a:r>
+              <a:rPr lang="en-US" altLang="ja-JP" dirty="0"/>
+              <a:t>)</a:t>
+            </a:r>
+            <a:r>
+              <a:rPr lang="ja-JP" altLang="en-US" dirty="0"/>
+              <a:t>上場廃止してから</a:t>
+            </a:r>
+            <a:r>
+              <a:rPr lang="en-US" altLang="ja-JP" u="sng" dirty="0"/>
+              <a:t>12</a:t>
+            </a:r>
+            <a:r>
+              <a:rPr lang="ja-JP" altLang="en-US" u="sng" dirty="0"/>
+              <a:t>ヶ月以内</a:t>
+            </a:r>
+            <a:r>
+              <a:rPr lang="ja-JP" altLang="en-US" dirty="0"/>
+              <a:t>に倒産したケース</a:t>
+            </a:r>
+            <a:endParaRPr lang="en-US" altLang="ja-JP" dirty="0"/>
+          </a:p>
+          <a:p>
+            <a:pPr marL="0" indent="0">
+              <a:buNone/>
+            </a:pPr>
+            <a:r>
+              <a:rPr lang="ja-JP" altLang="en-US" dirty="0"/>
+              <a:t>を対象企業に含めることに決定。</a:t>
+            </a:r>
+            <a:endParaRPr lang="en-US" altLang="ja-JP" dirty="0"/>
+          </a:p>
+          <a:p>
+            <a:pPr marL="0" indent="0">
+              <a:buNone/>
+            </a:pPr>
+            <a:r>
+              <a:rPr lang="ja-JP" altLang="en-US" dirty="0"/>
+              <a:t>→銀行取引停止処分を受けた場合と同じ期間にした</a:t>
+            </a:r>
+            <a:endParaRPr lang="en-US" altLang="ja-JP" dirty="0"/>
+          </a:p>
+          <a:p>
+            <a:pPr marL="0" indent="0">
+              <a:buNone/>
+            </a:pPr>
+            <a:endParaRPr lang="en-US" altLang="ja-JP" dirty="0"/>
+          </a:p>
+          <a:p>
+            <a:pPr marL="0" indent="0">
+              <a:buNone/>
+            </a:pPr>
+            <a:endParaRPr lang="en-US" altLang="ja-JP" dirty="0"/>
+          </a:p>
+          <a:p>
+            <a:pPr marL="0" indent="0">
+              <a:buNone/>
+            </a:pPr>
+            <a:endParaRPr lang="en-US" altLang="ja-JP" dirty="0"/>
+          </a:p>
+          <a:p>
+            <a:pPr marL="0" indent="0">
+              <a:buNone/>
+            </a:pPr>
+            <a:endParaRPr lang="en-US" altLang="ja-JP" dirty="0"/>
+          </a:p>
+          <a:p>
+            <a:pPr marL="0" indent="0">
+              <a:buNone/>
+            </a:pPr>
+            <a:endParaRPr lang="en-US" altLang="ja-JP" dirty="0"/>
+          </a:p>
+        </p:txBody>
+      </p:sp>
+      <p:sp>
+        <p:nvSpPr>
+          <p:cNvPr id="8" name="正方形/長方形 7">
+            <a:extLst>
+              <a:ext uri="{FF2B5EF4-FFF2-40B4-BE49-F238E27FC236}">
+                <a16:creationId xmlns:a16="http://schemas.microsoft.com/office/drawing/2014/main" id="{6B65123B-A2E9-450B-8B55-B76B0E7586A1}"/>
+              </a:ext>
+            </a:extLst>
+          </p:cNvPr>
+          <p:cNvSpPr/>
+          <p:nvPr/>
+        </p:nvSpPr>
+        <p:spPr>
+          <a:xfrm>
+            <a:off x="769572" y="4619098"/>
+            <a:ext cx="10827026" cy="2033493"/>
+          </a:xfrm>
+          <a:prstGeom prst="rect">
+            <a:avLst/>
+          </a:prstGeom>
+        </p:spPr>
+        <p:style>
+          <a:lnRef idx="0">
+            <a:schemeClr val="accent5"/>
+          </a:lnRef>
+          <a:fillRef idx="3">
+            <a:schemeClr val="accent5"/>
+          </a:fillRef>
+          <a:effectRef idx="3">
+            <a:schemeClr val="accent5"/>
+          </a:effectRef>
+          <a:fontRef idx="minor">
+            <a:schemeClr val="lt1"/>
+          </a:fontRef>
+        </p:style>
+        <p:txBody>
+          <a:bodyPr rtlCol="0" anchor="ctr"/>
+          <a:lstStyle/>
+          <a:p>
+            <a:endParaRPr lang="en-US" altLang="ja-JP" dirty="0"/>
+          </a:p>
+          <a:p>
+            <a:r>
+              <a:rPr lang="ja-JP" altLang="en-US" sz="2800" dirty="0"/>
+              <a:t>カネボウは多額の債務超過を有していたのにも関わらず、上場廃止から解散まで</a:t>
+            </a:r>
+            <a:r>
+              <a:rPr lang="en-US" altLang="ja-JP" sz="2800" dirty="0"/>
+              <a:t>2</a:t>
+            </a:r>
+            <a:r>
+              <a:rPr lang="ja-JP" altLang="en-US" sz="2800" dirty="0"/>
+              <a:t>年間法的整理の手続きをとっていないため、この条件では対象とならないことになる</a:t>
+            </a:r>
+            <a:endParaRPr lang="en-US" altLang="ja-JP" sz="2800" dirty="0"/>
+          </a:p>
+          <a:p>
+            <a:r>
+              <a:rPr lang="ja-JP" altLang="en-US" sz="2800" dirty="0"/>
+              <a:t>→法的形式に囚われず実質的な財務状況を重視すべき？</a:t>
+            </a:r>
+            <a:endParaRPr lang="en-US" altLang="ja-JP" sz="2800" dirty="0"/>
+          </a:p>
+          <a:p>
+            <a:pPr algn="ctr"/>
+            <a:endParaRPr kumimoji="1" lang="ja-JP" altLang="en-US" dirty="0"/>
+          </a:p>
+        </p:txBody>
+      </p:sp>
+    </p:spTree>
+    <p:extLst>
+      <p:ext uri="{BB962C8B-B14F-4D97-AF65-F5344CB8AC3E}">
+        <p14:creationId xmlns:p14="http://schemas.microsoft.com/office/powerpoint/2010/main" val="2952254766"/>
+      </p:ext>
+    </p:extLst>
+  </p:cSld>
+  <p:clrMapOvr>
+    <a:masterClrMapping/>
+  </p:clrMapOvr>
+</p:sld>
+</file>
+
+<file path=ppt/slides/slide21.xml><?xml version="1.0" encoding="utf-8"?>
+<p:sld xmlns:a="http://schemas.openxmlformats.org/drawingml/2006/main" xmlns:r="http://schemas.openxmlformats.org/officeDocument/2006/relationships" xmlns:p="http://schemas.openxmlformats.org/presentationml/2006/main">
+  <p:cSld>
+    <p:spTree>
+      <p:nvGrpSpPr>
+        <p:cNvPr id="1" name=""/>
+        <p:cNvGrpSpPr/>
+        <p:nvPr/>
+      </p:nvGrpSpPr>
+      <p:grpSpPr>
+        <a:xfrm>
+          <a:off x="0" y="0"/>
+          <a:ext cx="0" cy="0"/>
+          <a:chOff x="0" y="0"/>
+          <a:chExt cx="0" cy="0"/>
+        </a:xfrm>
+      </p:grpSpPr>
+      <p:sp>
+        <p:nvSpPr>
+          <p:cNvPr id="2" name="タイトル 1">
+            <a:extLst>
+              <a:ext uri="{FF2B5EF4-FFF2-40B4-BE49-F238E27FC236}">
+                <a16:creationId xmlns:a16="http://schemas.microsoft.com/office/drawing/2014/main" id="{84E76098-5ABF-4709-A130-78345D6144C6}"/>
+              </a:ext>
+            </a:extLst>
+          </p:cNvPr>
+          <p:cNvSpPr>
+            <a:spLocks noGrp="1"/>
+          </p:cNvSpPr>
+          <p:nvPr>
+            <p:ph type="title"/>
+          </p:nvPr>
+        </p:nvSpPr>
+        <p:spPr>
+          <a:xfrm>
+            <a:off x="838200" y="365125"/>
+            <a:ext cx="10515600" cy="746983"/>
+          </a:xfrm>
+        </p:spPr>
+        <p:txBody>
+          <a:bodyPr>
+            <a:normAutofit/>
+          </a:bodyPr>
+          <a:lstStyle/>
+          <a:p>
+            <a:r>
+              <a:rPr lang="ja-JP" altLang="en-US" dirty="0"/>
+              <a:t>カネボウと似た事例</a:t>
+            </a:r>
+            <a:endParaRPr kumimoji="1" lang="ja-JP" altLang="en-US" dirty="0"/>
+          </a:p>
+        </p:txBody>
+      </p:sp>
+      <p:sp>
+        <p:nvSpPr>
+          <p:cNvPr id="3" name="コンテンツ プレースホルダー 2">
+            <a:extLst>
+              <a:ext uri="{FF2B5EF4-FFF2-40B4-BE49-F238E27FC236}">
+                <a16:creationId xmlns:a16="http://schemas.microsoft.com/office/drawing/2014/main" id="{6542FA18-B0BE-4A9A-A81C-6917BCE2D0B7}"/>
+              </a:ext>
+            </a:extLst>
+          </p:cNvPr>
+          <p:cNvSpPr>
+            <a:spLocks noGrp="1"/>
+          </p:cNvSpPr>
+          <p:nvPr>
+            <p:ph idx="1"/>
+          </p:nvPr>
+        </p:nvSpPr>
+        <p:spPr>
+          <a:xfrm>
+            <a:off x="838200" y="1112108"/>
+            <a:ext cx="10515600" cy="5064855"/>
+          </a:xfrm>
+        </p:spPr>
+        <p:txBody>
+          <a:bodyPr/>
+          <a:lstStyle/>
+          <a:p>
+            <a:r>
+              <a:rPr lang="ja-JP" altLang="en-US" dirty="0"/>
+              <a:t>雪印食品 </a:t>
+            </a:r>
+            <a:endParaRPr lang="en-US" altLang="ja-JP" dirty="0"/>
+          </a:p>
+          <a:p>
+            <a:r>
+              <a:rPr lang="ja-JP" altLang="en-US" dirty="0"/>
+              <a:t>丸石ホールディングス </a:t>
+            </a:r>
+            <a:endParaRPr lang="en-US" altLang="ja-JP" dirty="0"/>
+          </a:p>
+          <a:p>
+            <a:r>
+              <a:rPr lang="ja-JP" altLang="en-US" dirty="0"/>
+              <a:t>日立造船富岡機械</a:t>
+            </a:r>
+            <a:endParaRPr lang="en-US" altLang="ja-JP" dirty="0"/>
+          </a:p>
+          <a:p>
+            <a:endParaRPr lang="zh-TW" altLang="en-US" dirty="0"/>
+          </a:p>
+          <a:p>
+            <a:endParaRPr lang="en-US" altLang="ja-JP" dirty="0"/>
+          </a:p>
+          <a:p>
+            <a:endParaRPr lang="en-US" altLang="ja-JP" dirty="0"/>
+          </a:p>
+        </p:txBody>
+      </p:sp>
+    </p:spTree>
+    <p:extLst>
+      <p:ext uri="{BB962C8B-B14F-4D97-AF65-F5344CB8AC3E}">
+        <p14:creationId xmlns:p14="http://schemas.microsoft.com/office/powerpoint/2010/main" val="1677586832"/>
+      </p:ext>
+    </p:extLst>
+  </p:cSld>
+  <p:clrMapOvr>
+    <a:masterClrMapping/>
+  </p:clrMapOvr>
+</p:sld>
+</file>
+
+<file path=ppt/slides/slide22.xml><?xml version="1.0" encoding="utf-8"?>
+<p:sld xmlns:a="http://schemas.openxmlformats.org/drawingml/2006/main" xmlns:r="http://schemas.openxmlformats.org/officeDocument/2006/relationships" xmlns:p="http://schemas.openxmlformats.org/presentationml/2006/main">
+  <p:cSld>
+    <p:spTree>
+      <p:nvGrpSpPr>
+        <p:cNvPr id="1" name=""/>
+        <p:cNvGrpSpPr/>
+        <p:nvPr/>
+      </p:nvGrpSpPr>
+      <p:grpSpPr>
+        <a:xfrm>
+          <a:off x="0" y="0"/>
+          <a:ext cx="0" cy="0"/>
+          <a:chOff x="0" y="0"/>
+          <a:chExt cx="0" cy="0"/>
+        </a:xfrm>
+      </p:grpSpPr>
+      <p:sp>
+        <p:nvSpPr>
+          <p:cNvPr id="2" name="タイトル 1">
+            <a:extLst>
+              <a:ext uri="{FF2B5EF4-FFF2-40B4-BE49-F238E27FC236}">
+                <a16:creationId xmlns:a16="http://schemas.microsoft.com/office/drawing/2014/main" id="{84E76098-5ABF-4709-A130-78345D6144C6}"/>
+              </a:ext>
+            </a:extLst>
+          </p:cNvPr>
+          <p:cNvSpPr>
+            <a:spLocks noGrp="1"/>
+          </p:cNvSpPr>
+          <p:nvPr>
+            <p:ph type="title"/>
+          </p:nvPr>
+        </p:nvSpPr>
+        <p:spPr>
+          <a:xfrm>
+            <a:off x="838200" y="365125"/>
+            <a:ext cx="10515600" cy="746983"/>
+          </a:xfrm>
+        </p:spPr>
+        <p:txBody>
+          <a:bodyPr>
+            <a:normAutofit/>
+          </a:bodyPr>
+          <a:lstStyle/>
+          <a:p>
+            <a:r>
+              <a:rPr kumimoji="1" lang="ja-JP" altLang="en-US" dirty="0"/>
+              <a:t>雪印食品</a:t>
+            </a:r>
+          </a:p>
+        </p:txBody>
+      </p:sp>
+      <p:sp>
+        <p:nvSpPr>
+          <p:cNvPr id="3" name="コンテンツ プレースホルダー 2">
+            <a:extLst>
+              <a:ext uri="{FF2B5EF4-FFF2-40B4-BE49-F238E27FC236}">
+                <a16:creationId xmlns:a16="http://schemas.microsoft.com/office/drawing/2014/main" id="{6542FA18-B0BE-4A9A-A81C-6917BCE2D0B7}"/>
+              </a:ext>
+            </a:extLst>
+          </p:cNvPr>
+          <p:cNvSpPr>
+            <a:spLocks noGrp="1"/>
+          </p:cNvSpPr>
+          <p:nvPr>
+            <p:ph idx="1"/>
+          </p:nvPr>
+        </p:nvSpPr>
+        <p:spPr>
+          <a:xfrm>
+            <a:off x="838200" y="1112108"/>
+            <a:ext cx="10515600" cy="5064855"/>
+          </a:xfrm>
+        </p:spPr>
+        <p:txBody>
+          <a:bodyPr/>
+          <a:lstStyle/>
+          <a:p>
+            <a:pPr marL="0" indent="0">
+              <a:buNone/>
+            </a:pPr>
+            <a:r>
+              <a:rPr lang="ja-JP" altLang="en-US" dirty="0"/>
+              <a:t>雪印乳業子会社。</a:t>
+            </a:r>
+            <a:endParaRPr lang="zh-TW" altLang="en-US" dirty="0"/>
+          </a:p>
+          <a:p>
+            <a:pPr marL="0" indent="0">
+              <a:buNone/>
+            </a:pPr>
+            <a:r>
+              <a:rPr lang="en-US" altLang="ja-JP" dirty="0"/>
+              <a:t>2001</a:t>
+            </a:r>
+            <a:r>
+              <a:rPr lang="ja-JP" altLang="en-US" dirty="0"/>
+              <a:t>年に牛海綿状脳症（</a:t>
+            </a:r>
+            <a:r>
+              <a:rPr lang="en-US" altLang="ja-JP" dirty="0"/>
+              <a:t>BSE</a:t>
+            </a:r>
+            <a:r>
+              <a:rPr lang="ja-JP" altLang="en-US" dirty="0"/>
+              <a:t>、いわゆる狂牛病）対策を悪用する牛肉産地偽装事件（雪印牛肉偽装事件）を起こした。その事件が親会社である雪印乳業の食中毒事件と時期的に重なったため、会社の信用がなくなり経営が破綻、</a:t>
+            </a:r>
+            <a:r>
+              <a:rPr lang="en-US" altLang="ja-JP" dirty="0"/>
+              <a:t>2002</a:t>
+            </a:r>
+            <a:r>
+              <a:rPr lang="ja-JP" altLang="en-US" dirty="0"/>
+              <a:t>年</a:t>
+            </a:r>
+            <a:r>
+              <a:rPr lang="en-US" altLang="ja-JP" dirty="0"/>
+              <a:t>4</a:t>
+            </a:r>
+            <a:r>
+              <a:rPr lang="ja-JP" altLang="en-US" dirty="0"/>
+              <a:t>月廃業・上場廃止、解散。</a:t>
+            </a:r>
+            <a:r>
+              <a:rPr lang="en-US" altLang="ja-JP" dirty="0"/>
+              <a:t>2005</a:t>
+            </a:r>
+            <a:r>
+              <a:rPr lang="ja-JP" altLang="en-US" dirty="0"/>
+              <a:t>年</a:t>
+            </a:r>
+            <a:r>
+              <a:rPr lang="en-US" altLang="ja-JP" dirty="0"/>
+              <a:t>8</a:t>
+            </a:r>
+            <a:r>
+              <a:rPr lang="ja-JP" altLang="en-US" dirty="0"/>
+              <a:t>月</a:t>
+            </a:r>
+            <a:r>
+              <a:rPr lang="en-US" altLang="ja-JP" dirty="0"/>
+              <a:t>12</a:t>
+            </a:r>
+            <a:r>
+              <a:rPr lang="ja-JP" altLang="en-US" dirty="0"/>
+              <a:t>日、清算結了。</a:t>
+            </a:r>
+            <a:endParaRPr lang="en-US" altLang="ja-JP" dirty="0"/>
+          </a:p>
+          <a:p>
+            <a:pPr marL="0" indent="0">
+              <a:buNone/>
+            </a:pPr>
+            <a:r>
+              <a:rPr lang="ja-JP" altLang="en-US" dirty="0"/>
+              <a:t>↓</a:t>
+            </a:r>
+            <a:endParaRPr lang="en-US" altLang="ja-JP" dirty="0"/>
+          </a:p>
+          <a:p>
+            <a:pPr marL="0" indent="0">
+              <a:buNone/>
+            </a:pPr>
+            <a:r>
+              <a:rPr lang="ja-JP" altLang="en-US" dirty="0"/>
+              <a:t>特別清算</a:t>
+            </a:r>
+            <a:r>
+              <a:rPr lang="en-US" altLang="ja-JP" dirty="0"/>
+              <a:t>(</a:t>
+            </a:r>
+            <a:r>
+              <a:rPr lang="ja-JP" altLang="en-US" dirty="0"/>
+              <a:t>倒産</a:t>
+            </a:r>
+            <a:r>
+              <a:rPr lang="en-US" altLang="ja-JP" dirty="0"/>
+              <a:t>)</a:t>
+            </a:r>
+            <a:r>
+              <a:rPr lang="ja-JP" altLang="en-US" dirty="0"/>
+              <a:t>なのか通常清算</a:t>
+            </a:r>
+            <a:r>
+              <a:rPr lang="en-US" altLang="ja-JP" dirty="0"/>
+              <a:t>(</a:t>
+            </a:r>
+            <a:r>
+              <a:rPr lang="ja-JP" altLang="en-US" dirty="0"/>
+              <a:t>廃業</a:t>
+            </a:r>
+            <a:r>
+              <a:rPr lang="en-US" altLang="ja-JP" dirty="0"/>
+              <a:t>)</a:t>
+            </a:r>
+            <a:r>
+              <a:rPr lang="ja-JP" altLang="en-US" dirty="0"/>
+              <a:t>なのかがはっきり分からないため、対象企業になるのか不明確。しかし、親会社の雪印乳業自体が複数の子会社を売却していることからも法的整理と同等と思われる。</a:t>
+            </a:r>
+            <a:endParaRPr lang="en-US" altLang="ja-JP" dirty="0"/>
+          </a:p>
+        </p:txBody>
+      </p:sp>
+    </p:spTree>
+    <p:extLst>
+      <p:ext uri="{BB962C8B-B14F-4D97-AF65-F5344CB8AC3E}">
+        <p14:creationId xmlns:p14="http://schemas.microsoft.com/office/powerpoint/2010/main" val="4277347724"/>
+      </p:ext>
+    </p:extLst>
+  </p:cSld>
+  <p:clrMapOvr>
+    <a:masterClrMapping/>
+  </p:clrMapOvr>
+</p:sld>
+</file>
+
+<file path=ppt/slides/slide23.xml><?xml version="1.0" encoding="utf-8"?>
+<p:sld xmlns:a="http://schemas.openxmlformats.org/drawingml/2006/main" xmlns:r="http://schemas.openxmlformats.org/officeDocument/2006/relationships" xmlns:p="http://schemas.openxmlformats.org/presentationml/2006/main">
+  <p:cSld>
+    <p:spTree>
+      <p:nvGrpSpPr>
+        <p:cNvPr id="1" name=""/>
+        <p:cNvGrpSpPr/>
+        <p:nvPr/>
+      </p:nvGrpSpPr>
+      <p:grpSpPr>
+        <a:xfrm>
+          <a:off x="0" y="0"/>
+          <a:ext cx="0" cy="0"/>
+          <a:chOff x="0" y="0"/>
+          <a:chExt cx="0" cy="0"/>
+        </a:xfrm>
+      </p:grpSpPr>
+      <p:sp>
+        <p:nvSpPr>
+          <p:cNvPr id="2" name="タイトル 1">
+            <a:extLst>
+              <a:ext uri="{FF2B5EF4-FFF2-40B4-BE49-F238E27FC236}">
+                <a16:creationId xmlns:a16="http://schemas.microsoft.com/office/drawing/2014/main" id="{84E76098-5ABF-4709-A130-78345D6144C6}"/>
+              </a:ext>
+            </a:extLst>
+          </p:cNvPr>
+          <p:cNvSpPr>
+            <a:spLocks noGrp="1"/>
+          </p:cNvSpPr>
+          <p:nvPr>
+            <p:ph type="title"/>
+          </p:nvPr>
+        </p:nvSpPr>
+        <p:spPr>
+          <a:xfrm>
+            <a:off x="838200" y="365125"/>
+            <a:ext cx="10515600" cy="746983"/>
+          </a:xfrm>
+        </p:spPr>
+        <p:txBody>
+          <a:bodyPr>
+            <a:normAutofit/>
+          </a:bodyPr>
+          <a:lstStyle/>
+          <a:p>
+            <a:r>
+              <a:rPr lang="ja-JP" altLang="en-US" dirty="0"/>
+              <a:t>丸石ホールディングス </a:t>
+            </a:r>
+            <a:endParaRPr lang="en-US" altLang="ja-JP" dirty="0"/>
+          </a:p>
+        </p:txBody>
+      </p:sp>
+      <p:sp>
+        <p:nvSpPr>
+          <p:cNvPr id="3" name="コンテンツ プレースホルダー 2">
+            <a:extLst>
+              <a:ext uri="{FF2B5EF4-FFF2-40B4-BE49-F238E27FC236}">
+                <a16:creationId xmlns:a16="http://schemas.microsoft.com/office/drawing/2014/main" id="{6542FA18-B0BE-4A9A-A81C-6917BCE2D0B7}"/>
+              </a:ext>
+            </a:extLst>
+          </p:cNvPr>
+          <p:cNvSpPr>
+            <a:spLocks noGrp="1"/>
+          </p:cNvSpPr>
+          <p:nvPr>
+            <p:ph idx="1"/>
+          </p:nvPr>
+        </p:nvSpPr>
+        <p:spPr>
+          <a:xfrm>
+            <a:off x="838200" y="1112108"/>
+            <a:ext cx="10515600" cy="5064855"/>
+          </a:xfrm>
+        </p:spPr>
+        <p:txBody>
+          <a:bodyPr/>
+          <a:lstStyle/>
+          <a:p>
+            <a:pPr marL="0" indent="0">
+              <a:buNone/>
+            </a:pPr>
+            <a:r>
+              <a:rPr lang="en-US" altLang="ja-JP" dirty="0"/>
+              <a:t>9</a:t>
+            </a:r>
+            <a:r>
+              <a:rPr lang="ja-JP" altLang="en-US" dirty="0"/>
+              <a:t>月</a:t>
+            </a:r>
+            <a:r>
+              <a:rPr lang="en-US" altLang="ja-JP" dirty="0"/>
+              <a:t>1</a:t>
+            </a:r>
+            <a:r>
+              <a:rPr lang="ja-JP" altLang="en-US" dirty="0"/>
+              <a:t>日傘下の滋賀丸石自転車工業がプライムシステム（現サンライズ・テクノロジー）の出資を得て旧丸石から自転車事業を譲り受けた。</a:t>
+            </a:r>
+            <a:r>
+              <a:rPr lang="en-US" altLang="zh-TW" dirty="0"/>
+              <a:t> 2004</a:t>
+            </a:r>
+            <a:r>
+              <a:rPr lang="ja-JP" altLang="en-US" dirty="0"/>
+              <a:t>年</a:t>
+            </a:r>
+            <a:r>
+              <a:rPr lang="en-US" altLang="ja-JP" dirty="0"/>
+              <a:t>9</a:t>
+            </a:r>
+            <a:r>
+              <a:rPr lang="ja-JP" altLang="en-US" dirty="0"/>
+              <a:t>月</a:t>
+            </a:r>
+            <a:r>
+              <a:rPr lang="en-US" altLang="ja-JP" dirty="0"/>
+              <a:t>4</a:t>
+            </a:r>
+            <a:r>
+              <a:rPr lang="ja-JP" altLang="en-US" dirty="0"/>
+              <a:t>日　監査意見不表明により上場廃止、</a:t>
+            </a:r>
+            <a:r>
+              <a:rPr lang="en-US" altLang="ja-JP" dirty="0"/>
+              <a:t>9</a:t>
+            </a:r>
+            <a:r>
+              <a:rPr lang="ja-JP" altLang="en-US" dirty="0"/>
+              <a:t>月</a:t>
+            </a:r>
+            <a:r>
+              <a:rPr lang="en-US" altLang="ja-JP" dirty="0"/>
+              <a:t>16</a:t>
+            </a:r>
+            <a:r>
+              <a:rPr lang="ja-JP" altLang="en-US" dirty="0"/>
+              <a:t>日銀行取引停止処分を受け丸石</a:t>
+            </a:r>
+            <a:r>
+              <a:rPr lang="en-US" altLang="ja-JP" dirty="0"/>
+              <a:t>HD</a:t>
+            </a:r>
+            <a:r>
+              <a:rPr lang="ja-JP" altLang="en-US" dirty="0"/>
+              <a:t>は事実上の倒産となった。</a:t>
+            </a:r>
+            <a:endParaRPr lang="en-US" altLang="ja-JP" dirty="0"/>
+          </a:p>
+          <a:p>
+            <a:pPr marL="0" indent="0">
+              <a:buNone/>
+            </a:pPr>
+            <a:r>
+              <a:rPr lang="ja-JP" altLang="en-US" dirty="0"/>
+              <a:t>↓</a:t>
+            </a:r>
+            <a:endParaRPr lang="en-US" altLang="ja-JP" dirty="0"/>
+          </a:p>
+          <a:p>
+            <a:pPr marL="0" indent="0">
+              <a:buNone/>
+            </a:pPr>
+            <a:r>
+              <a:rPr lang="ja-JP" altLang="en-US" dirty="0"/>
+              <a:t>法的整理を行っていないため対象企業にならない。しかし、事業の譲渡を行っているほか、銀行取引停止処分を受けており経営は破たんしていたと思われる。</a:t>
+            </a:r>
+            <a:endParaRPr lang="en-US" altLang="ja-JP" dirty="0"/>
+          </a:p>
+        </p:txBody>
+      </p:sp>
+    </p:spTree>
+    <p:extLst>
+      <p:ext uri="{BB962C8B-B14F-4D97-AF65-F5344CB8AC3E}">
+        <p14:creationId xmlns:p14="http://schemas.microsoft.com/office/powerpoint/2010/main" val="217385172"/>
+      </p:ext>
+    </p:extLst>
+  </p:cSld>
+  <p:clrMapOvr>
+    <a:masterClrMapping/>
+  </p:clrMapOvr>
+</p:sld>
+</file>
+
+<file path=ppt/slides/slide24.xml><?xml version="1.0" encoding="utf-8"?>
+<p:sld xmlns:a="http://schemas.openxmlformats.org/drawingml/2006/main" xmlns:r="http://schemas.openxmlformats.org/officeDocument/2006/relationships" xmlns:p="http://schemas.openxmlformats.org/presentationml/2006/main">
+  <p:cSld>
+    <p:spTree>
+      <p:nvGrpSpPr>
+        <p:cNvPr id="1" name=""/>
+        <p:cNvGrpSpPr/>
+        <p:nvPr/>
+      </p:nvGrpSpPr>
+      <p:grpSpPr>
+        <a:xfrm>
+          <a:off x="0" y="0"/>
+          <a:ext cx="0" cy="0"/>
+          <a:chOff x="0" y="0"/>
+          <a:chExt cx="0" cy="0"/>
+        </a:xfrm>
+      </p:grpSpPr>
+      <p:sp>
+        <p:nvSpPr>
+          <p:cNvPr id="2" name="タイトル 1">
+            <a:extLst>
+              <a:ext uri="{FF2B5EF4-FFF2-40B4-BE49-F238E27FC236}">
+                <a16:creationId xmlns:a16="http://schemas.microsoft.com/office/drawing/2014/main" id="{84E76098-5ABF-4709-A130-78345D6144C6}"/>
+              </a:ext>
+            </a:extLst>
+          </p:cNvPr>
+          <p:cNvSpPr>
+            <a:spLocks noGrp="1"/>
+          </p:cNvSpPr>
+          <p:nvPr>
+            <p:ph type="title"/>
+          </p:nvPr>
+        </p:nvSpPr>
+        <p:spPr>
+          <a:xfrm>
+            <a:off x="838200" y="365125"/>
+            <a:ext cx="10515600" cy="746983"/>
+          </a:xfrm>
+        </p:spPr>
+        <p:txBody>
+          <a:bodyPr>
+            <a:normAutofit/>
+          </a:bodyPr>
+          <a:lstStyle/>
+          <a:p>
+            <a:r>
+              <a:rPr lang="ja-JP" altLang="en-US" dirty="0"/>
+              <a:t>日立造船富岡機械</a:t>
+            </a:r>
+            <a:endParaRPr lang="en-US" altLang="ja-JP" dirty="0"/>
+          </a:p>
+        </p:txBody>
+      </p:sp>
+      <p:sp>
+        <p:nvSpPr>
+          <p:cNvPr id="3" name="コンテンツ プレースホルダー 2">
+            <a:extLst>
+              <a:ext uri="{FF2B5EF4-FFF2-40B4-BE49-F238E27FC236}">
+                <a16:creationId xmlns:a16="http://schemas.microsoft.com/office/drawing/2014/main" id="{6542FA18-B0BE-4A9A-A81C-6917BCE2D0B7}"/>
+              </a:ext>
+            </a:extLst>
+          </p:cNvPr>
+          <p:cNvSpPr>
+            <a:spLocks noGrp="1"/>
+          </p:cNvSpPr>
+          <p:nvPr>
+            <p:ph idx="1"/>
+          </p:nvPr>
+        </p:nvSpPr>
+        <p:spPr>
+          <a:xfrm>
+            <a:off x="838200" y="1112108"/>
+            <a:ext cx="10515600" cy="5064855"/>
+          </a:xfrm>
+        </p:spPr>
+        <p:txBody>
+          <a:bodyPr/>
+          <a:lstStyle/>
+          <a:p>
+            <a:pPr marL="0" indent="0">
+              <a:buNone/>
+            </a:pPr>
+            <a:r>
+              <a:rPr lang="en-US" altLang="zh-CN" dirty="0"/>
+              <a:t>2005</a:t>
+            </a:r>
+            <a:r>
+              <a:rPr lang="zh-CN" altLang="en-US" dirty="0"/>
+              <a:t>年</a:t>
+            </a:r>
+            <a:r>
+              <a:rPr lang="en-US" altLang="zh-CN" dirty="0"/>
+              <a:t>3</a:t>
+            </a:r>
+            <a:r>
+              <a:rPr lang="zh-CN" altLang="en-US" dirty="0"/>
+              <a:t>月</a:t>
+            </a:r>
+            <a:r>
+              <a:rPr lang="en-US" altLang="zh-CN" dirty="0"/>
+              <a:t>26</a:t>
+            </a:r>
+            <a:r>
+              <a:rPr lang="zh-CN" altLang="en-US" dirty="0"/>
+              <a:t>日 </a:t>
+            </a:r>
+            <a:r>
+              <a:rPr lang="ja-JP" altLang="en-US" dirty="0"/>
+              <a:t>会社解散。親会社の日立造船によると、</a:t>
+            </a:r>
+            <a:r>
+              <a:rPr lang="en-US" altLang="ja-JP" dirty="0"/>
+              <a:t>3</a:t>
+            </a:r>
+            <a:r>
+              <a:rPr lang="ja-JP" altLang="en-US" dirty="0"/>
+              <a:t>期連続の赤字になる見込みになったほか今後の販売商品の需要拡大やコストの引き下げも見込めなくなったため。</a:t>
+            </a:r>
+            <a:endParaRPr lang="en-US" altLang="ja-JP" dirty="0"/>
+          </a:p>
+          <a:p>
+            <a:pPr marL="0" indent="0">
+              <a:buNone/>
+            </a:pPr>
+            <a:endParaRPr lang="en-US" altLang="ja-JP" dirty="0"/>
+          </a:p>
+        </p:txBody>
+      </p:sp>
+    </p:spTree>
+    <p:extLst>
+      <p:ext uri="{BB962C8B-B14F-4D97-AF65-F5344CB8AC3E}">
+        <p14:creationId xmlns:p14="http://schemas.microsoft.com/office/powerpoint/2010/main" val="78696073"/>
+      </p:ext>
+    </p:extLst>
+  </p:cSld>
+  <p:clrMapOvr>
+    <a:masterClrMapping/>
+  </p:clrMapOvr>
+</p:sld>
+</file>
+
+<file path=ppt/slides/slide25.xml><?xml version="1.0" encoding="utf-8"?>
+<p:sld xmlns:a="http://schemas.openxmlformats.org/drawingml/2006/main" xmlns:r="http://schemas.openxmlformats.org/officeDocument/2006/relationships" xmlns:p="http://schemas.openxmlformats.org/presentationml/2006/main">
+  <p:cSld>
+    <p:spTree>
+      <p:nvGrpSpPr>
+        <p:cNvPr id="1" name=""/>
+        <p:cNvGrpSpPr/>
+        <p:nvPr/>
+      </p:nvGrpSpPr>
+      <p:grpSpPr>
+        <a:xfrm>
+          <a:off x="0" y="0"/>
+          <a:ext cx="0" cy="0"/>
+          <a:chOff x="0" y="0"/>
+          <a:chExt cx="0" cy="0"/>
+        </a:xfrm>
+      </p:grpSpPr>
+      <p:sp>
+        <p:nvSpPr>
+          <p:cNvPr id="2" name="タイトル 1">
+            <a:extLst>
+              <a:ext uri="{FF2B5EF4-FFF2-40B4-BE49-F238E27FC236}">
+                <a16:creationId xmlns:a16="http://schemas.microsoft.com/office/drawing/2014/main" id="{84E76098-5ABF-4709-A130-78345D6144C6}"/>
+              </a:ext>
+            </a:extLst>
+          </p:cNvPr>
+          <p:cNvSpPr>
+            <a:spLocks noGrp="1"/>
+          </p:cNvSpPr>
+          <p:nvPr>
+            <p:ph type="title"/>
+          </p:nvPr>
+        </p:nvSpPr>
+        <p:spPr>
+          <a:xfrm>
+            <a:off x="838200" y="365125"/>
+            <a:ext cx="10515600" cy="746983"/>
+          </a:xfrm>
+        </p:spPr>
+        <p:txBody>
+          <a:bodyPr/>
+          <a:lstStyle/>
+          <a:p>
+            <a:r>
+              <a:rPr kumimoji="1" lang="en-US" altLang="ja-JP" dirty="0"/>
+              <a:t>(</a:t>
+            </a:r>
+            <a:r>
+              <a:rPr kumimoji="1" lang="ja-JP" altLang="en-US" dirty="0"/>
+              <a:t>再</a:t>
+            </a:r>
+            <a:r>
+              <a:rPr lang="ja-JP" altLang="en-US" dirty="0"/>
+              <a:t>表示</a:t>
+            </a:r>
+            <a:r>
+              <a:rPr lang="en-US" altLang="ja-JP" dirty="0"/>
+              <a:t>)</a:t>
+            </a:r>
+            <a:r>
+              <a:rPr kumimoji="1" lang="ja-JP" altLang="en-US" dirty="0"/>
+              <a:t>倒産の定義を決定</a:t>
+            </a:r>
+          </a:p>
+        </p:txBody>
+      </p:sp>
+      <p:sp>
+        <p:nvSpPr>
+          <p:cNvPr id="3" name="コンテンツ プレースホルダー 2">
+            <a:extLst>
+              <a:ext uri="{FF2B5EF4-FFF2-40B4-BE49-F238E27FC236}">
+                <a16:creationId xmlns:a16="http://schemas.microsoft.com/office/drawing/2014/main" id="{6542FA18-B0BE-4A9A-A81C-6917BCE2D0B7}"/>
+              </a:ext>
+            </a:extLst>
+          </p:cNvPr>
+          <p:cNvSpPr>
+            <a:spLocks noGrp="1"/>
+          </p:cNvSpPr>
+          <p:nvPr>
+            <p:ph idx="1"/>
+          </p:nvPr>
+        </p:nvSpPr>
+        <p:spPr>
+          <a:xfrm>
+            <a:off x="838200" y="1112108"/>
+            <a:ext cx="10515600" cy="5064855"/>
+          </a:xfrm>
+        </p:spPr>
+        <p:txBody>
+          <a:bodyPr/>
+          <a:lstStyle/>
+          <a:p>
+            <a:pPr marL="0" indent="0">
+              <a:buNone/>
+            </a:pPr>
+            <a:r>
+              <a:rPr lang="ja-JP" altLang="en-US" dirty="0"/>
+              <a:t>以上を踏まえて、倒産の定義を</a:t>
+            </a:r>
+            <a:endParaRPr lang="en-US" altLang="ja-JP" dirty="0"/>
+          </a:p>
+          <a:p>
+            <a:r>
+              <a:rPr lang="ja-JP" altLang="en-US" dirty="0"/>
+              <a:t>会社更生法手続きを行った企業</a:t>
+            </a:r>
+            <a:endParaRPr lang="en-US" altLang="ja-JP" dirty="0"/>
+          </a:p>
+          <a:p>
+            <a:r>
+              <a:rPr lang="ja-JP" altLang="en-US" dirty="0"/>
+              <a:t>民事再生法手続きを行った企業</a:t>
+            </a:r>
+            <a:endParaRPr lang="en-US" altLang="ja-JP" dirty="0"/>
+          </a:p>
+          <a:p>
+            <a:r>
+              <a:rPr lang="ja-JP" altLang="en-US" dirty="0"/>
+              <a:t>破産手続きを行った企業</a:t>
+            </a:r>
+            <a:endParaRPr lang="en-US" altLang="ja-JP" dirty="0"/>
+          </a:p>
+          <a:p>
+            <a:r>
+              <a:rPr lang="ja-JP" altLang="en-US" dirty="0"/>
+              <a:t>特別清算手続きを行った企業</a:t>
+            </a:r>
+            <a:endParaRPr lang="en-US" altLang="ja-JP" dirty="0"/>
+          </a:p>
+          <a:p>
+            <a:r>
+              <a:rPr lang="ja-JP" altLang="en-US" dirty="0"/>
+              <a:t>銀行取引処分を受けてから</a:t>
+            </a:r>
+            <a:r>
+              <a:rPr lang="en-US" altLang="ja-JP" dirty="0"/>
+              <a:t>12</a:t>
+            </a:r>
+            <a:r>
+              <a:rPr lang="ja-JP" altLang="en-US" dirty="0"/>
+              <a:t>ヶ月以内に法的整理の手続きを行った企業</a:t>
+            </a:r>
+            <a:endParaRPr lang="en-US" altLang="ja-JP" dirty="0"/>
+          </a:p>
+          <a:p>
+            <a:endParaRPr lang="en-US" altLang="ja-JP" dirty="0"/>
+          </a:p>
+          <a:p>
+            <a:pPr marL="0" indent="0">
+              <a:buNone/>
+            </a:pPr>
+            <a:r>
+              <a:rPr lang="ja-JP" altLang="en-US" dirty="0"/>
+              <a:t>以後“倒産“という場合にはこれらの企業を指す</a:t>
+            </a:r>
+            <a:endParaRPr lang="en-US" altLang="ja-JP" dirty="0"/>
+          </a:p>
+          <a:p>
+            <a:endParaRPr lang="en-US" altLang="ja-JP" dirty="0"/>
+          </a:p>
+          <a:p>
+            <a:endParaRPr lang="en-US" altLang="ja-JP" dirty="0"/>
+          </a:p>
+        </p:txBody>
+      </p:sp>
+    </p:spTree>
+    <p:extLst>
+      <p:ext uri="{BB962C8B-B14F-4D97-AF65-F5344CB8AC3E}">
+        <p14:creationId xmlns:p14="http://schemas.microsoft.com/office/powerpoint/2010/main" val="4258918876"/>
+      </p:ext>
+    </p:extLst>
+  </p:cSld>
+  <p:clrMapOvr>
+    <a:masterClrMapping/>
+  </p:clrMapOvr>
+</p:sld>
+</file>
+
+<file path=ppt/slides/slide26.xml><?xml version="1.0" encoding="utf-8"?>
+<p:sld xmlns:a="http://schemas.openxmlformats.org/drawingml/2006/main" xmlns:r="http://schemas.openxmlformats.org/officeDocument/2006/relationships" xmlns:p="http://schemas.openxmlformats.org/presentationml/2006/main">
+  <p:cSld>
+    <p:spTree>
+      <p:nvGrpSpPr>
+        <p:cNvPr id="1" name=""/>
+        <p:cNvGrpSpPr/>
+        <p:nvPr/>
+      </p:nvGrpSpPr>
+      <p:grpSpPr>
+        <a:xfrm>
+          <a:off x="0" y="0"/>
+          <a:ext cx="0" cy="0"/>
+          <a:chOff x="0" y="0"/>
+          <a:chExt cx="0" cy="0"/>
+        </a:xfrm>
+      </p:grpSpPr>
+      <p:sp>
+        <p:nvSpPr>
+          <p:cNvPr id="2" name="タイトル 1">
+            <a:extLst>
+              <a:ext uri="{FF2B5EF4-FFF2-40B4-BE49-F238E27FC236}">
+                <a16:creationId xmlns:a16="http://schemas.microsoft.com/office/drawing/2014/main" id="{84E76098-5ABF-4709-A130-78345D6144C6}"/>
+              </a:ext>
+            </a:extLst>
+          </p:cNvPr>
+          <p:cNvSpPr>
+            <a:spLocks noGrp="1"/>
+          </p:cNvSpPr>
+          <p:nvPr>
+            <p:ph type="title"/>
+          </p:nvPr>
+        </p:nvSpPr>
+        <p:spPr>
+          <a:xfrm>
+            <a:off x="838200" y="0"/>
+            <a:ext cx="10515600" cy="746983"/>
+          </a:xfrm>
+        </p:spPr>
+        <p:txBody>
+          <a:bodyPr>
+            <a:normAutofit/>
+          </a:bodyPr>
+          <a:lstStyle/>
+          <a:p>
+            <a:r>
+              <a:rPr lang="ja-JP" altLang="en-US" dirty="0"/>
+              <a:t>対象とする年代について</a:t>
+            </a:r>
+            <a:endParaRPr kumimoji="1" lang="ja-JP" altLang="en-US" dirty="0"/>
+          </a:p>
+        </p:txBody>
+      </p:sp>
+      <p:sp>
+        <p:nvSpPr>
+          <p:cNvPr id="3" name="コンテンツ プレースホルダー 2">
+            <a:extLst>
+              <a:ext uri="{FF2B5EF4-FFF2-40B4-BE49-F238E27FC236}">
+                <a16:creationId xmlns:a16="http://schemas.microsoft.com/office/drawing/2014/main" id="{6542FA18-B0BE-4A9A-A81C-6917BCE2D0B7}"/>
+              </a:ext>
+            </a:extLst>
+          </p:cNvPr>
+          <p:cNvSpPr>
+            <a:spLocks noGrp="1"/>
+          </p:cNvSpPr>
+          <p:nvPr>
+            <p:ph idx="1"/>
+          </p:nvPr>
+        </p:nvSpPr>
+        <p:spPr>
+          <a:xfrm>
+            <a:off x="838200" y="746983"/>
+            <a:ext cx="10515600" cy="5642919"/>
+          </a:xfrm>
+        </p:spPr>
+        <p:txBody>
+          <a:bodyPr>
+            <a:normAutofit/>
+          </a:bodyPr>
+          <a:lstStyle/>
+          <a:p>
+            <a:pPr marL="0" indent="0">
+              <a:buNone/>
+            </a:pPr>
+            <a:r>
+              <a:rPr lang="ja-JP" altLang="en-US" dirty="0"/>
+              <a:t>なぜ</a:t>
+            </a:r>
+            <a:r>
+              <a:rPr lang="en-US" altLang="ja-JP" dirty="0"/>
+              <a:t>2000</a:t>
+            </a:r>
+            <a:r>
+              <a:rPr lang="ja-JP" altLang="en-US" dirty="0"/>
+              <a:t>年</a:t>
+            </a:r>
+            <a:r>
+              <a:rPr lang="en-US" altLang="ja-JP" dirty="0"/>
+              <a:t>4</a:t>
+            </a:r>
+            <a:r>
+              <a:rPr lang="ja-JP" altLang="en-US" dirty="0"/>
+              <a:t>月以降なのか</a:t>
+            </a:r>
+            <a:endParaRPr lang="en-US" altLang="ja-JP" dirty="0"/>
+          </a:p>
+          <a:p>
+            <a:pPr marL="0" indent="0">
+              <a:buNone/>
+            </a:pPr>
+            <a:r>
+              <a:rPr lang="ja-JP" altLang="en-US" dirty="0"/>
+              <a:t>→</a:t>
+            </a:r>
+            <a:r>
+              <a:rPr lang="en-US" altLang="ja-JP" dirty="0"/>
+              <a:t>2000</a:t>
+            </a:r>
+            <a:r>
+              <a:rPr lang="ja-JP" altLang="en-US" dirty="0"/>
+              <a:t>年</a:t>
+            </a:r>
+            <a:r>
+              <a:rPr lang="en-US" altLang="ja-JP" dirty="0"/>
+              <a:t>4</a:t>
+            </a:r>
+            <a:r>
+              <a:rPr lang="ja-JP" altLang="en-US" dirty="0"/>
+              <a:t>月に民事再生法が施行され、和議法が廃止された。</a:t>
+            </a:r>
+            <a:endParaRPr lang="en-US" altLang="ja-JP" dirty="0"/>
+          </a:p>
+          <a:p>
+            <a:pPr marL="0" indent="0">
+              <a:buNone/>
+            </a:pPr>
+            <a:br>
+              <a:rPr lang="en-US" altLang="ja-JP" dirty="0"/>
+            </a:br>
+            <a:r>
+              <a:rPr lang="en-US" altLang="ja-JP" dirty="0"/>
+              <a:t>2000</a:t>
+            </a:r>
+            <a:r>
+              <a:rPr lang="ja-JP" altLang="en-US" dirty="0"/>
+              <a:t>年</a:t>
+            </a:r>
+            <a:r>
+              <a:rPr lang="en-US" altLang="ja-JP" dirty="0"/>
+              <a:t>4</a:t>
+            </a:r>
+            <a:r>
+              <a:rPr lang="ja-JP" altLang="en-US" dirty="0"/>
+              <a:t>月以前は殆どの企業は法的整理により再建を目指す場合。会社更生法により会社の再建を目指すことが多かった。</a:t>
+            </a:r>
+            <a:endParaRPr lang="en-US" altLang="ja-JP" dirty="0"/>
+          </a:p>
+          <a:p>
+            <a:pPr marL="0" indent="0" algn="ctr">
+              <a:buNone/>
+            </a:pPr>
+            <a:r>
+              <a:rPr lang="ja-JP" altLang="en-US" dirty="0"/>
+              <a:t>しかし</a:t>
+            </a:r>
+            <a:endParaRPr lang="en-US" altLang="ja-JP" dirty="0"/>
+          </a:p>
+          <a:p>
+            <a:pPr marL="0" indent="0">
+              <a:buNone/>
+            </a:pPr>
+            <a:r>
+              <a:rPr lang="en-US" altLang="ja-JP" dirty="0"/>
+              <a:t>2000</a:t>
+            </a:r>
+            <a:r>
+              <a:rPr lang="ja-JP" altLang="en-US" dirty="0"/>
+              <a:t>年</a:t>
+            </a:r>
+            <a:r>
+              <a:rPr lang="en-US" altLang="ja-JP" dirty="0"/>
+              <a:t>4</a:t>
+            </a:r>
+            <a:r>
+              <a:rPr lang="ja-JP" altLang="en-US" dirty="0"/>
+              <a:t>月以降は使い勝手のよい民事再生手続きを用いて、会社の状況がより悪化する</a:t>
+            </a:r>
+            <a:r>
+              <a:rPr lang="en-US" altLang="ja-JP" dirty="0"/>
+              <a:t>(</a:t>
+            </a:r>
+            <a:r>
+              <a:rPr lang="ja-JP" altLang="en-US" dirty="0"/>
+              <a:t>再起不能になる</a:t>
+            </a:r>
+            <a:r>
+              <a:rPr lang="en-US" altLang="ja-JP" dirty="0"/>
+              <a:t>)</a:t>
+            </a:r>
+            <a:r>
+              <a:rPr lang="ja-JP" altLang="en-US" dirty="0"/>
+              <a:t>前から再建を目指すケースが多く見られた。</a:t>
+            </a:r>
+            <a:endParaRPr lang="en-US" altLang="ja-JP" dirty="0"/>
+          </a:p>
+          <a:p>
+            <a:pPr marL="0" indent="0">
+              <a:buNone/>
+            </a:pPr>
+            <a:endParaRPr lang="en-US" altLang="ja-JP" dirty="0"/>
+          </a:p>
+          <a:p>
+            <a:pPr marL="0" indent="0">
+              <a:buNone/>
+            </a:pPr>
+            <a:r>
+              <a:rPr lang="ja-JP" altLang="en-US" dirty="0"/>
+              <a:t>よって、今後の会社倒産にも対応できるモデル構築を目指すためにも民事再生法施行以後の企業のみを対象とした。</a:t>
+            </a:r>
+            <a:endParaRPr lang="en-US" altLang="ja-JP" dirty="0"/>
+          </a:p>
+        </p:txBody>
+      </p:sp>
+    </p:spTree>
+    <p:extLst>
+      <p:ext uri="{BB962C8B-B14F-4D97-AF65-F5344CB8AC3E}">
+        <p14:creationId xmlns:p14="http://schemas.microsoft.com/office/powerpoint/2010/main" val="3080708488"/>
+      </p:ext>
+    </p:extLst>
+  </p:cSld>
+  <p:clrMapOvr>
+    <a:masterClrMapping/>
+  </p:clrMapOvr>
+</p:sld>
+</file>
+
+<file path=ppt/slides/slide27.xml><?xml version="1.0" encoding="utf-8"?>
+<p:sld xmlns:a="http://schemas.openxmlformats.org/drawingml/2006/main" xmlns:r="http://schemas.openxmlformats.org/officeDocument/2006/relationships" xmlns:p="http://schemas.openxmlformats.org/presentationml/2006/main">
+  <p:cSld>
+    <p:spTree>
+      <p:nvGrpSpPr>
+        <p:cNvPr id="1" name=""/>
+        <p:cNvGrpSpPr/>
+        <p:nvPr/>
+      </p:nvGrpSpPr>
+      <p:grpSpPr>
+        <a:xfrm>
+          <a:off x="0" y="0"/>
+          <a:ext cx="0" cy="0"/>
+          <a:chOff x="0" y="0"/>
+          <a:chExt cx="0" cy="0"/>
+        </a:xfrm>
+      </p:grpSpPr>
+      <p:sp>
+        <p:nvSpPr>
+          <p:cNvPr id="2" name="タイトル 1">
+            <a:extLst>
+              <a:ext uri="{FF2B5EF4-FFF2-40B4-BE49-F238E27FC236}">
+                <a16:creationId xmlns:a16="http://schemas.microsoft.com/office/drawing/2014/main" id="{A0221AC4-50DA-4E6B-9BA7-8A3BDEE0EA4C}"/>
+              </a:ext>
+            </a:extLst>
+          </p:cNvPr>
+          <p:cNvSpPr>
+            <a:spLocks noGrp="1"/>
+          </p:cNvSpPr>
+          <p:nvPr>
+            <p:ph type="title"/>
+          </p:nvPr>
+        </p:nvSpPr>
+        <p:spPr/>
+        <p:txBody>
+          <a:bodyPr/>
+          <a:lstStyle/>
+          <a:p>
+            <a:r>
+              <a:rPr lang="ja-JP" altLang="en-US" dirty="0"/>
+              <a:t>当面の分析対象</a:t>
+            </a:r>
+            <a:endParaRPr kumimoji="1" lang="ja-JP" altLang="en-US" dirty="0"/>
+          </a:p>
+        </p:txBody>
+      </p:sp>
+      <p:sp>
+        <p:nvSpPr>
+          <p:cNvPr id="3" name="コンテンツ プレースホルダー 2">
+            <a:extLst>
+              <a:ext uri="{FF2B5EF4-FFF2-40B4-BE49-F238E27FC236}">
+                <a16:creationId xmlns:a16="http://schemas.microsoft.com/office/drawing/2014/main" id="{2B24CA91-8E81-4A08-87D5-485ADA5005B8}"/>
+              </a:ext>
+            </a:extLst>
+          </p:cNvPr>
+          <p:cNvSpPr>
+            <a:spLocks noGrp="1"/>
+          </p:cNvSpPr>
+          <p:nvPr>
+            <p:ph idx="1"/>
+          </p:nvPr>
+        </p:nvSpPr>
+        <p:spPr/>
+        <p:txBody>
+          <a:bodyPr/>
+          <a:lstStyle/>
+          <a:p>
+            <a:r>
+              <a:rPr kumimoji="1" lang="ja-JP" altLang="en-US" dirty="0"/>
+              <a:t>倒産までの直近</a:t>
+            </a:r>
+            <a:r>
+              <a:rPr kumimoji="1" lang="en-US" altLang="ja-JP" dirty="0"/>
+              <a:t>10</a:t>
+            </a:r>
+            <a:r>
+              <a:rPr kumimoji="1" lang="ja-JP" altLang="en-US" dirty="0"/>
+              <a:t>年分の貸借対照表</a:t>
+            </a:r>
+            <a:r>
+              <a:rPr kumimoji="1" lang="en-US" altLang="ja-JP" dirty="0"/>
+              <a:t>(B/S),</a:t>
+            </a:r>
+            <a:r>
+              <a:rPr kumimoji="1" lang="ja-JP" altLang="en-US" dirty="0"/>
+              <a:t>損益計算書</a:t>
+            </a:r>
+            <a:r>
+              <a:rPr kumimoji="1" lang="en-US" altLang="ja-JP" dirty="0"/>
+              <a:t>(P/L),</a:t>
+            </a:r>
+            <a:r>
+              <a:rPr kumimoji="1" lang="ja-JP" altLang="en-US" dirty="0"/>
+              <a:t>キャッシュ・フロー計算書</a:t>
+            </a:r>
+            <a:r>
+              <a:rPr kumimoji="1" lang="en-US" altLang="ja-JP" dirty="0"/>
+              <a:t>(C/F),</a:t>
+            </a:r>
+            <a:r>
+              <a:rPr kumimoji="1" lang="ja-JP" altLang="en-US" dirty="0"/>
+              <a:t>株主資本等変動計算書</a:t>
+            </a:r>
+            <a:r>
+              <a:rPr kumimoji="1" lang="en-US" altLang="ja-JP" dirty="0"/>
+              <a:t>(S/S)</a:t>
+            </a:r>
+          </a:p>
+          <a:p>
+            <a:pPr marL="0" indent="0">
+              <a:buNone/>
+            </a:pPr>
+            <a:endParaRPr lang="en-US" altLang="ja-JP" dirty="0"/>
+          </a:p>
+          <a:p>
+            <a:pPr marL="0" indent="0">
+              <a:buNone/>
+            </a:pPr>
+            <a:r>
+              <a:rPr lang="en-US" altLang="ja-JP" dirty="0"/>
+              <a:t>※</a:t>
+            </a:r>
+            <a:r>
+              <a:rPr lang="ja-JP" altLang="en-US" dirty="0"/>
+              <a:t>但し</a:t>
+            </a:r>
+            <a:r>
+              <a:rPr lang="en-US" altLang="ja-JP" dirty="0"/>
+              <a:t>C/F</a:t>
+            </a:r>
+            <a:r>
+              <a:rPr lang="ja-JP" altLang="en-US" dirty="0"/>
+              <a:t>は</a:t>
+            </a:r>
+            <a:r>
+              <a:rPr lang="en-US" altLang="ja-JP" dirty="0"/>
+              <a:t>2000</a:t>
+            </a:r>
+            <a:r>
+              <a:rPr lang="ja-JP" altLang="en-US" dirty="0"/>
+              <a:t>年</a:t>
+            </a:r>
+            <a:r>
+              <a:rPr lang="en-US" altLang="ja-JP" dirty="0"/>
+              <a:t>3</a:t>
+            </a:r>
+            <a:r>
+              <a:rPr lang="ja-JP" altLang="en-US" dirty="0"/>
+              <a:t>月期から作成が義務づけ、</a:t>
+            </a:r>
+            <a:r>
+              <a:rPr lang="en-US" altLang="ja-JP" dirty="0"/>
+              <a:t>S/S</a:t>
+            </a:r>
+            <a:r>
+              <a:rPr lang="ja-JP" altLang="en-US" dirty="0"/>
+              <a:t>は</a:t>
+            </a:r>
+            <a:r>
+              <a:rPr lang="en-US" altLang="ja-JP" dirty="0"/>
+              <a:t>2006</a:t>
+            </a:r>
+            <a:r>
+              <a:rPr lang="ja-JP" altLang="en-US" dirty="0"/>
+              <a:t>年</a:t>
+            </a:r>
+            <a:r>
+              <a:rPr lang="en-US" altLang="ja-JP" dirty="0"/>
+              <a:t>5</a:t>
+            </a:r>
+            <a:r>
+              <a:rPr lang="ja-JP" altLang="en-US" dirty="0"/>
+              <a:t>月期から作成が義務づけられたため、それ以前の期間については対象にできない</a:t>
+            </a:r>
+            <a:endParaRPr lang="en-US" altLang="ja-JP" dirty="0"/>
+          </a:p>
+        </p:txBody>
+      </p:sp>
+    </p:spTree>
+    <p:extLst>
+      <p:ext uri="{BB962C8B-B14F-4D97-AF65-F5344CB8AC3E}">
+        <p14:creationId xmlns:p14="http://schemas.microsoft.com/office/powerpoint/2010/main" val="4127348422"/>
+      </p:ext>
+    </p:extLst>
+  </p:cSld>
+  <p:clrMapOvr>
+    <a:masterClrMapping/>
+  </p:clrMapOvr>
+</p:sld>
+</file>
+
+<file path=ppt/slides/slide28.xml><?xml version="1.0" encoding="utf-8"?>
+<p:sld xmlns:a="http://schemas.openxmlformats.org/drawingml/2006/main" xmlns:r="http://schemas.openxmlformats.org/officeDocument/2006/relationships" xmlns:p="http://schemas.openxmlformats.org/presentationml/2006/main">
+  <p:cSld>
+    <p:spTree>
+      <p:nvGrpSpPr>
+        <p:cNvPr id="1" name=""/>
+        <p:cNvGrpSpPr/>
+        <p:nvPr/>
+      </p:nvGrpSpPr>
+      <p:grpSpPr>
+        <a:xfrm>
+          <a:off x="0" y="0"/>
+          <a:ext cx="0" cy="0"/>
+          <a:chOff x="0" y="0"/>
+          <a:chExt cx="0" cy="0"/>
+        </a:xfrm>
+      </p:grpSpPr>
+      <p:sp>
+        <p:nvSpPr>
+          <p:cNvPr id="2" name="タイトル 1">
+            <a:extLst>
+              <a:ext uri="{FF2B5EF4-FFF2-40B4-BE49-F238E27FC236}">
                 <a16:creationId xmlns:a16="http://schemas.microsoft.com/office/drawing/2014/main" id="{5508EA8E-AA18-45DC-99A6-DE54D80C7554}"/>
               </a:ext>
             </a:extLst>
@@ -12604,8 +14666,8 @@
           <a:lstStyle/>
           <a:p>
             <a:r>
-              <a:rPr kumimoji="1" lang="en-US" altLang="ja-JP" dirty="0" err="1"/>
-              <a:t>FinancialQuest</a:t>
+              <a:rPr kumimoji="1" lang="en-US" altLang="ja-JP" dirty="0"/>
+              <a:t>Financial Quest</a:t>
             </a:r>
             <a:r>
               <a:rPr lang="ja-JP" altLang="en-US" dirty="0"/>
@@ -12617,10 +14679,6 @@
             <a:pPr marL="0" indent="0">
               <a:buNone/>
             </a:pPr>
-            <a:r>
-              <a:rPr lang="ja-JP" altLang="en-US" dirty="0"/>
-              <a:t>問題点</a:t>
-            </a:r>
             <a:endParaRPr lang="en-US" altLang="ja-JP" dirty="0"/>
           </a:p>
           <a:p>
@@ -12628,8 +14686,16 @@
               <a:buNone/>
             </a:pPr>
             <a:r>
+              <a:rPr lang="ja-JP" altLang="en-US" u="sng" dirty="0"/>
+              <a:t>問題点</a:t>
+            </a:r>
+            <a:r>
+              <a:rPr lang="en-US" altLang="ja-JP" u="sng" dirty="0"/>
+              <a:t>#2</a:t>
+            </a:r>
+            <a:r>
               <a:rPr kumimoji="1" lang="ja-JP" altLang="en-US" dirty="0"/>
-              <a:t>　　　　　　　　　　　　　　　　　   </a:t>
+              <a:t>　　　　　　　　　　　　　  </a:t>
             </a:r>
             <a:r>
               <a:rPr kumimoji="1" lang="en-US" altLang="ja-JP" dirty="0">
@@ -13273,7 +15339,7 @@
 </p:sld>
 </file>
 
-<file path=ppt/slides/slide21.xml><?xml version="1.0" encoding="utf-8"?>
+<file path=ppt/slides/slide29.xml><?xml version="1.0" encoding="utf-8"?>
 <p:sld xmlns:a="http://schemas.openxmlformats.org/drawingml/2006/main" xmlns:r="http://schemas.openxmlformats.org/officeDocument/2006/relationships" xmlns:p="http://schemas.openxmlformats.org/presentationml/2006/main">
   <p:cSld>
     <p:spTree>
@@ -13477,7 +15543,7 @@
             </a:pPr>
             <a:r>
               <a:rPr lang="ja-JP" altLang="en-US" dirty="0"/>
-              <a:t>⑤当面の分析事項</a:t>
+              <a:t>⑤当面の分析対象</a:t>
             </a:r>
             <a:endParaRPr lang="en-US" altLang="ja-JP" dirty="0"/>
           </a:p>
@@ -13503,6 +15569,290 @@
     <p:extLst>
       <p:ext uri="{BB962C8B-B14F-4D97-AF65-F5344CB8AC3E}">
         <p14:creationId xmlns:p14="http://schemas.microsoft.com/office/powerpoint/2010/main" val="1237661953"/>
+      </p:ext>
+    </p:extLst>
+  </p:cSld>
+  <p:clrMapOvr>
+    <a:masterClrMapping/>
+  </p:clrMapOvr>
+</p:sld>
+</file>
+
+<file path=ppt/slides/slide30.xml><?xml version="1.0" encoding="utf-8"?>
+<p:sld xmlns:a="http://schemas.openxmlformats.org/drawingml/2006/main" xmlns:r="http://schemas.openxmlformats.org/officeDocument/2006/relationships" xmlns:p="http://schemas.openxmlformats.org/presentationml/2006/main">
+  <p:cSld>
+    <p:spTree>
+      <p:nvGrpSpPr>
+        <p:cNvPr id="1" name=""/>
+        <p:cNvGrpSpPr/>
+        <p:nvPr/>
+      </p:nvGrpSpPr>
+      <p:grpSpPr>
+        <a:xfrm>
+          <a:off x="0" y="0"/>
+          <a:ext cx="0" cy="0"/>
+          <a:chOff x="0" y="0"/>
+          <a:chExt cx="0" cy="0"/>
+        </a:xfrm>
+      </p:grpSpPr>
+      <p:pic>
+        <p:nvPicPr>
+          <p:cNvPr id="5" name="コンテンツ プレースホルダー 4">
+            <a:extLst>
+              <a:ext uri="{FF2B5EF4-FFF2-40B4-BE49-F238E27FC236}">
+                <a16:creationId xmlns:a16="http://schemas.microsoft.com/office/drawing/2014/main" id="{9EBE6E35-A723-471C-BAA5-2BD6336EA30C}"/>
+              </a:ext>
+            </a:extLst>
+          </p:cNvPr>
+          <p:cNvPicPr>
+            <a:picLocks noGrp="1" noChangeAspect="1"/>
+          </p:cNvPicPr>
+          <p:nvPr>
+            <p:ph idx="1"/>
+          </p:nvPr>
+        </p:nvPicPr>
+        <p:blipFill>
+          <a:blip r:embed="rId2">
+            <a:extLst>
+              <a:ext uri="{28A0092B-C50C-407E-A947-70E740481C1C}">
+                <a14:useLocalDpi xmlns:a14="http://schemas.microsoft.com/office/drawing/2010/main" val="0"/>
+              </a:ext>
+            </a:extLst>
+          </a:blip>
+          <a:stretch>
+            <a:fillRect/>
+          </a:stretch>
+        </p:blipFill>
+        <p:spPr>
+          <a:xfrm>
+            <a:off x="1" y="375491"/>
+            <a:ext cx="12192000" cy="6254633"/>
+          </a:xfrm>
+        </p:spPr>
+      </p:pic>
+    </p:spTree>
+    <p:extLst>
+      <p:ext uri="{BB962C8B-B14F-4D97-AF65-F5344CB8AC3E}">
+        <p14:creationId xmlns:p14="http://schemas.microsoft.com/office/powerpoint/2010/main" val="521283615"/>
+      </p:ext>
+    </p:extLst>
+  </p:cSld>
+  <p:clrMapOvr>
+    <a:masterClrMapping/>
+  </p:clrMapOvr>
+</p:sld>
+</file>
+
+<file path=ppt/slides/slide31.xml><?xml version="1.0" encoding="utf-8"?>
+<p:sld xmlns:a="http://schemas.openxmlformats.org/drawingml/2006/main" xmlns:r="http://schemas.openxmlformats.org/officeDocument/2006/relationships" xmlns:p="http://schemas.openxmlformats.org/presentationml/2006/main">
+  <p:cSld>
+    <p:spTree>
+      <p:nvGrpSpPr>
+        <p:cNvPr id="1" name=""/>
+        <p:cNvGrpSpPr/>
+        <p:nvPr/>
+      </p:nvGrpSpPr>
+      <p:grpSpPr>
+        <a:xfrm>
+          <a:off x="0" y="0"/>
+          <a:ext cx="0" cy="0"/>
+          <a:chOff x="0" y="0"/>
+          <a:chExt cx="0" cy="0"/>
+        </a:xfrm>
+      </p:grpSpPr>
+      <p:sp>
+        <p:nvSpPr>
+          <p:cNvPr id="2" name="タイトル 1">
+            <a:extLst>
+              <a:ext uri="{FF2B5EF4-FFF2-40B4-BE49-F238E27FC236}">
+                <a16:creationId xmlns:a16="http://schemas.microsoft.com/office/drawing/2014/main" id="{FDE14ED7-EB81-4178-9DA2-4B43AF944DBA}"/>
+              </a:ext>
+            </a:extLst>
+          </p:cNvPr>
+          <p:cNvSpPr>
+            <a:spLocks noGrp="1"/>
+          </p:cNvSpPr>
+          <p:nvPr>
+            <p:ph type="title"/>
+          </p:nvPr>
+        </p:nvSpPr>
+        <p:spPr/>
+        <p:txBody>
+          <a:bodyPr>
+            <a:normAutofit/>
+          </a:bodyPr>
+          <a:lstStyle/>
+          <a:p>
+            <a:r>
+              <a:rPr kumimoji="1" lang="en-US" altLang="ja-JP" sz="4000" dirty="0"/>
+              <a:t>(</a:t>
+            </a:r>
+            <a:r>
+              <a:rPr kumimoji="1" lang="ja-JP" altLang="en-US" sz="4000" dirty="0"/>
+              <a:t>参考</a:t>
+            </a:r>
+            <a:r>
+              <a:rPr kumimoji="1" lang="en-US" altLang="ja-JP" sz="4000" dirty="0"/>
+              <a:t>)2000</a:t>
+            </a:r>
+            <a:r>
+              <a:rPr kumimoji="1" lang="ja-JP" altLang="en-US" sz="4000" dirty="0"/>
+              <a:t>年以降の上場廃止企業について</a:t>
+            </a:r>
+          </a:p>
+        </p:txBody>
+      </p:sp>
+      <p:sp>
+        <p:nvSpPr>
+          <p:cNvPr id="3" name="コンテンツ プレースホルダー 2">
+            <a:extLst>
+              <a:ext uri="{FF2B5EF4-FFF2-40B4-BE49-F238E27FC236}">
+                <a16:creationId xmlns:a16="http://schemas.microsoft.com/office/drawing/2014/main" id="{E0702E04-45D3-4D58-877D-2F5CF8485D10}"/>
+              </a:ext>
+            </a:extLst>
+          </p:cNvPr>
+          <p:cNvSpPr>
+            <a:spLocks noGrp="1"/>
+          </p:cNvSpPr>
+          <p:nvPr>
+            <p:ph idx="1"/>
+          </p:nvPr>
+        </p:nvSpPr>
+        <p:spPr>
+          <a:xfrm>
+            <a:off x="838200" y="1825625"/>
+            <a:ext cx="10515600" cy="4932984"/>
+          </a:xfrm>
+        </p:spPr>
+        <p:txBody>
+          <a:bodyPr>
+            <a:normAutofit lnSpcReduction="10000"/>
+          </a:bodyPr>
+          <a:lstStyle/>
+          <a:p>
+            <a:pPr marL="0" indent="0">
+              <a:buNone/>
+            </a:pPr>
+            <a:r>
+              <a:rPr lang="ja-JP" altLang="en-US" dirty="0"/>
+              <a:t>上場廃止企業合計</a:t>
+            </a:r>
+            <a:r>
+              <a:rPr lang="en-US" altLang="ja-JP" dirty="0"/>
+              <a:t>:169</a:t>
+            </a:r>
+          </a:p>
+          <a:p>
+            <a:pPr marL="0" indent="0">
+              <a:buNone/>
+            </a:pPr>
+            <a:endParaRPr lang="en-US" altLang="ja-JP" dirty="0"/>
+          </a:p>
+          <a:p>
+            <a:pPr marL="0" indent="0">
+              <a:buNone/>
+            </a:pPr>
+            <a:r>
+              <a:rPr lang="ja-JP" altLang="en-US" dirty="0"/>
+              <a:t>上場廃止理由別分類</a:t>
+            </a:r>
+            <a:endParaRPr lang="en-US" altLang="ja-JP" dirty="0"/>
+          </a:p>
+          <a:p>
+            <a:r>
+              <a:rPr lang="ja-JP" altLang="en-US" dirty="0"/>
+              <a:t>民事再生法の適用</a:t>
+            </a:r>
+            <a:r>
+              <a:rPr lang="en-US" altLang="ja-JP" dirty="0"/>
+              <a:t>:59</a:t>
+            </a:r>
+          </a:p>
+          <a:p>
+            <a:r>
+              <a:rPr lang="ja-JP" altLang="en-US" dirty="0"/>
+              <a:t>会社更生法</a:t>
+            </a:r>
+            <a:r>
+              <a:rPr lang="en-US" altLang="ja-JP" dirty="0"/>
+              <a:t>:</a:t>
+            </a:r>
+            <a:r>
+              <a:rPr lang="ja-JP" altLang="en-US" dirty="0"/>
+              <a:t>の適用</a:t>
+            </a:r>
+            <a:r>
+              <a:rPr lang="en-US" altLang="ja-JP" dirty="0"/>
+              <a:t>24</a:t>
+            </a:r>
+          </a:p>
+          <a:p>
+            <a:r>
+              <a:rPr lang="ja-JP" altLang="en-US" dirty="0"/>
+              <a:t>破産の適用</a:t>
+            </a:r>
+            <a:r>
+              <a:rPr lang="en-US" altLang="ja-JP" dirty="0"/>
+              <a:t>:14</a:t>
+            </a:r>
+          </a:p>
+          <a:p>
+            <a:r>
+              <a:rPr lang="ja-JP" altLang="en-US" dirty="0"/>
+              <a:t>債務超過</a:t>
+            </a:r>
+            <a:r>
+              <a:rPr lang="en-US" altLang="ja-JP" dirty="0"/>
+              <a:t>:4</a:t>
+            </a:r>
+          </a:p>
+          <a:p>
+            <a:r>
+              <a:rPr lang="ja-JP" altLang="en-US" dirty="0"/>
+              <a:t>有価証券報告書提出遅延</a:t>
+            </a:r>
+            <a:r>
+              <a:rPr lang="en-US" altLang="ja-JP" dirty="0"/>
+              <a:t>:3</a:t>
+            </a:r>
+          </a:p>
+          <a:p>
+            <a:r>
+              <a:rPr lang="ja-JP" altLang="en-US" dirty="0"/>
+              <a:t>有価証券報告書虚偽記載</a:t>
+            </a:r>
+            <a:r>
+              <a:rPr lang="en-US" altLang="ja-JP" dirty="0"/>
+              <a:t>:9</a:t>
+            </a:r>
+          </a:p>
+          <a:p>
+            <a:r>
+              <a:rPr lang="ja-JP" altLang="en-US" dirty="0"/>
+              <a:t>その他</a:t>
+            </a:r>
+            <a:r>
+              <a:rPr lang="en-US" altLang="ja-JP" dirty="0"/>
+              <a:t>(TOB,MBO</a:t>
+            </a:r>
+            <a:r>
+              <a:rPr lang="ja-JP" altLang="en-US" dirty="0"/>
+              <a:t>等</a:t>
+            </a:r>
+            <a:r>
+              <a:rPr lang="en-US" altLang="ja-JP" dirty="0"/>
+              <a:t>):56</a:t>
+            </a:r>
+          </a:p>
+          <a:p>
+            <a:endParaRPr kumimoji="1" lang="ja-JP" altLang="en-US" dirty="0"/>
+          </a:p>
+        </p:txBody>
+      </p:sp>
+    </p:spTree>
+    <p:extLst>
+      <p:ext uri="{BB962C8B-B14F-4D97-AF65-F5344CB8AC3E}">
+        <p14:creationId xmlns:p14="http://schemas.microsoft.com/office/powerpoint/2010/main" val="2795091275"/>
       </p:ext>
     </p:extLst>
   </p:cSld>
@@ -14725,6 +17075,12 @@
               <a:rPr lang="ja-JP" altLang="en-US" dirty="0"/>
               <a:t>裁判所に特別清算開始を申請する</a:t>
             </a:r>
+            <a:endParaRPr lang="en-US" altLang="ja-JP" dirty="0"/>
+          </a:p>
+          <a:p>
+            <a:pPr marL="0" indent="0">
+              <a:buNone/>
+            </a:pPr>
             <a:endParaRPr lang="en-US" altLang="ja-JP" dirty="0"/>
           </a:p>
           <a:p>

--- a/倒産の研究(仮).pptx
+++ b/倒産の研究(仮).pptx
@@ -28,14 +28,13 @@
     <p:sldId id="289" r:id="rId22"/>
     <p:sldId id="291" r:id="rId23"/>
     <p:sldId id="290" r:id="rId24"/>
-    <p:sldId id="292" r:id="rId25"/>
-    <p:sldId id="287" r:id="rId26"/>
-    <p:sldId id="270" r:id="rId27"/>
-    <p:sldId id="261" r:id="rId28"/>
-    <p:sldId id="264" r:id="rId29"/>
-    <p:sldId id="278" r:id="rId30"/>
-    <p:sldId id="283" r:id="rId31"/>
-    <p:sldId id="284" r:id="rId32"/>
+    <p:sldId id="287" r:id="rId25"/>
+    <p:sldId id="270" r:id="rId26"/>
+    <p:sldId id="261" r:id="rId27"/>
+    <p:sldId id="264" r:id="rId28"/>
+    <p:sldId id="278" r:id="rId29"/>
+    <p:sldId id="283" r:id="rId30"/>
+    <p:sldId id="284" r:id="rId31"/>
   </p:sldIdLst>
   <p:sldSz cx="12192000" cy="6858000"/>
   <p:notesSz cx="6858000" cy="9144000"/>
@@ -10801,7 +10800,7 @@
             </a:r>
             <a:r>
               <a:rPr lang="ja-JP" altLang="en-US" sz="2000" dirty="0"/>
-              <a:t>より引用。青文字は筆者加筆</a:t>
+              <a:t>より引用。青文字は加筆</a:t>
             </a:r>
             <a:endParaRPr lang="en-US" altLang="ja-JP" dirty="0"/>
           </a:p>
@@ -13414,13 +13413,9 @@
             <a:endParaRPr lang="en-US" altLang="ja-JP" dirty="0"/>
           </a:p>
           <a:p>
-            <a:r>
-              <a:rPr lang="ja-JP" altLang="en-US" dirty="0"/>
-              <a:t>日立造船富岡機械</a:t>
-            </a:r>
-            <a:endParaRPr lang="en-US" altLang="ja-JP" dirty="0"/>
-          </a:p>
-          <a:p>
+            <a:pPr marL="0" indent="0">
+              <a:buNone/>
+            </a:pPr>
             <a:endParaRPr lang="zh-TW" altLang="en-US" dirty="0"/>
           </a:p>
           <a:p>
@@ -13883,16 +13878,29 @@
           </a:xfrm>
         </p:spPr>
         <p:txBody>
-          <a:bodyPr>
-            <a:normAutofit/>
-          </a:bodyPr>
+          <a:bodyPr/>
           <a:lstStyle/>
           <a:p>
             <a:r>
-              <a:rPr lang="ja-JP" altLang="en-US" dirty="0"/>
-              <a:t>日立造船富岡機械</a:t>
-            </a:r>
-            <a:endParaRPr lang="en-US" altLang="ja-JP" dirty="0"/>
+              <a:rPr kumimoji="1" lang="en-US" altLang="ja-JP" dirty="0"/>
+              <a:t>(</a:t>
+            </a:r>
+            <a:r>
+              <a:rPr kumimoji="1" lang="ja-JP" altLang="en-US" dirty="0"/>
+              <a:t>再</a:t>
+            </a:r>
+            <a:r>
+              <a:rPr lang="ja-JP" altLang="en-US" dirty="0"/>
+              <a:t>表示</a:t>
+            </a:r>
+            <a:r>
+              <a:rPr lang="en-US" altLang="ja-JP" dirty="0"/>
+              <a:t>)</a:t>
+            </a:r>
+            <a:r>
+              <a:rPr kumimoji="1" lang="ja-JP" altLang="en-US" dirty="0"/>
+              <a:t>倒産の定義を決定</a:t>
+            </a:r>
           </a:p>
         </p:txBody>
       </p:sp>
@@ -13926,47 +13934,71 @@
               <a:buNone/>
             </a:pPr>
             <a:r>
-              <a:rPr lang="en-US" altLang="zh-CN" dirty="0"/>
-              <a:t>2005</a:t>
-            </a:r>
-            <a:r>
-              <a:rPr lang="zh-CN" altLang="en-US" dirty="0"/>
-              <a:t>年</a:t>
-            </a:r>
-            <a:r>
-              <a:rPr lang="en-US" altLang="zh-CN" dirty="0"/>
-              <a:t>3</a:t>
-            </a:r>
-            <a:r>
-              <a:rPr lang="zh-CN" altLang="en-US" dirty="0"/>
-              <a:t>月</a:t>
-            </a:r>
-            <a:r>
-              <a:rPr lang="en-US" altLang="zh-CN" dirty="0"/>
-              <a:t>26</a:t>
-            </a:r>
-            <a:r>
-              <a:rPr lang="zh-CN" altLang="en-US" dirty="0"/>
-              <a:t>日 </a:t>
-            </a:r>
-            <a:r>
-              <a:rPr lang="ja-JP" altLang="en-US" dirty="0"/>
-              <a:t>会社解散。親会社の日立造船によると、</a:t>
+              <a:rPr lang="ja-JP" altLang="en-US" dirty="0"/>
+              <a:t>以上を踏まえて、倒産の定義を</a:t>
+            </a:r>
+            <a:endParaRPr lang="en-US" altLang="ja-JP" dirty="0"/>
+          </a:p>
+          <a:p>
+            <a:r>
+              <a:rPr lang="ja-JP" altLang="en-US" dirty="0"/>
+              <a:t>会社更生法手続きを行った企業</a:t>
+            </a:r>
+            <a:endParaRPr lang="en-US" altLang="ja-JP" dirty="0"/>
+          </a:p>
+          <a:p>
+            <a:r>
+              <a:rPr lang="ja-JP" altLang="en-US" dirty="0"/>
+              <a:t>民事再生法手続きを行った企業</a:t>
+            </a:r>
+            <a:endParaRPr lang="en-US" altLang="ja-JP" dirty="0"/>
+          </a:p>
+          <a:p>
+            <a:r>
+              <a:rPr lang="ja-JP" altLang="en-US" dirty="0"/>
+              <a:t>破産手続きを行った企業</a:t>
+            </a:r>
+            <a:endParaRPr lang="en-US" altLang="ja-JP" dirty="0"/>
+          </a:p>
+          <a:p>
+            <a:r>
+              <a:rPr lang="ja-JP" altLang="en-US" dirty="0"/>
+              <a:t>特別清算手続きを行った企業</a:t>
+            </a:r>
+            <a:endParaRPr lang="en-US" altLang="ja-JP" dirty="0"/>
+          </a:p>
+          <a:p>
+            <a:r>
+              <a:rPr lang="ja-JP" altLang="en-US" dirty="0"/>
+              <a:t>銀行取引処分を受けてから</a:t>
             </a:r>
             <a:r>
               <a:rPr lang="en-US" altLang="ja-JP" dirty="0"/>
-              <a:t>3</a:t>
-            </a:r>
-            <a:r>
-              <a:rPr lang="ja-JP" altLang="en-US" dirty="0"/>
-              <a:t>期連続の赤字になる見込みになったほか今後の販売商品の需要拡大やコストの引き下げも見込めなくなったため。</a:t>
-            </a:r>
+              <a:t>12</a:t>
+            </a:r>
+            <a:r>
+              <a:rPr lang="ja-JP" altLang="en-US" dirty="0"/>
+              <a:t>ヶ月以内に法的整理の手続きを行った企業</a:t>
+            </a:r>
+            <a:endParaRPr lang="en-US" altLang="ja-JP" dirty="0"/>
+          </a:p>
+          <a:p>
             <a:endParaRPr lang="en-US" altLang="ja-JP" dirty="0"/>
           </a:p>
           <a:p>
             <a:pPr marL="0" indent="0">
               <a:buNone/>
             </a:pPr>
+            <a:r>
+              <a:rPr lang="ja-JP" altLang="en-US" dirty="0"/>
+              <a:t>以後“倒産“という場合にはこれらの企業を指す</a:t>
+            </a:r>
+            <a:endParaRPr lang="en-US" altLang="ja-JP" dirty="0"/>
+          </a:p>
+          <a:p>
+            <a:endParaRPr lang="en-US" altLang="ja-JP" dirty="0"/>
+          </a:p>
+          <a:p>
             <a:endParaRPr lang="en-US" altLang="ja-JP" dirty="0"/>
           </a:p>
         </p:txBody>
@@ -13974,7 +14006,7 @@
     </p:spTree>
     <p:extLst>
       <p:ext uri="{BB962C8B-B14F-4D97-AF65-F5344CB8AC3E}">
-        <p14:creationId xmlns:p14="http://schemas.microsoft.com/office/powerpoint/2010/main" val="78696073"/>
+        <p14:creationId xmlns:p14="http://schemas.microsoft.com/office/powerpoint/2010/main" val="4258918876"/>
       </p:ext>
     </p:extLst>
   </p:cSld>
@@ -14019,184 +14051,6 @@
         </p:nvSpPr>
         <p:spPr>
           <a:xfrm>
-            <a:off x="838200" y="365125"/>
-            <a:ext cx="10515600" cy="746983"/>
-          </a:xfrm>
-        </p:spPr>
-        <p:txBody>
-          <a:bodyPr/>
-          <a:lstStyle/>
-          <a:p>
-            <a:r>
-              <a:rPr kumimoji="1" lang="en-US" altLang="ja-JP" dirty="0"/>
-              <a:t>(</a:t>
-            </a:r>
-            <a:r>
-              <a:rPr kumimoji="1" lang="ja-JP" altLang="en-US" dirty="0"/>
-              <a:t>再</a:t>
-            </a:r>
-            <a:r>
-              <a:rPr lang="ja-JP" altLang="en-US" dirty="0"/>
-              <a:t>表示</a:t>
-            </a:r>
-            <a:r>
-              <a:rPr lang="en-US" altLang="ja-JP" dirty="0"/>
-              <a:t>)</a:t>
-            </a:r>
-            <a:r>
-              <a:rPr kumimoji="1" lang="ja-JP" altLang="en-US" dirty="0"/>
-              <a:t>倒産の定義を決定</a:t>
-            </a:r>
-          </a:p>
-        </p:txBody>
-      </p:sp>
-      <p:sp>
-        <p:nvSpPr>
-          <p:cNvPr id="3" name="コンテンツ プレースホルダー 2">
-            <a:extLst>
-              <a:ext uri="{FF2B5EF4-FFF2-40B4-BE49-F238E27FC236}">
-                <a16:creationId xmlns:a16="http://schemas.microsoft.com/office/drawing/2014/main" id="{6542FA18-B0BE-4A9A-A81C-6917BCE2D0B7}"/>
-              </a:ext>
-            </a:extLst>
-          </p:cNvPr>
-          <p:cNvSpPr>
-            <a:spLocks noGrp="1"/>
-          </p:cNvSpPr>
-          <p:nvPr>
-            <p:ph idx="1"/>
-          </p:nvPr>
-        </p:nvSpPr>
-        <p:spPr>
-          <a:xfrm>
-            <a:off x="838200" y="1112108"/>
-            <a:ext cx="10515600" cy="5064855"/>
-          </a:xfrm>
-        </p:spPr>
-        <p:txBody>
-          <a:bodyPr/>
-          <a:lstStyle/>
-          <a:p>
-            <a:pPr marL="0" indent="0">
-              <a:buNone/>
-            </a:pPr>
-            <a:r>
-              <a:rPr lang="ja-JP" altLang="en-US" dirty="0"/>
-              <a:t>以上を踏まえて、倒産の定義を</a:t>
-            </a:r>
-            <a:endParaRPr lang="en-US" altLang="ja-JP" dirty="0"/>
-          </a:p>
-          <a:p>
-            <a:r>
-              <a:rPr lang="ja-JP" altLang="en-US" dirty="0"/>
-              <a:t>会社更生法手続きを行った企業</a:t>
-            </a:r>
-            <a:endParaRPr lang="en-US" altLang="ja-JP" dirty="0"/>
-          </a:p>
-          <a:p>
-            <a:r>
-              <a:rPr lang="ja-JP" altLang="en-US" dirty="0"/>
-              <a:t>民事再生法手続きを行った企業</a:t>
-            </a:r>
-            <a:endParaRPr lang="en-US" altLang="ja-JP" dirty="0"/>
-          </a:p>
-          <a:p>
-            <a:r>
-              <a:rPr lang="ja-JP" altLang="en-US" dirty="0"/>
-              <a:t>破産手続きを行った企業</a:t>
-            </a:r>
-            <a:endParaRPr lang="en-US" altLang="ja-JP" dirty="0"/>
-          </a:p>
-          <a:p>
-            <a:r>
-              <a:rPr lang="ja-JP" altLang="en-US" dirty="0"/>
-              <a:t>特別清算手続きを行った企業</a:t>
-            </a:r>
-            <a:endParaRPr lang="en-US" altLang="ja-JP" dirty="0"/>
-          </a:p>
-          <a:p>
-            <a:r>
-              <a:rPr lang="ja-JP" altLang="en-US" dirty="0"/>
-              <a:t>銀行取引処分を受けてから</a:t>
-            </a:r>
-            <a:r>
-              <a:rPr lang="en-US" altLang="ja-JP" dirty="0"/>
-              <a:t>12</a:t>
-            </a:r>
-            <a:r>
-              <a:rPr lang="ja-JP" altLang="en-US" dirty="0"/>
-              <a:t>ヶ月以内に法的整理の手続きを行った企業</a:t>
-            </a:r>
-            <a:endParaRPr lang="en-US" altLang="ja-JP" dirty="0"/>
-          </a:p>
-          <a:p>
-            <a:endParaRPr lang="en-US" altLang="ja-JP" dirty="0"/>
-          </a:p>
-          <a:p>
-            <a:pPr marL="0" indent="0">
-              <a:buNone/>
-            </a:pPr>
-            <a:r>
-              <a:rPr lang="ja-JP" altLang="en-US" dirty="0"/>
-              <a:t>以後“倒産“という場合にはこれらの企業を指す</a:t>
-            </a:r>
-            <a:endParaRPr lang="en-US" altLang="ja-JP" dirty="0"/>
-          </a:p>
-          <a:p>
-            <a:endParaRPr lang="en-US" altLang="ja-JP" dirty="0"/>
-          </a:p>
-          <a:p>
-            <a:endParaRPr lang="en-US" altLang="ja-JP" dirty="0"/>
-          </a:p>
-        </p:txBody>
-      </p:sp>
-    </p:spTree>
-    <p:extLst>
-      <p:ext uri="{BB962C8B-B14F-4D97-AF65-F5344CB8AC3E}">
-        <p14:creationId xmlns:p14="http://schemas.microsoft.com/office/powerpoint/2010/main" val="4258918876"/>
-      </p:ext>
-    </p:extLst>
-  </p:cSld>
-  <p:clrMapOvr>
-    <a:masterClrMapping/>
-  </p:clrMapOvr>
-</p:sld>
-</file>
-
-<file path=ppt/slides/slide26.xml><?xml version="1.0" encoding="utf-8"?>
-<p:sld xmlns:a="http://schemas.openxmlformats.org/drawingml/2006/main" xmlns:r="http://schemas.openxmlformats.org/officeDocument/2006/relationships" xmlns:p="http://schemas.openxmlformats.org/presentationml/2006/main">
-  <p:cSld>
-    <p:spTree>
-      <p:nvGrpSpPr>
-        <p:cNvPr id="1" name=""/>
-        <p:cNvGrpSpPr/>
-        <p:nvPr/>
-      </p:nvGrpSpPr>
-      <p:grpSpPr>
-        <a:xfrm>
-          <a:off x="0" y="0"/>
-          <a:ext cx="0" cy="0"/>
-          <a:chOff x="0" y="0"/>
-          <a:chExt cx="0" cy="0"/>
-        </a:xfrm>
-      </p:grpSpPr>
-      <p:sp>
-        <p:nvSpPr>
-          <p:cNvPr id="2" name="タイトル 1">
-            <a:extLst>
-              <a:ext uri="{FF2B5EF4-FFF2-40B4-BE49-F238E27FC236}">
-                <a16:creationId xmlns:a16="http://schemas.microsoft.com/office/drawing/2014/main" id="{84E76098-5ABF-4709-A130-78345D6144C6}"/>
-              </a:ext>
-            </a:extLst>
-          </p:cNvPr>
-          <p:cNvSpPr>
-            <a:spLocks noGrp="1"/>
-          </p:cNvSpPr>
-          <p:nvPr>
-            <p:ph type="title"/>
-          </p:nvPr>
-        </p:nvSpPr>
-        <p:spPr>
-          <a:xfrm>
             <a:off x="838200" y="0"/>
             <a:ext cx="10515600" cy="746983"/>
           </a:xfrm>
@@ -14398,7 +14252,7 @@
 </p:sld>
 </file>
 
-<file path=ppt/slides/slide27.xml><?xml version="1.0" encoding="utf-8"?>
+<file path=ppt/slides/slide26.xml><?xml version="1.0" encoding="utf-8"?>
 <p:sld xmlns:a="http://schemas.openxmlformats.org/drawingml/2006/main" xmlns:r="http://schemas.openxmlformats.org/officeDocument/2006/relationships" xmlns:p="http://schemas.openxmlformats.org/presentationml/2006/main">
   <p:cSld>
     <p:spTree>
@@ -14589,7 +14443,7 @@
 </p:sld>
 </file>
 
-<file path=ppt/slides/slide28.xml><?xml version="1.0" encoding="utf-8"?>
+<file path=ppt/slides/slide27.xml><?xml version="1.0" encoding="utf-8"?>
 <p:sld xmlns:a="http://schemas.openxmlformats.org/drawingml/2006/main" xmlns:r="http://schemas.openxmlformats.org/officeDocument/2006/relationships" xmlns:p="http://schemas.openxmlformats.org/presentationml/2006/main">
   <p:cSld>
     <p:spTree>
@@ -15339,7 +15193,7 @@
 </p:sld>
 </file>
 
-<file path=ppt/slides/slide29.xml><?xml version="1.0" encoding="utf-8"?>
+<file path=ppt/slides/slide28.xml><?xml version="1.0" encoding="utf-8"?>
 <p:sld xmlns:a="http://schemas.openxmlformats.org/drawingml/2006/main" xmlns:r="http://schemas.openxmlformats.org/officeDocument/2006/relationships" xmlns:p="http://schemas.openxmlformats.org/presentationml/2006/main">
   <p:cSld>
     <p:spTree>
@@ -15443,142 +15297,7 @@
 </p:sld>
 </file>
 
-<file path=ppt/slides/slide3.xml><?xml version="1.0" encoding="utf-8"?>
-<p:sld xmlns:a="http://schemas.openxmlformats.org/drawingml/2006/main" xmlns:r="http://schemas.openxmlformats.org/officeDocument/2006/relationships" xmlns:p="http://schemas.openxmlformats.org/presentationml/2006/main">
-  <p:cSld>
-    <p:spTree>
-      <p:nvGrpSpPr>
-        <p:cNvPr id="1" name=""/>
-        <p:cNvGrpSpPr/>
-        <p:nvPr/>
-      </p:nvGrpSpPr>
-      <p:grpSpPr>
-        <a:xfrm>
-          <a:off x="0" y="0"/>
-          <a:ext cx="0" cy="0"/>
-          <a:chOff x="0" y="0"/>
-          <a:chExt cx="0" cy="0"/>
-        </a:xfrm>
-      </p:grpSpPr>
-      <p:sp>
-        <p:nvSpPr>
-          <p:cNvPr id="3" name="コンテンツ プレースホルダー 2">
-            <a:extLst>
-              <a:ext uri="{FF2B5EF4-FFF2-40B4-BE49-F238E27FC236}">
-                <a16:creationId xmlns:a16="http://schemas.microsoft.com/office/drawing/2014/main" id="{6542FA18-B0BE-4A9A-A81C-6917BCE2D0B7}"/>
-              </a:ext>
-            </a:extLst>
-          </p:cNvPr>
-          <p:cNvSpPr>
-            <a:spLocks noGrp="1"/>
-          </p:cNvSpPr>
-          <p:nvPr>
-            <p:ph idx="1"/>
-          </p:nvPr>
-        </p:nvSpPr>
-        <p:spPr>
-          <a:xfrm>
-            <a:off x="838200" y="1112108"/>
-            <a:ext cx="10515600" cy="5064855"/>
-          </a:xfrm>
-        </p:spPr>
-        <p:txBody>
-          <a:bodyPr>
-            <a:normAutofit/>
-          </a:bodyPr>
-          <a:lstStyle/>
-          <a:p>
-            <a:pPr marL="0" indent="0">
-              <a:buNone/>
-            </a:pPr>
-            <a:r>
-              <a:rPr lang="ja-JP" altLang="en-US" dirty="0"/>
-              <a:t>今回は、</a:t>
-            </a:r>
-            <a:endParaRPr lang="en-US" altLang="ja-JP" dirty="0"/>
-          </a:p>
-          <a:p>
-            <a:pPr marL="0" indent="0">
-              <a:buNone/>
-            </a:pPr>
-            <a:r>
-              <a:rPr lang="ja-JP" altLang="en-US" dirty="0"/>
-              <a:t>①対象とする企業</a:t>
-            </a:r>
-            <a:endParaRPr lang="en-US" altLang="ja-JP" dirty="0"/>
-          </a:p>
-          <a:p>
-            <a:pPr marL="0" indent="0">
-              <a:buNone/>
-            </a:pPr>
-            <a:r>
-              <a:rPr lang="ja-JP" altLang="en-US" dirty="0"/>
-              <a:t>②倒産とは</a:t>
-            </a:r>
-            <a:endParaRPr lang="en-US" altLang="ja-JP" dirty="0"/>
-          </a:p>
-          <a:p>
-            <a:pPr marL="0" indent="0">
-              <a:buNone/>
-            </a:pPr>
-            <a:r>
-              <a:rPr lang="ja-JP" altLang="en-US" dirty="0"/>
-              <a:t>③対象とする年代</a:t>
-            </a:r>
-            <a:endParaRPr lang="en-US" altLang="ja-JP" dirty="0"/>
-          </a:p>
-          <a:p>
-            <a:pPr marL="0" indent="0">
-              <a:buNone/>
-            </a:pPr>
-            <a:r>
-              <a:rPr lang="ja-JP" altLang="en-US" dirty="0"/>
-              <a:t>④対象とする情報</a:t>
-            </a:r>
-            <a:endParaRPr lang="en-US" altLang="ja-JP" dirty="0"/>
-          </a:p>
-          <a:p>
-            <a:pPr marL="0" indent="0">
-              <a:buNone/>
-            </a:pPr>
-            <a:r>
-              <a:rPr lang="ja-JP" altLang="en-US" dirty="0"/>
-              <a:t>⑤当面の分析対象</a:t>
-            </a:r>
-            <a:endParaRPr lang="en-US" altLang="ja-JP" dirty="0"/>
-          </a:p>
-          <a:p>
-            <a:pPr marL="0" indent="0">
-              <a:buNone/>
-            </a:pPr>
-            <a:r>
-              <a:rPr lang="ja-JP" altLang="en-US" dirty="0"/>
-              <a:t>⑥モデルの構築方法の構想　　　の順番で説明していく</a:t>
-            </a:r>
-            <a:endParaRPr lang="en-US" altLang="ja-JP" dirty="0"/>
-          </a:p>
-          <a:p>
-            <a:pPr marL="0" indent="0">
-              <a:buNone/>
-            </a:pPr>
-            <a:endParaRPr lang="en-US" altLang="ja-JP" dirty="0"/>
-          </a:p>
-        </p:txBody>
-      </p:sp>
-    </p:spTree>
-    <p:extLst>
-      <p:ext uri="{BB962C8B-B14F-4D97-AF65-F5344CB8AC3E}">
-        <p14:creationId xmlns:p14="http://schemas.microsoft.com/office/powerpoint/2010/main" val="1237661953"/>
-      </p:ext>
-    </p:extLst>
-  </p:cSld>
-  <p:clrMapOvr>
-    <a:masterClrMapping/>
-  </p:clrMapOvr>
-</p:sld>
-</file>
-
-<file path=ppt/slides/slide30.xml><?xml version="1.0" encoding="utf-8"?>
+<file path=ppt/slides/slide29.xml><?xml version="1.0" encoding="utf-8"?>
 <p:sld xmlns:a="http://schemas.openxmlformats.org/drawingml/2006/main" xmlns:r="http://schemas.openxmlformats.org/officeDocument/2006/relationships" xmlns:p="http://schemas.openxmlformats.org/presentationml/2006/main">
   <p:cSld>
     <p:spTree>
@@ -15643,7 +15362,142 @@
 </p:sld>
 </file>
 
-<file path=ppt/slides/slide31.xml><?xml version="1.0" encoding="utf-8"?>
+<file path=ppt/slides/slide3.xml><?xml version="1.0" encoding="utf-8"?>
+<p:sld xmlns:a="http://schemas.openxmlformats.org/drawingml/2006/main" xmlns:r="http://schemas.openxmlformats.org/officeDocument/2006/relationships" xmlns:p="http://schemas.openxmlformats.org/presentationml/2006/main">
+  <p:cSld>
+    <p:spTree>
+      <p:nvGrpSpPr>
+        <p:cNvPr id="1" name=""/>
+        <p:cNvGrpSpPr/>
+        <p:nvPr/>
+      </p:nvGrpSpPr>
+      <p:grpSpPr>
+        <a:xfrm>
+          <a:off x="0" y="0"/>
+          <a:ext cx="0" cy="0"/>
+          <a:chOff x="0" y="0"/>
+          <a:chExt cx="0" cy="0"/>
+        </a:xfrm>
+      </p:grpSpPr>
+      <p:sp>
+        <p:nvSpPr>
+          <p:cNvPr id="3" name="コンテンツ プレースホルダー 2">
+            <a:extLst>
+              <a:ext uri="{FF2B5EF4-FFF2-40B4-BE49-F238E27FC236}">
+                <a16:creationId xmlns:a16="http://schemas.microsoft.com/office/drawing/2014/main" id="{6542FA18-B0BE-4A9A-A81C-6917BCE2D0B7}"/>
+              </a:ext>
+            </a:extLst>
+          </p:cNvPr>
+          <p:cNvSpPr>
+            <a:spLocks noGrp="1"/>
+          </p:cNvSpPr>
+          <p:nvPr>
+            <p:ph idx="1"/>
+          </p:nvPr>
+        </p:nvSpPr>
+        <p:spPr>
+          <a:xfrm>
+            <a:off x="838200" y="1112108"/>
+            <a:ext cx="10515600" cy="5064855"/>
+          </a:xfrm>
+        </p:spPr>
+        <p:txBody>
+          <a:bodyPr>
+            <a:normAutofit/>
+          </a:bodyPr>
+          <a:lstStyle/>
+          <a:p>
+            <a:pPr marL="0" indent="0">
+              <a:buNone/>
+            </a:pPr>
+            <a:r>
+              <a:rPr lang="ja-JP" altLang="en-US" dirty="0"/>
+              <a:t>今回は、</a:t>
+            </a:r>
+            <a:endParaRPr lang="en-US" altLang="ja-JP" dirty="0"/>
+          </a:p>
+          <a:p>
+            <a:pPr marL="0" indent="0">
+              <a:buNone/>
+            </a:pPr>
+            <a:r>
+              <a:rPr lang="ja-JP" altLang="en-US" dirty="0"/>
+              <a:t>①対象とする企業</a:t>
+            </a:r>
+            <a:endParaRPr lang="en-US" altLang="ja-JP" dirty="0"/>
+          </a:p>
+          <a:p>
+            <a:pPr marL="0" indent="0">
+              <a:buNone/>
+            </a:pPr>
+            <a:r>
+              <a:rPr lang="ja-JP" altLang="en-US" dirty="0"/>
+              <a:t>②倒産とは</a:t>
+            </a:r>
+            <a:endParaRPr lang="en-US" altLang="ja-JP" dirty="0"/>
+          </a:p>
+          <a:p>
+            <a:pPr marL="0" indent="0">
+              <a:buNone/>
+            </a:pPr>
+            <a:r>
+              <a:rPr lang="ja-JP" altLang="en-US" dirty="0"/>
+              <a:t>③対象とする年代</a:t>
+            </a:r>
+            <a:endParaRPr lang="en-US" altLang="ja-JP" dirty="0"/>
+          </a:p>
+          <a:p>
+            <a:pPr marL="0" indent="0">
+              <a:buNone/>
+            </a:pPr>
+            <a:r>
+              <a:rPr lang="ja-JP" altLang="en-US" dirty="0"/>
+              <a:t>④対象とする情報</a:t>
+            </a:r>
+            <a:endParaRPr lang="en-US" altLang="ja-JP" dirty="0"/>
+          </a:p>
+          <a:p>
+            <a:pPr marL="0" indent="0">
+              <a:buNone/>
+            </a:pPr>
+            <a:r>
+              <a:rPr lang="ja-JP" altLang="en-US" dirty="0"/>
+              <a:t>⑤当面の分析対象</a:t>
+            </a:r>
+            <a:endParaRPr lang="en-US" altLang="ja-JP" dirty="0"/>
+          </a:p>
+          <a:p>
+            <a:pPr marL="0" indent="0">
+              <a:buNone/>
+            </a:pPr>
+            <a:r>
+              <a:rPr lang="ja-JP" altLang="en-US" dirty="0"/>
+              <a:t>⑥モデルの構築方法の構想　　　の順番で説明していく</a:t>
+            </a:r>
+            <a:endParaRPr lang="en-US" altLang="ja-JP" dirty="0"/>
+          </a:p>
+          <a:p>
+            <a:pPr marL="0" indent="0">
+              <a:buNone/>
+            </a:pPr>
+            <a:endParaRPr lang="en-US" altLang="ja-JP" dirty="0"/>
+          </a:p>
+        </p:txBody>
+      </p:sp>
+    </p:spTree>
+    <p:extLst>
+      <p:ext uri="{BB962C8B-B14F-4D97-AF65-F5344CB8AC3E}">
+        <p14:creationId xmlns:p14="http://schemas.microsoft.com/office/powerpoint/2010/main" val="1237661953"/>
+      </p:ext>
+    </p:extLst>
+  </p:cSld>
+  <p:clrMapOvr>
+    <a:masterClrMapping/>
+  </p:clrMapOvr>
+</p:sld>
+</file>
+
+<file path=ppt/slides/slide30.xml><?xml version="1.0" encoding="utf-8"?>
 <p:sld xmlns:a="http://schemas.openxmlformats.org/drawingml/2006/main" xmlns:r="http://schemas.openxmlformats.org/officeDocument/2006/relationships" xmlns:p="http://schemas.openxmlformats.org/presentationml/2006/main">
   <p:cSld>
     <p:spTree>

--- a/倒産の研究(仮).pptx
+++ b/倒産の研究(仮).pptx
@@ -23,18 +23,19 @@
     <p:sldId id="272" r:id="rId17"/>
     <p:sldId id="275" r:id="rId18"/>
     <p:sldId id="285" r:id="rId19"/>
-    <p:sldId id="286" r:id="rId20"/>
-    <p:sldId id="288" r:id="rId21"/>
-    <p:sldId id="289" r:id="rId22"/>
-    <p:sldId id="291" r:id="rId23"/>
-    <p:sldId id="290" r:id="rId24"/>
-    <p:sldId id="287" r:id="rId25"/>
-    <p:sldId id="270" r:id="rId26"/>
-    <p:sldId id="261" r:id="rId27"/>
-    <p:sldId id="264" r:id="rId28"/>
-    <p:sldId id="278" r:id="rId29"/>
-    <p:sldId id="283" r:id="rId30"/>
-    <p:sldId id="284" r:id="rId31"/>
+    <p:sldId id="288" r:id="rId20"/>
+    <p:sldId id="289" r:id="rId21"/>
+    <p:sldId id="291" r:id="rId22"/>
+    <p:sldId id="290" r:id="rId23"/>
+    <p:sldId id="292" r:id="rId24"/>
+    <p:sldId id="270" r:id="rId25"/>
+    <p:sldId id="261" r:id="rId26"/>
+    <p:sldId id="264" r:id="rId27"/>
+    <p:sldId id="278" r:id="rId28"/>
+    <p:sldId id="283" r:id="rId29"/>
+    <p:sldId id="284" r:id="rId30"/>
+    <p:sldId id="293" r:id="rId31"/>
+    <p:sldId id="294" r:id="rId32"/>
   </p:sldIdLst>
   <p:sldSz cx="12192000" cy="6858000"/>
   <p:notesSz cx="6858000" cy="9144000"/>
@@ -7097,7 +7098,7 @@
           <a:p>
             <a:fld id="{6E587BC8-DE6F-4726-95DA-1B2BF3724B67}" type="datetimeFigureOut">
               <a:rPr kumimoji="1" lang="ja-JP" altLang="en-US" smtClean="0"/>
-              <a:t>2019/6/11</a:t>
+              <a:t>2019/6/12</a:t>
             </a:fld>
             <a:endParaRPr kumimoji="1" lang="ja-JP" altLang="en-US"/>
           </a:p>
@@ -7299,7 +7300,7 @@
           <a:p>
             <a:fld id="{6E587BC8-DE6F-4726-95DA-1B2BF3724B67}" type="datetimeFigureOut">
               <a:rPr kumimoji="1" lang="ja-JP" altLang="en-US" smtClean="0"/>
-              <a:t>2019/6/11</a:t>
+              <a:t>2019/6/12</a:t>
             </a:fld>
             <a:endParaRPr kumimoji="1" lang="ja-JP" altLang="en-US"/>
           </a:p>
@@ -7511,7 +7512,7 @@
           <a:p>
             <a:fld id="{6E587BC8-DE6F-4726-95DA-1B2BF3724B67}" type="datetimeFigureOut">
               <a:rPr kumimoji="1" lang="ja-JP" altLang="en-US" smtClean="0"/>
-              <a:t>2019/6/11</a:t>
+              <a:t>2019/6/12</a:t>
             </a:fld>
             <a:endParaRPr kumimoji="1" lang="ja-JP" altLang="en-US"/>
           </a:p>
@@ -7713,7 +7714,7 @@
           <a:p>
             <a:fld id="{6E587BC8-DE6F-4726-95DA-1B2BF3724B67}" type="datetimeFigureOut">
               <a:rPr kumimoji="1" lang="ja-JP" altLang="en-US" smtClean="0"/>
-              <a:t>2019/6/11</a:t>
+              <a:t>2019/6/12</a:t>
             </a:fld>
             <a:endParaRPr kumimoji="1" lang="ja-JP" altLang="en-US"/>
           </a:p>
@@ -7959,7 +7960,7 @@
           <a:p>
             <a:fld id="{6E587BC8-DE6F-4726-95DA-1B2BF3724B67}" type="datetimeFigureOut">
               <a:rPr kumimoji="1" lang="ja-JP" altLang="en-US" smtClean="0"/>
-              <a:t>2019/6/11</a:t>
+              <a:t>2019/6/12</a:t>
             </a:fld>
             <a:endParaRPr kumimoji="1" lang="ja-JP" altLang="en-US"/>
           </a:p>
@@ -8255,7 +8256,7 @@
           <a:p>
             <a:fld id="{6E587BC8-DE6F-4726-95DA-1B2BF3724B67}" type="datetimeFigureOut">
               <a:rPr kumimoji="1" lang="ja-JP" altLang="en-US" smtClean="0"/>
-              <a:t>2019/6/11</a:t>
+              <a:t>2019/6/12</a:t>
             </a:fld>
             <a:endParaRPr kumimoji="1" lang="ja-JP" altLang="en-US"/>
           </a:p>
@@ -8686,7 +8687,7 @@
           <a:p>
             <a:fld id="{6E587BC8-DE6F-4726-95DA-1B2BF3724B67}" type="datetimeFigureOut">
               <a:rPr kumimoji="1" lang="ja-JP" altLang="en-US" smtClean="0"/>
-              <a:t>2019/6/11</a:t>
+              <a:t>2019/6/12</a:t>
             </a:fld>
             <a:endParaRPr kumimoji="1" lang="ja-JP" altLang="en-US"/>
           </a:p>
@@ -8804,7 +8805,7 @@
           <a:p>
             <a:fld id="{6E587BC8-DE6F-4726-95DA-1B2BF3724B67}" type="datetimeFigureOut">
               <a:rPr kumimoji="1" lang="ja-JP" altLang="en-US" smtClean="0"/>
-              <a:t>2019/6/11</a:t>
+              <a:t>2019/6/12</a:t>
             </a:fld>
             <a:endParaRPr kumimoji="1" lang="ja-JP" altLang="en-US"/>
           </a:p>
@@ -8899,7 +8900,7 @@
           <a:p>
             <a:fld id="{6E587BC8-DE6F-4726-95DA-1B2BF3724B67}" type="datetimeFigureOut">
               <a:rPr kumimoji="1" lang="ja-JP" altLang="en-US" smtClean="0"/>
-              <a:t>2019/6/11</a:t>
+              <a:t>2019/6/12</a:t>
             </a:fld>
             <a:endParaRPr kumimoji="1" lang="ja-JP" altLang="en-US"/>
           </a:p>
@@ -9208,7 +9209,7 @@
           <a:p>
             <a:fld id="{6E587BC8-DE6F-4726-95DA-1B2BF3724B67}" type="datetimeFigureOut">
               <a:rPr kumimoji="1" lang="ja-JP" altLang="en-US" smtClean="0"/>
-              <a:t>2019/6/11</a:t>
+              <a:t>2019/6/12</a:t>
             </a:fld>
             <a:endParaRPr kumimoji="1" lang="ja-JP" altLang="en-US"/>
           </a:p>
@@ -9465,7 +9466,7 @@
           <a:p>
             <a:fld id="{6E587BC8-DE6F-4726-95DA-1B2BF3724B67}" type="datetimeFigureOut">
               <a:rPr kumimoji="1" lang="ja-JP" altLang="en-US" smtClean="0"/>
-              <a:t>2019/6/11</a:t>
+              <a:t>2019/6/12</a:t>
             </a:fld>
             <a:endParaRPr kumimoji="1" lang="ja-JP" altLang="en-US"/>
           </a:p>
@@ -9710,7 +9711,7 @@
           <a:p>
             <a:fld id="{6E587BC8-DE6F-4726-95DA-1B2BF3724B67}" type="datetimeFigureOut">
               <a:rPr kumimoji="1" lang="ja-JP" altLang="en-US" smtClean="0"/>
-              <a:t>2019/6/11</a:t>
+              <a:t>2019/6/12</a:t>
             </a:fld>
             <a:endParaRPr kumimoji="1" lang="ja-JP" altLang="en-US"/>
           </a:p>
@@ -12717,34 +12718,33 @@
         </p:nvSpPr>
         <p:spPr>
           <a:xfrm>
-            <a:off x="838200" y="365125"/>
-            <a:ext cx="10515600" cy="746983"/>
+            <a:off x="914400" y="0"/>
+            <a:ext cx="10515600" cy="1291268"/>
           </a:xfrm>
         </p:spPr>
         <p:txBody>
-          <a:bodyPr/>
+          <a:bodyPr>
+            <a:normAutofit fontScale="90000"/>
+          </a:bodyPr>
           <a:lstStyle/>
           <a:p>
             <a:r>
-              <a:rPr kumimoji="1" lang="en-US" altLang="ja-JP" dirty="0"/>
+              <a:rPr lang="ja-JP" altLang="en-US" dirty="0"/>
+              <a:t>上場廃止からいつまでに倒産したならば対象企業に含めるのか</a:t>
+            </a:r>
+            <a:r>
+              <a:rPr lang="en-US" altLang="ja-JP" dirty="0"/>
               <a:t>(</a:t>
             </a:r>
             <a:r>
-              <a:rPr kumimoji="1" lang="ja-JP" altLang="en-US" dirty="0"/>
-              <a:t>再</a:t>
-            </a:r>
-            <a:r>
-              <a:rPr lang="ja-JP" altLang="en-US" dirty="0"/>
-              <a:t>表示</a:t>
+              <a:rPr lang="ja-JP" altLang="en-US" dirty="0"/>
+              <a:t>再掲</a:t>
             </a:r>
             <a:r>
               <a:rPr lang="en-US" altLang="ja-JP" dirty="0"/>
               <a:t>)</a:t>
             </a:r>
-            <a:r>
-              <a:rPr kumimoji="1" lang="ja-JP" altLang="en-US" dirty="0"/>
-              <a:t>倒産の定義を決定</a:t>
-            </a:r>
+            <a:endParaRPr lang="ja-JP" altLang="en-US" dirty="0"/>
           </a:p>
         </p:txBody>
       </p:sp>
@@ -12766,12 +12766,14 @@
         </p:nvSpPr>
         <p:spPr>
           <a:xfrm>
-            <a:off x="838200" y="1112108"/>
-            <a:ext cx="10515600" cy="5064855"/>
+            <a:off x="718457" y="1502229"/>
+            <a:ext cx="10929257" cy="5150362"/>
           </a:xfrm>
         </p:spPr>
         <p:txBody>
-          <a:bodyPr/>
+          <a:bodyPr>
+            <a:normAutofit/>
+          </a:bodyPr>
           <a:lstStyle/>
           <a:p>
             <a:pPr marL="0" indent="0">
@@ -12779,84 +12781,271 @@
             </a:pPr>
             <a:r>
               <a:rPr lang="ja-JP" altLang="en-US" dirty="0"/>
-              <a:t>以上を踏まえて、倒産の定義を</a:t>
+              <a:t>上場廃止から何年も経過してから倒産した場合には上場廃止の倒産という枠から大きく外れる。また財務諸表の入手可能性も下がる。</a:t>
             </a:r>
             <a:endParaRPr lang="en-US" altLang="ja-JP" dirty="0"/>
           </a:p>
           <a:p>
-            <a:r>
-              <a:rPr lang="ja-JP" altLang="en-US" dirty="0"/>
-              <a:t>会社更生法手続きを行った企業</a:t>
+            <a:pPr marL="0" indent="0" algn="ctr">
+              <a:buNone/>
+            </a:pPr>
+            <a:r>
+              <a:rPr lang="ja-JP" altLang="en-US" dirty="0"/>
+              <a:t>↓</a:t>
             </a:r>
             <a:endParaRPr lang="en-US" altLang="ja-JP" dirty="0"/>
           </a:p>
           <a:p>
-            <a:r>
-              <a:rPr lang="ja-JP" altLang="en-US" dirty="0"/>
-              <a:t>民事再生法手続きを行った企業</a:t>
+            <a:pPr marL="0" indent="0">
+              <a:buNone/>
+            </a:pPr>
+            <a:r>
+              <a:rPr lang="en-US" altLang="ja-JP" dirty="0"/>
+              <a:t>(</a:t>
+            </a:r>
+            <a:r>
+              <a:rPr lang="ja-JP" altLang="en-US" dirty="0"/>
+              <a:t>倒産以外の理由で</a:t>
+            </a:r>
+            <a:r>
+              <a:rPr lang="en-US" altLang="ja-JP" dirty="0"/>
+              <a:t>)</a:t>
+            </a:r>
+            <a:r>
+              <a:rPr lang="ja-JP" altLang="en-US" dirty="0"/>
+              <a:t>上場廃止してから</a:t>
+            </a:r>
+            <a:r>
+              <a:rPr lang="en-US" altLang="ja-JP" u="sng" dirty="0"/>
+              <a:t>12</a:t>
+            </a:r>
+            <a:r>
+              <a:rPr lang="ja-JP" altLang="en-US" u="sng" dirty="0"/>
+              <a:t>ヶ月以内</a:t>
+            </a:r>
+            <a:r>
+              <a:rPr lang="ja-JP" altLang="en-US" dirty="0"/>
+              <a:t>に倒産したケース</a:t>
             </a:r>
             <a:endParaRPr lang="en-US" altLang="ja-JP" dirty="0"/>
           </a:p>
           <a:p>
-            <a:r>
-              <a:rPr lang="ja-JP" altLang="en-US" dirty="0"/>
-              <a:t>破産手続きを行った企業</a:t>
+            <a:pPr marL="0" indent="0">
+              <a:buNone/>
+            </a:pPr>
+            <a:r>
+              <a:rPr lang="ja-JP" altLang="en-US" dirty="0"/>
+              <a:t>を対象企業に含めることに決定。</a:t>
             </a:r>
             <a:endParaRPr lang="en-US" altLang="ja-JP" dirty="0"/>
           </a:p>
           <a:p>
-            <a:r>
-              <a:rPr lang="ja-JP" altLang="en-US" dirty="0"/>
-              <a:t>特別清算手続きを行った企業</a:t>
+            <a:pPr marL="0" indent="0">
+              <a:buNone/>
+            </a:pPr>
+            <a:r>
+              <a:rPr lang="ja-JP" altLang="en-US" dirty="0"/>
+              <a:t>→銀行取引停止処分を受けた場合と同じ期間にした</a:t>
             </a:r>
             <a:endParaRPr lang="en-US" altLang="ja-JP" dirty="0"/>
           </a:p>
           <a:p>
-            <a:r>
-              <a:rPr lang="ja-JP" altLang="en-US" dirty="0"/>
-              <a:t>銀行取引処分を受けてから</a:t>
-            </a:r>
-            <a:r>
-              <a:rPr lang="en-US" altLang="ja-JP" dirty="0"/>
-              <a:t>12</a:t>
-            </a:r>
-            <a:r>
-              <a:rPr lang="ja-JP" altLang="en-US" dirty="0"/>
-              <a:t>ヶ月以内に法的整理の手続きを行った企業</a:t>
-            </a:r>
+            <a:pPr marL="0" indent="0">
+              <a:buNone/>
+            </a:pPr>
             <a:endParaRPr lang="en-US" altLang="ja-JP" dirty="0"/>
           </a:p>
           <a:p>
+            <a:pPr marL="0" indent="0">
+              <a:buNone/>
+            </a:pPr>
             <a:endParaRPr lang="en-US" altLang="ja-JP" dirty="0"/>
           </a:p>
           <a:p>
             <a:pPr marL="0" indent="0">
               <a:buNone/>
             </a:pPr>
-            <a:r>
-              <a:rPr lang="ja-JP" altLang="en-US" dirty="0"/>
-              <a:t>以後“倒産“という場合にはこれらの企業を指す</a:t>
-            </a:r>
             <a:endParaRPr lang="en-US" altLang="ja-JP" dirty="0"/>
           </a:p>
           <a:p>
+            <a:pPr marL="0" indent="0">
+              <a:buNone/>
+            </a:pPr>
             <a:endParaRPr lang="en-US" altLang="ja-JP" dirty="0"/>
           </a:p>
           <a:p>
+            <a:pPr marL="0" indent="0">
+              <a:buNone/>
+            </a:pPr>
             <a:endParaRPr lang="en-US" altLang="ja-JP" dirty="0"/>
+          </a:p>
+        </p:txBody>
+      </p:sp>
+      <p:sp>
+        <p:nvSpPr>
+          <p:cNvPr id="8" name="正方形/長方形 7">
+            <a:extLst>
+              <a:ext uri="{FF2B5EF4-FFF2-40B4-BE49-F238E27FC236}">
+                <a16:creationId xmlns:a16="http://schemas.microsoft.com/office/drawing/2014/main" id="{6B65123B-A2E9-450B-8B55-B76B0E7586A1}"/>
+              </a:ext>
+            </a:extLst>
+          </p:cNvPr>
+          <p:cNvSpPr/>
+          <p:nvPr/>
+        </p:nvSpPr>
+        <p:spPr>
+          <a:xfrm>
+            <a:off x="769572" y="4619098"/>
+            <a:ext cx="10827026" cy="2033493"/>
+          </a:xfrm>
+          <a:prstGeom prst="rect">
+            <a:avLst/>
+          </a:prstGeom>
+        </p:spPr>
+        <p:style>
+          <a:lnRef idx="0">
+            <a:schemeClr val="accent5"/>
+          </a:lnRef>
+          <a:fillRef idx="3">
+            <a:schemeClr val="accent5"/>
+          </a:fillRef>
+          <a:effectRef idx="3">
+            <a:schemeClr val="accent5"/>
+          </a:effectRef>
+          <a:fontRef idx="minor">
+            <a:schemeClr val="lt1"/>
+          </a:fontRef>
+        </p:style>
+        <p:txBody>
+          <a:bodyPr rtlCol="0" anchor="ctr"/>
+          <a:lstStyle/>
+          <a:p>
+            <a:endParaRPr lang="en-US" altLang="ja-JP" dirty="0"/>
+          </a:p>
+          <a:p>
+            <a:r>
+              <a:rPr lang="ja-JP" altLang="en-US" sz="2800" dirty="0"/>
+              <a:t>カネボウは多額の債務超過を有していたのにも関わらず、上場廃止から解散まで</a:t>
+            </a:r>
+            <a:r>
+              <a:rPr lang="en-US" altLang="ja-JP" sz="2800" dirty="0"/>
+              <a:t>2</a:t>
+            </a:r>
+            <a:r>
+              <a:rPr lang="ja-JP" altLang="en-US" sz="2800" dirty="0"/>
+              <a:t>年間法的整理の手続きをとっていないため、この条件では対象とならないことになる</a:t>
+            </a:r>
+            <a:endParaRPr lang="en-US" altLang="ja-JP" sz="2800" dirty="0"/>
+          </a:p>
+          <a:p>
+            <a:r>
+              <a:rPr lang="ja-JP" altLang="en-US" sz="2800" dirty="0"/>
+              <a:t>→法的形式に囚われず実質的な財務状況を重視すべき？</a:t>
+            </a:r>
+            <a:endParaRPr lang="en-US" altLang="ja-JP" sz="2800" dirty="0"/>
+          </a:p>
+          <a:p>
+            <a:pPr algn="ctr"/>
+            <a:endParaRPr kumimoji="1" lang="ja-JP" altLang="en-US" dirty="0"/>
           </a:p>
         </p:txBody>
       </p:sp>
     </p:spTree>
     <p:extLst>
       <p:ext uri="{BB962C8B-B14F-4D97-AF65-F5344CB8AC3E}">
-        <p14:creationId xmlns:p14="http://schemas.microsoft.com/office/powerpoint/2010/main" val="483309650"/>
+        <p14:creationId xmlns:p14="http://schemas.microsoft.com/office/powerpoint/2010/main" val="2952254766"/>
       </p:ext>
     </p:extLst>
   </p:cSld>
   <p:clrMapOvr>
     <a:masterClrMapping/>
   </p:clrMapOvr>
+  <p:timing>
+    <p:tnLst>
+      <p:par>
+        <p:cTn id="1" dur="indefinite" restart="never" nodeType="tmRoot">
+          <p:childTnLst>
+            <p:seq concurrent="1" nextAc="seek">
+              <p:cTn id="2" dur="indefinite" nodeType="mainSeq">
+                <p:childTnLst>
+                  <p:par>
+                    <p:cTn id="3" fill="hold">
+                      <p:stCondLst>
+                        <p:cond delay="indefinite"/>
+                      </p:stCondLst>
+                      <p:childTnLst>
+                        <p:par>
+                          <p:cTn id="4" fill="hold">
+                            <p:stCondLst>
+                              <p:cond delay="0"/>
+                            </p:stCondLst>
+                            <p:childTnLst>
+                              <p:par>
+                                <p:cTn id="5" presetID="10" presetClass="entr" presetSubtype="0" fill="hold" grpId="0" nodeType="clickEffect">
+                                  <p:stCondLst>
+                                    <p:cond delay="0"/>
+                                  </p:stCondLst>
+                                  <p:childTnLst>
+                                    <p:set>
+                                      <p:cBhvr>
+                                        <p:cTn id="6" dur="1" fill="hold">
+                                          <p:stCondLst>
+                                            <p:cond delay="0"/>
+                                          </p:stCondLst>
+                                        </p:cTn>
+                                        <p:tgtEl>
+                                          <p:spTgt spid="8"/>
+                                        </p:tgtEl>
+                                        <p:attrNameLst>
+                                          <p:attrName>style.visibility</p:attrName>
+                                        </p:attrNameLst>
+                                      </p:cBhvr>
+                                      <p:to>
+                                        <p:strVal val="visible"/>
+                                      </p:to>
+                                    </p:set>
+                                    <p:animEffect transition="in" filter="fade">
+                                      <p:cBhvr>
+                                        <p:cTn id="7" dur="500"/>
+                                        <p:tgtEl>
+                                          <p:spTgt spid="8"/>
+                                        </p:tgtEl>
+                                      </p:cBhvr>
+                                    </p:animEffect>
+                                  </p:childTnLst>
+                                </p:cTn>
+                              </p:par>
+                            </p:childTnLst>
+                          </p:cTn>
+                        </p:par>
+                      </p:childTnLst>
+                    </p:cTn>
+                  </p:par>
+                </p:childTnLst>
+              </p:cTn>
+              <p:prevCondLst>
+                <p:cond evt="onPrev" delay="0">
+                  <p:tgtEl>
+                    <p:sldTgt/>
+                  </p:tgtEl>
+                </p:cond>
+              </p:prevCondLst>
+              <p:nextCondLst>
+                <p:cond evt="onNext" delay="0">
+                  <p:tgtEl>
+                    <p:sldTgt/>
+                  </p:tgtEl>
+                </p:cond>
+              </p:nextCondLst>
+            </p:seq>
+          </p:childTnLst>
+        </p:cTn>
+      </p:par>
+    </p:tnLst>
+    <p:bldLst>
+      <p:bldP spid="8" grpId="0" animBg="1"/>
+    </p:bldLst>
+  </p:timing>
 </p:sld>
 </file>
 
@@ -13088,20 +13277,21 @@
         </p:nvSpPr>
         <p:spPr>
           <a:xfrm>
-            <a:off x="914400" y="0"/>
-            <a:ext cx="10515600" cy="1291268"/>
+            <a:off x="838200" y="365125"/>
+            <a:ext cx="10515600" cy="746983"/>
           </a:xfrm>
         </p:spPr>
         <p:txBody>
           <a:bodyPr>
-            <a:normAutofit fontScale="90000"/>
+            <a:normAutofit/>
           </a:bodyPr>
           <a:lstStyle/>
           <a:p>
             <a:r>
               <a:rPr lang="ja-JP" altLang="en-US" dirty="0"/>
-              <a:t>上場廃止からいつまでに倒産したならば対象企業に含めるのか</a:t>
-            </a:r>
+              <a:t>カネボウと似た事例</a:t>
+            </a:r>
+            <a:endParaRPr kumimoji="1" lang="ja-JP" altLang="en-US" dirty="0"/>
           </a:p>
         </p:txBody>
       </p:sp>
@@ -13123,194 +13313,52 @@
         </p:nvSpPr>
         <p:spPr>
           <a:xfrm>
-            <a:off x="718457" y="1502229"/>
-            <a:ext cx="10929257" cy="5150362"/>
+            <a:off x="838200" y="1112108"/>
+            <a:ext cx="10515600" cy="5064855"/>
           </a:xfrm>
         </p:spPr>
         <p:txBody>
-          <a:bodyPr>
-            <a:normAutofit/>
-          </a:bodyPr>
+          <a:bodyPr/>
           <a:lstStyle/>
           <a:p>
+            <a:r>
+              <a:rPr lang="ja-JP" altLang="en-US" dirty="0"/>
+              <a:t>雪印食品 </a:t>
+            </a:r>
+            <a:endParaRPr lang="en-US" altLang="ja-JP" dirty="0"/>
+          </a:p>
+          <a:p>
+            <a:r>
+              <a:rPr lang="ja-JP" altLang="en-US" dirty="0"/>
+              <a:t>丸石ホールディングス </a:t>
+            </a:r>
+            <a:endParaRPr lang="en-US" altLang="ja-JP" dirty="0"/>
+          </a:p>
+          <a:p>
+            <a:r>
+              <a:rPr lang="ja-JP" altLang="en-US" dirty="0"/>
+              <a:t>日立造船富岡機械</a:t>
+            </a:r>
+            <a:endParaRPr lang="en-US" altLang="ja-JP" dirty="0"/>
+          </a:p>
+          <a:p>
             <a:pPr marL="0" indent="0">
               <a:buNone/>
             </a:pPr>
-            <a:r>
-              <a:rPr lang="ja-JP" altLang="en-US" dirty="0"/>
-              <a:t>上場廃止から何年も経過してから倒産した場合には上場廃止の倒産という枠から大きく外れる。また財務諸表の入手可能性も下がる。</a:t>
-            </a:r>
+            <a:endParaRPr lang="zh-TW" altLang="en-US" dirty="0"/>
+          </a:p>
+          <a:p>
             <a:endParaRPr lang="en-US" altLang="ja-JP" dirty="0"/>
           </a:p>
           <a:p>
-            <a:pPr marL="0" indent="0" algn="ctr">
-              <a:buNone/>
-            </a:pPr>
-            <a:r>
-              <a:rPr lang="ja-JP" altLang="en-US" dirty="0"/>
-              <a:t>↓</a:t>
-            </a:r>
             <a:endParaRPr lang="en-US" altLang="ja-JP" dirty="0"/>
-          </a:p>
-          <a:p>
-            <a:pPr marL="0" indent="0">
-              <a:buNone/>
-            </a:pPr>
-            <a:r>
-              <a:rPr lang="en-US" altLang="ja-JP" dirty="0"/>
-              <a:t>(</a:t>
-            </a:r>
-            <a:r>
-              <a:rPr lang="ja-JP" altLang="en-US" dirty="0"/>
-              <a:t>倒産以外の理由で</a:t>
-            </a:r>
-            <a:r>
-              <a:rPr lang="en-US" altLang="ja-JP" dirty="0"/>
-              <a:t>)</a:t>
-            </a:r>
-            <a:r>
-              <a:rPr lang="ja-JP" altLang="en-US" dirty="0"/>
-              <a:t>上場廃止してから</a:t>
-            </a:r>
-            <a:r>
-              <a:rPr lang="en-US" altLang="ja-JP" u="sng" dirty="0"/>
-              <a:t>12</a:t>
-            </a:r>
-            <a:r>
-              <a:rPr lang="ja-JP" altLang="en-US" u="sng" dirty="0"/>
-              <a:t>ヶ月以内</a:t>
-            </a:r>
-            <a:r>
-              <a:rPr lang="ja-JP" altLang="en-US" dirty="0"/>
-              <a:t>に倒産したケース</a:t>
-            </a:r>
-            <a:endParaRPr lang="en-US" altLang="ja-JP" dirty="0"/>
-          </a:p>
-          <a:p>
-            <a:pPr marL="0" indent="0">
-              <a:buNone/>
-            </a:pPr>
-            <a:r>
-              <a:rPr lang="ja-JP" altLang="en-US" dirty="0"/>
-              <a:t>を対象企業に含めることに決定。</a:t>
-            </a:r>
-            <a:endParaRPr lang="en-US" altLang="ja-JP" dirty="0"/>
-          </a:p>
-          <a:p>
-            <a:pPr marL="0" indent="0">
-              <a:buNone/>
-            </a:pPr>
-            <a:r>
-              <a:rPr lang="ja-JP" altLang="en-US" dirty="0"/>
-              <a:t>→銀行取引停止処分を受けた場合と同じ期間にした</a:t>
-            </a:r>
-            <a:endParaRPr lang="en-US" altLang="ja-JP" dirty="0"/>
-          </a:p>
-          <a:p>
-            <a:pPr marL="0" indent="0">
-              <a:buNone/>
-            </a:pPr>
-            <a:endParaRPr lang="en-US" altLang="ja-JP" dirty="0"/>
-          </a:p>
-          <a:p>
-            <a:pPr marL="0" indent="0">
-              <a:buNone/>
-            </a:pPr>
-            <a:endParaRPr lang="en-US" altLang="ja-JP" dirty="0"/>
-          </a:p>
-          <a:p>
-            <a:pPr marL="0" indent="0">
-              <a:buNone/>
-            </a:pPr>
-            <a:endParaRPr lang="en-US" altLang="ja-JP" dirty="0"/>
-          </a:p>
-          <a:p>
-            <a:pPr marL="0" indent="0">
-              <a:buNone/>
-            </a:pPr>
-            <a:endParaRPr lang="en-US" altLang="ja-JP" dirty="0"/>
-          </a:p>
-          <a:p>
-            <a:pPr marL="0" indent="0">
-              <a:buNone/>
-            </a:pPr>
-            <a:endParaRPr lang="en-US" altLang="ja-JP" dirty="0"/>
-          </a:p>
-        </p:txBody>
-      </p:sp>
-      <p:sp>
-        <p:nvSpPr>
-          <p:cNvPr id="8" name="正方形/長方形 7">
-            <a:extLst>
-              <a:ext uri="{FF2B5EF4-FFF2-40B4-BE49-F238E27FC236}">
-                <a16:creationId xmlns:a16="http://schemas.microsoft.com/office/drawing/2014/main" id="{6B65123B-A2E9-450B-8B55-B76B0E7586A1}"/>
-              </a:ext>
-            </a:extLst>
-          </p:cNvPr>
-          <p:cNvSpPr/>
-          <p:nvPr/>
-        </p:nvSpPr>
-        <p:spPr>
-          <a:xfrm>
-            <a:off x="769572" y="4619098"/>
-            <a:ext cx="10827026" cy="2033493"/>
-          </a:xfrm>
-          <a:prstGeom prst="rect">
-            <a:avLst/>
-          </a:prstGeom>
-        </p:spPr>
-        <p:style>
-          <a:lnRef idx="0">
-            <a:schemeClr val="accent5"/>
-          </a:lnRef>
-          <a:fillRef idx="3">
-            <a:schemeClr val="accent5"/>
-          </a:fillRef>
-          <a:effectRef idx="3">
-            <a:schemeClr val="accent5"/>
-          </a:effectRef>
-          <a:fontRef idx="minor">
-            <a:schemeClr val="lt1"/>
-          </a:fontRef>
-        </p:style>
-        <p:txBody>
-          <a:bodyPr rtlCol="0" anchor="ctr"/>
-          <a:lstStyle/>
-          <a:p>
-            <a:endParaRPr lang="en-US" altLang="ja-JP" dirty="0"/>
-          </a:p>
-          <a:p>
-            <a:r>
-              <a:rPr lang="ja-JP" altLang="en-US" sz="2800" dirty="0"/>
-              <a:t>カネボウは多額の債務超過を有していたのにも関わらず、上場廃止から解散まで</a:t>
-            </a:r>
-            <a:r>
-              <a:rPr lang="en-US" altLang="ja-JP" sz="2800" dirty="0"/>
-              <a:t>2</a:t>
-            </a:r>
-            <a:r>
-              <a:rPr lang="ja-JP" altLang="en-US" sz="2800" dirty="0"/>
-              <a:t>年間法的整理の手続きをとっていないため、この条件では対象とならないことになる</a:t>
-            </a:r>
-            <a:endParaRPr lang="en-US" altLang="ja-JP" sz="2800" dirty="0"/>
-          </a:p>
-          <a:p>
-            <a:r>
-              <a:rPr lang="ja-JP" altLang="en-US" sz="2800" dirty="0"/>
-              <a:t>→法的形式に囚われず実質的な財務状況を重視すべき？</a:t>
-            </a:r>
-            <a:endParaRPr lang="en-US" altLang="ja-JP" sz="2800" dirty="0"/>
-          </a:p>
-          <a:p>
-            <a:pPr algn="ctr"/>
-            <a:endParaRPr kumimoji="1" lang="ja-JP" altLang="en-US" dirty="0"/>
           </a:p>
         </p:txBody>
       </p:sp>
     </p:spTree>
     <p:extLst>
       <p:ext uri="{BB962C8B-B14F-4D97-AF65-F5344CB8AC3E}">
-        <p14:creationId xmlns:p14="http://schemas.microsoft.com/office/powerpoint/2010/main" val="2952254766"/>
+        <p14:creationId xmlns:p14="http://schemas.microsoft.com/office/powerpoint/2010/main" val="1677586832"/>
       </p:ext>
     </p:extLst>
   </p:cSld>
@@ -13366,10 +13414,9 @@
           <a:lstStyle/>
           <a:p>
             <a:r>
-              <a:rPr lang="ja-JP" altLang="en-US" dirty="0"/>
-              <a:t>カネボウと似た事例</a:t>
-            </a:r>
-            <a:endParaRPr kumimoji="1" lang="ja-JP" altLang="en-US" dirty="0"/>
+              <a:rPr kumimoji="1" lang="ja-JP" altLang="en-US" dirty="0"/>
+              <a:t>雪印食品</a:t>
+            </a:r>
           </a:p>
         </p:txBody>
       </p:sp>
@@ -13392,23 +13439,91 @@
         <p:spPr>
           <a:xfrm>
             <a:off x="838200" y="1112108"/>
-            <a:ext cx="10515600" cy="5064855"/>
+            <a:ext cx="10515600" cy="5469924"/>
           </a:xfrm>
         </p:spPr>
         <p:txBody>
           <a:bodyPr/>
           <a:lstStyle/>
           <a:p>
-            <a:r>
-              <a:rPr lang="ja-JP" altLang="en-US" dirty="0"/>
-              <a:t>雪印食品 </a:t>
+            <a:pPr marL="0" indent="0">
+              <a:buNone/>
+            </a:pPr>
+            <a:r>
+              <a:rPr lang="ja-JP" altLang="en-US" dirty="0"/>
+              <a:t>雪印乳業子会社。</a:t>
+            </a:r>
+            <a:endParaRPr lang="zh-TW" altLang="en-US" dirty="0"/>
+          </a:p>
+          <a:p>
+            <a:pPr marL="0" indent="0">
+              <a:buNone/>
+            </a:pPr>
+            <a:r>
+              <a:rPr lang="en-US" altLang="ja-JP" dirty="0"/>
+              <a:t>2001</a:t>
+            </a:r>
+            <a:r>
+              <a:rPr lang="ja-JP" altLang="en-US" dirty="0"/>
+              <a:t>年に牛海綿状脳症（</a:t>
+            </a:r>
+            <a:r>
+              <a:rPr lang="en-US" altLang="ja-JP" dirty="0"/>
+              <a:t>BSE</a:t>
+            </a:r>
+            <a:r>
+              <a:rPr lang="ja-JP" altLang="en-US" dirty="0"/>
+              <a:t>、いわゆる狂牛病）対策を悪用する牛肉産地偽装事件（雪印牛肉偽装事件）を起こした。その事件が親会社である雪印乳業の食中毒事件と時期的に重なったため、会社の信用がなくなり経営が破綻、</a:t>
+            </a:r>
+            <a:r>
+              <a:rPr lang="en-US" altLang="ja-JP" dirty="0"/>
+              <a:t>2002</a:t>
+            </a:r>
+            <a:r>
+              <a:rPr lang="ja-JP" altLang="en-US" dirty="0"/>
+              <a:t>年</a:t>
+            </a:r>
+            <a:r>
+              <a:rPr lang="en-US" altLang="ja-JP" dirty="0"/>
+              <a:t>4</a:t>
+            </a:r>
+            <a:r>
+              <a:rPr lang="ja-JP" altLang="en-US" dirty="0"/>
+              <a:t>月廃業・上場廃止、解散。</a:t>
+            </a:r>
+            <a:r>
+              <a:rPr lang="en-US" altLang="ja-JP" dirty="0"/>
+              <a:t>2005</a:t>
+            </a:r>
+            <a:r>
+              <a:rPr lang="ja-JP" altLang="en-US" dirty="0"/>
+              <a:t>年</a:t>
+            </a:r>
+            <a:r>
+              <a:rPr lang="en-US" altLang="ja-JP" dirty="0"/>
+              <a:t>8</a:t>
+            </a:r>
+            <a:r>
+              <a:rPr lang="ja-JP" altLang="en-US" dirty="0"/>
+              <a:t>月</a:t>
+            </a:r>
+            <a:r>
+              <a:rPr lang="en-US" altLang="ja-JP" dirty="0"/>
+              <a:t>12</a:t>
+            </a:r>
+            <a:r>
+              <a:rPr lang="ja-JP" altLang="en-US" dirty="0"/>
+              <a:t>日、清算結了。</a:t>
             </a:r>
             <a:endParaRPr lang="en-US" altLang="ja-JP" dirty="0"/>
           </a:p>
           <a:p>
-            <a:r>
-              <a:rPr lang="ja-JP" altLang="en-US" dirty="0"/>
-              <a:t>丸石ホールディングス </a:t>
+            <a:pPr marL="0" indent="0">
+              <a:buNone/>
+            </a:pPr>
+            <a:r>
+              <a:rPr lang="ja-JP" altLang="en-US" dirty="0"/>
+              <a:t>↓</a:t>
             </a:r>
             <a:endParaRPr lang="en-US" altLang="ja-JP" dirty="0"/>
           </a:p>
@@ -13416,12 +13531,52 @@
             <a:pPr marL="0" indent="0">
               <a:buNone/>
             </a:pPr>
-            <a:endParaRPr lang="zh-TW" altLang="en-US" dirty="0"/>
-          </a:p>
-          <a:p>
+            <a:r>
+              <a:rPr lang="ja-JP" altLang="en-US" dirty="0"/>
+              <a:t>特別清算</a:t>
+            </a:r>
+            <a:r>
+              <a:rPr lang="en-US" altLang="ja-JP" dirty="0"/>
+              <a:t>(</a:t>
+            </a:r>
+            <a:r>
+              <a:rPr lang="ja-JP" altLang="en-US" dirty="0"/>
+              <a:t>倒産</a:t>
+            </a:r>
+            <a:r>
+              <a:rPr lang="en-US" altLang="ja-JP" dirty="0"/>
+              <a:t>)</a:t>
+            </a:r>
+            <a:r>
+              <a:rPr lang="ja-JP" altLang="en-US" dirty="0"/>
+              <a:t>なのか通常清算</a:t>
+            </a:r>
+            <a:r>
+              <a:rPr lang="en-US" altLang="ja-JP" dirty="0"/>
+              <a:t>(</a:t>
+            </a:r>
+            <a:r>
+              <a:rPr lang="ja-JP" altLang="en-US" dirty="0"/>
+              <a:t>廃業</a:t>
+            </a:r>
+            <a:r>
+              <a:rPr lang="en-US" altLang="ja-JP" dirty="0"/>
+              <a:t>)</a:t>
+            </a:r>
+            <a:r>
+              <a:rPr lang="ja-JP" altLang="en-US" dirty="0"/>
+              <a:t>なのかがはっきり分からないため、対象企業になるのか不明確。しかし、親会社の雪印乳業自体が複数の子会社を売却していることからも法的整理と同等と思われる。</a:t>
+            </a:r>
             <a:endParaRPr lang="en-US" altLang="ja-JP" dirty="0"/>
           </a:p>
           <a:p>
+            <a:pPr marL="0" indent="0">
+              <a:buNone/>
+            </a:pPr>
+            <a:r>
+              <a:rPr lang="ja-JP" altLang="en-US" dirty="0"/>
+              <a:t>→対象企業への追加を検討中</a:t>
+            </a:r>
             <a:endParaRPr lang="en-US" altLang="ja-JP" dirty="0"/>
           </a:p>
         </p:txBody>
@@ -13429,7 +13584,7 @@
     </p:spTree>
     <p:extLst>
       <p:ext uri="{BB962C8B-B14F-4D97-AF65-F5344CB8AC3E}">
-        <p14:creationId xmlns:p14="http://schemas.microsoft.com/office/powerpoint/2010/main" val="1677586832"/>
+        <p14:creationId xmlns:p14="http://schemas.microsoft.com/office/powerpoint/2010/main" val="4277347724"/>
       </p:ext>
     </p:extLst>
   </p:cSld>
@@ -13485,9 +13640,10 @@
           <a:lstStyle/>
           <a:p>
             <a:r>
-              <a:rPr kumimoji="1" lang="ja-JP" altLang="en-US" dirty="0"/>
-              <a:t>雪印食品</a:t>
-            </a:r>
+              <a:rPr lang="ja-JP" altLang="en-US" dirty="0"/>
+              <a:t>丸石ホールディングス </a:t>
+            </a:r>
+            <a:endParaRPr lang="en-US" altLang="ja-JP" dirty="0"/>
           </a:p>
         </p:txBody>
       </p:sp>
@@ -13521,38 +13677,36 @@
               <a:buNone/>
             </a:pPr>
             <a:r>
-              <a:rPr lang="ja-JP" altLang="en-US" dirty="0"/>
-              <a:t>雪印乳業子会社。</a:t>
-            </a:r>
-            <a:endParaRPr lang="zh-TW" altLang="en-US" dirty="0"/>
-          </a:p>
-          <a:p>
-            <a:pPr marL="0" indent="0">
-              <a:buNone/>
-            </a:pPr>
-            <a:r>
               <a:rPr lang="en-US" altLang="ja-JP" dirty="0"/>
-              <a:t>2001</a:t>
-            </a:r>
-            <a:r>
-              <a:rPr lang="ja-JP" altLang="en-US" dirty="0"/>
-              <a:t>年に牛海綿状脳症（</a:t>
+              <a:t>9</a:t>
+            </a:r>
+            <a:r>
+              <a:rPr lang="ja-JP" altLang="en-US" dirty="0"/>
+              <a:t>月</a:t>
             </a:r>
             <a:r>
               <a:rPr lang="en-US" altLang="ja-JP" dirty="0"/>
-              <a:t>BSE</a:t>
-            </a:r>
-            <a:r>
-              <a:rPr lang="ja-JP" altLang="en-US" dirty="0"/>
-              <a:t>、いわゆる狂牛病）対策を悪用する牛肉産地偽装事件（雪印牛肉偽装事件）を起こした。その事件が親会社である雪印乳業の食中毒事件と時期的に重なったため、会社の信用がなくなり経営が破綻、</a:t>
+              <a:t>1</a:t>
+            </a:r>
+            <a:r>
+              <a:rPr lang="ja-JP" altLang="en-US" dirty="0"/>
+              <a:t>日傘下の滋賀丸石自転車工業がプライムシステム（現サンライズ・テクノロジー）の出資を得て旧丸石から自転車事業を譲り受けた。</a:t>
+            </a:r>
+            <a:r>
+              <a:rPr lang="en-US" altLang="zh-TW" dirty="0"/>
+              <a:t> 2004</a:t>
+            </a:r>
+            <a:r>
+              <a:rPr lang="ja-JP" altLang="en-US" dirty="0"/>
+              <a:t>年</a:t>
             </a:r>
             <a:r>
               <a:rPr lang="en-US" altLang="ja-JP" dirty="0"/>
-              <a:t>2002</a:t>
-            </a:r>
-            <a:r>
-              <a:rPr lang="ja-JP" altLang="en-US" dirty="0"/>
-              <a:t>年</a:t>
+              <a:t>9</a:t>
+            </a:r>
+            <a:r>
+              <a:rPr lang="ja-JP" altLang="en-US" dirty="0"/>
+              <a:t>月</a:t>
             </a:r>
             <a:r>
               <a:rPr lang="en-US" altLang="ja-JP" dirty="0"/>
@@ -13560,31 +13714,31 @@
             </a:r>
             <a:r>
               <a:rPr lang="ja-JP" altLang="en-US" dirty="0"/>
-              <a:t>月廃業・上場廃止、解散。</a:t>
+              <a:t>日　監査意見不表明により上場廃止、</a:t>
             </a:r>
             <a:r>
               <a:rPr lang="en-US" altLang="ja-JP" dirty="0"/>
-              <a:t>2005</a:t>
-            </a:r>
-            <a:r>
-              <a:rPr lang="ja-JP" altLang="en-US" dirty="0"/>
-              <a:t>年</a:t>
+              <a:t>9</a:t>
+            </a:r>
+            <a:r>
+              <a:rPr lang="ja-JP" altLang="en-US" dirty="0"/>
+              <a:t>月</a:t>
             </a:r>
             <a:r>
               <a:rPr lang="en-US" altLang="ja-JP" dirty="0"/>
-              <a:t>8</a:t>
-            </a:r>
-            <a:r>
-              <a:rPr lang="ja-JP" altLang="en-US" dirty="0"/>
-              <a:t>月</a:t>
+              <a:t>16</a:t>
+            </a:r>
+            <a:r>
+              <a:rPr lang="ja-JP" altLang="en-US" dirty="0"/>
+              <a:t>日銀行取引停止処分を受け丸石</a:t>
             </a:r>
             <a:r>
               <a:rPr lang="en-US" altLang="ja-JP" dirty="0"/>
-              <a:t>12</a:t>
-            </a:r>
-            <a:r>
-              <a:rPr lang="ja-JP" altLang="en-US" dirty="0"/>
-              <a:t>日、清算結了。</a:t>
+              <a:t>HD</a:t>
+            </a:r>
+            <a:r>
+              <a:rPr lang="ja-JP" altLang="en-US" dirty="0"/>
+              <a:t>は事実上の倒産となった。</a:t>
             </a:r>
             <a:endParaRPr lang="en-US" altLang="ja-JP" dirty="0"/>
           </a:p>
@@ -13604,40 +13758,24 @@
             </a:pPr>
             <a:r>
               <a:rPr lang="ja-JP" altLang="en-US" dirty="0"/>
-              <a:t>特別清算</a:t>
-            </a:r>
-            <a:r>
-              <a:rPr lang="en-US" altLang="ja-JP" dirty="0"/>
-              <a:t>(</a:t>
-            </a:r>
-            <a:r>
-              <a:rPr lang="ja-JP" altLang="en-US" dirty="0"/>
-              <a:t>倒産</a:t>
-            </a:r>
-            <a:r>
-              <a:rPr lang="en-US" altLang="ja-JP" dirty="0"/>
-              <a:t>)</a:t>
-            </a:r>
-            <a:r>
-              <a:rPr lang="ja-JP" altLang="en-US" dirty="0"/>
-              <a:t>なのか通常清算</a:t>
-            </a:r>
-            <a:r>
-              <a:rPr lang="en-US" altLang="ja-JP" dirty="0"/>
-              <a:t>(</a:t>
-            </a:r>
-            <a:r>
-              <a:rPr lang="ja-JP" altLang="en-US" dirty="0"/>
-              <a:t>廃業</a:t>
-            </a:r>
-            <a:r>
-              <a:rPr lang="en-US" altLang="ja-JP" dirty="0"/>
-              <a:t>)</a:t>
-            </a:r>
-            <a:r>
-              <a:rPr lang="ja-JP" altLang="en-US" dirty="0"/>
-              <a:t>なのかがはっきり分からないため、対象企業になるのか不明確。しかし、親会社の雪印乳業自体が複数の子会社を売却していることからも法的整理と同等と思われる。</a:t>
-            </a:r>
+              <a:t>法的整理を行っていないため対象企業にならない。しかし、事業の譲渡を行っているほか、銀行取引停止処分を受けており経営は破たんしていたと思われる。</a:t>
+            </a:r>
+            <a:endParaRPr lang="en-US" altLang="ja-JP" dirty="0"/>
+          </a:p>
+          <a:p>
+            <a:pPr marL="0" indent="0">
+              <a:buNone/>
+            </a:pPr>
+            <a:r>
+              <a:rPr lang="ja-JP" altLang="en-US" dirty="0"/>
+              <a:t>→対象企業への追加を検討中</a:t>
+            </a:r>
+            <a:endParaRPr lang="en-US" altLang="ja-JP" dirty="0"/>
+          </a:p>
+          <a:p>
+            <a:pPr marL="0" indent="0">
+              <a:buNone/>
+            </a:pPr>
             <a:endParaRPr lang="en-US" altLang="ja-JP" dirty="0"/>
           </a:p>
         </p:txBody>
@@ -13645,7 +13783,7 @@
     </p:spTree>
     <p:extLst>
       <p:ext uri="{BB962C8B-B14F-4D97-AF65-F5344CB8AC3E}">
-        <p14:creationId xmlns:p14="http://schemas.microsoft.com/office/powerpoint/2010/main" val="4277347724"/>
+        <p14:creationId xmlns:p14="http://schemas.microsoft.com/office/powerpoint/2010/main" val="217385172"/>
       </p:ext>
     </p:extLst>
   </p:cSld>
@@ -13702,7 +13840,7 @@
           <a:p>
             <a:r>
               <a:rPr lang="ja-JP" altLang="en-US" dirty="0"/>
-              <a:t>丸石ホールディングス </a:t>
+              <a:t>日立造船富岡機械</a:t>
             </a:r>
             <a:endParaRPr lang="en-US" altLang="ja-JP" dirty="0"/>
           </a:p>
@@ -13710,10 +13848,10 @@
       </p:sp>
       <p:sp>
         <p:nvSpPr>
-          <p:cNvPr id="3" name="コンテンツ プレースホルダー 2">
+          <p:cNvPr id="7" name="コンテンツ プレースホルダー 6">
             <a:extLst>
               <a:ext uri="{FF2B5EF4-FFF2-40B4-BE49-F238E27FC236}">
-                <a16:creationId xmlns:a16="http://schemas.microsoft.com/office/drawing/2014/main" id="{6542FA18-B0BE-4A9A-A81C-6917BCE2D0B7}"/>
+                <a16:creationId xmlns:a16="http://schemas.microsoft.com/office/drawing/2014/main" id="{FEA305A5-A6FF-45C7-9DDC-3D02030E850F}"/>
               </a:ext>
             </a:extLst>
           </p:cNvPr>
@@ -13726,109 +13864,130 @@
         </p:nvSpPr>
         <p:spPr>
           <a:xfrm>
-            <a:off x="838200" y="1112108"/>
-            <a:ext cx="10515600" cy="5064855"/>
+            <a:off x="838200" y="996778"/>
+            <a:ext cx="10515600" cy="5861222"/>
           </a:xfrm>
         </p:spPr>
         <p:txBody>
-          <a:bodyPr/>
+          <a:bodyPr>
+            <a:normAutofit lnSpcReduction="10000"/>
+          </a:bodyPr>
           <a:lstStyle/>
           <a:p>
             <a:pPr marL="0" indent="0">
               <a:buNone/>
             </a:pPr>
             <a:r>
-              <a:rPr lang="en-US" altLang="ja-JP" dirty="0"/>
-              <a:t>9</a:t>
-            </a:r>
-            <a:r>
-              <a:rPr lang="ja-JP" altLang="en-US" dirty="0"/>
-              <a:t>月</a:t>
-            </a:r>
-            <a:r>
-              <a:rPr lang="en-US" altLang="ja-JP" dirty="0"/>
-              <a:t>1</a:t>
-            </a:r>
-            <a:r>
-              <a:rPr lang="ja-JP" altLang="en-US" dirty="0"/>
-              <a:t>日傘下の滋賀丸石自転車工業がプライムシステム（現サンライズ・テクノロジー）の出資を得て旧丸石から自転車事業を譲り受けた。</a:t>
-            </a:r>
-            <a:r>
-              <a:rPr lang="en-US" altLang="zh-TW" dirty="0"/>
-              <a:t> 2004</a:t>
-            </a:r>
-            <a:r>
-              <a:rPr lang="ja-JP" altLang="en-US" dirty="0"/>
+              <a:rPr lang="ja-JP" altLang="en-US" sz="2400" dirty="0"/>
+              <a:t>富岡機械の主力事業である製紙機械事業を取り巻く環境は、</a:t>
+            </a:r>
+            <a:br>
+              <a:rPr lang="en-US" altLang="ja-JP" sz="2400" dirty="0"/>
+            </a:br>
+            <a:r>
+              <a:rPr lang="ja-JP" altLang="en-US" sz="2400" dirty="0"/>
+              <a:t>①製紙業界の新設抄紙機の設備投資縮小ならびに改良およびメンテナンス中心の市場への移行</a:t>
+            </a:r>
+            <a:br>
+              <a:rPr lang="en-US" altLang="ja-JP" sz="2400" dirty="0"/>
+            </a:br>
+            <a:r>
+              <a:rPr lang="ja-JP" altLang="en-US" sz="2400" dirty="0"/>
+              <a:t>②製紙機械メーカー間の競争激化による受注量および価格の低迷</a:t>
+            </a:r>
+            <a:br>
+              <a:rPr lang="en-US" altLang="ja-JP" sz="2400" dirty="0"/>
+            </a:br>
+            <a:r>
+              <a:rPr lang="ja-JP" altLang="en-US" sz="2400" dirty="0"/>
+              <a:t>③海外市場における現地メーカーおよび欧州勢との競争激化などにより、富岡機械の近年の受注は低迷し、業績不振が続いています。</a:t>
+            </a:r>
+            <a:endParaRPr lang="en-US" altLang="ja-JP" sz="2400" dirty="0"/>
+          </a:p>
+          <a:p>
+            <a:pPr marL="0" indent="0">
+              <a:buNone/>
+            </a:pPr>
+            <a:r>
+              <a:rPr lang="ja-JP" altLang="en-US" sz="2400" dirty="0"/>
+              <a:t>この結果、富岡機械は、平成</a:t>
+            </a:r>
+            <a:r>
+              <a:rPr lang="en-US" altLang="ja-JP" sz="2400" dirty="0"/>
+              <a:t>17</a:t>
+            </a:r>
+            <a:r>
+              <a:rPr lang="ja-JP" altLang="en-US" sz="2400" dirty="0"/>
               <a:t>年</a:t>
             </a:r>
             <a:r>
-              <a:rPr lang="en-US" altLang="ja-JP" dirty="0"/>
-              <a:t>9</a:t>
-            </a:r>
-            <a:r>
-              <a:rPr lang="ja-JP" altLang="en-US" dirty="0"/>
-              <a:t>月</a:t>
-            </a:r>
-            <a:r>
-              <a:rPr lang="en-US" altLang="ja-JP" dirty="0"/>
-              <a:t>4</a:t>
-            </a:r>
-            <a:r>
-              <a:rPr lang="ja-JP" altLang="en-US" dirty="0"/>
-              <a:t>日　監査意見不表明により上場廃止、</a:t>
-            </a:r>
-            <a:r>
-              <a:rPr lang="en-US" altLang="ja-JP" dirty="0"/>
-              <a:t>9</a:t>
-            </a:r>
-            <a:r>
-              <a:rPr lang="ja-JP" altLang="en-US" dirty="0"/>
-              <a:t>月</a:t>
-            </a:r>
-            <a:r>
-              <a:rPr lang="en-US" altLang="ja-JP" dirty="0"/>
-              <a:t>16</a:t>
-            </a:r>
-            <a:r>
-              <a:rPr lang="ja-JP" altLang="en-US" dirty="0"/>
-              <a:t>日銀行取引停止処分を受け丸石</a:t>
-            </a:r>
-            <a:r>
-              <a:rPr lang="en-US" altLang="ja-JP" dirty="0"/>
-              <a:t>HD</a:t>
-            </a:r>
-            <a:r>
-              <a:rPr lang="ja-JP" altLang="en-US" dirty="0"/>
-              <a:t>は事実上の倒産となった。</a:t>
-            </a:r>
-            <a:endParaRPr lang="en-US" altLang="ja-JP" dirty="0"/>
+              <a:rPr lang="en-US" altLang="ja-JP" sz="2400" dirty="0"/>
+              <a:t>3</a:t>
+            </a:r>
+            <a:r>
+              <a:rPr lang="ja-JP" altLang="en-US" sz="2400" dirty="0"/>
+              <a:t>月期見込みを含めれば、</a:t>
+            </a:r>
+            <a:r>
+              <a:rPr lang="en-US" altLang="ja-JP" sz="2400" dirty="0"/>
+              <a:t>3</a:t>
+            </a:r>
+            <a:r>
+              <a:rPr lang="ja-JP" altLang="en-US" sz="2400" dirty="0"/>
+              <a:t>期連続の損失計上かつ無配となる状況にあります。</a:t>
+            </a:r>
+            <a:r>
+              <a:rPr lang="en-US" altLang="ja-JP" sz="2400" dirty="0"/>
+              <a:t>(</a:t>
+            </a:r>
+            <a:r>
+              <a:rPr lang="ja-JP" altLang="en-US" sz="2400" dirty="0"/>
+              <a:t>中略</a:t>
+            </a:r>
+            <a:r>
+              <a:rPr lang="en-US" altLang="ja-JP" sz="2400" dirty="0"/>
+              <a:t>)</a:t>
+            </a:r>
           </a:p>
           <a:p>
             <a:pPr marL="0" indent="0">
               <a:buNone/>
             </a:pPr>
             <a:r>
-              <a:rPr lang="ja-JP" altLang="en-US" dirty="0"/>
-              <a:t>↓</a:t>
-            </a:r>
-            <a:endParaRPr lang="en-US" altLang="ja-JP" dirty="0"/>
+              <a:rPr lang="ja-JP" altLang="en-US" sz="2400" dirty="0"/>
+              <a:t>富岡機械では、以上のような明るい展望を欠く市場動向と現在の同社の経営資源からみて、先行きの経営状況は厳しさを増すのみで、このまま事業を継続した場合、富岡機械の株式価値を減少させるばかりであり、富岡機械の株主その他のステークホルダーにとって最悪の事態に立ち至ることになると判断し、解散の決断を行ったものであります。</a:t>
+            </a:r>
+            <a:endParaRPr lang="en-US" altLang="ja-JP" sz="2400" dirty="0"/>
           </a:p>
           <a:p>
             <a:pPr marL="0" indent="0">
               <a:buNone/>
             </a:pPr>
-            <a:r>
-              <a:rPr lang="ja-JP" altLang="en-US" dirty="0"/>
-              <a:t>法的整理を行っていないため対象企業にならない。しかし、事業の譲渡を行っているほか、銀行取引停止処分を受けており経営は破たんしていたと思われる。</a:t>
-            </a:r>
-            <a:endParaRPr lang="en-US" altLang="ja-JP" dirty="0"/>
+            <a:endParaRPr lang="en-US" altLang="ja-JP" sz="2400" dirty="0"/>
+          </a:p>
+          <a:p>
+            <a:pPr marL="0" indent="0">
+              <a:buNone/>
+            </a:pPr>
+            <a:r>
+              <a:rPr lang="ja-JP" altLang="en-US" sz="2400" dirty="0"/>
+              <a:t>→他の三社と異なり早い段階で解散しており、対象企業への追加の可能性</a:t>
+            </a:r>
+            <a:br>
+              <a:rPr lang="en-US" altLang="ja-JP" sz="2400" dirty="0"/>
+            </a:br>
+            <a:r>
+              <a:rPr lang="ja-JP" altLang="en-US" sz="2400" dirty="0"/>
+              <a:t>　は薄い。</a:t>
+            </a:r>
+            <a:endParaRPr lang="en-US" altLang="ja-JP" sz="2400" dirty="0"/>
           </a:p>
         </p:txBody>
       </p:sp>
     </p:spTree>
     <p:extLst>
       <p:ext uri="{BB962C8B-B14F-4D97-AF65-F5344CB8AC3E}">
-        <p14:creationId xmlns:p14="http://schemas.microsoft.com/office/powerpoint/2010/main" val="217385172"/>
+        <p14:creationId xmlns:p14="http://schemas.microsoft.com/office/powerpoint/2010/main" val="3541657779"/>
       </p:ext>
     </p:extLst>
   </p:cSld>
@@ -13873,184 +14032,6 @@
         </p:nvSpPr>
         <p:spPr>
           <a:xfrm>
-            <a:off x="838200" y="365125"/>
-            <a:ext cx="10515600" cy="746983"/>
-          </a:xfrm>
-        </p:spPr>
-        <p:txBody>
-          <a:bodyPr/>
-          <a:lstStyle/>
-          <a:p>
-            <a:r>
-              <a:rPr kumimoji="1" lang="en-US" altLang="ja-JP" dirty="0"/>
-              <a:t>(</a:t>
-            </a:r>
-            <a:r>
-              <a:rPr kumimoji="1" lang="ja-JP" altLang="en-US" dirty="0"/>
-              <a:t>再</a:t>
-            </a:r>
-            <a:r>
-              <a:rPr lang="ja-JP" altLang="en-US" dirty="0"/>
-              <a:t>表示</a:t>
-            </a:r>
-            <a:r>
-              <a:rPr lang="en-US" altLang="ja-JP" dirty="0"/>
-              <a:t>)</a:t>
-            </a:r>
-            <a:r>
-              <a:rPr kumimoji="1" lang="ja-JP" altLang="en-US" dirty="0"/>
-              <a:t>倒産の定義を決定</a:t>
-            </a:r>
-          </a:p>
-        </p:txBody>
-      </p:sp>
-      <p:sp>
-        <p:nvSpPr>
-          <p:cNvPr id="3" name="コンテンツ プレースホルダー 2">
-            <a:extLst>
-              <a:ext uri="{FF2B5EF4-FFF2-40B4-BE49-F238E27FC236}">
-                <a16:creationId xmlns:a16="http://schemas.microsoft.com/office/drawing/2014/main" id="{6542FA18-B0BE-4A9A-A81C-6917BCE2D0B7}"/>
-              </a:ext>
-            </a:extLst>
-          </p:cNvPr>
-          <p:cNvSpPr>
-            <a:spLocks noGrp="1"/>
-          </p:cNvSpPr>
-          <p:nvPr>
-            <p:ph idx="1"/>
-          </p:nvPr>
-        </p:nvSpPr>
-        <p:spPr>
-          <a:xfrm>
-            <a:off x="838200" y="1112108"/>
-            <a:ext cx="10515600" cy="5064855"/>
-          </a:xfrm>
-        </p:spPr>
-        <p:txBody>
-          <a:bodyPr/>
-          <a:lstStyle/>
-          <a:p>
-            <a:pPr marL="0" indent="0">
-              <a:buNone/>
-            </a:pPr>
-            <a:r>
-              <a:rPr lang="ja-JP" altLang="en-US" dirty="0"/>
-              <a:t>以上を踏まえて、倒産の定義を</a:t>
-            </a:r>
-            <a:endParaRPr lang="en-US" altLang="ja-JP" dirty="0"/>
-          </a:p>
-          <a:p>
-            <a:r>
-              <a:rPr lang="ja-JP" altLang="en-US" dirty="0"/>
-              <a:t>会社更生法手続きを行った企業</a:t>
-            </a:r>
-            <a:endParaRPr lang="en-US" altLang="ja-JP" dirty="0"/>
-          </a:p>
-          <a:p>
-            <a:r>
-              <a:rPr lang="ja-JP" altLang="en-US" dirty="0"/>
-              <a:t>民事再生法手続きを行った企業</a:t>
-            </a:r>
-            <a:endParaRPr lang="en-US" altLang="ja-JP" dirty="0"/>
-          </a:p>
-          <a:p>
-            <a:r>
-              <a:rPr lang="ja-JP" altLang="en-US" dirty="0"/>
-              <a:t>破産手続きを行った企業</a:t>
-            </a:r>
-            <a:endParaRPr lang="en-US" altLang="ja-JP" dirty="0"/>
-          </a:p>
-          <a:p>
-            <a:r>
-              <a:rPr lang="ja-JP" altLang="en-US" dirty="0"/>
-              <a:t>特別清算手続きを行った企業</a:t>
-            </a:r>
-            <a:endParaRPr lang="en-US" altLang="ja-JP" dirty="0"/>
-          </a:p>
-          <a:p>
-            <a:r>
-              <a:rPr lang="ja-JP" altLang="en-US" dirty="0"/>
-              <a:t>銀行取引処分を受けてから</a:t>
-            </a:r>
-            <a:r>
-              <a:rPr lang="en-US" altLang="ja-JP" dirty="0"/>
-              <a:t>12</a:t>
-            </a:r>
-            <a:r>
-              <a:rPr lang="ja-JP" altLang="en-US" dirty="0"/>
-              <a:t>ヶ月以内に法的整理の手続きを行った企業</a:t>
-            </a:r>
-            <a:endParaRPr lang="en-US" altLang="ja-JP" dirty="0"/>
-          </a:p>
-          <a:p>
-            <a:endParaRPr lang="en-US" altLang="ja-JP" dirty="0"/>
-          </a:p>
-          <a:p>
-            <a:pPr marL="0" indent="0">
-              <a:buNone/>
-            </a:pPr>
-            <a:r>
-              <a:rPr lang="ja-JP" altLang="en-US" dirty="0"/>
-              <a:t>以後“倒産“という場合にはこれらの企業を指す</a:t>
-            </a:r>
-            <a:endParaRPr lang="en-US" altLang="ja-JP" dirty="0"/>
-          </a:p>
-          <a:p>
-            <a:endParaRPr lang="en-US" altLang="ja-JP" dirty="0"/>
-          </a:p>
-          <a:p>
-            <a:endParaRPr lang="en-US" altLang="ja-JP" dirty="0"/>
-          </a:p>
-        </p:txBody>
-      </p:sp>
-    </p:spTree>
-    <p:extLst>
-      <p:ext uri="{BB962C8B-B14F-4D97-AF65-F5344CB8AC3E}">
-        <p14:creationId xmlns:p14="http://schemas.microsoft.com/office/powerpoint/2010/main" val="4258918876"/>
-      </p:ext>
-    </p:extLst>
-  </p:cSld>
-  <p:clrMapOvr>
-    <a:masterClrMapping/>
-  </p:clrMapOvr>
-</p:sld>
-</file>
-
-<file path=ppt/slides/slide25.xml><?xml version="1.0" encoding="utf-8"?>
-<p:sld xmlns:a="http://schemas.openxmlformats.org/drawingml/2006/main" xmlns:r="http://schemas.openxmlformats.org/officeDocument/2006/relationships" xmlns:p="http://schemas.openxmlformats.org/presentationml/2006/main">
-  <p:cSld>
-    <p:spTree>
-      <p:nvGrpSpPr>
-        <p:cNvPr id="1" name=""/>
-        <p:cNvGrpSpPr/>
-        <p:nvPr/>
-      </p:nvGrpSpPr>
-      <p:grpSpPr>
-        <a:xfrm>
-          <a:off x="0" y="0"/>
-          <a:ext cx="0" cy="0"/>
-          <a:chOff x="0" y="0"/>
-          <a:chExt cx="0" cy="0"/>
-        </a:xfrm>
-      </p:grpSpPr>
-      <p:sp>
-        <p:nvSpPr>
-          <p:cNvPr id="2" name="タイトル 1">
-            <a:extLst>
-              <a:ext uri="{FF2B5EF4-FFF2-40B4-BE49-F238E27FC236}">
-                <a16:creationId xmlns:a16="http://schemas.microsoft.com/office/drawing/2014/main" id="{84E76098-5ABF-4709-A130-78345D6144C6}"/>
-              </a:ext>
-            </a:extLst>
-          </p:cNvPr>
-          <p:cNvSpPr>
-            <a:spLocks noGrp="1"/>
-          </p:cNvSpPr>
-          <p:nvPr>
-            <p:ph type="title"/>
-          </p:nvPr>
-        </p:nvSpPr>
-        <p:spPr>
-          <a:xfrm>
             <a:off x="838200" y="0"/>
             <a:ext cx="10515600" cy="746983"/>
           </a:xfrm>
@@ -14252,7 +14233,7 @@
 </p:sld>
 </file>
 
-<file path=ppt/slides/slide26.xml><?xml version="1.0" encoding="utf-8"?>
+<file path=ppt/slides/slide25.xml><?xml version="1.0" encoding="utf-8"?>
 <p:sld xmlns:a="http://schemas.openxmlformats.org/drawingml/2006/main" xmlns:r="http://schemas.openxmlformats.org/officeDocument/2006/relationships" xmlns:p="http://schemas.openxmlformats.org/presentationml/2006/main">
   <p:cSld>
     <p:spTree>
@@ -14443,7 +14424,7 @@
 </p:sld>
 </file>
 
-<file path=ppt/slides/slide27.xml><?xml version="1.0" encoding="utf-8"?>
+<file path=ppt/slides/slide26.xml><?xml version="1.0" encoding="utf-8"?>
 <p:sld xmlns:a="http://schemas.openxmlformats.org/drawingml/2006/main" xmlns:r="http://schemas.openxmlformats.org/officeDocument/2006/relationships" xmlns:p="http://schemas.openxmlformats.org/presentationml/2006/main">
   <p:cSld>
     <p:spTree>
@@ -15193,7 +15174,7 @@
 </p:sld>
 </file>
 
-<file path=ppt/slides/slide28.xml><?xml version="1.0" encoding="utf-8"?>
+<file path=ppt/slides/slide27.xml><?xml version="1.0" encoding="utf-8"?>
 <p:sld xmlns:a="http://schemas.openxmlformats.org/drawingml/2006/main" xmlns:r="http://schemas.openxmlformats.org/officeDocument/2006/relationships" xmlns:p="http://schemas.openxmlformats.org/presentationml/2006/main">
   <p:cSld>
     <p:spTree>
@@ -15297,7 +15278,7 @@
 </p:sld>
 </file>
 
-<file path=ppt/slides/slide29.xml><?xml version="1.0" encoding="utf-8"?>
+<file path=ppt/slides/slide28.xml><?xml version="1.0" encoding="utf-8"?>
 <p:sld xmlns:a="http://schemas.openxmlformats.org/drawingml/2006/main" xmlns:r="http://schemas.openxmlformats.org/officeDocument/2006/relationships" xmlns:p="http://schemas.openxmlformats.org/presentationml/2006/main">
   <p:cSld>
     <p:spTree>
@@ -15316,10 +15297,10 @@
       </p:grpSpPr>
       <p:pic>
         <p:nvPicPr>
-          <p:cNvPr id="5" name="コンテンツ プレースホルダー 4">
+          <p:cNvPr id="6" name="コンテンツ プレースホルダー 5">
             <a:extLst>
               <a:ext uri="{FF2B5EF4-FFF2-40B4-BE49-F238E27FC236}">
-                <a16:creationId xmlns:a16="http://schemas.microsoft.com/office/drawing/2014/main" id="{9EBE6E35-A723-471C-BAA5-2BD6336EA30C}"/>
+                <a16:creationId xmlns:a16="http://schemas.microsoft.com/office/drawing/2014/main" id="{B4A6CFC8-2FAE-43F8-87A0-3AB8197A783A}"/>
               </a:ext>
             </a:extLst>
           </p:cNvPr>
@@ -15344,8 +15325,8 @@
         </p:blipFill>
         <p:spPr>
           <a:xfrm>
-            <a:off x="1" y="375491"/>
-            <a:ext cx="12192000" cy="6254633"/>
+            <a:off x="0" y="1023532"/>
+            <a:ext cx="12192000" cy="4810936"/>
           </a:xfrm>
         </p:spPr>
       </p:pic>
@@ -15353,6 +15334,225 @@
     <p:extLst>
       <p:ext uri="{BB962C8B-B14F-4D97-AF65-F5344CB8AC3E}">
         <p14:creationId xmlns:p14="http://schemas.microsoft.com/office/powerpoint/2010/main" val="521283615"/>
+      </p:ext>
+    </p:extLst>
+  </p:cSld>
+  <p:clrMapOvr>
+    <a:masterClrMapping/>
+  </p:clrMapOvr>
+</p:sld>
+</file>
+
+<file path=ppt/slides/slide29.xml><?xml version="1.0" encoding="utf-8"?>
+<p:sld xmlns:a="http://schemas.openxmlformats.org/drawingml/2006/main" xmlns:r="http://schemas.openxmlformats.org/officeDocument/2006/relationships" xmlns:p="http://schemas.openxmlformats.org/presentationml/2006/main">
+  <p:cSld>
+    <p:spTree>
+      <p:nvGrpSpPr>
+        <p:cNvPr id="1" name=""/>
+        <p:cNvGrpSpPr/>
+        <p:nvPr/>
+      </p:nvGrpSpPr>
+      <p:grpSpPr>
+        <a:xfrm>
+          <a:off x="0" y="0"/>
+          <a:ext cx="0" cy="0"/>
+          <a:chOff x="0" y="0"/>
+          <a:chExt cx="0" cy="0"/>
+        </a:xfrm>
+      </p:grpSpPr>
+      <p:sp>
+        <p:nvSpPr>
+          <p:cNvPr id="2" name="タイトル 1">
+            <a:extLst>
+              <a:ext uri="{FF2B5EF4-FFF2-40B4-BE49-F238E27FC236}">
+                <a16:creationId xmlns:a16="http://schemas.microsoft.com/office/drawing/2014/main" id="{FDE14ED7-EB81-4178-9DA2-4B43AF944DBA}"/>
+              </a:ext>
+            </a:extLst>
+          </p:cNvPr>
+          <p:cNvSpPr>
+            <a:spLocks noGrp="1"/>
+          </p:cNvSpPr>
+          <p:nvPr>
+            <p:ph type="title"/>
+          </p:nvPr>
+        </p:nvSpPr>
+        <p:spPr/>
+        <p:txBody>
+          <a:bodyPr>
+            <a:normAutofit/>
+          </a:bodyPr>
+          <a:lstStyle/>
+          <a:p>
+            <a:r>
+              <a:rPr kumimoji="1" lang="en-US" altLang="ja-JP" sz="4000" dirty="0"/>
+              <a:t>(</a:t>
+            </a:r>
+            <a:r>
+              <a:rPr kumimoji="1" lang="ja-JP" altLang="en-US" sz="4000" dirty="0"/>
+              <a:t>参考</a:t>
+            </a:r>
+            <a:r>
+              <a:rPr kumimoji="1" lang="en-US" altLang="ja-JP" sz="4000" dirty="0"/>
+              <a:t>)2000</a:t>
+            </a:r>
+            <a:r>
+              <a:rPr kumimoji="1" lang="ja-JP" altLang="en-US" sz="4000" dirty="0"/>
+              <a:t>年以降の上場廃止企業について</a:t>
+            </a:r>
+          </a:p>
+        </p:txBody>
+      </p:sp>
+      <p:sp>
+        <p:nvSpPr>
+          <p:cNvPr id="3" name="コンテンツ プレースホルダー 2">
+            <a:extLst>
+              <a:ext uri="{FF2B5EF4-FFF2-40B4-BE49-F238E27FC236}">
+                <a16:creationId xmlns:a16="http://schemas.microsoft.com/office/drawing/2014/main" id="{E0702E04-45D3-4D58-877D-2F5CF8485D10}"/>
+              </a:ext>
+            </a:extLst>
+          </p:cNvPr>
+          <p:cNvSpPr>
+            <a:spLocks noGrp="1"/>
+          </p:cNvSpPr>
+          <p:nvPr>
+            <p:ph idx="1"/>
+          </p:nvPr>
+        </p:nvSpPr>
+        <p:spPr>
+          <a:xfrm>
+            <a:off x="838200" y="1825625"/>
+            <a:ext cx="10515600" cy="4932984"/>
+          </a:xfrm>
+        </p:spPr>
+        <p:txBody>
+          <a:bodyPr>
+            <a:normAutofit lnSpcReduction="10000"/>
+          </a:bodyPr>
+          <a:lstStyle/>
+          <a:p>
+            <a:pPr marL="0" indent="0">
+              <a:buNone/>
+            </a:pPr>
+            <a:r>
+              <a:rPr lang="ja-JP" altLang="en-US" dirty="0"/>
+              <a:t>上場廃止企業合計</a:t>
+            </a:r>
+            <a:r>
+              <a:rPr lang="en-US" altLang="ja-JP" dirty="0"/>
+              <a:t>:169</a:t>
+            </a:r>
+          </a:p>
+          <a:p>
+            <a:pPr marL="0" indent="0">
+              <a:buNone/>
+            </a:pPr>
+            <a:endParaRPr lang="en-US" altLang="ja-JP" dirty="0"/>
+          </a:p>
+          <a:p>
+            <a:pPr marL="0" indent="0">
+              <a:buNone/>
+            </a:pPr>
+            <a:r>
+              <a:rPr lang="ja-JP" altLang="en-US" dirty="0"/>
+              <a:t>上場廃止理由別分類</a:t>
+            </a:r>
+            <a:endParaRPr lang="en-US" altLang="ja-JP" dirty="0"/>
+          </a:p>
+          <a:p>
+            <a:r>
+              <a:rPr lang="ja-JP" altLang="en-US" dirty="0"/>
+              <a:t>民事再生法の適用</a:t>
+            </a:r>
+            <a:r>
+              <a:rPr lang="en-US" altLang="ja-JP" dirty="0"/>
+              <a:t>:59</a:t>
+            </a:r>
+          </a:p>
+          <a:p>
+            <a:r>
+              <a:rPr lang="ja-JP" altLang="en-US" dirty="0"/>
+              <a:t>会社更生法</a:t>
+            </a:r>
+            <a:r>
+              <a:rPr lang="en-US" altLang="ja-JP" dirty="0"/>
+              <a:t>:</a:t>
+            </a:r>
+            <a:r>
+              <a:rPr lang="ja-JP" altLang="en-US" dirty="0"/>
+              <a:t>の適用</a:t>
+            </a:r>
+            <a:r>
+              <a:rPr lang="en-US" altLang="ja-JP" dirty="0"/>
+              <a:t>24</a:t>
+            </a:r>
+          </a:p>
+          <a:p>
+            <a:r>
+              <a:rPr lang="ja-JP" altLang="en-US" dirty="0"/>
+              <a:t>破産の適用</a:t>
+            </a:r>
+            <a:r>
+              <a:rPr lang="en-US" altLang="ja-JP" dirty="0"/>
+              <a:t>:14</a:t>
+            </a:r>
+          </a:p>
+          <a:p>
+            <a:r>
+              <a:rPr lang="ja-JP" altLang="en-US" dirty="0"/>
+              <a:t>債務超過</a:t>
+            </a:r>
+            <a:r>
+              <a:rPr lang="en-US" altLang="ja-JP" dirty="0"/>
+              <a:t>:4</a:t>
+            </a:r>
+          </a:p>
+          <a:p>
+            <a:r>
+              <a:rPr lang="ja-JP" altLang="en-US" dirty="0"/>
+              <a:t>有価証券報告書提出遅延</a:t>
+            </a:r>
+            <a:r>
+              <a:rPr lang="en-US" altLang="ja-JP" dirty="0"/>
+              <a:t>:3</a:t>
+            </a:r>
+          </a:p>
+          <a:p>
+            <a:r>
+              <a:rPr lang="ja-JP" altLang="en-US" dirty="0"/>
+              <a:t>有価証券報告書虚偽記載</a:t>
+            </a:r>
+            <a:r>
+              <a:rPr lang="en-US" altLang="ja-JP" dirty="0"/>
+              <a:t>:9</a:t>
+            </a:r>
+          </a:p>
+          <a:p>
+            <a:r>
+              <a:rPr lang="ja-JP" altLang="en-US" dirty="0"/>
+              <a:t>その他</a:t>
+            </a:r>
+            <a:r>
+              <a:rPr lang="en-US" altLang="ja-JP" dirty="0"/>
+              <a:t>(TOB,MBO</a:t>
+            </a:r>
+            <a:r>
+              <a:rPr lang="ja-JP" altLang="en-US" dirty="0"/>
+              <a:t>等</a:t>
+            </a:r>
+            <a:r>
+              <a:rPr lang="en-US" altLang="ja-JP" dirty="0"/>
+              <a:t>):56</a:t>
+            </a:r>
+          </a:p>
+          <a:p>
+            <a:endParaRPr kumimoji="1" lang="ja-JP" altLang="en-US" dirty="0"/>
+          </a:p>
+        </p:txBody>
+      </p:sp>
+    </p:spTree>
+    <p:extLst>
+      <p:ext uri="{BB962C8B-B14F-4D97-AF65-F5344CB8AC3E}">
+        <p14:creationId xmlns:p14="http://schemas.microsoft.com/office/powerpoint/2010/main" val="2795091275"/>
       </p:ext>
     </p:extLst>
   </p:cSld>
@@ -15514,6 +15714,72 @@
           <a:chExt cx="0" cy="0"/>
         </a:xfrm>
       </p:grpSpPr>
+      <p:pic>
+        <p:nvPicPr>
+          <p:cNvPr id="3" name="図 2">
+            <a:extLst>
+              <a:ext uri="{FF2B5EF4-FFF2-40B4-BE49-F238E27FC236}">
+                <a16:creationId xmlns:a16="http://schemas.microsoft.com/office/drawing/2014/main" id="{15426821-5844-4486-83B0-30D243C87A5B}"/>
+              </a:ext>
+            </a:extLst>
+          </p:cNvPr>
+          <p:cNvPicPr>
+            <a:picLocks noChangeAspect="1"/>
+          </p:cNvPicPr>
+          <p:nvPr/>
+        </p:nvPicPr>
+        <p:blipFill>
+          <a:blip r:embed="rId2">
+            <a:extLst>
+              <a:ext uri="{28A0092B-C50C-407E-A947-70E740481C1C}">
+                <a14:useLocalDpi xmlns:a14="http://schemas.microsoft.com/office/drawing/2010/main" val="0"/>
+              </a:ext>
+            </a:extLst>
+          </a:blip>
+          <a:stretch>
+            <a:fillRect/>
+          </a:stretch>
+        </p:blipFill>
+        <p:spPr>
+          <a:xfrm>
+            <a:off x="0" y="825013"/>
+            <a:ext cx="12192000" cy="5207974"/>
+          </a:xfrm>
+          <a:prstGeom prst="rect">
+            <a:avLst/>
+          </a:prstGeom>
+        </p:spPr>
+      </p:pic>
+    </p:spTree>
+    <p:extLst>
+      <p:ext uri="{BB962C8B-B14F-4D97-AF65-F5344CB8AC3E}">
+        <p14:creationId xmlns:p14="http://schemas.microsoft.com/office/powerpoint/2010/main" val="2792197823"/>
+      </p:ext>
+    </p:extLst>
+  </p:cSld>
+  <p:clrMapOvr>
+    <a:masterClrMapping/>
+  </p:clrMapOvr>
+</p:sld>
+</file>
+
+<file path=ppt/slides/slide31.xml><?xml version="1.0" encoding="utf-8"?>
+<p:sld xmlns:a="http://schemas.openxmlformats.org/drawingml/2006/main" xmlns:r="http://schemas.openxmlformats.org/officeDocument/2006/relationships" xmlns:p="http://schemas.openxmlformats.org/presentationml/2006/main">
+  <p:cSld>
+    <p:spTree>
+      <p:nvGrpSpPr>
+        <p:cNvPr id="1" name=""/>
+        <p:cNvGrpSpPr/>
+        <p:nvPr/>
+      </p:nvGrpSpPr>
+      <p:grpSpPr>
+        <a:xfrm>
+          <a:off x="0" y="0"/>
+          <a:ext cx="0" cy="0"/>
+          <a:chOff x="0" y="0"/>
+          <a:chExt cx="0" cy="0"/>
+        </a:xfrm>
+      </p:grpSpPr>
       <p:sp>
         <p:nvSpPr>
           <p:cNvPr id="2" name="タイトル 1">
@@ -15530,28 +15796,21 @@
             <p:ph type="title"/>
           </p:nvPr>
         </p:nvSpPr>
-        <p:spPr/>
+        <p:spPr>
+          <a:xfrm>
+            <a:off x="0" y="0"/>
+            <a:ext cx="10515600" cy="634314"/>
+          </a:xfrm>
+        </p:spPr>
         <p:txBody>
           <a:bodyPr>
-            <a:normAutofit/>
+            <a:normAutofit fontScale="90000"/>
           </a:bodyPr>
           <a:lstStyle/>
           <a:p>
             <a:r>
-              <a:rPr kumimoji="1" lang="en-US" altLang="ja-JP" sz="4000" dirty="0"/>
-              <a:t>(</a:t>
-            </a:r>
-            <a:r>
               <a:rPr kumimoji="1" lang="ja-JP" altLang="en-US" sz="4000" dirty="0"/>
-              <a:t>参考</a:t>
-            </a:r>
-            <a:r>
-              <a:rPr kumimoji="1" lang="en-US" altLang="ja-JP" sz="4000" dirty="0"/>
-              <a:t>)2000</a:t>
-            </a:r>
-            <a:r>
-              <a:rPr kumimoji="1" lang="ja-JP" altLang="en-US" sz="4000" dirty="0"/>
-              <a:t>年以降の上場廃止企業について</a:t>
+              <a:t>現在の問題のまとめ</a:t>
             </a:r>
           </a:p>
         </p:txBody>
@@ -15574,13 +15833,13 @@
         </p:nvSpPr>
         <p:spPr>
           <a:xfrm>
-            <a:off x="838200" y="1825625"/>
-            <a:ext cx="10515600" cy="4932984"/>
+            <a:off x="0" y="634315"/>
+            <a:ext cx="12192000" cy="6124294"/>
           </a:xfrm>
         </p:spPr>
         <p:txBody>
           <a:bodyPr>
-            <a:normAutofit lnSpcReduction="10000"/>
+            <a:normAutofit/>
           </a:bodyPr>
           <a:lstStyle/>
           <a:p>
@@ -15588,13 +15847,83 @@
               <a:buNone/>
             </a:pPr>
             <a:r>
-              <a:rPr lang="ja-JP" altLang="en-US" dirty="0"/>
-              <a:t>上場廃止企業合計</a:t>
+              <a:rPr lang="ja-JP" altLang="en-US" u="sng" dirty="0"/>
+              <a:t>問題点</a:t>
+            </a:r>
+            <a:r>
+              <a:rPr lang="en-US" altLang="ja-JP" u="sng" dirty="0"/>
+              <a:t>1</a:t>
+            </a:r>
+          </a:p>
+          <a:p>
+            <a:pPr marL="0" indent="0">
+              <a:buNone/>
+            </a:pPr>
+            <a:r>
+              <a:rPr lang="ja-JP" altLang="en-US" dirty="0"/>
+              <a:t>カネボウの他、対象企業の条件に当てはまらなかった</a:t>
             </a:r>
             <a:r>
               <a:rPr lang="en-US" altLang="ja-JP" dirty="0"/>
-              <a:t>:169</a:t>
-            </a:r>
+              <a:t>4</a:t>
+            </a:r>
+            <a:r>
+              <a:rPr lang="ja-JP" altLang="en-US" dirty="0"/>
+              <a:t>社を対象とするか</a:t>
+            </a:r>
+            <a:endParaRPr lang="en-US" altLang="ja-JP" dirty="0"/>
+          </a:p>
+          <a:p>
+            <a:pPr marL="0" indent="0">
+              <a:buNone/>
+            </a:pPr>
+            <a:r>
+              <a:rPr lang="ja-JP" altLang="en-US" u="sng" dirty="0"/>
+              <a:t>焦点</a:t>
+            </a:r>
+            <a:endParaRPr lang="en-US" altLang="ja-JP" u="sng" dirty="0"/>
+          </a:p>
+          <a:p>
+            <a:pPr marL="0" indent="0">
+              <a:buNone/>
+            </a:pPr>
+            <a:r>
+              <a:rPr lang="ja-JP" altLang="en-US" dirty="0"/>
+              <a:t>形式</a:t>
+            </a:r>
+            <a:r>
+              <a:rPr lang="en-US" altLang="ja-JP" dirty="0"/>
+              <a:t>(</a:t>
+            </a:r>
+            <a:r>
+              <a:rPr lang="ja-JP" altLang="en-US" dirty="0"/>
+              <a:t>条件</a:t>
+            </a:r>
+            <a:r>
+              <a:rPr lang="en-US" altLang="ja-JP" dirty="0"/>
+              <a:t>)</a:t>
+            </a:r>
+            <a:r>
+              <a:rPr lang="ja-JP" altLang="en-US" dirty="0"/>
+              <a:t>を優先させるか、実質</a:t>
+            </a:r>
+            <a:r>
+              <a:rPr lang="en-US" altLang="ja-JP" dirty="0"/>
+              <a:t>(</a:t>
+            </a:r>
+            <a:r>
+              <a:rPr lang="ja-JP" altLang="en-US" dirty="0"/>
+              <a:t>上場廃止時の財務状況</a:t>
+            </a:r>
+            <a:r>
+              <a:rPr lang="en-US" altLang="ja-JP" dirty="0"/>
+              <a:t>)</a:t>
+            </a:r>
+            <a:r>
+              <a:rPr lang="ja-JP" altLang="en-US" dirty="0"/>
+              <a:t>を優先するか</a:t>
+            </a:r>
+            <a:endParaRPr lang="en-US" altLang="ja-JP" dirty="0"/>
           </a:p>
           <a:p>
             <a:pPr marL="0" indent="0">
@@ -15607,106 +15936,50 @@
               <a:buNone/>
             </a:pPr>
             <a:r>
-              <a:rPr lang="ja-JP" altLang="en-US" dirty="0"/>
-              <a:t>上場廃止理由別分類</a:t>
+              <a:rPr lang="ja-JP" altLang="en-US" u="sng" dirty="0"/>
+              <a:t>問題点</a:t>
+            </a:r>
+            <a:r>
+              <a:rPr lang="en-US" altLang="ja-JP" u="sng" dirty="0"/>
+              <a:t>2</a:t>
+            </a:r>
+          </a:p>
+          <a:p>
+            <a:pPr marL="0" indent="0">
+              <a:buNone/>
+            </a:pPr>
+            <a:r>
+              <a:rPr lang="ja-JP" altLang="en-US" dirty="0"/>
+              <a:t>期間の差をどう調整するか</a:t>
             </a:r>
             <a:endParaRPr lang="en-US" altLang="ja-JP" dirty="0"/>
           </a:p>
           <a:p>
-            <a:r>
-              <a:rPr lang="ja-JP" altLang="en-US" dirty="0"/>
-              <a:t>民事再生法の適用</a:t>
-            </a:r>
-            <a:r>
-              <a:rPr lang="en-US" altLang="ja-JP" dirty="0"/>
-              <a:t>:59</a:t>
-            </a:r>
-          </a:p>
-          <a:p>
-            <a:r>
-              <a:rPr lang="ja-JP" altLang="en-US" dirty="0"/>
-              <a:t>会社更生法</a:t>
-            </a:r>
-            <a:r>
-              <a:rPr lang="en-US" altLang="ja-JP" dirty="0"/>
-              <a:t>:</a:t>
-            </a:r>
-            <a:r>
-              <a:rPr lang="ja-JP" altLang="en-US" dirty="0"/>
-              <a:t>の適用</a:t>
-            </a:r>
-            <a:r>
-              <a:rPr lang="en-US" altLang="ja-JP" dirty="0"/>
-              <a:t>24</a:t>
-            </a:r>
-          </a:p>
-          <a:p>
-            <a:r>
-              <a:rPr lang="ja-JP" altLang="en-US" dirty="0"/>
-              <a:t>破産の適用</a:t>
-            </a:r>
-            <a:r>
-              <a:rPr lang="en-US" altLang="ja-JP" dirty="0"/>
-              <a:t>:14</a:t>
-            </a:r>
-          </a:p>
-          <a:p>
-            <a:r>
-              <a:rPr lang="ja-JP" altLang="en-US" dirty="0"/>
-              <a:t>債務超過</a:t>
-            </a:r>
-            <a:r>
-              <a:rPr lang="en-US" altLang="ja-JP" dirty="0"/>
-              <a:t>:4</a:t>
-            </a:r>
-          </a:p>
-          <a:p>
-            <a:r>
-              <a:rPr lang="ja-JP" altLang="en-US" dirty="0"/>
-              <a:t>有価証券報告書提出遅延</a:t>
-            </a:r>
-            <a:r>
-              <a:rPr lang="en-US" altLang="ja-JP" dirty="0"/>
-              <a:t>:3</a:t>
-            </a:r>
-          </a:p>
-          <a:p>
-            <a:r>
-              <a:rPr lang="ja-JP" altLang="en-US" dirty="0"/>
-              <a:t>有価証券報告書虚偽記載</a:t>
-            </a:r>
-            <a:r>
-              <a:rPr lang="en-US" altLang="ja-JP" dirty="0"/>
-              <a:t>:9</a:t>
-            </a:r>
-          </a:p>
-          <a:p>
-            <a:r>
-              <a:rPr lang="ja-JP" altLang="en-US" dirty="0"/>
-              <a:t>その他</a:t>
-            </a:r>
-            <a:r>
-              <a:rPr lang="en-US" altLang="ja-JP" dirty="0"/>
-              <a:t>(TOB,MBO</a:t>
-            </a:r>
-            <a:r>
-              <a:rPr lang="ja-JP" altLang="en-US" dirty="0"/>
-              <a:t>等</a:t>
-            </a:r>
-            <a:r>
-              <a:rPr lang="en-US" altLang="ja-JP" dirty="0"/>
-              <a:t>):56</a:t>
-            </a:r>
-          </a:p>
-          <a:p>
-            <a:endParaRPr kumimoji="1" lang="ja-JP" altLang="en-US" dirty="0"/>
+            <a:pPr marL="0" indent="0">
+              <a:buNone/>
+            </a:pPr>
+            <a:r>
+              <a:rPr lang="ja-JP" altLang="en-US" u="sng" dirty="0"/>
+              <a:t>焦点</a:t>
+            </a:r>
+            <a:endParaRPr lang="en-US" altLang="ja-JP" u="sng" dirty="0"/>
+          </a:p>
+          <a:p>
+            <a:pPr marL="0" indent="0">
+              <a:buNone/>
+            </a:pPr>
+            <a:r>
+              <a:rPr lang="ja-JP" altLang="en-US" dirty="0"/>
+              <a:t>適切な調整方法を考える</a:t>
+            </a:r>
+            <a:endParaRPr lang="en-US" altLang="ja-JP" dirty="0"/>
           </a:p>
         </p:txBody>
       </p:sp>
     </p:spTree>
     <p:extLst>
       <p:ext uri="{BB962C8B-B14F-4D97-AF65-F5344CB8AC3E}">
-        <p14:creationId xmlns:p14="http://schemas.microsoft.com/office/powerpoint/2010/main" val="2795091275"/>
+        <p14:creationId xmlns:p14="http://schemas.microsoft.com/office/powerpoint/2010/main" val="221693670"/>
       </p:ext>
     </p:extLst>
   </p:cSld>

--- a/倒産の研究(仮).pptx
+++ b/倒産の研究(仮).pptx
@@ -10276,8 +10276,8 @@
         </p:nvSpPr>
         <p:spPr>
           <a:xfrm>
-            <a:off x="6182476" y="6211669"/>
-            <a:ext cx="6009524" cy="646331"/>
+            <a:off x="6929866" y="6211669"/>
+            <a:ext cx="5262134" cy="646331"/>
           </a:xfrm>
           <a:prstGeom prst="rect">
             <a:avLst/>
@@ -10621,7 +10621,7 @@
         </p:nvSpPr>
         <p:spPr>
           <a:xfrm>
-            <a:off x="838200" y="365125"/>
+            <a:off x="0" y="0"/>
             <a:ext cx="10515600" cy="746983"/>
           </a:xfrm>
         </p:spPr>
@@ -10667,8 +10667,8 @@
         </p:nvSpPr>
         <p:spPr>
           <a:xfrm>
-            <a:off x="838200" y="1112108"/>
-            <a:ext cx="10515600" cy="5646501"/>
+            <a:off x="0" y="746983"/>
+            <a:ext cx="12192000" cy="5646501"/>
           </a:xfrm>
         </p:spPr>
         <p:txBody>
@@ -10816,13 +10816,15 @@
               </a:ext>
             </a:extLst>
           </p:cNvPr>
-          <p:cNvCxnSpPr/>
+          <p:cNvCxnSpPr>
+            <a:cxnSpLocks/>
+          </p:cNvCxnSpPr>
           <p:nvPr/>
         </p:nvCxnSpPr>
         <p:spPr>
           <a:xfrm>
-            <a:off x="622853" y="2968487"/>
-            <a:ext cx="11290852" cy="0"/>
+            <a:off x="-215347" y="2603362"/>
+            <a:ext cx="12407347" cy="0"/>
           </a:xfrm>
           <a:prstGeom prst="line">
             <a:avLst/>
@@ -10896,7 +10898,7 @@
         </p:nvSpPr>
         <p:spPr>
           <a:xfrm>
-            <a:off x="838200" y="365125"/>
+            <a:off x="0" y="0"/>
             <a:ext cx="10515600" cy="746983"/>
           </a:xfrm>
         </p:spPr>
@@ -10921,50 +10923,6 @@
               <a:t>内整理の事例</a:t>
             </a:r>
             <a:endParaRPr kumimoji="1" lang="ja-JP" altLang="en-US" dirty="0"/>
-          </a:p>
-        </p:txBody>
-      </p:sp>
-      <p:sp>
-        <p:nvSpPr>
-          <p:cNvPr id="3" name="コンテンツ プレースホルダー 2">
-            <a:extLst>
-              <a:ext uri="{FF2B5EF4-FFF2-40B4-BE49-F238E27FC236}">
-                <a16:creationId xmlns:a16="http://schemas.microsoft.com/office/drawing/2014/main" id="{6542FA18-B0BE-4A9A-A81C-6917BCE2D0B7}"/>
-              </a:ext>
-            </a:extLst>
-          </p:cNvPr>
-          <p:cNvSpPr>
-            <a:spLocks noGrp="1"/>
-          </p:cNvSpPr>
-          <p:nvPr>
-            <p:ph idx="1"/>
-          </p:nvPr>
-        </p:nvSpPr>
-        <p:spPr>
-          <a:xfrm>
-            <a:off x="838200" y="1112108"/>
-            <a:ext cx="10515600" cy="5064855"/>
-          </a:xfrm>
-        </p:spPr>
-        <p:txBody>
-          <a:bodyPr>
-            <a:normAutofit/>
-          </a:bodyPr>
-          <a:lstStyle/>
-          <a:p>
-            <a:pPr marL="0" indent="0">
-              <a:buNone/>
-            </a:pPr>
-            <a:endParaRPr lang="en-US" altLang="ja-JP" dirty="0"/>
-          </a:p>
-          <a:p>
-            <a:pPr marL="0" indent="0">
-              <a:buNone/>
-            </a:pPr>
-            <a:endParaRPr lang="en-US" altLang="ja-JP" dirty="0"/>
-          </a:p>
-          <a:p>
-            <a:endParaRPr lang="en-US" altLang="ja-JP" dirty="0"/>
           </a:p>
         </p:txBody>
       </p:sp>
@@ -10982,8 +10940,8 @@
         </p:nvSpPr>
         <p:spPr>
           <a:xfrm>
-            <a:off x="838200" y="1112108"/>
-            <a:ext cx="10515600" cy="5570756"/>
+            <a:off x="0" y="746983"/>
+            <a:ext cx="12192000" cy="5262979"/>
           </a:xfrm>
           <a:prstGeom prst="rect">
             <a:avLst/>
@@ -10997,11 +10955,11 @@
           <a:lstStyle/>
           <a:p>
             <a:r>
-              <a:rPr kumimoji="1" lang="ja-JP" altLang="en-US" sz="2400" dirty="0"/>
+              <a:rPr kumimoji="1" lang="ja-JP" altLang="en-US" sz="2800" dirty="0"/>
               <a:t>曙ブレーキ工業</a:t>
             </a:r>
             <a:r>
-              <a:rPr kumimoji="1" lang="en-US" altLang="ja-JP" sz="2400" dirty="0"/>
+              <a:rPr kumimoji="1" lang="en-US" altLang="ja-JP" sz="2800" dirty="0"/>
               <a:t>(7238)</a:t>
             </a:r>
           </a:p>
@@ -11207,7 +11165,7 @@
         </p:nvSpPr>
         <p:spPr>
           <a:xfrm>
-            <a:off x="838200" y="365125"/>
+            <a:off x="0" y="0"/>
             <a:ext cx="10515600" cy="746983"/>
           </a:xfrm>
         </p:spPr>
@@ -11240,7 +11198,7 @@
         </p:nvSpPr>
         <p:spPr>
           <a:xfrm>
-            <a:off x="838200" y="1112108"/>
+            <a:off x="0" y="746983"/>
             <a:ext cx="10515600" cy="5064855"/>
           </a:xfrm>
         </p:spPr>
@@ -11369,7 +11327,7 @@
         </p:nvSpPr>
         <p:spPr>
           <a:xfrm>
-            <a:off x="838200" y="365125"/>
+            <a:off x="0" y="0"/>
             <a:ext cx="10515600" cy="746983"/>
           </a:xfrm>
         </p:spPr>
@@ -11380,6 +11338,18 @@
             <a:r>
               <a:rPr lang="ja-JP" altLang="en-US" dirty="0"/>
               <a:t>対象とする企業について</a:t>
+            </a:r>
+            <a:r>
+              <a:rPr lang="en-US" altLang="ja-JP" dirty="0"/>
+              <a:t>(</a:t>
+            </a:r>
+            <a:r>
+              <a:rPr lang="ja-JP" altLang="en-US" dirty="0"/>
+              <a:t>さいけい</a:t>
+            </a:r>
+            <a:r>
+              <a:rPr lang="en-US" altLang="ja-JP" dirty="0"/>
+              <a:t>)</a:t>
             </a:r>
             <a:endParaRPr kumimoji="1" lang="ja-JP" altLang="en-US" dirty="0"/>
           </a:p>
@@ -11403,7 +11373,7 @@
         </p:nvSpPr>
         <p:spPr>
           <a:xfrm>
-            <a:off x="838200" y="1112108"/>
+            <a:off x="0" y="746983"/>
             <a:ext cx="10515600" cy="5064855"/>
           </a:xfrm>
         </p:spPr>
@@ -11544,7 +11514,7 @@
         </p:nvSpPr>
         <p:spPr>
           <a:xfrm>
-            <a:off x="838200" y="0"/>
+            <a:off x="0" y="19878"/>
             <a:ext cx="10515600" cy="746983"/>
           </a:xfrm>
         </p:spPr>
@@ -11579,8 +11549,8 @@
         </p:nvSpPr>
         <p:spPr>
           <a:xfrm>
-            <a:off x="838200" y="746983"/>
-            <a:ext cx="10515600" cy="6091139"/>
+            <a:off x="0" y="766861"/>
+            <a:ext cx="12192000" cy="6091139"/>
           </a:xfrm>
         </p:spPr>
         <p:txBody>
@@ -11607,7 +11577,7 @@
             </a:r>
             <a:r>
               <a:rPr lang="ja-JP" altLang="en-US" dirty="0"/>
-              <a:t>部のの場合</a:t>
+              <a:t>部の場合</a:t>
             </a:r>
             <a:r>
               <a:rPr lang="en-US" altLang="ja-JP" dirty="0"/>
@@ -11783,7 +11753,7 @@
         </p:nvSpPr>
         <p:spPr>
           <a:xfrm>
-            <a:off x="838200" y="823783"/>
+            <a:off x="838200" y="488091"/>
             <a:ext cx="10515600" cy="5881817"/>
           </a:xfrm>
         </p:spPr>
@@ -11955,7 +11925,7 @@
         </p:nvSpPr>
         <p:spPr>
           <a:xfrm>
-            <a:off x="914400" y="0"/>
+            <a:off x="0" y="0"/>
             <a:ext cx="10515600" cy="1291268"/>
           </a:xfrm>
         </p:spPr>
@@ -11990,7 +11960,7 @@
         </p:nvSpPr>
         <p:spPr>
           <a:xfrm>
-            <a:off x="718457" y="1502229"/>
+            <a:off x="0" y="1502229"/>
             <a:ext cx="10929257" cy="4887673"/>
           </a:xfrm>
         </p:spPr>
@@ -12119,7 +12089,7 @@
         </p:nvSpPr>
         <p:spPr>
           <a:xfrm>
-            <a:off x="914400" y="0"/>
+            <a:off x="0" y="-238261"/>
             <a:ext cx="10515600" cy="1291268"/>
           </a:xfrm>
         </p:spPr>
@@ -12162,8 +12132,8 @@
         </p:nvSpPr>
         <p:spPr>
           <a:xfrm>
-            <a:off x="718457" y="1502229"/>
-            <a:ext cx="10929257" cy="4887673"/>
+            <a:off x="0" y="1053007"/>
+            <a:ext cx="12192000" cy="4887673"/>
           </a:xfrm>
         </p:spPr>
         <p:txBody>
@@ -12459,8 +12429,8 @@
         </p:nvSpPr>
         <p:spPr>
           <a:xfrm rot="2124184">
-            <a:off x="6918583" y="2035426"/>
-            <a:ext cx="848139" cy="2787148"/>
+            <a:off x="5711098" y="1541878"/>
+            <a:ext cx="848139" cy="2425640"/>
           </a:xfrm>
           <a:prstGeom prst="upDownArrow">
             <a:avLst/>
@@ -12503,7 +12473,7 @@
         </p:nvSpPr>
         <p:spPr>
           <a:xfrm>
-            <a:off x="8282609" y="3240156"/>
+            <a:off x="6981057" y="2257741"/>
             <a:ext cx="2425148" cy="993914"/>
           </a:xfrm>
           <a:prstGeom prst="rect">
@@ -12718,7 +12688,7 @@
         </p:nvSpPr>
         <p:spPr>
           <a:xfrm>
-            <a:off x="914400" y="0"/>
+            <a:off x="0" y="38683"/>
             <a:ext cx="10515600" cy="1291268"/>
           </a:xfrm>
         </p:spPr>
@@ -12766,8 +12736,8 @@
         </p:nvSpPr>
         <p:spPr>
           <a:xfrm>
-            <a:off x="718457" y="1502229"/>
-            <a:ext cx="10929257" cy="5150362"/>
+            <a:off x="0" y="1502229"/>
+            <a:ext cx="12191999" cy="5150362"/>
           </a:xfrm>
         </p:spPr>
         <p:txBody>
@@ -12895,8 +12865,8 @@
         </p:nvSpPr>
         <p:spPr>
           <a:xfrm>
-            <a:off x="769572" y="4619098"/>
-            <a:ext cx="10827026" cy="2033493"/>
+            <a:off x="0" y="4446820"/>
+            <a:ext cx="12191998" cy="2033493"/>
           </a:xfrm>
           <a:prstGeom prst="rect">
             <a:avLst/>
@@ -13082,7 +13052,12 @@
             <p:ph type="title"/>
           </p:nvPr>
         </p:nvSpPr>
-        <p:spPr/>
+        <p:spPr>
+          <a:xfrm>
+            <a:off x="0" y="-310736"/>
+            <a:ext cx="10515600" cy="1325563"/>
+          </a:xfrm>
+        </p:spPr>
         <p:txBody>
           <a:bodyPr/>
           <a:lstStyle/>
@@ -13110,7 +13085,12 @@
             <p:ph idx="1"/>
           </p:nvPr>
         </p:nvSpPr>
-        <p:spPr/>
+        <p:spPr>
+          <a:xfrm>
+            <a:off x="0" y="1149764"/>
+            <a:ext cx="10515600" cy="4351338"/>
+          </a:xfrm>
+        </p:spPr>
         <p:txBody>
           <a:bodyPr/>
           <a:lstStyle/>
@@ -13277,7 +13257,7 @@
         </p:nvSpPr>
         <p:spPr>
           <a:xfrm>
-            <a:off x="838200" y="365125"/>
+            <a:off x="0" y="0"/>
             <a:ext cx="10515600" cy="746983"/>
           </a:xfrm>
         </p:spPr>
@@ -13313,7 +13293,7 @@
         </p:nvSpPr>
         <p:spPr>
           <a:xfrm>
-            <a:off x="838200" y="1112108"/>
+            <a:off x="0" y="746983"/>
             <a:ext cx="10515600" cy="5064855"/>
           </a:xfrm>
         </p:spPr>
@@ -13403,8 +13383,8 @@
         </p:nvSpPr>
         <p:spPr>
           <a:xfrm>
-            <a:off x="838200" y="365125"/>
-            <a:ext cx="10515600" cy="746983"/>
+            <a:off x="0" y="0"/>
+            <a:ext cx="12192000" cy="746983"/>
           </a:xfrm>
         </p:spPr>
         <p:txBody>
@@ -13438,8 +13418,8 @@
         </p:nvSpPr>
         <p:spPr>
           <a:xfrm>
-            <a:off x="838200" y="1112108"/>
-            <a:ext cx="10515600" cy="5469924"/>
+            <a:off x="0" y="746983"/>
+            <a:ext cx="12192000" cy="5469924"/>
           </a:xfrm>
         </p:spPr>
         <p:txBody>
@@ -13473,7 +13453,14 @@
             </a:r>
             <a:r>
               <a:rPr lang="ja-JP" altLang="en-US" dirty="0"/>
-              <a:t>、いわゆる狂牛病）対策を悪用する牛肉産地偽装事件（雪印牛肉偽装事件）を起こした。その事件が親会社である雪印乳業の食中毒事件と時期的に重なったため、会社の信用がなくなり経営が破綻、</a:t>
+              <a:t>、いわゆる狂牛病）対策を悪用する牛肉産地</a:t>
+            </a:r>
+            <a:br>
+              <a:rPr lang="en-US" altLang="ja-JP" dirty="0"/>
+            </a:br>
+            <a:r>
+              <a:rPr lang="ja-JP" altLang="en-US" dirty="0"/>
+              <a:t>偽装事件（雪印牛肉偽装事件）を起こした。その事件が親会社である雪印乳業の食中毒事件と時期的に重なったため、会社の信用がなくなり経営が破綻、</a:t>
             </a:r>
             <a:r>
               <a:rPr lang="en-US" altLang="ja-JP" dirty="0"/>
@@ -13629,8 +13616,8 @@
         </p:nvSpPr>
         <p:spPr>
           <a:xfrm>
-            <a:off x="838200" y="365125"/>
-            <a:ext cx="10515600" cy="746983"/>
+            <a:off x="0" y="0"/>
+            <a:ext cx="12192000" cy="746983"/>
           </a:xfrm>
         </p:spPr>
         <p:txBody>
@@ -13665,8 +13652,8 @@
         </p:nvSpPr>
         <p:spPr>
           <a:xfrm>
-            <a:off x="838200" y="1112108"/>
-            <a:ext cx="10515600" cy="5064855"/>
+            <a:off x="0" y="746983"/>
+            <a:ext cx="12192000" cy="5064855"/>
           </a:xfrm>
         </p:spPr>
         <p:txBody>
@@ -13828,8 +13815,8 @@
         </p:nvSpPr>
         <p:spPr>
           <a:xfrm>
-            <a:off x="838200" y="365125"/>
-            <a:ext cx="10515600" cy="746983"/>
+            <a:off x="0" y="0"/>
+            <a:ext cx="12192000" cy="746983"/>
           </a:xfrm>
         </p:spPr>
         <p:txBody>
@@ -13864,13 +13851,13 @@
         </p:nvSpPr>
         <p:spPr>
           <a:xfrm>
-            <a:off x="838200" y="996778"/>
-            <a:ext cx="10515600" cy="5861222"/>
+            <a:off x="0" y="746983"/>
+            <a:ext cx="12192000" cy="5861222"/>
           </a:xfrm>
         </p:spPr>
         <p:txBody>
           <a:bodyPr>
-            <a:normAutofit lnSpcReduction="10000"/>
+            <a:normAutofit/>
           </a:bodyPr>
           <a:lstStyle/>
           <a:p>
@@ -14032,8 +14019,8 @@
         </p:nvSpPr>
         <p:spPr>
           <a:xfrm>
-            <a:off x="838200" y="0"/>
-            <a:ext cx="10515600" cy="746983"/>
+            <a:off x="0" y="0"/>
+            <a:ext cx="12192000" cy="746983"/>
           </a:xfrm>
         </p:spPr>
         <p:txBody>
@@ -14068,8 +14055,8 @@
         </p:nvSpPr>
         <p:spPr>
           <a:xfrm>
-            <a:off x="838200" y="746983"/>
-            <a:ext cx="10515600" cy="5642919"/>
+            <a:off x="0" y="746983"/>
+            <a:ext cx="12192000" cy="5642919"/>
           </a:xfrm>
         </p:spPr>
         <p:txBody>
@@ -14182,7 +14169,14 @@
             </a:r>
             <a:r>
               <a:rPr lang="ja-JP" altLang="en-US" dirty="0"/>
-              <a:t>月以降は使い勝手のよい民事再生手続きを用いて、会社の状況がより悪化する</a:t>
+              <a:t>月以降は使い勝手のよい民事再生手続きを用いて、会社の状況が</a:t>
+            </a:r>
+            <a:br>
+              <a:rPr lang="en-US" altLang="ja-JP" dirty="0"/>
+            </a:br>
+            <a:r>
+              <a:rPr lang="ja-JP" altLang="en-US" dirty="0"/>
+              <a:t>より悪化する</a:t>
             </a:r>
             <a:r>
               <a:rPr lang="en-US" altLang="ja-JP" dirty="0"/>
@@ -14266,7 +14260,12 @@
             <p:ph type="title"/>
           </p:nvPr>
         </p:nvSpPr>
-        <p:spPr/>
+        <p:spPr>
+          <a:xfrm>
+            <a:off x="0" y="-279401"/>
+            <a:ext cx="10515600" cy="1325563"/>
+          </a:xfrm>
+        </p:spPr>
         <p:txBody>
           <a:bodyPr/>
           <a:lstStyle/>
@@ -14295,7 +14294,12 @@
             <p:ph idx="1"/>
           </p:nvPr>
         </p:nvSpPr>
-        <p:spPr/>
+        <p:spPr>
+          <a:xfrm>
+            <a:off x="0" y="837648"/>
+            <a:ext cx="11860696" cy="4351338"/>
+          </a:xfrm>
+        </p:spPr>
         <p:txBody>
           <a:bodyPr/>
           <a:lstStyle/>
@@ -15209,7 +15213,7 @@
         </p:nvSpPr>
         <p:spPr>
           <a:xfrm>
-            <a:off x="838200" y="0"/>
+            <a:off x="0" y="0"/>
             <a:ext cx="10515600" cy="746983"/>
           </a:xfrm>
         </p:spPr>
@@ -15244,7 +15248,7 @@
         </p:nvSpPr>
         <p:spPr>
           <a:xfrm>
-            <a:off x="838200" y="746983"/>
+            <a:off x="0" y="746983"/>
             <a:ext cx="10515600" cy="5642919"/>
           </a:xfrm>
         </p:spPr>
@@ -15376,7 +15380,12 @@
             <p:ph type="title"/>
           </p:nvPr>
         </p:nvSpPr>
-        <p:spPr/>
+        <p:spPr>
+          <a:xfrm>
+            <a:off x="0" y="-316326"/>
+            <a:ext cx="10515600" cy="1325563"/>
+          </a:xfrm>
+        </p:spPr>
         <p:txBody>
           <a:bodyPr>
             <a:normAutofit/>
@@ -15384,19 +15393,19 @@
           <a:lstStyle/>
           <a:p>
             <a:r>
-              <a:rPr kumimoji="1" lang="en-US" altLang="ja-JP" sz="4000" dirty="0"/>
+              <a:rPr kumimoji="1" lang="en-US" altLang="ja-JP" sz="3600" dirty="0"/>
               <a:t>(</a:t>
             </a:r>
             <a:r>
-              <a:rPr kumimoji="1" lang="ja-JP" altLang="en-US" sz="4000" dirty="0"/>
+              <a:rPr kumimoji="1" lang="ja-JP" altLang="en-US" sz="3600" dirty="0"/>
               <a:t>参考</a:t>
             </a:r>
             <a:r>
-              <a:rPr kumimoji="1" lang="en-US" altLang="ja-JP" sz="4000" dirty="0"/>
+              <a:rPr kumimoji="1" lang="en-US" altLang="ja-JP" sz="3600" dirty="0"/>
               <a:t>)2000</a:t>
             </a:r>
             <a:r>
-              <a:rPr kumimoji="1" lang="ja-JP" altLang="en-US" sz="4000" dirty="0"/>
+              <a:rPr kumimoji="1" lang="ja-JP" altLang="en-US" sz="3600" dirty="0"/>
               <a:t>年以降の上場廃止企業について</a:t>
             </a:r>
           </a:p>
@@ -15420,7 +15429,7 @@
         </p:nvSpPr>
         <p:spPr>
           <a:xfrm>
-            <a:off x="838200" y="1825625"/>
+            <a:off x="0" y="1001575"/>
             <a:ext cx="10515600" cy="4932984"/>
           </a:xfrm>
         </p:spPr>
@@ -16024,7 +16033,7 @@
         </p:nvSpPr>
         <p:spPr>
           <a:xfrm>
-            <a:off x="838200" y="365125"/>
+            <a:off x="0" y="0"/>
             <a:ext cx="10515600" cy="746983"/>
           </a:xfrm>
         </p:spPr>
@@ -16058,8 +16067,8 @@
         </p:nvSpPr>
         <p:spPr>
           <a:xfrm>
-            <a:off x="838200" y="1112108"/>
-            <a:ext cx="10515600" cy="5064855"/>
+            <a:off x="0" y="746983"/>
+            <a:ext cx="12192000" cy="5064855"/>
           </a:xfrm>
         </p:spPr>
         <p:txBody>
@@ -16729,7 +16738,7 @@
         </p:nvSpPr>
         <p:spPr>
           <a:xfrm>
-            <a:off x="838200" y="365125"/>
+            <a:off x="0" y="0"/>
             <a:ext cx="10515600" cy="730507"/>
           </a:xfrm>
         </p:spPr>
@@ -16764,8 +16773,8 @@
         </p:nvSpPr>
         <p:spPr>
           <a:xfrm>
-            <a:off x="838200" y="1095632"/>
-            <a:ext cx="10515600" cy="5081331"/>
+            <a:off x="0" y="730507"/>
+            <a:ext cx="12192000" cy="5081331"/>
           </a:xfrm>
         </p:spPr>
         <p:txBody>
@@ -16890,7 +16899,7 @@
         </p:nvSpPr>
         <p:spPr>
           <a:xfrm>
-            <a:off x="838200" y="365125"/>
+            <a:off x="0" y="0"/>
             <a:ext cx="10515600" cy="746983"/>
           </a:xfrm>
         </p:spPr>
@@ -16923,8 +16932,8 @@
         </p:nvSpPr>
         <p:spPr>
           <a:xfrm>
-            <a:off x="838200" y="1112108"/>
-            <a:ext cx="10515600" cy="5064855"/>
+            <a:off x="0" y="746983"/>
+            <a:ext cx="12192000" cy="5064855"/>
           </a:xfrm>
         </p:spPr>
         <p:txBody>
@@ -17009,6 +17018,28 @@
               <a:t>年に「全国倒産動向」の集計を開始以来、一貫して法的倒産と私的倒産を集計し、毎月発表している</a:t>
             </a:r>
             <a:endParaRPr lang="en-US" altLang="ja-JP" dirty="0"/>
+          </a:p>
+          <a:p>
+            <a:pPr marL="0" indent="0" algn="r">
+              <a:buNone/>
+            </a:pPr>
+            <a:r>
+              <a:rPr lang="en-US" altLang="ja-JP" sz="1800" dirty="0"/>
+              <a:t>-</a:t>
+            </a:r>
+            <a:r>
+              <a:rPr lang="ja-JP" altLang="en-US" sz="1800" dirty="0"/>
+              <a:t>東京商工リサーチ</a:t>
+            </a:r>
+            <a:r>
+              <a:rPr lang="en-US" altLang="ja-JP" sz="1800" dirty="0"/>
+              <a:t>HP</a:t>
+            </a:r>
+            <a:r>
+              <a:rPr lang="ja-JP" altLang="en-US" sz="1800" dirty="0"/>
+              <a:t>より引用</a:t>
+            </a:r>
+            <a:endParaRPr lang="en-US" altLang="ja-JP" sz="1800" dirty="0"/>
           </a:p>
           <a:p>
             <a:pPr marL="0" indent="0">
@@ -17069,7 +17100,7 @@
         </p:nvSpPr>
         <p:spPr>
           <a:xfrm>
-            <a:off x="838200" y="365125"/>
+            <a:off x="0" y="0"/>
             <a:ext cx="10515600" cy="746983"/>
           </a:xfrm>
         </p:spPr>
@@ -17102,8 +17133,8 @@
         </p:nvSpPr>
         <p:spPr>
           <a:xfrm>
-            <a:off x="838200" y="1112108"/>
-            <a:ext cx="10515600" cy="5064855"/>
+            <a:off x="0" y="746983"/>
+            <a:ext cx="12192000" cy="5064855"/>
           </a:xfrm>
         </p:spPr>
         <p:txBody>
@@ -17203,6 +17234,28 @@
               <a:t>裁判所に特別清算開始を申請する</a:t>
             </a:r>
             <a:endParaRPr lang="en-US" altLang="ja-JP" dirty="0"/>
+          </a:p>
+          <a:p>
+            <a:pPr marL="0" indent="0" algn="r">
+              <a:buNone/>
+            </a:pPr>
+            <a:r>
+              <a:rPr lang="en-US" altLang="ja-JP" sz="1800" dirty="0"/>
+              <a:t>-</a:t>
+            </a:r>
+            <a:r>
+              <a:rPr lang="ja-JP" altLang="en-US" sz="1800" dirty="0"/>
+              <a:t>帝国データバンク</a:t>
+            </a:r>
+            <a:r>
+              <a:rPr lang="en-US" altLang="ja-JP" sz="1800" dirty="0"/>
+              <a:t>HP</a:t>
+            </a:r>
+            <a:r>
+              <a:rPr lang="ja-JP" altLang="en-US" sz="1800" dirty="0"/>
+              <a:t>より引用</a:t>
+            </a:r>
+            <a:endParaRPr lang="en-US" altLang="ja-JP" sz="1800" dirty="0"/>
           </a:p>
           <a:p>
             <a:pPr marL="0" indent="0">

--- a/倒産の研究(仮).pptx
+++ b/倒産の研究(仮).pptx
@@ -7098,7 +7098,7 @@
           <a:p>
             <a:fld id="{6E587BC8-DE6F-4726-95DA-1B2BF3724B67}" type="datetimeFigureOut">
               <a:rPr kumimoji="1" lang="ja-JP" altLang="en-US" smtClean="0"/>
-              <a:t>2019/6/12</a:t>
+              <a:t>2019/6/16</a:t>
             </a:fld>
             <a:endParaRPr kumimoji="1" lang="ja-JP" altLang="en-US"/>
           </a:p>
@@ -7300,7 +7300,7 @@
           <a:p>
             <a:fld id="{6E587BC8-DE6F-4726-95DA-1B2BF3724B67}" type="datetimeFigureOut">
               <a:rPr kumimoji="1" lang="ja-JP" altLang="en-US" smtClean="0"/>
-              <a:t>2019/6/12</a:t>
+              <a:t>2019/6/16</a:t>
             </a:fld>
             <a:endParaRPr kumimoji="1" lang="ja-JP" altLang="en-US"/>
           </a:p>
@@ -7512,7 +7512,7 @@
           <a:p>
             <a:fld id="{6E587BC8-DE6F-4726-95DA-1B2BF3724B67}" type="datetimeFigureOut">
               <a:rPr kumimoji="1" lang="ja-JP" altLang="en-US" smtClean="0"/>
-              <a:t>2019/6/12</a:t>
+              <a:t>2019/6/16</a:t>
             </a:fld>
             <a:endParaRPr kumimoji="1" lang="ja-JP" altLang="en-US"/>
           </a:p>
@@ -7714,7 +7714,7 @@
           <a:p>
             <a:fld id="{6E587BC8-DE6F-4726-95DA-1B2BF3724B67}" type="datetimeFigureOut">
               <a:rPr kumimoji="1" lang="ja-JP" altLang="en-US" smtClean="0"/>
-              <a:t>2019/6/12</a:t>
+              <a:t>2019/6/16</a:t>
             </a:fld>
             <a:endParaRPr kumimoji="1" lang="ja-JP" altLang="en-US"/>
           </a:p>
@@ -7960,7 +7960,7 @@
           <a:p>
             <a:fld id="{6E587BC8-DE6F-4726-95DA-1B2BF3724B67}" type="datetimeFigureOut">
               <a:rPr kumimoji="1" lang="ja-JP" altLang="en-US" smtClean="0"/>
-              <a:t>2019/6/12</a:t>
+              <a:t>2019/6/16</a:t>
             </a:fld>
             <a:endParaRPr kumimoji="1" lang="ja-JP" altLang="en-US"/>
           </a:p>
@@ -8256,7 +8256,7 @@
           <a:p>
             <a:fld id="{6E587BC8-DE6F-4726-95DA-1B2BF3724B67}" type="datetimeFigureOut">
               <a:rPr kumimoji="1" lang="ja-JP" altLang="en-US" smtClean="0"/>
-              <a:t>2019/6/12</a:t>
+              <a:t>2019/6/16</a:t>
             </a:fld>
             <a:endParaRPr kumimoji="1" lang="ja-JP" altLang="en-US"/>
           </a:p>
@@ -8687,7 +8687,7 @@
           <a:p>
             <a:fld id="{6E587BC8-DE6F-4726-95DA-1B2BF3724B67}" type="datetimeFigureOut">
               <a:rPr kumimoji="1" lang="ja-JP" altLang="en-US" smtClean="0"/>
-              <a:t>2019/6/12</a:t>
+              <a:t>2019/6/16</a:t>
             </a:fld>
             <a:endParaRPr kumimoji="1" lang="ja-JP" altLang="en-US"/>
           </a:p>
@@ -8805,7 +8805,7 @@
           <a:p>
             <a:fld id="{6E587BC8-DE6F-4726-95DA-1B2BF3724B67}" type="datetimeFigureOut">
               <a:rPr kumimoji="1" lang="ja-JP" altLang="en-US" smtClean="0"/>
-              <a:t>2019/6/12</a:t>
+              <a:t>2019/6/16</a:t>
             </a:fld>
             <a:endParaRPr kumimoji="1" lang="ja-JP" altLang="en-US"/>
           </a:p>
@@ -8900,7 +8900,7 @@
           <a:p>
             <a:fld id="{6E587BC8-DE6F-4726-95DA-1B2BF3724B67}" type="datetimeFigureOut">
               <a:rPr kumimoji="1" lang="ja-JP" altLang="en-US" smtClean="0"/>
-              <a:t>2019/6/12</a:t>
+              <a:t>2019/6/16</a:t>
             </a:fld>
             <a:endParaRPr kumimoji="1" lang="ja-JP" altLang="en-US"/>
           </a:p>
@@ -9209,7 +9209,7 @@
           <a:p>
             <a:fld id="{6E587BC8-DE6F-4726-95DA-1B2BF3724B67}" type="datetimeFigureOut">
               <a:rPr kumimoji="1" lang="ja-JP" altLang="en-US" smtClean="0"/>
-              <a:t>2019/6/12</a:t>
+              <a:t>2019/6/16</a:t>
             </a:fld>
             <a:endParaRPr kumimoji="1" lang="ja-JP" altLang="en-US"/>
           </a:p>
@@ -9466,7 +9466,7 @@
           <a:p>
             <a:fld id="{6E587BC8-DE6F-4726-95DA-1B2BF3724B67}" type="datetimeFigureOut">
               <a:rPr kumimoji="1" lang="ja-JP" altLang="en-US" smtClean="0"/>
-              <a:t>2019/6/12</a:t>
+              <a:t>2019/6/16</a:t>
             </a:fld>
             <a:endParaRPr kumimoji="1" lang="ja-JP" altLang="en-US"/>
           </a:p>
@@ -9711,7 +9711,7 @@
           <a:p>
             <a:fld id="{6E587BC8-DE6F-4726-95DA-1B2BF3724B67}" type="datetimeFigureOut">
               <a:rPr kumimoji="1" lang="ja-JP" altLang="en-US" smtClean="0"/>
-              <a:t>2019/6/12</a:t>
+              <a:t>2019/6/16</a:t>
             </a:fld>
             <a:endParaRPr kumimoji="1" lang="ja-JP" altLang="en-US"/>
           </a:p>

--- a/倒産の研究(仮).pptx
+++ b/倒産の研究(仮).pptx
@@ -6,36 +6,40 @@
   </p:sldMasterIdLst>
   <p:sldIdLst>
     <p:sldId id="256" r:id="rId2"/>
-    <p:sldId id="257" r:id="rId3"/>
-    <p:sldId id="269" r:id="rId4"/>
-    <p:sldId id="279" r:id="rId5"/>
-    <p:sldId id="273" r:id="rId6"/>
-    <p:sldId id="274" r:id="rId7"/>
-    <p:sldId id="258" r:id="rId8"/>
-    <p:sldId id="266" r:id="rId9"/>
-    <p:sldId id="280" r:id="rId10"/>
-    <p:sldId id="267" r:id="rId11"/>
-    <p:sldId id="281" r:id="rId12"/>
-    <p:sldId id="282" r:id="rId13"/>
-    <p:sldId id="268" r:id="rId14"/>
-    <p:sldId id="271" r:id="rId15"/>
-    <p:sldId id="277" r:id="rId16"/>
-    <p:sldId id="272" r:id="rId17"/>
-    <p:sldId id="275" r:id="rId18"/>
-    <p:sldId id="285" r:id="rId19"/>
-    <p:sldId id="288" r:id="rId20"/>
-    <p:sldId id="289" r:id="rId21"/>
-    <p:sldId id="291" r:id="rId22"/>
-    <p:sldId id="290" r:id="rId23"/>
-    <p:sldId id="292" r:id="rId24"/>
-    <p:sldId id="270" r:id="rId25"/>
-    <p:sldId id="261" r:id="rId26"/>
-    <p:sldId id="264" r:id="rId27"/>
-    <p:sldId id="278" r:id="rId28"/>
-    <p:sldId id="283" r:id="rId29"/>
-    <p:sldId id="284" r:id="rId30"/>
-    <p:sldId id="293" r:id="rId31"/>
-    <p:sldId id="294" r:id="rId32"/>
+    <p:sldId id="295" r:id="rId3"/>
+    <p:sldId id="297" r:id="rId4"/>
+    <p:sldId id="257" r:id="rId5"/>
+    <p:sldId id="269" r:id="rId6"/>
+    <p:sldId id="279" r:id="rId7"/>
+    <p:sldId id="273" r:id="rId8"/>
+    <p:sldId id="274" r:id="rId9"/>
+    <p:sldId id="299" r:id="rId10"/>
+    <p:sldId id="258" r:id="rId11"/>
+    <p:sldId id="266" r:id="rId12"/>
+    <p:sldId id="280" r:id="rId13"/>
+    <p:sldId id="267" r:id="rId14"/>
+    <p:sldId id="281" r:id="rId15"/>
+    <p:sldId id="282" r:id="rId16"/>
+    <p:sldId id="268" r:id="rId17"/>
+    <p:sldId id="271" r:id="rId18"/>
+    <p:sldId id="277" r:id="rId19"/>
+    <p:sldId id="272" r:id="rId20"/>
+    <p:sldId id="275" r:id="rId21"/>
+    <p:sldId id="285" r:id="rId22"/>
+    <p:sldId id="288" r:id="rId23"/>
+    <p:sldId id="289" r:id="rId24"/>
+    <p:sldId id="291" r:id="rId25"/>
+    <p:sldId id="290" r:id="rId26"/>
+    <p:sldId id="292" r:id="rId27"/>
+    <p:sldId id="270" r:id="rId28"/>
+    <p:sldId id="261" r:id="rId29"/>
+    <p:sldId id="264" r:id="rId30"/>
+    <p:sldId id="278" r:id="rId31"/>
+    <p:sldId id="283" r:id="rId32"/>
+    <p:sldId id="284" r:id="rId33"/>
+    <p:sldId id="293" r:id="rId34"/>
+    <p:sldId id="298" r:id="rId35"/>
+    <p:sldId id="294" r:id="rId36"/>
   </p:sldIdLst>
   <p:sldSz cx="12192000" cy="6858000"/>
   <p:notesSz cx="6858000" cy="9144000"/>
@@ -7098,7 +7102,7 @@
           <a:p>
             <a:fld id="{6E587BC8-DE6F-4726-95DA-1B2BF3724B67}" type="datetimeFigureOut">
               <a:rPr kumimoji="1" lang="ja-JP" altLang="en-US" smtClean="0"/>
-              <a:t>2019/6/16</a:t>
+              <a:t>2019/6/18</a:t>
             </a:fld>
             <a:endParaRPr kumimoji="1" lang="ja-JP" altLang="en-US"/>
           </a:p>
@@ -7300,7 +7304,7 @@
           <a:p>
             <a:fld id="{6E587BC8-DE6F-4726-95DA-1B2BF3724B67}" type="datetimeFigureOut">
               <a:rPr kumimoji="1" lang="ja-JP" altLang="en-US" smtClean="0"/>
-              <a:t>2019/6/16</a:t>
+              <a:t>2019/6/18</a:t>
             </a:fld>
             <a:endParaRPr kumimoji="1" lang="ja-JP" altLang="en-US"/>
           </a:p>
@@ -7512,7 +7516,7 @@
           <a:p>
             <a:fld id="{6E587BC8-DE6F-4726-95DA-1B2BF3724B67}" type="datetimeFigureOut">
               <a:rPr kumimoji="1" lang="ja-JP" altLang="en-US" smtClean="0"/>
-              <a:t>2019/6/16</a:t>
+              <a:t>2019/6/18</a:t>
             </a:fld>
             <a:endParaRPr kumimoji="1" lang="ja-JP" altLang="en-US"/>
           </a:p>
@@ -7714,7 +7718,7 @@
           <a:p>
             <a:fld id="{6E587BC8-DE6F-4726-95DA-1B2BF3724B67}" type="datetimeFigureOut">
               <a:rPr kumimoji="1" lang="ja-JP" altLang="en-US" smtClean="0"/>
-              <a:t>2019/6/16</a:t>
+              <a:t>2019/6/18</a:t>
             </a:fld>
             <a:endParaRPr kumimoji="1" lang="ja-JP" altLang="en-US"/>
           </a:p>
@@ -7960,7 +7964,7 @@
           <a:p>
             <a:fld id="{6E587BC8-DE6F-4726-95DA-1B2BF3724B67}" type="datetimeFigureOut">
               <a:rPr kumimoji="1" lang="ja-JP" altLang="en-US" smtClean="0"/>
-              <a:t>2019/6/16</a:t>
+              <a:t>2019/6/18</a:t>
             </a:fld>
             <a:endParaRPr kumimoji="1" lang="ja-JP" altLang="en-US"/>
           </a:p>
@@ -8256,7 +8260,7 @@
           <a:p>
             <a:fld id="{6E587BC8-DE6F-4726-95DA-1B2BF3724B67}" type="datetimeFigureOut">
               <a:rPr kumimoji="1" lang="ja-JP" altLang="en-US" smtClean="0"/>
-              <a:t>2019/6/16</a:t>
+              <a:t>2019/6/18</a:t>
             </a:fld>
             <a:endParaRPr kumimoji="1" lang="ja-JP" altLang="en-US"/>
           </a:p>
@@ -8687,7 +8691,7 @@
           <a:p>
             <a:fld id="{6E587BC8-DE6F-4726-95DA-1B2BF3724B67}" type="datetimeFigureOut">
               <a:rPr kumimoji="1" lang="ja-JP" altLang="en-US" smtClean="0"/>
-              <a:t>2019/6/16</a:t>
+              <a:t>2019/6/18</a:t>
             </a:fld>
             <a:endParaRPr kumimoji="1" lang="ja-JP" altLang="en-US"/>
           </a:p>
@@ -8805,7 +8809,7 @@
           <a:p>
             <a:fld id="{6E587BC8-DE6F-4726-95DA-1B2BF3724B67}" type="datetimeFigureOut">
               <a:rPr kumimoji="1" lang="ja-JP" altLang="en-US" smtClean="0"/>
-              <a:t>2019/6/16</a:t>
+              <a:t>2019/6/18</a:t>
             </a:fld>
             <a:endParaRPr kumimoji="1" lang="ja-JP" altLang="en-US"/>
           </a:p>
@@ -8900,7 +8904,7 @@
           <a:p>
             <a:fld id="{6E587BC8-DE6F-4726-95DA-1B2BF3724B67}" type="datetimeFigureOut">
               <a:rPr kumimoji="1" lang="ja-JP" altLang="en-US" smtClean="0"/>
-              <a:t>2019/6/16</a:t>
+              <a:t>2019/6/18</a:t>
             </a:fld>
             <a:endParaRPr kumimoji="1" lang="ja-JP" altLang="en-US"/>
           </a:p>
@@ -9209,7 +9213,7 @@
           <a:p>
             <a:fld id="{6E587BC8-DE6F-4726-95DA-1B2BF3724B67}" type="datetimeFigureOut">
               <a:rPr kumimoji="1" lang="ja-JP" altLang="en-US" smtClean="0"/>
-              <a:t>2019/6/16</a:t>
+              <a:t>2019/6/18</a:t>
             </a:fld>
             <a:endParaRPr kumimoji="1" lang="ja-JP" altLang="en-US"/>
           </a:p>
@@ -9466,7 +9470,7 @@
           <a:p>
             <a:fld id="{6E587BC8-DE6F-4726-95DA-1B2BF3724B67}" type="datetimeFigureOut">
               <a:rPr kumimoji="1" lang="ja-JP" altLang="en-US" smtClean="0"/>
-              <a:t>2019/6/16</a:t>
+              <a:t>2019/6/18</a:t>
             </a:fld>
             <a:endParaRPr kumimoji="1" lang="ja-JP" altLang="en-US"/>
           </a:p>
@@ -9711,7 +9715,7 @@
           <a:p>
             <a:fld id="{6E587BC8-DE6F-4726-95DA-1B2BF3724B67}" type="datetimeFigureOut">
               <a:rPr kumimoji="1" lang="ja-JP" altLang="en-US" smtClean="0"/>
-              <a:t>2019/6/16</a:t>
+              <a:t>2019/6/18</a:t>
             </a:fld>
             <a:endParaRPr kumimoji="1" lang="ja-JP" altLang="en-US"/>
           </a:p>
@@ -10227,6 +10231,596 @@
           <a:chExt cx="0" cy="0"/>
         </a:xfrm>
       </p:grpSpPr>
+      <p:sp>
+        <p:nvSpPr>
+          <p:cNvPr id="2" name="タイトル 1">
+            <a:extLst>
+              <a:ext uri="{FF2B5EF4-FFF2-40B4-BE49-F238E27FC236}">
+                <a16:creationId xmlns:a16="http://schemas.microsoft.com/office/drawing/2014/main" id="{8B5A7389-141B-4298-A831-4BFD405E0393}"/>
+              </a:ext>
+            </a:extLst>
+          </p:cNvPr>
+          <p:cNvSpPr>
+            <a:spLocks noGrp="1"/>
+          </p:cNvSpPr>
+          <p:nvPr>
+            <p:ph type="title"/>
+          </p:nvPr>
+        </p:nvSpPr>
+        <p:spPr>
+          <a:xfrm>
+            <a:off x="0" y="0"/>
+            <a:ext cx="10515600" cy="730507"/>
+          </a:xfrm>
+        </p:spPr>
+        <p:txBody>
+          <a:bodyPr>
+            <a:normAutofit/>
+          </a:bodyPr>
+          <a:lstStyle/>
+          <a:p>
+            <a:r>
+              <a:rPr kumimoji="1" lang="ja-JP" altLang="en-US" dirty="0"/>
+              <a:t>倒産とは</a:t>
+            </a:r>
+          </a:p>
+        </p:txBody>
+      </p:sp>
+      <p:sp>
+        <p:nvSpPr>
+          <p:cNvPr id="3" name="コンテンツ プレースホルダー 2">
+            <a:extLst>
+              <a:ext uri="{FF2B5EF4-FFF2-40B4-BE49-F238E27FC236}">
+                <a16:creationId xmlns:a16="http://schemas.microsoft.com/office/drawing/2014/main" id="{9AF6E8AB-948C-4E55-9D2A-BC0B81D0CB8E}"/>
+              </a:ext>
+            </a:extLst>
+          </p:cNvPr>
+          <p:cNvSpPr>
+            <a:spLocks noGrp="1"/>
+          </p:cNvSpPr>
+          <p:nvPr>
+            <p:ph idx="1"/>
+          </p:nvPr>
+        </p:nvSpPr>
+        <p:spPr>
+          <a:xfrm>
+            <a:off x="0" y="730507"/>
+            <a:ext cx="12192000" cy="5081331"/>
+          </a:xfrm>
+        </p:spPr>
+        <p:txBody>
+          <a:bodyPr/>
+          <a:lstStyle/>
+          <a:p>
+            <a:pPr marL="0" indent="0">
+              <a:buNone/>
+            </a:pPr>
+            <a:r>
+              <a:rPr lang="ja-JP" altLang="en-US" dirty="0"/>
+              <a:t>企業が経営に行き詰まり、つぶれること。</a:t>
+            </a:r>
+            <a:br>
+              <a:rPr lang="en-US" altLang="ja-JP" dirty="0"/>
+            </a:br>
+            <a:r>
+              <a:rPr lang="ja-JP" altLang="en-US" dirty="0"/>
+              <a:t>倒産という用語は、専門語のような語感をもっているが、それ自体は</a:t>
+            </a:r>
+            <a:r>
+              <a:rPr lang="ja-JP" altLang="en-US" dirty="0">
+                <a:solidFill>
+                  <a:srgbClr val="FF0000"/>
+                </a:solidFill>
+              </a:rPr>
+              <a:t>法律用語でも経済・経営用語でもなく</a:t>
+            </a:r>
+            <a:r>
+              <a:rPr lang="ja-JP" altLang="en-US" dirty="0"/>
+              <a:t>、企業が経営に行き詰まってつぶれるに至った状況を総称する一般用語にすぎない。</a:t>
+            </a:r>
+            <a:endParaRPr lang="en-US" altLang="ja-JP" dirty="0"/>
+          </a:p>
+          <a:p>
+            <a:pPr marL="0" indent="0" algn="r">
+              <a:buNone/>
+            </a:pPr>
+            <a:r>
+              <a:rPr lang="en-US" altLang="ja-JP" sz="1600" i="1" dirty="0"/>
+              <a:t>-</a:t>
+            </a:r>
+            <a:r>
+              <a:rPr lang="ja-JP" altLang="en-US" sz="1800" i="1" dirty="0"/>
+              <a:t>日本大百科全書</a:t>
+            </a:r>
+            <a:r>
+              <a:rPr lang="en-US" altLang="ja-JP" sz="1800" i="1" dirty="0"/>
+              <a:t>(</a:t>
+            </a:r>
+            <a:r>
+              <a:rPr lang="ja-JP" altLang="en-US" sz="1800" i="1" dirty="0"/>
+              <a:t>ニッポニカ</a:t>
+            </a:r>
+            <a:r>
+              <a:rPr lang="en-US" altLang="ja-JP" sz="1800" i="1" dirty="0"/>
+              <a:t>)</a:t>
+            </a:r>
+            <a:r>
+              <a:rPr lang="ja-JP" altLang="en-US" sz="1800" i="1" dirty="0"/>
+              <a:t>より</a:t>
+            </a:r>
+            <a:endParaRPr lang="en-US" altLang="ja-JP" sz="1800" i="1" dirty="0"/>
+          </a:p>
+          <a:p>
+            <a:pPr marL="0" indent="0">
+              <a:buNone/>
+            </a:pPr>
+            <a:r>
+              <a:rPr lang="ja-JP" altLang="en-US" dirty="0"/>
+              <a:t>　→“倒産“の範囲を決めなければならない</a:t>
+            </a:r>
+            <a:endParaRPr lang="en-US" altLang="ja-JP" dirty="0"/>
+          </a:p>
+        </p:txBody>
+      </p:sp>
+    </p:spTree>
+    <p:extLst>
+      <p:ext uri="{BB962C8B-B14F-4D97-AF65-F5344CB8AC3E}">
+        <p14:creationId xmlns:p14="http://schemas.microsoft.com/office/powerpoint/2010/main" val="3400625032"/>
+      </p:ext>
+    </p:extLst>
+  </p:cSld>
+  <p:clrMapOvr>
+    <a:masterClrMapping/>
+  </p:clrMapOvr>
+</p:sld>
+</file>
+
+<file path=ppt/slides/slide11.xml><?xml version="1.0" encoding="utf-8"?>
+<p:sld xmlns:a="http://schemas.openxmlformats.org/drawingml/2006/main" xmlns:r="http://schemas.openxmlformats.org/officeDocument/2006/relationships" xmlns:p="http://schemas.openxmlformats.org/presentationml/2006/main">
+  <p:cSld>
+    <p:spTree>
+      <p:nvGrpSpPr>
+        <p:cNvPr id="1" name=""/>
+        <p:cNvGrpSpPr/>
+        <p:nvPr/>
+      </p:nvGrpSpPr>
+      <p:grpSpPr>
+        <a:xfrm>
+          <a:off x="0" y="0"/>
+          <a:ext cx="0" cy="0"/>
+          <a:chOff x="0" y="0"/>
+          <a:chExt cx="0" cy="0"/>
+        </a:xfrm>
+      </p:grpSpPr>
+      <p:sp>
+        <p:nvSpPr>
+          <p:cNvPr id="2" name="タイトル 1">
+            <a:extLst>
+              <a:ext uri="{FF2B5EF4-FFF2-40B4-BE49-F238E27FC236}">
+                <a16:creationId xmlns:a16="http://schemas.microsoft.com/office/drawing/2014/main" id="{84E76098-5ABF-4709-A130-78345D6144C6}"/>
+              </a:ext>
+            </a:extLst>
+          </p:cNvPr>
+          <p:cNvSpPr>
+            <a:spLocks noGrp="1"/>
+          </p:cNvSpPr>
+          <p:nvPr>
+            <p:ph type="title"/>
+          </p:nvPr>
+        </p:nvSpPr>
+        <p:spPr>
+          <a:xfrm>
+            <a:off x="0" y="0"/>
+            <a:ext cx="10515600" cy="746983"/>
+          </a:xfrm>
+        </p:spPr>
+        <p:txBody>
+          <a:bodyPr/>
+          <a:lstStyle/>
+          <a:p>
+            <a:r>
+              <a:rPr kumimoji="1" lang="ja-JP" altLang="en-US" dirty="0"/>
+              <a:t>信用調査会社での“倒産”の定義</a:t>
+            </a:r>
+          </a:p>
+        </p:txBody>
+      </p:sp>
+      <p:sp>
+        <p:nvSpPr>
+          <p:cNvPr id="3" name="コンテンツ プレースホルダー 2">
+            <a:extLst>
+              <a:ext uri="{FF2B5EF4-FFF2-40B4-BE49-F238E27FC236}">
+                <a16:creationId xmlns:a16="http://schemas.microsoft.com/office/drawing/2014/main" id="{6542FA18-B0BE-4A9A-A81C-6917BCE2D0B7}"/>
+              </a:ext>
+            </a:extLst>
+          </p:cNvPr>
+          <p:cNvSpPr>
+            <a:spLocks noGrp="1"/>
+          </p:cNvSpPr>
+          <p:nvPr>
+            <p:ph idx="1"/>
+          </p:nvPr>
+        </p:nvSpPr>
+        <p:spPr>
+          <a:xfrm>
+            <a:off x="0" y="746983"/>
+            <a:ext cx="12192000" cy="5064855"/>
+          </a:xfrm>
+        </p:spPr>
+        <p:txBody>
+          <a:bodyPr>
+            <a:normAutofit/>
+          </a:bodyPr>
+          <a:lstStyle/>
+          <a:p>
+            <a:r>
+              <a:rPr lang="ja-JP" altLang="en-US" dirty="0"/>
+              <a:t>東京商工リサーチ</a:t>
+            </a:r>
+            <a:r>
+              <a:rPr lang="en-US" altLang="ja-JP" dirty="0"/>
+              <a:t>(TSR)</a:t>
+            </a:r>
+          </a:p>
+          <a:p>
+            <a:pPr marL="0" indent="0">
+              <a:buNone/>
+            </a:pPr>
+            <a:r>
+              <a:rPr lang="ja-JP" altLang="en-US" dirty="0"/>
+              <a:t>「倒産」とは、企業が債務の支払不能に陥ったり、経済活動を続けることが困難になった状態を指す。</a:t>
+            </a:r>
+            <a:br>
+              <a:rPr lang="en-US" altLang="ja-JP" dirty="0"/>
+            </a:br>
+            <a:r>
+              <a:rPr lang="ja-JP" altLang="en-US" dirty="0"/>
+              <a:t>「法的倒産」と「私的倒産」の</a:t>
+            </a:r>
+            <a:r>
+              <a:rPr lang="en-US" altLang="ja-JP" dirty="0"/>
+              <a:t>2</a:t>
+            </a:r>
+            <a:r>
+              <a:rPr lang="ja-JP" altLang="en-US" dirty="0"/>
+              <a:t>つに大別され、「法的倒産」では再建型の「会社更生法」と「民事再生法」、清算型の「破産」と「特別清算」に</a:t>
+            </a:r>
+            <a:r>
+              <a:rPr lang="en-US" altLang="ja-JP" dirty="0"/>
+              <a:t>4</a:t>
+            </a:r>
+            <a:r>
+              <a:rPr lang="ja-JP" altLang="en-US" dirty="0"/>
+              <a:t>分類される。「私的倒産」は、「銀行取引停止」と「内整理」に分けられる。</a:t>
+            </a:r>
+            <a:endParaRPr lang="en-US" altLang="ja-JP" dirty="0"/>
+          </a:p>
+          <a:p>
+            <a:pPr marL="0" indent="0">
+              <a:buNone/>
+            </a:pPr>
+            <a:r>
+              <a:rPr lang="en-US" altLang="ja-JP" dirty="0"/>
+              <a:t> (</a:t>
+            </a:r>
+            <a:r>
+              <a:rPr lang="ja-JP" altLang="en-US" dirty="0"/>
+              <a:t>中略</a:t>
+            </a:r>
+            <a:r>
+              <a:rPr lang="en-US" altLang="ja-JP" dirty="0"/>
+              <a:t>)</a:t>
+            </a:r>
+          </a:p>
+          <a:p>
+            <a:pPr marL="0" indent="0">
+              <a:buNone/>
+            </a:pPr>
+            <a:r>
+              <a:rPr lang="ja-JP" altLang="en-US" dirty="0"/>
+              <a:t>東京商工リサーチは</a:t>
+            </a:r>
+            <a:r>
+              <a:rPr lang="en-US" altLang="ja-JP" dirty="0"/>
+              <a:t>1952</a:t>
+            </a:r>
+            <a:r>
+              <a:rPr lang="ja-JP" altLang="en-US" dirty="0"/>
+              <a:t>年に「全国倒産動向」の集計を開始以来、一貫して法的倒産と私的倒産を集計し、毎月発表している</a:t>
+            </a:r>
+            <a:endParaRPr lang="en-US" altLang="ja-JP" dirty="0"/>
+          </a:p>
+          <a:p>
+            <a:pPr marL="0" indent="0" algn="r">
+              <a:buNone/>
+            </a:pPr>
+            <a:r>
+              <a:rPr lang="en-US" altLang="ja-JP" sz="1800" dirty="0"/>
+              <a:t>-</a:t>
+            </a:r>
+            <a:r>
+              <a:rPr lang="ja-JP" altLang="en-US" sz="1800" dirty="0"/>
+              <a:t>東京商工リサーチ</a:t>
+            </a:r>
+            <a:r>
+              <a:rPr lang="en-US" altLang="ja-JP" sz="1800" dirty="0"/>
+              <a:t>HP</a:t>
+            </a:r>
+            <a:r>
+              <a:rPr lang="ja-JP" altLang="en-US" sz="1800" dirty="0"/>
+              <a:t>より引用</a:t>
+            </a:r>
+            <a:endParaRPr lang="en-US" altLang="ja-JP" sz="1800" dirty="0"/>
+          </a:p>
+          <a:p>
+            <a:pPr marL="0" indent="0">
+              <a:buNone/>
+            </a:pPr>
+            <a:endParaRPr lang="en-US" altLang="ja-JP" dirty="0"/>
+          </a:p>
+          <a:p>
+            <a:endParaRPr lang="en-US" altLang="ja-JP" dirty="0"/>
+          </a:p>
+        </p:txBody>
+      </p:sp>
+    </p:spTree>
+    <p:extLst>
+      <p:ext uri="{BB962C8B-B14F-4D97-AF65-F5344CB8AC3E}">
+        <p14:creationId xmlns:p14="http://schemas.microsoft.com/office/powerpoint/2010/main" val="3111322397"/>
+      </p:ext>
+    </p:extLst>
+  </p:cSld>
+  <p:clrMapOvr>
+    <a:masterClrMapping/>
+  </p:clrMapOvr>
+</p:sld>
+</file>
+
+<file path=ppt/slides/slide12.xml><?xml version="1.0" encoding="utf-8"?>
+<p:sld xmlns:a="http://schemas.openxmlformats.org/drawingml/2006/main" xmlns:r="http://schemas.openxmlformats.org/officeDocument/2006/relationships" xmlns:p="http://schemas.openxmlformats.org/presentationml/2006/main">
+  <p:cSld>
+    <p:spTree>
+      <p:nvGrpSpPr>
+        <p:cNvPr id="1" name=""/>
+        <p:cNvGrpSpPr/>
+        <p:nvPr/>
+      </p:nvGrpSpPr>
+      <p:grpSpPr>
+        <a:xfrm>
+          <a:off x="0" y="0"/>
+          <a:ext cx="0" cy="0"/>
+          <a:chOff x="0" y="0"/>
+          <a:chExt cx="0" cy="0"/>
+        </a:xfrm>
+      </p:grpSpPr>
+      <p:sp>
+        <p:nvSpPr>
+          <p:cNvPr id="2" name="タイトル 1">
+            <a:extLst>
+              <a:ext uri="{FF2B5EF4-FFF2-40B4-BE49-F238E27FC236}">
+                <a16:creationId xmlns:a16="http://schemas.microsoft.com/office/drawing/2014/main" id="{84E76098-5ABF-4709-A130-78345D6144C6}"/>
+              </a:ext>
+            </a:extLst>
+          </p:cNvPr>
+          <p:cNvSpPr>
+            <a:spLocks noGrp="1"/>
+          </p:cNvSpPr>
+          <p:nvPr>
+            <p:ph type="title"/>
+          </p:nvPr>
+        </p:nvSpPr>
+        <p:spPr>
+          <a:xfrm>
+            <a:off x="0" y="0"/>
+            <a:ext cx="10515600" cy="746983"/>
+          </a:xfrm>
+        </p:spPr>
+        <p:txBody>
+          <a:bodyPr/>
+          <a:lstStyle/>
+          <a:p>
+            <a:r>
+              <a:rPr kumimoji="1" lang="ja-JP" altLang="en-US" dirty="0"/>
+              <a:t>信用調査会社での“倒産”の定義</a:t>
+            </a:r>
+          </a:p>
+        </p:txBody>
+      </p:sp>
+      <p:sp>
+        <p:nvSpPr>
+          <p:cNvPr id="3" name="コンテンツ プレースホルダー 2">
+            <a:extLst>
+              <a:ext uri="{FF2B5EF4-FFF2-40B4-BE49-F238E27FC236}">
+                <a16:creationId xmlns:a16="http://schemas.microsoft.com/office/drawing/2014/main" id="{6542FA18-B0BE-4A9A-A81C-6917BCE2D0B7}"/>
+              </a:ext>
+            </a:extLst>
+          </p:cNvPr>
+          <p:cNvSpPr>
+            <a:spLocks noGrp="1"/>
+          </p:cNvSpPr>
+          <p:nvPr>
+            <p:ph idx="1"/>
+          </p:nvPr>
+        </p:nvSpPr>
+        <p:spPr>
+          <a:xfrm>
+            <a:off x="0" y="746983"/>
+            <a:ext cx="12192000" cy="5064855"/>
+          </a:xfrm>
+        </p:spPr>
+        <p:txBody>
+          <a:bodyPr>
+            <a:normAutofit/>
+          </a:bodyPr>
+          <a:lstStyle/>
+          <a:p>
+            <a:r>
+              <a:rPr lang="ja-JP" altLang="en-US" dirty="0"/>
+              <a:t>帝国データバンク</a:t>
+            </a:r>
+            <a:r>
+              <a:rPr lang="en-US" altLang="ja-JP" dirty="0"/>
+              <a:t>(TDB)</a:t>
+            </a:r>
+          </a:p>
+          <a:p>
+            <a:r>
+              <a:rPr lang="ja-JP" altLang="en-US" dirty="0"/>
+              <a:t>一般的には「企業経営が行き詰まり、弁済しなければならない債務が弁済できなくなった状態」を指します。具体的には、以下に挙げる</a:t>
+            </a:r>
+            <a:r>
+              <a:rPr lang="en-US" altLang="ja-JP" dirty="0"/>
+              <a:t>6</a:t>
+            </a:r>
+            <a:r>
+              <a:rPr lang="ja-JP" altLang="en-US" dirty="0"/>
+              <a:t>つのケースのいずれかに該当すると認められた場合を「倒産」と定めます。</a:t>
+            </a:r>
+          </a:p>
+          <a:p>
+            <a:pPr marL="0" indent="0">
+              <a:buNone/>
+            </a:pPr>
+            <a:r>
+              <a:rPr lang="en-US" altLang="ja-JP" dirty="0"/>
+              <a:t>1 </a:t>
+            </a:r>
+            <a:r>
+              <a:rPr lang="ja-JP" altLang="en-US" dirty="0"/>
+              <a:t>銀行取引停止処分を受ける</a:t>
+            </a:r>
+            <a:br>
+              <a:rPr lang="en-US" altLang="ja-JP" dirty="0"/>
+            </a:br>
+            <a:r>
+              <a:rPr lang="en-US" altLang="ja-JP" dirty="0"/>
+              <a:t>2 </a:t>
+            </a:r>
+            <a:r>
+              <a:rPr lang="ja-JP" altLang="en-US" dirty="0"/>
+              <a:t>内整理する（代表が倒産を認めた時）</a:t>
+            </a:r>
+            <a:br>
+              <a:rPr lang="en-US" altLang="ja-JP" dirty="0"/>
+            </a:br>
+            <a:r>
+              <a:rPr lang="en-US" altLang="ja-JP" dirty="0"/>
+              <a:t>3 </a:t>
+            </a:r>
+            <a:r>
+              <a:rPr lang="ja-JP" altLang="en-US" dirty="0"/>
+              <a:t>裁判所に会社更生手続開始を申請する</a:t>
+            </a:r>
+            <a:br>
+              <a:rPr lang="en-US" altLang="ja-JP" dirty="0"/>
+            </a:br>
+            <a:r>
+              <a:rPr lang="en-US" altLang="ja-JP" dirty="0"/>
+              <a:t>4 </a:t>
+            </a:r>
+            <a:r>
+              <a:rPr lang="ja-JP" altLang="en-US" dirty="0"/>
+              <a:t>裁判所に民事再生手続開始を申請する</a:t>
+            </a:r>
+            <a:br>
+              <a:rPr lang="en-US" altLang="ja-JP" dirty="0"/>
+            </a:br>
+            <a:r>
+              <a:rPr lang="en-US" altLang="ja-JP" dirty="0"/>
+              <a:t>5 </a:t>
+            </a:r>
+            <a:r>
+              <a:rPr lang="ja-JP" altLang="en-US" dirty="0"/>
+              <a:t>裁判所に破産手続開始を申請する</a:t>
+            </a:r>
+            <a:br>
+              <a:rPr lang="en-US" altLang="ja-JP" dirty="0"/>
+            </a:br>
+            <a:r>
+              <a:rPr lang="en-US" altLang="ja-JP" dirty="0"/>
+              <a:t>6 </a:t>
+            </a:r>
+            <a:r>
+              <a:rPr lang="ja-JP" altLang="en-US" dirty="0"/>
+              <a:t>裁判所に特別清算開始を申請する</a:t>
+            </a:r>
+            <a:endParaRPr lang="en-US" altLang="ja-JP" dirty="0"/>
+          </a:p>
+          <a:p>
+            <a:pPr marL="0" indent="0" algn="r">
+              <a:buNone/>
+            </a:pPr>
+            <a:r>
+              <a:rPr lang="en-US" altLang="ja-JP" sz="1800" dirty="0"/>
+              <a:t>-</a:t>
+            </a:r>
+            <a:r>
+              <a:rPr lang="ja-JP" altLang="en-US" sz="1800" dirty="0"/>
+              <a:t>帝国データバンク</a:t>
+            </a:r>
+            <a:r>
+              <a:rPr lang="en-US" altLang="ja-JP" sz="1800" dirty="0"/>
+              <a:t>HP</a:t>
+            </a:r>
+            <a:r>
+              <a:rPr lang="ja-JP" altLang="en-US" sz="1800" dirty="0"/>
+              <a:t>より引用</a:t>
+            </a:r>
+            <a:endParaRPr lang="en-US" altLang="ja-JP" sz="1800" dirty="0"/>
+          </a:p>
+          <a:p>
+            <a:pPr marL="0" indent="0">
+              <a:buNone/>
+            </a:pPr>
+            <a:endParaRPr lang="en-US" altLang="ja-JP" dirty="0"/>
+          </a:p>
+          <a:p>
+            <a:pPr marL="0" indent="0">
+              <a:buNone/>
+            </a:pPr>
+            <a:endParaRPr lang="en-US" altLang="ja-JP" dirty="0"/>
+          </a:p>
+          <a:p>
+            <a:pPr marL="0" indent="0">
+              <a:buNone/>
+            </a:pPr>
+            <a:endParaRPr lang="en-US" altLang="ja-JP" dirty="0"/>
+          </a:p>
+          <a:p>
+            <a:endParaRPr lang="en-US" altLang="ja-JP" dirty="0"/>
+          </a:p>
+        </p:txBody>
+      </p:sp>
+    </p:spTree>
+    <p:extLst>
+      <p:ext uri="{BB962C8B-B14F-4D97-AF65-F5344CB8AC3E}">
+        <p14:creationId xmlns:p14="http://schemas.microsoft.com/office/powerpoint/2010/main" val="2489366095"/>
+      </p:ext>
+    </p:extLst>
+  </p:cSld>
+  <p:clrMapOvr>
+    <a:masterClrMapping/>
+  </p:clrMapOvr>
+</p:sld>
+</file>
+
+<file path=ppt/slides/slide13.xml><?xml version="1.0" encoding="utf-8"?>
+<p:sld xmlns:a="http://schemas.openxmlformats.org/drawingml/2006/main" xmlns:r="http://schemas.openxmlformats.org/officeDocument/2006/relationships" xmlns:p="http://schemas.openxmlformats.org/presentationml/2006/main">
+  <p:cSld>
+    <p:spTree>
+      <p:nvGrpSpPr>
+        <p:cNvPr id="1" name=""/>
+        <p:cNvGrpSpPr/>
+        <p:nvPr/>
+      </p:nvGrpSpPr>
+      <p:grpSpPr>
+        <a:xfrm>
+          <a:off x="0" y="0"/>
+          <a:ext cx="0" cy="0"/>
+          <a:chOff x="0" y="0"/>
+          <a:chExt cx="0" cy="0"/>
+        </a:xfrm>
+      </p:grpSpPr>
       <p:pic>
         <p:nvPicPr>
           <p:cNvPr id="7" name="コンテンツ プレースホルダー 6">
@@ -10586,7 +11180,7 @@
 </p:sld>
 </file>
 
-<file path=ppt/slides/slide11.xml><?xml version="1.0" encoding="utf-8"?>
+<file path=ppt/slides/slide14.xml><?xml version="1.0" encoding="utf-8"?>
 <p:sld xmlns:a="http://schemas.openxmlformats.org/drawingml/2006/main" xmlns:r="http://schemas.openxmlformats.org/officeDocument/2006/relationships" xmlns:p="http://schemas.openxmlformats.org/presentationml/2006/main">
   <p:cSld>
     <p:spTree>
@@ -10863,7 +11457,7 @@
 </p:sld>
 </file>
 
-<file path=ppt/slides/slide12.xml><?xml version="1.0" encoding="utf-8"?>
+<file path=ppt/slides/slide15.xml><?xml version="1.0" encoding="utf-8"?>
 <p:sld xmlns:a="http://schemas.openxmlformats.org/drawingml/2006/main" xmlns:r="http://schemas.openxmlformats.org/officeDocument/2006/relationships" xmlns:p="http://schemas.openxmlformats.org/presentationml/2006/main">
   <p:cSld>
     <p:spTree>
@@ -11130,7 +11724,7 @@
 </p:sld>
 </file>
 
-<file path=ppt/slides/slide13.xml><?xml version="1.0" encoding="utf-8"?>
+<file path=ppt/slides/slide16.xml><?xml version="1.0" encoding="utf-8"?>
 <p:sld xmlns:a="http://schemas.openxmlformats.org/drawingml/2006/main" xmlns:r="http://schemas.openxmlformats.org/officeDocument/2006/relationships" xmlns:p="http://schemas.openxmlformats.org/presentationml/2006/main">
   <p:cSld>
     <p:spTree>
@@ -11283,604 +11877,6 @@
     <p:extLst>
       <p:ext uri="{BB962C8B-B14F-4D97-AF65-F5344CB8AC3E}">
         <p14:creationId xmlns:p14="http://schemas.microsoft.com/office/powerpoint/2010/main" val="106172253"/>
-      </p:ext>
-    </p:extLst>
-  </p:cSld>
-  <p:clrMapOvr>
-    <a:masterClrMapping/>
-  </p:clrMapOvr>
-</p:sld>
-</file>
-
-<file path=ppt/slides/slide14.xml><?xml version="1.0" encoding="utf-8"?>
-<p:sld xmlns:a="http://schemas.openxmlformats.org/drawingml/2006/main" xmlns:r="http://schemas.openxmlformats.org/officeDocument/2006/relationships" xmlns:p="http://schemas.openxmlformats.org/presentationml/2006/main">
-  <p:cSld>
-    <p:spTree>
-      <p:nvGrpSpPr>
-        <p:cNvPr id="1" name=""/>
-        <p:cNvGrpSpPr/>
-        <p:nvPr/>
-      </p:nvGrpSpPr>
-      <p:grpSpPr>
-        <a:xfrm>
-          <a:off x="0" y="0"/>
-          <a:ext cx="0" cy="0"/>
-          <a:chOff x="0" y="0"/>
-          <a:chExt cx="0" cy="0"/>
-        </a:xfrm>
-      </p:grpSpPr>
-      <p:sp>
-        <p:nvSpPr>
-          <p:cNvPr id="2" name="タイトル 1">
-            <a:extLst>
-              <a:ext uri="{FF2B5EF4-FFF2-40B4-BE49-F238E27FC236}">
-                <a16:creationId xmlns:a16="http://schemas.microsoft.com/office/drawing/2014/main" id="{84E76098-5ABF-4709-A130-78345D6144C6}"/>
-              </a:ext>
-            </a:extLst>
-          </p:cNvPr>
-          <p:cNvSpPr>
-            <a:spLocks noGrp="1"/>
-          </p:cNvSpPr>
-          <p:nvPr>
-            <p:ph type="title"/>
-          </p:nvPr>
-        </p:nvSpPr>
-        <p:spPr>
-          <a:xfrm>
-            <a:off x="0" y="0"/>
-            <a:ext cx="10515600" cy="746983"/>
-          </a:xfrm>
-        </p:spPr>
-        <p:txBody>
-          <a:bodyPr/>
-          <a:lstStyle/>
-          <a:p>
-            <a:r>
-              <a:rPr lang="ja-JP" altLang="en-US" dirty="0"/>
-              <a:t>対象とする企業について</a:t>
-            </a:r>
-            <a:r>
-              <a:rPr lang="en-US" altLang="ja-JP" dirty="0"/>
-              <a:t>(</a:t>
-            </a:r>
-            <a:r>
-              <a:rPr lang="ja-JP" altLang="en-US" dirty="0"/>
-              <a:t>さいけい</a:t>
-            </a:r>
-            <a:r>
-              <a:rPr lang="en-US" altLang="ja-JP" dirty="0"/>
-              <a:t>)</a:t>
-            </a:r>
-            <a:endParaRPr kumimoji="1" lang="ja-JP" altLang="en-US" dirty="0"/>
-          </a:p>
-        </p:txBody>
-      </p:sp>
-      <p:sp>
-        <p:nvSpPr>
-          <p:cNvPr id="3" name="コンテンツ プレースホルダー 2">
-            <a:extLst>
-              <a:ext uri="{FF2B5EF4-FFF2-40B4-BE49-F238E27FC236}">
-                <a16:creationId xmlns:a16="http://schemas.microsoft.com/office/drawing/2014/main" id="{6542FA18-B0BE-4A9A-A81C-6917BCE2D0B7}"/>
-              </a:ext>
-            </a:extLst>
-          </p:cNvPr>
-          <p:cNvSpPr>
-            <a:spLocks noGrp="1"/>
-          </p:cNvSpPr>
-          <p:nvPr>
-            <p:ph idx="1"/>
-          </p:nvPr>
-        </p:nvSpPr>
-        <p:spPr>
-          <a:xfrm>
-            <a:off x="0" y="746983"/>
-            <a:ext cx="10515600" cy="5064855"/>
-          </a:xfrm>
-        </p:spPr>
-        <p:txBody>
-          <a:bodyPr/>
-          <a:lstStyle/>
-          <a:p>
-            <a:pPr marL="0" indent="0">
-              <a:buNone/>
-            </a:pPr>
-            <a:r>
-              <a:rPr lang="ja-JP" altLang="en-US" dirty="0"/>
-              <a:t>①東京証券取引所に上場していた企業</a:t>
-            </a:r>
-            <a:r>
-              <a:rPr lang="en-US" altLang="ja-JP" dirty="0"/>
-              <a:t>(1</a:t>
-            </a:r>
-            <a:r>
-              <a:rPr lang="ja-JP" altLang="en-US" dirty="0"/>
-              <a:t>部</a:t>
-            </a:r>
-            <a:r>
-              <a:rPr lang="en-US" altLang="ja-JP" dirty="0"/>
-              <a:t>,2</a:t>
-            </a:r>
-            <a:r>
-              <a:rPr lang="ja-JP" altLang="en-US" dirty="0"/>
-              <a:t>部</a:t>
-            </a:r>
-            <a:r>
-              <a:rPr lang="en-US" altLang="ja-JP" dirty="0"/>
-              <a:t>,JASDAQ,</a:t>
-            </a:r>
-            <a:r>
-              <a:rPr lang="ja-JP" altLang="en-US" dirty="0"/>
-              <a:t>マザーズ</a:t>
-            </a:r>
-            <a:r>
-              <a:rPr lang="en-US" altLang="ja-JP" dirty="0"/>
-              <a:t>)</a:t>
-            </a:r>
-          </a:p>
-          <a:p>
-            <a:pPr marL="0" indent="0">
-              <a:buNone/>
-            </a:pPr>
-            <a:r>
-              <a:rPr lang="ja-JP" altLang="en-US" dirty="0"/>
-              <a:t>②</a:t>
-            </a:r>
-            <a:r>
-              <a:rPr lang="en-US" altLang="ja-JP" dirty="0"/>
-              <a:t>2000</a:t>
-            </a:r>
-            <a:r>
-              <a:rPr lang="ja-JP" altLang="en-US" dirty="0"/>
-              <a:t>年</a:t>
-            </a:r>
-            <a:r>
-              <a:rPr lang="en-US" altLang="ja-JP" dirty="0"/>
-              <a:t>4</a:t>
-            </a:r>
-            <a:r>
-              <a:rPr lang="ja-JP" altLang="en-US" dirty="0"/>
-              <a:t>月以降に上場廃止となった企業</a:t>
-            </a:r>
-            <a:endParaRPr lang="en-US" altLang="ja-JP" dirty="0"/>
-          </a:p>
-          <a:p>
-            <a:pPr marL="0" indent="0">
-              <a:buNone/>
-            </a:pPr>
-            <a:r>
-              <a:rPr lang="ja-JP" altLang="en-US" dirty="0"/>
-              <a:t>③製造業に分類される企業</a:t>
-            </a:r>
-            <a:r>
-              <a:rPr lang="en-US" altLang="ja-JP" dirty="0"/>
-              <a:t>(</a:t>
-            </a:r>
-            <a:r>
-              <a:rPr lang="ja-JP" altLang="en-US" dirty="0"/>
-              <a:t>総務省の日本標準産業分類に基づく</a:t>
-            </a:r>
-            <a:r>
-              <a:rPr lang="en-US" altLang="ja-JP" dirty="0"/>
-              <a:t>)</a:t>
-            </a:r>
-          </a:p>
-        </p:txBody>
-      </p:sp>
-    </p:spTree>
-    <p:extLst>
-      <p:ext uri="{BB962C8B-B14F-4D97-AF65-F5344CB8AC3E}">
-        <p14:creationId xmlns:p14="http://schemas.microsoft.com/office/powerpoint/2010/main" val="421789723"/>
-      </p:ext>
-    </p:extLst>
-  </p:cSld>
-  <p:clrMapOvr>
-    <a:masterClrMapping/>
-  </p:clrMapOvr>
-</p:sld>
-</file>
-
-<file path=ppt/slides/slide15.xml><?xml version="1.0" encoding="utf-8"?>
-<p:sld xmlns:a="http://schemas.openxmlformats.org/drawingml/2006/main" xmlns:r="http://schemas.openxmlformats.org/officeDocument/2006/relationships" xmlns:p="http://schemas.openxmlformats.org/presentationml/2006/main">
-  <p:cSld>
-    <p:spTree>
-      <p:nvGrpSpPr>
-        <p:cNvPr id="1" name=""/>
-        <p:cNvGrpSpPr/>
-        <p:nvPr/>
-      </p:nvGrpSpPr>
-      <p:grpSpPr>
-        <a:xfrm>
-          <a:off x="0" y="0"/>
-          <a:ext cx="0" cy="0"/>
-          <a:chOff x="0" y="0"/>
-          <a:chExt cx="0" cy="0"/>
-        </a:xfrm>
-      </p:grpSpPr>
-      <p:sp>
-        <p:nvSpPr>
-          <p:cNvPr id="2" name="タイトル 1">
-            <a:extLst>
-              <a:ext uri="{FF2B5EF4-FFF2-40B4-BE49-F238E27FC236}">
-                <a16:creationId xmlns:a16="http://schemas.microsoft.com/office/drawing/2014/main" id="{84E76098-5ABF-4709-A130-78345D6144C6}"/>
-              </a:ext>
-            </a:extLst>
-          </p:cNvPr>
-          <p:cNvSpPr>
-            <a:spLocks noGrp="1"/>
-          </p:cNvSpPr>
-          <p:nvPr>
-            <p:ph type="title"/>
-          </p:nvPr>
-        </p:nvSpPr>
-        <p:spPr>
-          <a:xfrm>
-            <a:off x="0" y="19878"/>
-            <a:ext cx="10515600" cy="746983"/>
-          </a:xfrm>
-        </p:spPr>
-        <p:txBody>
-          <a:bodyPr>
-            <a:normAutofit/>
-          </a:bodyPr>
-          <a:lstStyle/>
-          <a:p>
-            <a:r>
-              <a:rPr kumimoji="1" lang="ja-JP" altLang="en-US" dirty="0"/>
-              <a:t>なぜ②が倒産ではなく上場廃止なのか</a:t>
-            </a:r>
-          </a:p>
-        </p:txBody>
-      </p:sp>
-      <p:sp>
-        <p:nvSpPr>
-          <p:cNvPr id="3" name="コンテンツ プレースホルダー 2">
-            <a:extLst>
-              <a:ext uri="{FF2B5EF4-FFF2-40B4-BE49-F238E27FC236}">
-                <a16:creationId xmlns:a16="http://schemas.microsoft.com/office/drawing/2014/main" id="{6542FA18-B0BE-4A9A-A81C-6917BCE2D0B7}"/>
-              </a:ext>
-            </a:extLst>
-          </p:cNvPr>
-          <p:cNvSpPr>
-            <a:spLocks noGrp="1"/>
-          </p:cNvSpPr>
-          <p:nvPr>
-            <p:ph idx="1"/>
-          </p:nvPr>
-        </p:nvSpPr>
-        <p:spPr>
-          <a:xfrm>
-            <a:off x="0" y="766861"/>
-            <a:ext cx="12192000" cy="6091139"/>
-          </a:xfrm>
-        </p:spPr>
-        <p:txBody>
-          <a:bodyPr>
-            <a:normAutofit/>
-          </a:bodyPr>
-          <a:lstStyle/>
-          <a:p>
-            <a:r>
-              <a:rPr lang="ja-JP" altLang="en-US" dirty="0"/>
-              <a:t>東京証券取引所の主な上場廃止基準</a:t>
-            </a:r>
-            <a:r>
-              <a:rPr lang="en-US" altLang="ja-JP" dirty="0"/>
-              <a:t>(1</a:t>
-            </a:r>
-            <a:r>
-              <a:rPr lang="ja-JP" altLang="en-US" dirty="0"/>
-              <a:t>部</a:t>
-            </a:r>
-            <a:r>
-              <a:rPr lang="en-US" altLang="ja-JP" dirty="0"/>
-              <a:t>,2</a:t>
-            </a:r>
-            <a:r>
-              <a:rPr lang="ja-JP" altLang="en-US" dirty="0"/>
-              <a:t>部の場合</a:t>
-            </a:r>
-            <a:r>
-              <a:rPr lang="en-US" altLang="ja-JP" dirty="0"/>
-              <a:t>)</a:t>
-            </a:r>
-          </a:p>
-          <a:p>
-            <a:pPr lvl="1"/>
-            <a:r>
-              <a:rPr lang="ja-JP" altLang="en-US" dirty="0"/>
-              <a:t>株主数・流通株式数が基準を下回る</a:t>
-            </a:r>
-          </a:p>
-          <a:p>
-            <a:pPr lvl="1"/>
-            <a:r>
-              <a:rPr lang="ja-JP" altLang="en-US" dirty="0"/>
-              <a:t>売買高・時価総額・流通株式時価総額が基準を下回る</a:t>
-            </a:r>
-          </a:p>
-          <a:p>
-            <a:pPr lvl="1"/>
-            <a:r>
-              <a:rPr lang="ja-JP" altLang="en-US" dirty="0"/>
-              <a:t>売上高が基準を下回る</a:t>
-            </a:r>
-            <a:endParaRPr lang="en-US" altLang="ja-JP" dirty="0"/>
-          </a:p>
-          <a:p>
-            <a:pPr lvl="1"/>
-            <a:r>
-              <a:rPr lang="ja-JP" altLang="en-US" dirty="0">
-                <a:solidFill>
-                  <a:srgbClr val="FF0000"/>
-                </a:solidFill>
-              </a:rPr>
-              <a:t>債務超過・銀行取引の停止・破産手続、再生手続又は更生手続・事業</a:t>
-            </a:r>
-            <a:br>
-              <a:rPr lang="en-US" altLang="ja-JP" dirty="0">
-                <a:solidFill>
-                  <a:srgbClr val="FF0000"/>
-                </a:solidFill>
-              </a:rPr>
-            </a:br>
-            <a:r>
-              <a:rPr lang="ja-JP" altLang="en-US" dirty="0">
-                <a:solidFill>
-                  <a:srgbClr val="FF0000"/>
-                </a:solidFill>
-              </a:rPr>
-              <a:t>活動の停止</a:t>
-            </a:r>
-            <a:r>
-              <a:rPr lang="en-US" altLang="ja-JP" dirty="0">
-                <a:solidFill>
-                  <a:srgbClr val="FF0000"/>
-                </a:solidFill>
-              </a:rPr>
-              <a:t>(</a:t>
-            </a:r>
-            <a:r>
-              <a:rPr lang="ja-JP" altLang="en-US" dirty="0">
-                <a:solidFill>
-                  <a:srgbClr val="FF0000"/>
-                </a:solidFill>
-              </a:rPr>
-              <a:t>いわゆる経営破綻</a:t>
-            </a:r>
-            <a:r>
-              <a:rPr lang="en-US" altLang="ja-JP" dirty="0">
-                <a:solidFill>
-                  <a:srgbClr val="FF0000"/>
-                </a:solidFill>
-              </a:rPr>
-              <a:t>)</a:t>
-            </a:r>
-          </a:p>
-          <a:p>
-            <a:pPr lvl="1"/>
-            <a:r>
-              <a:rPr lang="ja-JP" altLang="en-US" dirty="0"/>
-              <a:t>不適当な合併等（いわゆる裏口上場）・有価証券報告書又は半期報告書の提出遅延・虚偽記載または監査法人による不適正意見等・上場契約違反等・内部管理体制が改善されない等</a:t>
-            </a:r>
-          </a:p>
-          <a:p>
-            <a:pPr lvl="1"/>
-            <a:r>
-              <a:rPr lang="ja-JP" altLang="en-US" dirty="0"/>
-              <a:t>株式事務代行機関への委託契約解除・株式の譲渡制限・完全子会社化・指定保管振替機関における取扱いに係る同意の撤回・株主の権利の不当な制限・反社会的勢力の関与・全部取得・その他（公益・投資者保護）</a:t>
-            </a:r>
-          </a:p>
-          <a:p>
-            <a:pPr lvl="1"/>
-            <a:r>
-              <a:rPr lang="ja-JP" altLang="en-US" dirty="0">
-                <a:solidFill>
-                  <a:srgbClr val="FFC000"/>
-                </a:solidFill>
-              </a:rPr>
-              <a:t>会社の解散</a:t>
-            </a:r>
-          </a:p>
-          <a:p>
-            <a:pPr lvl="1"/>
-            <a:r>
-              <a:rPr lang="ja-JP" altLang="en-US" dirty="0"/>
-              <a:t>営業活動におけるキャッシュ・フローが基準を下回る</a:t>
-            </a:r>
-            <a:endParaRPr lang="en-US" altLang="ja-JP" dirty="0"/>
-          </a:p>
-          <a:p>
-            <a:pPr marL="914400" lvl="2" indent="0" algn="r">
-              <a:buNone/>
-            </a:pPr>
-            <a:r>
-              <a:rPr lang="en-US" altLang="ja-JP" sz="1800" dirty="0"/>
-              <a:t>  -</a:t>
-            </a:r>
-            <a:r>
-              <a:rPr lang="ja-JP" altLang="en-US" sz="1800" dirty="0"/>
-              <a:t>東京証券取引所上場基準より</a:t>
-            </a:r>
-            <a:endParaRPr lang="en-US" altLang="ja-JP" sz="1800" dirty="0"/>
-          </a:p>
-        </p:txBody>
-      </p:sp>
-    </p:spTree>
-    <p:extLst>
-      <p:ext uri="{BB962C8B-B14F-4D97-AF65-F5344CB8AC3E}">
-        <p14:creationId xmlns:p14="http://schemas.microsoft.com/office/powerpoint/2010/main" val="3259732705"/>
-      </p:ext>
-    </p:extLst>
-  </p:cSld>
-  <p:clrMapOvr>
-    <a:masterClrMapping/>
-  </p:clrMapOvr>
-</p:sld>
-</file>
-
-<file path=ppt/slides/slide16.xml><?xml version="1.0" encoding="utf-8"?>
-<p:sld xmlns:a="http://schemas.openxmlformats.org/drawingml/2006/main" xmlns:r="http://schemas.openxmlformats.org/officeDocument/2006/relationships" xmlns:p="http://schemas.openxmlformats.org/presentationml/2006/main">
-  <p:cSld>
-    <p:spTree>
-      <p:nvGrpSpPr>
-        <p:cNvPr id="1" name=""/>
-        <p:cNvGrpSpPr/>
-        <p:nvPr/>
-      </p:nvGrpSpPr>
-      <p:grpSpPr>
-        <a:xfrm>
-          <a:off x="0" y="0"/>
-          <a:ext cx="0" cy="0"/>
-          <a:chOff x="0" y="0"/>
-          <a:chExt cx="0" cy="0"/>
-        </a:xfrm>
-      </p:grpSpPr>
-      <p:sp>
-        <p:nvSpPr>
-          <p:cNvPr id="3" name="コンテンツ プレースホルダー 2">
-            <a:extLst>
-              <a:ext uri="{FF2B5EF4-FFF2-40B4-BE49-F238E27FC236}">
-                <a16:creationId xmlns:a16="http://schemas.microsoft.com/office/drawing/2014/main" id="{6542FA18-B0BE-4A9A-A81C-6917BCE2D0B7}"/>
-              </a:ext>
-            </a:extLst>
-          </p:cNvPr>
-          <p:cNvSpPr>
-            <a:spLocks noGrp="1"/>
-          </p:cNvSpPr>
-          <p:nvPr>
-            <p:ph idx="1"/>
-          </p:nvPr>
-        </p:nvSpPr>
-        <p:spPr>
-          <a:xfrm>
-            <a:off x="838200" y="488091"/>
-            <a:ext cx="10515600" cy="5881817"/>
-          </a:xfrm>
-        </p:spPr>
-        <p:txBody>
-          <a:bodyPr>
-            <a:normAutofit/>
-          </a:bodyPr>
-          <a:lstStyle/>
-          <a:p>
-            <a:pPr marL="0" indent="0" algn="ctr">
-              <a:buNone/>
-            </a:pPr>
-            <a:r>
-              <a:rPr lang="en-US" altLang="ja-JP" dirty="0"/>
-              <a:t>(</a:t>
-            </a:r>
-            <a:r>
-              <a:rPr lang="ja-JP" altLang="en-US" dirty="0"/>
-              <a:t>当たり前だが</a:t>
-            </a:r>
-            <a:r>
-              <a:rPr lang="en-US" altLang="ja-JP" dirty="0"/>
-              <a:t>)</a:t>
-            </a:r>
-            <a:r>
-              <a:rPr lang="ja-JP" altLang="en-US" dirty="0"/>
-              <a:t>倒産となった企業は上場廃止となる。</a:t>
-            </a:r>
-            <a:endParaRPr lang="en-US" altLang="ja-JP" dirty="0"/>
-          </a:p>
-          <a:p>
-            <a:pPr marL="0" indent="0" algn="ctr">
-              <a:buNone/>
-            </a:pPr>
-            <a:r>
-              <a:rPr lang="ja-JP" altLang="en-US" dirty="0">
-                <a:solidFill>
-                  <a:srgbClr val="FF0000"/>
-                </a:solidFill>
-              </a:rPr>
-              <a:t>しかしながら</a:t>
-            </a:r>
-            <a:endParaRPr lang="en-US" altLang="ja-JP" dirty="0">
-              <a:solidFill>
-                <a:srgbClr val="FF0000"/>
-              </a:solidFill>
-            </a:endParaRPr>
-          </a:p>
-          <a:p>
-            <a:pPr marL="0" indent="0">
-              <a:buNone/>
-            </a:pPr>
-            <a:r>
-              <a:rPr lang="ja-JP" altLang="en-US" dirty="0"/>
-              <a:t>倒産以外の理由で上場廃止となった企業のその後を調べると倒産となった企業が多々あった。</a:t>
-            </a:r>
-            <a:endParaRPr lang="en-US" altLang="ja-JP" dirty="0"/>
-          </a:p>
-          <a:p>
-            <a:pPr marL="0" indent="0" algn="ctr">
-              <a:buNone/>
-            </a:pPr>
-            <a:r>
-              <a:rPr lang="ja-JP" altLang="en-US" dirty="0">
-                <a:solidFill>
-                  <a:srgbClr val="FF0000"/>
-                </a:solidFill>
-              </a:rPr>
-              <a:t>↓</a:t>
-            </a:r>
-            <a:endParaRPr lang="en-US" altLang="ja-JP" dirty="0">
-              <a:solidFill>
-                <a:srgbClr val="FF0000"/>
-              </a:solidFill>
-            </a:endParaRPr>
-          </a:p>
-          <a:p>
-            <a:pPr marL="0" indent="0">
-              <a:buNone/>
-            </a:pPr>
-            <a:r>
-              <a:rPr lang="ja-JP" altLang="en-US" dirty="0"/>
-              <a:t>倒産以外の理由で上場廃止となったがその後倒産した場合、その企業を上場企業の倒産に含めないことは不合理ではないか？</a:t>
-            </a:r>
-            <a:endParaRPr lang="en-US" altLang="ja-JP" dirty="0"/>
-          </a:p>
-          <a:p>
-            <a:pPr marL="0" indent="0" algn="ctr">
-              <a:buNone/>
-            </a:pPr>
-            <a:r>
-              <a:rPr lang="ja-JP" altLang="en-US" dirty="0">
-                <a:solidFill>
-                  <a:srgbClr val="FF0000"/>
-                </a:solidFill>
-              </a:rPr>
-              <a:t>↓</a:t>
-            </a:r>
-            <a:endParaRPr lang="en-US" altLang="ja-JP" dirty="0">
-              <a:solidFill>
-                <a:srgbClr val="FF0000"/>
-              </a:solidFill>
-            </a:endParaRPr>
-          </a:p>
-          <a:p>
-            <a:pPr marL="0" indent="0">
-              <a:buNone/>
-            </a:pPr>
-            <a:r>
-              <a:rPr lang="ja-JP" altLang="en-US" dirty="0"/>
-              <a:t>“倒産以外の理由で上場廃止となった企業“について対象とする</a:t>
-            </a:r>
-            <a:br>
-              <a:rPr lang="en-US" altLang="ja-JP" dirty="0"/>
-            </a:br>
-            <a:r>
-              <a:rPr lang="ja-JP" altLang="en-US" dirty="0"/>
-              <a:t>企業の中に含めるかどうかを検討する必要がある</a:t>
-            </a:r>
-            <a:endParaRPr lang="en-US" altLang="ja-JP" dirty="0"/>
-          </a:p>
-        </p:txBody>
-      </p:sp>
-    </p:spTree>
-    <p:extLst>
-      <p:ext uri="{BB962C8B-B14F-4D97-AF65-F5344CB8AC3E}">
-        <p14:creationId xmlns:p14="http://schemas.microsoft.com/office/powerpoint/2010/main" val="2721327828"/>
       </p:ext>
     </p:extLst>
   </p:cSld>
@@ -11926,6 +11922,981 @@
         <p:spPr>
           <a:xfrm>
             <a:off x="0" y="0"/>
+            <a:ext cx="10515600" cy="746983"/>
+          </a:xfrm>
+        </p:spPr>
+        <p:txBody>
+          <a:bodyPr/>
+          <a:lstStyle/>
+          <a:p>
+            <a:r>
+              <a:rPr lang="ja-JP" altLang="en-US" dirty="0"/>
+              <a:t>対象とする企業について</a:t>
+            </a:r>
+            <a:r>
+              <a:rPr lang="en-US" altLang="ja-JP" dirty="0"/>
+              <a:t>(</a:t>
+            </a:r>
+            <a:r>
+              <a:rPr lang="ja-JP" altLang="en-US" dirty="0"/>
+              <a:t>さいけい</a:t>
+            </a:r>
+            <a:r>
+              <a:rPr lang="en-US" altLang="ja-JP" dirty="0"/>
+              <a:t>)</a:t>
+            </a:r>
+            <a:endParaRPr kumimoji="1" lang="ja-JP" altLang="en-US" dirty="0"/>
+          </a:p>
+        </p:txBody>
+      </p:sp>
+      <p:sp>
+        <p:nvSpPr>
+          <p:cNvPr id="3" name="コンテンツ プレースホルダー 2">
+            <a:extLst>
+              <a:ext uri="{FF2B5EF4-FFF2-40B4-BE49-F238E27FC236}">
+                <a16:creationId xmlns:a16="http://schemas.microsoft.com/office/drawing/2014/main" id="{6542FA18-B0BE-4A9A-A81C-6917BCE2D0B7}"/>
+              </a:ext>
+            </a:extLst>
+          </p:cNvPr>
+          <p:cNvSpPr>
+            <a:spLocks noGrp="1"/>
+          </p:cNvSpPr>
+          <p:nvPr>
+            <p:ph idx="1"/>
+          </p:nvPr>
+        </p:nvSpPr>
+        <p:spPr>
+          <a:xfrm>
+            <a:off x="0" y="746983"/>
+            <a:ext cx="10515600" cy="5064855"/>
+          </a:xfrm>
+        </p:spPr>
+        <p:txBody>
+          <a:bodyPr/>
+          <a:lstStyle/>
+          <a:p>
+            <a:pPr marL="0" indent="0">
+              <a:buNone/>
+            </a:pPr>
+            <a:r>
+              <a:rPr lang="ja-JP" altLang="en-US" dirty="0"/>
+              <a:t>①東京証券取引所に上場していた企業</a:t>
+            </a:r>
+            <a:r>
+              <a:rPr lang="en-US" altLang="ja-JP" dirty="0"/>
+              <a:t>(1</a:t>
+            </a:r>
+            <a:r>
+              <a:rPr lang="ja-JP" altLang="en-US" dirty="0"/>
+              <a:t>部</a:t>
+            </a:r>
+            <a:r>
+              <a:rPr lang="en-US" altLang="ja-JP" dirty="0"/>
+              <a:t>,2</a:t>
+            </a:r>
+            <a:r>
+              <a:rPr lang="ja-JP" altLang="en-US" dirty="0"/>
+              <a:t>部</a:t>
+            </a:r>
+            <a:r>
+              <a:rPr lang="en-US" altLang="ja-JP" dirty="0"/>
+              <a:t>,JASDAQ,</a:t>
+            </a:r>
+            <a:r>
+              <a:rPr lang="ja-JP" altLang="en-US" dirty="0"/>
+              <a:t>マザーズ</a:t>
+            </a:r>
+            <a:r>
+              <a:rPr lang="en-US" altLang="ja-JP" dirty="0"/>
+              <a:t>)</a:t>
+            </a:r>
+          </a:p>
+          <a:p>
+            <a:pPr marL="0" indent="0">
+              <a:buNone/>
+            </a:pPr>
+            <a:r>
+              <a:rPr lang="ja-JP" altLang="en-US" dirty="0"/>
+              <a:t>②</a:t>
+            </a:r>
+            <a:r>
+              <a:rPr lang="en-US" altLang="ja-JP" dirty="0"/>
+              <a:t>2000</a:t>
+            </a:r>
+            <a:r>
+              <a:rPr lang="ja-JP" altLang="en-US" dirty="0"/>
+              <a:t>年</a:t>
+            </a:r>
+            <a:r>
+              <a:rPr lang="en-US" altLang="ja-JP" dirty="0"/>
+              <a:t>4</a:t>
+            </a:r>
+            <a:r>
+              <a:rPr lang="ja-JP" altLang="en-US" dirty="0"/>
+              <a:t>月以降に上場廃止となった企業</a:t>
+            </a:r>
+            <a:endParaRPr lang="en-US" altLang="ja-JP" dirty="0"/>
+          </a:p>
+          <a:p>
+            <a:pPr marL="0" indent="0">
+              <a:buNone/>
+            </a:pPr>
+            <a:r>
+              <a:rPr lang="ja-JP" altLang="en-US" dirty="0"/>
+              <a:t>③製造業に分類される企業</a:t>
+            </a:r>
+            <a:r>
+              <a:rPr lang="en-US" altLang="ja-JP" dirty="0"/>
+              <a:t>(</a:t>
+            </a:r>
+            <a:r>
+              <a:rPr lang="ja-JP" altLang="en-US" dirty="0"/>
+              <a:t>総務省の日本標準産業分類に基づく</a:t>
+            </a:r>
+            <a:r>
+              <a:rPr lang="en-US" altLang="ja-JP" dirty="0"/>
+              <a:t>)</a:t>
+            </a:r>
+          </a:p>
+        </p:txBody>
+      </p:sp>
+    </p:spTree>
+    <p:extLst>
+      <p:ext uri="{BB962C8B-B14F-4D97-AF65-F5344CB8AC3E}">
+        <p14:creationId xmlns:p14="http://schemas.microsoft.com/office/powerpoint/2010/main" val="421789723"/>
+      </p:ext>
+    </p:extLst>
+  </p:cSld>
+  <p:clrMapOvr>
+    <a:masterClrMapping/>
+  </p:clrMapOvr>
+</p:sld>
+</file>
+
+<file path=ppt/slides/slide18.xml><?xml version="1.0" encoding="utf-8"?>
+<p:sld xmlns:a="http://schemas.openxmlformats.org/drawingml/2006/main" xmlns:r="http://schemas.openxmlformats.org/officeDocument/2006/relationships" xmlns:p="http://schemas.openxmlformats.org/presentationml/2006/main">
+  <p:cSld>
+    <p:spTree>
+      <p:nvGrpSpPr>
+        <p:cNvPr id="1" name=""/>
+        <p:cNvGrpSpPr/>
+        <p:nvPr/>
+      </p:nvGrpSpPr>
+      <p:grpSpPr>
+        <a:xfrm>
+          <a:off x="0" y="0"/>
+          <a:ext cx="0" cy="0"/>
+          <a:chOff x="0" y="0"/>
+          <a:chExt cx="0" cy="0"/>
+        </a:xfrm>
+      </p:grpSpPr>
+      <p:sp>
+        <p:nvSpPr>
+          <p:cNvPr id="2" name="タイトル 1">
+            <a:extLst>
+              <a:ext uri="{FF2B5EF4-FFF2-40B4-BE49-F238E27FC236}">
+                <a16:creationId xmlns:a16="http://schemas.microsoft.com/office/drawing/2014/main" id="{84E76098-5ABF-4709-A130-78345D6144C6}"/>
+              </a:ext>
+            </a:extLst>
+          </p:cNvPr>
+          <p:cNvSpPr>
+            <a:spLocks noGrp="1"/>
+          </p:cNvSpPr>
+          <p:nvPr>
+            <p:ph type="title"/>
+          </p:nvPr>
+        </p:nvSpPr>
+        <p:spPr>
+          <a:xfrm>
+            <a:off x="0" y="19878"/>
+            <a:ext cx="10515600" cy="746983"/>
+          </a:xfrm>
+        </p:spPr>
+        <p:txBody>
+          <a:bodyPr>
+            <a:normAutofit/>
+          </a:bodyPr>
+          <a:lstStyle/>
+          <a:p>
+            <a:r>
+              <a:rPr kumimoji="1" lang="ja-JP" altLang="en-US" dirty="0"/>
+              <a:t>なぜ②が倒産ではなく上場廃止なのか</a:t>
+            </a:r>
+          </a:p>
+        </p:txBody>
+      </p:sp>
+      <p:sp>
+        <p:nvSpPr>
+          <p:cNvPr id="3" name="コンテンツ プレースホルダー 2">
+            <a:extLst>
+              <a:ext uri="{FF2B5EF4-FFF2-40B4-BE49-F238E27FC236}">
+                <a16:creationId xmlns:a16="http://schemas.microsoft.com/office/drawing/2014/main" id="{6542FA18-B0BE-4A9A-A81C-6917BCE2D0B7}"/>
+              </a:ext>
+            </a:extLst>
+          </p:cNvPr>
+          <p:cNvSpPr>
+            <a:spLocks noGrp="1"/>
+          </p:cNvSpPr>
+          <p:nvPr>
+            <p:ph idx="1"/>
+          </p:nvPr>
+        </p:nvSpPr>
+        <p:spPr>
+          <a:xfrm>
+            <a:off x="0" y="766861"/>
+            <a:ext cx="12192000" cy="6091139"/>
+          </a:xfrm>
+        </p:spPr>
+        <p:txBody>
+          <a:bodyPr>
+            <a:normAutofit/>
+          </a:bodyPr>
+          <a:lstStyle/>
+          <a:p>
+            <a:r>
+              <a:rPr lang="ja-JP" altLang="en-US" dirty="0"/>
+              <a:t>東京証券取引所の主な上場廃止基準</a:t>
+            </a:r>
+            <a:r>
+              <a:rPr lang="en-US" altLang="ja-JP" dirty="0"/>
+              <a:t>(1</a:t>
+            </a:r>
+            <a:r>
+              <a:rPr lang="ja-JP" altLang="en-US" dirty="0"/>
+              <a:t>部</a:t>
+            </a:r>
+            <a:r>
+              <a:rPr lang="en-US" altLang="ja-JP" dirty="0"/>
+              <a:t>,2</a:t>
+            </a:r>
+            <a:r>
+              <a:rPr lang="ja-JP" altLang="en-US" dirty="0"/>
+              <a:t>部の場合</a:t>
+            </a:r>
+            <a:r>
+              <a:rPr lang="en-US" altLang="ja-JP" dirty="0"/>
+              <a:t>)</a:t>
+            </a:r>
+          </a:p>
+          <a:p>
+            <a:pPr lvl="1"/>
+            <a:r>
+              <a:rPr lang="ja-JP" altLang="en-US" dirty="0"/>
+              <a:t>株主数・流通株式数が基準を下回る</a:t>
+            </a:r>
+          </a:p>
+          <a:p>
+            <a:pPr lvl="1"/>
+            <a:r>
+              <a:rPr lang="ja-JP" altLang="en-US" dirty="0"/>
+              <a:t>売買高・時価総額・流通株式時価総額が基準を下回る</a:t>
+            </a:r>
+          </a:p>
+          <a:p>
+            <a:pPr lvl="1"/>
+            <a:r>
+              <a:rPr lang="ja-JP" altLang="en-US" dirty="0"/>
+              <a:t>売上高が基準を下回る</a:t>
+            </a:r>
+            <a:endParaRPr lang="en-US" altLang="ja-JP" dirty="0"/>
+          </a:p>
+          <a:p>
+            <a:pPr lvl="1"/>
+            <a:r>
+              <a:rPr lang="ja-JP" altLang="en-US" dirty="0">
+                <a:solidFill>
+                  <a:srgbClr val="FF0000"/>
+                </a:solidFill>
+              </a:rPr>
+              <a:t>債務超過・銀行取引の停止・破産手続、再生手続又は更生手続・事業</a:t>
+            </a:r>
+            <a:br>
+              <a:rPr lang="en-US" altLang="ja-JP" dirty="0">
+                <a:solidFill>
+                  <a:srgbClr val="FF0000"/>
+                </a:solidFill>
+              </a:rPr>
+            </a:br>
+            <a:r>
+              <a:rPr lang="ja-JP" altLang="en-US" dirty="0">
+                <a:solidFill>
+                  <a:srgbClr val="FF0000"/>
+                </a:solidFill>
+              </a:rPr>
+              <a:t>活動の停止</a:t>
+            </a:r>
+            <a:r>
+              <a:rPr lang="en-US" altLang="ja-JP" dirty="0">
+                <a:solidFill>
+                  <a:srgbClr val="FF0000"/>
+                </a:solidFill>
+              </a:rPr>
+              <a:t>(</a:t>
+            </a:r>
+            <a:r>
+              <a:rPr lang="ja-JP" altLang="en-US" dirty="0">
+                <a:solidFill>
+                  <a:srgbClr val="FF0000"/>
+                </a:solidFill>
+              </a:rPr>
+              <a:t>いわゆる経営破綻</a:t>
+            </a:r>
+            <a:r>
+              <a:rPr lang="en-US" altLang="ja-JP" dirty="0">
+                <a:solidFill>
+                  <a:srgbClr val="FF0000"/>
+                </a:solidFill>
+              </a:rPr>
+              <a:t>)</a:t>
+            </a:r>
+          </a:p>
+          <a:p>
+            <a:pPr lvl="1"/>
+            <a:r>
+              <a:rPr lang="ja-JP" altLang="en-US" dirty="0"/>
+              <a:t>不適当な合併等（いわゆる裏口上場）・有価証券報告書又は半期報告書の提出遅延・虚偽記載または監査法人による不適正意見等・上場契約違反等・内部管理体制が改善されない等</a:t>
+            </a:r>
+          </a:p>
+          <a:p>
+            <a:pPr lvl="1"/>
+            <a:r>
+              <a:rPr lang="ja-JP" altLang="en-US" dirty="0"/>
+              <a:t>株式事務代行機関への委託契約解除・株式の譲渡制限・完全子会社化・指定保管振替機関における取扱いに係る同意の撤回・株主の権利の不当な制限・反社会的勢力の関与・全部取得・その他（公益・投資者保護）</a:t>
+            </a:r>
+          </a:p>
+          <a:p>
+            <a:pPr lvl="1"/>
+            <a:r>
+              <a:rPr lang="ja-JP" altLang="en-US" dirty="0">
+                <a:solidFill>
+                  <a:srgbClr val="FFC000"/>
+                </a:solidFill>
+              </a:rPr>
+              <a:t>会社の解散</a:t>
+            </a:r>
+          </a:p>
+          <a:p>
+            <a:pPr lvl="1"/>
+            <a:r>
+              <a:rPr lang="ja-JP" altLang="en-US" dirty="0"/>
+              <a:t>営業活動におけるキャッシュ・フローが基準を下回る</a:t>
+            </a:r>
+            <a:endParaRPr lang="en-US" altLang="ja-JP" dirty="0"/>
+          </a:p>
+          <a:p>
+            <a:pPr marL="914400" lvl="2" indent="0" algn="r">
+              <a:buNone/>
+            </a:pPr>
+            <a:r>
+              <a:rPr lang="en-US" altLang="ja-JP" sz="1800" dirty="0"/>
+              <a:t>  -</a:t>
+            </a:r>
+            <a:r>
+              <a:rPr lang="ja-JP" altLang="en-US" sz="1800" dirty="0"/>
+              <a:t>東京証券取引所上場基準より</a:t>
+            </a:r>
+            <a:endParaRPr lang="en-US" altLang="ja-JP" sz="1800" dirty="0"/>
+          </a:p>
+        </p:txBody>
+      </p:sp>
+    </p:spTree>
+    <p:extLst>
+      <p:ext uri="{BB962C8B-B14F-4D97-AF65-F5344CB8AC3E}">
+        <p14:creationId xmlns:p14="http://schemas.microsoft.com/office/powerpoint/2010/main" val="3259732705"/>
+      </p:ext>
+    </p:extLst>
+  </p:cSld>
+  <p:clrMapOvr>
+    <a:masterClrMapping/>
+  </p:clrMapOvr>
+</p:sld>
+</file>
+
+<file path=ppt/slides/slide19.xml><?xml version="1.0" encoding="utf-8"?>
+<p:sld xmlns:a="http://schemas.openxmlformats.org/drawingml/2006/main" xmlns:r="http://schemas.openxmlformats.org/officeDocument/2006/relationships" xmlns:p="http://schemas.openxmlformats.org/presentationml/2006/main">
+  <p:cSld>
+    <p:spTree>
+      <p:nvGrpSpPr>
+        <p:cNvPr id="1" name=""/>
+        <p:cNvGrpSpPr/>
+        <p:nvPr/>
+      </p:nvGrpSpPr>
+      <p:grpSpPr>
+        <a:xfrm>
+          <a:off x="0" y="0"/>
+          <a:ext cx="0" cy="0"/>
+          <a:chOff x="0" y="0"/>
+          <a:chExt cx="0" cy="0"/>
+        </a:xfrm>
+      </p:grpSpPr>
+      <p:sp>
+        <p:nvSpPr>
+          <p:cNvPr id="3" name="コンテンツ プレースホルダー 2">
+            <a:extLst>
+              <a:ext uri="{FF2B5EF4-FFF2-40B4-BE49-F238E27FC236}">
+                <a16:creationId xmlns:a16="http://schemas.microsoft.com/office/drawing/2014/main" id="{6542FA18-B0BE-4A9A-A81C-6917BCE2D0B7}"/>
+              </a:ext>
+            </a:extLst>
+          </p:cNvPr>
+          <p:cNvSpPr>
+            <a:spLocks noGrp="1"/>
+          </p:cNvSpPr>
+          <p:nvPr>
+            <p:ph idx="1"/>
+          </p:nvPr>
+        </p:nvSpPr>
+        <p:spPr>
+          <a:xfrm>
+            <a:off x="838200" y="488091"/>
+            <a:ext cx="10515600" cy="5881817"/>
+          </a:xfrm>
+        </p:spPr>
+        <p:txBody>
+          <a:bodyPr>
+            <a:normAutofit/>
+          </a:bodyPr>
+          <a:lstStyle/>
+          <a:p>
+            <a:pPr marL="0" indent="0" algn="ctr">
+              <a:buNone/>
+            </a:pPr>
+            <a:r>
+              <a:rPr lang="en-US" altLang="ja-JP" dirty="0"/>
+              <a:t>(</a:t>
+            </a:r>
+            <a:r>
+              <a:rPr lang="ja-JP" altLang="en-US" dirty="0"/>
+              <a:t>当たり前だが</a:t>
+            </a:r>
+            <a:r>
+              <a:rPr lang="en-US" altLang="ja-JP" dirty="0"/>
+              <a:t>)</a:t>
+            </a:r>
+            <a:r>
+              <a:rPr lang="ja-JP" altLang="en-US" dirty="0"/>
+              <a:t>倒産となった企業は上場廃止となる。</a:t>
+            </a:r>
+            <a:endParaRPr lang="en-US" altLang="ja-JP" dirty="0"/>
+          </a:p>
+          <a:p>
+            <a:pPr marL="0" indent="0" algn="ctr">
+              <a:buNone/>
+            </a:pPr>
+            <a:r>
+              <a:rPr lang="ja-JP" altLang="en-US" dirty="0">
+                <a:solidFill>
+                  <a:srgbClr val="FF0000"/>
+                </a:solidFill>
+              </a:rPr>
+              <a:t>しかしながら</a:t>
+            </a:r>
+            <a:endParaRPr lang="en-US" altLang="ja-JP" dirty="0">
+              <a:solidFill>
+                <a:srgbClr val="FF0000"/>
+              </a:solidFill>
+            </a:endParaRPr>
+          </a:p>
+          <a:p>
+            <a:pPr marL="0" indent="0">
+              <a:buNone/>
+            </a:pPr>
+            <a:r>
+              <a:rPr lang="ja-JP" altLang="en-US" dirty="0"/>
+              <a:t>倒産以外の理由で上場廃止となった企業のその後を調べると倒産となった企業が多々あった。</a:t>
+            </a:r>
+            <a:endParaRPr lang="en-US" altLang="ja-JP" dirty="0"/>
+          </a:p>
+          <a:p>
+            <a:pPr marL="0" indent="0" algn="ctr">
+              <a:buNone/>
+            </a:pPr>
+            <a:r>
+              <a:rPr lang="ja-JP" altLang="en-US" dirty="0">
+                <a:solidFill>
+                  <a:srgbClr val="FF0000"/>
+                </a:solidFill>
+              </a:rPr>
+              <a:t>↓</a:t>
+            </a:r>
+            <a:endParaRPr lang="en-US" altLang="ja-JP" dirty="0">
+              <a:solidFill>
+                <a:srgbClr val="FF0000"/>
+              </a:solidFill>
+            </a:endParaRPr>
+          </a:p>
+          <a:p>
+            <a:pPr marL="0" indent="0">
+              <a:buNone/>
+            </a:pPr>
+            <a:r>
+              <a:rPr lang="ja-JP" altLang="en-US" dirty="0"/>
+              <a:t>倒産以外の理由で上場廃止となったがその後倒産した場合、その企業を上場企業の倒産に含めないことは不合理ではないか？</a:t>
+            </a:r>
+            <a:endParaRPr lang="en-US" altLang="ja-JP" dirty="0"/>
+          </a:p>
+          <a:p>
+            <a:pPr marL="0" indent="0" algn="ctr">
+              <a:buNone/>
+            </a:pPr>
+            <a:r>
+              <a:rPr lang="ja-JP" altLang="en-US" dirty="0">
+                <a:solidFill>
+                  <a:srgbClr val="FF0000"/>
+                </a:solidFill>
+              </a:rPr>
+              <a:t>↓</a:t>
+            </a:r>
+            <a:endParaRPr lang="en-US" altLang="ja-JP" dirty="0">
+              <a:solidFill>
+                <a:srgbClr val="FF0000"/>
+              </a:solidFill>
+            </a:endParaRPr>
+          </a:p>
+          <a:p>
+            <a:pPr marL="0" indent="0">
+              <a:buNone/>
+            </a:pPr>
+            <a:r>
+              <a:rPr lang="ja-JP" altLang="en-US" dirty="0"/>
+              <a:t>“倒産以外の理由で上場廃止となった企業“について対象とする</a:t>
+            </a:r>
+            <a:br>
+              <a:rPr lang="en-US" altLang="ja-JP" dirty="0"/>
+            </a:br>
+            <a:r>
+              <a:rPr lang="ja-JP" altLang="en-US" dirty="0"/>
+              <a:t>企業の中に含めるかどうかを検討する必要がある</a:t>
+            </a:r>
+            <a:endParaRPr lang="en-US" altLang="ja-JP" dirty="0"/>
+          </a:p>
+        </p:txBody>
+      </p:sp>
+    </p:spTree>
+    <p:extLst>
+      <p:ext uri="{BB962C8B-B14F-4D97-AF65-F5344CB8AC3E}">
+        <p14:creationId xmlns:p14="http://schemas.microsoft.com/office/powerpoint/2010/main" val="2721327828"/>
+      </p:ext>
+    </p:extLst>
+  </p:cSld>
+  <p:clrMapOvr>
+    <a:masterClrMapping/>
+  </p:clrMapOvr>
+</p:sld>
+</file>
+
+<file path=ppt/slides/slide2.xml><?xml version="1.0" encoding="utf-8"?>
+<p:sld xmlns:a="http://schemas.openxmlformats.org/drawingml/2006/main" xmlns:r="http://schemas.openxmlformats.org/officeDocument/2006/relationships" xmlns:p="http://schemas.openxmlformats.org/presentationml/2006/main">
+  <p:cSld>
+    <p:spTree>
+      <p:nvGrpSpPr>
+        <p:cNvPr id="1" name=""/>
+        <p:cNvGrpSpPr/>
+        <p:nvPr/>
+      </p:nvGrpSpPr>
+      <p:grpSpPr>
+        <a:xfrm>
+          <a:off x="0" y="0"/>
+          <a:ext cx="0" cy="0"/>
+          <a:chOff x="0" y="0"/>
+          <a:chExt cx="0" cy="0"/>
+        </a:xfrm>
+      </p:grpSpPr>
+      <p:sp>
+        <p:nvSpPr>
+          <p:cNvPr id="2" name="タイトル 1">
+            <a:extLst>
+              <a:ext uri="{FF2B5EF4-FFF2-40B4-BE49-F238E27FC236}">
+                <a16:creationId xmlns:a16="http://schemas.microsoft.com/office/drawing/2014/main" id="{C0856E33-C0F3-4E49-B344-D7AA60921286}"/>
+              </a:ext>
+            </a:extLst>
+          </p:cNvPr>
+          <p:cNvSpPr>
+            <a:spLocks noGrp="1"/>
+          </p:cNvSpPr>
+          <p:nvPr>
+            <p:ph type="title"/>
+          </p:nvPr>
+        </p:nvSpPr>
+        <p:spPr>
+          <a:xfrm>
+            <a:off x="-65902" y="-181233"/>
+            <a:ext cx="10515600" cy="1105980"/>
+          </a:xfrm>
+        </p:spPr>
+        <p:txBody>
+          <a:bodyPr/>
+          <a:lstStyle/>
+          <a:p>
+            <a:r>
+              <a:rPr lang="ja-JP" altLang="en-US" dirty="0"/>
+              <a:t>先行研究</a:t>
+            </a:r>
+            <a:r>
+              <a:rPr kumimoji="1" lang="ja-JP" altLang="en-US" dirty="0"/>
+              <a:t>を読んでみた</a:t>
+            </a:r>
+          </a:p>
+        </p:txBody>
+      </p:sp>
+      <p:sp>
+        <p:nvSpPr>
+          <p:cNvPr id="3" name="コンテンツ プレースホルダー 2">
+            <a:extLst>
+              <a:ext uri="{FF2B5EF4-FFF2-40B4-BE49-F238E27FC236}">
+                <a16:creationId xmlns:a16="http://schemas.microsoft.com/office/drawing/2014/main" id="{E6525053-5143-4732-B6DD-1A6640D5BBC4}"/>
+              </a:ext>
+            </a:extLst>
+          </p:cNvPr>
+          <p:cNvSpPr>
+            <a:spLocks noGrp="1"/>
+          </p:cNvSpPr>
+          <p:nvPr>
+            <p:ph idx="1"/>
+          </p:nvPr>
+        </p:nvSpPr>
+        <p:spPr>
+          <a:xfrm>
+            <a:off x="0" y="858845"/>
+            <a:ext cx="12192000" cy="5267512"/>
+          </a:xfrm>
+        </p:spPr>
+        <p:txBody>
+          <a:bodyPr/>
+          <a:lstStyle/>
+          <a:p>
+            <a:pPr marL="0" indent="0">
+              <a:buNone/>
+            </a:pPr>
+            <a:r>
+              <a:rPr lang="ja-JP" altLang="en-US" dirty="0">
+                <a:latin typeface="+mn-ea"/>
+              </a:rPr>
+              <a:t>先行研究</a:t>
+            </a:r>
+            <a:endParaRPr lang="en-US" altLang="ja-JP" dirty="0">
+              <a:latin typeface="+mn-ea"/>
+            </a:endParaRPr>
+          </a:p>
+          <a:p>
+            <a:r>
+              <a:rPr lang="ja-JP" altLang="en-US" dirty="0">
+                <a:latin typeface="+mn-ea"/>
+              </a:rPr>
+              <a:t>経営管理目的からの倒産予測モデル研究の有用性と課題 </a:t>
+            </a:r>
+            <a:r>
+              <a:rPr lang="en-US" altLang="ja-JP" dirty="0">
+                <a:latin typeface="+mn-ea"/>
+              </a:rPr>
+              <a:t>: </a:t>
+            </a:r>
+            <a:r>
+              <a:rPr lang="ja-JP" altLang="en-US" dirty="0">
+                <a:latin typeface="+mn-ea"/>
+              </a:rPr>
+              <a:t>経営管理のための安全性指標の観点から</a:t>
+            </a:r>
+            <a:r>
+              <a:rPr lang="en-US" altLang="ja-JP" dirty="0">
+                <a:latin typeface="+mn-ea"/>
+              </a:rPr>
+              <a:t>(</a:t>
+            </a:r>
+            <a:r>
+              <a:rPr lang="ja-JP" altLang="en-US" dirty="0">
+                <a:latin typeface="+mn-ea"/>
+              </a:rPr>
+              <a:t>梅谷</a:t>
+            </a:r>
+            <a:r>
+              <a:rPr lang="en-US" altLang="ja-JP" dirty="0">
+                <a:latin typeface="+mn-ea"/>
+              </a:rPr>
+              <a:t>.2013.</a:t>
+            </a:r>
+            <a:r>
+              <a:rPr lang="ja-JP" altLang="en-US" dirty="0">
+                <a:latin typeface="+mn-ea"/>
+              </a:rPr>
+              <a:t>大阪大学経済学会</a:t>
+            </a:r>
+            <a:r>
+              <a:rPr lang="en-US" altLang="ja-JP" dirty="0">
+                <a:latin typeface="+mn-ea"/>
+              </a:rPr>
+              <a:t>)</a:t>
+            </a:r>
+          </a:p>
+          <a:p>
+            <a:r>
+              <a:rPr lang="ja-JP" altLang="en-US" dirty="0">
+                <a:latin typeface="+mn-ea"/>
+              </a:rPr>
+              <a:t>倒産予測のための変数選択と統計的検定手法</a:t>
+            </a:r>
+            <a:r>
+              <a:rPr lang="en-US" altLang="ja-JP" dirty="0">
+                <a:latin typeface="+mn-ea"/>
+              </a:rPr>
+              <a:t>(</a:t>
+            </a:r>
+            <a:r>
+              <a:rPr lang="ja-JP" altLang="en-US" dirty="0">
+                <a:latin typeface="+mn-ea"/>
+              </a:rPr>
+              <a:t>亀井他</a:t>
+            </a:r>
+            <a:r>
+              <a:rPr lang="en-US" altLang="ja-JP" dirty="0">
+                <a:latin typeface="+mn-ea"/>
+              </a:rPr>
+              <a:t>.2017.</a:t>
+            </a:r>
+            <a:r>
+              <a:rPr lang="zh-CN" altLang="en-US" dirty="0">
+                <a:latin typeface="+mn-ea"/>
+              </a:rPr>
+              <a:t>日本物理学会講演概要集 </a:t>
+            </a:r>
+            <a:r>
+              <a:rPr lang="en-US" altLang="ja-JP" dirty="0">
+                <a:latin typeface="+mn-ea"/>
+              </a:rPr>
+              <a:t>)</a:t>
+            </a:r>
+          </a:p>
+          <a:p>
+            <a:r>
+              <a:rPr lang="ja-JP" altLang="en-US" dirty="0">
+                <a:latin typeface="+mn-ea"/>
+              </a:rPr>
+              <a:t>企業財務データを用いた倒産予測モデルと変数選択</a:t>
+            </a:r>
+            <a:r>
+              <a:rPr lang="en-US" altLang="ja-JP" dirty="0">
+                <a:latin typeface="+mn-ea"/>
+              </a:rPr>
+              <a:t>(</a:t>
+            </a:r>
+            <a:r>
+              <a:rPr lang="ja-JP" altLang="en-US" dirty="0">
+                <a:latin typeface="+mn-ea"/>
+              </a:rPr>
+              <a:t>亀井他</a:t>
+            </a:r>
+            <a:r>
+              <a:rPr lang="en-US" altLang="ja-JP" dirty="0">
+                <a:latin typeface="+mn-ea"/>
+              </a:rPr>
+              <a:t>.2017.</a:t>
+            </a:r>
+            <a:r>
+              <a:rPr lang="zh-CN" altLang="en-US" dirty="0">
+                <a:latin typeface="+mn-ea"/>
+              </a:rPr>
+              <a:t>日本物理学会講演概要集 </a:t>
+            </a:r>
+            <a:r>
+              <a:rPr lang="en-US" altLang="ja-JP" dirty="0">
+                <a:latin typeface="+mn-ea"/>
+              </a:rPr>
+              <a:t>)</a:t>
+            </a:r>
+          </a:p>
+          <a:p>
+            <a:r>
+              <a:rPr lang="ja-JP" altLang="en-US" dirty="0">
+                <a:latin typeface="+mn-ea"/>
+              </a:rPr>
+              <a:t>倒産企業分析からみた企業成長の要件</a:t>
+            </a:r>
+            <a:r>
+              <a:rPr lang="en-US" altLang="ja-JP" dirty="0">
+                <a:latin typeface="+mn-ea"/>
+              </a:rPr>
+              <a:t>(</a:t>
+            </a:r>
+            <a:r>
+              <a:rPr lang="ja-JP" altLang="en-US" dirty="0">
+                <a:latin typeface="+mn-ea"/>
+              </a:rPr>
+              <a:t>増山</a:t>
+            </a:r>
+            <a:r>
+              <a:rPr lang="en-US" altLang="ja-JP" dirty="0">
+                <a:latin typeface="+mn-ea"/>
+              </a:rPr>
+              <a:t>.2017.</a:t>
+            </a:r>
+            <a:r>
+              <a:rPr lang="ja-JP" altLang="en-US" dirty="0">
+                <a:latin typeface="+mn-ea"/>
+              </a:rPr>
+              <a:t>彦根論叢</a:t>
+            </a:r>
+            <a:r>
+              <a:rPr lang="en-US" altLang="ja-JP" dirty="0">
+                <a:latin typeface="+mn-ea"/>
+              </a:rPr>
+              <a:t>)</a:t>
+            </a:r>
+          </a:p>
+          <a:p>
+            <a:r>
+              <a:rPr lang="ja-JP" altLang="en-US" dirty="0">
+                <a:latin typeface="+mn-ea"/>
+              </a:rPr>
+              <a:t>倒産診断モデルに関する一試案</a:t>
+            </a:r>
+            <a:r>
+              <a:rPr lang="en-US" altLang="ja-JP" dirty="0">
+                <a:latin typeface="+mn-ea"/>
+              </a:rPr>
+              <a:t>(</a:t>
+            </a:r>
+            <a:r>
+              <a:rPr lang="ja-JP" altLang="en-US" dirty="0">
+                <a:latin typeface="+mn-ea"/>
+              </a:rPr>
+              <a:t>大柳</a:t>
+            </a:r>
+            <a:r>
+              <a:rPr lang="en-US" altLang="ja-JP" dirty="0">
+                <a:latin typeface="+mn-ea"/>
+              </a:rPr>
+              <a:t>.1998.</a:t>
+            </a:r>
+            <a:r>
+              <a:rPr lang="ja-JP" altLang="en-US" dirty="0">
+                <a:latin typeface="+mn-ea"/>
+              </a:rPr>
+              <a:t>三田商学研究</a:t>
+            </a:r>
+            <a:r>
+              <a:rPr lang="en-US" altLang="ja-JP" dirty="0">
+                <a:latin typeface="+mn-ea"/>
+              </a:rPr>
+              <a:t>)</a:t>
+            </a:r>
+          </a:p>
+          <a:p>
+            <a:r>
+              <a:rPr lang="ja-JP" altLang="en-US" dirty="0">
+                <a:latin typeface="+mn-ea"/>
+              </a:rPr>
+              <a:t>テキストマイニング技術を用いた企業評価分析</a:t>
+            </a:r>
+            <a:r>
+              <a:rPr lang="en-US" altLang="ja-JP" dirty="0">
+                <a:latin typeface="+mn-ea"/>
+              </a:rPr>
+              <a:t>(</a:t>
+            </a:r>
+            <a:r>
+              <a:rPr lang="ja-JP" altLang="en-US" dirty="0">
+                <a:latin typeface="+mn-ea"/>
+              </a:rPr>
+              <a:t>白田他</a:t>
+            </a:r>
+            <a:r>
+              <a:rPr lang="en-US" altLang="ja-JP" dirty="0">
+                <a:latin typeface="+mn-ea"/>
+              </a:rPr>
+              <a:t>.</a:t>
+            </a:r>
+            <a:r>
+              <a:rPr lang="zh-TW" altLang="en-US" dirty="0">
+                <a:latin typeface="+mn-ea"/>
+              </a:rPr>
+              <a:t>年報</a:t>
+            </a:r>
+            <a:r>
+              <a:rPr lang="ja-JP" altLang="en-US" dirty="0">
+                <a:latin typeface="+mn-ea"/>
+              </a:rPr>
+              <a:t>経営分析研究第</a:t>
+            </a:r>
+            <a:r>
+              <a:rPr lang="en-US" altLang="ja-JP" dirty="0">
+                <a:latin typeface="+mn-ea"/>
+              </a:rPr>
+              <a:t>25</a:t>
+            </a:r>
+            <a:r>
+              <a:rPr lang="ja-JP" altLang="en-US" dirty="0">
+                <a:latin typeface="+mn-ea"/>
+              </a:rPr>
+              <a:t>号</a:t>
+            </a:r>
+            <a:r>
+              <a:rPr lang="en-US" altLang="ja-JP" dirty="0">
+                <a:latin typeface="+mn-ea"/>
+              </a:rPr>
+              <a:t>)</a:t>
+            </a:r>
+          </a:p>
+          <a:p>
+            <a:pPr marL="0" indent="0">
+              <a:buNone/>
+            </a:pPr>
+            <a:endParaRPr lang="en-US" altLang="ja-JP" dirty="0">
+              <a:latin typeface="+mn-ea"/>
+            </a:endParaRPr>
+          </a:p>
+          <a:p>
+            <a:endParaRPr lang="en-US" altLang="ja-JP" dirty="0"/>
+          </a:p>
+        </p:txBody>
+      </p:sp>
+    </p:spTree>
+    <p:extLst>
+      <p:ext uri="{BB962C8B-B14F-4D97-AF65-F5344CB8AC3E}">
+        <p14:creationId xmlns:p14="http://schemas.microsoft.com/office/powerpoint/2010/main" val="2785394413"/>
+      </p:ext>
+    </p:extLst>
+  </p:cSld>
+  <p:clrMapOvr>
+    <a:masterClrMapping/>
+  </p:clrMapOvr>
+</p:sld>
+</file>
+
+<file path=ppt/slides/slide20.xml><?xml version="1.0" encoding="utf-8"?>
+<p:sld xmlns:a="http://schemas.openxmlformats.org/drawingml/2006/main" xmlns:r="http://schemas.openxmlformats.org/officeDocument/2006/relationships" xmlns:p="http://schemas.openxmlformats.org/presentationml/2006/main">
+  <p:cSld>
+    <p:spTree>
+      <p:nvGrpSpPr>
+        <p:cNvPr id="1" name=""/>
+        <p:cNvGrpSpPr/>
+        <p:nvPr/>
+      </p:nvGrpSpPr>
+      <p:grpSpPr>
+        <a:xfrm>
+          <a:off x="0" y="0"/>
+          <a:ext cx="0" cy="0"/>
+          <a:chOff x="0" y="0"/>
+          <a:chExt cx="0" cy="0"/>
+        </a:xfrm>
+      </p:grpSpPr>
+      <p:sp>
+        <p:nvSpPr>
+          <p:cNvPr id="2" name="タイトル 1">
+            <a:extLst>
+              <a:ext uri="{FF2B5EF4-FFF2-40B4-BE49-F238E27FC236}">
+                <a16:creationId xmlns:a16="http://schemas.microsoft.com/office/drawing/2014/main" id="{84E76098-5ABF-4709-A130-78345D6144C6}"/>
+              </a:ext>
+            </a:extLst>
+          </p:cNvPr>
+          <p:cNvSpPr>
+            <a:spLocks noGrp="1"/>
+          </p:cNvSpPr>
+          <p:nvPr>
+            <p:ph type="title"/>
+          </p:nvPr>
+        </p:nvSpPr>
+        <p:spPr>
+          <a:xfrm>
+            <a:off x="0" y="0"/>
             <a:ext cx="10515600" cy="1291268"/>
           </a:xfrm>
         </p:spPr>
@@ -12054,7 +13025,7 @@
 </p:sld>
 </file>
 
-<file path=ppt/slides/slide18.xml><?xml version="1.0" encoding="utf-8"?>
+<file path=ppt/slides/slide21.xml><?xml version="1.0" encoding="utf-8"?>
 <p:sld xmlns:a="http://schemas.openxmlformats.org/drawingml/2006/main" xmlns:r="http://schemas.openxmlformats.org/officeDocument/2006/relationships" xmlns:p="http://schemas.openxmlformats.org/presentationml/2006/main">
   <p:cSld>
     <p:spTree>
@@ -12653,7 +13624,7 @@
 </p:sld>
 </file>
 
-<file path=ppt/slides/slide19.xml><?xml version="1.0" encoding="utf-8"?>
+<file path=ppt/slides/slide22.xml><?xml version="1.0" encoding="utf-8"?>
 <p:sld xmlns:a="http://schemas.openxmlformats.org/drawingml/2006/main" xmlns:r="http://schemas.openxmlformats.org/officeDocument/2006/relationships" xmlns:p="http://schemas.openxmlformats.org/presentationml/2006/main">
   <p:cSld>
     <p:spTree>
@@ -13019,210 +13990,7 @@
 </p:sld>
 </file>
 
-<file path=ppt/slides/slide2.xml><?xml version="1.0" encoding="utf-8"?>
-<p:sld xmlns:a="http://schemas.openxmlformats.org/drawingml/2006/main" xmlns:r="http://schemas.openxmlformats.org/officeDocument/2006/relationships" xmlns:p="http://schemas.openxmlformats.org/presentationml/2006/main">
-  <p:cSld>
-    <p:spTree>
-      <p:nvGrpSpPr>
-        <p:cNvPr id="1" name=""/>
-        <p:cNvGrpSpPr/>
-        <p:nvPr/>
-      </p:nvGrpSpPr>
-      <p:grpSpPr>
-        <a:xfrm>
-          <a:off x="0" y="0"/>
-          <a:ext cx="0" cy="0"/>
-          <a:chOff x="0" y="0"/>
-          <a:chExt cx="0" cy="0"/>
-        </a:xfrm>
-      </p:grpSpPr>
-      <p:sp>
-        <p:nvSpPr>
-          <p:cNvPr id="2" name="タイトル 1">
-            <a:extLst>
-              <a:ext uri="{FF2B5EF4-FFF2-40B4-BE49-F238E27FC236}">
-                <a16:creationId xmlns:a16="http://schemas.microsoft.com/office/drawing/2014/main" id="{C0856E33-C0F3-4E49-B344-D7AA60921286}"/>
-              </a:ext>
-            </a:extLst>
-          </p:cNvPr>
-          <p:cNvSpPr>
-            <a:spLocks noGrp="1"/>
-          </p:cNvSpPr>
-          <p:nvPr>
-            <p:ph type="title"/>
-          </p:nvPr>
-        </p:nvSpPr>
-        <p:spPr>
-          <a:xfrm>
-            <a:off x="0" y="-310736"/>
-            <a:ext cx="10515600" cy="1325563"/>
-          </a:xfrm>
-        </p:spPr>
-        <p:txBody>
-          <a:bodyPr/>
-          <a:lstStyle/>
-          <a:p>
-            <a:r>
-              <a:rPr kumimoji="1" lang="ja-JP" altLang="en-US" dirty="0"/>
-              <a:t>前回まで</a:t>
-            </a:r>
-          </a:p>
-        </p:txBody>
-      </p:sp>
-      <p:sp>
-        <p:nvSpPr>
-          <p:cNvPr id="3" name="コンテンツ プレースホルダー 2">
-            <a:extLst>
-              <a:ext uri="{FF2B5EF4-FFF2-40B4-BE49-F238E27FC236}">
-                <a16:creationId xmlns:a16="http://schemas.microsoft.com/office/drawing/2014/main" id="{E6525053-5143-4732-B6DD-1A6640D5BBC4}"/>
-              </a:ext>
-            </a:extLst>
-          </p:cNvPr>
-          <p:cNvSpPr>
-            <a:spLocks noGrp="1"/>
-          </p:cNvSpPr>
-          <p:nvPr>
-            <p:ph idx="1"/>
-          </p:nvPr>
-        </p:nvSpPr>
-        <p:spPr>
-          <a:xfrm>
-            <a:off x="0" y="1149764"/>
-            <a:ext cx="10515600" cy="4351338"/>
-          </a:xfrm>
-        </p:spPr>
-        <p:txBody>
-          <a:bodyPr/>
-          <a:lstStyle/>
-          <a:p>
-            <a:pPr marL="0" indent="0">
-              <a:buNone/>
-            </a:pPr>
-            <a:r>
-              <a:rPr lang="ja-JP" altLang="en-US" dirty="0"/>
-              <a:t>企業の倒産モデルの構築を目指して研究を行っていくことを決定</a:t>
-            </a:r>
-            <a:endParaRPr lang="en-US" altLang="ja-JP" dirty="0"/>
-          </a:p>
-          <a:p>
-            <a:pPr marL="0" indent="0">
-              <a:buNone/>
-            </a:pPr>
-            <a:endParaRPr lang="en-US" altLang="ja-JP" dirty="0"/>
-          </a:p>
-          <a:p>
-            <a:r>
-              <a:rPr kumimoji="1" lang="ja-JP" altLang="en-US" dirty="0"/>
-              <a:t>決めなければ</a:t>
-            </a:r>
-            <a:r>
-              <a:rPr kumimoji="1" lang="en-US" altLang="ja-JP" dirty="0"/>
-              <a:t>(</a:t>
-            </a:r>
-            <a:r>
-              <a:rPr kumimoji="1" lang="ja-JP" altLang="en-US" dirty="0"/>
-              <a:t>定義しなければ</a:t>
-            </a:r>
-            <a:r>
-              <a:rPr kumimoji="1" lang="en-US" altLang="ja-JP" dirty="0"/>
-              <a:t>)</a:t>
-            </a:r>
-            <a:r>
-              <a:rPr kumimoji="1" lang="ja-JP" altLang="en-US" dirty="0"/>
-              <a:t>ならないこと</a:t>
-            </a:r>
-            <a:endParaRPr kumimoji="1" lang="en-US" altLang="ja-JP" dirty="0"/>
-          </a:p>
-          <a:p>
-            <a:pPr lvl="1"/>
-            <a:r>
-              <a:rPr lang="ja-JP" altLang="en-US" dirty="0"/>
-              <a:t>倒産とは</a:t>
-            </a:r>
-            <a:endParaRPr lang="en-US" altLang="ja-JP" dirty="0"/>
-          </a:p>
-          <a:p>
-            <a:pPr lvl="1"/>
-            <a:r>
-              <a:rPr lang="ja-JP" altLang="en-US" dirty="0"/>
-              <a:t>対象とする企業</a:t>
-            </a:r>
-            <a:endParaRPr lang="en-US" altLang="ja-JP" dirty="0"/>
-          </a:p>
-          <a:p>
-            <a:pPr lvl="1"/>
-            <a:r>
-              <a:rPr kumimoji="1" lang="ja-JP" altLang="en-US" dirty="0"/>
-              <a:t>対象とする年代</a:t>
-            </a:r>
-            <a:endParaRPr kumimoji="1" lang="en-US" altLang="ja-JP" dirty="0"/>
-          </a:p>
-          <a:p>
-            <a:pPr lvl="1"/>
-            <a:r>
-              <a:rPr kumimoji="1" lang="ja-JP" altLang="en-US" dirty="0"/>
-              <a:t>対象とする情報</a:t>
-            </a:r>
-            <a:endParaRPr kumimoji="1" lang="en-US" altLang="ja-JP" dirty="0"/>
-          </a:p>
-          <a:p>
-            <a:pPr lvl="1"/>
-            <a:endParaRPr lang="en-US" altLang="ja-JP" dirty="0"/>
-          </a:p>
-          <a:p>
-            <a:pPr lvl="1"/>
-            <a:r>
-              <a:rPr kumimoji="1" lang="ja-JP" altLang="en-US" dirty="0"/>
-              <a:t>当面の分析事項</a:t>
-            </a:r>
-            <a:endParaRPr lang="en-US" altLang="ja-JP" dirty="0"/>
-          </a:p>
-          <a:p>
-            <a:pPr lvl="1"/>
-            <a:r>
-              <a:rPr lang="ja-JP" altLang="en-US" dirty="0"/>
-              <a:t>モデルの構築方法</a:t>
-            </a:r>
-            <a:endParaRPr lang="en-US" altLang="ja-JP" dirty="0"/>
-          </a:p>
-          <a:p>
-            <a:pPr marL="457200" lvl="1" indent="0">
-              <a:buNone/>
-            </a:pPr>
-            <a:endParaRPr lang="en-US" altLang="ja-JP" dirty="0"/>
-          </a:p>
-          <a:p>
-            <a:pPr marL="457200" lvl="1" indent="0">
-              <a:buNone/>
-            </a:pPr>
-            <a:endParaRPr kumimoji="1" lang="en-US" altLang="ja-JP" dirty="0"/>
-          </a:p>
-          <a:p>
-            <a:pPr lvl="1"/>
-            <a:endParaRPr kumimoji="1" lang="en-US" altLang="ja-JP" dirty="0"/>
-          </a:p>
-          <a:p>
-            <a:pPr marL="0" indent="0">
-              <a:buNone/>
-            </a:pPr>
-            <a:endParaRPr kumimoji="1" lang="en-US" altLang="ja-JP" dirty="0"/>
-          </a:p>
-        </p:txBody>
-      </p:sp>
-    </p:spTree>
-    <p:extLst>
-      <p:ext uri="{BB962C8B-B14F-4D97-AF65-F5344CB8AC3E}">
-        <p14:creationId xmlns:p14="http://schemas.microsoft.com/office/powerpoint/2010/main" val="1836809185"/>
-      </p:ext>
-    </p:extLst>
-  </p:cSld>
-  <p:clrMapOvr>
-    <a:masterClrMapping/>
-  </p:clrMapOvr>
-</p:sld>
-</file>
-
-<file path=ppt/slides/slide20.xml><?xml version="1.0" encoding="utf-8"?>
+<file path=ppt/slides/slide23.xml><?xml version="1.0" encoding="utf-8"?>
 <p:sld xmlns:a="http://schemas.openxmlformats.org/drawingml/2006/main" xmlns:r="http://schemas.openxmlformats.org/officeDocument/2006/relationships" xmlns:p="http://schemas.openxmlformats.org/presentationml/2006/main">
   <p:cSld>
     <p:spTree>
@@ -13339,642 +14107,6 @@
     <p:extLst>
       <p:ext uri="{BB962C8B-B14F-4D97-AF65-F5344CB8AC3E}">
         <p14:creationId xmlns:p14="http://schemas.microsoft.com/office/powerpoint/2010/main" val="1677586832"/>
-      </p:ext>
-    </p:extLst>
-  </p:cSld>
-  <p:clrMapOvr>
-    <a:masterClrMapping/>
-  </p:clrMapOvr>
-</p:sld>
-</file>
-
-<file path=ppt/slides/slide21.xml><?xml version="1.0" encoding="utf-8"?>
-<p:sld xmlns:a="http://schemas.openxmlformats.org/drawingml/2006/main" xmlns:r="http://schemas.openxmlformats.org/officeDocument/2006/relationships" xmlns:p="http://schemas.openxmlformats.org/presentationml/2006/main">
-  <p:cSld>
-    <p:spTree>
-      <p:nvGrpSpPr>
-        <p:cNvPr id="1" name=""/>
-        <p:cNvGrpSpPr/>
-        <p:nvPr/>
-      </p:nvGrpSpPr>
-      <p:grpSpPr>
-        <a:xfrm>
-          <a:off x="0" y="0"/>
-          <a:ext cx="0" cy="0"/>
-          <a:chOff x="0" y="0"/>
-          <a:chExt cx="0" cy="0"/>
-        </a:xfrm>
-      </p:grpSpPr>
-      <p:sp>
-        <p:nvSpPr>
-          <p:cNvPr id="2" name="タイトル 1">
-            <a:extLst>
-              <a:ext uri="{FF2B5EF4-FFF2-40B4-BE49-F238E27FC236}">
-                <a16:creationId xmlns:a16="http://schemas.microsoft.com/office/drawing/2014/main" id="{84E76098-5ABF-4709-A130-78345D6144C6}"/>
-              </a:ext>
-            </a:extLst>
-          </p:cNvPr>
-          <p:cNvSpPr>
-            <a:spLocks noGrp="1"/>
-          </p:cNvSpPr>
-          <p:nvPr>
-            <p:ph type="title"/>
-          </p:nvPr>
-        </p:nvSpPr>
-        <p:spPr>
-          <a:xfrm>
-            <a:off x="0" y="0"/>
-            <a:ext cx="12192000" cy="746983"/>
-          </a:xfrm>
-        </p:spPr>
-        <p:txBody>
-          <a:bodyPr>
-            <a:normAutofit/>
-          </a:bodyPr>
-          <a:lstStyle/>
-          <a:p>
-            <a:r>
-              <a:rPr kumimoji="1" lang="ja-JP" altLang="en-US" dirty="0"/>
-              <a:t>雪印食品</a:t>
-            </a:r>
-          </a:p>
-        </p:txBody>
-      </p:sp>
-      <p:sp>
-        <p:nvSpPr>
-          <p:cNvPr id="3" name="コンテンツ プレースホルダー 2">
-            <a:extLst>
-              <a:ext uri="{FF2B5EF4-FFF2-40B4-BE49-F238E27FC236}">
-                <a16:creationId xmlns:a16="http://schemas.microsoft.com/office/drawing/2014/main" id="{6542FA18-B0BE-4A9A-A81C-6917BCE2D0B7}"/>
-              </a:ext>
-            </a:extLst>
-          </p:cNvPr>
-          <p:cNvSpPr>
-            <a:spLocks noGrp="1"/>
-          </p:cNvSpPr>
-          <p:nvPr>
-            <p:ph idx="1"/>
-          </p:nvPr>
-        </p:nvSpPr>
-        <p:spPr>
-          <a:xfrm>
-            <a:off x="0" y="746983"/>
-            <a:ext cx="12192000" cy="5469924"/>
-          </a:xfrm>
-        </p:spPr>
-        <p:txBody>
-          <a:bodyPr/>
-          <a:lstStyle/>
-          <a:p>
-            <a:pPr marL="0" indent="0">
-              <a:buNone/>
-            </a:pPr>
-            <a:r>
-              <a:rPr lang="ja-JP" altLang="en-US" dirty="0"/>
-              <a:t>雪印乳業子会社。</a:t>
-            </a:r>
-            <a:endParaRPr lang="zh-TW" altLang="en-US" dirty="0"/>
-          </a:p>
-          <a:p>
-            <a:pPr marL="0" indent="0">
-              <a:buNone/>
-            </a:pPr>
-            <a:r>
-              <a:rPr lang="en-US" altLang="ja-JP" dirty="0"/>
-              <a:t>2001</a:t>
-            </a:r>
-            <a:r>
-              <a:rPr lang="ja-JP" altLang="en-US" dirty="0"/>
-              <a:t>年に牛海綿状脳症（</a:t>
-            </a:r>
-            <a:r>
-              <a:rPr lang="en-US" altLang="ja-JP" dirty="0"/>
-              <a:t>BSE</a:t>
-            </a:r>
-            <a:r>
-              <a:rPr lang="ja-JP" altLang="en-US" dirty="0"/>
-              <a:t>、いわゆる狂牛病）対策を悪用する牛肉産地</a:t>
-            </a:r>
-            <a:br>
-              <a:rPr lang="en-US" altLang="ja-JP" dirty="0"/>
-            </a:br>
-            <a:r>
-              <a:rPr lang="ja-JP" altLang="en-US" dirty="0"/>
-              <a:t>偽装事件（雪印牛肉偽装事件）を起こした。その事件が親会社である雪印乳業の食中毒事件と時期的に重なったため、会社の信用がなくなり経営が破綻、</a:t>
-            </a:r>
-            <a:r>
-              <a:rPr lang="en-US" altLang="ja-JP" dirty="0"/>
-              <a:t>2002</a:t>
-            </a:r>
-            <a:r>
-              <a:rPr lang="ja-JP" altLang="en-US" dirty="0"/>
-              <a:t>年</a:t>
-            </a:r>
-            <a:r>
-              <a:rPr lang="en-US" altLang="ja-JP" dirty="0"/>
-              <a:t>4</a:t>
-            </a:r>
-            <a:r>
-              <a:rPr lang="ja-JP" altLang="en-US" dirty="0"/>
-              <a:t>月廃業・上場廃止、解散。</a:t>
-            </a:r>
-            <a:r>
-              <a:rPr lang="en-US" altLang="ja-JP" dirty="0"/>
-              <a:t>2005</a:t>
-            </a:r>
-            <a:r>
-              <a:rPr lang="ja-JP" altLang="en-US" dirty="0"/>
-              <a:t>年</a:t>
-            </a:r>
-            <a:r>
-              <a:rPr lang="en-US" altLang="ja-JP" dirty="0"/>
-              <a:t>8</a:t>
-            </a:r>
-            <a:r>
-              <a:rPr lang="ja-JP" altLang="en-US" dirty="0"/>
-              <a:t>月</a:t>
-            </a:r>
-            <a:r>
-              <a:rPr lang="en-US" altLang="ja-JP" dirty="0"/>
-              <a:t>12</a:t>
-            </a:r>
-            <a:r>
-              <a:rPr lang="ja-JP" altLang="en-US" dirty="0"/>
-              <a:t>日、清算結了。</a:t>
-            </a:r>
-            <a:endParaRPr lang="en-US" altLang="ja-JP" dirty="0"/>
-          </a:p>
-          <a:p>
-            <a:pPr marL="0" indent="0">
-              <a:buNone/>
-            </a:pPr>
-            <a:r>
-              <a:rPr lang="ja-JP" altLang="en-US" dirty="0"/>
-              <a:t>↓</a:t>
-            </a:r>
-            <a:endParaRPr lang="en-US" altLang="ja-JP" dirty="0"/>
-          </a:p>
-          <a:p>
-            <a:pPr marL="0" indent="0">
-              <a:buNone/>
-            </a:pPr>
-            <a:r>
-              <a:rPr lang="ja-JP" altLang="en-US" dirty="0"/>
-              <a:t>特別清算</a:t>
-            </a:r>
-            <a:r>
-              <a:rPr lang="en-US" altLang="ja-JP" dirty="0"/>
-              <a:t>(</a:t>
-            </a:r>
-            <a:r>
-              <a:rPr lang="ja-JP" altLang="en-US" dirty="0"/>
-              <a:t>倒産</a:t>
-            </a:r>
-            <a:r>
-              <a:rPr lang="en-US" altLang="ja-JP" dirty="0"/>
-              <a:t>)</a:t>
-            </a:r>
-            <a:r>
-              <a:rPr lang="ja-JP" altLang="en-US" dirty="0"/>
-              <a:t>なのか通常清算</a:t>
-            </a:r>
-            <a:r>
-              <a:rPr lang="en-US" altLang="ja-JP" dirty="0"/>
-              <a:t>(</a:t>
-            </a:r>
-            <a:r>
-              <a:rPr lang="ja-JP" altLang="en-US" dirty="0"/>
-              <a:t>廃業</a:t>
-            </a:r>
-            <a:r>
-              <a:rPr lang="en-US" altLang="ja-JP" dirty="0"/>
-              <a:t>)</a:t>
-            </a:r>
-            <a:r>
-              <a:rPr lang="ja-JP" altLang="en-US" dirty="0"/>
-              <a:t>なのかがはっきり分からないため、対象企業になるのか不明確。しかし、親会社の雪印乳業自体が複数の子会社を売却していることからも法的整理と同等と思われる。</a:t>
-            </a:r>
-            <a:endParaRPr lang="en-US" altLang="ja-JP" dirty="0"/>
-          </a:p>
-          <a:p>
-            <a:pPr marL="0" indent="0">
-              <a:buNone/>
-            </a:pPr>
-            <a:r>
-              <a:rPr lang="ja-JP" altLang="en-US" dirty="0"/>
-              <a:t>→対象企業への追加を検討中</a:t>
-            </a:r>
-            <a:endParaRPr lang="en-US" altLang="ja-JP" dirty="0"/>
-          </a:p>
-        </p:txBody>
-      </p:sp>
-    </p:spTree>
-    <p:extLst>
-      <p:ext uri="{BB962C8B-B14F-4D97-AF65-F5344CB8AC3E}">
-        <p14:creationId xmlns:p14="http://schemas.microsoft.com/office/powerpoint/2010/main" val="4277347724"/>
-      </p:ext>
-    </p:extLst>
-  </p:cSld>
-  <p:clrMapOvr>
-    <a:masterClrMapping/>
-  </p:clrMapOvr>
-</p:sld>
-</file>
-
-<file path=ppt/slides/slide22.xml><?xml version="1.0" encoding="utf-8"?>
-<p:sld xmlns:a="http://schemas.openxmlformats.org/drawingml/2006/main" xmlns:r="http://schemas.openxmlformats.org/officeDocument/2006/relationships" xmlns:p="http://schemas.openxmlformats.org/presentationml/2006/main">
-  <p:cSld>
-    <p:spTree>
-      <p:nvGrpSpPr>
-        <p:cNvPr id="1" name=""/>
-        <p:cNvGrpSpPr/>
-        <p:nvPr/>
-      </p:nvGrpSpPr>
-      <p:grpSpPr>
-        <a:xfrm>
-          <a:off x="0" y="0"/>
-          <a:ext cx="0" cy="0"/>
-          <a:chOff x="0" y="0"/>
-          <a:chExt cx="0" cy="0"/>
-        </a:xfrm>
-      </p:grpSpPr>
-      <p:sp>
-        <p:nvSpPr>
-          <p:cNvPr id="2" name="タイトル 1">
-            <a:extLst>
-              <a:ext uri="{FF2B5EF4-FFF2-40B4-BE49-F238E27FC236}">
-                <a16:creationId xmlns:a16="http://schemas.microsoft.com/office/drawing/2014/main" id="{84E76098-5ABF-4709-A130-78345D6144C6}"/>
-              </a:ext>
-            </a:extLst>
-          </p:cNvPr>
-          <p:cNvSpPr>
-            <a:spLocks noGrp="1"/>
-          </p:cNvSpPr>
-          <p:nvPr>
-            <p:ph type="title"/>
-          </p:nvPr>
-        </p:nvSpPr>
-        <p:spPr>
-          <a:xfrm>
-            <a:off x="0" y="0"/>
-            <a:ext cx="12192000" cy="746983"/>
-          </a:xfrm>
-        </p:spPr>
-        <p:txBody>
-          <a:bodyPr>
-            <a:normAutofit/>
-          </a:bodyPr>
-          <a:lstStyle/>
-          <a:p>
-            <a:r>
-              <a:rPr lang="ja-JP" altLang="en-US" dirty="0"/>
-              <a:t>丸石ホールディングス </a:t>
-            </a:r>
-            <a:endParaRPr lang="en-US" altLang="ja-JP" dirty="0"/>
-          </a:p>
-        </p:txBody>
-      </p:sp>
-      <p:sp>
-        <p:nvSpPr>
-          <p:cNvPr id="3" name="コンテンツ プレースホルダー 2">
-            <a:extLst>
-              <a:ext uri="{FF2B5EF4-FFF2-40B4-BE49-F238E27FC236}">
-                <a16:creationId xmlns:a16="http://schemas.microsoft.com/office/drawing/2014/main" id="{6542FA18-B0BE-4A9A-A81C-6917BCE2D0B7}"/>
-              </a:ext>
-            </a:extLst>
-          </p:cNvPr>
-          <p:cNvSpPr>
-            <a:spLocks noGrp="1"/>
-          </p:cNvSpPr>
-          <p:nvPr>
-            <p:ph idx="1"/>
-          </p:nvPr>
-        </p:nvSpPr>
-        <p:spPr>
-          <a:xfrm>
-            <a:off x="0" y="746983"/>
-            <a:ext cx="12192000" cy="5064855"/>
-          </a:xfrm>
-        </p:spPr>
-        <p:txBody>
-          <a:bodyPr/>
-          <a:lstStyle/>
-          <a:p>
-            <a:pPr marL="0" indent="0">
-              <a:buNone/>
-            </a:pPr>
-            <a:r>
-              <a:rPr lang="en-US" altLang="ja-JP" dirty="0"/>
-              <a:t>9</a:t>
-            </a:r>
-            <a:r>
-              <a:rPr lang="ja-JP" altLang="en-US" dirty="0"/>
-              <a:t>月</a:t>
-            </a:r>
-            <a:r>
-              <a:rPr lang="en-US" altLang="ja-JP" dirty="0"/>
-              <a:t>1</a:t>
-            </a:r>
-            <a:r>
-              <a:rPr lang="ja-JP" altLang="en-US" dirty="0"/>
-              <a:t>日傘下の滋賀丸石自転車工業がプライムシステム（現サンライズ・テクノロジー）の出資を得て旧丸石から自転車事業を譲り受けた。</a:t>
-            </a:r>
-            <a:r>
-              <a:rPr lang="en-US" altLang="zh-TW" dirty="0"/>
-              <a:t> 2004</a:t>
-            </a:r>
-            <a:r>
-              <a:rPr lang="ja-JP" altLang="en-US" dirty="0"/>
-              <a:t>年</a:t>
-            </a:r>
-            <a:r>
-              <a:rPr lang="en-US" altLang="ja-JP" dirty="0"/>
-              <a:t>9</a:t>
-            </a:r>
-            <a:r>
-              <a:rPr lang="ja-JP" altLang="en-US" dirty="0"/>
-              <a:t>月</a:t>
-            </a:r>
-            <a:r>
-              <a:rPr lang="en-US" altLang="ja-JP" dirty="0"/>
-              <a:t>4</a:t>
-            </a:r>
-            <a:r>
-              <a:rPr lang="ja-JP" altLang="en-US" dirty="0"/>
-              <a:t>日　監査意見不表明により上場廃止、</a:t>
-            </a:r>
-            <a:r>
-              <a:rPr lang="en-US" altLang="ja-JP" dirty="0"/>
-              <a:t>9</a:t>
-            </a:r>
-            <a:r>
-              <a:rPr lang="ja-JP" altLang="en-US" dirty="0"/>
-              <a:t>月</a:t>
-            </a:r>
-            <a:r>
-              <a:rPr lang="en-US" altLang="ja-JP" dirty="0"/>
-              <a:t>16</a:t>
-            </a:r>
-            <a:r>
-              <a:rPr lang="ja-JP" altLang="en-US" dirty="0"/>
-              <a:t>日銀行取引停止処分を受け丸石</a:t>
-            </a:r>
-            <a:r>
-              <a:rPr lang="en-US" altLang="ja-JP" dirty="0"/>
-              <a:t>HD</a:t>
-            </a:r>
-            <a:r>
-              <a:rPr lang="ja-JP" altLang="en-US" dirty="0"/>
-              <a:t>は事実上の倒産となった。</a:t>
-            </a:r>
-            <a:endParaRPr lang="en-US" altLang="ja-JP" dirty="0"/>
-          </a:p>
-          <a:p>
-            <a:pPr marL="0" indent="0">
-              <a:buNone/>
-            </a:pPr>
-            <a:r>
-              <a:rPr lang="ja-JP" altLang="en-US" dirty="0"/>
-              <a:t>↓</a:t>
-            </a:r>
-            <a:endParaRPr lang="en-US" altLang="ja-JP" dirty="0"/>
-          </a:p>
-          <a:p>
-            <a:pPr marL="0" indent="0">
-              <a:buNone/>
-            </a:pPr>
-            <a:r>
-              <a:rPr lang="ja-JP" altLang="en-US" dirty="0"/>
-              <a:t>法的整理を行っていないため対象企業にならない。しかし、事業の譲渡を行っているほか、銀行取引停止処分を受けており経営は破たんしていたと思われる。</a:t>
-            </a:r>
-            <a:endParaRPr lang="en-US" altLang="ja-JP" dirty="0"/>
-          </a:p>
-          <a:p>
-            <a:pPr marL="0" indent="0">
-              <a:buNone/>
-            </a:pPr>
-            <a:r>
-              <a:rPr lang="ja-JP" altLang="en-US" dirty="0"/>
-              <a:t>→対象企業への追加を検討中</a:t>
-            </a:r>
-            <a:endParaRPr lang="en-US" altLang="ja-JP" dirty="0"/>
-          </a:p>
-          <a:p>
-            <a:pPr marL="0" indent="0">
-              <a:buNone/>
-            </a:pPr>
-            <a:endParaRPr lang="en-US" altLang="ja-JP" dirty="0"/>
-          </a:p>
-        </p:txBody>
-      </p:sp>
-    </p:spTree>
-    <p:extLst>
-      <p:ext uri="{BB962C8B-B14F-4D97-AF65-F5344CB8AC3E}">
-        <p14:creationId xmlns:p14="http://schemas.microsoft.com/office/powerpoint/2010/main" val="217385172"/>
-      </p:ext>
-    </p:extLst>
-  </p:cSld>
-  <p:clrMapOvr>
-    <a:masterClrMapping/>
-  </p:clrMapOvr>
-</p:sld>
-</file>
-
-<file path=ppt/slides/slide23.xml><?xml version="1.0" encoding="utf-8"?>
-<p:sld xmlns:a="http://schemas.openxmlformats.org/drawingml/2006/main" xmlns:r="http://schemas.openxmlformats.org/officeDocument/2006/relationships" xmlns:p="http://schemas.openxmlformats.org/presentationml/2006/main">
-  <p:cSld>
-    <p:spTree>
-      <p:nvGrpSpPr>
-        <p:cNvPr id="1" name=""/>
-        <p:cNvGrpSpPr/>
-        <p:nvPr/>
-      </p:nvGrpSpPr>
-      <p:grpSpPr>
-        <a:xfrm>
-          <a:off x="0" y="0"/>
-          <a:ext cx="0" cy="0"/>
-          <a:chOff x="0" y="0"/>
-          <a:chExt cx="0" cy="0"/>
-        </a:xfrm>
-      </p:grpSpPr>
-      <p:sp>
-        <p:nvSpPr>
-          <p:cNvPr id="2" name="タイトル 1">
-            <a:extLst>
-              <a:ext uri="{FF2B5EF4-FFF2-40B4-BE49-F238E27FC236}">
-                <a16:creationId xmlns:a16="http://schemas.microsoft.com/office/drawing/2014/main" id="{84E76098-5ABF-4709-A130-78345D6144C6}"/>
-              </a:ext>
-            </a:extLst>
-          </p:cNvPr>
-          <p:cNvSpPr>
-            <a:spLocks noGrp="1"/>
-          </p:cNvSpPr>
-          <p:nvPr>
-            <p:ph type="title"/>
-          </p:nvPr>
-        </p:nvSpPr>
-        <p:spPr>
-          <a:xfrm>
-            <a:off x="0" y="0"/>
-            <a:ext cx="12192000" cy="746983"/>
-          </a:xfrm>
-        </p:spPr>
-        <p:txBody>
-          <a:bodyPr>
-            <a:normAutofit/>
-          </a:bodyPr>
-          <a:lstStyle/>
-          <a:p>
-            <a:r>
-              <a:rPr lang="ja-JP" altLang="en-US" dirty="0"/>
-              <a:t>日立造船富岡機械</a:t>
-            </a:r>
-            <a:endParaRPr lang="en-US" altLang="ja-JP" dirty="0"/>
-          </a:p>
-        </p:txBody>
-      </p:sp>
-      <p:sp>
-        <p:nvSpPr>
-          <p:cNvPr id="7" name="コンテンツ プレースホルダー 6">
-            <a:extLst>
-              <a:ext uri="{FF2B5EF4-FFF2-40B4-BE49-F238E27FC236}">
-                <a16:creationId xmlns:a16="http://schemas.microsoft.com/office/drawing/2014/main" id="{FEA305A5-A6FF-45C7-9DDC-3D02030E850F}"/>
-              </a:ext>
-            </a:extLst>
-          </p:cNvPr>
-          <p:cNvSpPr>
-            <a:spLocks noGrp="1"/>
-          </p:cNvSpPr>
-          <p:nvPr>
-            <p:ph idx="1"/>
-          </p:nvPr>
-        </p:nvSpPr>
-        <p:spPr>
-          <a:xfrm>
-            <a:off x="0" y="746983"/>
-            <a:ext cx="12192000" cy="5861222"/>
-          </a:xfrm>
-        </p:spPr>
-        <p:txBody>
-          <a:bodyPr>
-            <a:normAutofit/>
-          </a:bodyPr>
-          <a:lstStyle/>
-          <a:p>
-            <a:pPr marL="0" indent="0">
-              <a:buNone/>
-            </a:pPr>
-            <a:r>
-              <a:rPr lang="ja-JP" altLang="en-US" sz="2400" dirty="0"/>
-              <a:t>富岡機械の主力事業である製紙機械事業を取り巻く環境は、</a:t>
-            </a:r>
-            <a:br>
-              <a:rPr lang="en-US" altLang="ja-JP" sz="2400" dirty="0"/>
-            </a:br>
-            <a:r>
-              <a:rPr lang="ja-JP" altLang="en-US" sz="2400" dirty="0"/>
-              <a:t>①製紙業界の新設抄紙機の設備投資縮小ならびに改良およびメンテナンス中心の市場への移行</a:t>
-            </a:r>
-            <a:br>
-              <a:rPr lang="en-US" altLang="ja-JP" sz="2400" dirty="0"/>
-            </a:br>
-            <a:r>
-              <a:rPr lang="ja-JP" altLang="en-US" sz="2400" dirty="0"/>
-              <a:t>②製紙機械メーカー間の競争激化による受注量および価格の低迷</a:t>
-            </a:r>
-            <a:br>
-              <a:rPr lang="en-US" altLang="ja-JP" sz="2400" dirty="0"/>
-            </a:br>
-            <a:r>
-              <a:rPr lang="ja-JP" altLang="en-US" sz="2400" dirty="0"/>
-              <a:t>③海外市場における現地メーカーおよび欧州勢との競争激化などにより、富岡機械の近年の受注は低迷し、業績不振が続いています。</a:t>
-            </a:r>
-            <a:endParaRPr lang="en-US" altLang="ja-JP" sz="2400" dirty="0"/>
-          </a:p>
-          <a:p>
-            <a:pPr marL="0" indent="0">
-              <a:buNone/>
-            </a:pPr>
-            <a:r>
-              <a:rPr lang="ja-JP" altLang="en-US" sz="2400" dirty="0"/>
-              <a:t>この結果、富岡機械は、平成</a:t>
-            </a:r>
-            <a:r>
-              <a:rPr lang="en-US" altLang="ja-JP" sz="2400" dirty="0"/>
-              <a:t>17</a:t>
-            </a:r>
-            <a:r>
-              <a:rPr lang="ja-JP" altLang="en-US" sz="2400" dirty="0"/>
-              <a:t>年</a:t>
-            </a:r>
-            <a:r>
-              <a:rPr lang="en-US" altLang="ja-JP" sz="2400" dirty="0"/>
-              <a:t>3</a:t>
-            </a:r>
-            <a:r>
-              <a:rPr lang="ja-JP" altLang="en-US" sz="2400" dirty="0"/>
-              <a:t>月期見込みを含めれば、</a:t>
-            </a:r>
-            <a:r>
-              <a:rPr lang="en-US" altLang="ja-JP" sz="2400" dirty="0"/>
-              <a:t>3</a:t>
-            </a:r>
-            <a:r>
-              <a:rPr lang="ja-JP" altLang="en-US" sz="2400" dirty="0"/>
-              <a:t>期連続の損失計上かつ無配となる状況にあります。</a:t>
-            </a:r>
-            <a:r>
-              <a:rPr lang="en-US" altLang="ja-JP" sz="2400" dirty="0"/>
-              <a:t>(</a:t>
-            </a:r>
-            <a:r>
-              <a:rPr lang="ja-JP" altLang="en-US" sz="2400" dirty="0"/>
-              <a:t>中略</a:t>
-            </a:r>
-            <a:r>
-              <a:rPr lang="en-US" altLang="ja-JP" sz="2400" dirty="0"/>
-              <a:t>)</a:t>
-            </a:r>
-          </a:p>
-          <a:p>
-            <a:pPr marL="0" indent="0">
-              <a:buNone/>
-            </a:pPr>
-            <a:r>
-              <a:rPr lang="ja-JP" altLang="en-US" sz="2400" dirty="0"/>
-              <a:t>富岡機械では、以上のような明るい展望を欠く市場動向と現在の同社の経営資源からみて、先行きの経営状況は厳しさを増すのみで、このまま事業を継続した場合、富岡機械の株式価値を減少させるばかりであり、富岡機械の株主その他のステークホルダーにとって最悪の事態に立ち至ることになると判断し、解散の決断を行ったものであります。</a:t>
-            </a:r>
-            <a:endParaRPr lang="en-US" altLang="ja-JP" sz="2400" dirty="0"/>
-          </a:p>
-          <a:p>
-            <a:pPr marL="0" indent="0">
-              <a:buNone/>
-            </a:pPr>
-            <a:endParaRPr lang="en-US" altLang="ja-JP" sz="2400" dirty="0"/>
-          </a:p>
-          <a:p>
-            <a:pPr marL="0" indent="0">
-              <a:buNone/>
-            </a:pPr>
-            <a:r>
-              <a:rPr lang="ja-JP" altLang="en-US" sz="2400" dirty="0"/>
-              <a:t>→他の三社と異なり早い段階で解散しており、対象企業への追加の可能性</a:t>
-            </a:r>
-            <a:br>
-              <a:rPr lang="en-US" altLang="ja-JP" sz="2400" dirty="0"/>
-            </a:br>
-            <a:r>
-              <a:rPr lang="ja-JP" altLang="en-US" sz="2400" dirty="0"/>
-              <a:t>　は薄い。</a:t>
-            </a:r>
-            <a:endParaRPr lang="en-US" altLang="ja-JP" sz="2400" dirty="0"/>
-          </a:p>
-        </p:txBody>
-      </p:sp>
-    </p:spTree>
-    <p:extLst>
-      <p:ext uri="{BB962C8B-B14F-4D97-AF65-F5344CB8AC3E}">
-        <p14:creationId xmlns:p14="http://schemas.microsoft.com/office/powerpoint/2010/main" val="3541657779"/>
       </p:ext>
     </p:extLst>
   </p:cSld>
@@ -14030,6 +14162,642 @@
           <a:lstStyle/>
           <a:p>
             <a:r>
+              <a:rPr kumimoji="1" lang="ja-JP" altLang="en-US" dirty="0"/>
+              <a:t>雪印食品</a:t>
+            </a:r>
+          </a:p>
+        </p:txBody>
+      </p:sp>
+      <p:sp>
+        <p:nvSpPr>
+          <p:cNvPr id="3" name="コンテンツ プレースホルダー 2">
+            <a:extLst>
+              <a:ext uri="{FF2B5EF4-FFF2-40B4-BE49-F238E27FC236}">
+                <a16:creationId xmlns:a16="http://schemas.microsoft.com/office/drawing/2014/main" id="{6542FA18-B0BE-4A9A-A81C-6917BCE2D0B7}"/>
+              </a:ext>
+            </a:extLst>
+          </p:cNvPr>
+          <p:cNvSpPr>
+            <a:spLocks noGrp="1"/>
+          </p:cNvSpPr>
+          <p:nvPr>
+            <p:ph idx="1"/>
+          </p:nvPr>
+        </p:nvSpPr>
+        <p:spPr>
+          <a:xfrm>
+            <a:off x="0" y="746983"/>
+            <a:ext cx="12192000" cy="5469924"/>
+          </a:xfrm>
+        </p:spPr>
+        <p:txBody>
+          <a:bodyPr/>
+          <a:lstStyle/>
+          <a:p>
+            <a:pPr marL="0" indent="0">
+              <a:buNone/>
+            </a:pPr>
+            <a:r>
+              <a:rPr lang="ja-JP" altLang="en-US" dirty="0"/>
+              <a:t>雪印乳業子会社。</a:t>
+            </a:r>
+            <a:endParaRPr lang="zh-TW" altLang="en-US" dirty="0"/>
+          </a:p>
+          <a:p>
+            <a:pPr marL="0" indent="0">
+              <a:buNone/>
+            </a:pPr>
+            <a:r>
+              <a:rPr lang="en-US" altLang="ja-JP" dirty="0"/>
+              <a:t>2001</a:t>
+            </a:r>
+            <a:r>
+              <a:rPr lang="ja-JP" altLang="en-US" dirty="0"/>
+              <a:t>年に牛海綿状脳症（</a:t>
+            </a:r>
+            <a:r>
+              <a:rPr lang="en-US" altLang="ja-JP" dirty="0"/>
+              <a:t>BSE</a:t>
+            </a:r>
+            <a:r>
+              <a:rPr lang="ja-JP" altLang="en-US" dirty="0"/>
+              <a:t>、いわゆる狂牛病）対策を悪用する牛肉産地</a:t>
+            </a:r>
+            <a:br>
+              <a:rPr lang="en-US" altLang="ja-JP" dirty="0"/>
+            </a:br>
+            <a:r>
+              <a:rPr lang="ja-JP" altLang="en-US" dirty="0"/>
+              <a:t>偽装事件（雪印牛肉偽装事件）を起こした。その事件が親会社である雪印乳業の食中毒事件と時期的に重なったため、会社の信用がなくなり経営が破綻、</a:t>
+            </a:r>
+            <a:r>
+              <a:rPr lang="en-US" altLang="ja-JP" dirty="0"/>
+              <a:t>2002</a:t>
+            </a:r>
+            <a:r>
+              <a:rPr lang="ja-JP" altLang="en-US" dirty="0"/>
+              <a:t>年</a:t>
+            </a:r>
+            <a:r>
+              <a:rPr lang="en-US" altLang="ja-JP" dirty="0"/>
+              <a:t>4</a:t>
+            </a:r>
+            <a:r>
+              <a:rPr lang="ja-JP" altLang="en-US" dirty="0"/>
+              <a:t>月廃業・上場廃止、解散。</a:t>
+            </a:r>
+            <a:r>
+              <a:rPr lang="en-US" altLang="ja-JP" dirty="0"/>
+              <a:t>2005</a:t>
+            </a:r>
+            <a:r>
+              <a:rPr lang="ja-JP" altLang="en-US" dirty="0"/>
+              <a:t>年</a:t>
+            </a:r>
+            <a:r>
+              <a:rPr lang="en-US" altLang="ja-JP" dirty="0"/>
+              <a:t>8</a:t>
+            </a:r>
+            <a:r>
+              <a:rPr lang="ja-JP" altLang="en-US" dirty="0"/>
+              <a:t>月</a:t>
+            </a:r>
+            <a:r>
+              <a:rPr lang="en-US" altLang="ja-JP" dirty="0"/>
+              <a:t>12</a:t>
+            </a:r>
+            <a:r>
+              <a:rPr lang="ja-JP" altLang="en-US" dirty="0"/>
+              <a:t>日、清算結了。</a:t>
+            </a:r>
+            <a:endParaRPr lang="en-US" altLang="ja-JP" dirty="0"/>
+          </a:p>
+          <a:p>
+            <a:pPr marL="0" indent="0">
+              <a:buNone/>
+            </a:pPr>
+            <a:r>
+              <a:rPr lang="ja-JP" altLang="en-US" dirty="0"/>
+              <a:t>↓</a:t>
+            </a:r>
+            <a:endParaRPr lang="en-US" altLang="ja-JP" dirty="0"/>
+          </a:p>
+          <a:p>
+            <a:pPr marL="0" indent="0">
+              <a:buNone/>
+            </a:pPr>
+            <a:r>
+              <a:rPr lang="ja-JP" altLang="en-US" dirty="0"/>
+              <a:t>特別清算</a:t>
+            </a:r>
+            <a:r>
+              <a:rPr lang="en-US" altLang="ja-JP" dirty="0"/>
+              <a:t>(</a:t>
+            </a:r>
+            <a:r>
+              <a:rPr lang="ja-JP" altLang="en-US" dirty="0"/>
+              <a:t>倒産</a:t>
+            </a:r>
+            <a:r>
+              <a:rPr lang="en-US" altLang="ja-JP" dirty="0"/>
+              <a:t>)</a:t>
+            </a:r>
+            <a:r>
+              <a:rPr lang="ja-JP" altLang="en-US" dirty="0"/>
+              <a:t>なのか通常清算</a:t>
+            </a:r>
+            <a:r>
+              <a:rPr lang="en-US" altLang="ja-JP" dirty="0"/>
+              <a:t>(</a:t>
+            </a:r>
+            <a:r>
+              <a:rPr lang="ja-JP" altLang="en-US" dirty="0"/>
+              <a:t>廃業</a:t>
+            </a:r>
+            <a:r>
+              <a:rPr lang="en-US" altLang="ja-JP" dirty="0"/>
+              <a:t>)</a:t>
+            </a:r>
+            <a:r>
+              <a:rPr lang="ja-JP" altLang="en-US" dirty="0"/>
+              <a:t>なのかがはっきり分からないため、対象企業になるのか不明確。しかし、親会社の雪印乳業自体が複数の子会社を売却していることからも法的整理と同等と思われる。</a:t>
+            </a:r>
+            <a:endParaRPr lang="en-US" altLang="ja-JP" dirty="0"/>
+          </a:p>
+          <a:p>
+            <a:pPr marL="0" indent="0">
+              <a:buNone/>
+            </a:pPr>
+            <a:r>
+              <a:rPr lang="ja-JP" altLang="en-US" dirty="0"/>
+              <a:t>→対象企業への追加を検討中</a:t>
+            </a:r>
+            <a:endParaRPr lang="en-US" altLang="ja-JP" dirty="0"/>
+          </a:p>
+        </p:txBody>
+      </p:sp>
+    </p:spTree>
+    <p:extLst>
+      <p:ext uri="{BB962C8B-B14F-4D97-AF65-F5344CB8AC3E}">
+        <p14:creationId xmlns:p14="http://schemas.microsoft.com/office/powerpoint/2010/main" val="4277347724"/>
+      </p:ext>
+    </p:extLst>
+  </p:cSld>
+  <p:clrMapOvr>
+    <a:masterClrMapping/>
+  </p:clrMapOvr>
+</p:sld>
+</file>
+
+<file path=ppt/slides/slide25.xml><?xml version="1.0" encoding="utf-8"?>
+<p:sld xmlns:a="http://schemas.openxmlformats.org/drawingml/2006/main" xmlns:r="http://schemas.openxmlformats.org/officeDocument/2006/relationships" xmlns:p="http://schemas.openxmlformats.org/presentationml/2006/main">
+  <p:cSld>
+    <p:spTree>
+      <p:nvGrpSpPr>
+        <p:cNvPr id="1" name=""/>
+        <p:cNvGrpSpPr/>
+        <p:nvPr/>
+      </p:nvGrpSpPr>
+      <p:grpSpPr>
+        <a:xfrm>
+          <a:off x="0" y="0"/>
+          <a:ext cx="0" cy="0"/>
+          <a:chOff x="0" y="0"/>
+          <a:chExt cx="0" cy="0"/>
+        </a:xfrm>
+      </p:grpSpPr>
+      <p:sp>
+        <p:nvSpPr>
+          <p:cNvPr id="2" name="タイトル 1">
+            <a:extLst>
+              <a:ext uri="{FF2B5EF4-FFF2-40B4-BE49-F238E27FC236}">
+                <a16:creationId xmlns:a16="http://schemas.microsoft.com/office/drawing/2014/main" id="{84E76098-5ABF-4709-A130-78345D6144C6}"/>
+              </a:ext>
+            </a:extLst>
+          </p:cNvPr>
+          <p:cNvSpPr>
+            <a:spLocks noGrp="1"/>
+          </p:cNvSpPr>
+          <p:nvPr>
+            <p:ph type="title"/>
+          </p:nvPr>
+        </p:nvSpPr>
+        <p:spPr>
+          <a:xfrm>
+            <a:off x="0" y="0"/>
+            <a:ext cx="12192000" cy="746983"/>
+          </a:xfrm>
+        </p:spPr>
+        <p:txBody>
+          <a:bodyPr>
+            <a:normAutofit/>
+          </a:bodyPr>
+          <a:lstStyle/>
+          <a:p>
+            <a:r>
+              <a:rPr lang="ja-JP" altLang="en-US" dirty="0"/>
+              <a:t>丸石ホールディングス </a:t>
+            </a:r>
+            <a:endParaRPr lang="en-US" altLang="ja-JP" dirty="0"/>
+          </a:p>
+        </p:txBody>
+      </p:sp>
+      <p:sp>
+        <p:nvSpPr>
+          <p:cNvPr id="3" name="コンテンツ プレースホルダー 2">
+            <a:extLst>
+              <a:ext uri="{FF2B5EF4-FFF2-40B4-BE49-F238E27FC236}">
+                <a16:creationId xmlns:a16="http://schemas.microsoft.com/office/drawing/2014/main" id="{6542FA18-B0BE-4A9A-A81C-6917BCE2D0B7}"/>
+              </a:ext>
+            </a:extLst>
+          </p:cNvPr>
+          <p:cNvSpPr>
+            <a:spLocks noGrp="1"/>
+          </p:cNvSpPr>
+          <p:nvPr>
+            <p:ph idx="1"/>
+          </p:nvPr>
+        </p:nvSpPr>
+        <p:spPr>
+          <a:xfrm>
+            <a:off x="0" y="746983"/>
+            <a:ext cx="12192000" cy="5064855"/>
+          </a:xfrm>
+        </p:spPr>
+        <p:txBody>
+          <a:bodyPr/>
+          <a:lstStyle/>
+          <a:p>
+            <a:pPr marL="0" indent="0">
+              <a:buNone/>
+            </a:pPr>
+            <a:r>
+              <a:rPr lang="en-US" altLang="ja-JP" dirty="0"/>
+              <a:t>9</a:t>
+            </a:r>
+            <a:r>
+              <a:rPr lang="ja-JP" altLang="en-US" dirty="0"/>
+              <a:t>月</a:t>
+            </a:r>
+            <a:r>
+              <a:rPr lang="en-US" altLang="ja-JP" dirty="0"/>
+              <a:t>1</a:t>
+            </a:r>
+            <a:r>
+              <a:rPr lang="ja-JP" altLang="en-US" dirty="0"/>
+              <a:t>日傘下の滋賀丸石自転車工業がプライムシステム（現サンライズ・テクノロジー）の出資を得て旧丸石から自転車事業を譲り受けた。</a:t>
+            </a:r>
+            <a:r>
+              <a:rPr lang="en-US" altLang="zh-TW" dirty="0"/>
+              <a:t> 2004</a:t>
+            </a:r>
+            <a:r>
+              <a:rPr lang="ja-JP" altLang="en-US" dirty="0"/>
+              <a:t>年</a:t>
+            </a:r>
+            <a:r>
+              <a:rPr lang="en-US" altLang="ja-JP" dirty="0"/>
+              <a:t>9</a:t>
+            </a:r>
+            <a:r>
+              <a:rPr lang="ja-JP" altLang="en-US" dirty="0"/>
+              <a:t>月</a:t>
+            </a:r>
+            <a:r>
+              <a:rPr lang="en-US" altLang="ja-JP" dirty="0"/>
+              <a:t>4</a:t>
+            </a:r>
+            <a:r>
+              <a:rPr lang="ja-JP" altLang="en-US" dirty="0"/>
+              <a:t>日　監査意見不表明により上場廃止、</a:t>
+            </a:r>
+            <a:r>
+              <a:rPr lang="en-US" altLang="ja-JP" dirty="0"/>
+              <a:t>9</a:t>
+            </a:r>
+            <a:r>
+              <a:rPr lang="ja-JP" altLang="en-US" dirty="0"/>
+              <a:t>月</a:t>
+            </a:r>
+            <a:r>
+              <a:rPr lang="en-US" altLang="ja-JP" dirty="0"/>
+              <a:t>16</a:t>
+            </a:r>
+            <a:r>
+              <a:rPr lang="ja-JP" altLang="en-US" dirty="0"/>
+              <a:t>日銀行取引停止処分を受け丸石</a:t>
+            </a:r>
+            <a:r>
+              <a:rPr lang="en-US" altLang="ja-JP" dirty="0"/>
+              <a:t>HD</a:t>
+            </a:r>
+            <a:r>
+              <a:rPr lang="ja-JP" altLang="en-US" dirty="0"/>
+              <a:t>は事実上の倒産となった。</a:t>
+            </a:r>
+            <a:endParaRPr lang="en-US" altLang="ja-JP" dirty="0"/>
+          </a:p>
+          <a:p>
+            <a:pPr marL="0" indent="0">
+              <a:buNone/>
+            </a:pPr>
+            <a:r>
+              <a:rPr lang="ja-JP" altLang="en-US" dirty="0"/>
+              <a:t>↓</a:t>
+            </a:r>
+            <a:endParaRPr lang="en-US" altLang="ja-JP" dirty="0"/>
+          </a:p>
+          <a:p>
+            <a:pPr marL="0" indent="0">
+              <a:buNone/>
+            </a:pPr>
+            <a:r>
+              <a:rPr lang="ja-JP" altLang="en-US" dirty="0"/>
+              <a:t>法的整理を行っていないため対象企業にならない。しかし、事業の譲渡を行っているほか、銀行取引停止処分を受けており経営は破たんしていたと思われる。</a:t>
+            </a:r>
+            <a:endParaRPr lang="en-US" altLang="ja-JP" dirty="0"/>
+          </a:p>
+          <a:p>
+            <a:pPr marL="0" indent="0">
+              <a:buNone/>
+            </a:pPr>
+            <a:r>
+              <a:rPr lang="ja-JP" altLang="en-US" dirty="0"/>
+              <a:t>→対象企業への追加を検討中</a:t>
+            </a:r>
+            <a:endParaRPr lang="en-US" altLang="ja-JP" dirty="0"/>
+          </a:p>
+          <a:p>
+            <a:pPr marL="0" indent="0">
+              <a:buNone/>
+            </a:pPr>
+            <a:endParaRPr lang="en-US" altLang="ja-JP" dirty="0"/>
+          </a:p>
+        </p:txBody>
+      </p:sp>
+    </p:spTree>
+    <p:extLst>
+      <p:ext uri="{BB962C8B-B14F-4D97-AF65-F5344CB8AC3E}">
+        <p14:creationId xmlns:p14="http://schemas.microsoft.com/office/powerpoint/2010/main" val="217385172"/>
+      </p:ext>
+    </p:extLst>
+  </p:cSld>
+  <p:clrMapOvr>
+    <a:masterClrMapping/>
+  </p:clrMapOvr>
+</p:sld>
+</file>
+
+<file path=ppt/slides/slide26.xml><?xml version="1.0" encoding="utf-8"?>
+<p:sld xmlns:a="http://schemas.openxmlformats.org/drawingml/2006/main" xmlns:r="http://schemas.openxmlformats.org/officeDocument/2006/relationships" xmlns:p="http://schemas.openxmlformats.org/presentationml/2006/main">
+  <p:cSld>
+    <p:spTree>
+      <p:nvGrpSpPr>
+        <p:cNvPr id="1" name=""/>
+        <p:cNvGrpSpPr/>
+        <p:nvPr/>
+      </p:nvGrpSpPr>
+      <p:grpSpPr>
+        <a:xfrm>
+          <a:off x="0" y="0"/>
+          <a:ext cx="0" cy="0"/>
+          <a:chOff x="0" y="0"/>
+          <a:chExt cx="0" cy="0"/>
+        </a:xfrm>
+      </p:grpSpPr>
+      <p:sp>
+        <p:nvSpPr>
+          <p:cNvPr id="2" name="タイトル 1">
+            <a:extLst>
+              <a:ext uri="{FF2B5EF4-FFF2-40B4-BE49-F238E27FC236}">
+                <a16:creationId xmlns:a16="http://schemas.microsoft.com/office/drawing/2014/main" id="{84E76098-5ABF-4709-A130-78345D6144C6}"/>
+              </a:ext>
+            </a:extLst>
+          </p:cNvPr>
+          <p:cNvSpPr>
+            <a:spLocks noGrp="1"/>
+          </p:cNvSpPr>
+          <p:nvPr>
+            <p:ph type="title"/>
+          </p:nvPr>
+        </p:nvSpPr>
+        <p:spPr>
+          <a:xfrm>
+            <a:off x="0" y="0"/>
+            <a:ext cx="12192000" cy="746983"/>
+          </a:xfrm>
+        </p:spPr>
+        <p:txBody>
+          <a:bodyPr>
+            <a:normAutofit/>
+          </a:bodyPr>
+          <a:lstStyle/>
+          <a:p>
+            <a:r>
+              <a:rPr lang="ja-JP" altLang="en-US" dirty="0"/>
+              <a:t>日立造船富岡機械</a:t>
+            </a:r>
+            <a:endParaRPr lang="en-US" altLang="ja-JP" dirty="0"/>
+          </a:p>
+        </p:txBody>
+      </p:sp>
+      <p:sp>
+        <p:nvSpPr>
+          <p:cNvPr id="7" name="コンテンツ プレースホルダー 6">
+            <a:extLst>
+              <a:ext uri="{FF2B5EF4-FFF2-40B4-BE49-F238E27FC236}">
+                <a16:creationId xmlns:a16="http://schemas.microsoft.com/office/drawing/2014/main" id="{FEA305A5-A6FF-45C7-9DDC-3D02030E850F}"/>
+              </a:ext>
+            </a:extLst>
+          </p:cNvPr>
+          <p:cNvSpPr>
+            <a:spLocks noGrp="1"/>
+          </p:cNvSpPr>
+          <p:nvPr>
+            <p:ph idx="1"/>
+          </p:nvPr>
+        </p:nvSpPr>
+        <p:spPr>
+          <a:xfrm>
+            <a:off x="0" y="746983"/>
+            <a:ext cx="12192000" cy="5861222"/>
+          </a:xfrm>
+        </p:spPr>
+        <p:txBody>
+          <a:bodyPr>
+            <a:normAutofit/>
+          </a:bodyPr>
+          <a:lstStyle/>
+          <a:p>
+            <a:pPr marL="0" indent="0">
+              <a:buNone/>
+            </a:pPr>
+            <a:r>
+              <a:rPr lang="ja-JP" altLang="en-US" sz="2400" dirty="0"/>
+              <a:t>富岡機械の主力事業である製紙機械事業を取り巻く環境は、</a:t>
+            </a:r>
+            <a:br>
+              <a:rPr lang="en-US" altLang="ja-JP" sz="2400" dirty="0"/>
+            </a:br>
+            <a:r>
+              <a:rPr lang="ja-JP" altLang="en-US" sz="2400" dirty="0"/>
+              <a:t>①製紙業界の新設抄紙機の設備投資縮小ならびに改良およびメンテナンス中心の市場への移行</a:t>
+            </a:r>
+            <a:br>
+              <a:rPr lang="en-US" altLang="ja-JP" sz="2400" dirty="0"/>
+            </a:br>
+            <a:r>
+              <a:rPr lang="ja-JP" altLang="en-US" sz="2400" dirty="0"/>
+              <a:t>②製紙機械メーカー間の競争激化による受注量および価格の低迷</a:t>
+            </a:r>
+            <a:br>
+              <a:rPr lang="en-US" altLang="ja-JP" sz="2400" dirty="0"/>
+            </a:br>
+            <a:r>
+              <a:rPr lang="ja-JP" altLang="en-US" sz="2400" dirty="0"/>
+              <a:t>③海外市場における現地メーカーおよび欧州勢との競争激化などにより、富岡機械の近年の受注は低迷し、業績不振が続いています。</a:t>
+            </a:r>
+            <a:endParaRPr lang="en-US" altLang="ja-JP" sz="2400" dirty="0"/>
+          </a:p>
+          <a:p>
+            <a:pPr marL="0" indent="0">
+              <a:buNone/>
+            </a:pPr>
+            <a:r>
+              <a:rPr lang="ja-JP" altLang="en-US" sz="2400" dirty="0"/>
+              <a:t>この結果、富岡機械は、平成</a:t>
+            </a:r>
+            <a:r>
+              <a:rPr lang="en-US" altLang="ja-JP" sz="2400" dirty="0"/>
+              <a:t>17</a:t>
+            </a:r>
+            <a:r>
+              <a:rPr lang="ja-JP" altLang="en-US" sz="2400" dirty="0"/>
+              <a:t>年</a:t>
+            </a:r>
+            <a:r>
+              <a:rPr lang="en-US" altLang="ja-JP" sz="2400" dirty="0"/>
+              <a:t>3</a:t>
+            </a:r>
+            <a:r>
+              <a:rPr lang="ja-JP" altLang="en-US" sz="2400" dirty="0"/>
+              <a:t>月期見込みを含めれば、</a:t>
+            </a:r>
+            <a:r>
+              <a:rPr lang="en-US" altLang="ja-JP" sz="2400" dirty="0"/>
+              <a:t>3</a:t>
+            </a:r>
+            <a:r>
+              <a:rPr lang="ja-JP" altLang="en-US" sz="2400" dirty="0"/>
+              <a:t>期連続の損失計上かつ無配となる状況にあります。</a:t>
+            </a:r>
+            <a:r>
+              <a:rPr lang="en-US" altLang="ja-JP" sz="2400" dirty="0"/>
+              <a:t>(</a:t>
+            </a:r>
+            <a:r>
+              <a:rPr lang="ja-JP" altLang="en-US" sz="2400" dirty="0"/>
+              <a:t>中略</a:t>
+            </a:r>
+            <a:r>
+              <a:rPr lang="en-US" altLang="ja-JP" sz="2400" dirty="0"/>
+              <a:t>)</a:t>
+            </a:r>
+          </a:p>
+          <a:p>
+            <a:pPr marL="0" indent="0">
+              <a:buNone/>
+            </a:pPr>
+            <a:r>
+              <a:rPr lang="ja-JP" altLang="en-US" sz="2400" dirty="0"/>
+              <a:t>富岡機械では、以上のような明るい展望を欠く市場動向と現在の同社の経営資源からみて、先行きの経営状況は厳しさを増すのみで、このまま事業を継続した場合、富岡機械の株式価値を減少させるばかりであり、富岡機械の株主その他のステークホルダーにとって最悪の事態に立ち至ることになると判断し、解散の決断を行ったものであります。</a:t>
+            </a:r>
+            <a:endParaRPr lang="en-US" altLang="ja-JP" sz="2400" dirty="0"/>
+          </a:p>
+          <a:p>
+            <a:pPr marL="0" indent="0">
+              <a:buNone/>
+            </a:pPr>
+            <a:endParaRPr lang="en-US" altLang="ja-JP" sz="2400" dirty="0"/>
+          </a:p>
+          <a:p>
+            <a:pPr marL="0" indent="0">
+              <a:buNone/>
+            </a:pPr>
+            <a:r>
+              <a:rPr lang="ja-JP" altLang="en-US" sz="2400" dirty="0"/>
+              <a:t>→他の三社と異なり早い段階で解散しており、対象企業への追加の可能性</a:t>
+            </a:r>
+            <a:br>
+              <a:rPr lang="en-US" altLang="ja-JP" sz="2400" dirty="0"/>
+            </a:br>
+            <a:r>
+              <a:rPr lang="ja-JP" altLang="en-US" sz="2400" dirty="0"/>
+              <a:t>　は薄い。</a:t>
+            </a:r>
+            <a:endParaRPr lang="en-US" altLang="ja-JP" sz="2400" dirty="0"/>
+          </a:p>
+        </p:txBody>
+      </p:sp>
+    </p:spTree>
+    <p:extLst>
+      <p:ext uri="{BB962C8B-B14F-4D97-AF65-F5344CB8AC3E}">
+        <p14:creationId xmlns:p14="http://schemas.microsoft.com/office/powerpoint/2010/main" val="3541657779"/>
+      </p:ext>
+    </p:extLst>
+  </p:cSld>
+  <p:clrMapOvr>
+    <a:masterClrMapping/>
+  </p:clrMapOvr>
+</p:sld>
+</file>
+
+<file path=ppt/slides/slide27.xml><?xml version="1.0" encoding="utf-8"?>
+<p:sld xmlns:a="http://schemas.openxmlformats.org/drawingml/2006/main" xmlns:r="http://schemas.openxmlformats.org/officeDocument/2006/relationships" xmlns:p="http://schemas.openxmlformats.org/presentationml/2006/main">
+  <p:cSld>
+    <p:spTree>
+      <p:nvGrpSpPr>
+        <p:cNvPr id="1" name=""/>
+        <p:cNvGrpSpPr/>
+        <p:nvPr/>
+      </p:nvGrpSpPr>
+      <p:grpSpPr>
+        <a:xfrm>
+          <a:off x="0" y="0"/>
+          <a:ext cx="0" cy="0"/>
+          <a:chOff x="0" y="0"/>
+          <a:chExt cx="0" cy="0"/>
+        </a:xfrm>
+      </p:grpSpPr>
+      <p:sp>
+        <p:nvSpPr>
+          <p:cNvPr id="2" name="タイトル 1">
+            <a:extLst>
+              <a:ext uri="{FF2B5EF4-FFF2-40B4-BE49-F238E27FC236}">
+                <a16:creationId xmlns:a16="http://schemas.microsoft.com/office/drawing/2014/main" id="{84E76098-5ABF-4709-A130-78345D6144C6}"/>
+              </a:ext>
+            </a:extLst>
+          </p:cNvPr>
+          <p:cNvSpPr>
+            <a:spLocks noGrp="1"/>
+          </p:cNvSpPr>
+          <p:nvPr>
+            <p:ph type="title"/>
+          </p:nvPr>
+        </p:nvSpPr>
+        <p:spPr>
+          <a:xfrm>
+            <a:off x="0" y="0"/>
+            <a:ext cx="12192000" cy="746983"/>
+          </a:xfrm>
+        </p:spPr>
+        <p:txBody>
+          <a:bodyPr>
+            <a:normAutofit/>
+          </a:bodyPr>
+          <a:lstStyle/>
+          <a:p>
+            <a:r>
               <a:rPr lang="ja-JP" altLang="en-US" dirty="0"/>
               <a:t>対象とする年代について</a:t>
             </a:r>
@@ -14227,7 +14995,7 @@
 </p:sld>
 </file>
 
-<file path=ppt/slides/slide25.xml><?xml version="1.0" encoding="utf-8"?>
+<file path=ppt/slides/slide28.xml><?xml version="1.0" encoding="utf-8"?>
 <p:sld xmlns:a="http://schemas.openxmlformats.org/drawingml/2006/main" xmlns:r="http://schemas.openxmlformats.org/officeDocument/2006/relationships" xmlns:p="http://schemas.openxmlformats.org/presentationml/2006/main">
   <p:cSld>
     <p:spTree>
@@ -14428,7 +15196,7 @@
 </p:sld>
 </file>
 
-<file path=ppt/slides/slide26.xml><?xml version="1.0" encoding="utf-8"?>
+<file path=ppt/slides/slide29.xml><?xml version="1.0" encoding="utf-8"?>
 <p:sld xmlns:a="http://schemas.openxmlformats.org/drawingml/2006/main" xmlns:r="http://schemas.openxmlformats.org/officeDocument/2006/relationships" xmlns:p="http://schemas.openxmlformats.org/presentationml/2006/main">
   <p:cSld>
     <p:spTree>
@@ -15178,7 +15946,214 @@
 </p:sld>
 </file>
 
-<file path=ppt/slides/slide27.xml><?xml version="1.0" encoding="utf-8"?>
+<file path=ppt/slides/slide3.xml><?xml version="1.0" encoding="utf-8"?>
+<p:sld xmlns:a="http://schemas.openxmlformats.org/drawingml/2006/main" xmlns:r="http://schemas.openxmlformats.org/officeDocument/2006/relationships" xmlns:p="http://schemas.openxmlformats.org/presentationml/2006/main">
+  <p:cSld>
+    <p:spTree>
+      <p:nvGrpSpPr>
+        <p:cNvPr id="1" name=""/>
+        <p:cNvGrpSpPr/>
+        <p:nvPr/>
+      </p:nvGrpSpPr>
+      <p:grpSpPr>
+        <a:xfrm>
+          <a:off x="0" y="0"/>
+          <a:ext cx="0" cy="0"/>
+          <a:chOff x="0" y="0"/>
+          <a:chExt cx="0" cy="0"/>
+        </a:xfrm>
+      </p:grpSpPr>
+      <p:sp>
+        <p:nvSpPr>
+          <p:cNvPr id="2" name="タイトル 1">
+            <a:extLst>
+              <a:ext uri="{FF2B5EF4-FFF2-40B4-BE49-F238E27FC236}">
+                <a16:creationId xmlns:a16="http://schemas.microsoft.com/office/drawing/2014/main" id="{84E76098-5ABF-4709-A130-78345D6144C6}"/>
+              </a:ext>
+            </a:extLst>
+          </p:cNvPr>
+          <p:cNvSpPr>
+            <a:spLocks noGrp="1"/>
+          </p:cNvSpPr>
+          <p:nvPr>
+            <p:ph type="title"/>
+          </p:nvPr>
+        </p:nvSpPr>
+        <p:spPr>
+          <a:xfrm>
+            <a:off x="0" y="0"/>
+            <a:ext cx="10515600" cy="746983"/>
+          </a:xfrm>
+        </p:spPr>
+        <p:txBody>
+          <a:bodyPr/>
+          <a:lstStyle/>
+          <a:p>
+            <a:r>
+              <a:rPr kumimoji="1" lang="ja-JP" altLang="en-US" dirty="0"/>
+              <a:t>アプローチ方法</a:t>
+            </a:r>
+          </a:p>
+        </p:txBody>
+      </p:sp>
+      <p:sp>
+        <p:nvSpPr>
+          <p:cNvPr id="3" name="コンテンツ プレースホルダー 2">
+            <a:extLst>
+              <a:ext uri="{FF2B5EF4-FFF2-40B4-BE49-F238E27FC236}">
+                <a16:creationId xmlns:a16="http://schemas.microsoft.com/office/drawing/2014/main" id="{6542FA18-B0BE-4A9A-A81C-6917BCE2D0B7}"/>
+              </a:ext>
+            </a:extLst>
+          </p:cNvPr>
+          <p:cNvSpPr>
+            <a:spLocks noGrp="1"/>
+          </p:cNvSpPr>
+          <p:nvPr>
+            <p:ph idx="1"/>
+          </p:nvPr>
+        </p:nvSpPr>
+        <p:spPr>
+          <a:xfrm>
+            <a:off x="0" y="746983"/>
+            <a:ext cx="12192000" cy="5064855"/>
+          </a:xfrm>
+        </p:spPr>
+        <p:txBody>
+          <a:bodyPr>
+            <a:normAutofit/>
+          </a:bodyPr>
+          <a:lstStyle/>
+          <a:p>
+            <a:pPr marL="0" indent="0">
+              <a:buNone/>
+            </a:pPr>
+            <a:r>
+              <a:rPr lang="ja-JP" altLang="en-US" dirty="0"/>
+              <a:t>①財務データからアプローチしているもの</a:t>
+            </a:r>
+            <a:endParaRPr lang="en-US" altLang="ja-JP" dirty="0"/>
+          </a:p>
+          <a:p>
+            <a:pPr lvl="1"/>
+            <a:r>
+              <a:rPr lang="ja-JP" altLang="en-US" dirty="0"/>
+              <a:t>一般的な財務諸表分析から</a:t>
+            </a:r>
+            <a:r>
+              <a:rPr lang="en-US" altLang="ja-JP" dirty="0"/>
+              <a:t>(</a:t>
+            </a:r>
+            <a:r>
+              <a:rPr lang="ja-JP" altLang="en-US" dirty="0"/>
+              <a:t>流動比率とか</a:t>
+            </a:r>
+            <a:r>
+              <a:rPr lang="en-US" altLang="ja-JP" dirty="0"/>
+              <a:t>)</a:t>
+            </a:r>
+          </a:p>
+          <a:p>
+            <a:pPr lvl="1"/>
+            <a:r>
+              <a:rPr lang="ja-JP" altLang="en-US" dirty="0"/>
+              <a:t>残余利益など研究者が考案した指標によるもの</a:t>
+            </a:r>
+            <a:endParaRPr lang="en-US" altLang="ja-JP" dirty="0"/>
+          </a:p>
+          <a:p>
+            <a:pPr lvl="1"/>
+            <a:endParaRPr lang="en-US" altLang="ja-JP" dirty="0"/>
+          </a:p>
+          <a:p>
+            <a:pPr marL="0" indent="0">
+              <a:buNone/>
+            </a:pPr>
+            <a:r>
+              <a:rPr lang="ja-JP" altLang="en-US" dirty="0"/>
+              <a:t>②定性的な情報からアプローチしているもの</a:t>
+            </a:r>
+            <a:endParaRPr lang="en-US" altLang="ja-JP" dirty="0"/>
+          </a:p>
+          <a:p>
+            <a:pPr lvl="1"/>
+            <a:r>
+              <a:rPr lang="ja-JP" altLang="en-US" dirty="0"/>
+              <a:t>顧客の減少の有無、新製品の開発を行ったかどうか等　</a:t>
+            </a:r>
+            <a:endParaRPr lang="en-US" altLang="ja-JP" dirty="0"/>
+          </a:p>
+          <a:p>
+            <a:pPr marL="0" indent="0">
+              <a:buNone/>
+            </a:pPr>
+            <a:endParaRPr lang="en-US" altLang="ja-JP" dirty="0"/>
+          </a:p>
+          <a:p>
+            <a:pPr marL="0" indent="0">
+              <a:buNone/>
+            </a:pPr>
+            <a:r>
+              <a:rPr lang="ja-JP" altLang="en-US" dirty="0"/>
+              <a:t>③倒産した企業のみを対象にして比較していく方法、倒産した企業と</a:t>
+            </a:r>
+            <a:br>
+              <a:rPr lang="en-US" altLang="ja-JP" dirty="0"/>
+            </a:br>
+            <a:r>
+              <a:rPr lang="ja-JP" altLang="en-US" dirty="0"/>
+              <a:t>　同様の規模を持つ存続した企業を比較していく方法</a:t>
+            </a:r>
+            <a:endParaRPr lang="en-US" altLang="ja-JP" dirty="0"/>
+          </a:p>
+          <a:p>
+            <a:endParaRPr lang="en-US" altLang="ja-JP" dirty="0"/>
+          </a:p>
+          <a:p>
+            <a:pPr lvl="1"/>
+            <a:endParaRPr lang="en-US" altLang="ja-JP" dirty="0"/>
+          </a:p>
+          <a:p>
+            <a:pPr lvl="1"/>
+            <a:endParaRPr lang="en-US" altLang="ja-JP" dirty="0"/>
+          </a:p>
+          <a:p>
+            <a:pPr lvl="1"/>
+            <a:endParaRPr lang="en-US" altLang="ja-JP" dirty="0"/>
+          </a:p>
+          <a:p>
+            <a:pPr marL="457200" lvl="1" indent="0">
+              <a:buNone/>
+            </a:pPr>
+            <a:endParaRPr lang="en-US" altLang="ja-JP" dirty="0"/>
+          </a:p>
+          <a:p>
+            <a:pPr marL="457200" lvl="1" indent="0">
+              <a:buNone/>
+            </a:pPr>
+            <a:endParaRPr lang="en-US" altLang="ja-JP" dirty="0"/>
+          </a:p>
+          <a:p>
+            <a:pPr marL="457200" lvl="1" indent="0">
+              <a:buNone/>
+            </a:pPr>
+            <a:endParaRPr lang="en-US" altLang="ja-JP" dirty="0"/>
+          </a:p>
+        </p:txBody>
+      </p:sp>
+    </p:spTree>
+    <p:extLst>
+      <p:ext uri="{BB962C8B-B14F-4D97-AF65-F5344CB8AC3E}">
+        <p14:creationId xmlns:p14="http://schemas.microsoft.com/office/powerpoint/2010/main" val="3083241807"/>
+      </p:ext>
+    </p:extLst>
+  </p:cSld>
+  <p:clrMapOvr>
+    <a:masterClrMapping/>
+  </p:clrMapOvr>
+</p:sld>
+</file>
+
+<file path=ppt/slides/slide30.xml><?xml version="1.0" encoding="utf-8"?>
 <p:sld xmlns:a="http://schemas.openxmlformats.org/drawingml/2006/main" xmlns:r="http://schemas.openxmlformats.org/officeDocument/2006/relationships" xmlns:p="http://schemas.openxmlformats.org/presentationml/2006/main">
   <p:cSld>
     <p:spTree>
@@ -15282,7 +16257,7 @@
 </p:sld>
 </file>
 
-<file path=ppt/slides/slide28.xml><?xml version="1.0" encoding="utf-8"?>
+<file path=ppt/slides/slide31.xml><?xml version="1.0" encoding="utf-8"?>
 <p:sld xmlns:a="http://schemas.openxmlformats.org/drawingml/2006/main" xmlns:r="http://schemas.openxmlformats.org/officeDocument/2006/relationships" xmlns:p="http://schemas.openxmlformats.org/presentationml/2006/main">
   <p:cSld>
     <p:spTree>
@@ -15347,7 +16322,7 @@
 </p:sld>
 </file>
 
-<file path=ppt/slides/slide29.xml><?xml version="1.0" encoding="utf-8"?>
+<file path=ppt/slides/slide32.xml><?xml version="1.0" encoding="utf-8"?>
 <p:sld xmlns:a="http://schemas.openxmlformats.org/drawingml/2006/main" xmlns:r="http://schemas.openxmlformats.org/officeDocument/2006/relationships" xmlns:p="http://schemas.openxmlformats.org/presentationml/2006/main">
   <p:cSld>
     <p:spTree>
@@ -15571,142 +16546,7 @@
 </p:sld>
 </file>
 
-<file path=ppt/slides/slide3.xml><?xml version="1.0" encoding="utf-8"?>
-<p:sld xmlns:a="http://schemas.openxmlformats.org/drawingml/2006/main" xmlns:r="http://schemas.openxmlformats.org/officeDocument/2006/relationships" xmlns:p="http://schemas.openxmlformats.org/presentationml/2006/main">
-  <p:cSld>
-    <p:spTree>
-      <p:nvGrpSpPr>
-        <p:cNvPr id="1" name=""/>
-        <p:cNvGrpSpPr/>
-        <p:nvPr/>
-      </p:nvGrpSpPr>
-      <p:grpSpPr>
-        <a:xfrm>
-          <a:off x="0" y="0"/>
-          <a:ext cx="0" cy="0"/>
-          <a:chOff x="0" y="0"/>
-          <a:chExt cx="0" cy="0"/>
-        </a:xfrm>
-      </p:grpSpPr>
-      <p:sp>
-        <p:nvSpPr>
-          <p:cNvPr id="3" name="コンテンツ プレースホルダー 2">
-            <a:extLst>
-              <a:ext uri="{FF2B5EF4-FFF2-40B4-BE49-F238E27FC236}">
-                <a16:creationId xmlns:a16="http://schemas.microsoft.com/office/drawing/2014/main" id="{6542FA18-B0BE-4A9A-A81C-6917BCE2D0B7}"/>
-              </a:ext>
-            </a:extLst>
-          </p:cNvPr>
-          <p:cNvSpPr>
-            <a:spLocks noGrp="1"/>
-          </p:cNvSpPr>
-          <p:nvPr>
-            <p:ph idx="1"/>
-          </p:nvPr>
-        </p:nvSpPr>
-        <p:spPr>
-          <a:xfrm>
-            <a:off x="838200" y="1112108"/>
-            <a:ext cx="10515600" cy="5064855"/>
-          </a:xfrm>
-        </p:spPr>
-        <p:txBody>
-          <a:bodyPr>
-            <a:normAutofit/>
-          </a:bodyPr>
-          <a:lstStyle/>
-          <a:p>
-            <a:pPr marL="0" indent="0">
-              <a:buNone/>
-            </a:pPr>
-            <a:r>
-              <a:rPr lang="ja-JP" altLang="en-US" dirty="0"/>
-              <a:t>今回は、</a:t>
-            </a:r>
-            <a:endParaRPr lang="en-US" altLang="ja-JP" dirty="0"/>
-          </a:p>
-          <a:p>
-            <a:pPr marL="0" indent="0">
-              <a:buNone/>
-            </a:pPr>
-            <a:r>
-              <a:rPr lang="ja-JP" altLang="en-US" dirty="0"/>
-              <a:t>①対象とする企業</a:t>
-            </a:r>
-            <a:endParaRPr lang="en-US" altLang="ja-JP" dirty="0"/>
-          </a:p>
-          <a:p>
-            <a:pPr marL="0" indent="0">
-              <a:buNone/>
-            </a:pPr>
-            <a:r>
-              <a:rPr lang="ja-JP" altLang="en-US" dirty="0"/>
-              <a:t>②倒産とは</a:t>
-            </a:r>
-            <a:endParaRPr lang="en-US" altLang="ja-JP" dirty="0"/>
-          </a:p>
-          <a:p>
-            <a:pPr marL="0" indent="0">
-              <a:buNone/>
-            </a:pPr>
-            <a:r>
-              <a:rPr lang="ja-JP" altLang="en-US" dirty="0"/>
-              <a:t>③対象とする年代</a:t>
-            </a:r>
-            <a:endParaRPr lang="en-US" altLang="ja-JP" dirty="0"/>
-          </a:p>
-          <a:p>
-            <a:pPr marL="0" indent="0">
-              <a:buNone/>
-            </a:pPr>
-            <a:r>
-              <a:rPr lang="ja-JP" altLang="en-US" dirty="0"/>
-              <a:t>④対象とする情報</a:t>
-            </a:r>
-            <a:endParaRPr lang="en-US" altLang="ja-JP" dirty="0"/>
-          </a:p>
-          <a:p>
-            <a:pPr marL="0" indent="0">
-              <a:buNone/>
-            </a:pPr>
-            <a:r>
-              <a:rPr lang="ja-JP" altLang="en-US" dirty="0"/>
-              <a:t>⑤当面の分析対象</a:t>
-            </a:r>
-            <a:endParaRPr lang="en-US" altLang="ja-JP" dirty="0"/>
-          </a:p>
-          <a:p>
-            <a:pPr marL="0" indent="0">
-              <a:buNone/>
-            </a:pPr>
-            <a:r>
-              <a:rPr lang="ja-JP" altLang="en-US" dirty="0"/>
-              <a:t>⑥モデルの構築方法の構想　　　の順番で説明していく</a:t>
-            </a:r>
-            <a:endParaRPr lang="en-US" altLang="ja-JP" dirty="0"/>
-          </a:p>
-          <a:p>
-            <a:pPr marL="0" indent="0">
-              <a:buNone/>
-            </a:pPr>
-            <a:endParaRPr lang="en-US" altLang="ja-JP" dirty="0"/>
-          </a:p>
-        </p:txBody>
-      </p:sp>
-    </p:spTree>
-    <p:extLst>
-      <p:ext uri="{BB962C8B-B14F-4D97-AF65-F5344CB8AC3E}">
-        <p14:creationId xmlns:p14="http://schemas.microsoft.com/office/powerpoint/2010/main" val="1237661953"/>
-      </p:ext>
-    </p:extLst>
-  </p:cSld>
-  <p:clrMapOvr>
-    <a:masterClrMapping/>
-  </p:clrMapOvr>
-</p:sld>
-</file>
-
-<file path=ppt/slides/slide30.xml><?xml version="1.0" encoding="utf-8"?>
+<file path=ppt/slides/slide33.xml><?xml version="1.0" encoding="utf-8"?>
 <p:sld xmlns:a="http://schemas.openxmlformats.org/drawingml/2006/main" xmlns:r="http://schemas.openxmlformats.org/officeDocument/2006/relationships" xmlns:p="http://schemas.openxmlformats.org/presentationml/2006/main">
   <p:cSld>
     <p:spTree>
@@ -15772,7 +16612,189 @@
 </p:sld>
 </file>
 
-<file path=ppt/slides/slide31.xml><?xml version="1.0" encoding="utf-8"?>
+<file path=ppt/slides/slide34.xml><?xml version="1.0" encoding="utf-8"?>
+<p:sld xmlns:a="http://schemas.openxmlformats.org/drawingml/2006/main" xmlns:r="http://schemas.openxmlformats.org/officeDocument/2006/relationships" xmlns:p="http://schemas.openxmlformats.org/presentationml/2006/main">
+  <p:cSld>
+    <p:spTree>
+      <p:nvGrpSpPr>
+        <p:cNvPr id="1" name=""/>
+        <p:cNvGrpSpPr/>
+        <p:nvPr/>
+      </p:nvGrpSpPr>
+      <p:grpSpPr>
+        <a:xfrm>
+          <a:off x="0" y="0"/>
+          <a:ext cx="0" cy="0"/>
+          <a:chOff x="0" y="0"/>
+          <a:chExt cx="0" cy="0"/>
+        </a:xfrm>
+      </p:grpSpPr>
+      <p:sp>
+        <p:nvSpPr>
+          <p:cNvPr id="2" name="タイトル 1">
+            <a:extLst>
+              <a:ext uri="{FF2B5EF4-FFF2-40B4-BE49-F238E27FC236}">
+                <a16:creationId xmlns:a16="http://schemas.microsoft.com/office/drawing/2014/main" id="{FDE14ED7-EB81-4178-9DA2-4B43AF944DBA}"/>
+              </a:ext>
+            </a:extLst>
+          </p:cNvPr>
+          <p:cNvSpPr>
+            <a:spLocks noGrp="1"/>
+          </p:cNvSpPr>
+          <p:nvPr>
+            <p:ph type="title"/>
+          </p:nvPr>
+        </p:nvSpPr>
+        <p:spPr>
+          <a:xfrm>
+            <a:off x="0" y="-316326"/>
+            <a:ext cx="10515600" cy="1325563"/>
+          </a:xfrm>
+        </p:spPr>
+        <p:txBody>
+          <a:bodyPr>
+            <a:normAutofit/>
+          </a:bodyPr>
+          <a:lstStyle/>
+          <a:p>
+            <a:r>
+              <a:rPr kumimoji="1" lang="ja-JP" altLang="en-US" sz="3600" dirty="0"/>
+              <a:t>問題点</a:t>
+            </a:r>
+          </a:p>
+        </p:txBody>
+      </p:sp>
+      <p:sp>
+        <p:nvSpPr>
+          <p:cNvPr id="3" name="コンテンツ プレースホルダー 2">
+            <a:extLst>
+              <a:ext uri="{FF2B5EF4-FFF2-40B4-BE49-F238E27FC236}">
+                <a16:creationId xmlns:a16="http://schemas.microsoft.com/office/drawing/2014/main" id="{E0702E04-45D3-4D58-877D-2F5CF8485D10}"/>
+              </a:ext>
+            </a:extLst>
+          </p:cNvPr>
+          <p:cNvSpPr>
+            <a:spLocks noGrp="1"/>
+          </p:cNvSpPr>
+          <p:nvPr>
+            <p:ph idx="1"/>
+          </p:nvPr>
+        </p:nvSpPr>
+        <p:spPr>
+          <a:xfrm>
+            <a:off x="0" y="962508"/>
+            <a:ext cx="12192000" cy="5895492"/>
+          </a:xfrm>
+        </p:spPr>
+        <p:txBody>
+          <a:bodyPr>
+            <a:normAutofit/>
+          </a:bodyPr>
+          <a:lstStyle/>
+          <a:p>
+            <a:pPr marL="0" indent="0">
+              <a:buNone/>
+            </a:pPr>
+            <a:r>
+              <a:rPr lang="ja-JP" altLang="en-US" dirty="0"/>
+              <a:t>会社や年代によって財務諸表の形式が異なること</a:t>
+            </a:r>
+            <a:endParaRPr lang="en-US" altLang="ja-JP" dirty="0"/>
+          </a:p>
+          <a:p>
+            <a:pPr lvl="1"/>
+            <a:r>
+              <a:rPr lang="ja-JP" altLang="en-US" dirty="0"/>
+              <a:t>例</a:t>
+            </a:r>
+            <a:r>
+              <a:rPr lang="en-US" altLang="ja-JP" dirty="0"/>
+              <a:t>1)</a:t>
+            </a:r>
+            <a:r>
+              <a:rPr lang="ja-JP" altLang="en-US" dirty="0"/>
+              <a:t>有価証券について売買目的株式・その他有価証券・関連会社株式という風に</a:t>
+            </a:r>
+            <a:br>
+              <a:rPr lang="en-US" altLang="ja-JP" dirty="0"/>
+            </a:br>
+            <a:r>
+              <a:rPr lang="ja-JP" altLang="en-US" dirty="0"/>
+              <a:t>　   分類を細かく分けて記載しているパターンと有価証券の</a:t>
+            </a:r>
+            <a:r>
+              <a:rPr lang="en-US" altLang="ja-JP" dirty="0"/>
+              <a:t>1</a:t>
+            </a:r>
+            <a:r>
+              <a:rPr lang="ja-JP" altLang="en-US" dirty="0"/>
+              <a:t>項目のみで記載して</a:t>
+            </a:r>
+            <a:r>
+              <a:rPr lang="en-US" altLang="ja-JP" dirty="0"/>
+              <a:t>		</a:t>
+            </a:r>
+            <a:r>
+              <a:rPr lang="ja-JP" altLang="en-US" dirty="0"/>
+              <a:t>　いる場合がある</a:t>
+            </a:r>
+            <a:endParaRPr lang="en-US" altLang="ja-JP" dirty="0"/>
+          </a:p>
+          <a:p>
+            <a:pPr lvl="1"/>
+            <a:r>
+              <a:rPr lang="ja-JP" altLang="en-US" dirty="0"/>
+              <a:t>例</a:t>
+            </a:r>
+            <a:r>
+              <a:rPr lang="en-US" altLang="ja-JP" dirty="0"/>
+              <a:t>2)</a:t>
+            </a:r>
+            <a:r>
+              <a:rPr lang="ja-JP" altLang="en-US" dirty="0"/>
+              <a:t> 会計処理の方法が微妙に異なることがある</a:t>
+            </a:r>
+            <a:endParaRPr lang="en-US" altLang="ja-JP" dirty="0"/>
+          </a:p>
+          <a:p>
+            <a:pPr lvl="1"/>
+            <a:endParaRPr lang="en-US" altLang="ja-JP" dirty="0"/>
+          </a:p>
+          <a:p>
+            <a:pPr marL="457200" lvl="1" indent="0">
+              <a:buNone/>
+            </a:pPr>
+            <a:r>
+              <a:rPr lang="ja-JP" altLang="en-US" dirty="0"/>
+              <a:t>→主な財務諸表項目についてはチェックを行う</a:t>
+            </a:r>
+            <a:endParaRPr lang="en-US" altLang="ja-JP" dirty="0"/>
+          </a:p>
+          <a:p>
+            <a:pPr marL="457200" lvl="1" indent="0">
+              <a:buNone/>
+            </a:pPr>
+            <a:br>
+              <a:rPr lang="en-US" altLang="ja-JP" dirty="0"/>
+            </a:br>
+            <a:endParaRPr lang="en-US" altLang="ja-JP" dirty="0"/>
+          </a:p>
+        </p:txBody>
+      </p:sp>
+    </p:spTree>
+    <p:extLst>
+      <p:ext uri="{BB962C8B-B14F-4D97-AF65-F5344CB8AC3E}">
+        <p14:creationId xmlns:p14="http://schemas.microsoft.com/office/powerpoint/2010/main" val="3232672473"/>
+      </p:ext>
+    </p:extLst>
+  </p:cSld>
+  <p:clrMapOvr>
+    <a:masterClrMapping/>
+  </p:clrMapOvr>
+</p:sld>
+</file>
+
+<file path=ppt/slides/slide35.xml><?xml version="1.0" encoding="utf-8"?>
 <p:sld xmlns:a="http://schemas.openxmlformats.org/drawingml/2006/main" xmlns:r="http://schemas.openxmlformats.org/officeDocument/2006/relationships" xmlns:p="http://schemas.openxmlformats.org/presentationml/2006/main">
   <p:cSld>
     <p:spTree>
@@ -16020,7 +17042,7 @@
           <p:cNvPr id="2" name="タイトル 1">
             <a:extLst>
               <a:ext uri="{FF2B5EF4-FFF2-40B4-BE49-F238E27FC236}">
-                <a16:creationId xmlns:a16="http://schemas.microsoft.com/office/drawing/2014/main" id="{84E76098-5ABF-4709-A130-78345D6144C6}"/>
+                <a16:creationId xmlns:a16="http://schemas.microsoft.com/office/drawing/2014/main" id="{C0856E33-C0F3-4E49-B344-D7AA60921286}"/>
               </a:ext>
             </a:extLst>
           </p:cNvPr>
@@ -16033,8 +17055,8 @@
         </p:nvSpPr>
         <p:spPr>
           <a:xfrm>
-            <a:off x="0" y="0"/>
-            <a:ext cx="10515600" cy="746983"/>
+            <a:off x="0" y="-310736"/>
+            <a:ext cx="10515600" cy="1325563"/>
           </a:xfrm>
         </p:spPr>
         <p:txBody>
@@ -16042,10 +17064,9 @@
           <a:lstStyle/>
           <a:p>
             <a:r>
-              <a:rPr lang="ja-JP" altLang="en-US" dirty="0"/>
-              <a:t>対象とする企業</a:t>
-            </a:r>
-            <a:endParaRPr kumimoji="1" lang="ja-JP" altLang="en-US" dirty="0"/>
+              <a:rPr kumimoji="1" lang="ja-JP" altLang="en-US" dirty="0"/>
+              <a:t>前回</a:t>
+            </a:r>
           </a:p>
         </p:txBody>
       </p:sp>
@@ -16054,7 +17075,7 @@
           <p:cNvPr id="3" name="コンテンツ プレースホルダー 2">
             <a:extLst>
               <a:ext uri="{FF2B5EF4-FFF2-40B4-BE49-F238E27FC236}">
-                <a16:creationId xmlns:a16="http://schemas.microsoft.com/office/drawing/2014/main" id="{6542FA18-B0BE-4A9A-A81C-6917BCE2D0B7}"/>
+                <a16:creationId xmlns:a16="http://schemas.microsoft.com/office/drawing/2014/main" id="{E6525053-5143-4732-B6DD-1A6640D5BBC4}"/>
               </a:ext>
             </a:extLst>
           </p:cNvPr>
@@ -16067,14 +17088,12 @@
         </p:nvSpPr>
         <p:spPr>
           <a:xfrm>
-            <a:off x="0" y="746983"/>
-            <a:ext cx="12192000" cy="5064855"/>
+            <a:off x="0" y="1149764"/>
+            <a:ext cx="10515600" cy="4351338"/>
           </a:xfrm>
         </p:spPr>
         <p:txBody>
-          <a:bodyPr>
-            <a:normAutofit/>
-          </a:bodyPr>
+          <a:bodyPr/>
           <a:lstStyle/>
           <a:p>
             <a:pPr marL="0" indent="0">
@@ -16082,48 +17101,7 @@
             </a:pPr>
             <a:r>
               <a:rPr lang="ja-JP" altLang="en-US" dirty="0"/>
-              <a:t>①東京証券取引所に上場していた企業</a:t>
-            </a:r>
-            <a:r>
-              <a:rPr lang="en-US" altLang="ja-JP" dirty="0"/>
-              <a:t>(1</a:t>
-            </a:r>
-            <a:r>
-              <a:rPr lang="ja-JP" altLang="en-US" dirty="0"/>
-              <a:t>部</a:t>
-            </a:r>
-            <a:r>
-              <a:rPr lang="en-US" altLang="ja-JP" dirty="0"/>
-              <a:t>,2</a:t>
-            </a:r>
-            <a:r>
-              <a:rPr lang="ja-JP" altLang="en-US" dirty="0"/>
-              <a:t>部</a:t>
-            </a:r>
-            <a:r>
-              <a:rPr lang="en-US" altLang="ja-JP" dirty="0"/>
-              <a:t>,JASDAQ,</a:t>
-            </a:r>
-            <a:r>
-              <a:rPr lang="ja-JP" altLang="en-US" dirty="0"/>
-              <a:t>マザーズ</a:t>
-            </a:r>
-            <a:r>
-              <a:rPr lang="en-US" altLang="ja-JP" dirty="0"/>
-              <a:t>)</a:t>
-            </a:r>
-          </a:p>
-          <a:p>
-            <a:pPr marL="0" indent="0">
-              <a:buNone/>
-            </a:pPr>
-            <a:r>
-              <a:rPr lang="en-US" altLang="ja-JP" dirty="0"/>
-              <a:t>    </a:t>
-            </a:r>
-            <a:r>
-              <a:rPr lang="ja-JP" altLang="en-US" dirty="0"/>
-              <a:t>→上場している企業は財務データの入手が容易であるため</a:t>
+              <a:t>企業の倒産モデルの構築を目指して研究を行っていくことを決定</a:t>
             </a:r>
             <a:endParaRPr lang="en-US" altLang="ja-JP" dirty="0"/>
           </a:p>
@@ -16134,135 +17112,108 @@
             <a:endParaRPr lang="en-US" altLang="ja-JP" dirty="0"/>
           </a:p>
           <a:p>
-            <a:pPr marL="0" indent="0">
-              <a:buNone/>
-            </a:pPr>
-            <a:r>
-              <a:rPr lang="ja-JP" altLang="en-US" dirty="0"/>
-              <a:t>②</a:t>
-            </a:r>
-            <a:r>
-              <a:rPr lang="en-US" altLang="ja-JP" dirty="0"/>
-              <a:t>2000</a:t>
-            </a:r>
-            <a:r>
-              <a:rPr lang="ja-JP" altLang="en-US" dirty="0"/>
-              <a:t>年以降に上場廃止かつ倒産した企業</a:t>
+            <a:r>
+              <a:rPr kumimoji="1" lang="ja-JP" altLang="en-US" dirty="0"/>
+              <a:t>決めなければ</a:t>
+            </a:r>
+            <a:r>
+              <a:rPr kumimoji="1" lang="en-US" altLang="ja-JP" dirty="0"/>
+              <a:t>(</a:t>
+            </a:r>
+            <a:r>
+              <a:rPr kumimoji="1" lang="ja-JP" altLang="en-US" dirty="0"/>
+              <a:t>定義しなければ</a:t>
+            </a:r>
+            <a:r>
+              <a:rPr kumimoji="1" lang="en-US" altLang="ja-JP" dirty="0"/>
+              <a:t>)</a:t>
+            </a:r>
+            <a:r>
+              <a:rPr kumimoji="1" lang="ja-JP" altLang="en-US" dirty="0"/>
+              <a:t>ならないこと</a:t>
+            </a:r>
+            <a:endParaRPr kumimoji="1" lang="en-US" altLang="ja-JP" dirty="0"/>
+          </a:p>
+          <a:p>
+            <a:pPr lvl="1"/>
+            <a:r>
+              <a:rPr lang="ja-JP" altLang="en-US" dirty="0"/>
+              <a:t>倒産とは</a:t>
             </a:r>
             <a:endParaRPr lang="en-US" altLang="ja-JP" dirty="0"/>
           </a:p>
           <a:p>
-            <a:pPr marL="0" indent="0">
-              <a:buNone/>
-            </a:pPr>
-            <a:r>
-              <a:rPr lang="ja-JP" altLang="en-US" dirty="0"/>
-              <a:t>　→倒産に関する法律が関連</a:t>
-            </a:r>
-            <a:r>
-              <a:rPr lang="en-US" altLang="ja-JP" dirty="0"/>
-              <a:t>(</a:t>
-            </a:r>
-            <a:r>
-              <a:rPr lang="ja-JP" altLang="en-US" dirty="0"/>
-              <a:t>後述</a:t>
-            </a:r>
-            <a:r>
-              <a:rPr lang="en-US" altLang="ja-JP" dirty="0"/>
-              <a:t>)</a:t>
-            </a:r>
-          </a:p>
-          <a:p>
-            <a:pPr marL="0" indent="0">
+            <a:pPr lvl="1"/>
+            <a:r>
+              <a:rPr lang="ja-JP" altLang="en-US" dirty="0"/>
+              <a:t>対象とする企業</a:t>
+            </a:r>
+            <a:endParaRPr lang="en-US" altLang="ja-JP" dirty="0"/>
+          </a:p>
+          <a:p>
+            <a:pPr lvl="1"/>
+            <a:r>
+              <a:rPr kumimoji="1" lang="ja-JP" altLang="en-US" dirty="0"/>
+              <a:t>対象とする年代</a:t>
+            </a:r>
+            <a:endParaRPr kumimoji="1" lang="en-US" altLang="ja-JP" dirty="0"/>
+          </a:p>
+          <a:p>
+            <a:pPr lvl="1"/>
+            <a:r>
+              <a:rPr kumimoji="1" lang="ja-JP" altLang="en-US" dirty="0"/>
+              <a:t>対象とする情報</a:t>
+            </a:r>
+            <a:endParaRPr kumimoji="1" lang="en-US" altLang="ja-JP" dirty="0"/>
+          </a:p>
+          <a:p>
+            <a:pPr lvl="1"/>
+            <a:endParaRPr lang="en-US" altLang="ja-JP" dirty="0"/>
+          </a:p>
+          <a:p>
+            <a:pPr lvl="1"/>
+            <a:r>
+              <a:rPr kumimoji="1" lang="ja-JP" altLang="en-US" dirty="0"/>
+              <a:t>当面の分析事項</a:t>
+            </a:r>
+            <a:endParaRPr lang="en-US" altLang="ja-JP" dirty="0"/>
+          </a:p>
+          <a:p>
+            <a:pPr lvl="1"/>
+            <a:r>
+              <a:rPr lang="ja-JP" altLang="en-US" dirty="0"/>
+              <a:t>モデルの構築方法</a:t>
+            </a:r>
+            <a:endParaRPr lang="en-US" altLang="ja-JP" dirty="0"/>
+          </a:p>
+          <a:p>
+            <a:pPr marL="457200" lvl="1" indent="0">
               <a:buNone/>
             </a:pPr>
             <a:endParaRPr lang="en-US" altLang="ja-JP" dirty="0"/>
           </a:p>
           <a:p>
+            <a:pPr marL="457200" lvl="1" indent="0">
+              <a:buNone/>
+            </a:pPr>
+            <a:endParaRPr kumimoji="1" lang="en-US" altLang="ja-JP" dirty="0"/>
+          </a:p>
+          <a:p>
+            <a:pPr lvl="1"/>
+            <a:endParaRPr kumimoji="1" lang="en-US" altLang="ja-JP" dirty="0"/>
+          </a:p>
+          <a:p>
             <a:pPr marL="0" indent="0">
               <a:buNone/>
             </a:pPr>
-            <a:r>
-              <a:rPr lang="ja-JP" altLang="en-US" dirty="0"/>
-              <a:t>③製造業に分類される企業</a:t>
-            </a:r>
-            <a:r>
-              <a:rPr lang="en-US" altLang="ja-JP" dirty="0"/>
-              <a:t>(</a:t>
-            </a:r>
-            <a:r>
-              <a:rPr lang="ja-JP" altLang="en-US" dirty="0"/>
-              <a:t>総務省の日本標準産業分類に基づく</a:t>
-            </a:r>
-            <a:r>
-              <a:rPr lang="en-US" altLang="ja-JP" dirty="0"/>
-              <a:t>)</a:t>
-            </a:r>
-          </a:p>
-          <a:p>
-            <a:pPr marL="0" indent="0">
-              <a:buNone/>
-            </a:pPr>
-            <a:r>
-              <a:rPr lang="en-US" altLang="ja-JP" dirty="0"/>
-              <a:t>    </a:t>
-            </a:r>
-            <a:r>
-              <a:rPr lang="ja-JP" altLang="en-US" dirty="0"/>
-              <a:t>→日本の全上場企業のうち最も多い業種は製造業で</a:t>
-            </a:r>
-            <a:r>
-              <a:rPr lang="en-US" altLang="ja-JP" dirty="0"/>
-              <a:t>41%</a:t>
-            </a:r>
-          </a:p>
-          <a:p>
-            <a:pPr marL="0" indent="0">
-              <a:buNone/>
-            </a:pPr>
-            <a:r>
-              <a:rPr lang="ja-JP" altLang="en-US" dirty="0"/>
-              <a:t>　　</a:t>
-            </a:r>
-            <a:r>
-              <a:rPr lang="en-US" altLang="ja-JP" dirty="0"/>
-              <a:t>2017</a:t>
-            </a:r>
-            <a:r>
-              <a:rPr lang="ja-JP" altLang="en-US" dirty="0"/>
-              <a:t>年にタカタ</a:t>
-            </a:r>
-            <a:r>
-              <a:rPr lang="en-US" altLang="ja-JP" dirty="0"/>
-              <a:t>(7312)</a:t>
-            </a:r>
-            <a:r>
-              <a:rPr lang="ja-JP" altLang="en-US" dirty="0"/>
-              <a:t>が負債総額</a:t>
-            </a:r>
-            <a:r>
-              <a:rPr lang="en-US" altLang="ja-JP" dirty="0"/>
-              <a:t>1</a:t>
-            </a:r>
-            <a:r>
-              <a:rPr lang="ja-JP" altLang="en-US" dirty="0"/>
-              <a:t>兆円を超えて製造業とし　　</a:t>
-            </a:r>
-            <a:br>
-              <a:rPr lang="en-US" altLang="ja-JP" dirty="0"/>
-            </a:br>
-            <a:r>
-              <a:rPr lang="ja-JP" altLang="en-US" dirty="0"/>
-              <a:t>　　ては戦後最大の経営破たんを起こしており、話題性がある</a:t>
-            </a:r>
-            <a:endParaRPr lang="en-US" altLang="ja-JP" dirty="0"/>
+            <a:endParaRPr kumimoji="1" lang="en-US" altLang="ja-JP" dirty="0"/>
           </a:p>
         </p:txBody>
       </p:sp>
     </p:spTree>
     <p:extLst>
       <p:ext uri="{BB962C8B-B14F-4D97-AF65-F5344CB8AC3E}">
-        <p14:creationId xmlns:p14="http://schemas.microsoft.com/office/powerpoint/2010/main" val="1809165108"/>
+        <p14:creationId xmlns:p14="http://schemas.microsoft.com/office/powerpoint/2010/main" val="1836809185"/>
       </p:ext>
     </p:extLst>
   </p:cSld>
@@ -16291,53 +17242,6 @@
       </p:grpSpPr>
       <p:sp>
         <p:nvSpPr>
-          <p:cNvPr id="2" name="タイトル 1">
-            <a:extLst>
-              <a:ext uri="{FF2B5EF4-FFF2-40B4-BE49-F238E27FC236}">
-                <a16:creationId xmlns:a16="http://schemas.microsoft.com/office/drawing/2014/main" id="{84E76098-5ABF-4709-A130-78345D6144C6}"/>
-              </a:ext>
-            </a:extLst>
-          </p:cNvPr>
-          <p:cNvSpPr>
-            <a:spLocks noGrp="1"/>
-          </p:cNvSpPr>
-          <p:nvPr>
-            <p:ph type="title"/>
-          </p:nvPr>
-        </p:nvSpPr>
-        <p:spPr>
-          <a:xfrm>
-            <a:off x="0" y="0"/>
-            <a:ext cx="11036300" cy="1219200"/>
-          </a:xfrm>
-        </p:spPr>
-        <p:txBody>
-          <a:bodyPr>
-            <a:normAutofit/>
-          </a:bodyPr>
-          <a:lstStyle/>
-          <a:p>
-            <a:r>
-              <a:rPr kumimoji="1" lang="en-US" altLang="ja-JP" dirty="0"/>
-              <a:t>(</a:t>
-            </a:r>
-            <a:r>
-              <a:rPr kumimoji="1" lang="ja-JP" altLang="en-US" dirty="0"/>
-              <a:t>参考</a:t>
-            </a:r>
-            <a:r>
-              <a:rPr kumimoji="1" lang="en-US" altLang="ja-JP" dirty="0"/>
-              <a:t>1)</a:t>
-            </a:r>
-            <a:r>
-              <a:rPr kumimoji="1" lang="ja-JP" altLang="en-US" dirty="0"/>
-              <a:t>製造業の範囲</a:t>
-            </a:r>
-          </a:p>
-        </p:txBody>
-      </p:sp>
-      <p:sp>
-        <p:nvSpPr>
           <p:cNvPr id="3" name="コンテンツ プレースホルダー 2">
             <a:extLst>
               <a:ext uri="{FF2B5EF4-FFF2-40B4-BE49-F238E27FC236}">
@@ -16354,234 +17258,97 @@
         </p:nvSpPr>
         <p:spPr>
           <a:xfrm>
-            <a:off x="0" y="1219200"/>
-            <a:ext cx="12192000" cy="5636483"/>
+            <a:off x="838200" y="1112108"/>
+            <a:ext cx="10515600" cy="5064855"/>
           </a:xfrm>
         </p:spPr>
         <p:txBody>
-          <a:bodyPr numCol="3">
+          <a:bodyPr>
             <a:normAutofit/>
           </a:bodyPr>
           <a:lstStyle/>
           <a:p>
-            <a:r>
-              <a:rPr lang="ja-JP" altLang="en-US" sz="2400" dirty="0"/>
-              <a:t>食料品製造業</a:t>
-            </a:r>
-            <a:endParaRPr lang="en-US" altLang="ja-JP" sz="2400" dirty="0"/>
-          </a:p>
-          <a:p>
-            <a:r>
-              <a:rPr lang="ja-JP" altLang="en-US" sz="2400" dirty="0"/>
-              <a:t>飲料・たばこ・飼料製造業</a:t>
-            </a:r>
-          </a:p>
-          <a:p>
-            <a:r>
-              <a:rPr lang="ja-JP" altLang="en-US" sz="2400" dirty="0"/>
-              <a:t>繊維工業</a:t>
-            </a:r>
-          </a:p>
-          <a:p>
-            <a:r>
-              <a:rPr lang="ja-JP" altLang="en-US" sz="2400" dirty="0"/>
-              <a:t>木材・木製品製造業</a:t>
-            </a:r>
-            <a:endParaRPr lang="en-US" altLang="ja-JP" sz="2400" dirty="0"/>
-          </a:p>
-          <a:p>
-            <a:r>
-              <a:rPr lang="ja-JP" altLang="en-US" sz="2400" dirty="0"/>
-              <a:t>家具・装備品製造業</a:t>
-            </a:r>
-          </a:p>
-          <a:p>
-            <a:r>
-              <a:rPr lang="ja-JP" altLang="en-US" sz="2400" dirty="0"/>
-              <a:t>パルプ・紙・紙加工品</a:t>
-            </a:r>
-            <a:br>
-              <a:rPr lang="en-US" altLang="ja-JP" sz="2400" dirty="0"/>
-            </a:br>
-            <a:r>
-              <a:rPr lang="ja-JP" altLang="en-US" sz="2400" dirty="0"/>
-              <a:t>製造業</a:t>
-            </a:r>
-          </a:p>
-          <a:p>
-            <a:r>
-              <a:rPr lang="ja-JP" altLang="en-US" sz="2400" dirty="0"/>
-              <a:t>印刷・同関連業</a:t>
-            </a:r>
-          </a:p>
-          <a:p>
-            <a:r>
-              <a:rPr lang="ja-JP" altLang="en-US" sz="2400" dirty="0"/>
-              <a:t>化学工業</a:t>
-            </a:r>
-            <a:r>
-              <a:rPr lang="en-US" altLang="ja-JP" sz="2400" dirty="0"/>
-              <a:t>(</a:t>
-            </a:r>
-            <a:r>
-              <a:rPr lang="ja-JP" altLang="en-US" sz="2400" dirty="0"/>
-              <a:t>医薬品・化粧品</a:t>
-            </a:r>
-            <a:r>
-              <a:rPr lang="en-US" altLang="ja-JP" sz="2400" dirty="0"/>
-              <a:t>)</a:t>
-            </a:r>
-            <a:endParaRPr lang="ja-JP" altLang="en-US" sz="2400" dirty="0"/>
-          </a:p>
-          <a:p>
-            <a:r>
-              <a:rPr lang="ja-JP" altLang="en-US" sz="2400" dirty="0"/>
-              <a:t>石油製品・石炭製品製造業</a:t>
-            </a:r>
-          </a:p>
-          <a:p>
-            <a:r>
-              <a:rPr lang="ja-JP" altLang="en-US" sz="2400" dirty="0"/>
-              <a:t>プラスチック製品製造業    </a:t>
-            </a:r>
-            <a:endParaRPr lang="en-US" altLang="ja-JP" sz="2400" dirty="0"/>
-          </a:p>
-          <a:p>
-            <a:r>
-              <a:rPr lang="ja-JP" altLang="en-US" sz="2400" dirty="0"/>
-              <a:t>ゴム製品製造業</a:t>
-            </a:r>
-          </a:p>
-          <a:p>
-            <a:r>
-              <a:rPr lang="ja-JP" altLang="en-US" sz="2400" dirty="0"/>
-              <a:t>なめし革・同製品・毛皮</a:t>
-            </a:r>
-            <a:br>
-              <a:rPr lang="en-US" altLang="ja-JP" sz="2400" dirty="0"/>
-            </a:br>
-            <a:r>
-              <a:rPr lang="ja-JP" altLang="en-US" sz="2400" dirty="0"/>
-              <a:t>製造業</a:t>
-            </a:r>
-            <a:endParaRPr lang="en-US" altLang="ja-JP" sz="2400" dirty="0"/>
-          </a:p>
-          <a:p>
-            <a:r>
-              <a:rPr lang="ja-JP" altLang="en-US" sz="2400" dirty="0"/>
-              <a:t>窯業・土石製品製造業</a:t>
-            </a:r>
-          </a:p>
-          <a:p>
-            <a:r>
-              <a:rPr lang="ja-JP" altLang="en-US" sz="2400" dirty="0"/>
-              <a:t>コンクリート製品</a:t>
-            </a:r>
-            <a:endParaRPr lang="en-US" altLang="ja-JP" sz="2400" dirty="0"/>
-          </a:p>
-          <a:p>
-            <a:r>
-              <a:rPr lang="ja-JP" altLang="en-US" sz="2400" dirty="0"/>
-              <a:t> 鉄鋼業</a:t>
-            </a:r>
-          </a:p>
-          <a:p>
-            <a:r>
-              <a:rPr lang="ja-JP" altLang="en-US" sz="2400" dirty="0"/>
-              <a:t> 非鉄金属製造業</a:t>
-            </a:r>
-          </a:p>
-          <a:p>
-            <a:r>
-              <a:rPr lang="ja-JP" altLang="en-US" sz="2400" dirty="0"/>
-              <a:t> 金属製品製造業</a:t>
-            </a:r>
-          </a:p>
-          <a:p>
-            <a:r>
-              <a:rPr lang="ja-JP" altLang="en-US" sz="2400" dirty="0"/>
-              <a:t>はん用機械製造業</a:t>
-            </a:r>
-          </a:p>
-          <a:p>
-            <a:r>
-              <a:rPr lang="ja-JP" altLang="en-US" sz="2400" dirty="0"/>
-              <a:t>生産用機械製造業</a:t>
-            </a:r>
-          </a:p>
-          <a:p>
-            <a:r>
-              <a:rPr lang="ja-JP" altLang="en-US" sz="2400" dirty="0"/>
-              <a:t>業務用機械製造業</a:t>
-            </a:r>
-          </a:p>
-          <a:p>
-            <a:r>
-              <a:rPr lang="ja-JP" altLang="en-US" sz="2400" dirty="0"/>
-              <a:t>電子部品・デバイス・電子回路製造業</a:t>
-            </a:r>
-            <a:endParaRPr lang="en-US" altLang="ja-JP" sz="2400" dirty="0"/>
-          </a:p>
-          <a:p>
-            <a:r>
-              <a:rPr lang="ja-JP" altLang="en-US" sz="2400" dirty="0"/>
-              <a:t>電気機械器具製造業</a:t>
-            </a:r>
-            <a:endParaRPr lang="en-US" altLang="ja-JP" sz="2400" dirty="0"/>
-          </a:p>
-          <a:p>
-            <a:r>
-              <a:rPr lang="ja-JP" altLang="en-US" sz="2400" dirty="0"/>
-              <a:t>情報通信機械器具製造業</a:t>
-            </a:r>
-            <a:endParaRPr lang="en-US" altLang="ja-JP" sz="2400" dirty="0"/>
-          </a:p>
-          <a:p>
-            <a:r>
-              <a:rPr lang="ja-JP" altLang="en-US" sz="2400" dirty="0"/>
-              <a:t>電子デバイス</a:t>
-            </a:r>
-            <a:r>
-              <a:rPr lang="en-US" altLang="ja-JP" sz="2400" dirty="0"/>
-              <a:t>,</a:t>
-            </a:r>
-            <a:r>
-              <a:rPr lang="ja-JP" altLang="en-US" sz="2400" dirty="0"/>
-              <a:t>精密機械</a:t>
-            </a:r>
-            <a:br>
-              <a:rPr lang="en-US" altLang="ja-JP" sz="2400" dirty="0"/>
-            </a:br>
-            <a:r>
-              <a:rPr lang="ja-JP" altLang="en-US" sz="2400" dirty="0"/>
-              <a:t>以外のハードウェア</a:t>
-            </a:r>
-            <a:endParaRPr lang="en-US" altLang="ja-JP" sz="2400" dirty="0"/>
-          </a:p>
-          <a:p>
-            <a:r>
-              <a:rPr lang="ja-JP" altLang="en-US" sz="2400" dirty="0"/>
-              <a:t>輸送用機械器具製造業</a:t>
-            </a:r>
-          </a:p>
-          <a:p>
-            <a:r>
-              <a:rPr lang="ja-JP" altLang="en-US" sz="2400" dirty="0"/>
-              <a:t>その他の製造業</a:t>
-            </a:r>
-          </a:p>
-          <a:p>
             <a:pPr marL="0" indent="0">
               <a:buNone/>
             </a:pPr>
-            <a:endParaRPr lang="ja-JP" altLang="en-US" dirty="0"/>
+            <a:r>
+              <a:rPr lang="ja-JP" altLang="en-US" dirty="0"/>
+              <a:t>今回は、</a:t>
+            </a:r>
+            <a:endParaRPr lang="en-US" altLang="ja-JP" dirty="0"/>
+          </a:p>
+          <a:p>
+            <a:pPr marL="0" indent="0">
+              <a:buNone/>
+            </a:pPr>
+            <a:r>
+              <a:rPr lang="ja-JP" altLang="en-US" dirty="0"/>
+              <a:t>①対象とする企業</a:t>
+            </a:r>
+            <a:endParaRPr lang="en-US" altLang="ja-JP" dirty="0"/>
+          </a:p>
+          <a:p>
+            <a:pPr marL="0" indent="0">
+              <a:buNone/>
+            </a:pPr>
+            <a:r>
+              <a:rPr lang="ja-JP" altLang="en-US" dirty="0"/>
+              <a:t>②倒産とは</a:t>
+            </a:r>
+            <a:endParaRPr lang="en-US" altLang="ja-JP" dirty="0"/>
+          </a:p>
+          <a:p>
+            <a:pPr marL="0" indent="0">
+              <a:buNone/>
+            </a:pPr>
+            <a:r>
+              <a:rPr lang="ja-JP" altLang="en-US" dirty="0"/>
+              <a:t>③対象とする年代</a:t>
+            </a:r>
+            <a:endParaRPr lang="en-US" altLang="ja-JP" dirty="0"/>
+          </a:p>
+          <a:p>
+            <a:pPr marL="0" indent="0">
+              <a:buNone/>
+            </a:pPr>
+            <a:r>
+              <a:rPr lang="ja-JP" altLang="en-US" dirty="0"/>
+              <a:t>④対象とする情報</a:t>
+            </a:r>
+            <a:endParaRPr lang="en-US" altLang="ja-JP" dirty="0"/>
+          </a:p>
+          <a:p>
+            <a:pPr marL="0" indent="0">
+              <a:buNone/>
+            </a:pPr>
+            <a:r>
+              <a:rPr lang="ja-JP" altLang="en-US" dirty="0"/>
+              <a:t>⑤当面の分析対象</a:t>
+            </a:r>
+            <a:endParaRPr lang="en-US" altLang="ja-JP" dirty="0"/>
+          </a:p>
+          <a:p>
+            <a:pPr marL="0" indent="0">
+              <a:buNone/>
+            </a:pPr>
+            <a:r>
+              <a:rPr lang="ja-JP" altLang="en-US" dirty="0"/>
+              <a:t>⑥モデルの構築方法の構想　　　の順番で説明していく</a:t>
+            </a:r>
+            <a:endParaRPr lang="en-US" altLang="ja-JP" dirty="0"/>
+          </a:p>
+          <a:p>
+            <a:pPr marL="0" indent="0">
+              <a:buNone/>
+            </a:pPr>
+            <a:endParaRPr lang="en-US" altLang="ja-JP" dirty="0"/>
           </a:p>
         </p:txBody>
       </p:sp>
     </p:spTree>
     <p:extLst>
       <p:ext uri="{BB962C8B-B14F-4D97-AF65-F5344CB8AC3E}">
-        <p14:creationId xmlns:p14="http://schemas.microsoft.com/office/powerpoint/2010/main" val="1301868170"/>
+        <p14:creationId xmlns:p14="http://schemas.microsoft.com/office/powerpoint/2010/main" val="1237661953"/>
       </p:ext>
     </p:extLst>
   </p:cSld>
@@ -16627,7 +17394,41 @@
         <p:spPr>
           <a:xfrm>
             <a:off x="0" y="0"/>
-            <a:ext cx="11036300" cy="1219200"/>
+            <a:ext cx="10515600" cy="746983"/>
+          </a:xfrm>
+        </p:spPr>
+        <p:txBody>
+          <a:bodyPr/>
+          <a:lstStyle/>
+          <a:p>
+            <a:r>
+              <a:rPr lang="ja-JP" altLang="en-US" dirty="0"/>
+              <a:t>対象とする企業</a:t>
+            </a:r>
+            <a:endParaRPr kumimoji="1" lang="ja-JP" altLang="en-US" dirty="0"/>
+          </a:p>
+        </p:txBody>
+      </p:sp>
+      <p:sp>
+        <p:nvSpPr>
+          <p:cNvPr id="3" name="コンテンツ プレースホルダー 2">
+            <a:extLst>
+              <a:ext uri="{FF2B5EF4-FFF2-40B4-BE49-F238E27FC236}">
+                <a16:creationId xmlns:a16="http://schemas.microsoft.com/office/drawing/2014/main" id="{6542FA18-B0BE-4A9A-A81C-6917BCE2D0B7}"/>
+              </a:ext>
+            </a:extLst>
+          </p:cNvPr>
+          <p:cNvSpPr>
+            <a:spLocks noGrp="1"/>
+          </p:cNvSpPr>
+          <p:nvPr>
+            <p:ph idx="1"/>
+          </p:nvPr>
+        </p:nvSpPr>
+        <p:spPr>
+          <a:xfrm>
+            <a:off x="0" y="746983"/>
+            <a:ext cx="12192000" cy="5983331"/>
           </a:xfrm>
         </p:spPr>
         <p:txBody>
@@ -16636,64 +17437,208 @@
           </a:bodyPr>
           <a:lstStyle/>
           <a:p>
-            <a:r>
-              <a:rPr kumimoji="1" lang="en-US" altLang="ja-JP" dirty="0"/>
+            <a:pPr marL="0" indent="0">
+              <a:buNone/>
+            </a:pPr>
+            <a:r>
+              <a:rPr lang="ja-JP" altLang="en-US" dirty="0"/>
+              <a:t>①東京証券取引所に上場していた企業</a:t>
+            </a:r>
+            <a:r>
+              <a:rPr lang="en-US" altLang="ja-JP" dirty="0"/>
+              <a:t>(1</a:t>
+            </a:r>
+            <a:r>
+              <a:rPr lang="ja-JP" altLang="en-US" dirty="0"/>
+              <a:t>部</a:t>
+            </a:r>
+            <a:r>
+              <a:rPr lang="en-US" altLang="ja-JP" dirty="0"/>
+              <a:t>,2</a:t>
+            </a:r>
+            <a:r>
+              <a:rPr lang="ja-JP" altLang="en-US" dirty="0"/>
+              <a:t>部</a:t>
+            </a:r>
+            <a:r>
+              <a:rPr lang="en-US" altLang="ja-JP" dirty="0"/>
+              <a:t>,JASDAQ,</a:t>
+            </a:r>
+            <a:r>
+              <a:rPr lang="ja-JP" altLang="en-US" dirty="0"/>
+              <a:t>マザーズ</a:t>
+            </a:r>
+            <a:r>
+              <a:rPr lang="en-US" altLang="ja-JP" dirty="0"/>
+              <a:t>)</a:t>
+            </a:r>
+          </a:p>
+          <a:p>
+            <a:pPr marL="0" indent="0">
+              <a:buNone/>
+            </a:pPr>
+            <a:r>
+              <a:rPr lang="en-US" altLang="ja-JP" dirty="0"/>
+              <a:t>    </a:t>
+            </a:r>
+            <a:r>
+              <a:rPr lang="ja-JP" altLang="en-US" dirty="0"/>
+              <a:t>→上場している企業は財務データの入手が容易であるため</a:t>
+            </a:r>
+            <a:endParaRPr lang="en-US" altLang="ja-JP" dirty="0"/>
+          </a:p>
+          <a:p>
+            <a:pPr marL="0" indent="0">
+              <a:buNone/>
+            </a:pPr>
+            <a:endParaRPr lang="en-US" altLang="ja-JP" dirty="0"/>
+          </a:p>
+          <a:p>
+            <a:pPr marL="0" indent="0">
+              <a:buNone/>
+            </a:pPr>
+            <a:r>
+              <a:rPr lang="ja-JP" altLang="en-US" dirty="0"/>
+              <a:t>②</a:t>
+            </a:r>
+            <a:r>
+              <a:rPr lang="en-US" altLang="ja-JP" dirty="0"/>
+              <a:t>2000</a:t>
+            </a:r>
+            <a:r>
+              <a:rPr lang="ja-JP" altLang="en-US" dirty="0"/>
+              <a:t>年以降に上場廃止かつ倒産した企業</a:t>
+            </a:r>
+            <a:endParaRPr lang="en-US" altLang="ja-JP" dirty="0"/>
+          </a:p>
+          <a:p>
+            <a:pPr marL="0" indent="0">
+              <a:buNone/>
+            </a:pPr>
+            <a:r>
+              <a:rPr lang="ja-JP" altLang="en-US" dirty="0"/>
+              <a:t>　→倒産に関する法律が関連</a:t>
+            </a:r>
+            <a:r>
+              <a:rPr lang="en-US" altLang="ja-JP" dirty="0"/>
               <a:t>(</a:t>
             </a:r>
             <a:r>
-              <a:rPr kumimoji="1" lang="ja-JP" altLang="en-US" dirty="0"/>
-              <a:t>参考</a:t>
+              <a:rPr lang="ja-JP" altLang="en-US" dirty="0"/>
+              <a:t>後述</a:t>
             </a:r>
             <a:r>
               <a:rPr lang="en-US" altLang="ja-JP" dirty="0"/>
-              <a:t>2</a:t>
-            </a:r>
-            <a:r>
-              <a:rPr kumimoji="1" lang="en-US" altLang="ja-JP" dirty="0"/>
               <a:t>)</a:t>
             </a:r>
-            <a:r>
-              <a:rPr kumimoji="1" lang="ja-JP" altLang="en-US" dirty="0"/>
-              <a:t>上場企業の業種割合</a:t>
-            </a:r>
+          </a:p>
+          <a:p>
+            <a:pPr marL="0" indent="0">
+              <a:buNone/>
+            </a:pPr>
+            <a:endParaRPr lang="en-US" altLang="ja-JP" dirty="0"/>
+          </a:p>
+          <a:p>
+            <a:pPr marL="0" indent="0">
+              <a:buNone/>
+            </a:pPr>
+            <a:r>
+              <a:rPr lang="ja-JP" altLang="en-US" dirty="0"/>
+              <a:t>③製造業に分類される企業</a:t>
+            </a:r>
+            <a:r>
+              <a:rPr lang="en-US" altLang="ja-JP" dirty="0"/>
+              <a:t>(</a:t>
+            </a:r>
+            <a:r>
+              <a:rPr lang="ja-JP" altLang="en-US" dirty="0"/>
+              <a:t>総務省の日本標準産業分類に基づく</a:t>
+            </a:r>
+            <a:r>
+              <a:rPr lang="en-US" altLang="ja-JP" dirty="0"/>
+              <a:t>)</a:t>
+            </a:r>
+          </a:p>
+          <a:p>
+            <a:pPr marL="0" indent="0">
+              <a:buNone/>
+            </a:pPr>
+            <a:r>
+              <a:rPr lang="en-US" altLang="ja-JP" dirty="0"/>
+              <a:t>    </a:t>
+            </a:r>
+            <a:r>
+              <a:rPr lang="ja-JP" altLang="en-US" dirty="0"/>
+              <a:t>→日本の全上場企業のうち最も多い業種は製造業で</a:t>
+            </a:r>
+            <a:r>
+              <a:rPr lang="en-US" altLang="ja-JP" dirty="0"/>
+              <a:t>41%</a:t>
+            </a:r>
+          </a:p>
+          <a:p>
+            <a:pPr marL="0" indent="0">
+              <a:buNone/>
+            </a:pPr>
+            <a:r>
+              <a:rPr lang="ja-JP" altLang="en-US" dirty="0"/>
+              <a:t>　　</a:t>
+            </a:r>
+            <a:r>
+              <a:rPr lang="en-US" altLang="ja-JP" dirty="0"/>
+              <a:t>2017</a:t>
+            </a:r>
+            <a:r>
+              <a:rPr lang="ja-JP" altLang="en-US" dirty="0"/>
+              <a:t>年にタカタ</a:t>
+            </a:r>
+            <a:r>
+              <a:rPr lang="en-US" altLang="ja-JP" dirty="0"/>
+              <a:t>(7312)</a:t>
+            </a:r>
+            <a:r>
+              <a:rPr lang="ja-JP" altLang="en-US" dirty="0"/>
+              <a:t>が負債総額</a:t>
+            </a:r>
+            <a:r>
+              <a:rPr lang="en-US" altLang="ja-JP" dirty="0"/>
+              <a:t>1</a:t>
+            </a:r>
+            <a:r>
+              <a:rPr lang="ja-JP" altLang="en-US" dirty="0"/>
+              <a:t>兆円を超えて製造業とし　　</a:t>
+            </a:r>
+            <a:br>
+              <a:rPr lang="en-US" altLang="ja-JP" dirty="0"/>
+            </a:br>
+            <a:r>
+              <a:rPr lang="ja-JP" altLang="en-US" dirty="0"/>
+              <a:t>　　ては戦後最大の経営破たんを起こしており、話題性がある</a:t>
+            </a:r>
+            <a:endParaRPr lang="en-US" altLang="ja-JP" dirty="0"/>
+          </a:p>
+          <a:p>
+            <a:pPr marL="0" indent="0">
+              <a:buNone/>
+            </a:pPr>
+            <a:endParaRPr lang="en-US" altLang="ja-JP" dirty="0"/>
+          </a:p>
+          <a:p>
+            <a:pPr marL="0" indent="0">
+              <a:buNone/>
+            </a:pPr>
+            <a:r>
+              <a:rPr lang="ja-JP" altLang="en-US" dirty="0"/>
+              <a:t>④ビジネスモデルによる財務諸表に偏りが比較的でにくい</a:t>
+            </a:r>
+            <a:endParaRPr lang="en-US" altLang="ja-JP" dirty="0"/>
           </a:p>
         </p:txBody>
       </p:sp>
-      <p:graphicFrame>
-        <p:nvGraphicFramePr>
-          <p:cNvPr id="11" name="コンテンツ プレースホルダー 10">
-            <a:extLst>
-              <a:ext uri="{FF2B5EF4-FFF2-40B4-BE49-F238E27FC236}">
-                <a16:creationId xmlns:a16="http://schemas.microsoft.com/office/drawing/2014/main" id="{846626DD-C8BD-43A9-A465-8AD1088D3922}"/>
-              </a:ext>
-            </a:extLst>
-          </p:cNvPr>
-          <p:cNvGraphicFramePr>
-            <a:graphicFrameLocks noGrp="1"/>
-          </p:cNvGraphicFramePr>
-          <p:nvPr>
-            <p:ph idx="1"/>
-            <p:extLst>
-              <p:ext uri="{D42A27DB-BD31-4B8C-83A1-F6EECF244321}">
-                <p14:modId xmlns:p14="http://schemas.microsoft.com/office/powerpoint/2010/main" val="109923663"/>
-              </p:ext>
-            </p:extLst>
-          </p:nvPr>
-        </p:nvGraphicFramePr>
-        <p:xfrm>
-          <a:off x="838200" y="982639"/>
-          <a:ext cx="10515600" cy="5875361"/>
-        </p:xfrm>
-        <a:graphic>
-          <a:graphicData uri="http://schemas.openxmlformats.org/drawingml/2006/chart">
-            <c:chart xmlns:c="http://schemas.openxmlformats.org/drawingml/2006/chart" xmlns:r="http://schemas.openxmlformats.org/officeDocument/2006/relationships" r:id="rId2"/>
-          </a:graphicData>
-        </a:graphic>
-      </p:graphicFrame>
     </p:spTree>
     <p:extLst>
       <p:ext uri="{BB962C8B-B14F-4D97-AF65-F5344CB8AC3E}">
-        <p14:creationId xmlns:p14="http://schemas.microsoft.com/office/powerpoint/2010/main" val="2444170190"/>
+        <p14:creationId xmlns:p14="http://schemas.microsoft.com/office/powerpoint/2010/main" val="1809165108"/>
       </p:ext>
     </p:extLst>
   </p:cSld>
@@ -16725,7 +17670,7 @@
           <p:cNvPr id="2" name="タイトル 1">
             <a:extLst>
               <a:ext uri="{FF2B5EF4-FFF2-40B4-BE49-F238E27FC236}">
-                <a16:creationId xmlns:a16="http://schemas.microsoft.com/office/drawing/2014/main" id="{8B5A7389-141B-4298-A831-4BFD405E0393}"/>
+                <a16:creationId xmlns:a16="http://schemas.microsoft.com/office/drawing/2014/main" id="{84E76098-5ABF-4709-A130-78345D6144C6}"/>
               </a:ext>
             </a:extLst>
           </p:cNvPr>
@@ -16739,7 +17684,7 @@
         <p:spPr>
           <a:xfrm>
             <a:off x="0" y="0"/>
-            <a:ext cx="10515600" cy="730507"/>
+            <a:ext cx="11036300" cy="1219200"/>
           </a:xfrm>
         </p:spPr>
         <p:txBody>
@@ -16749,8 +17694,20 @@
           <a:lstStyle/>
           <a:p>
             <a:r>
+              <a:rPr kumimoji="1" lang="en-US" altLang="ja-JP" dirty="0"/>
+              <a:t>(</a:t>
+            </a:r>
+            <a:r>
               <a:rPr kumimoji="1" lang="ja-JP" altLang="en-US" dirty="0"/>
-              <a:t>倒産とは</a:t>
+              <a:t>参考</a:t>
+            </a:r>
+            <a:r>
+              <a:rPr kumimoji="1" lang="en-US" altLang="ja-JP" dirty="0"/>
+              <a:t>1)</a:t>
+            </a:r>
+            <a:r>
+              <a:rPr kumimoji="1" lang="ja-JP" altLang="en-US" dirty="0"/>
+              <a:t>製造業の範囲</a:t>
             </a:r>
           </a:p>
         </p:txBody>
@@ -16760,7 +17717,7 @@
           <p:cNvPr id="3" name="コンテンツ プレースホルダー 2">
             <a:extLst>
               <a:ext uri="{FF2B5EF4-FFF2-40B4-BE49-F238E27FC236}">
-                <a16:creationId xmlns:a16="http://schemas.microsoft.com/office/drawing/2014/main" id="{9AF6E8AB-948C-4E55-9D2A-BC0B81D0CB8E}"/>
+                <a16:creationId xmlns:a16="http://schemas.microsoft.com/office/drawing/2014/main" id="{6542FA18-B0BE-4A9A-A81C-6917BCE2D0B7}"/>
               </a:ext>
             </a:extLst>
           </p:cNvPr>
@@ -16773,88 +17730,234 @@
         </p:nvSpPr>
         <p:spPr>
           <a:xfrm>
-            <a:off x="0" y="730507"/>
-            <a:ext cx="12192000" cy="5081331"/>
+            <a:off x="0" y="1219200"/>
+            <a:ext cx="12192000" cy="5636483"/>
           </a:xfrm>
         </p:spPr>
         <p:txBody>
-          <a:bodyPr/>
+          <a:bodyPr numCol="3">
+            <a:normAutofit/>
+          </a:bodyPr>
           <a:lstStyle/>
           <a:p>
+            <a:r>
+              <a:rPr lang="ja-JP" altLang="en-US" sz="2400" dirty="0"/>
+              <a:t>食料品製造業</a:t>
+            </a:r>
+            <a:endParaRPr lang="en-US" altLang="ja-JP" sz="2400" dirty="0"/>
+          </a:p>
+          <a:p>
+            <a:r>
+              <a:rPr lang="ja-JP" altLang="en-US" sz="2400" dirty="0"/>
+              <a:t>飲料・たばこ・飼料製造業</a:t>
+            </a:r>
+          </a:p>
+          <a:p>
+            <a:r>
+              <a:rPr lang="ja-JP" altLang="en-US" sz="2400" dirty="0"/>
+              <a:t>繊維工業</a:t>
+            </a:r>
+          </a:p>
+          <a:p>
+            <a:r>
+              <a:rPr lang="ja-JP" altLang="en-US" sz="2400" dirty="0"/>
+              <a:t>木材・木製品製造業</a:t>
+            </a:r>
+            <a:endParaRPr lang="en-US" altLang="ja-JP" sz="2400" dirty="0"/>
+          </a:p>
+          <a:p>
+            <a:r>
+              <a:rPr lang="ja-JP" altLang="en-US" sz="2400" dirty="0"/>
+              <a:t>家具・装備品製造業</a:t>
+            </a:r>
+          </a:p>
+          <a:p>
+            <a:r>
+              <a:rPr lang="ja-JP" altLang="en-US" sz="2400" dirty="0"/>
+              <a:t>パルプ・紙・紙加工品</a:t>
+            </a:r>
+            <a:br>
+              <a:rPr lang="en-US" altLang="ja-JP" sz="2400" dirty="0"/>
+            </a:br>
+            <a:r>
+              <a:rPr lang="ja-JP" altLang="en-US" sz="2400" dirty="0"/>
+              <a:t>製造業</a:t>
+            </a:r>
+          </a:p>
+          <a:p>
+            <a:r>
+              <a:rPr lang="ja-JP" altLang="en-US" sz="2400" dirty="0"/>
+              <a:t>印刷・同関連業</a:t>
+            </a:r>
+          </a:p>
+          <a:p>
+            <a:r>
+              <a:rPr lang="ja-JP" altLang="en-US" sz="2400" dirty="0"/>
+              <a:t>化学工業</a:t>
+            </a:r>
+            <a:r>
+              <a:rPr lang="en-US" altLang="ja-JP" sz="2400" dirty="0"/>
+              <a:t>(</a:t>
+            </a:r>
+            <a:r>
+              <a:rPr lang="ja-JP" altLang="en-US" sz="2400" dirty="0"/>
+              <a:t>医薬品・化粧品</a:t>
+            </a:r>
+            <a:r>
+              <a:rPr lang="en-US" altLang="ja-JP" sz="2400" dirty="0"/>
+              <a:t>)</a:t>
+            </a:r>
+            <a:endParaRPr lang="ja-JP" altLang="en-US" sz="2400" dirty="0"/>
+          </a:p>
+          <a:p>
+            <a:r>
+              <a:rPr lang="ja-JP" altLang="en-US" sz="2400" dirty="0"/>
+              <a:t>石油製品・石炭製品製造業</a:t>
+            </a:r>
+          </a:p>
+          <a:p>
+            <a:r>
+              <a:rPr lang="ja-JP" altLang="en-US" sz="2400" dirty="0"/>
+              <a:t>プラスチック製品製造業    </a:t>
+            </a:r>
+            <a:endParaRPr lang="en-US" altLang="ja-JP" sz="2400" dirty="0"/>
+          </a:p>
+          <a:p>
+            <a:r>
+              <a:rPr lang="ja-JP" altLang="en-US" sz="2400" dirty="0"/>
+              <a:t>ゴム製品製造業</a:t>
+            </a:r>
+          </a:p>
+          <a:p>
+            <a:r>
+              <a:rPr lang="ja-JP" altLang="en-US" sz="2400" dirty="0"/>
+              <a:t>なめし革・同製品・毛皮</a:t>
+            </a:r>
+            <a:br>
+              <a:rPr lang="en-US" altLang="ja-JP" sz="2400" dirty="0"/>
+            </a:br>
+            <a:r>
+              <a:rPr lang="ja-JP" altLang="en-US" sz="2400" dirty="0"/>
+              <a:t>製造業</a:t>
+            </a:r>
+            <a:endParaRPr lang="en-US" altLang="ja-JP" sz="2400" dirty="0"/>
+          </a:p>
+          <a:p>
+            <a:r>
+              <a:rPr lang="ja-JP" altLang="en-US" sz="2400" dirty="0"/>
+              <a:t>窯業・土石製品製造業</a:t>
+            </a:r>
+          </a:p>
+          <a:p>
+            <a:r>
+              <a:rPr lang="ja-JP" altLang="en-US" sz="2400" dirty="0"/>
+              <a:t>コンクリート製品</a:t>
+            </a:r>
+            <a:endParaRPr lang="en-US" altLang="ja-JP" sz="2400" dirty="0"/>
+          </a:p>
+          <a:p>
+            <a:r>
+              <a:rPr lang="ja-JP" altLang="en-US" sz="2400" dirty="0"/>
+              <a:t> 鉄鋼業</a:t>
+            </a:r>
+          </a:p>
+          <a:p>
+            <a:r>
+              <a:rPr lang="ja-JP" altLang="en-US" sz="2400" dirty="0"/>
+              <a:t> 非鉄金属製造業</a:t>
+            </a:r>
+          </a:p>
+          <a:p>
+            <a:r>
+              <a:rPr lang="ja-JP" altLang="en-US" sz="2400" dirty="0"/>
+              <a:t> 金属製品製造業</a:t>
+            </a:r>
+          </a:p>
+          <a:p>
+            <a:r>
+              <a:rPr lang="ja-JP" altLang="en-US" sz="2400" dirty="0"/>
+              <a:t>はん用機械製造業</a:t>
+            </a:r>
+          </a:p>
+          <a:p>
+            <a:r>
+              <a:rPr lang="ja-JP" altLang="en-US" sz="2400" dirty="0"/>
+              <a:t>生産用機械製造業</a:t>
+            </a:r>
+          </a:p>
+          <a:p>
+            <a:r>
+              <a:rPr lang="ja-JP" altLang="en-US" sz="2400" dirty="0"/>
+              <a:t>業務用機械製造業</a:t>
+            </a:r>
+          </a:p>
+          <a:p>
+            <a:r>
+              <a:rPr lang="ja-JP" altLang="en-US" sz="2400" dirty="0"/>
+              <a:t>電子部品・デバイス・電子回路製造業</a:t>
+            </a:r>
+            <a:endParaRPr lang="en-US" altLang="ja-JP" sz="2400" dirty="0"/>
+          </a:p>
+          <a:p>
+            <a:r>
+              <a:rPr lang="ja-JP" altLang="en-US" sz="2400" dirty="0"/>
+              <a:t>電気機械器具製造業</a:t>
+            </a:r>
+            <a:endParaRPr lang="en-US" altLang="ja-JP" sz="2400" dirty="0"/>
+          </a:p>
+          <a:p>
+            <a:r>
+              <a:rPr lang="ja-JP" altLang="en-US" sz="2400" dirty="0"/>
+              <a:t>情報通信機械器具製造業</a:t>
+            </a:r>
+            <a:endParaRPr lang="en-US" altLang="ja-JP" sz="2400" dirty="0"/>
+          </a:p>
+          <a:p>
+            <a:r>
+              <a:rPr lang="ja-JP" altLang="en-US" sz="2400" dirty="0"/>
+              <a:t>電子デバイス</a:t>
+            </a:r>
+            <a:r>
+              <a:rPr lang="en-US" altLang="ja-JP" sz="2400" dirty="0"/>
+              <a:t>,</a:t>
+            </a:r>
+            <a:r>
+              <a:rPr lang="ja-JP" altLang="en-US" sz="2400" dirty="0"/>
+              <a:t>精密機械</a:t>
+            </a:r>
+            <a:br>
+              <a:rPr lang="en-US" altLang="ja-JP" sz="2400" dirty="0"/>
+            </a:br>
+            <a:r>
+              <a:rPr lang="ja-JP" altLang="en-US" sz="2400" dirty="0"/>
+              <a:t>以外のハードウェア</a:t>
+            </a:r>
+            <a:endParaRPr lang="en-US" altLang="ja-JP" sz="2400" dirty="0"/>
+          </a:p>
+          <a:p>
+            <a:r>
+              <a:rPr lang="ja-JP" altLang="en-US" sz="2400" dirty="0"/>
+              <a:t>輸送用機械器具製造業</a:t>
+            </a:r>
+          </a:p>
+          <a:p>
+            <a:r>
+              <a:rPr lang="ja-JP" altLang="en-US" sz="2400" dirty="0"/>
+              <a:t>その他の製造業</a:t>
+            </a:r>
+          </a:p>
+          <a:p>
             <a:pPr marL="0" indent="0">
               <a:buNone/>
             </a:pPr>
-            <a:r>
-              <a:rPr lang="ja-JP" altLang="en-US" dirty="0"/>
-              <a:t>企業が経営に行き詰まり、つぶれること。</a:t>
-            </a:r>
-            <a:br>
-              <a:rPr lang="en-US" altLang="ja-JP" dirty="0"/>
-            </a:br>
-            <a:r>
-              <a:rPr lang="ja-JP" altLang="en-US" dirty="0"/>
-              <a:t>倒産という用語は、専門語のような語感をもっているが、それ自体は</a:t>
-            </a:r>
-            <a:r>
-              <a:rPr lang="ja-JP" altLang="en-US" dirty="0">
-                <a:solidFill>
-                  <a:srgbClr val="FF0000"/>
-                </a:solidFill>
-              </a:rPr>
-              <a:t>法律用語でも経済・経営用語でもなく</a:t>
-            </a:r>
-            <a:r>
-              <a:rPr lang="ja-JP" altLang="en-US" dirty="0"/>
-              <a:t>、企業が経営に行き詰まってつぶれるに至った状況を総称する一般用語にすぎない。</a:t>
-            </a:r>
-            <a:endParaRPr lang="en-US" altLang="ja-JP" dirty="0"/>
-          </a:p>
-          <a:p>
-            <a:pPr marL="0" indent="0" algn="r">
-              <a:buNone/>
-            </a:pPr>
-            <a:r>
-              <a:rPr lang="en-US" altLang="ja-JP" sz="1600" i="1" dirty="0"/>
-              <a:t>-</a:t>
-            </a:r>
-            <a:r>
-              <a:rPr lang="ja-JP" altLang="en-US" sz="1800" i="1" dirty="0"/>
-              <a:t>日本大百科全書</a:t>
-            </a:r>
-            <a:r>
-              <a:rPr lang="en-US" altLang="ja-JP" sz="1800" i="1" dirty="0"/>
-              <a:t>(</a:t>
-            </a:r>
-            <a:r>
-              <a:rPr lang="ja-JP" altLang="en-US" sz="1800" i="1" dirty="0"/>
-              <a:t>ニッポニカ</a:t>
-            </a:r>
-            <a:r>
-              <a:rPr lang="en-US" altLang="ja-JP" sz="1800" i="1" dirty="0"/>
-              <a:t>)</a:t>
-            </a:r>
-            <a:r>
-              <a:rPr lang="ja-JP" altLang="en-US" sz="1800" i="1" dirty="0"/>
-              <a:t>より</a:t>
-            </a:r>
-            <a:endParaRPr lang="en-US" altLang="ja-JP" sz="1800" i="1" dirty="0"/>
-          </a:p>
-          <a:p>
-            <a:pPr marL="0" indent="0">
-              <a:buNone/>
-            </a:pPr>
-            <a:r>
-              <a:rPr lang="ja-JP" altLang="en-US" dirty="0"/>
-              <a:t>　→“倒産“の範囲を決めなければならない</a:t>
-            </a:r>
-            <a:endParaRPr lang="en-US" altLang="ja-JP" dirty="0"/>
+            <a:endParaRPr lang="ja-JP" altLang="en-US" dirty="0"/>
           </a:p>
         </p:txBody>
       </p:sp>
     </p:spTree>
     <p:extLst>
       <p:ext uri="{BB962C8B-B14F-4D97-AF65-F5344CB8AC3E}">
-        <p14:creationId xmlns:p14="http://schemas.microsoft.com/office/powerpoint/2010/main" val="3400625032"/>
+        <p14:creationId xmlns:p14="http://schemas.microsoft.com/office/powerpoint/2010/main" val="1301868170"/>
       </p:ext>
     </p:extLst>
   </p:cSld>
@@ -16900,40 +18003,7 @@
         <p:spPr>
           <a:xfrm>
             <a:off x="0" y="0"/>
-            <a:ext cx="10515600" cy="746983"/>
-          </a:xfrm>
-        </p:spPr>
-        <p:txBody>
-          <a:bodyPr/>
-          <a:lstStyle/>
-          <a:p>
-            <a:r>
-              <a:rPr kumimoji="1" lang="ja-JP" altLang="en-US" dirty="0"/>
-              <a:t>信用調査会社での“倒産”の定義</a:t>
-            </a:r>
-          </a:p>
-        </p:txBody>
-      </p:sp>
-      <p:sp>
-        <p:nvSpPr>
-          <p:cNvPr id="3" name="コンテンツ プレースホルダー 2">
-            <a:extLst>
-              <a:ext uri="{FF2B5EF4-FFF2-40B4-BE49-F238E27FC236}">
-                <a16:creationId xmlns:a16="http://schemas.microsoft.com/office/drawing/2014/main" id="{6542FA18-B0BE-4A9A-A81C-6917BCE2D0B7}"/>
-              </a:ext>
-            </a:extLst>
-          </p:cNvPr>
-          <p:cNvSpPr>
-            <a:spLocks noGrp="1"/>
-          </p:cNvSpPr>
-          <p:nvPr>
-            <p:ph idx="1"/>
-          </p:nvPr>
-        </p:nvSpPr>
-        <p:spPr>
-          <a:xfrm>
-            <a:off x="0" y="746983"/>
-            <a:ext cx="12192000" cy="5064855"/>
+            <a:ext cx="11036300" cy="1219200"/>
           </a:xfrm>
         </p:spPr>
         <p:txBody>
@@ -16943,119 +18013,63 @@
           <a:lstStyle/>
           <a:p>
             <a:r>
-              <a:rPr lang="ja-JP" altLang="en-US" dirty="0"/>
-              <a:t>東京商工リサーチ</a:t>
-            </a:r>
-            <a:r>
-              <a:rPr lang="en-US" altLang="ja-JP" dirty="0"/>
-              <a:t>(TSR)</a:t>
-            </a:r>
-          </a:p>
-          <a:p>
-            <a:pPr marL="0" indent="0">
-              <a:buNone/>
-            </a:pPr>
-            <a:r>
-              <a:rPr lang="ja-JP" altLang="en-US" dirty="0"/>
-              <a:t>「倒産」とは、企業が債務の支払不能に陥ったり、経済活動を続けることが困難になった状態を指す。</a:t>
-            </a:r>
-            <a:br>
-              <a:rPr lang="en-US" altLang="ja-JP" dirty="0"/>
-            </a:br>
-            <a:r>
-              <a:rPr lang="ja-JP" altLang="en-US" dirty="0"/>
-              <a:t>「法的倒産」と「私的倒産」の</a:t>
+              <a:rPr kumimoji="1" lang="en-US" altLang="ja-JP" dirty="0"/>
+              <a:t>(</a:t>
+            </a:r>
+            <a:r>
+              <a:rPr kumimoji="1" lang="ja-JP" altLang="en-US" dirty="0"/>
+              <a:t>参考</a:t>
             </a:r>
             <a:r>
               <a:rPr lang="en-US" altLang="ja-JP" dirty="0"/>
               <a:t>2</a:t>
             </a:r>
             <a:r>
-              <a:rPr lang="ja-JP" altLang="en-US" dirty="0"/>
-              <a:t>つに大別され、「法的倒産」では再建型の「会社更生法」と「民事再生法」、清算型の「破産」と「特別清算」に</a:t>
-            </a:r>
-            <a:r>
-              <a:rPr lang="en-US" altLang="ja-JP" dirty="0"/>
-              <a:t>4</a:t>
-            </a:r>
-            <a:r>
-              <a:rPr lang="ja-JP" altLang="en-US" dirty="0"/>
-              <a:t>分類される。「私的倒産」は、「銀行取引停止」と「内整理」に分けられる。</a:t>
-            </a:r>
-            <a:endParaRPr lang="en-US" altLang="ja-JP" dirty="0"/>
-          </a:p>
-          <a:p>
-            <a:pPr marL="0" indent="0">
-              <a:buNone/>
-            </a:pPr>
-            <a:r>
-              <a:rPr lang="en-US" altLang="ja-JP" dirty="0"/>
-              <a:t> (</a:t>
-            </a:r>
-            <a:r>
-              <a:rPr lang="ja-JP" altLang="en-US" dirty="0"/>
-              <a:t>中略</a:t>
-            </a:r>
-            <a:r>
-              <a:rPr lang="en-US" altLang="ja-JP" dirty="0"/>
+              <a:rPr kumimoji="1" lang="en-US" altLang="ja-JP" dirty="0"/>
               <a:t>)</a:t>
             </a:r>
-          </a:p>
-          <a:p>
-            <a:pPr marL="0" indent="0">
-              <a:buNone/>
-            </a:pPr>
-            <a:r>
-              <a:rPr lang="ja-JP" altLang="en-US" dirty="0"/>
-              <a:t>東京商工リサーチは</a:t>
-            </a:r>
-            <a:r>
-              <a:rPr lang="en-US" altLang="ja-JP" dirty="0"/>
-              <a:t>1952</a:t>
-            </a:r>
-            <a:r>
-              <a:rPr lang="ja-JP" altLang="en-US" dirty="0"/>
-              <a:t>年に「全国倒産動向」の集計を開始以来、一貫して法的倒産と私的倒産を集計し、毎月発表している</a:t>
-            </a:r>
-            <a:endParaRPr lang="en-US" altLang="ja-JP" dirty="0"/>
-          </a:p>
-          <a:p>
-            <a:pPr marL="0" indent="0" algn="r">
-              <a:buNone/>
-            </a:pPr>
-            <a:r>
-              <a:rPr lang="en-US" altLang="ja-JP" sz="1800" dirty="0"/>
-              <a:t>-</a:t>
-            </a:r>
-            <a:r>
-              <a:rPr lang="ja-JP" altLang="en-US" sz="1800" dirty="0"/>
-              <a:t>東京商工リサーチ</a:t>
-            </a:r>
-            <a:r>
-              <a:rPr lang="en-US" altLang="ja-JP" sz="1800" dirty="0"/>
-              <a:t>HP</a:t>
-            </a:r>
-            <a:r>
-              <a:rPr lang="ja-JP" altLang="en-US" sz="1800" dirty="0"/>
-              <a:t>より引用</a:t>
-            </a:r>
-            <a:endParaRPr lang="en-US" altLang="ja-JP" sz="1800" dirty="0"/>
-          </a:p>
-          <a:p>
-            <a:pPr marL="0" indent="0">
-              <a:buNone/>
-            </a:pPr>
-            <a:endParaRPr lang="en-US" altLang="ja-JP" dirty="0"/>
-          </a:p>
-          <a:p>
-            <a:endParaRPr lang="en-US" altLang="ja-JP" dirty="0"/>
+            <a:r>
+              <a:rPr kumimoji="1" lang="ja-JP" altLang="en-US" dirty="0"/>
+              <a:t>上場企業の業種割合</a:t>
+            </a:r>
           </a:p>
         </p:txBody>
       </p:sp>
+      <p:graphicFrame>
+        <p:nvGraphicFramePr>
+          <p:cNvPr id="11" name="コンテンツ プレースホルダー 10">
+            <a:extLst>
+              <a:ext uri="{FF2B5EF4-FFF2-40B4-BE49-F238E27FC236}">
+                <a16:creationId xmlns:a16="http://schemas.microsoft.com/office/drawing/2014/main" id="{846626DD-C8BD-43A9-A465-8AD1088D3922}"/>
+              </a:ext>
+            </a:extLst>
+          </p:cNvPr>
+          <p:cNvGraphicFramePr>
+            <a:graphicFrameLocks noGrp="1"/>
+          </p:cNvGraphicFramePr>
+          <p:nvPr>
+            <p:ph idx="1"/>
+            <p:extLst>
+              <p:ext uri="{D42A27DB-BD31-4B8C-83A1-F6EECF244321}">
+                <p14:modId xmlns:p14="http://schemas.microsoft.com/office/powerpoint/2010/main" val="109923663"/>
+              </p:ext>
+            </p:extLst>
+          </p:nvPr>
+        </p:nvGraphicFramePr>
+        <p:xfrm>
+          <a:off x="838200" y="982639"/>
+          <a:ext cx="10515600" cy="5875361"/>
+        </p:xfrm>
+        <a:graphic>
+          <a:graphicData uri="http://schemas.openxmlformats.org/drawingml/2006/chart">
+            <c:chart xmlns:c="http://schemas.openxmlformats.org/drawingml/2006/chart" xmlns:r="http://schemas.openxmlformats.org/officeDocument/2006/relationships" r:id="rId2"/>
+          </a:graphicData>
+        </a:graphic>
+      </p:graphicFrame>
     </p:spTree>
     <p:extLst>
       <p:ext uri="{BB962C8B-B14F-4D97-AF65-F5344CB8AC3E}">
-        <p14:creationId xmlns:p14="http://schemas.microsoft.com/office/powerpoint/2010/main" val="3111322397"/>
+        <p14:creationId xmlns:p14="http://schemas.microsoft.com/office/powerpoint/2010/main" val="2444170190"/>
       </p:ext>
     </p:extLst>
   </p:cSld>
@@ -17109,9 +18123,18 @@
           <a:lstStyle/>
           <a:p>
             <a:r>
+              <a:rPr kumimoji="1" lang="en-US" altLang="ja-JP" dirty="0"/>
+              <a:t>(</a:t>
+            </a:r>
+            <a:r>
               <a:rPr kumimoji="1" lang="ja-JP" altLang="en-US" dirty="0"/>
-              <a:t>信用調査会社での“倒産”の定義</a:t>
-            </a:r>
+              <a:t>参考</a:t>
+            </a:r>
+            <a:r>
+              <a:rPr kumimoji="1" lang="en-US" altLang="ja-JP" dirty="0"/>
+              <a:t>3)</a:t>
+            </a:r>
+            <a:endParaRPr kumimoji="1" lang="ja-JP" altLang="en-US" dirty="0"/>
           </a:p>
         </p:txBody>
       </p:sp>
@@ -17134,7 +18157,7 @@
         <p:spPr>
           <a:xfrm>
             <a:off x="0" y="746983"/>
-            <a:ext cx="12192000" cy="5064855"/>
+            <a:ext cx="12192000" cy="5983331"/>
           </a:xfrm>
         </p:spPr>
         <p:txBody>
@@ -17143,147 +18166,513 @@
           </a:bodyPr>
           <a:lstStyle/>
           <a:p>
-            <a:r>
-              <a:rPr lang="ja-JP" altLang="en-US" dirty="0"/>
-              <a:t>帝国データバンク</a:t>
+            <a:pPr marL="0" indent="0">
+              <a:buNone/>
+            </a:pPr>
+            <a:r>
+              <a:rPr lang="ja-JP" altLang="en-US" dirty="0"/>
+              <a:t>サービス業のコメダ</a:t>
             </a:r>
             <a:r>
               <a:rPr lang="en-US" altLang="ja-JP" dirty="0"/>
-              <a:t>(TDB)</a:t>
-            </a:r>
-          </a:p>
-          <a:p>
-            <a:r>
-              <a:rPr lang="ja-JP" altLang="en-US" dirty="0"/>
-              <a:t>一般的には「企業経営が行き詰まり、弁済しなければならない債務が弁済できなくなった状態」を指します。具体的には、以下に挙げる</a:t>
+              <a:t>HD</a:t>
+            </a:r>
+            <a:r>
+              <a:rPr lang="ja-JP" altLang="en-US" dirty="0"/>
+              <a:t>とドトール</a:t>
             </a:r>
             <a:r>
               <a:rPr lang="en-US" altLang="ja-JP" dirty="0"/>
-              <a:t>6</a:t>
-            </a:r>
-            <a:r>
-              <a:rPr lang="ja-JP" altLang="en-US" dirty="0"/>
-              <a:t>つのケースのいずれかに該当すると認められた場合を「倒産」と定めます。</a:t>
-            </a:r>
+              <a:t>HD</a:t>
+            </a:r>
+            <a:r>
+              <a:rPr lang="ja-JP" altLang="en-US" dirty="0"/>
+              <a:t>の場合</a:t>
+            </a:r>
+            <a:endParaRPr lang="en-US" altLang="ja-JP" dirty="0"/>
           </a:p>
           <a:p>
             <a:pPr marL="0" indent="0">
               <a:buNone/>
             </a:pPr>
+            <a:endParaRPr lang="en-US" altLang="ja-JP" dirty="0"/>
+          </a:p>
+          <a:p>
+            <a:pPr marL="0" indent="0">
+              <a:buNone/>
+            </a:pPr>
+            <a:endParaRPr lang="en-US" altLang="ja-JP" dirty="0"/>
+          </a:p>
+          <a:p>
+            <a:pPr marL="0" indent="0">
+              <a:buNone/>
+            </a:pPr>
+            <a:endParaRPr lang="en-US" altLang="ja-JP" dirty="0"/>
+          </a:p>
+          <a:p>
+            <a:pPr marL="0" indent="0">
+              <a:buNone/>
+            </a:pPr>
+            <a:endParaRPr lang="en-US" altLang="ja-JP" dirty="0"/>
+          </a:p>
+          <a:p>
+            <a:pPr marL="0" indent="0">
+              <a:buNone/>
+            </a:pPr>
+            <a:endParaRPr lang="en-US" altLang="ja-JP" dirty="0"/>
+          </a:p>
+          <a:p>
+            <a:pPr marL="0" indent="0">
+              <a:buNone/>
+            </a:pPr>
+            <a:r>
+              <a:rPr lang="ja-JP" altLang="en-US" dirty="0"/>
+              <a:t>同じ喫茶店チェーンであるのに売上高営業利益率に大きな差があるのか？</a:t>
+            </a:r>
+            <a:endParaRPr lang="en-US" altLang="ja-JP" dirty="0"/>
+          </a:p>
+          <a:p>
+            <a:pPr marL="0" indent="0">
+              <a:buNone/>
+            </a:pPr>
+            <a:r>
+              <a:rPr lang="ja-JP" altLang="en-US" dirty="0"/>
+              <a:t>→コメダ</a:t>
+            </a:r>
             <a:r>
               <a:rPr lang="en-US" altLang="ja-JP" dirty="0"/>
-              <a:t>1 </a:t>
-            </a:r>
-            <a:r>
-              <a:rPr lang="ja-JP" altLang="en-US" dirty="0"/>
-              <a:t>銀行取引停止処分を受ける</a:t>
+              <a:t>HD</a:t>
+            </a:r>
+            <a:r>
+              <a:rPr lang="ja-JP" altLang="en-US" dirty="0"/>
+              <a:t>のフランチャイズ比率は約</a:t>
+            </a:r>
+            <a:r>
+              <a:rPr lang="en-US" altLang="ja-JP" dirty="0"/>
+              <a:t>98%</a:t>
+            </a:r>
+            <a:r>
+              <a:rPr lang="ja-JP" altLang="en-US" dirty="0"/>
+              <a:t>、コメダ</a:t>
+            </a:r>
+            <a:r>
+              <a:rPr lang="en-US" altLang="ja-JP" dirty="0"/>
+              <a:t>HD</a:t>
+            </a:r>
+            <a:r>
+              <a:rPr lang="ja-JP" altLang="en-US" dirty="0"/>
+              <a:t>は約</a:t>
+            </a:r>
+            <a:r>
+              <a:rPr lang="en-US" altLang="ja-JP" dirty="0"/>
+              <a:t>83%</a:t>
+            </a:r>
+          </a:p>
+          <a:p>
+            <a:pPr marL="0" indent="0">
+              <a:buNone/>
+            </a:pPr>
+            <a:r>
+              <a:rPr lang="en-US" altLang="ja-JP" dirty="0"/>
+              <a:t>    </a:t>
+            </a:r>
+            <a:r>
+              <a:rPr lang="ja-JP" altLang="en-US" dirty="0"/>
+              <a:t>コメダ</a:t>
+            </a:r>
+            <a:r>
+              <a:rPr lang="en-US" altLang="ja-JP" dirty="0"/>
+              <a:t>HD</a:t>
+            </a:r>
+            <a:r>
+              <a:rPr lang="ja-JP" altLang="en-US" dirty="0"/>
+              <a:t>はフランチャイズへの食材等の卸売収入が主な収益源</a:t>
+            </a:r>
+            <a:r>
+              <a:rPr lang="en-US" altLang="ja-JP" dirty="0"/>
+              <a:t>(</a:t>
+            </a:r>
+            <a:r>
+              <a:rPr lang="ja-JP" altLang="en-US" dirty="0"/>
+              <a:t>利益率</a:t>
             </a:r>
             <a:br>
               <a:rPr lang="en-US" altLang="ja-JP" dirty="0"/>
             </a:br>
             <a:r>
+              <a:rPr lang="ja-JP" altLang="en-US" dirty="0"/>
+              <a:t>    が高い）。一方コメダ</a:t>
+            </a:r>
+            <a:r>
               <a:rPr lang="en-US" altLang="ja-JP" dirty="0"/>
-              <a:t>2 </a:t>
-            </a:r>
-            <a:r>
-              <a:rPr lang="ja-JP" altLang="en-US" dirty="0"/>
-              <a:t>内整理する（代表が倒産を認めた時）</a:t>
+              <a:t>HD</a:t>
+            </a:r>
+            <a:r>
+              <a:rPr lang="ja-JP" altLang="en-US" dirty="0"/>
+              <a:t>は直営店の減価償却費や販管費がかかるため営</a:t>
             </a:r>
             <a:br>
               <a:rPr lang="en-US" altLang="ja-JP" dirty="0"/>
             </a:br>
             <a:r>
-              <a:rPr lang="en-US" altLang="ja-JP" dirty="0"/>
-              <a:t>3 </a:t>
-            </a:r>
-            <a:r>
-              <a:rPr lang="ja-JP" altLang="en-US" dirty="0"/>
-              <a:t>裁判所に会社更生手続開始を申請する</a:t>
-            </a:r>
-            <a:br>
-              <a:rPr lang="en-US" altLang="ja-JP" dirty="0"/>
-            </a:br>
-            <a:r>
-              <a:rPr lang="en-US" altLang="ja-JP" dirty="0"/>
-              <a:t>4 </a:t>
-            </a:r>
-            <a:r>
-              <a:rPr lang="ja-JP" altLang="en-US" dirty="0"/>
-              <a:t>裁判所に民事再生手続開始を申請する</a:t>
-            </a:r>
-            <a:br>
-              <a:rPr lang="en-US" altLang="ja-JP" dirty="0"/>
-            </a:br>
-            <a:r>
-              <a:rPr lang="en-US" altLang="ja-JP" dirty="0"/>
-              <a:t>5 </a:t>
-            </a:r>
-            <a:r>
-              <a:rPr lang="ja-JP" altLang="en-US" dirty="0"/>
-              <a:t>裁判所に破産手続開始を申請する</a:t>
-            </a:r>
-            <a:br>
-              <a:rPr lang="en-US" altLang="ja-JP" dirty="0"/>
-            </a:br>
-            <a:r>
-              <a:rPr lang="en-US" altLang="ja-JP" dirty="0"/>
-              <a:t>6 </a:t>
-            </a:r>
-            <a:r>
-              <a:rPr lang="ja-JP" altLang="en-US" dirty="0"/>
-              <a:t>裁判所に特別清算開始を申請する</a:t>
-            </a:r>
-            <a:endParaRPr lang="en-US" altLang="ja-JP" dirty="0"/>
-          </a:p>
-          <a:p>
-            <a:pPr marL="0" indent="0" algn="r">
-              <a:buNone/>
-            </a:pPr>
-            <a:r>
-              <a:rPr lang="en-US" altLang="ja-JP" sz="1800" dirty="0"/>
-              <a:t>-</a:t>
-            </a:r>
-            <a:r>
-              <a:rPr lang="ja-JP" altLang="en-US" sz="1800" dirty="0"/>
-              <a:t>帝国データバンク</a:t>
-            </a:r>
-            <a:r>
-              <a:rPr lang="en-US" altLang="ja-JP" sz="1800" dirty="0"/>
-              <a:t>HP</a:t>
-            </a:r>
-            <a:r>
-              <a:rPr lang="ja-JP" altLang="en-US" sz="1800" dirty="0"/>
-              <a:t>より引用</a:t>
-            </a:r>
-            <a:endParaRPr lang="en-US" altLang="ja-JP" sz="1800" dirty="0"/>
-          </a:p>
-          <a:p>
-            <a:pPr marL="0" indent="0">
-              <a:buNone/>
-            </a:pPr>
-            <a:endParaRPr lang="en-US" altLang="ja-JP" dirty="0"/>
-          </a:p>
-          <a:p>
-            <a:pPr marL="0" indent="0">
-              <a:buNone/>
-            </a:pPr>
-            <a:endParaRPr lang="en-US" altLang="ja-JP" dirty="0"/>
-          </a:p>
-          <a:p>
-            <a:pPr marL="0" indent="0">
-              <a:buNone/>
-            </a:pPr>
-            <a:endParaRPr lang="en-US" altLang="ja-JP" dirty="0"/>
-          </a:p>
-          <a:p>
+              <a:rPr lang="ja-JP" altLang="en-US" dirty="0"/>
+              <a:t>　業利益利率が下がる。</a:t>
+            </a:r>
             <a:endParaRPr lang="en-US" altLang="ja-JP" dirty="0"/>
           </a:p>
         </p:txBody>
       </p:sp>
+      <p:graphicFrame>
+        <p:nvGraphicFramePr>
+          <p:cNvPr id="4" name="表 3">
+            <a:extLst>
+              <a:ext uri="{FF2B5EF4-FFF2-40B4-BE49-F238E27FC236}">
+                <a16:creationId xmlns:a16="http://schemas.microsoft.com/office/drawing/2014/main" id="{343C936E-9603-4408-89B7-EDA2B8B4C9DA}"/>
+              </a:ext>
+            </a:extLst>
+          </p:cNvPr>
+          <p:cNvGraphicFramePr>
+            <a:graphicFrameLocks noGrp="1"/>
+          </p:cNvGraphicFramePr>
+          <p:nvPr>
+            <p:extLst>
+              <p:ext uri="{D42A27DB-BD31-4B8C-83A1-F6EECF244321}">
+                <p14:modId xmlns:p14="http://schemas.microsoft.com/office/powerpoint/2010/main" val="3792663173"/>
+              </p:ext>
+            </p:extLst>
+          </p:nvPr>
+        </p:nvGraphicFramePr>
+        <p:xfrm>
+          <a:off x="107092" y="1574800"/>
+          <a:ext cx="5625466" cy="1854200"/>
+        </p:xfrm>
+        <a:graphic>
+          <a:graphicData uri="http://schemas.openxmlformats.org/drawingml/2006/table">
+            <a:tbl>
+              <a:tblPr firstRow="1" bandRow="1">
+                <a:tableStyleId>{5C22544A-7EE6-4342-B048-85BDC9FD1C3A}</a:tableStyleId>
+              </a:tblPr>
+              <a:tblGrid>
+                <a:gridCol w="2976880">
+                  <a:extLst>
+                    <a:ext uri="{9D8B030D-6E8A-4147-A177-3AD203B41FA5}">
+                      <a16:colId xmlns:a16="http://schemas.microsoft.com/office/drawing/2014/main" val="1824209193"/>
+                    </a:ext>
+                  </a:extLst>
+                </a:gridCol>
+                <a:gridCol w="1209993">
+                  <a:extLst>
+                    <a:ext uri="{9D8B030D-6E8A-4147-A177-3AD203B41FA5}">
+                      <a16:colId xmlns:a16="http://schemas.microsoft.com/office/drawing/2014/main" val="3796598002"/>
+                    </a:ext>
+                  </a:extLst>
+                </a:gridCol>
+                <a:gridCol w="1438593">
+                  <a:extLst>
+                    <a:ext uri="{9D8B030D-6E8A-4147-A177-3AD203B41FA5}">
+                      <a16:colId xmlns:a16="http://schemas.microsoft.com/office/drawing/2014/main" val="2199892864"/>
+                    </a:ext>
+                  </a:extLst>
+                </a:gridCol>
+              </a:tblGrid>
+              <a:tr h="370840">
+                <a:tc>
+                  <a:txBody>
+                    <a:bodyPr/>
+                    <a:lstStyle/>
+                    <a:p>
+                      <a:endParaRPr kumimoji="1" lang="ja-JP" altLang="en-US" dirty="0"/>
+                    </a:p>
+                  </a:txBody>
+                  <a:tcPr/>
+                </a:tc>
+                <a:tc>
+                  <a:txBody>
+                    <a:bodyPr/>
+                    <a:lstStyle/>
+                    <a:p>
+                      <a:r>
+                        <a:rPr kumimoji="1" lang="ja-JP" altLang="en-US" dirty="0"/>
+                        <a:t>コメダ</a:t>
+                      </a:r>
+                      <a:r>
+                        <a:rPr kumimoji="1" lang="en-US" altLang="ja-JP" dirty="0"/>
+                        <a:t>HD</a:t>
+                      </a:r>
+                      <a:endParaRPr kumimoji="1" lang="ja-JP" altLang="en-US" dirty="0"/>
+                    </a:p>
+                  </a:txBody>
+                  <a:tcPr/>
+                </a:tc>
+                <a:tc>
+                  <a:txBody>
+                    <a:bodyPr/>
+                    <a:lstStyle/>
+                    <a:p>
+                      <a:r>
+                        <a:rPr kumimoji="1" lang="ja-JP" altLang="en-US" dirty="0"/>
+                        <a:t>ドトール</a:t>
+                      </a:r>
+                      <a:r>
+                        <a:rPr kumimoji="1" lang="en-US" altLang="ja-JP" dirty="0"/>
+                        <a:t>HD</a:t>
+                      </a:r>
+                      <a:endParaRPr kumimoji="1" lang="ja-JP" altLang="en-US" dirty="0"/>
+                    </a:p>
+                  </a:txBody>
+                  <a:tcPr/>
+                </a:tc>
+                <a:extLst>
+                  <a:ext uri="{0D108BD9-81ED-4DB2-BD59-A6C34878D82A}">
+                    <a16:rowId xmlns:a16="http://schemas.microsoft.com/office/drawing/2014/main" val="2504578022"/>
+                  </a:ext>
+                </a:extLst>
+              </a:tr>
+              <a:tr h="370840">
+                <a:tc>
+                  <a:txBody>
+                    <a:bodyPr/>
+                    <a:lstStyle/>
+                    <a:p>
+                      <a:r>
+                        <a:rPr lang="ja-JP" altLang="en-US" dirty="0">
+                          <a:latin typeface="+mj-lt"/>
+                        </a:rPr>
+                        <a:t>自己資本比率</a:t>
+                      </a:r>
+                      <a:endParaRPr lang="zh-TW" altLang="en-US" dirty="0">
+                        <a:latin typeface="+mj-lt"/>
+                      </a:endParaRPr>
+                    </a:p>
+                  </a:txBody>
+                  <a:tcPr anchor="ctr"/>
+                </a:tc>
+                <a:tc>
+                  <a:txBody>
+                    <a:bodyPr/>
+                    <a:lstStyle/>
+                    <a:p>
+                      <a:r>
+                        <a:rPr lang="en-US" altLang="ja-JP"/>
+                        <a:t>38.7%</a:t>
+                      </a:r>
+                    </a:p>
+                  </a:txBody>
+                  <a:tcPr anchor="ctr"/>
+                </a:tc>
+                <a:tc>
+                  <a:txBody>
+                    <a:bodyPr/>
+                    <a:lstStyle/>
+                    <a:p>
+                      <a:r>
+                        <a:rPr lang="en-US" altLang="ja-JP"/>
+                        <a:t>78.7%</a:t>
+                      </a:r>
+                    </a:p>
+                  </a:txBody>
+                  <a:tcPr anchor="ctr"/>
+                </a:tc>
+                <a:extLst>
+                  <a:ext uri="{0D108BD9-81ED-4DB2-BD59-A6C34878D82A}">
+                    <a16:rowId xmlns:a16="http://schemas.microsoft.com/office/drawing/2014/main" val="195344401"/>
+                  </a:ext>
+                </a:extLst>
+              </a:tr>
+              <a:tr h="370840">
+                <a:tc>
+                  <a:txBody>
+                    <a:bodyPr/>
+                    <a:lstStyle/>
+                    <a:p>
+                      <a:r>
+                        <a:rPr lang="ja-JP" altLang="en-US" dirty="0">
+                          <a:latin typeface="+mj-lt"/>
+                        </a:rPr>
+                        <a:t>売上高営業利益率</a:t>
+                      </a:r>
+                      <a:endParaRPr lang="zh-TW" altLang="en-US" dirty="0">
+                        <a:latin typeface="+mj-lt"/>
+                      </a:endParaRPr>
+                    </a:p>
+                  </a:txBody>
+                  <a:tcPr anchor="ctr"/>
+                </a:tc>
+                <a:tc>
+                  <a:txBody>
+                    <a:bodyPr/>
+                    <a:lstStyle/>
+                    <a:p>
+                      <a:r>
+                        <a:rPr lang="en-US" altLang="ja-JP" dirty="0">
+                          <a:solidFill>
+                            <a:srgbClr val="FF0000"/>
+                          </a:solidFill>
+                        </a:rPr>
+                        <a:t>29.6%</a:t>
+                      </a:r>
+                    </a:p>
+                  </a:txBody>
+                  <a:tcPr anchor="ctr"/>
+                </a:tc>
+                <a:tc>
+                  <a:txBody>
+                    <a:bodyPr/>
+                    <a:lstStyle/>
+                    <a:p>
+                      <a:r>
+                        <a:rPr lang="en-US" altLang="ja-JP" dirty="0">
+                          <a:solidFill>
+                            <a:srgbClr val="FF0000"/>
+                          </a:solidFill>
+                        </a:rPr>
+                        <a:t>9.3%</a:t>
+                      </a:r>
+                    </a:p>
+                  </a:txBody>
+                  <a:tcPr anchor="ctr"/>
+                </a:tc>
+                <a:extLst>
+                  <a:ext uri="{0D108BD9-81ED-4DB2-BD59-A6C34878D82A}">
+                    <a16:rowId xmlns:a16="http://schemas.microsoft.com/office/drawing/2014/main" val="1384516735"/>
+                  </a:ext>
+                </a:extLst>
+              </a:tr>
+              <a:tr h="370840">
+                <a:tc>
+                  <a:txBody>
+                    <a:bodyPr/>
+                    <a:lstStyle/>
+                    <a:p>
+                      <a:r>
+                        <a:rPr lang="ja-JP" altLang="en-US" dirty="0">
+                          <a:latin typeface="+mj-lt"/>
+                        </a:rPr>
+                        <a:t>営業活動による</a:t>
+                      </a:r>
+                      <a:r>
+                        <a:rPr lang="en-US" altLang="ja-JP" dirty="0">
+                          <a:latin typeface="+mj-lt"/>
+                        </a:rPr>
+                        <a:t>CF</a:t>
+                      </a:r>
+                      <a:r>
+                        <a:rPr lang="ja-JP" altLang="en-US" dirty="0">
+                          <a:latin typeface="+mj-lt"/>
+                        </a:rPr>
+                        <a:t>（小計）</a:t>
+                      </a:r>
+                      <a:endParaRPr lang="en-US" altLang="ja-JP" dirty="0">
+                        <a:latin typeface="+mj-lt"/>
+                      </a:endParaRPr>
+                    </a:p>
+                  </a:txBody>
+                  <a:tcPr anchor="ctr"/>
+                </a:tc>
+                <a:tc>
+                  <a:txBody>
+                    <a:bodyPr/>
+                    <a:lstStyle/>
+                    <a:p>
+                      <a:r>
+                        <a:rPr lang="en-US" altLang="ja-JP"/>
+                        <a:t>39</a:t>
+                      </a:r>
+                      <a:r>
+                        <a:rPr lang="ja-JP" altLang="en-US"/>
+                        <a:t>億円</a:t>
+                      </a:r>
+                    </a:p>
+                  </a:txBody>
+                  <a:tcPr anchor="ctr"/>
+                </a:tc>
+                <a:tc>
+                  <a:txBody>
+                    <a:bodyPr/>
+                    <a:lstStyle/>
+                    <a:p>
+                      <a:r>
+                        <a:rPr lang="en-US" altLang="ja-JP"/>
+                        <a:t>51</a:t>
+                      </a:r>
+                      <a:r>
+                        <a:rPr lang="ja-JP" altLang="en-US"/>
+                        <a:t>億円</a:t>
+                      </a:r>
+                    </a:p>
+                  </a:txBody>
+                  <a:tcPr anchor="ctr"/>
+                </a:tc>
+                <a:extLst>
+                  <a:ext uri="{0D108BD9-81ED-4DB2-BD59-A6C34878D82A}">
+                    <a16:rowId xmlns:a16="http://schemas.microsoft.com/office/drawing/2014/main" val="361313387"/>
+                  </a:ext>
+                </a:extLst>
+              </a:tr>
+              <a:tr h="370840">
+                <a:tc>
+                  <a:txBody>
+                    <a:bodyPr/>
+                    <a:lstStyle/>
+                    <a:p>
+                      <a:r>
+                        <a:rPr lang="ja-JP" altLang="en-US" dirty="0">
+                          <a:latin typeface="+mj-lt"/>
+                        </a:rPr>
+                        <a:t>売上高</a:t>
+                      </a:r>
+                    </a:p>
+                  </a:txBody>
+                  <a:tcPr anchor="ctr"/>
+                </a:tc>
+                <a:tc>
+                  <a:txBody>
+                    <a:bodyPr/>
+                    <a:lstStyle/>
+                    <a:p>
+                      <a:r>
+                        <a:rPr lang="en-US" altLang="ja-JP"/>
+                        <a:t>115</a:t>
+                      </a:r>
+                      <a:r>
+                        <a:rPr lang="ja-JP" altLang="en-US"/>
+                        <a:t>億円</a:t>
+                      </a:r>
+                    </a:p>
+                  </a:txBody>
+                  <a:tcPr anchor="ctr"/>
+                </a:tc>
+                <a:tc>
+                  <a:txBody>
+                    <a:bodyPr/>
+                    <a:lstStyle/>
+                    <a:p>
+                      <a:r>
+                        <a:rPr lang="en-US" altLang="ja-JP" dirty="0"/>
+                        <a:t>637</a:t>
+                      </a:r>
+                      <a:r>
+                        <a:rPr lang="ja-JP" altLang="en-US" dirty="0"/>
+                        <a:t>億円</a:t>
+                      </a:r>
+                    </a:p>
+                  </a:txBody>
+                  <a:tcPr anchor="ctr"/>
+                </a:tc>
+                <a:extLst>
+                  <a:ext uri="{0D108BD9-81ED-4DB2-BD59-A6C34878D82A}">
+                    <a16:rowId xmlns:a16="http://schemas.microsoft.com/office/drawing/2014/main" val="2066107540"/>
+                  </a:ext>
+                </a:extLst>
+              </a:tr>
+            </a:tbl>
+          </a:graphicData>
+        </a:graphic>
+      </p:graphicFrame>
     </p:spTree>
     <p:extLst>
       <p:ext uri="{BB962C8B-B14F-4D97-AF65-F5344CB8AC3E}">
-        <p14:creationId xmlns:p14="http://schemas.microsoft.com/office/powerpoint/2010/main" val="2489366095"/>
+        <p14:creationId xmlns:p14="http://schemas.microsoft.com/office/powerpoint/2010/main" val="1050814302"/>
       </p:ext>
     </p:extLst>
   </p:cSld>

--- a/倒産の研究(仮).pptx
+++ b/倒産の研究(仮).pptx
@@ -2,7 +2,7 @@
 <file path=ppt/presentation.xml><?xml version="1.0" encoding="utf-8"?>
 <p:presentation xmlns:a="http://schemas.openxmlformats.org/drawingml/2006/main" xmlns:r="http://schemas.openxmlformats.org/officeDocument/2006/relationships" xmlns:p="http://schemas.openxmlformats.org/presentationml/2006/main" saveSubsetFonts="1">
   <p:sldMasterIdLst>
-    <p:sldMasterId id="2147483660" r:id="rId1"/>
+    <p:sldMasterId id="2147483672" r:id="rId1"/>
   </p:sldMasterIdLst>
   <p:sldIdLst>
     <p:sldId id="256" r:id="rId2"/>
@@ -18,37 +18,38 @@
     <p:sldId id="266" r:id="rId12"/>
     <p:sldId id="280" r:id="rId13"/>
     <p:sldId id="267" r:id="rId14"/>
-    <p:sldId id="281" r:id="rId15"/>
-    <p:sldId id="282" r:id="rId16"/>
-    <p:sldId id="268" r:id="rId17"/>
-    <p:sldId id="271" r:id="rId18"/>
-    <p:sldId id="277" r:id="rId19"/>
-    <p:sldId id="272" r:id="rId20"/>
-    <p:sldId id="275" r:id="rId21"/>
-    <p:sldId id="285" r:id="rId22"/>
-    <p:sldId id="288" r:id="rId23"/>
-    <p:sldId id="289" r:id="rId24"/>
-    <p:sldId id="291" r:id="rId25"/>
-    <p:sldId id="290" r:id="rId26"/>
-    <p:sldId id="292" r:id="rId27"/>
-    <p:sldId id="270" r:id="rId28"/>
-    <p:sldId id="261" r:id="rId29"/>
-    <p:sldId id="264" r:id="rId30"/>
-    <p:sldId id="278" r:id="rId31"/>
-    <p:sldId id="283" r:id="rId32"/>
-    <p:sldId id="284" r:id="rId33"/>
-    <p:sldId id="293" r:id="rId34"/>
-    <p:sldId id="298" r:id="rId35"/>
-    <p:sldId id="294" r:id="rId36"/>
+    <p:sldId id="300" r:id="rId15"/>
+    <p:sldId id="281" r:id="rId16"/>
+    <p:sldId id="282" r:id="rId17"/>
+    <p:sldId id="268" r:id="rId18"/>
+    <p:sldId id="271" r:id="rId19"/>
+    <p:sldId id="277" r:id="rId20"/>
+    <p:sldId id="272" r:id="rId21"/>
+    <p:sldId id="275" r:id="rId22"/>
+    <p:sldId id="285" r:id="rId23"/>
+    <p:sldId id="288" r:id="rId24"/>
+    <p:sldId id="289" r:id="rId25"/>
+    <p:sldId id="291" r:id="rId26"/>
+    <p:sldId id="290" r:id="rId27"/>
+    <p:sldId id="292" r:id="rId28"/>
+    <p:sldId id="270" r:id="rId29"/>
+    <p:sldId id="261" r:id="rId30"/>
+    <p:sldId id="264" r:id="rId31"/>
+    <p:sldId id="278" r:id="rId32"/>
+    <p:sldId id="283" r:id="rId33"/>
+    <p:sldId id="284" r:id="rId34"/>
+    <p:sldId id="293" r:id="rId35"/>
+    <p:sldId id="298" r:id="rId36"/>
+    <p:sldId id="294" r:id="rId37"/>
   </p:sldIdLst>
   <p:sldSz cx="12192000" cy="6858000"/>
   <p:notesSz cx="6858000" cy="9144000"/>
   <p:defaultTextStyle>
     <a:defPPr>
-      <a:defRPr lang="en-US"/>
+      <a:defRPr lang="ja-JP"/>
     </a:defPPr>
-    <a:lvl1pPr marL="0" algn="l" defTabSz="457200" rtl="0" eaLnBrk="1" latinLnBrk="0" hangingPunct="1">
-      <a:defRPr sz="1800" kern="1200">
+    <a:lvl1pPr marL="0" algn="l" defTabSz="914400" rtl="0" eaLnBrk="1" latinLnBrk="0" hangingPunct="1">
+      <a:defRPr kumimoji="1" sz="1800" kern="1200">
         <a:solidFill>
           <a:schemeClr val="tx1"/>
         </a:solidFill>
@@ -57,8 +58,8 @@
         <a:cs typeface="+mn-cs"/>
       </a:defRPr>
     </a:lvl1pPr>
-    <a:lvl2pPr marL="457200" algn="l" defTabSz="457200" rtl="0" eaLnBrk="1" latinLnBrk="0" hangingPunct="1">
-      <a:defRPr sz="1800" kern="1200">
+    <a:lvl2pPr marL="457200" algn="l" defTabSz="914400" rtl="0" eaLnBrk="1" latinLnBrk="0" hangingPunct="1">
+      <a:defRPr kumimoji="1" sz="1800" kern="1200">
         <a:solidFill>
           <a:schemeClr val="tx1"/>
         </a:solidFill>
@@ -67,8 +68,8 @@
         <a:cs typeface="+mn-cs"/>
       </a:defRPr>
     </a:lvl2pPr>
-    <a:lvl3pPr marL="914400" algn="l" defTabSz="457200" rtl="0" eaLnBrk="1" latinLnBrk="0" hangingPunct="1">
-      <a:defRPr sz="1800" kern="1200">
+    <a:lvl3pPr marL="914400" algn="l" defTabSz="914400" rtl="0" eaLnBrk="1" latinLnBrk="0" hangingPunct="1">
+      <a:defRPr kumimoji="1" sz="1800" kern="1200">
         <a:solidFill>
           <a:schemeClr val="tx1"/>
         </a:solidFill>
@@ -77,8 +78,8 @@
         <a:cs typeface="+mn-cs"/>
       </a:defRPr>
     </a:lvl3pPr>
-    <a:lvl4pPr marL="1371600" algn="l" defTabSz="457200" rtl="0" eaLnBrk="1" latinLnBrk="0" hangingPunct="1">
-      <a:defRPr sz="1800" kern="1200">
+    <a:lvl4pPr marL="1371600" algn="l" defTabSz="914400" rtl="0" eaLnBrk="1" latinLnBrk="0" hangingPunct="1">
+      <a:defRPr kumimoji="1" sz="1800" kern="1200">
         <a:solidFill>
           <a:schemeClr val="tx1"/>
         </a:solidFill>
@@ -87,8 +88,8 @@
         <a:cs typeface="+mn-cs"/>
       </a:defRPr>
     </a:lvl4pPr>
-    <a:lvl5pPr marL="1828800" algn="l" defTabSz="457200" rtl="0" eaLnBrk="1" latinLnBrk="0" hangingPunct="1">
-      <a:defRPr sz="1800" kern="1200">
+    <a:lvl5pPr marL="1828800" algn="l" defTabSz="914400" rtl="0" eaLnBrk="1" latinLnBrk="0" hangingPunct="1">
+      <a:defRPr kumimoji="1" sz="1800" kern="1200">
         <a:solidFill>
           <a:schemeClr val="tx1"/>
         </a:solidFill>
@@ -97,8 +98,8 @@
         <a:cs typeface="+mn-cs"/>
       </a:defRPr>
     </a:lvl5pPr>
-    <a:lvl6pPr marL="2286000" algn="l" defTabSz="457200" rtl="0" eaLnBrk="1" latinLnBrk="0" hangingPunct="1">
-      <a:defRPr sz="1800" kern="1200">
+    <a:lvl6pPr marL="2286000" algn="l" defTabSz="914400" rtl="0" eaLnBrk="1" latinLnBrk="0" hangingPunct="1">
+      <a:defRPr kumimoji="1" sz="1800" kern="1200">
         <a:solidFill>
           <a:schemeClr val="tx1"/>
         </a:solidFill>
@@ -107,8 +108,8 @@
         <a:cs typeface="+mn-cs"/>
       </a:defRPr>
     </a:lvl6pPr>
-    <a:lvl7pPr marL="2743200" algn="l" defTabSz="457200" rtl="0" eaLnBrk="1" latinLnBrk="0" hangingPunct="1">
-      <a:defRPr sz="1800" kern="1200">
+    <a:lvl7pPr marL="2743200" algn="l" defTabSz="914400" rtl="0" eaLnBrk="1" latinLnBrk="0" hangingPunct="1">
+      <a:defRPr kumimoji="1" sz="1800" kern="1200">
         <a:solidFill>
           <a:schemeClr val="tx1"/>
         </a:solidFill>
@@ -117,8 +118,8 @@
         <a:cs typeface="+mn-cs"/>
       </a:defRPr>
     </a:lvl7pPr>
-    <a:lvl8pPr marL="3200400" algn="l" defTabSz="457200" rtl="0" eaLnBrk="1" latinLnBrk="0" hangingPunct="1">
-      <a:defRPr sz="1800" kern="1200">
+    <a:lvl8pPr marL="3200400" algn="l" defTabSz="914400" rtl="0" eaLnBrk="1" latinLnBrk="0" hangingPunct="1">
+      <a:defRPr kumimoji="1" sz="1800" kern="1200">
         <a:solidFill>
           <a:schemeClr val="tx1"/>
         </a:solidFill>
@@ -127,8 +128,8 @@
         <a:cs typeface="+mn-cs"/>
       </a:defRPr>
     </a:lvl8pPr>
-    <a:lvl9pPr marL="3657600" algn="l" defTabSz="457200" rtl="0" eaLnBrk="1" latinLnBrk="0" hangingPunct="1">
-      <a:defRPr sz="1800" kern="1200">
+    <a:lvl9pPr marL="3657600" algn="l" defTabSz="914400" rtl="0" eaLnBrk="1" latinLnBrk="0" hangingPunct="1">
+      <a:defRPr kumimoji="1" sz="1800" kern="1200">
         <a:solidFill>
           <a:schemeClr val="tx1"/>
         </a:solidFill>
@@ -3801,9 +3802,9 @@
             <a:gs pos="0">
               <a:schemeClr val="accent1">
                 <a:shade val="80000"/>
-                <a:hueOff val="-188714"/>
-                <a:satOff val="-14850"/>
-                <a:lumOff val="15827"/>
+                <a:hueOff val="174641"/>
+                <a:satOff val="-3128"/>
+                <a:lumOff val="13293"/>
                 <a:alphaOff val="0"/>
                 <a:satMod val="103000"/>
                 <a:lumMod val="102000"/>
@@ -3813,9 +3814,9 @@
             <a:gs pos="50000">
               <a:schemeClr val="accent1">
                 <a:shade val="80000"/>
-                <a:hueOff val="-188714"/>
-                <a:satOff val="-14850"/>
-                <a:lumOff val="15827"/>
+                <a:hueOff val="174641"/>
+                <a:satOff val="-3128"/>
+                <a:lumOff val="13293"/>
                 <a:alphaOff val="0"/>
                 <a:satMod val="110000"/>
                 <a:lumMod val="100000"/>
@@ -3825,9 +3826,9 @@
             <a:gs pos="100000">
               <a:schemeClr val="accent1">
                 <a:shade val="80000"/>
-                <a:hueOff val="-188714"/>
-                <a:satOff val="-14850"/>
-                <a:lumOff val="15827"/>
+                <a:hueOff val="174641"/>
+                <a:satOff val="-3128"/>
+                <a:lumOff val="13293"/>
                 <a:alphaOff val="0"/>
                 <a:lumMod val="99000"/>
                 <a:satMod val="120000"/>
@@ -3913,9 +3914,9 @@
             <a:gs pos="0">
               <a:schemeClr val="accent1">
                 <a:shade val="80000"/>
-                <a:hueOff val="-377429"/>
-                <a:satOff val="-29699"/>
-                <a:lumOff val="31655"/>
+                <a:hueOff val="349283"/>
+                <a:satOff val="-6256"/>
+                <a:lumOff val="26585"/>
                 <a:alphaOff val="0"/>
                 <a:satMod val="103000"/>
                 <a:lumMod val="102000"/>
@@ -3925,9 +3926,9 @@
             <a:gs pos="50000">
               <a:schemeClr val="accent1">
                 <a:shade val="80000"/>
-                <a:hueOff val="-377429"/>
-                <a:satOff val="-29699"/>
-                <a:lumOff val="31655"/>
+                <a:hueOff val="349283"/>
+                <a:satOff val="-6256"/>
+                <a:lumOff val="26585"/>
                 <a:alphaOff val="0"/>
                 <a:satMod val="110000"/>
                 <a:lumMod val="100000"/>
@@ -3937,9 +3938,9 @@
             <a:gs pos="100000">
               <a:schemeClr val="accent1">
                 <a:shade val="80000"/>
-                <a:hueOff val="-377429"/>
-                <a:satOff val="-29699"/>
-                <a:lumOff val="31655"/>
+                <a:hueOff val="349283"/>
+                <a:satOff val="-6256"/>
+                <a:lumOff val="26585"/>
                 <a:alphaOff val="0"/>
                 <a:lumMod val="99000"/>
                 <a:satMod val="120000"/>
@@ -4149,9 +4150,9 @@
             <a:gs pos="0">
               <a:schemeClr val="accent5">
                 <a:shade val="50000"/>
-                <a:hueOff val="-237943"/>
-                <a:satOff val="-14089"/>
-                <a:lumOff val="30355"/>
+                <a:hueOff val="222839"/>
+                <a:satOff val="5970"/>
+                <a:lumOff val="26302"/>
                 <a:alphaOff val="0"/>
                 <a:satMod val="103000"/>
                 <a:lumMod val="102000"/>
@@ -4161,9 +4162,9 @@
             <a:gs pos="50000">
               <a:schemeClr val="accent5">
                 <a:shade val="50000"/>
-                <a:hueOff val="-237943"/>
-                <a:satOff val="-14089"/>
-                <a:lumOff val="30355"/>
+                <a:hueOff val="222839"/>
+                <a:satOff val="5970"/>
+                <a:lumOff val="26302"/>
                 <a:alphaOff val="0"/>
                 <a:satMod val="110000"/>
                 <a:lumMod val="100000"/>
@@ -4173,9 +4174,9 @@
             <a:gs pos="100000">
               <a:schemeClr val="accent5">
                 <a:shade val="50000"/>
-                <a:hueOff val="-237943"/>
-                <a:satOff val="-14089"/>
-                <a:lumOff val="30355"/>
+                <a:hueOff val="222839"/>
+                <a:satOff val="5970"/>
+                <a:lumOff val="26302"/>
                 <a:alphaOff val="0"/>
                 <a:lumMod val="99000"/>
                 <a:satMod val="120000"/>
@@ -4261,9 +4262,9 @@
             <a:gs pos="0">
               <a:schemeClr val="accent5">
                 <a:shade val="50000"/>
-                <a:hueOff val="-237943"/>
-                <a:satOff val="-14089"/>
-                <a:lumOff val="30355"/>
+                <a:hueOff val="222839"/>
+                <a:satOff val="5970"/>
+                <a:lumOff val="26302"/>
                 <a:alphaOff val="0"/>
                 <a:satMod val="103000"/>
                 <a:lumMod val="102000"/>
@@ -4273,9 +4274,9 @@
             <a:gs pos="50000">
               <a:schemeClr val="accent5">
                 <a:shade val="50000"/>
-                <a:hueOff val="-237943"/>
-                <a:satOff val="-14089"/>
-                <a:lumOff val="30355"/>
+                <a:hueOff val="222839"/>
+                <a:satOff val="5970"/>
+                <a:lumOff val="26302"/>
                 <a:alphaOff val="0"/>
                 <a:satMod val="110000"/>
                 <a:lumMod val="100000"/>
@@ -4285,9 +4286,9 @@
             <a:gs pos="100000">
               <a:schemeClr val="accent5">
                 <a:shade val="50000"/>
-                <a:hueOff val="-237943"/>
-                <a:satOff val="-14089"/>
-                <a:lumOff val="30355"/>
+                <a:hueOff val="222839"/>
+                <a:satOff val="5970"/>
+                <a:lumOff val="26302"/>
                 <a:alphaOff val="0"/>
                 <a:lumMod val="99000"/>
                 <a:satMod val="120000"/>
@@ -6990,7 +6991,13 @@
       </p:grpSpPr>
       <p:sp>
         <p:nvSpPr>
-          <p:cNvPr id="2" name="Title 1"/>
+          <p:cNvPr id="2" name="タイトル 1">
+            <a:extLst>
+              <a:ext uri="{FF2B5EF4-FFF2-40B4-BE49-F238E27FC236}">
+                <a16:creationId xmlns:a16="http://schemas.microsoft.com/office/drawing/2014/main" id="{1EE4D888-68CC-487D-8185-EFA3A1666F82}"/>
+              </a:ext>
+            </a:extLst>
+          </p:cNvPr>
           <p:cNvSpPr>
             <a:spLocks noGrp="1"/>
           </p:cNvSpPr>
@@ -7013,16 +7020,21 @@
           </a:lstStyle>
           <a:p>
             <a:r>
-              <a:rPr lang="ja-JP" altLang="en-US"/>
+              <a:rPr kumimoji="1" lang="ja-JP" altLang="en-US"/>
               <a:t>マスター タイトルの書式設定</a:t>
             </a:r>
-            <a:endParaRPr lang="en-US" dirty="0"/>
           </a:p>
         </p:txBody>
       </p:sp>
       <p:sp>
         <p:nvSpPr>
-          <p:cNvPr id="3" name="Subtitle 2"/>
+          <p:cNvPr id="3" name="字幕 2">
+            <a:extLst>
+              <a:ext uri="{FF2B5EF4-FFF2-40B4-BE49-F238E27FC236}">
+                <a16:creationId xmlns:a16="http://schemas.microsoft.com/office/drawing/2014/main" id="{63FC1C31-AA69-4D03-9FF2-22C18B49B491}"/>
+              </a:ext>
+            </a:extLst>
+          </p:cNvPr>
           <p:cNvSpPr>
             <a:spLocks noGrp="1"/>
           </p:cNvSpPr>
@@ -7078,16 +7090,21 @@
           </a:lstStyle>
           <a:p>
             <a:r>
-              <a:rPr lang="ja-JP" altLang="en-US"/>
+              <a:rPr kumimoji="1" lang="ja-JP" altLang="en-US"/>
               <a:t>マスター サブタイトルの書式設定</a:t>
             </a:r>
-            <a:endParaRPr lang="en-US" dirty="0"/>
           </a:p>
         </p:txBody>
       </p:sp>
       <p:sp>
         <p:nvSpPr>
-          <p:cNvPr id="4" name="Date Placeholder 3"/>
+          <p:cNvPr id="4" name="日付プレースホルダー 3">
+            <a:extLst>
+              <a:ext uri="{FF2B5EF4-FFF2-40B4-BE49-F238E27FC236}">
+                <a16:creationId xmlns:a16="http://schemas.microsoft.com/office/drawing/2014/main" id="{2BF7E530-72FE-4F67-A7B3-6355B4854EE0}"/>
+              </a:ext>
+            </a:extLst>
+          </p:cNvPr>
           <p:cNvSpPr>
             <a:spLocks noGrp="1"/>
           </p:cNvSpPr>
@@ -7102,7 +7119,7 @@
           <a:p>
             <a:fld id="{6E587BC8-DE6F-4726-95DA-1B2BF3724B67}" type="datetimeFigureOut">
               <a:rPr kumimoji="1" lang="ja-JP" altLang="en-US" smtClean="0"/>
-              <a:t>2019/6/18</a:t>
+              <a:t>2019/9/23</a:t>
             </a:fld>
             <a:endParaRPr kumimoji="1" lang="ja-JP" altLang="en-US"/>
           </a:p>
@@ -7110,7 +7127,13 @@
       </p:sp>
       <p:sp>
         <p:nvSpPr>
-          <p:cNvPr id="5" name="Footer Placeholder 4"/>
+          <p:cNvPr id="5" name="フッター プレースホルダー 4">
+            <a:extLst>
+              <a:ext uri="{FF2B5EF4-FFF2-40B4-BE49-F238E27FC236}">
+                <a16:creationId xmlns:a16="http://schemas.microsoft.com/office/drawing/2014/main" id="{6DD25A0A-1284-4D96-9C89-228A93D6F743}"/>
+              </a:ext>
+            </a:extLst>
+          </p:cNvPr>
           <p:cNvSpPr>
             <a:spLocks noGrp="1"/>
           </p:cNvSpPr>
@@ -7129,7 +7152,13 @@
       </p:sp>
       <p:sp>
         <p:nvSpPr>
-          <p:cNvPr id="6" name="Slide Number Placeholder 5"/>
+          <p:cNvPr id="6" name="スライド番号プレースホルダー 5">
+            <a:extLst>
+              <a:ext uri="{FF2B5EF4-FFF2-40B4-BE49-F238E27FC236}">
+                <a16:creationId xmlns:a16="http://schemas.microsoft.com/office/drawing/2014/main" id="{B4B7D21A-B1BF-4FF1-A4E5-07244C8DDB30}"/>
+              </a:ext>
+            </a:extLst>
+          </p:cNvPr>
           <p:cNvSpPr>
             <a:spLocks noGrp="1"/>
           </p:cNvSpPr>
@@ -7153,7 +7182,7 @@
     </p:spTree>
     <p:extLst>
       <p:ext uri="{BB962C8B-B14F-4D97-AF65-F5344CB8AC3E}">
-        <p14:creationId xmlns:p14="http://schemas.microsoft.com/office/powerpoint/2010/main" val="1376008576"/>
+        <p14:creationId xmlns:p14="http://schemas.microsoft.com/office/powerpoint/2010/main" val="2913636371"/>
       </p:ext>
     </p:extLst>
   </p:cSld>
@@ -7182,7 +7211,13 @@
       </p:grpSpPr>
       <p:sp>
         <p:nvSpPr>
-          <p:cNvPr id="2" name="Title 1"/>
+          <p:cNvPr id="2" name="タイトル 1">
+            <a:extLst>
+              <a:ext uri="{FF2B5EF4-FFF2-40B4-BE49-F238E27FC236}">
+                <a16:creationId xmlns:a16="http://schemas.microsoft.com/office/drawing/2014/main" id="{140888F4-BDE7-40A7-9BC3-821FF6065BA2}"/>
+              </a:ext>
+            </a:extLst>
+          </p:cNvPr>
           <p:cNvSpPr>
             <a:spLocks noGrp="1"/>
           </p:cNvSpPr>
@@ -7196,16 +7231,21 @@
           <a:lstStyle/>
           <a:p>
             <a:r>
-              <a:rPr lang="ja-JP" altLang="en-US"/>
+              <a:rPr kumimoji="1" lang="ja-JP" altLang="en-US"/>
               <a:t>マスター タイトルの書式設定</a:t>
             </a:r>
-            <a:endParaRPr lang="en-US" dirty="0"/>
           </a:p>
         </p:txBody>
       </p:sp>
       <p:sp>
         <p:nvSpPr>
-          <p:cNvPr id="3" name="Vertical Text Placeholder 2"/>
+          <p:cNvPr id="3" name="縦書きテキスト プレースホルダー 2">
+            <a:extLst>
+              <a:ext uri="{FF2B5EF4-FFF2-40B4-BE49-F238E27FC236}">
+                <a16:creationId xmlns:a16="http://schemas.microsoft.com/office/drawing/2014/main" id="{396FE209-A9B1-4771-B743-663C638B08C6}"/>
+              </a:ext>
+            </a:extLst>
+          </p:cNvPr>
           <p:cNvSpPr>
             <a:spLocks noGrp="1"/>
           </p:cNvSpPr>
@@ -7220,76 +7260,81 @@
           <a:p>
             <a:pPr lvl="0"/>
             <a:r>
-              <a:rPr lang="ja-JP" altLang="en-US"/>
+              <a:rPr kumimoji="1" lang="ja-JP" altLang="en-US"/>
               <a:t>マスター テキストの書式設定</a:t>
             </a:r>
           </a:p>
           <a:p>
             <a:pPr lvl="1"/>
             <a:r>
-              <a:rPr lang="ja-JP" altLang="en-US"/>
+              <a:rPr kumimoji="1" lang="ja-JP" altLang="en-US"/>
               <a:t>第 </a:t>
             </a:r>
             <a:r>
-              <a:rPr lang="en-US" altLang="ja-JP"/>
+              <a:rPr kumimoji="1" lang="en-US" altLang="ja-JP"/>
               <a:t>2 </a:t>
             </a:r>
             <a:r>
-              <a:rPr lang="ja-JP" altLang="en-US"/>
+              <a:rPr kumimoji="1" lang="ja-JP" altLang="en-US"/>
               <a:t>レベル</a:t>
             </a:r>
           </a:p>
           <a:p>
             <a:pPr lvl="2"/>
             <a:r>
-              <a:rPr lang="ja-JP" altLang="en-US"/>
+              <a:rPr kumimoji="1" lang="ja-JP" altLang="en-US"/>
               <a:t>第 </a:t>
             </a:r>
             <a:r>
-              <a:rPr lang="en-US" altLang="ja-JP"/>
+              <a:rPr kumimoji="1" lang="en-US" altLang="ja-JP"/>
               <a:t>3 </a:t>
             </a:r>
             <a:r>
-              <a:rPr lang="ja-JP" altLang="en-US"/>
+              <a:rPr kumimoji="1" lang="ja-JP" altLang="en-US"/>
               <a:t>レベル</a:t>
             </a:r>
           </a:p>
           <a:p>
             <a:pPr lvl="3"/>
             <a:r>
-              <a:rPr lang="ja-JP" altLang="en-US"/>
+              <a:rPr kumimoji="1" lang="ja-JP" altLang="en-US"/>
               <a:t>第 </a:t>
             </a:r>
             <a:r>
-              <a:rPr lang="en-US" altLang="ja-JP"/>
+              <a:rPr kumimoji="1" lang="en-US" altLang="ja-JP"/>
               <a:t>4 </a:t>
             </a:r>
             <a:r>
-              <a:rPr lang="ja-JP" altLang="en-US"/>
+              <a:rPr kumimoji="1" lang="ja-JP" altLang="en-US"/>
               <a:t>レベル</a:t>
             </a:r>
           </a:p>
           <a:p>
             <a:pPr lvl="4"/>
             <a:r>
-              <a:rPr lang="ja-JP" altLang="en-US"/>
+              <a:rPr kumimoji="1" lang="ja-JP" altLang="en-US"/>
               <a:t>第 </a:t>
             </a:r>
             <a:r>
-              <a:rPr lang="en-US" altLang="ja-JP"/>
+              <a:rPr kumimoji="1" lang="en-US" altLang="ja-JP"/>
               <a:t>5 </a:t>
             </a:r>
             <a:r>
-              <a:rPr lang="ja-JP" altLang="en-US"/>
+              <a:rPr kumimoji="1" lang="ja-JP" altLang="en-US"/>
               <a:t>レベル</a:t>
             </a:r>
-            <a:endParaRPr lang="en-US" dirty="0"/>
           </a:p>
         </p:txBody>
       </p:sp>
       <p:sp>
         <p:nvSpPr>
-          <p:cNvPr id="4" name="Date Placeholder 3"/>
+          <p:cNvPr id="4" name="日付プレースホルダー 3">
+            <a:extLst>
+              <a:ext uri="{FF2B5EF4-FFF2-40B4-BE49-F238E27FC236}">
+                <a16:creationId xmlns:a16="http://schemas.microsoft.com/office/drawing/2014/main" id="{9DBDA26A-4626-4A34-8DDB-7255821696D1}"/>
+              </a:ext>
+            </a:extLst>
+          </p:cNvPr>
           <p:cNvSpPr>
             <a:spLocks noGrp="1"/>
           </p:cNvSpPr>
@@ -7304,7 +7349,7 @@
           <a:p>
             <a:fld id="{6E587BC8-DE6F-4726-95DA-1B2BF3724B67}" type="datetimeFigureOut">
               <a:rPr kumimoji="1" lang="ja-JP" altLang="en-US" smtClean="0"/>
-              <a:t>2019/6/18</a:t>
+              <a:t>2019/9/23</a:t>
             </a:fld>
             <a:endParaRPr kumimoji="1" lang="ja-JP" altLang="en-US"/>
           </a:p>
@@ -7312,7 +7357,13 @@
       </p:sp>
       <p:sp>
         <p:nvSpPr>
-          <p:cNvPr id="5" name="Footer Placeholder 4"/>
+          <p:cNvPr id="5" name="フッター プレースホルダー 4">
+            <a:extLst>
+              <a:ext uri="{FF2B5EF4-FFF2-40B4-BE49-F238E27FC236}">
+                <a16:creationId xmlns:a16="http://schemas.microsoft.com/office/drawing/2014/main" id="{C76DBC29-1FE8-4C63-A9C5-2D0A2C61CACC}"/>
+              </a:ext>
+            </a:extLst>
+          </p:cNvPr>
           <p:cNvSpPr>
             <a:spLocks noGrp="1"/>
           </p:cNvSpPr>
@@ -7331,7 +7382,13 @@
       </p:sp>
       <p:sp>
         <p:nvSpPr>
-          <p:cNvPr id="6" name="Slide Number Placeholder 5"/>
+          <p:cNvPr id="6" name="スライド番号プレースホルダー 5">
+            <a:extLst>
+              <a:ext uri="{FF2B5EF4-FFF2-40B4-BE49-F238E27FC236}">
+                <a16:creationId xmlns:a16="http://schemas.microsoft.com/office/drawing/2014/main" id="{41E77A66-68D3-4D56-8B1F-31D41CFA49C1}"/>
+              </a:ext>
+            </a:extLst>
+          </p:cNvPr>
           <p:cNvSpPr>
             <a:spLocks noGrp="1"/>
           </p:cNvSpPr>
@@ -7355,7 +7412,7 @@
     </p:spTree>
     <p:extLst>
       <p:ext uri="{BB962C8B-B14F-4D97-AF65-F5344CB8AC3E}">
-        <p14:creationId xmlns:p14="http://schemas.microsoft.com/office/powerpoint/2010/main" val="2204609619"/>
+        <p14:creationId xmlns:p14="http://schemas.microsoft.com/office/powerpoint/2010/main" val="3303302390"/>
       </p:ext>
     </p:extLst>
   </p:cSld>
@@ -7384,7 +7441,13 @@
       </p:grpSpPr>
       <p:sp>
         <p:nvSpPr>
-          <p:cNvPr id="2" name="Vertical Title 1"/>
+          <p:cNvPr id="2" name="縦書きタイトル 1">
+            <a:extLst>
+              <a:ext uri="{FF2B5EF4-FFF2-40B4-BE49-F238E27FC236}">
+                <a16:creationId xmlns:a16="http://schemas.microsoft.com/office/drawing/2014/main" id="{BAF77F58-97CB-45C1-8A40-32271CBA86FB}"/>
+              </a:ext>
+            </a:extLst>
+          </p:cNvPr>
           <p:cNvSpPr>
             <a:spLocks noGrp="1"/>
           </p:cNvSpPr>
@@ -7403,16 +7466,21 @@
           <a:lstStyle/>
           <a:p>
             <a:r>
-              <a:rPr lang="ja-JP" altLang="en-US"/>
+              <a:rPr kumimoji="1" lang="ja-JP" altLang="en-US"/>
               <a:t>マスター タイトルの書式設定</a:t>
             </a:r>
-            <a:endParaRPr lang="en-US" dirty="0"/>
           </a:p>
         </p:txBody>
       </p:sp>
       <p:sp>
         <p:nvSpPr>
-          <p:cNvPr id="3" name="Vertical Text Placeholder 2"/>
+          <p:cNvPr id="3" name="縦書きテキスト プレースホルダー 2">
+            <a:extLst>
+              <a:ext uri="{FF2B5EF4-FFF2-40B4-BE49-F238E27FC236}">
+                <a16:creationId xmlns:a16="http://schemas.microsoft.com/office/drawing/2014/main" id="{B6152C74-68CA-403E-8220-4A8F81834F70}"/>
+              </a:ext>
+            </a:extLst>
+          </p:cNvPr>
           <p:cNvSpPr>
             <a:spLocks noGrp="1"/>
           </p:cNvSpPr>
@@ -7432,76 +7500,81 @@
           <a:p>
             <a:pPr lvl="0"/>
             <a:r>
-              <a:rPr lang="ja-JP" altLang="en-US"/>
+              <a:rPr kumimoji="1" lang="ja-JP" altLang="en-US"/>
               <a:t>マスター テキストの書式設定</a:t>
             </a:r>
           </a:p>
           <a:p>
             <a:pPr lvl="1"/>
             <a:r>
-              <a:rPr lang="ja-JP" altLang="en-US"/>
+              <a:rPr kumimoji="1" lang="ja-JP" altLang="en-US"/>
               <a:t>第 </a:t>
             </a:r>
             <a:r>
-              <a:rPr lang="en-US" altLang="ja-JP"/>
+              <a:rPr kumimoji="1" lang="en-US" altLang="ja-JP"/>
               <a:t>2 </a:t>
             </a:r>
             <a:r>
-              <a:rPr lang="ja-JP" altLang="en-US"/>
+              <a:rPr kumimoji="1" lang="ja-JP" altLang="en-US"/>
               <a:t>レベル</a:t>
             </a:r>
           </a:p>
           <a:p>
             <a:pPr lvl="2"/>
             <a:r>
-              <a:rPr lang="ja-JP" altLang="en-US"/>
+              <a:rPr kumimoji="1" lang="ja-JP" altLang="en-US"/>
               <a:t>第 </a:t>
             </a:r>
             <a:r>
-              <a:rPr lang="en-US" altLang="ja-JP"/>
+              <a:rPr kumimoji="1" lang="en-US" altLang="ja-JP"/>
               <a:t>3 </a:t>
             </a:r>
             <a:r>
-              <a:rPr lang="ja-JP" altLang="en-US"/>
+              <a:rPr kumimoji="1" lang="ja-JP" altLang="en-US"/>
               <a:t>レベル</a:t>
             </a:r>
           </a:p>
           <a:p>
             <a:pPr lvl="3"/>
             <a:r>
-              <a:rPr lang="ja-JP" altLang="en-US"/>
+              <a:rPr kumimoji="1" lang="ja-JP" altLang="en-US"/>
               <a:t>第 </a:t>
             </a:r>
             <a:r>
-              <a:rPr lang="en-US" altLang="ja-JP"/>
+              <a:rPr kumimoji="1" lang="en-US" altLang="ja-JP"/>
               <a:t>4 </a:t>
             </a:r>
             <a:r>
-              <a:rPr lang="ja-JP" altLang="en-US"/>
+              <a:rPr kumimoji="1" lang="ja-JP" altLang="en-US"/>
               <a:t>レベル</a:t>
             </a:r>
           </a:p>
           <a:p>
             <a:pPr lvl="4"/>
             <a:r>
-              <a:rPr lang="ja-JP" altLang="en-US"/>
+              <a:rPr kumimoji="1" lang="ja-JP" altLang="en-US"/>
               <a:t>第 </a:t>
             </a:r>
             <a:r>
-              <a:rPr lang="en-US" altLang="ja-JP"/>
+              <a:rPr kumimoji="1" lang="en-US" altLang="ja-JP"/>
               <a:t>5 </a:t>
             </a:r>
             <a:r>
-              <a:rPr lang="ja-JP" altLang="en-US"/>
+              <a:rPr kumimoji="1" lang="ja-JP" altLang="en-US"/>
               <a:t>レベル</a:t>
             </a:r>
-            <a:endParaRPr lang="en-US" dirty="0"/>
           </a:p>
         </p:txBody>
       </p:sp>
       <p:sp>
         <p:nvSpPr>
-          <p:cNvPr id="4" name="Date Placeholder 3"/>
+          <p:cNvPr id="4" name="日付プレースホルダー 3">
+            <a:extLst>
+              <a:ext uri="{FF2B5EF4-FFF2-40B4-BE49-F238E27FC236}">
+                <a16:creationId xmlns:a16="http://schemas.microsoft.com/office/drawing/2014/main" id="{A762A351-A922-4389-8EA3-8F9DDB8B8C85}"/>
+              </a:ext>
+            </a:extLst>
+          </p:cNvPr>
           <p:cNvSpPr>
             <a:spLocks noGrp="1"/>
           </p:cNvSpPr>
@@ -7516,7 +7589,7 @@
           <a:p>
             <a:fld id="{6E587BC8-DE6F-4726-95DA-1B2BF3724B67}" type="datetimeFigureOut">
               <a:rPr kumimoji="1" lang="ja-JP" altLang="en-US" smtClean="0"/>
-              <a:t>2019/6/18</a:t>
+              <a:t>2019/9/23</a:t>
             </a:fld>
             <a:endParaRPr kumimoji="1" lang="ja-JP" altLang="en-US"/>
           </a:p>
@@ -7524,7 +7597,13 @@
       </p:sp>
       <p:sp>
         <p:nvSpPr>
-          <p:cNvPr id="5" name="Footer Placeholder 4"/>
+          <p:cNvPr id="5" name="フッター プレースホルダー 4">
+            <a:extLst>
+              <a:ext uri="{FF2B5EF4-FFF2-40B4-BE49-F238E27FC236}">
+                <a16:creationId xmlns:a16="http://schemas.microsoft.com/office/drawing/2014/main" id="{C3C98BD0-58F3-42D6-8C5D-958CE03CB73A}"/>
+              </a:ext>
+            </a:extLst>
+          </p:cNvPr>
           <p:cNvSpPr>
             <a:spLocks noGrp="1"/>
           </p:cNvSpPr>
@@ -7543,7 +7622,13 @@
       </p:sp>
       <p:sp>
         <p:nvSpPr>
-          <p:cNvPr id="6" name="Slide Number Placeholder 5"/>
+          <p:cNvPr id="6" name="スライド番号プレースホルダー 5">
+            <a:extLst>
+              <a:ext uri="{FF2B5EF4-FFF2-40B4-BE49-F238E27FC236}">
+                <a16:creationId xmlns:a16="http://schemas.microsoft.com/office/drawing/2014/main" id="{EC08FB24-211C-478E-A616-A2237D785BBE}"/>
+              </a:ext>
+            </a:extLst>
+          </p:cNvPr>
           <p:cNvSpPr>
             <a:spLocks noGrp="1"/>
           </p:cNvSpPr>
@@ -7567,7 +7652,7 @@
     </p:spTree>
     <p:extLst>
       <p:ext uri="{BB962C8B-B14F-4D97-AF65-F5344CB8AC3E}">
-        <p14:creationId xmlns:p14="http://schemas.microsoft.com/office/powerpoint/2010/main" val="556868235"/>
+        <p14:creationId xmlns:p14="http://schemas.microsoft.com/office/powerpoint/2010/main" val="1932596389"/>
       </p:ext>
     </p:extLst>
   </p:cSld>
@@ -7596,7 +7681,13 @@
       </p:grpSpPr>
       <p:sp>
         <p:nvSpPr>
-          <p:cNvPr id="2" name="Title 1"/>
+          <p:cNvPr id="2" name="タイトル 1">
+            <a:extLst>
+              <a:ext uri="{FF2B5EF4-FFF2-40B4-BE49-F238E27FC236}">
+                <a16:creationId xmlns:a16="http://schemas.microsoft.com/office/drawing/2014/main" id="{B5403665-DC94-4AEB-9E44-163B2EF5F4CB}"/>
+              </a:ext>
+            </a:extLst>
+          </p:cNvPr>
           <p:cNvSpPr>
             <a:spLocks noGrp="1"/>
           </p:cNvSpPr>
@@ -7610,16 +7701,21 @@
           <a:lstStyle/>
           <a:p>
             <a:r>
-              <a:rPr lang="ja-JP" altLang="en-US"/>
+              <a:rPr kumimoji="1" lang="ja-JP" altLang="en-US"/>
               <a:t>マスター タイトルの書式設定</a:t>
             </a:r>
-            <a:endParaRPr lang="en-US" dirty="0"/>
           </a:p>
         </p:txBody>
       </p:sp>
       <p:sp>
         <p:nvSpPr>
-          <p:cNvPr id="3" name="Content Placeholder 2"/>
+          <p:cNvPr id="3" name="コンテンツ プレースホルダー 2">
+            <a:extLst>
+              <a:ext uri="{FF2B5EF4-FFF2-40B4-BE49-F238E27FC236}">
+                <a16:creationId xmlns:a16="http://schemas.microsoft.com/office/drawing/2014/main" id="{9A393221-615A-44AB-AFDF-2E36F8D15C67}"/>
+              </a:ext>
+            </a:extLst>
+          </p:cNvPr>
           <p:cNvSpPr>
             <a:spLocks noGrp="1"/>
           </p:cNvSpPr>
@@ -7634,76 +7730,81 @@
           <a:p>
             <a:pPr lvl="0"/>
             <a:r>
-              <a:rPr lang="ja-JP" altLang="en-US"/>
+              <a:rPr kumimoji="1" lang="ja-JP" altLang="en-US"/>
               <a:t>マスター テキストの書式設定</a:t>
             </a:r>
           </a:p>
           <a:p>
             <a:pPr lvl="1"/>
             <a:r>
-              <a:rPr lang="ja-JP" altLang="en-US"/>
+              <a:rPr kumimoji="1" lang="ja-JP" altLang="en-US"/>
               <a:t>第 </a:t>
             </a:r>
             <a:r>
-              <a:rPr lang="en-US" altLang="ja-JP"/>
+              <a:rPr kumimoji="1" lang="en-US" altLang="ja-JP"/>
               <a:t>2 </a:t>
             </a:r>
             <a:r>
-              <a:rPr lang="ja-JP" altLang="en-US"/>
+              <a:rPr kumimoji="1" lang="ja-JP" altLang="en-US"/>
               <a:t>レベル</a:t>
             </a:r>
           </a:p>
           <a:p>
             <a:pPr lvl="2"/>
             <a:r>
-              <a:rPr lang="ja-JP" altLang="en-US"/>
+              <a:rPr kumimoji="1" lang="ja-JP" altLang="en-US"/>
               <a:t>第 </a:t>
             </a:r>
             <a:r>
-              <a:rPr lang="en-US" altLang="ja-JP"/>
+              <a:rPr kumimoji="1" lang="en-US" altLang="ja-JP"/>
               <a:t>3 </a:t>
             </a:r>
             <a:r>
-              <a:rPr lang="ja-JP" altLang="en-US"/>
+              <a:rPr kumimoji="1" lang="ja-JP" altLang="en-US"/>
               <a:t>レベル</a:t>
             </a:r>
           </a:p>
           <a:p>
             <a:pPr lvl="3"/>
             <a:r>
-              <a:rPr lang="ja-JP" altLang="en-US"/>
+              <a:rPr kumimoji="1" lang="ja-JP" altLang="en-US"/>
               <a:t>第 </a:t>
             </a:r>
             <a:r>
-              <a:rPr lang="en-US" altLang="ja-JP"/>
+              <a:rPr kumimoji="1" lang="en-US" altLang="ja-JP"/>
               <a:t>4 </a:t>
             </a:r>
             <a:r>
-              <a:rPr lang="ja-JP" altLang="en-US"/>
+              <a:rPr kumimoji="1" lang="ja-JP" altLang="en-US"/>
               <a:t>レベル</a:t>
             </a:r>
           </a:p>
           <a:p>
             <a:pPr lvl="4"/>
             <a:r>
-              <a:rPr lang="ja-JP" altLang="en-US"/>
+              <a:rPr kumimoji="1" lang="ja-JP" altLang="en-US"/>
               <a:t>第 </a:t>
             </a:r>
             <a:r>
-              <a:rPr lang="en-US" altLang="ja-JP"/>
+              <a:rPr kumimoji="1" lang="en-US" altLang="ja-JP"/>
               <a:t>5 </a:t>
             </a:r>
             <a:r>
-              <a:rPr lang="ja-JP" altLang="en-US"/>
+              <a:rPr kumimoji="1" lang="ja-JP" altLang="en-US"/>
               <a:t>レベル</a:t>
             </a:r>
-            <a:endParaRPr lang="en-US" dirty="0"/>
           </a:p>
         </p:txBody>
       </p:sp>
       <p:sp>
         <p:nvSpPr>
-          <p:cNvPr id="4" name="Date Placeholder 3"/>
+          <p:cNvPr id="4" name="日付プレースホルダー 3">
+            <a:extLst>
+              <a:ext uri="{FF2B5EF4-FFF2-40B4-BE49-F238E27FC236}">
+                <a16:creationId xmlns:a16="http://schemas.microsoft.com/office/drawing/2014/main" id="{DED00C76-B288-4E86-A074-199AF6A3B221}"/>
+              </a:ext>
+            </a:extLst>
+          </p:cNvPr>
           <p:cNvSpPr>
             <a:spLocks noGrp="1"/>
           </p:cNvSpPr>
@@ -7718,7 +7819,7 @@
           <a:p>
             <a:fld id="{6E587BC8-DE6F-4726-95DA-1B2BF3724B67}" type="datetimeFigureOut">
               <a:rPr kumimoji="1" lang="ja-JP" altLang="en-US" smtClean="0"/>
-              <a:t>2019/6/18</a:t>
+              <a:t>2019/9/23</a:t>
             </a:fld>
             <a:endParaRPr kumimoji="1" lang="ja-JP" altLang="en-US"/>
           </a:p>
@@ -7726,7 +7827,13 @@
       </p:sp>
       <p:sp>
         <p:nvSpPr>
-          <p:cNvPr id="5" name="Footer Placeholder 4"/>
+          <p:cNvPr id="5" name="フッター プレースホルダー 4">
+            <a:extLst>
+              <a:ext uri="{FF2B5EF4-FFF2-40B4-BE49-F238E27FC236}">
+                <a16:creationId xmlns:a16="http://schemas.microsoft.com/office/drawing/2014/main" id="{E5C10790-82DC-44DA-BC9D-ECAC41E7C87A}"/>
+              </a:ext>
+            </a:extLst>
+          </p:cNvPr>
           <p:cNvSpPr>
             <a:spLocks noGrp="1"/>
           </p:cNvSpPr>
@@ -7745,7 +7852,13 @@
       </p:sp>
       <p:sp>
         <p:nvSpPr>
-          <p:cNvPr id="6" name="Slide Number Placeholder 5"/>
+          <p:cNvPr id="6" name="スライド番号プレースホルダー 5">
+            <a:extLst>
+              <a:ext uri="{FF2B5EF4-FFF2-40B4-BE49-F238E27FC236}">
+                <a16:creationId xmlns:a16="http://schemas.microsoft.com/office/drawing/2014/main" id="{EC506A1B-E945-498D-B251-A80293D1C1EC}"/>
+              </a:ext>
+            </a:extLst>
+          </p:cNvPr>
           <p:cNvSpPr>
             <a:spLocks noGrp="1"/>
           </p:cNvSpPr>
@@ -7769,7 +7882,7 @@
     </p:spTree>
     <p:extLst>
       <p:ext uri="{BB962C8B-B14F-4D97-AF65-F5344CB8AC3E}">
-        <p14:creationId xmlns:p14="http://schemas.microsoft.com/office/powerpoint/2010/main" val="3083257669"/>
+        <p14:creationId xmlns:p14="http://schemas.microsoft.com/office/powerpoint/2010/main" val="2531654009"/>
       </p:ext>
     </p:extLst>
   </p:cSld>
@@ -7798,7 +7911,13 @@
       </p:grpSpPr>
       <p:sp>
         <p:nvSpPr>
-          <p:cNvPr id="2" name="Title 1"/>
+          <p:cNvPr id="2" name="タイトル 1">
+            <a:extLst>
+              <a:ext uri="{FF2B5EF4-FFF2-40B4-BE49-F238E27FC236}">
+                <a16:creationId xmlns:a16="http://schemas.microsoft.com/office/drawing/2014/main" id="{90244CCD-63A7-48E2-B154-423B0811AE70}"/>
+              </a:ext>
+            </a:extLst>
+          </p:cNvPr>
           <p:cNvSpPr>
             <a:spLocks noGrp="1"/>
           </p:cNvSpPr>
@@ -7821,16 +7940,21 @@
           </a:lstStyle>
           <a:p>
             <a:r>
-              <a:rPr lang="ja-JP" altLang="en-US"/>
+              <a:rPr kumimoji="1" lang="ja-JP" altLang="en-US"/>
               <a:t>マスター タイトルの書式設定</a:t>
             </a:r>
-            <a:endParaRPr lang="en-US" dirty="0"/>
           </a:p>
         </p:txBody>
       </p:sp>
       <p:sp>
         <p:nvSpPr>
-          <p:cNvPr id="3" name="Text Placeholder 2"/>
+          <p:cNvPr id="3" name="テキスト プレースホルダー 2">
+            <a:extLst>
+              <a:ext uri="{FF2B5EF4-FFF2-40B4-BE49-F238E27FC236}">
+                <a16:creationId xmlns:a16="http://schemas.microsoft.com/office/drawing/2014/main" id="{996370FD-3F6C-4F34-9100-0CB72592C058}"/>
+              </a:ext>
+            </a:extLst>
+          </p:cNvPr>
           <p:cNvSpPr>
             <a:spLocks noGrp="1"/>
           </p:cNvSpPr>
@@ -7941,7 +8065,7 @@
           <a:p>
             <a:pPr lvl="0"/>
             <a:r>
-              <a:rPr lang="ja-JP" altLang="en-US"/>
+              <a:rPr kumimoji="1" lang="ja-JP" altLang="en-US"/>
               <a:t>マスター テキストの書式設定</a:t>
             </a:r>
           </a:p>
@@ -7949,7 +8073,13 @@
       </p:sp>
       <p:sp>
         <p:nvSpPr>
-          <p:cNvPr id="4" name="Date Placeholder 3"/>
+          <p:cNvPr id="4" name="日付プレースホルダー 3">
+            <a:extLst>
+              <a:ext uri="{FF2B5EF4-FFF2-40B4-BE49-F238E27FC236}">
+                <a16:creationId xmlns:a16="http://schemas.microsoft.com/office/drawing/2014/main" id="{98958751-B009-49E2-85AE-C7A40FDBFA65}"/>
+              </a:ext>
+            </a:extLst>
+          </p:cNvPr>
           <p:cNvSpPr>
             <a:spLocks noGrp="1"/>
           </p:cNvSpPr>
@@ -7964,7 +8094,7 @@
           <a:p>
             <a:fld id="{6E587BC8-DE6F-4726-95DA-1B2BF3724B67}" type="datetimeFigureOut">
               <a:rPr kumimoji="1" lang="ja-JP" altLang="en-US" smtClean="0"/>
-              <a:t>2019/6/18</a:t>
+              <a:t>2019/9/23</a:t>
             </a:fld>
             <a:endParaRPr kumimoji="1" lang="ja-JP" altLang="en-US"/>
           </a:p>
@@ -7972,7 +8102,13 @@
       </p:sp>
       <p:sp>
         <p:nvSpPr>
-          <p:cNvPr id="5" name="Footer Placeholder 4"/>
+          <p:cNvPr id="5" name="フッター プレースホルダー 4">
+            <a:extLst>
+              <a:ext uri="{FF2B5EF4-FFF2-40B4-BE49-F238E27FC236}">
+                <a16:creationId xmlns:a16="http://schemas.microsoft.com/office/drawing/2014/main" id="{6B84CAAA-79E4-48EE-8FB8-8DE9B7AB5EB7}"/>
+              </a:ext>
+            </a:extLst>
+          </p:cNvPr>
           <p:cNvSpPr>
             <a:spLocks noGrp="1"/>
           </p:cNvSpPr>
@@ -7991,7 +8127,13 @@
       </p:sp>
       <p:sp>
         <p:nvSpPr>
-          <p:cNvPr id="6" name="Slide Number Placeholder 5"/>
+          <p:cNvPr id="6" name="スライド番号プレースホルダー 5">
+            <a:extLst>
+              <a:ext uri="{FF2B5EF4-FFF2-40B4-BE49-F238E27FC236}">
+                <a16:creationId xmlns:a16="http://schemas.microsoft.com/office/drawing/2014/main" id="{0B9DF5E4-56A8-4C3A-974C-2CDCDFF434FE}"/>
+              </a:ext>
+            </a:extLst>
+          </p:cNvPr>
           <p:cNvSpPr>
             <a:spLocks noGrp="1"/>
           </p:cNvSpPr>
@@ -8015,7 +8157,7 @@
     </p:spTree>
     <p:extLst>
       <p:ext uri="{BB962C8B-B14F-4D97-AF65-F5344CB8AC3E}">
-        <p14:creationId xmlns:p14="http://schemas.microsoft.com/office/powerpoint/2010/main" val="4170551563"/>
+        <p14:creationId xmlns:p14="http://schemas.microsoft.com/office/powerpoint/2010/main" val="4148378288"/>
       </p:ext>
     </p:extLst>
   </p:cSld>
@@ -8044,7 +8186,13 @@
       </p:grpSpPr>
       <p:sp>
         <p:nvSpPr>
-          <p:cNvPr id="2" name="Title 1"/>
+          <p:cNvPr id="2" name="タイトル 1">
+            <a:extLst>
+              <a:ext uri="{FF2B5EF4-FFF2-40B4-BE49-F238E27FC236}">
+                <a16:creationId xmlns:a16="http://schemas.microsoft.com/office/drawing/2014/main" id="{1B24626B-8CD1-4DB5-AF56-DB8911478CF1}"/>
+              </a:ext>
+            </a:extLst>
+          </p:cNvPr>
           <p:cNvSpPr>
             <a:spLocks noGrp="1"/>
           </p:cNvSpPr>
@@ -8058,16 +8206,21 @@
           <a:lstStyle/>
           <a:p>
             <a:r>
-              <a:rPr lang="ja-JP" altLang="en-US"/>
+              <a:rPr kumimoji="1" lang="ja-JP" altLang="en-US"/>
               <a:t>マスター タイトルの書式設定</a:t>
             </a:r>
-            <a:endParaRPr lang="en-US" dirty="0"/>
           </a:p>
         </p:txBody>
       </p:sp>
       <p:sp>
         <p:nvSpPr>
-          <p:cNvPr id="3" name="Content Placeholder 2"/>
+          <p:cNvPr id="3" name="コンテンツ プレースホルダー 2">
+            <a:extLst>
+              <a:ext uri="{FF2B5EF4-FFF2-40B4-BE49-F238E27FC236}">
+                <a16:creationId xmlns:a16="http://schemas.microsoft.com/office/drawing/2014/main" id="{BE67960A-AAA6-4B11-94E1-2828972C60CE}"/>
+              </a:ext>
+            </a:extLst>
+          </p:cNvPr>
           <p:cNvSpPr>
             <a:spLocks noGrp="1"/>
           </p:cNvSpPr>
@@ -8087,76 +8240,81 @@
           <a:p>
             <a:pPr lvl="0"/>
             <a:r>
-              <a:rPr lang="ja-JP" altLang="en-US"/>
+              <a:rPr kumimoji="1" lang="ja-JP" altLang="en-US"/>
               <a:t>マスター テキストの書式設定</a:t>
             </a:r>
           </a:p>
           <a:p>
             <a:pPr lvl="1"/>
             <a:r>
-              <a:rPr lang="ja-JP" altLang="en-US"/>
+              <a:rPr kumimoji="1" lang="ja-JP" altLang="en-US"/>
               <a:t>第 </a:t>
             </a:r>
             <a:r>
-              <a:rPr lang="en-US" altLang="ja-JP"/>
+              <a:rPr kumimoji="1" lang="en-US" altLang="ja-JP"/>
               <a:t>2 </a:t>
             </a:r>
             <a:r>
-              <a:rPr lang="ja-JP" altLang="en-US"/>
+              <a:rPr kumimoji="1" lang="ja-JP" altLang="en-US"/>
               <a:t>レベル</a:t>
             </a:r>
           </a:p>
           <a:p>
             <a:pPr lvl="2"/>
             <a:r>
-              <a:rPr lang="ja-JP" altLang="en-US"/>
+              <a:rPr kumimoji="1" lang="ja-JP" altLang="en-US"/>
               <a:t>第 </a:t>
             </a:r>
             <a:r>
-              <a:rPr lang="en-US" altLang="ja-JP"/>
+              <a:rPr kumimoji="1" lang="en-US" altLang="ja-JP"/>
               <a:t>3 </a:t>
             </a:r>
             <a:r>
-              <a:rPr lang="ja-JP" altLang="en-US"/>
+              <a:rPr kumimoji="1" lang="ja-JP" altLang="en-US"/>
               <a:t>レベル</a:t>
             </a:r>
           </a:p>
           <a:p>
             <a:pPr lvl="3"/>
             <a:r>
-              <a:rPr lang="ja-JP" altLang="en-US"/>
+              <a:rPr kumimoji="1" lang="ja-JP" altLang="en-US"/>
               <a:t>第 </a:t>
             </a:r>
             <a:r>
-              <a:rPr lang="en-US" altLang="ja-JP"/>
+              <a:rPr kumimoji="1" lang="en-US" altLang="ja-JP"/>
               <a:t>4 </a:t>
             </a:r>
             <a:r>
-              <a:rPr lang="ja-JP" altLang="en-US"/>
+              <a:rPr kumimoji="1" lang="ja-JP" altLang="en-US"/>
               <a:t>レベル</a:t>
             </a:r>
           </a:p>
           <a:p>
             <a:pPr lvl="4"/>
             <a:r>
-              <a:rPr lang="ja-JP" altLang="en-US"/>
+              <a:rPr kumimoji="1" lang="ja-JP" altLang="en-US"/>
               <a:t>第 </a:t>
             </a:r>
             <a:r>
-              <a:rPr lang="en-US" altLang="ja-JP"/>
+              <a:rPr kumimoji="1" lang="en-US" altLang="ja-JP"/>
               <a:t>5 </a:t>
             </a:r>
             <a:r>
-              <a:rPr lang="ja-JP" altLang="en-US"/>
+              <a:rPr kumimoji="1" lang="ja-JP" altLang="en-US"/>
               <a:t>レベル</a:t>
             </a:r>
-            <a:endParaRPr lang="en-US" dirty="0"/>
           </a:p>
         </p:txBody>
       </p:sp>
       <p:sp>
         <p:nvSpPr>
-          <p:cNvPr id="4" name="Content Placeholder 3"/>
+          <p:cNvPr id="4" name="コンテンツ プレースホルダー 3">
+            <a:extLst>
+              <a:ext uri="{FF2B5EF4-FFF2-40B4-BE49-F238E27FC236}">
+                <a16:creationId xmlns:a16="http://schemas.microsoft.com/office/drawing/2014/main" id="{762C0D7C-9430-40A7-AF7F-35114C695566}"/>
+              </a:ext>
+            </a:extLst>
+          </p:cNvPr>
           <p:cNvSpPr>
             <a:spLocks noGrp="1"/>
           </p:cNvSpPr>
@@ -8176,76 +8334,81 @@
           <a:p>
             <a:pPr lvl="0"/>
             <a:r>
-              <a:rPr lang="ja-JP" altLang="en-US"/>
+              <a:rPr kumimoji="1" lang="ja-JP" altLang="en-US"/>
               <a:t>マスター テキストの書式設定</a:t>
             </a:r>
           </a:p>
           <a:p>
             <a:pPr lvl="1"/>
             <a:r>
-              <a:rPr lang="ja-JP" altLang="en-US"/>
+              <a:rPr kumimoji="1" lang="ja-JP" altLang="en-US"/>
               <a:t>第 </a:t>
             </a:r>
             <a:r>
-              <a:rPr lang="en-US" altLang="ja-JP"/>
+              <a:rPr kumimoji="1" lang="en-US" altLang="ja-JP"/>
               <a:t>2 </a:t>
             </a:r>
             <a:r>
-              <a:rPr lang="ja-JP" altLang="en-US"/>
+              <a:rPr kumimoji="1" lang="ja-JP" altLang="en-US"/>
               <a:t>レベル</a:t>
             </a:r>
           </a:p>
           <a:p>
             <a:pPr lvl="2"/>
             <a:r>
-              <a:rPr lang="ja-JP" altLang="en-US"/>
+              <a:rPr kumimoji="1" lang="ja-JP" altLang="en-US"/>
               <a:t>第 </a:t>
             </a:r>
             <a:r>
-              <a:rPr lang="en-US" altLang="ja-JP"/>
+              <a:rPr kumimoji="1" lang="en-US" altLang="ja-JP"/>
               <a:t>3 </a:t>
             </a:r>
             <a:r>
-              <a:rPr lang="ja-JP" altLang="en-US"/>
+              <a:rPr kumimoji="1" lang="ja-JP" altLang="en-US"/>
               <a:t>レベル</a:t>
             </a:r>
           </a:p>
           <a:p>
             <a:pPr lvl="3"/>
             <a:r>
-              <a:rPr lang="ja-JP" altLang="en-US"/>
+              <a:rPr kumimoji="1" lang="ja-JP" altLang="en-US"/>
               <a:t>第 </a:t>
             </a:r>
             <a:r>
-              <a:rPr lang="en-US" altLang="ja-JP"/>
+              <a:rPr kumimoji="1" lang="en-US" altLang="ja-JP"/>
               <a:t>4 </a:t>
             </a:r>
             <a:r>
-              <a:rPr lang="ja-JP" altLang="en-US"/>
+              <a:rPr kumimoji="1" lang="ja-JP" altLang="en-US"/>
               <a:t>レベル</a:t>
             </a:r>
           </a:p>
           <a:p>
             <a:pPr lvl="4"/>
             <a:r>
-              <a:rPr lang="ja-JP" altLang="en-US"/>
+              <a:rPr kumimoji="1" lang="ja-JP" altLang="en-US"/>
               <a:t>第 </a:t>
             </a:r>
             <a:r>
-              <a:rPr lang="en-US" altLang="ja-JP"/>
+              <a:rPr kumimoji="1" lang="en-US" altLang="ja-JP"/>
               <a:t>5 </a:t>
             </a:r>
             <a:r>
-              <a:rPr lang="ja-JP" altLang="en-US"/>
+              <a:rPr kumimoji="1" lang="ja-JP" altLang="en-US"/>
               <a:t>レベル</a:t>
             </a:r>
-            <a:endParaRPr lang="en-US" dirty="0"/>
           </a:p>
         </p:txBody>
       </p:sp>
       <p:sp>
         <p:nvSpPr>
-          <p:cNvPr id="5" name="Date Placeholder 4"/>
+          <p:cNvPr id="5" name="日付プレースホルダー 4">
+            <a:extLst>
+              <a:ext uri="{FF2B5EF4-FFF2-40B4-BE49-F238E27FC236}">
+                <a16:creationId xmlns:a16="http://schemas.microsoft.com/office/drawing/2014/main" id="{4C776E04-3719-4C68-B189-F1F8ED48760C}"/>
+              </a:ext>
+            </a:extLst>
+          </p:cNvPr>
           <p:cNvSpPr>
             <a:spLocks noGrp="1"/>
           </p:cNvSpPr>
@@ -8260,7 +8423,7 @@
           <a:p>
             <a:fld id="{6E587BC8-DE6F-4726-95DA-1B2BF3724B67}" type="datetimeFigureOut">
               <a:rPr kumimoji="1" lang="ja-JP" altLang="en-US" smtClean="0"/>
-              <a:t>2019/6/18</a:t>
+              <a:t>2019/9/23</a:t>
             </a:fld>
             <a:endParaRPr kumimoji="1" lang="ja-JP" altLang="en-US"/>
           </a:p>
@@ -8268,7 +8431,13 @@
       </p:sp>
       <p:sp>
         <p:nvSpPr>
-          <p:cNvPr id="6" name="Footer Placeholder 5"/>
+          <p:cNvPr id="6" name="フッター プレースホルダー 5">
+            <a:extLst>
+              <a:ext uri="{FF2B5EF4-FFF2-40B4-BE49-F238E27FC236}">
+                <a16:creationId xmlns:a16="http://schemas.microsoft.com/office/drawing/2014/main" id="{5256F73F-DCF2-430A-AFB6-8D539978D9B0}"/>
+              </a:ext>
+            </a:extLst>
+          </p:cNvPr>
           <p:cNvSpPr>
             <a:spLocks noGrp="1"/>
           </p:cNvSpPr>
@@ -8287,7 +8456,13 @@
       </p:sp>
       <p:sp>
         <p:nvSpPr>
-          <p:cNvPr id="7" name="Slide Number Placeholder 6"/>
+          <p:cNvPr id="7" name="スライド番号プレースホルダー 6">
+            <a:extLst>
+              <a:ext uri="{FF2B5EF4-FFF2-40B4-BE49-F238E27FC236}">
+                <a16:creationId xmlns:a16="http://schemas.microsoft.com/office/drawing/2014/main" id="{07775E63-4D10-43EF-8D82-5F764F638612}"/>
+              </a:ext>
+            </a:extLst>
+          </p:cNvPr>
           <p:cNvSpPr>
             <a:spLocks noGrp="1"/>
           </p:cNvSpPr>
@@ -8311,7 +8486,7 @@
     </p:spTree>
     <p:extLst>
       <p:ext uri="{BB962C8B-B14F-4D97-AF65-F5344CB8AC3E}">
-        <p14:creationId xmlns:p14="http://schemas.microsoft.com/office/powerpoint/2010/main" val="2896937357"/>
+        <p14:creationId xmlns:p14="http://schemas.microsoft.com/office/powerpoint/2010/main" val="1235372759"/>
       </p:ext>
     </p:extLst>
   </p:cSld>
@@ -8340,7 +8515,13 @@
       </p:grpSpPr>
       <p:sp>
         <p:nvSpPr>
-          <p:cNvPr id="2" name="Title 1"/>
+          <p:cNvPr id="2" name="タイトル 1">
+            <a:extLst>
+              <a:ext uri="{FF2B5EF4-FFF2-40B4-BE49-F238E27FC236}">
+                <a16:creationId xmlns:a16="http://schemas.microsoft.com/office/drawing/2014/main" id="{171E1526-0D02-4D56-B289-C26643BB501F}"/>
+              </a:ext>
+            </a:extLst>
+          </p:cNvPr>
           <p:cNvSpPr>
             <a:spLocks noGrp="1"/>
           </p:cNvSpPr>
@@ -8359,16 +8540,21 @@
           <a:lstStyle/>
           <a:p>
             <a:r>
-              <a:rPr lang="ja-JP" altLang="en-US"/>
+              <a:rPr kumimoji="1" lang="ja-JP" altLang="en-US"/>
               <a:t>マスター タイトルの書式設定</a:t>
             </a:r>
-            <a:endParaRPr lang="en-US" dirty="0"/>
           </a:p>
         </p:txBody>
       </p:sp>
       <p:sp>
         <p:nvSpPr>
-          <p:cNvPr id="3" name="Text Placeholder 2"/>
+          <p:cNvPr id="3" name="テキスト プレースホルダー 2">
+            <a:extLst>
+              <a:ext uri="{FF2B5EF4-FFF2-40B4-BE49-F238E27FC236}">
+                <a16:creationId xmlns:a16="http://schemas.microsoft.com/office/drawing/2014/main" id="{D1270CD0-C5C2-4321-BB85-C4B0F9E5BFDD}"/>
+              </a:ext>
+            </a:extLst>
+          </p:cNvPr>
           <p:cNvSpPr>
             <a:spLocks noGrp="1"/>
           </p:cNvSpPr>
@@ -8425,7 +8611,7 @@
           <a:p>
             <a:pPr lvl="0"/>
             <a:r>
-              <a:rPr lang="ja-JP" altLang="en-US"/>
+              <a:rPr kumimoji="1" lang="ja-JP" altLang="en-US"/>
               <a:t>マスター テキストの書式設定</a:t>
             </a:r>
           </a:p>
@@ -8433,7 +8619,13 @@
       </p:sp>
       <p:sp>
         <p:nvSpPr>
-          <p:cNvPr id="4" name="Content Placeholder 3"/>
+          <p:cNvPr id="4" name="コンテンツ プレースホルダー 3">
+            <a:extLst>
+              <a:ext uri="{FF2B5EF4-FFF2-40B4-BE49-F238E27FC236}">
+                <a16:creationId xmlns:a16="http://schemas.microsoft.com/office/drawing/2014/main" id="{A619F30B-03FC-426A-B18C-625FE30EB325}"/>
+              </a:ext>
+            </a:extLst>
+          </p:cNvPr>
           <p:cNvSpPr>
             <a:spLocks noGrp="1"/>
           </p:cNvSpPr>
@@ -8453,76 +8645,81 @@
           <a:p>
             <a:pPr lvl="0"/>
             <a:r>
-              <a:rPr lang="ja-JP" altLang="en-US"/>
+              <a:rPr kumimoji="1" lang="ja-JP" altLang="en-US"/>
               <a:t>マスター テキストの書式設定</a:t>
             </a:r>
           </a:p>
           <a:p>
             <a:pPr lvl="1"/>
             <a:r>
-              <a:rPr lang="ja-JP" altLang="en-US"/>
+              <a:rPr kumimoji="1" lang="ja-JP" altLang="en-US"/>
               <a:t>第 </a:t>
             </a:r>
             <a:r>
-              <a:rPr lang="en-US" altLang="ja-JP"/>
+              <a:rPr kumimoji="1" lang="en-US" altLang="ja-JP"/>
               <a:t>2 </a:t>
             </a:r>
             <a:r>
-              <a:rPr lang="ja-JP" altLang="en-US"/>
+              <a:rPr kumimoji="1" lang="ja-JP" altLang="en-US"/>
               <a:t>レベル</a:t>
             </a:r>
           </a:p>
           <a:p>
             <a:pPr lvl="2"/>
             <a:r>
-              <a:rPr lang="ja-JP" altLang="en-US"/>
+              <a:rPr kumimoji="1" lang="ja-JP" altLang="en-US"/>
               <a:t>第 </a:t>
             </a:r>
             <a:r>
-              <a:rPr lang="en-US" altLang="ja-JP"/>
+              <a:rPr kumimoji="1" lang="en-US" altLang="ja-JP"/>
               <a:t>3 </a:t>
             </a:r>
             <a:r>
-              <a:rPr lang="ja-JP" altLang="en-US"/>
+              <a:rPr kumimoji="1" lang="ja-JP" altLang="en-US"/>
               <a:t>レベル</a:t>
             </a:r>
           </a:p>
           <a:p>
             <a:pPr lvl="3"/>
             <a:r>
-              <a:rPr lang="ja-JP" altLang="en-US"/>
+              <a:rPr kumimoji="1" lang="ja-JP" altLang="en-US"/>
               <a:t>第 </a:t>
             </a:r>
             <a:r>
-              <a:rPr lang="en-US" altLang="ja-JP"/>
+              <a:rPr kumimoji="1" lang="en-US" altLang="ja-JP"/>
               <a:t>4 </a:t>
             </a:r>
             <a:r>
-              <a:rPr lang="ja-JP" altLang="en-US"/>
+              <a:rPr kumimoji="1" lang="ja-JP" altLang="en-US"/>
               <a:t>レベル</a:t>
             </a:r>
           </a:p>
           <a:p>
             <a:pPr lvl="4"/>
             <a:r>
-              <a:rPr lang="ja-JP" altLang="en-US"/>
+              <a:rPr kumimoji="1" lang="ja-JP" altLang="en-US"/>
               <a:t>第 </a:t>
             </a:r>
             <a:r>
-              <a:rPr lang="en-US" altLang="ja-JP"/>
+              <a:rPr kumimoji="1" lang="en-US" altLang="ja-JP"/>
               <a:t>5 </a:t>
             </a:r>
             <a:r>
-              <a:rPr lang="ja-JP" altLang="en-US"/>
+              <a:rPr kumimoji="1" lang="ja-JP" altLang="en-US"/>
               <a:t>レベル</a:t>
             </a:r>
-            <a:endParaRPr lang="en-US" dirty="0"/>
           </a:p>
         </p:txBody>
       </p:sp>
       <p:sp>
         <p:nvSpPr>
-          <p:cNvPr id="5" name="Text Placeholder 4"/>
+          <p:cNvPr id="5" name="テキスト プレースホルダー 4">
+            <a:extLst>
+              <a:ext uri="{FF2B5EF4-FFF2-40B4-BE49-F238E27FC236}">
+                <a16:creationId xmlns:a16="http://schemas.microsoft.com/office/drawing/2014/main" id="{A06F4BA0-B5D9-40A6-B9B6-95954BD4920C}"/>
+              </a:ext>
+            </a:extLst>
+          </p:cNvPr>
           <p:cNvSpPr>
             <a:spLocks noGrp="1"/>
           </p:cNvSpPr>
@@ -8579,7 +8776,7 @@
           <a:p>
             <a:pPr lvl="0"/>
             <a:r>
-              <a:rPr lang="ja-JP" altLang="en-US"/>
+              <a:rPr kumimoji="1" lang="ja-JP" altLang="en-US"/>
               <a:t>マスター テキストの書式設定</a:t>
             </a:r>
           </a:p>
@@ -8587,7 +8784,13 @@
       </p:sp>
       <p:sp>
         <p:nvSpPr>
-          <p:cNvPr id="6" name="Content Placeholder 5"/>
+          <p:cNvPr id="6" name="コンテンツ プレースホルダー 5">
+            <a:extLst>
+              <a:ext uri="{FF2B5EF4-FFF2-40B4-BE49-F238E27FC236}">
+                <a16:creationId xmlns:a16="http://schemas.microsoft.com/office/drawing/2014/main" id="{A4C58F45-5642-419D-9803-5086108DC93C}"/>
+              </a:ext>
+            </a:extLst>
+          </p:cNvPr>
           <p:cNvSpPr>
             <a:spLocks noGrp="1"/>
           </p:cNvSpPr>
@@ -8607,76 +8810,81 @@
           <a:p>
             <a:pPr lvl="0"/>
             <a:r>
-              <a:rPr lang="ja-JP" altLang="en-US"/>
+              <a:rPr kumimoji="1" lang="ja-JP" altLang="en-US"/>
               <a:t>マスター テキストの書式設定</a:t>
             </a:r>
           </a:p>
           <a:p>
             <a:pPr lvl="1"/>
             <a:r>
-              <a:rPr lang="ja-JP" altLang="en-US"/>
+              <a:rPr kumimoji="1" lang="ja-JP" altLang="en-US"/>
               <a:t>第 </a:t>
             </a:r>
             <a:r>
-              <a:rPr lang="en-US" altLang="ja-JP"/>
+              <a:rPr kumimoji="1" lang="en-US" altLang="ja-JP"/>
               <a:t>2 </a:t>
             </a:r>
             <a:r>
-              <a:rPr lang="ja-JP" altLang="en-US"/>
+              <a:rPr kumimoji="1" lang="ja-JP" altLang="en-US"/>
               <a:t>レベル</a:t>
             </a:r>
           </a:p>
           <a:p>
             <a:pPr lvl="2"/>
             <a:r>
-              <a:rPr lang="ja-JP" altLang="en-US"/>
+              <a:rPr kumimoji="1" lang="ja-JP" altLang="en-US"/>
               <a:t>第 </a:t>
             </a:r>
             <a:r>
-              <a:rPr lang="en-US" altLang="ja-JP"/>
+              <a:rPr kumimoji="1" lang="en-US" altLang="ja-JP"/>
               <a:t>3 </a:t>
             </a:r>
             <a:r>
-              <a:rPr lang="ja-JP" altLang="en-US"/>
+              <a:rPr kumimoji="1" lang="ja-JP" altLang="en-US"/>
               <a:t>レベル</a:t>
             </a:r>
           </a:p>
           <a:p>
             <a:pPr lvl="3"/>
             <a:r>
-              <a:rPr lang="ja-JP" altLang="en-US"/>
+              <a:rPr kumimoji="1" lang="ja-JP" altLang="en-US"/>
               <a:t>第 </a:t>
             </a:r>
             <a:r>
-              <a:rPr lang="en-US" altLang="ja-JP"/>
+              <a:rPr kumimoji="1" lang="en-US" altLang="ja-JP"/>
               <a:t>4 </a:t>
             </a:r>
             <a:r>
-              <a:rPr lang="ja-JP" altLang="en-US"/>
+              <a:rPr kumimoji="1" lang="ja-JP" altLang="en-US"/>
               <a:t>レベル</a:t>
             </a:r>
           </a:p>
           <a:p>
             <a:pPr lvl="4"/>
             <a:r>
-              <a:rPr lang="ja-JP" altLang="en-US"/>
+              <a:rPr kumimoji="1" lang="ja-JP" altLang="en-US"/>
               <a:t>第 </a:t>
             </a:r>
             <a:r>
-              <a:rPr lang="en-US" altLang="ja-JP"/>
+              <a:rPr kumimoji="1" lang="en-US" altLang="ja-JP"/>
               <a:t>5 </a:t>
             </a:r>
             <a:r>
-              <a:rPr lang="ja-JP" altLang="en-US"/>
+              <a:rPr kumimoji="1" lang="ja-JP" altLang="en-US"/>
               <a:t>レベル</a:t>
             </a:r>
-            <a:endParaRPr lang="en-US" dirty="0"/>
           </a:p>
         </p:txBody>
       </p:sp>
       <p:sp>
         <p:nvSpPr>
-          <p:cNvPr id="7" name="Date Placeholder 6"/>
+          <p:cNvPr id="7" name="日付プレースホルダー 6">
+            <a:extLst>
+              <a:ext uri="{FF2B5EF4-FFF2-40B4-BE49-F238E27FC236}">
+                <a16:creationId xmlns:a16="http://schemas.microsoft.com/office/drawing/2014/main" id="{9E000A11-6784-4681-A555-31BCFCE5B07D}"/>
+              </a:ext>
+            </a:extLst>
+          </p:cNvPr>
           <p:cNvSpPr>
             <a:spLocks noGrp="1"/>
           </p:cNvSpPr>
@@ -8691,7 +8899,7 @@
           <a:p>
             <a:fld id="{6E587BC8-DE6F-4726-95DA-1B2BF3724B67}" type="datetimeFigureOut">
               <a:rPr kumimoji="1" lang="ja-JP" altLang="en-US" smtClean="0"/>
-              <a:t>2019/6/18</a:t>
+              <a:t>2019/9/23</a:t>
             </a:fld>
             <a:endParaRPr kumimoji="1" lang="ja-JP" altLang="en-US"/>
           </a:p>
@@ -8699,7 +8907,13 @@
       </p:sp>
       <p:sp>
         <p:nvSpPr>
-          <p:cNvPr id="8" name="Footer Placeholder 7"/>
+          <p:cNvPr id="8" name="フッター プレースホルダー 7">
+            <a:extLst>
+              <a:ext uri="{FF2B5EF4-FFF2-40B4-BE49-F238E27FC236}">
+                <a16:creationId xmlns:a16="http://schemas.microsoft.com/office/drawing/2014/main" id="{A18993B1-712A-4596-9EB0-E6620719D35A}"/>
+              </a:ext>
+            </a:extLst>
+          </p:cNvPr>
           <p:cNvSpPr>
             <a:spLocks noGrp="1"/>
           </p:cNvSpPr>
@@ -8718,7 +8932,13 @@
       </p:sp>
       <p:sp>
         <p:nvSpPr>
-          <p:cNvPr id="9" name="Slide Number Placeholder 8"/>
+          <p:cNvPr id="9" name="スライド番号プレースホルダー 8">
+            <a:extLst>
+              <a:ext uri="{FF2B5EF4-FFF2-40B4-BE49-F238E27FC236}">
+                <a16:creationId xmlns:a16="http://schemas.microsoft.com/office/drawing/2014/main" id="{CB9C6F1E-8158-405F-9A68-95A659F4B217}"/>
+              </a:ext>
+            </a:extLst>
+          </p:cNvPr>
           <p:cNvSpPr>
             <a:spLocks noGrp="1"/>
           </p:cNvSpPr>
@@ -8742,7 +8962,7 @@
     </p:spTree>
     <p:extLst>
       <p:ext uri="{BB962C8B-B14F-4D97-AF65-F5344CB8AC3E}">
-        <p14:creationId xmlns:p14="http://schemas.microsoft.com/office/powerpoint/2010/main" val="1108833359"/>
+        <p14:creationId xmlns:p14="http://schemas.microsoft.com/office/powerpoint/2010/main" val="1259184522"/>
       </p:ext>
     </p:extLst>
   </p:cSld>
@@ -8771,7 +8991,13 @@
       </p:grpSpPr>
       <p:sp>
         <p:nvSpPr>
-          <p:cNvPr id="2" name="Title 1"/>
+          <p:cNvPr id="2" name="タイトル 1">
+            <a:extLst>
+              <a:ext uri="{FF2B5EF4-FFF2-40B4-BE49-F238E27FC236}">
+                <a16:creationId xmlns:a16="http://schemas.microsoft.com/office/drawing/2014/main" id="{7C294A32-BA7E-42C9-8A87-E83AAC23D7CB}"/>
+              </a:ext>
+            </a:extLst>
+          </p:cNvPr>
           <p:cNvSpPr>
             <a:spLocks noGrp="1"/>
           </p:cNvSpPr>
@@ -8785,16 +9011,21 @@
           <a:lstStyle/>
           <a:p>
             <a:r>
-              <a:rPr lang="ja-JP" altLang="en-US"/>
+              <a:rPr kumimoji="1" lang="ja-JP" altLang="en-US"/>
               <a:t>マスター タイトルの書式設定</a:t>
             </a:r>
-            <a:endParaRPr lang="en-US" dirty="0"/>
           </a:p>
         </p:txBody>
       </p:sp>
       <p:sp>
         <p:nvSpPr>
-          <p:cNvPr id="3" name="Date Placeholder 2"/>
+          <p:cNvPr id="3" name="日付プレースホルダー 2">
+            <a:extLst>
+              <a:ext uri="{FF2B5EF4-FFF2-40B4-BE49-F238E27FC236}">
+                <a16:creationId xmlns:a16="http://schemas.microsoft.com/office/drawing/2014/main" id="{9A337437-343D-40CE-9C78-48798613876C}"/>
+              </a:ext>
+            </a:extLst>
+          </p:cNvPr>
           <p:cNvSpPr>
             <a:spLocks noGrp="1"/>
           </p:cNvSpPr>
@@ -8809,7 +9040,7 @@
           <a:p>
             <a:fld id="{6E587BC8-DE6F-4726-95DA-1B2BF3724B67}" type="datetimeFigureOut">
               <a:rPr kumimoji="1" lang="ja-JP" altLang="en-US" smtClean="0"/>
-              <a:t>2019/6/18</a:t>
+              <a:t>2019/9/23</a:t>
             </a:fld>
             <a:endParaRPr kumimoji="1" lang="ja-JP" altLang="en-US"/>
           </a:p>
@@ -8817,7 +9048,13 @@
       </p:sp>
       <p:sp>
         <p:nvSpPr>
-          <p:cNvPr id="4" name="Footer Placeholder 3"/>
+          <p:cNvPr id="4" name="フッター プレースホルダー 3">
+            <a:extLst>
+              <a:ext uri="{FF2B5EF4-FFF2-40B4-BE49-F238E27FC236}">
+                <a16:creationId xmlns:a16="http://schemas.microsoft.com/office/drawing/2014/main" id="{E7061AFE-FD4F-4984-BC08-1FDABC8EF99A}"/>
+              </a:ext>
+            </a:extLst>
+          </p:cNvPr>
           <p:cNvSpPr>
             <a:spLocks noGrp="1"/>
           </p:cNvSpPr>
@@ -8836,7 +9073,13 @@
       </p:sp>
       <p:sp>
         <p:nvSpPr>
-          <p:cNvPr id="5" name="Slide Number Placeholder 4"/>
+          <p:cNvPr id="5" name="スライド番号プレースホルダー 4">
+            <a:extLst>
+              <a:ext uri="{FF2B5EF4-FFF2-40B4-BE49-F238E27FC236}">
+                <a16:creationId xmlns:a16="http://schemas.microsoft.com/office/drawing/2014/main" id="{8EE48CAD-DF28-4A6D-9D7A-6E5010BB59CA}"/>
+              </a:ext>
+            </a:extLst>
+          </p:cNvPr>
           <p:cNvSpPr>
             <a:spLocks noGrp="1"/>
           </p:cNvSpPr>
@@ -8860,7 +9103,7 @@
     </p:spTree>
     <p:extLst>
       <p:ext uri="{BB962C8B-B14F-4D97-AF65-F5344CB8AC3E}">
-        <p14:creationId xmlns:p14="http://schemas.microsoft.com/office/powerpoint/2010/main" val="784675829"/>
+        <p14:creationId xmlns:p14="http://schemas.microsoft.com/office/powerpoint/2010/main" val="3013713332"/>
       </p:ext>
     </p:extLst>
   </p:cSld>
@@ -8889,7 +9132,13 @@
       </p:grpSpPr>
       <p:sp>
         <p:nvSpPr>
-          <p:cNvPr id="2" name="Date Placeholder 1"/>
+          <p:cNvPr id="2" name="日付プレースホルダー 1">
+            <a:extLst>
+              <a:ext uri="{FF2B5EF4-FFF2-40B4-BE49-F238E27FC236}">
+                <a16:creationId xmlns:a16="http://schemas.microsoft.com/office/drawing/2014/main" id="{EBE78AAB-218B-42D5-98F9-BC4458A7207A}"/>
+              </a:ext>
+            </a:extLst>
+          </p:cNvPr>
           <p:cNvSpPr>
             <a:spLocks noGrp="1"/>
           </p:cNvSpPr>
@@ -8904,7 +9153,7 @@
           <a:p>
             <a:fld id="{6E587BC8-DE6F-4726-95DA-1B2BF3724B67}" type="datetimeFigureOut">
               <a:rPr kumimoji="1" lang="ja-JP" altLang="en-US" smtClean="0"/>
-              <a:t>2019/6/18</a:t>
+              <a:t>2019/9/23</a:t>
             </a:fld>
             <a:endParaRPr kumimoji="1" lang="ja-JP" altLang="en-US"/>
           </a:p>
@@ -8912,7 +9161,13 @@
       </p:sp>
       <p:sp>
         <p:nvSpPr>
-          <p:cNvPr id="3" name="Footer Placeholder 2"/>
+          <p:cNvPr id="3" name="フッター プレースホルダー 2">
+            <a:extLst>
+              <a:ext uri="{FF2B5EF4-FFF2-40B4-BE49-F238E27FC236}">
+                <a16:creationId xmlns:a16="http://schemas.microsoft.com/office/drawing/2014/main" id="{66B163B3-98B6-4873-8821-301D511F8244}"/>
+              </a:ext>
+            </a:extLst>
+          </p:cNvPr>
           <p:cNvSpPr>
             <a:spLocks noGrp="1"/>
           </p:cNvSpPr>
@@ -8931,7 +9186,13 @@
       </p:sp>
       <p:sp>
         <p:nvSpPr>
-          <p:cNvPr id="4" name="Slide Number Placeholder 3"/>
+          <p:cNvPr id="4" name="スライド番号プレースホルダー 3">
+            <a:extLst>
+              <a:ext uri="{FF2B5EF4-FFF2-40B4-BE49-F238E27FC236}">
+                <a16:creationId xmlns:a16="http://schemas.microsoft.com/office/drawing/2014/main" id="{1F313450-1B15-44DF-875B-9CF985F512BB}"/>
+              </a:ext>
+            </a:extLst>
+          </p:cNvPr>
           <p:cNvSpPr>
             <a:spLocks noGrp="1"/>
           </p:cNvSpPr>
@@ -8955,7 +9216,7 @@
     </p:spTree>
     <p:extLst>
       <p:ext uri="{BB962C8B-B14F-4D97-AF65-F5344CB8AC3E}">
-        <p14:creationId xmlns:p14="http://schemas.microsoft.com/office/powerpoint/2010/main" val="385847927"/>
+        <p14:creationId xmlns:p14="http://schemas.microsoft.com/office/powerpoint/2010/main" val="3651424807"/>
       </p:ext>
     </p:extLst>
   </p:cSld>
@@ -8984,7 +9245,13 @@
       </p:grpSpPr>
       <p:sp>
         <p:nvSpPr>
-          <p:cNvPr id="2" name="Title 1"/>
+          <p:cNvPr id="2" name="タイトル 1">
+            <a:extLst>
+              <a:ext uri="{FF2B5EF4-FFF2-40B4-BE49-F238E27FC236}">
+                <a16:creationId xmlns:a16="http://schemas.microsoft.com/office/drawing/2014/main" id="{C0B0FDBC-F6D4-4E96-AA18-3EC633E84DEE}"/>
+              </a:ext>
+            </a:extLst>
+          </p:cNvPr>
           <p:cNvSpPr>
             <a:spLocks noGrp="1"/>
           </p:cNvSpPr>
@@ -9007,16 +9274,21 @@
           </a:lstStyle>
           <a:p>
             <a:r>
-              <a:rPr lang="ja-JP" altLang="en-US"/>
+              <a:rPr kumimoji="1" lang="ja-JP" altLang="en-US"/>
               <a:t>マスター タイトルの書式設定</a:t>
             </a:r>
-            <a:endParaRPr lang="en-US" dirty="0"/>
           </a:p>
         </p:txBody>
       </p:sp>
       <p:sp>
         <p:nvSpPr>
-          <p:cNvPr id="3" name="Content Placeholder 2"/>
+          <p:cNvPr id="3" name="コンテンツ プレースホルダー 2">
+            <a:extLst>
+              <a:ext uri="{FF2B5EF4-FFF2-40B4-BE49-F238E27FC236}">
+                <a16:creationId xmlns:a16="http://schemas.microsoft.com/office/drawing/2014/main" id="{C8316A37-FC0B-41DA-A9E1-070E2F96C2CB}"/>
+              </a:ext>
+            </a:extLst>
+          </p:cNvPr>
           <p:cNvSpPr>
             <a:spLocks noGrp="1"/>
           </p:cNvSpPr>
@@ -9064,76 +9336,81 @@
           <a:p>
             <a:pPr lvl="0"/>
             <a:r>
-              <a:rPr lang="ja-JP" altLang="en-US"/>
+              <a:rPr kumimoji="1" lang="ja-JP" altLang="en-US"/>
               <a:t>マスター テキストの書式設定</a:t>
             </a:r>
           </a:p>
           <a:p>
             <a:pPr lvl="1"/>
             <a:r>
-              <a:rPr lang="ja-JP" altLang="en-US"/>
+              <a:rPr kumimoji="1" lang="ja-JP" altLang="en-US"/>
               <a:t>第 </a:t>
             </a:r>
             <a:r>
-              <a:rPr lang="en-US" altLang="ja-JP"/>
+              <a:rPr kumimoji="1" lang="en-US" altLang="ja-JP"/>
               <a:t>2 </a:t>
             </a:r>
             <a:r>
-              <a:rPr lang="ja-JP" altLang="en-US"/>
+              <a:rPr kumimoji="1" lang="ja-JP" altLang="en-US"/>
               <a:t>レベル</a:t>
             </a:r>
           </a:p>
           <a:p>
             <a:pPr lvl="2"/>
             <a:r>
-              <a:rPr lang="ja-JP" altLang="en-US"/>
+              <a:rPr kumimoji="1" lang="ja-JP" altLang="en-US"/>
               <a:t>第 </a:t>
             </a:r>
             <a:r>
-              <a:rPr lang="en-US" altLang="ja-JP"/>
+              <a:rPr kumimoji="1" lang="en-US" altLang="ja-JP"/>
               <a:t>3 </a:t>
             </a:r>
             <a:r>
-              <a:rPr lang="ja-JP" altLang="en-US"/>
+              <a:rPr kumimoji="1" lang="ja-JP" altLang="en-US"/>
               <a:t>レベル</a:t>
             </a:r>
           </a:p>
           <a:p>
             <a:pPr lvl="3"/>
             <a:r>
-              <a:rPr lang="ja-JP" altLang="en-US"/>
+              <a:rPr kumimoji="1" lang="ja-JP" altLang="en-US"/>
               <a:t>第 </a:t>
             </a:r>
             <a:r>
-              <a:rPr lang="en-US" altLang="ja-JP"/>
+              <a:rPr kumimoji="1" lang="en-US" altLang="ja-JP"/>
               <a:t>4 </a:t>
             </a:r>
             <a:r>
-              <a:rPr lang="ja-JP" altLang="en-US"/>
+              <a:rPr kumimoji="1" lang="ja-JP" altLang="en-US"/>
               <a:t>レベル</a:t>
             </a:r>
           </a:p>
           <a:p>
             <a:pPr lvl="4"/>
             <a:r>
-              <a:rPr lang="ja-JP" altLang="en-US"/>
+              <a:rPr kumimoji="1" lang="ja-JP" altLang="en-US"/>
               <a:t>第 </a:t>
             </a:r>
             <a:r>
-              <a:rPr lang="en-US" altLang="ja-JP"/>
+              <a:rPr kumimoji="1" lang="en-US" altLang="ja-JP"/>
               <a:t>5 </a:t>
             </a:r>
             <a:r>
-              <a:rPr lang="ja-JP" altLang="en-US"/>
+              <a:rPr kumimoji="1" lang="ja-JP" altLang="en-US"/>
               <a:t>レベル</a:t>
             </a:r>
-            <a:endParaRPr lang="en-US" dirty="0"/>
           </a:p>
         </p:txBody>
       </p:sp>
       <p:sp>
         <p:nvSpPr>
-          <p:cNvPr id="4" name="Text Placeholder 3"/>
+          <p:cNvPr id="4" name="テキスト プレースホルダー 3">
+            <a:extLst>
+              <a:ext uri="{FF2B5EF4-FFF2-40B4-BE49-F238E27FC236}">
+                <a16:creationId xmlns:a16="http://schemas.microsoft.com/office/drawing/2014/main" id="{15C9B171-9A80-4DE8-B943-571A77B7CAEB}"/>
+              </a:ext>
+            </a:extLst>
+          </p:cNvPr>
           <p:cNvSpPr>
             <a:spLocks noGrp="1"/>
           </p:cNvSpPr>
@@ -9190,7 +9467,7 @@
           <a:p>
             <a:pPr lvl="0"/>
             <a:r>
-              <a:rPr lang="ja-JP" altLang="en-US"/>
+              <a:rPr kumimoji="1" lang="ja-JP" altLang="en-US"/>
               <a:t>マスター テキストの書式設定</a:t>
             </a:r>
           </a:p>
@@ -9198,7 +9475,13 @@
       </p:sp>
       <p:sp>
         <p:nvSpPr>
-          <p:cNvPr id="5" name="Date Placeholder 4"/>
+          <p:cNvPr id="5" name="日付プレースホルダー 4">
+            <a:extLst>
+              <a:ext uri="{FF2B5EF4-FFF2-40B4-BE49-F238E27FC236}">
+                <a16:creationId xmlns:a16="http://schemas.microsoft.com/office/drawing/2014/main" id="{4C3848AE-E71C-450D-875B-2314ED432EA6}"/>
+              </a:ext>
+            </a:extLst>
+          </p:cNvPr>
           <p:cNvSpPr>
             <a:spLocks noGrp="1"/>
           </p:cNvSpPr>
@@ -9213,7 +9496,7 @@
           <a:p>
             <a:fld id="{6E587BC8-DE6F-4726-95DA-1B2BF3724B67}" type="datetimeFigureOut">
               <a:rPr kumimoji="1" lang="ja-JP" altLang="en-US" smtClean="0"/>
-              <a:t>2019/6/18</a:t>
+              <a:t>2019/9/23</a:t>
             </a:fld>
             <a:endParaRPr kumimoji="1" lang="ja-JP" altLang="en-US"/>
           </a:p>
@@ -9221,7 +9504,13 @@
       </p:sp>
       <p:sp>
         <p:nvSpPr>
-          <p:cNvPr id="6" name="Footer Placeholder 5"/>
+          <p:cNvPr id="6" name="フッター プレースホルダー 5">
+            <a:extLst>
+              <a:ext uri="{FF2B5EF4-FFF2-40B4-BE49-F238E27FC236}">
+                <a16:creationId xmlns:a16="http://schemas.microsoft.com/office/drawing/2014/main" id="{7664198D-017F-4672-8801-AE324FB4B907}"/>
+              </a:ext>
+            </a:extLst>
+          </p:cNvPr>
           <p:cNvSpPr>
             <a:spLocks noGrp="1"/>
           </p:cNvSpPr>
@@ -9240,7 +9529,13 @@
       </p:sp>
       <p:sp>
         <p:nvSpPr>
-          <p:cNvPr id="7" name="Slide Number Placeholder 6"/>
+          <p:cNvPr id="7" name="スライド番号プレースホルダー 6">
+            <a:extLst>
+              <a:ext uri="{FF2B5EF4-FFF2-40B4-BE49-F238E27FC236}">
+                <a16:creationId xmlns:a16="http://schemas.microsoft.com/office/drawing/2014/main" id="{9E1B55DA-188D-4764-B63D-C4C617374471}"/>
+              </a:ext>
+            </a:extLst>
+          </p:cNvPr>
           <p:cNvSpPr>
             <a:spLocks noGrp="1"/>
           </p:cNvSpPr>
@@ -9264,7 +9559,7 @@
     </p:spTree>
     <p:extLst>
       <p:ext uri="{BB962C8B-B14F-4D97-AF65-F5344CB8AC3E}">
-        <p14:creationId xmlns:p14="http://schemas.microsoft.com/office/powerpoint/2010/main" val="1155891404"/>
+        <p14:creationId xmlns:p14="http://schemas.microsoft.com/office/powerpoint/2010/main" val="1333032926"/>
       </p:ext>
     </p:extLst>
   </p:cSld>
@@ -9293,7 +9588,13 @@
       </p:grpSpPr>
       <p:sp>
         <p:nvSpPr>
-          <p:cNvPr id="2" name="Title 1"/>
+          <p:cNvPr id="2" name="タイトル 1">
+            <a:extLst>
+              <a:ext uri="{FF2B5EF4-FFF2-40B4-BE49-F238E27FC236}">
+                <a16:creationId xmlns:a16="http://schemas.microsoft.com/office/drawing/2014/main" id="{52B44B4E-5203-4D1E-AE5A-0DDBDE196C7C}"/>
+              </a:ext>
+            </a:extLst>
+          </p:cNvPr>
           <p:cNvSpPr>
             <a:spLocks noGrp="1"/>
           </p:cNvSpPr>
@@ -9316,18 +9617,23 @@
           </a:lstStyle>
           <a:p>
             <a:r>
-              <a:rPr lang="ja-JP" altLang="en-US"/>
+              <a:rPr kumimoji="1" lang="ja-JP" altLang="en-US"/>
               <a:t>マスター タイトルの書式設定</a:t>
             </a:r>
-            <a:endParaRPr lang="en-US" dirty="0"/>
           </a:p>
         </p:txBody>
       </p:sp>
       <p:sp>
         <p:nvSpPr>
-          <p:cNvPr id="3" name="Picture Placeholder 2"/>
+          <p:cNvPr id="3" name="図プレースホルダー 2">
+            <a:extLst>
+              <a:ext uri="{FF2B5EF4-FFF2-40B4-BE49-F238E27FC236}">
+                <a16:creationId xmlns:a16="http://schemas.microsoft.com/office/drawing/2014/main" id="{8CA8E533-4FFB-4D07-8882-97D666F0F60C}"/>
+              </a:ext>
+            </a:extLst>
+          </p:cNvPr>
           <p:cNvSpPr>
-            <a:spLocks noGrp="1" noChangeAspect="1"/>
+            <a:spLocks noGrp="1"/>
           </p:cNvSpPr>
           <p:nvPr>
             <p:ph type="pic" idx="1"/>
@@ -9340,7 +9646,7 @@
           </a:xfrm>
         </p:spPr>
         <p:txBody>
-          <a:bodyPr anchor="t"/>
+          <a:bodyPr/>
           <a:lstStyle>
             <a:lvl1pPr marL="0" indent="0">
               <a:buNone/>
@@ -9380,17 +9686,19 @@
             </a:lvl9pPr>
           </a:lstStyle>
           <a:p>
-            <a:r>
-              <a:rPr lang="ja-JP" altLang="en-US"/>
-              <a:t>アイコンをクリックして図を追加</a:t>
-            </a:r>
-            <a:endParaRPr lang="en-US" dirty="0"/>
+            <a:endParaRPr kumimoji="1" lang="ja-JP" altLang="en-US"/>
           </a:p>
         </p:txBody>
       </p:sp>
       <p:sp>
         <p:nvSpPr>
-          <p:cNvPr id="4" name="Text Placeholder 3"/>
+          <p:cNvPr id="4" name="テキスト プレースホルダー 3">
+            <a:extLst>
+              <a:ext uri="{FF2B5EF4-FFF2-40B4-BE49-F238E27FC236}">
+                <a16:creationId xmlns:a16="http://schemas.microsoft.com/office/drawing/2014/main" id="{71072126-DC1E-4D74-AF78-D21CA8AB0E30}"/>
+              </a:ext>
+            </a:extLst>
+          </p:cNvPr>
           <p:cNvSpPr>
             <a:spLocks noGrp="1"/>
           </p:cNvSpPr>
@@ -9447,7 +9755,7 @@
           <a:p>
             <a:pPr lvl="0"/>
             <a:r>
-              <a:rPr lang="ja-JP" altLang="en-US"/>
+              <a:rPr kumimoji="1" lang="ja-JP" altLang="en-US"/>
               <a:t>マスター テキストの書式設定</a:t>
             </a:r>
           </a:p>
@@ -9455,7 +9763,13 @@
       </p:sp>
       <p:sp>
         <p:nvSpPr>
-          <p:cNvPr id="5" name="Date Placeholder 4"/>
+          <p:cNvPr id="5" name="日付プレースホルダー 4">
+            <a:extLst>
+              <a:ext uri="{FF2B5EF4-FFF2-40B4-BE49-F238E27FC236}">
+                <a16:creationId xmlns:a16="http://schemas.microsoft.com/office/drawing/2014/main" id="{9CC64CB6-9F3F-44C7-B3BD-348A91BC7945}"/>
+              </a:ext>
+            </a:extLst>
+          </p:cNvPr>
           <p:cNvSpPr>
             <a:spLocks noGrp="1"/>
           </p:cNvSpPr>
@@ -9470,7 +9784,7 @@
           <a:p>
             <a:fld id="{6E587BC8-DE6F-4726-95DA-1B2BF3724B67}" type="datetimeFigureOut">
               <a:rPr kumimoji="1" lang="ja-JP" altLang="en-US" smtClean="0"/>
-              <a:t>2019/6/18</a:t>
+              <a:t>2019/9/23</a:t>
             </a:fld>
             <a:endParaRPr kumimoji="1" lang="ja-JP" altLang="en-US"/>
           </a:p>
@@ -9478,7 +9792,13 @@
       </p:sp>
       <p:sp>
         <p:nvSpPr>
-          <p:cNvPr id="6" name="Footer Placeholder 5"/>
+          <p:cNvPr id="6" name="フッター プレースホルダー 5">
+            <a:extLst>
+              <a:ext uri="{FF2B5EF4-FFF2-40B4-BE49-F238E27FC236}">
+                <a16:creationId xmlns:a16="http://schemas.microsoft.com/office/drawing/2014/main" id="{02B1EFCE-5ACF-4579-8654-A5780E13894A}"/>
+              </a:ext>
+            </a:extLst>
+          </p:cNvPr>
           <p:cNvSpPr>
             <a:spLocks noGrp="1"/>
           </p:cNvSpPr>
@@ -9497,7 +9817,13 @@
       </p:sp>
       <p:sp>
         <p:nvSpPr>
-          <p:cNvPr id="7" name="Slide Number Placeholder 6"/>
+          <p:cNvPr id="7" name="スライド番号プレースホルダー 6">
+            <a:extLst>
+              <a:ext uri="{FF2B5EF4-FFF2-40B4-BE49-F238E27FC236}">
+                <a16:creationId xmlns:a16="http://schemas.microsoft.com/office/drawing/2014/main" id="{328CA98E-9085-4152-A1F2-461B79F3C63C}"/>
+              </a:ext>
+            </a:extLst>
+          </p:cNvPr>
           <p:cNvSpPr>
             <a:spLocks noGrp="1"/>
           </p:cNvSpPr>
@@ -9521,7 +9847,7 @@
     </p:spTree>
     <p:extLst>
       <p:ext uri="{BB962C8B-B14F-4D97-AF65-F5344CB8AC3E}">
-        <p14:creationId xmlns:p14="http://schemas.microsoft.com/office/powerpoint/2010/main" val="3596325469"/>
+        <p14:creationId xmlns:p14="http://schemas.microsoft.com/office/powerpoint/2010/main" val="3503292768"/>
       </p:ext>
     </p:extLst>
   </p:cSld>
@@ -9555,7 +9881,13 @@
       </p:grpSpPr>
       <p:sp>
         <p:nvSpPr>
-          <p:cNvPr id="2" name="Title Placeholder 1"/>
+          <p:cNvPr id="2" name="タイトル プレースホルダー 1">
+            <a:extLst>
+              <a:ext uri="{FF2B5EF4-FFF2-40B4-BE49-F238E27FC236}">
+                <a16:creationId xmlns:a16="http://schemas.microsoft.com/office/drawing/2014/main" id="{3AD8FDB7-DFC8-48EE-B452-0DEBEEF2739E}"/>
+              </a:ext>
+            </a:extLst>
+          </p:cNvPr>
           <p:cNvSpPr>
             <a:spLocks noGrp="1"/>
           </p:cNvSpPr>
@@ -9579,16 +9911,21 @@
           <a:lstStyle/>
           <a:p>
             <a:r>
-              <a:rPr lang="ja-JP" altLang="en-US"/>
+              <a:rPr kumimoji="1" lang="ja-JP" altLang="en-US"/>
               <a:t>マスター タイトルの書式設定</a:t>
             </a:r>
-            <a:endParaRPr lang="en-US" dirty="0"/>
           </a:p>
         </p:txBody>
       </p:sp>
       <p:sp>
         <p:nvSpPr>
-          <p:cNvPr id="3" name="Text Placeholder 2"/>
+          <p:cNvPr id="3" name="テキスト プレースホルダー 2">
+            <a:extLst>
+              <a:ext uri="{FF2B5EF4-FFF2-40B4-BE49-F238E27FC236}">
+                <a16:creationId xmlns:a16="http://schemas.microsoft.com/office/drawing/2014/main" id="{08D47860-C25F-4D42-83DC-8613015BD913}"/>
+              </a:ext>
+            </a:extLst>
+          </p:cNvPr>
           <p:cNvSpPr>
             <a:spLocks noGrp="1"/>
           </p:cNvSpPr>
@@ -9613,76 +9950,81 @@
           <a:p>
             <a:pPr lvl="0"/>
             <a:r>
-              <a:rPr lang="ja-JP" altLang="en-US"/>
+              <a:rPr kumimoji="1" lang="ja-JP" altLang="en-US"/>
               <a:t>マスター テキストの書式設定</a:t>
             </a:r>
           </a:p>
           <a:p>
             <a:pPr lvl="1"/>
             <a:r>
-              <a:rPr lang="ja-JP" altLang="en-US"/>
+              <a:rPr kumimoji="1" lang="ja-JP" altLang="en-US"/>
               <a:t>第 </a:t>
             </a:r>
             <a:r>
-              <a:rPr lang="en-US" altLang="ja-JP"/>
+              <a:rPr kumimoji="1" lang="en-US" altLang="ja-JP"/>
               <a:t>2 </a:t>
             </a:r>
             <a:r>
-              <a:rPr lang="ja-JP" altLang="en-US"/>
+              <a:rPr kumimoji="1" lang="ja-JP" altLang="en-US"/>
               <a:t>レベル</a:t>
             </a:r>
           </a:p>
           <a:p>
             <a:pPr lvl="2"/>
             <a:r>
-              <a:rPr lang="ja-JP" altLang="en-US"/>
+              <a:rPr kumimoji="1" lang="ja-JP" altLang="en-US"/>
               <a:t>第 </a:t>
             </a:r>
             <a:r>
-              <a:rPr lang="en-US" altLang="ja-JP"/>
+              <a:rPr kumimoji="1" lang="en-US" altLang="ja-JP"/>
               <a:t>3 </a:t>
             </a:r>
             <a:r>
-              <a:rPr lang="ja-JP" altLang="en-US"/>
+              <a:rPr kumimoji="1" lang="ja-JP" altLang="en-US"/>
               <a:t>レベル</a:t>
             </a:r>
           </a:p>
           <a:p>
             <a:pPr lvl="3"/>
             <a:r>
-              <a:rPr lang="ja-JP" altLang="en-US"/>
+              <a:rPr kumimoji="1" lang="ja-JP" altLang="en-US"/>
               <a:t>第 </a:t>
             </a:r>
             <a:r>
-              <a:rPr lang="en-US" altLang="ja-JP"/>
+              <a:rPr kumimoji="1" lang="en-US" altLang="ja-JP"/>
               <a:t>4 </a:t>
             </a:r>
             <a:r>
-              <a:rPr lang="ja-JP" altLang="en-US"/>
+              <a:rPr kumimoji="1" lang="ja-JP" altLang="en-US"/>
               <a:t>レベル</a:t>
             </a:r>
           </a:p>
           <a:p>
             <a:pPr lvl="4"/>
             <a:r>
-              <a:rPr lang="ja-JP" altLang="en-US"/>
+              <a:rPr kumimoji="1" lang="ja-JP" altLang="en-US"/>
               <a:t>第 </a:t>
             </a:r>
             <a:r>
-              <a:rPr lang="en-US" altLang="ja-JP"/>
+              <a:rPr kumimoji="1" lang="en-US" altLang="ja-JP"/>
               <a:t>5 </a:t>
             </a:r>
             <a:r>
-              <a:rPr lang="ja-JP" altLang="en-US"/>
+              <a:rPr kumimoji="1" lang="ja-JP" altLang="en-US"/>
               <a:t>レベル</a:t>
             </a:r>
-            <a:endParaRPr lang="en-US" dirty="0"/>
           </a:p>
         </p:txBody>
       </p:sp>
       <p:sp>
         <p:nvSpPr>
-          <p:cNvPr id="4" name="Date Placeholder 3"/>
+          <p:cNvPr id="4" name="日付プレースホルダー 3">
+            <a:extLst>
+              <a:ext uri="{FF2B5EF4-FFF2-40B4-BE49-F238E27FC236}">
+                <a16:creationId xmlns:a16="http://schemas.microsoft.com/office/drawing/2014/main" id="{9482E16E-27FE-410A-9A8C-8A84DD590BC3}"/>
+              </a:ext>
+            </a:extLst>
+          </p:cNvPr>
           <p:cNvSpPr>
             <a:spLocks noGrp="1"/>
           </p:cNvSpPr>
@@ -9715,7 +10057,7 @@
           <a:p>
             <a:fld id="{6E587BC8-DE6F-4726-95DA-1B2BF3724B67}" type="datetimeFigureOut">
               <a:rPr kumimoji="1" lang="ja-JP" altLang="en-US" smtClean="0"/>
-              <a:t>2019/6/18</a:t>
+              <a:t>2019/9/23</a:t>
             </a:fld>
             <a:endParaRPr kumimoji="1" lang="ja-JP" altLang="en-US"/>
           </a:p>
@@ -9723,7 +10065,13 @@
       </p:sp>
       <p:sp>
         <p:nvSpPr>
-          <p:cNvPr id="5" name="Footer Placeholder 4"/>
+          <p:cNvPr id="5" name="フッター プレースホルダー 4">
+            <a:extLst>
+              <a:ext uri="{FF2B5EF4-FFF2-40B4-BE49-F238E27FC236}">
+                <a16:creationId xmlns:a16="http://schemas.microsoft.com/office/drawing/2014/main" id="{2A3A40B4-F0CB-4AA9-B9C7-A54C45B4318B}"/>
+              </a:ext>
+            </a:extLst>
+          </p:cNvPr>
           <p:cNvSpPr>
             <a:spLocks noGrp="1"/>
           </p:cNvSpPr>
@@ -9760,7 +10108,13 @@
       </p:sp>
       <p:sp>
         <p:nvSpPr>
-          <p:cNvPr id="6" name="Slide Number Placeholder 5"/>
+          <p:cNvPr id="6" name="スライド番号プレースホルダー 5">
+            <a:extLst>
+              <a:ext uri="{FF2B5EF4-FFF2-40B4-BE49-F238E27FC236}">
+                <a16:creationId xmlns:a16="http://schemas.microsoft.com/office/drawing/2014/main" id="{591842A2-BCE0-4A9D-9640-6A505A9C4BFB}"/>
+              </a:ext>
+            </a:extLst>
+          </p:cNvPr>
           <p:cNvSpPr>
             <a:spLocks noGrp="1"/>
           </p:cNvSpPr>
@@ -9802,23 +10156,23 @@
     </p:spTree>
     <p:extLst>
       <p:ext uri="{BB962C8B-B14F-4D97-AF65-F5344CB8AC3E}">
-        <p14:creationId xmlns:p14="http://schemas.microsoft.com/office/powerpoint/2010/main" val="3480801567"/>
+        <p14:creationId xmlns:p14="http://schemas.microsoft.com/office/powerpoint/2010/main" val="1494115389"/>
       </p:ext>
     </p:extLst>
   </p:cSld>
-  <p:clrMap bg1="dk1" tx1="lt1" bg2="dk2" tx2="lt2" accent1="accent1" accent2="accent2" accent3="accent3" accent4="accent4" accent5="accent5" accent6="accent6" hlink="hlink" folHlink="folHlink"/>
+  <p:clrMap bg1="lt1" tx1="dk1" bg2="lt2" tx2="dk2" accent1="accent1" accent2="accent2" accent3="accent3" accent4="accent4" accent5="accent5" accent6="accent6" hlink="hlink" folHlink="folHlink"/>
   <p:sldLayoutIdLst>
-    <p:sldLayoutId id="2147483661" r:id="rId1"/>
-    <p:sldLayoutId id="2147483662" r:id="rId2"/>
-    <p:sldLayoutId id="2147483663" r:id="rId3"/>
-    <p:sldLayoutId id="2147483664" r:id="rId4"/>
-    <p:sldLayoutId id="2147483665" r:id="rId5"/>
-    <p:sldLayoutId id="2147483666" r:id="rId6"/>
-    <p:sldLayoutId id="2147483667" r:id="rId7"/>
-    <p:sldLayoutId id="2147483668" r:id="rId8"/>
-    <p:sldLayoutId id="2147483669" r:id="rId9"/>
-    <p:sldLayoutId id="2147483670" r:id="rId10"/>
-    <p:sldLayoutId id="2147483671" r:id="rId11"/>
+    <p:sldLayoutId id="2147483673" r:id="rId1"/>
+    <p:sldLayoutId id="2147483674" r:id="rId2"/>
+    <p:sldLayoutId id="2147483675" r:id="rId3"/>
+    <p:sldLayoutId id="2147483676" r:id="rId4"/>
+    <p:sldLayoutId id="2147483677" r:id="rId5"/>
+    <p:sldLayoutId id="2147483678" r:id="rId6"/>
+    <p:sldLayoutId id="2147483679" r:id="rId7"/>
+    <p:sldLayoutId id="2147483680" r:id="rId8"/>
+    <p:sldLayoutId id="2147483681" r:id="rId9"/>
+    <p:sldLayoutId id="2147483682" r:id="rId10"/>
+    <p:sldLayoutId id="2147483683" r:id="rId11"/>
   </p:sldLayoutIdLst>
   <p:txStyles>
     <p:titleStyle>
@@ -10006,7 +10360,7 @@
     </p:bodyStyle>
     <p:otherStyle>
       <a:defPPr>
-        <a:defRPr lang="en-US"/>
+        <a:defRPr lang="ja-JP"/>
       </a:defPPr>
       <a:lvl1pPr marL="0" algn="l" defTabSz="914400" rtl="0" eaLnBrk="1" latinLnBrk="0" hangingPunct="1">
         <a:defRPr kumimoji="1" sz="1800" kern="1200">
@@ -10284,7 +10638,7 @@
         </p:nvSpPr>
         <p:spPr>
           <a:xfrm>
-            <a:off x="0" y="730507"/>
+            <a:off x="-107091" y="648129"/>
             <a:ext cx="12192000" cy="5081331"/>
           </a:xfrm>
         </p:spPr>
@@ -11199,6 +11553,1017 @@
       </p:grpSpPr>
       <p:sp>
         <p:nvSpPr>
+          <p:cNvPr id="4" name="正方形/長方形 3">
+            <a:extLst>
+              <a:ext uri="{FF2B5EF4-FFF2-40B4-BE49-F238E27FC236}">
+                <a16:creationId xmlns:a16="http://schemas.microsoft.com/office/drawing/2014/main" id="{8894F455-D2A2-4041-BFBE-A7E8636EC055}"/>
+              </a:ext>
+            </a:extLst>
+          </p:cNvPr>
+          <p:cNvSpPr/>
+          <p:nvPr/>
+        </p:nvSpPr>
+        <p:spPr>
+          <a:xfrm>
+            <a:off x="0" y="328464"/>
+            <a:ext cx="659027" cy="6195908"/>
+          </a:xfrm>
+          <a:prstGeom prst="rect">
+            <a:avLst/>
+          </a:prstGeom>
+        </p:spPr>
+        <p:style>
+          <a:lnRef idx="2">
+            <a:schemeClr val="accent3">
+              <a:shade val="50000"/>
+            </a:schemeClr>
+          </a:lnRef>
+          <a:fillRef idx="1">
+            <a:schemeClr val="accent3"/>
+          </a:fillRef>
+          <a:effectRef idx="0">
+            <a:schemeClr val="accent3"/>
+          </a:effectRef>
+          <a:fontRef idx="minor">
+            <a:schemeClr val="lt1"/>
+          </a:fontRef>
+        </p:style>
+        <p:txBody>
+          <a:bodyPr rtlCol="0" anchor="ctr"/>
+          <a:lstStyle/>
+          <a:p>
+            <a:pPr algn="ctr"/>
+            <a:r>
+              <a:rPr kumimoji="1" lang="ja-JP" altLang="en-US" dirty="0"/>
+              <a:t>倒</a:t>
+            </a:r>
+            <a:endParaRPr kumimoji="1" lang="en-US" altLang="ja-JP" dirty="0"/>
+          </a:p>
+          <a:p>
+            <a:pPr algn="ctr"/>
+            <a:r>
+              <a:rPr kumimoji="1" lang="ja-JP" altLang="en-US" dirty="0"/>
+              <a:t>産</a:t>
+            </a:r>
+          </a:p>
+        </p:txBody>
+      </p:sp>
+      <p:sp>
+        <p:nvSpPr>
+          <p:cNvPr id="5" name="正方形/長方形 4">
+            <a:extLst>
+              <a:ext uri="{FF2B5EF4-FFF2-40B4-BE49-F238E27FC236}">
+                <a16:creationId xmlns:a16="http://schemas.microsoft.com/office/drawing/2014/main" id="{2AFD476D-8B3F-4FB1-936D-CC45FD1B2EB5}"/>
+              </a:ext>
+            </a:extLst>
+          </p:cNvPr>
+          <p:cNvSpPr/>
+          <p:nvPr/>
+        </p:nvSpPr>
+        <p:spPr>
+          <a:xfrm>
+            <a:off x="1416334" y="331046"/>
+            <a:ext cx="494270" cy="3095372"/>
+          </a:xfrm>
+          <a:prstGeom prst="rect">
+            <a:avLst/>
+          </a:prstGeom>
+        </p:spPr>
+        <p:style>
+          <a:lnRef idx="2">
+            <a:schemeClr val="accent6">
+              <a:shade val="50000"/>
+            </a:schemeClr>
+          </a:lnRef>
+          <a:fillRef idx="1">
+            <a:schemeClr val="accent6"/>
+          </a:fillRef>
+          <a:effectRef idx="0">
+            <a:schemeClr val="accent6"/>
+          </a:effectRef>
+          <a:fontRef idx="minor">
+            <a:schemeClr val="lt1"/>
+          </a:fontRef>
+        </p:style>
+        <p:txBody>
+          <a:bodyPr rtlCol="0" anchor="ctr"/>
+          <a:lstStyle/>
+          <a:p>
+            <a:pPr algn="ctr"/>
+            <a:r>
+              <a:rPr kumimoji="1" lang="ja-JP" altLang="en-US" dirty="0"/>
+              <a:t>法的倒産</a:t>
+            </a:r>
+          </a:p>
+        </p:txBody>
+      </p:sp>
+      <p:sp>
+        <p:nvSpPr>
+          <p:cNvPr id="6" name="正方形/長方形 5">
+            <a:extLst>
+              <a:ext uri="{FF2B5EF4-FFF2-40B4-BE49-F238E27FC236}">
+                <a16:creationId xmlns:a16="http://schemas.microsoft.com/office/drawing/2014/main" id="{A3403BEC-22FE-47E7-B757-0C37022138FA}"/>
+              </a:ext>
+            </a:extLst>
+          </p:cNvPr>
+          <p:cNvSpPr/>
+          <p:nvPr/>
+        </p:nvSpPr>
+        <p:spPr>
+          <a:xfrm>
+            <a:off x="3278659" y="328464"/>
+            <a:ext cx="494270" cy="1417761"/>
+          </a:xfrm>
+          <a:prstGeom prst="rect">
+            <a:avLst/>
+          </a:prstGeom>
+          <a:solidFill>
+            <a:srgbClr val="92D050"/>
+          </a:solidFill>
+        </p:spPr>
+        <p:style>
+          <a:lnRef idx="2">
+            <a:schemeClr val="accent6">
+              <a:shade val="50000"/>
+            </a:schemeClr>
+          </a:lnRef>
+          <a:fillRef idx="1">
+            <a:schemeClr val="accent6"/>
+          </a:fillRef>
+          <a:effectRef idx="0">
+            <a:schemeClr val="accent6"/>
+          </a:effectRef>
+          <a:fontRef idx="minor">
+            <a:schemeClr val="lt1"/>
+          </a:fontRef>
+        </p:style>
+        <p:txBody>
+          <a:bodyPr rtlCol="0" anchor="ctr"/>
+          <a:lstStyle/>
+          <a:p>
+            <a:pPr algn="ctr"/>
+            <a:r>
+              <a:rPr kumimoji="1" lang="ja-JP" altLang="en-US" dirty="0"/>
+              <a:t>清算型</a:t>
+            </a:r>
+          </a:p>
+        </p:txBody>
+      </p:sp>
+      <p:sp>
+        <p:nvSpPr>
+          <p:cNvPr id="7" name="正方形/長方形 6">
+            <a:extLst>
+              <a:ext uri="{FF2B5EF4-FFF2-40B4-BE49-F238E27FC236}">
+                <a16:creationId xmlns:a16="http://schemas.microsoft.com/office/drawing/2014/main" id="{A1FC2085-E51B-4241-AA54-F1C042C7805D}"/>
+              </a:ext>
+            </a:extLst>
+          </p:cNvPr>
+          <p:cNvSpPr/>
+          <p:nvPr/>
+        </p:nvSpPr>
+        <p:spPr>
+          <a:xfrm>
+            <a:off x="3278659" y="2011239"/>
+            <a:ext cx="494270" cy="1417761"/>
+          </a:xfrm>
+          <a:prstGeom prst="rect">
+            <a:avLst/>
+          </a:prstGeom>
+        </p:spPr>
+        <p:style>
+          <a:lnRef idx="2">
+            <a:schemeClr val="accent1">
+              <a:shade val="50000"/>
+            </a:schemeClr>
+          </a:lnRef>
+          <a:fillRef idx="1">
+            <a:schemeClr val="accent1"/>
+          </a:fillRef>
+          <a:effectRef idx="0">
+            <a:schemeClr val="accent1"/>
+          </a:effectRef>
+          <a:fontRef idx="minor">
+            <a:schemeClr val="lt1"/>
+          </a:fontRef>
+        </p:style>
+        <p:txBody>
+          <a:bodyPr rtlCol="0" anchor="ctr"/>
+          <a:lstStyle/>
+          <a:p>
+            <a:pPr algn="ctr"/>
+            <a:r>
+              <a:rPr kumimoji="1" lang="ja-JP" altLang="en-US" dirty="0"/>
+              <a:t>再建型</a:t>
+            </a:r>
+          </a:p>
+        </p:txBody>
+      </p:sp>
+      <p:sp>
+        <p:nvSpPr>
+          <p:cNvPr id="8" name="正方形/長方形 7">
+            <a:extLst>
+              <a:ext uri="{FF2B5EF4-FFF2-40B4-BE49-F238E27FC236}">
+                <a16:creationId xmlns:a16="http://schemas.microsoft.com/office/drawing/2014/main" id="{9693EE0C-A43B-478D-B411-897D2427A101}"/>
+              </a:ext>
+            </a:extLst>
+          </p:cNvPr>
+          <p:cNvSpPr/>
+          <p:nvPr/>
+        </p:nvSpPr>
+        <p:spPr>
+          <a:xfrm>
+            <a:off x="1441622" y="4139498"/>
+            <a:ext cx="494270" cy="2384874"/>
+          </a:xfrm>
+          <a:prstGeom prst="rect">
+            <a:avLst/>
+          </a:prstGeom>
+        </p:spPr>
+        <p:style>
+          <a:lnRef idx="2">
+            <a:schemeClr val="accent2">
+              <a:shade val="50000"/>
+            </a:schemeClr>
+          </a:lnRef>
+          <a:fillRef idx="1">
+            <a:schemeClr val="accent2"/>
+          </a:fillRef>
+          <a:effectRef idx="0">
+            <a:schemeClr val="accent2"/>
+          </a:effectRef>
+          <a:fontRef idx="minor">
+            <a:schemeClr val="lt1"/>
+          </a:fontRef>
+        </p:style>
+        <p:txBody>
+          <a:bodyPr rtlCol="0" anchor="ctr"/>
+          <a:lstStyle/>
+          <a:p>
+            <a:pPr algn="ctr"/>
+            <a:r>
+              <a:rPr kumimoji="1" lang="ja-JP" altLang="en-US" dirty="0"/>
+              <a:t>私的倒産</a:t>
+            </a:r>
+          </a:p>
+        </p:txBody>
+      </p:sp>
+      <p:sp>
+        <p:nvSpPr>
+          <p:cNvPr id="10" name="正方形/長方形 9">
+            <a:extLst>
+              <a:ext uri="{FF2B5EF4-FFF2-40B4-BE49-F238E27FC236}">
+                <a16:creationId xmlns:a16="http://schemas.microsoft.com/office/drawing/2014/main" id="{4342B8E1-DC99-4C6E-9257-BA96E8B02096}"/>
+              </a:ext>
+            </a:extLst>
+          </p:cNvPr>
+          <p:cNvSpPr/>
+          <p:nvPr/>
+        </p:nvSpPr>
+        <p:spPr>
+          <a:xfrm>
+            <a:off x="5115696" y="333628"/>
+            <a:ext cx="1524000" cy="593124"/>
+          </a:xfrm>
+          <a:prstGeom prst="rect">
+            <a:avLst/>
+          </a:prstGeom>
+          <a:solidFill>
+            <a:srgbClr val="92D050"/>
+          </a:solidFill>
+        </p:spPr>
+        <p:style>
+          <a:lnRef idx="2">
+            <a:schemeClr val="accent6">
+              <a:shade val="50000"/>
+            </a:schemeClr>
+          </a:lnRef>
+          <a:fillRef idx="1">
+            <a:schemeClr val="accent6"/>
+          </a:fillRef>
+          <a:effectRef idx="0">
+            <a:schemeClr val="accent6"/>
+          </a:effectRef>
+          <a:fontRef idx="minor">
+            <a:schemeClr val="lt1"/>
+          </a:fontRef>
+        </p:style>
+        <p:txBody>
+          <a:bodyPr rtlCol="0" anchor="ctr"/>
+          <a:lstStyle/>
+          <a:p>
+            <a:pPr algn="ctr"/>
+            <a:r>
+              <a:rPr kumimoji="1" lang="en-US" altLang="ja-JP" dirty="0"/>
+              <a:t>A.</a:t>
+            </a:r>
+            <a:r>
+              <a:rPr kumimoji="1" lang="ja-JP" altLang="en-US" dirty="0"/>
+              <a:t>破産</a:t>
+            </a:r>
+          </a:p>
+        </p:txBody>
+      </p:sp>
+      <p:sp>
+        <p:nvSpPr>
+          <p:cNvPr id="11" name="正方形/長方形 10">
+            <a:extLst>
+              <a:ext uri="{FF2B5EF4-FFF2-40B4-BE49-F238E27FC236}">
+                <a16:creationId xmlns:a16="http://schemas.microsoft.com/office/drawing/2014/main" id="{2BDBD858-5004-4A13-92EE-6A38C8F93987}"/>
+              </a:ext>
+            </a:extLst>
+          </p:cNvPr>
+          <p:cNvSpPr/>
+          <p:nvPr/>
+        </p:nvSpPr>
+        <p:spPr>
+          <a:xfrm>
+            <a:off x="5115696" y="1064911"/>
+            <a:ext cx="1524000" cy="593124"/>
+          </a:xfrm>
+          <a:prstGeom prst="rect">
+            <a:avLst/>
+          </a:prstGeom>
+          <a:solidFill>
+            <a:srgbClr val="92D050"/>
+          </a:solidFill>
+        </p:spPr>
+        <p:style>
+          <a:lnRef idx="2">
+            <a:schemeClr val="accent6">
+              <a:shade val="50000"/>
+            </a:schemeClr>
+          </a:lnRef>
+          <a:fillRef idx="1">
+            <a:schemeClr val="accent6"/>
+          </a:fillRef>
+          <a:effectRef idx="0">
+            <a:schemeClr val="accent6"/>
+          </a:effectRef>
+          <a:fontRef idx="minor">
+            <a:schemeClr val="lt1"/>
+          </a:fontRef>
+        </p:style>
+        <p:txBody>
+          <a:bodyPr rtlCol="0" anchor="ctr"/>
+          <a:lstStyle/>
+          <a:p>
+            <a:pPr algn="ctr"/>
+            <a:r>
+              <a:rPr kumimoji="1" lang="en-US" altLang="ja-JP" dirty="0"/>
+              <a:t>B.</a:t>
+            </a:r>
+            <a:r>
+              <a:rPr kumimoji="1" lang="ja-JP" altLang="en-US" dirty="0"/>
+              <a:t>特別清算</a:t>
+            </a:r>
+          </a:p>
+        </p:txBody>
+      </p:sp>
+      <p:sp>
+        <p:nvSpPr>
+          <p:cNvPr id="12" name="正方形/長方形 11">
+            <a:extLst>
+              <a:ext uri="{FF2B5EF4-FFF2-40B4-BE49-F238E27FC236}">
+                <a16:creationId xmlns:a16="http://schemas.microsoft.com/office/drawing/2014/main" id="{19670E3A-BD82-4ABD-AFA7-6B890971258E}"/>
+              </a:ext>
+            </a:extLst>
+          </p:cNvPr>
+          <p:cNvSpPr/>
+          <p:nvPr/>
+        </p:nvSpPr>
+        <p:spPr>
+          <a:xfrm>
+            <a:off x="5115696" y="2048106"/>
+            <a:ext cx="1524000" cy="593124"/>
+          </a:xfrm>
+          <a:prstGeom prst="rect">
+            <a:avLst/>
+          </a:prstGeom>
+        </p:spPr>
+        <p:style>
+          <a:lnRef idx="2">
+            <a:schemeClr val="accent1">
+              <a:shade val="50000"/>
+            </a:schemeClr>
+          </a:lnRef>
+          <a:fillRef idx="1">
+            <a:schemeClr val="accent1"/>
+          </a:fillRef>
+          <a:effectRef idx="0">
+            <a:schemeClr val="accent1"/>
+          </a:effectRef>
+          <a:fontRef idx="minor">
+            <a:schemeClr val="lt1"/>
+          </a:fontRef>
+        </p:style>
+        <p:txBody>
+          <a:bodyPr rtlCol="0" anchor="ctr"/>
+          <a:lstStyle/>
+          <a:p>
+            <a:pPr algn="ctr"/>
+            <a:r>
+              <a:rPr kumimoji="1" lang="en-US" altLang="ja-JP" dirty="0"/>
+              <a:t>C.</a:t>
+            </a:r>
+            <a:r>
+              <a:rPr kumimoji="1" lang="ja-JP" altLang="en-US" dirty="0"/>
+              <a:t>民事再生</a:t>
+            </a:r>
+          </a:p>
+        </p:txBody>
+      </p:sp>
+      <p:sp>
+        <p:nvSpPr>
+          <p:cNvPr id="13" name="正方形/長方形 12">
+            <a:extLst>
+              <a:ext uri="{FF2B5EF4-FFF2-40B4-BE49-F238E27FC236}">
+                <a16:creationId xmlns:a16="http://schemas.microsoft.com/office/drawing/2014/main" id="{F58B9A4D-2387-4EFC-ACC2-2939BB13BDB7}"/>
+              </a:ext>
+            </a:extLst>
+          </p:cNvPr>
+          <p:cNvSpPr/>
+          <p:nvPr/>
+        </p:nvSpPr>
+        <p:spPr>
+          <a:xfrm>
+            <a:off x="5115696" y="2779385"/>
+            <a:ext cx="1524000" cy="593124"/>
+          </a:xfrm>
+          <a:prstGeom prst="rect">
+            <a:avLst/>
+          </a:prstGeom>
+        </p:spPr>
+        <p:style>
+          <a:lnRef idx="2">
+            <a:schemeClr val="accent1">
+              <a:shade val="50000"/>
+            </a:schemeClr>
+          </a:lnRef>
+          <a:fillRef idx="1">
+            <a:schemeClr val="accent1"/>
+          </a:fillRef>
+          <a:effectRef idx="0">
+            <a:schemeClr val="accent1"/>
+          </a:effectRef>
+          <a:fontRef idx="minor">
+            <a:schemeClr val="lt1"/>
+          </a:fontRef>
+        </p:style>
+        <p:txBody>
+          <a:bodyPr rtlCol="0" anchor="ctr"/>
+          <a:lstStyle/>
+          <a:p>
+            <a:pPr algn="ctr"/>
+            <a:r>
+              <a:rPr kumimoji="1" lang="en-US" altLang="ja-JP" dirty="0"/>
+              <a:t>D.</a:t>
+            </a:r>
+            <a:r>
+              <a:rPr kumimoji="1" lang="ja-JP" altLang="en-US" dirty="0"/>
+              <a:t>会社更生</a:t>
+            </a:r>
+          </a:p>
+        </p:txBody>
+      </p:sp>
+      <p:sp>
+        <p:nvSpPr>
+          <p:cNvPr id="14" name="正方形/長方形 13">
+            <a:extLst>
+              <a:ext uri="{FF2B5EF4-FFF2-40B4-BE49-F238E27FC236}">
+                <a16:creationId xmlns:a16="http://schemas.microsoft.com/office/drawing/2014/main" id="{349F12D3-CFC4-423F-A05E-745A165CF686}"/>
+              </a:ext>
+            </a:extLst>
+          </p:cNvPr>
+          <p:cNvSpPr/>
+          <p:nvPr/>
+        </p:nvSpPr>
+        <p:spPr>
+          <a:xfrm>
+            <a:off x="5115696" y="5675879"/>
+            <a:ext cx="1524000" cy="848493"/>
+          </a:xfrm>
+          <a:prstGeom prst="rect">
+            <a:avLst/>
+          </a:prstGeom>
+        </p:spPr>
+        <p:style>
+          <a:lnRef idx="2">
+            <a:schemeClr val="accent4">
+              <a:shade val="50000"/>
+            </a:schemeClr>
+          </a:lnRef>
+          <a:fillRef idx="1">
+            <a:schemeClr val="accent4"/>
+          </a:fillRef>
+          <a:effectRef idx="0">
+            <a:schemeClr val="accent4"/>
+          </a:effectRef>
+          <a:fontRef idx="minor">
+            <a:schemeClr val="lt1"/>
+          </a:fontRef>
+        </p:style>
+        <p:txBody>
+          <a:bodyPr rtlCol="0" anchor="ctr"/>
+          <a:lstStyle/>
+          <a:p>
+            <a:pPr algn="ctr"/>
+            <a:r>
+              <a:rPr kumimoji="1" lang="en-US" altLang="ja-JP" dirty="0"/>
+              <a:t>F.</a:t>
+            </a:r>
+            <a:r>
+              <a:rPr kumimoji="1" lang="ja-JP" altLang="en-US" dirty="0"/>
+              <a:t>銀行取引</a:t>
+            </a:r>
+            <a:endParaRPr kumimoji="1" lang="en-US" altLang="ja-JP" dirty="0"/>
+          </a:p>
+          <a:p>
+            <a:pPr algn="ctr"/>
+            <a:r>
+              <a:rPr kumimoji="1" lang="ja-JP" altLang="en-US" dirty="0"/>
+              <a:t>停止処分</a:t>
+            </a:r>
+          </a:p>
+        </p:txBody>
+      </p:sp>
+      <p:sp>
+        <p:nvSpPr>
+          <p:cNvPr id="15" name="正方形/長方形 14">
+            <a:extLst>
+              <a:ext uri="{FF2B5EF4-FFF2-40B4-BE49-F238E27FC236}">
+                <a16:creationId xmlns:a16="http://schemas.microsoft.com/office/drawing/2014/main" id="{A714C4FB-1F9A-4C8D-A0C6-035521B810FE}"/>
+              </a:ext>
+            </a:extLst>
+          </p:cNvPr>
+          <p:cNvSpPr/>
+          <p:nvPr/>
+        </p:nvSpPr>
+        <p:spPr>
+          <a:xfrm>
+            <a:off x="5115696" y="4139498"/>
+            <a:ext cx="1524000" cy="848493"/>
+          </a:xfrm>
+          <a:prstGeom prst="rect">
+            <a:avLst/>
+          </a:prstGeom>
+        </p:spPr>
+        <p:style>
+          <a:lnRef idx="2">
+            <a:schemeClr val="accent4">
+              <a:shade val="50000"/>
+            </a:schemeClr>
+          </a:lnRef>
+          <a:fillRef idx="1">
+            <a:schemeClr val="accent4"/>
+          </a:fillRef>
+          <a:effectRef idx="0">
+            <a:schemeClr val="accent4"/>
+          </a:effectRef>
+          <a:fontRef idx="minor">
+            <a:schemeClr val="lt1"/>
+          </a:fontRef>
+        </p:style>
+        <p:txBody>
+          <a:bodyPr rtlCol="0" anchor="ctr"/>
+          <a:lstStyle/>
+          <a:p>
+            <a:pPr algn="ctr"/>
+            <a:r>
+              <a:rPr kumimoji="1" lang="en-US" altLang="ja-JP" dirty="0"/>
+              <a:t>E.</a:t>
+            </a:r>
+            <a:r>
+              <a:rPr kumimoji="1" lang="ja-JP" altLang="en-US" dirty="0"/>
+              <a:t>私的整理</a:t>
+            </a:r>
+            <a:endParaRPr kumimoji="1" lang="en-US" altLang="ja-JP" dirty="0"/>
+          </a:p>
+          <a:p>
+            <a:pPr algn="ctr"/>
+            <a:r>
+              <a:rPr kumimoji="1" lang="en-US" altLang="ja-JP" dirty="0"/>
+              <a:t>(</a:t>
+            </a:r>
+            <a:r>
+              <a:rPr kumimoji="1" lang="ja-JP" altLang="en-US" dirty="0"/>
+              <a:t>内整理</a:t>
+            </a:r>
+            <a:r>
+              <a:rPr kumimoji="1" lang="en-US" altLang="ja-JP" dirty="0"/>
+              <a:t>)</a:t>
+            </a:r>
+            <a:endParaRPr kumimoji="1" lang="ja-JP" altLang="en-US" dirty="0"/>
+          </a:p>
+        </p:txBody>
+      </p:sp>
+      <p:sp>
+        <p:nvSpPr>
+          <p:cNvPr id="20" name="矢印: 二方向 19">
+            <a:extLst>
+              <a:ext uri="{FF2B5EF4-FFF2-40B4-BE49-F238E27FC236}">
+                <a16:creationId xmlns:a16="http://schemas.microsoft.com/office/drawing/2014/main" id="{25A38088-821B-4CA6-AAAB-15F852A00FCC}"/>
+              </a:ext>
+            </a:extLst>
+          </p:cNvPr>
+          <p:cNvSpPr/>
+          <p:nvPr/>
+        </p:nvSpPr>
+        <p:spPr>
+          <a:xfrm rot="8100000">
+            <a:off x="676824" y="3013202"/>
+            <a:ext cx="981150" cy="981150"/>
+          </a:xfrm>
+          <a:prstGeom prst="leftUpArrow">
+            <a:avLst>
+              <a:gd name="adj1" fmla="val 11667"/>
+              <a:gd name="adj2" fmla="val 18846"/>
+              <a:gd name="adj3" fmla="val 25000"/>
+            </a:avLst>
+          </a:prstGeom>
+        </p:spPr>
+        <p:style>
+          <a:lnRef idx="2">
+            <a:schemeClr val="accent3">
+              <a:shade val="50000"/>
+            </a:schemeClr>
+          </a:lnRef>
+          <a:fillRef idx="1">
+            <a:schemeClr val="accent3"/>
+          </a:fillRef>
+          <a:effectRef idx="0">
+            <a:schemeClr val="accent3"/>
+          </a:effectRef>
+          <a:fontRef idx="minor">
+            <a:schemeClr val="lt1"/>
+          </a:fontRef>
+        </p:style>
+        <p:txBody>
+          <a:bodyPr rtlCol="0" anchor="ctr"/>
+          <a:lstStyle/>
+          <a:p>
+            <a:pPr algn="ctr"/>
+            <a:endParaRPr kumimoji="1" lang="ja-JP" altLang="en-US"/>
+          </a:p>
+        </p:txBody>
+      </p:sp>
+      <p:sp>
+        <p:nvSpPr>
+          <p:cNvPr id="24" name="矢印: 右 23">
+            <a:extLst>
+              <a:ext uri="{FF2B5EF4-FFF2-40B4-BE49-F238E27FC236}">
+                <a16:creationId xmlns:a16="http://schemas.microsoft.com/office/drawing/2014/main" id="{B2AF98A2-FF5F-4819-9C15-B7F723B80621}"/>
+              </a:ext>
+            </a:extLst>
+          </p:cNvPr>
+          <p:cNvSpPr/>
+          <p:nvPr/>
+        </p:nvSpPr>
+        <p:spPr>
+          <a:xfrm rot="788293">
+            <a:off x="2114723" y="5635634"/>
+            <a:ext cx="2798927" cy="326240"/>
+          </a:xfrm>
+          <a:prstGeom prst="rightArrow">
+            <a:avLst/>
+          </a:prstGeom>
+        </p:spPr>
+        <p:style>
+          <a:lnRef idx="2">
+            <a:schemeClr val="accent3">
+              <a:shade val="50000"/>
+            </a:schemeClr>
+          </a:lnRef>
+          <a:fillRef idx="1">
+            <a:schemeClr val="accent3"/>
+          </a:fillRef>
+          <a:effectRef idx="0">
+            <a:schemeClr val="accent3"/>
+          </a:effectRef>
+          <a:fontRef idx="minor">
+            <a:schemeClr val="lt1"/>
+          </a:fontRef>
+        </p:style>
+        <p:txBody>
+          <a:bodyPr rtlCol="0" anchor="ctr"/>
+          <a:lstStyle/>
+          <a:p>
+            <a:pPr algn="ctr"/>
+            <a:endParaRPr kumimoji="1" lang="ja-JP" altLang="en-US"/>
+          </a:p>
+        </p:txBody>
+      </p:sp>
+      <p:sp>
+        <p:nvSpPr>
+          <p:cNvPr id="29" name="矢印: 右 28">
+            <a:extLst>
+              <a:ext uri="{FF2B5EF4-FFF2-40B4-BE49-F238E27FC236}">
+                <a16:creationId xmlns:a16="http://schemas.microsoft.com/office/drawing/2014/main" id="{8DE34042-0B89-4E30-9644-45A350A127C8}"/>
+              </a:ext>
+            </a:extLst>
+          </p:cNvPr>
+          <p:cNvSpPr/>
+          <p:nvPr/>
+        </p:nvSpPr>
+        <p:spPr>
+          <a:xfrm rot="20811707" flipV="1">
+            <a:off x="2116996" y="4592149"/>
+            <a:ext cx="2798927" cy="346238"/>
+          </a:xfrm>
+          <a:prstGeom prst="rightArrow">
+            <a:avLst/>
+          </a:prstGeom>
+        </p:spPr>
+        <p:style>
+          <a:lnRef idx="2">
+            <a:schemeClr val="accent3">
+              <a:shade val="50000"/>
+            </a:schemeClr>
+          </a:lnRef>
+          <a:fillRef idx="1">
+            <a:schemeClr val="accent3"/>
+          </a:fillRef>
+          <a:effectRef idx="0">
+            <a:schemeClr val="accent3"/>
+          </a:effectRef>
+          <a:fontRef idx="minor">
+            <a:schemeClr val="lt1"/>
+          </a:fontRef>
+        </p:style>
+        <p:txBody>
+          <a:bodyPr rtlCol="0" anchor="ctr"/>
+          <a:lstStyle/>
+          <a:p>
+            <a:pPr algn="ctr"/>
+            <a:endParaRPr kumimoji="1" lang="ja-JP" altLang="en-US"/>
+          </a:p>
+        </p:txBody>
+      </p:sp>
+      <p:sp>
+        <p:nvSpPr>
+          <p:cNvPr id="38" name="矢印: 右 37">
+            <a:extLst>
+              <a:ext uri="{FF2B5EF4-FFF2-40B4-BE49-F238E27FC236}">
+                <a16:creationId xmlns:a16="http://schemas.microsoft.com/office/drawing/2014/main" id="{9C87BAA6-49AA-4E61-872E-E0AF6EA57302}"/>
+              </a:ext>
+            </a:extLst>
+          </p:cNvPr>
+          <p:cNvSpPr/>
+          <p:nvPr/>
+        </p:nvSpPr>
+        <p:spPr>
+          <a:xfrm rot="788293">
+            <a:off x="3839277" y="2815075"/>
+            <a:ext cx="1259929" cy="326240"/>
+          </a:xfrm>
+          <a:prstGeom prst="rightArrow">
+            <a:avLst/>
+          </a:prstGeom>
+        </p:spPr>
+        <p:style>
+          <a:lnRef idx="2">
+            <a:schemeClr val="accent3">
+              <a:shade val="50000"/>
+            </a:schemeClr>
+          </a:lnRef>
+          <a:fillRef idx="1">
+            <a:schemeClr val="accent3"/>
+          </a:fillRef>
+          <a:effectRef idx="0">
+            <a:schemeClr val="accent3"/>
+          </a:effectRef>
+          <a:fontRef idx="minor">
+            <a:schemeClr val="lt1"/>
+          </a:fontRef>
+        </p:style>
+        <p:txBody>
+          <a:bodyPr rtlCol="0" anchor="ctr"/>
+          <a:lstStyle/>
+          <a:p>
+            <a:pPr algn="ctr"/>
+            <a:endParaRPr kumimoji="1" lang="ja-JP" altLang="en-US"/>
+          </a:p>
+        </p:txBody>
+      </p:sp>
+      <p:sp>
+        <p:nvSpPr>
+          <p:cNvPr id="39" name="矢印: 右 38">
+            <a:extLst>
+              <a:ext uri="{FF2B5EF4-FFF2-40B4-BE49-F238E27FC236}">
+                <a16:creationId xmlns:a16="http://schemas.microsoft.com/office/drawing/2014/main" id="{32FB2785-941E-4DFA-9FB1-58F51788A510}"/>
+              </a:ext>
+            </a:extLst>
+          </p:cNvPr>
+          <p:cNvSpPr/>
+          <p:nvPr/>
+        </p:nvSpPr>
+        <p:spPr>
+          <a:xfrm rot="20811707" flipV="1">
+            <a:off x="3832907" y="2259563"/>
+            <a:ext cx="1259929" cy="346238"/>
+          </a:xfrm>
+          <a:prstGeom prst="rightArrow">
+            <a:avLst/>
+          </a:prstGeom>
+        </p:spPr>
+        <p:style>
+          <a:lnRef idx="2">
+            <a:schemeClr val="accent3">
+              <a:shade val="50000"/>
+            </a:schemeClr>
+          </a:lnRef>
+          <a:fillRef idx="1">
+            <a:schemeClr val="accent3"/>
+          </a:fillRef>
+          <a:effectRef idx="0">
+            <a:schemeClr val="accent3"/>
+          </a:effectRef>
+          <a:fontRef idx="minor">
+            <a:schemeClr val="lt1"/>
+          </a:fontRef>
+        </p:style>
+        <p:txBody>
+          <a:bodyPr rtlCol="0" anchor="ctr"/>
+          <a:lstStyle/>
+          <a:p>
+            <a:pPr algn="ctr"/>
+            <a:endParaRPr kumimoji="1" lang="ja-JP" altLang="en-US"/>
+          </a:p>
+        </p:txBody>
+      </p:sp>
+      <p:sp>
+        <p:nvSpPr>
+          <p:cNvPr id="45" name="矢印: 二方向 44">
+            <a:extLst>
+              <a:ext uri="{FF2B5EF4-FFF2-40B4-BE49-F238E27FC236}">
+                <a16:creationId xmlns:a16="http://schemas.microsoft.com/office/drawing/2014/main" id="{20C86BAF-0153-493E-A710-3C578C8ADA74}"/>
+              </a:ext>
+            </a:extLst>
+          </p:cNvPr>
+          <p:cNvSpPr/>
+          <p:nvPr/>
+        </p:nvSpPr>
+        <p:spPr>
+          <a:xfrm rot="8100000">
+            <a:off x="2055001" y="1051711"/>
+            <a:ext cx="1768381" cy="1768381"/>
+          </a:xfrm>
+          <a:prstGeom prst="leftUpArrow">
+            <a:avLst>
+              <a:gd name="adj1" fmla="val 7858"/>
+              <a:gd name="adj2" fmla="val 15340"/>
+              <a:gd name="adj3" fmla="val 25000"/>
+            </a:avLst>
+          </a:prstGeom>
+        </p:spPr>
+        <p:style>
+          <a:lnRef idx="2">
+            <a:schemeClr val="accent3">
+              <a:shade val="50000"/>
+            </a:schemeClr>
+          </a:lnRef>
+          <a:fillRef idx="1">
+            <a:schemeClr val="accent3"/>
+          </a:fillRef>
+          <a:effectRef idx="0">
+            <a:schemeClr val="accent3"/>
+          </a:effectRef>
+          <a:fontRef idx="minor">
+            <a:schemeClr val="lt1"/>
+          </a:fontRef>
+        </p:style>
+        <p:txBody>
+          <a:bodyPr rtlCol="0" anchor="ctr"/>
+          <a:lstStyle/>
+          <a:p>
+            <a:pPr algn="ctr"/>
+            <a:endParaRPr kumimoji="1" lang="ja-JP" altLang="en-US"/>
+          </a:p>
+        </p:txBody>
+      </p:sp>
+      <p:sp>
+        <p:nvSpPr>
+          <p:cNvPr id="46" name="矢印: 右 45">
+            <a:extLst>
+              <a:ext uri="{FF2B5EF4-FFF2-40B4-BE49-F238E27FC236}">
+                <a16:creationId xmlns:a16="http://schemas.microsoft.com/office/drawing/2014/main" id="{B87F8E5F-C246-4B75-A000-B37CA3395681}"/>
+              </a:ext>
+            </a:extLst>
+          </p:cNvPr>
+          <p:cNvSpPr/>
+          <p:nvPr/>
+        </p:nvSpPr>
+        <p:spPr>
+          <a:xfrm rot="788293">
+            <a:off x="3847921" y="1132153"/>
+            <a:ext cx="1259929" cy="326240"/>
+          </a:xfrm>
+          <a:prstGeom prst="rightArrow">
+            <a:avLst/>
+          </a:prstGeom>
+        </p:spPr>
+        <p:style>
+          <a:lnRef idx="2">
+            <a:schemeClr val="accent3">
+              <a:shade val="50000"/>
+            </a:schemeClr>
+          </a:lnRef>
+          <a:fillRef idx="1">
+            <a:schemeClr val="accent3"/>
+          </a:fillRef>
+          <a:effectRef idx="0">
+            <a:schemeClr val="accent3"/>
+          </a:effectRef>
+          <a:fontRef idx="minor">
+            <a:schemeClr val="lt1"/>
+          </a:fontRef>
+        </p:style>
+        <p:txBody>
+          <a:bodyPr rtlCol="0" anchor="ctr"/>
+          <a:lstStyle/>
+          <a:p>
+            <a:pPr algn="ctr"/>
+            <a:endParaRPr kumimoji="1" lang="ja-JP" altLang="en-US"/>
+          </a:p>
+        </p:txBody>
+      </p:sp>
+      <p:sp>
+        <p:nvSpPr>
+          <p:cNvPr id="47" name="矢印: 右 46">
+            <a:extLst>
+              <a:ext uri="{FF2B5EF4-FFF2-40B4-BE49-F238E27FC236}">
+                <a16:creationId xmlns:a16="http://schemas.microsoft.com/office/drawing/2014/main" id="{D25BF973-8E47-41F8-8E51-A47E911ED195}"/>
+              </a:ext>
+            </a:extLst>
+          </p:cNvPr>
+          <p:cNvSpPr/>
+          <p:nvPr/>
+        </p:nvSpPr>
+        <p:spPr>
+          <a:xfrm rot="20811707" flipV="1">
+            <a:off x="3841551" y="576641"/>
+            <a:ext cx="1259929" cy="346238"/>
+          </a:xfrm>
+          <a:prstGeom prst="rightArrow">
+            <a:avLst/>
+          </a:prstGeom>
+        </p:spPr>
+        <p:style>
+          <a:lnRef idx="2">
+            <a:schemeClr val="accent3">
+              <a:shade val="50000"/>
+            </a:schemeClr>
+          </a:lnRef>
+          <a:fillRef idx="1">
+            <a:schemeClr val="accent3"/>
+          </a:fillRef>
+          <a:effectRef idx="0">
+            <a:schemeClr val="accent3"/>
+          </a:effectRef>
+          <a:fontRef idx="minor">
+            <a:schemeClr val="lt1"/>
+          </a:fontRef>
+        </p:style>
+        <p:txBody>
+          <a:bodyPr rtlCol="0" anchor="ctr"/>
+          <a:lstStyle/>
+          <a:p>
+            <a:pPr algn="ctr"/>
+            <a:endParaRPr kumimoji="1" lang="ja-JP" altLang="en-US"/>
+          </a:p>
+        </p:txBody>
+      </p:sp>
+    </p:spTree>
+    <p:extLst>
+      <p:ext uri="{BB962C8B-B14F-4D97-AF65-F5344CB8AC3E}">
+        <p14:creationId xmlns:p14="http://schemas.microsoft.com/office/powerpoint/2010/main" val="842899940"/>
+      </p:ext>
+    </p:extLst>
+  </p:cSld>
+  <p:clrMapOvr>
+    <a:masterClrMapping/>
+  </p:clrMapOvr>
+</p:sld>
+</file>
+
+<file path=ppt/slides/slide15.xml><?xml version="1.0" encoding="utf-8"?>
+<p:sld xmlns:a="http://schemas.openxmlformats.org/drawingml/2006/main" xmlns:r="http://schemas.openxmlformats.org/officeDocument/2006/relationships" xmlns:p="http://schemas.openxmlformats.org/presentationml/2006/main">
+  <p:cSld>
+    <p:spTree>
+      <p:nvGrpSpPr>
+        <p:cNvPr id="1" name=""/>
+        <p:cNvGrpSpPr/>
+        <p:nvPr/>
+      </p:nvGrpSpPr>
+      <p:grpSpPr>
+        <a:xfrm>
+          <a:off x="0" y="0"/>
+          <a:ext cx="0" cy="0"/>
+          <a:chOff x="0" y="0"/>
+          <a:chExt cx="0" cy="0"/>
+        </a:xfrm>
+      </p:grpSpPr>
+      <p:sp>
+        <p:nvSpPr>
           <p:cNvPr id="2" name="タイトル 1">
             <a:extLst>
               <a:ext uri="{FF2B5EF4-FFF2-40B4-BE49-F238E27FC236}">
@@ -11457,273 +12822,6 @@
 </p:sld>
 </file>
 
-<file path=ppt/slides/slide15.xml><?xml version="1.0" encoding="utf-8"?>
-<p:sld xmlns:a="http://schemas.openxmlformats.org/drawingml/2006/main" xmlns:r="http://schemas.openxmlformats.org/officeDocument/2006/relationships" xmlns:p="http://schemas.openxmlformats.org/presentationml/2006/main">
-  <p:cSld>
-    <p:spTree>
-      <p:nvGrpSpPr>
-        <p:cNvPr id="1" name=""/>
-        <p:cNvGrpSpPr/>
-        <p:nvPr/>
-      </p:nvGrpSpPr>
-      <p:grpSpPr>
-        <a:xfrm>
-          <a:off x="0" y="0"/>
-          <a:ext cx="0" cy="0"/>
-          <a:chOff x="0" y="0"/>
-          <a:chExt cx="0" cy="0"/>
-        </a:xfrm>
-      </p:grpSpPr>
-      <p:sp>
-        <p:nvSpPr>
-          <p:cNvPr id="2" name="タイトル 1">
-            <a:extLst>
-              <a:ext uri="{FF2B5EF4-FFF2-40B4-BE49-F238E27FC236}">
-                <a16:creationId xmlns:a16="http://schemas.microsoft.com/office/drawing/2014/main" id="{84E76098-5ABF-4709-A130-78345D6144C6}"/>
-              </a:ext>
-            </a:extLst>
-          </p:cNvPr>
-          <p:cNvSpPr>
-            <a:spLocks noGrp="1"/>
-          </p:cNvSpPr>
-          <p:nvPr>
-            <p:ph type="title"/>
-          </p:nvPr>
-        </p:nvSpPr>
-        <p:spPr>
-          <a:xfrm>
-            <a:off x="0" y="0"/>
-            <a:ext cx="10515600" cy="746983"/>
-          </a:xfrm>
-        </p:spPr>
-        <p:txBody>
-          <a:bodyPr/>
-          <a:lstStyle/>
-          <a:p>
-            <a:r>
-              <a:rPr lang="en-US" altLang="ja-JP" dirty="0"/>
-              <a:t>(</a:t>
-            </a:r>
-            <a:r>
-              <a:rPr lang="ja-JP" altLang="en-US" dirty="0"/>
-              <a:t>参考</a:t>
-            </a:r>
-            <a:r>
-              <a:rPr lang="en-US" altLang="ja-JP" dirty="0"/>
-              <a:t>)</a:t>
-            </a:r>
-            <a:r>
-              <a:rPr lang="ja-JP" altLang="en-US" dirty="0"/>
-              <a:t>内整理の事例</a:t>
-            </a:r>
-            <a:endParaRPr kumimoji="1" lang="ja-JP" altLang="en-US" dirty="0"/>
-          </a:p>
-        </p:txBody>
-      </p:sp>
-      <p:sp>
-        <p:nvSpPr>
-          <p:cNvPr id="4" name="テキスト ボックス 3">
-            <a:extLst>
-              <a:ext uri="{FF2B5EF4-FFF2-40B4-BE49-F238E27FC236}">
-                <a16:creationId xmlns:a16="http://schemas.microsoft.com/office/drawing/2014/main" id="{0D78F82B-A7D0-4DDB-A641-86CFD347C0A8}"/>
-              </a:ext>
-            </a:extLst>
-          </p:cNvPr>
-          <p:cNvSpPr txBox="1"/>
-          <p:nvPr/>
-        </p:nvSpPr>
-        <p:spPr>
-          <a:xfrm>
-            <a:off x="0" y="746983"/>
-            <a:ext cx="12192000" cy="5262979"/>
-          </a:xfrm>
-          <a:prstGeom prst="rect">
-            <a:avLst/>
-          </a:prstGeom>
-          <a:noFill/>
-        </p:spPr>
-        <p:txBody>
-          <a:bodyPr wrap="square" rtlCol="0">
-            <a:spAutoFit/>
-          </a:bodyPr>
-          <a:lstStyle/>
-          <a:p>
-            <a:r>
-              <a:rPr kumimoji="1" lang="ja-JP" altLang="en-US" sz="2800" dirty="0"/>
-              <a:t>曙ブレーキ工業</a:t>
-            </a:r>
-            <a:r>
-              <a:rPr kumimoji="1" lang="en-US" altLang="ja-JP" sz="2800" dirty="0"/>
-              <a:t>(7238)</a:t>
-            </a:r>
-          </a:p>
-          <a:p>
-            <a:r>
-              <a:rPr lang="ja-JP" altLang="en-US" sz="2400" dirty="0"/>
-              <a:t>曙ブレーキ工業は</a:t>
-            </a:r>
-            <a:r>
-              <a:rPr lang="en-US" altLang="ja-JP" sz="2400" dirty="0"/>
-              <a:t>30</a:t>
-            </a:r>
-            <a:r>
-              <a:rPr lang="ja-JP" altLang="en-US" sz="2400" dirty="0"/>
-              <a:t>日、私的整理の一つである事業再生</a:t>
-            </a:r>
-            <a:r>
-              <a:rPr lang="en-US" altLang="ja-JP" sz="2400" dirty="0"/>
-              <a:t>ADR</a:t>
-            </a:r>
-            <a:r>
-              <a:rPr lang="ja-JP" altLang="en-US" sz="2400" dirty="0"/>
-              <a:t>（裁判以外の紛争解決）を使って再建を目指すと発表した。</a:t>
-            </a:r>
-            <a:endParaRPr lang="en-US" altLang="ja-JP" sz="2400" dirty="0"/>
-          </a:p>
-          <a:p>
-            <a:r>
-              <a:rPr lang="en-US" altLang="ja-JP" sz="2400" dirty="0"/>
-              <a:t>(</a:t>
-            </a:r>
-            <a:r>
-              <a:rPr lang="ja-JP" altLang="en-US" sz="2400" dirty="0"/>
-              <a:t>中略</a:t>
-            </a:r>
-            <a:r>
-              <a:rPr lang="en-US" altLang="ja-JP" sz="2400" dirty="0"/>
-              <a:t>)</a:t>
-            </a:r>
-            <a:endParaRPr lang="ja-JP" altLang="en-US" sz="2400" dirty="0"/>
-          </a:p>
-          <a:p>
-            <a:r>
-              <a:rPr lang="en-US" altLang="ja-JP" sz="2400" dirty="0"/>
-              <a:t>1</a:t>
-            </a:r>
-            <a:r>
-              <a:rPr lang="ja-JP" altLang="en-US" sz="2400" dirty="0"/>
-              <a:t>月初め、ある地方銀行が債務の返済を曙ブレーキに強く迫ってきたのが引き金だった。</a:t>
-            </a:r>
-          </a:p>
-          <a:p>
-            <a:endParaRPr kumimoji="1" lang="en-US" altLang="ja-JP" sz="2400" dirty="0"/>
-          </a:p>
-          <a:p>
-            <a:r>
-              <a:rPr lang="ja-JP" altLang="en-US" sz="2400" u="sng" dirty="0"/>
-              <a:t>曙ブレーキは債務超過でもなく、資金繰りに窮しているわけでもない。</a:t>
-            </a:r>
-            <a:r>
-              <a:rPr lang="ja-JP" altLang="en-US" sz="2400" dirty="0"/>
-              <a:t>しかし、ゼロ金利政策で追い込まれている地銀各行にとって、債務返済の延長を訴える曙ブレーキの要求はのめる話ではなかった。</a:t>
-            </a:r>
-            <a:endParaRPr lang="en-US" altLang="ja-JP" sz="2400" dirty="0"/>
-          </a:p>
-          <a:p>
-            <a:r>
-              <a:rPr lang="ja-JP" altLang="en-US" sz="2400" u="sng" dirty="0"/>
-              <a:t>取引のある約</a:t>
-            </a:r>
-            <a:r>
-              <a:rPr lang="en-US" altLang="ja-JP" sz="2400" u="sng" dirty="0"/>
-              <a:t>30</a:t>
-            </a:r>
-            <a:r>
-              <a:rPr lang="ja-JP" altLang="en-US" sz="2400" u="sng" dirty="0"/>
-              <a:t>の地銀が足並みをそろえて債権回収を迫れば曙ブレーキの資金繰りは一気に悪化してしまう。この事態を避けるため</a:t>
-            </a:r>
-            <a:r>
-              <a:rPr lang="ja-JP" altLang="en-US" sz="2400" dirty="0"/>
-              <a:t>、曙ブレーキはメインバンクと協議して</a:t>
-            </a:r>
-            <a:r>
-              <a:rPr lang="en-US" altLang="ja-JP" sz="2400" dirty="0"/>
-              <a:t>ADR</a:t>
-            </a:r>
-            <a:r>
-              <a:rPr lang="ja-JP" altLang="en-US" sz="2400" dirty="0"/>
-              <a:t>を申請することを決めた。</a:t>
-            </a:r>
-            <a:endParaRPr lang="en-US" altLang="ja-JP" sz="2400" dirty="0"/>
-          </a:p>
-          <a:p>
-            <a:endParaRPr lang="en-US" altLang="ja-JP" sz="2400" dirty="0"/>
-          </a:p>
-          <a:p>
-            <a:pPr algn="r"/>
-            <a:r>
-              <a:rPr lang="en-US" altLang="ja-JP" sz="2000" dirty="0"/>
-              <a:t>(</a:t>
-            </a:r>
-            <a:r>
-              <a:rPr lang="ja-JP" altLang="en-US" sz="2000" dirty="0"/>
-              <a:t>日経新聞電子版 </a:t>
-            </a:r>
-            <a:r>
-              <a:rPr lang="en-US" altLang="ja-JP" sz="2000" dirty="0"/>
-              <a:t>2019</a:t>
-            </a:r>
-            <a:r>
-              <a:rPr lang="ja-JP" altLang="en-US" sz="2000" dirty="0"/>
-              <a:t>年</a:t>
-            </a:r>
-            <a:r>
-              <a:rPr lang="en-US" altLang="ja-JP" sz="2000" dirty="0"/>
-              <a:t>1</a:t>
-            </a:r>
-            <a:r>
-              <a:rPr lang="ja-JP" altLang="en-US" sz="2000" dirty="0"/>
-              <a:t>月</a:t>
-            </a:r>
-            <a:r>
-              <a:rPr lang="en-US" altLang="ja-JP" sz="2000" dirty="0"/>
-              <a:t>30</a:t>
-            </a:r>
-            <a:r>
-              <a:rPr lang="ja-JP" altLang="en-US" sz="2000" dirty="0"/>
-              <a:t>日付、曙ブレーキ、</a:t>
-            </a:r>
-            <a:r>
-              <a:rPr lang="en-US" altLang="ja-JP" sz="2000" dirty="0"/>
-              <a:t>ADR</a:t>
-            </a:r>
-            <a:r>
-              <a:rPr lang="ja-JP" altLang="en-US" sz="2000" dirty="0"/>
-              <a:t>申請　</a:t>
-            </a:r>
-            <a:r>
-              <a:rPr lang="en-US" altLang="ja-JP" sz="2000" dirty="0"/>
-              <a:t>CASE</a:t>
-            </a:r>
-            <a:r>
-              <a:rPr lang="ja-JP" altLang="en-US" sz="2000" dirty="0"/>
-              <a:t>で綻ぶケイレツより引用</a:t>
-            </a:r>
-            <a:r>
-              <a:rPr lang="en-US" altLang="ja-JP" sz="2000" dirty="0"/>
-              <a:t>)</a:t>
-            </a:r>
-            <a:r>
-              <a:rPr lang="ja-JP" altLang="en-US" sz="2000" dirty="0"/>
-              <a:t> </a:t>
-            </a:r>
-            <a:endParaRPr lang="en-US" altLang="ja-JP" sz="2000" dirty="0"/>
-          </a:p>
-        </p:txBody>
-      </p:sp>
-    </p:spTree>
-    <p:extLst>
-      <p:ext uri="{BB962C8B-B14F-4D97-AF65-F5344CB8AC3E}">
-        <p14:creationId xmlns:p14="http://schemas.microsoft.com/office/powerpoint/2010/main" val="4140638429"/>
-      </p:ext>
-    </p:extLst>
-  </p:cSld>
-  <p:clrMapOvr>
-    <a:masterClrMapping/>
-  </p:clrMapOvr>
-</p:sld>
-</file>
-
 <file path=ppt/slides/slide16.xml><?xml version="1.0" encoding="utf-8"?>
 <p:sld xmlns:a="http://schemas.openxmlformats.org/drawingml/2006/main" xmlns:r="http://schemas.openxmlformats.org/officeDocument/2006/relationships" xmlns:p="http://schemas.openxmlformats.org/presentationml/2006/main">
   <p:cSld>
@@ -11768,115 +12866,220 @@
           <a:lstStyle/>
           <a:p>
             <a:r>
-              <a:rPr kumimoji="1" lang="ja-JP" altLang="en-US" dirty="0"/>
-              <a:t>倒産の定義を決定</a:t>
-            </a:r>
+              <a:rPr lang="en-US" altLang="ja-JP" dirty="0"/>
+              <a:t>(</a:t>
+            </a:r>
+            <a:r>
+              <a:rPr lang="ja-JP" altLang="en-US" dirty="0"/>
+              <a:t>参考</a:t>
+            </a:r>
+            <a:r>
+              <a:rPr lang="en-US" altLang="ja-JP" dirty="0"/>
+              <a:t>)</a:t>
+            </a:r>
+            <a:r>
+              <a:rPr lang="ja-JP" altLang="en-US" dirty="0"/>
+              <a:t>内整理の事例</a:t>
+            </a:r>
+            <a:endParaRPr kumimoji="1" lang="ja-JP" altLang="en-US" dirty="0"/>
           </a:p>
         </p:txBody>
       </p:sp>
       <p:sp>
         <p:nvSpPr>
-          <p:cNvPr id="3" name="コンテンツ プレースホルダー 2">
+          <p:cNvPr id="4" name="テキスト ボックス 3">
             <a:extLst>
               <a:ext uri="{FF2B5EF4-FFF2-40B4-BE49-F238E27FC236}">
-                <a16:creationId xmlns:a16="http://schemas.microsoft.com/office/drawing/2014/main" id="{6542FA18-B0BE-4A9A-A81C-6917BCE2D0B7}"/>
+                <a16:creationId xmlns:a16="http://schemas.microsoft.com/office/drawing/2014/main" id="{0D78F82B-A7D0-4DDB-A641-86CFD347C0A8}"/>
               </a:ext>
             </a:extLst>
           </p:cNvPr>
-          <p:cNvSpPr>
-            <a:spLocks noGrp="1"/>
-          </p:cNvSpPr>
-          <p:nvPr>
-            <p:ph idx="1"/>
-          </p:nvPr>
+          <p:cNvSpPr txBox="1"/>
+          <p:nvPr/>
         </p:nvSpPr>
         <p:spPr>
           <a:xfrm>
             <a:off x="0" y="746983"/>
-            <a:ext cx="10515600" cy="5064855"/>
+            <a:ext cx="12192000" cy="5262979"/>
           </a:xfrm>
+          <a:prstGeom prst="rect">
+            <a:avLst/>
+          </a:prstGeom>
+          <a:noFill/>
         </p:spPr>
         <p:txBody>
-          <a:bodyPr/>
+          <a:bodyPr wrap="square" rtlCol="0">
+            <a:spAutoFit/>
+          </a:bodyPr>
           <a:lstStyle/>
           <a:p>
-            <a:pPr marL="0" indent="0">
-              <a:buNone/>
-            </a:pPr>
-            <a:r>
-              <a:rPr lang="ja-JP" altLang="en-US" dirty="0"/>
-              <a:t>以上を踏まえて、倒産の定義を</a:t>
-            </a:r>
-            <a:endParaRPr lang="en-US" altLang="ja-JP" dirty="0"/>
-          </a:p>
-          <a:p>
-            <a:r>
-              <a:rPr lang="ja-JP" altLang="en-US" dirty="0"/>
-              <a:t>会社更生法手続きを行った企業</a:t>
-            </a:r>
-            <a:endParaRPr lang="en-US" altLang="ja-JP" dirty="0"/>
-          </a:p>
-          <a:p>
-            <a:r>
-              <a:rPr lang="ja-JP" altLang="en-US" dirty="0"/>
-              <a:t>民事再生法手続きを行った企業</a:t>
-            </a:r>
-            <a:endParaRPr lang="en-US" altLang="ja-JP" dirty="0"/>
-          </a:p>
-          <a:p>
-            <a:r>
-              <a:rPr lang="ja-JP" altLang="en-US" dirty="0"/>
-              <a:t>破産手続きを行った企業</a:t>
-            </a:r>
-            <a:endParaRPr lang="en-US" altLang="ja-JP" dirty="0"/>
-          </a:p>
-          <a:p>
-            <a:r>
-              <a:rPr lang="ja-JP" altLang="en-US" dirty="0"/>
-              <a:t>特別清算手続きを行った企業</a:t>
-            </a:r>
-            <a:endParaRPr lang="en-US" altLang="ja-JP" dirty="0"/>
-          </a:p>
-          <a:p>
-            <a:r>
-              <a:rPr lang="ja-JP" altLang="en-US" dirty="0"/>
-              <a:t>銀行取引処分を受けてから</a:t>
-            </a:r>
-            <a:r>
-              <a:rPr lang="en-US" altLang="ja-JP" dirty="0"/>
-              <a:t>12</a:t>
-            </a:r>
-            <a:r>
-              <a:rPr lang="ja-JP" altLang="en-US" dirty="0"/>
-              <a:t>ヶ月以内に法的整理の手続きを行った企業</a:t>
-            </a:r>
-            <a:endParaRPr lang="en-US" altLang="ja-JP" dirty="0"/>
-          </a:p>
-          <a:p>
-            <a:endParaRPr lang="en-US" altLang="ja-JP" dirty="0"/>
-          </a:p>
-          <a:p>
-            <a:pPr marL="0" indent="0">
-              <a:buNone/>
-            </a:pPr>
-            <a:r>
-              <a:rPr lang="ja-JP" altLang="en-US" dirty="0"/>
-              <a:t>以後“倒産“という場合にはこれらの企業を指す</a:t>
-            </a:r>
-            <a:endParaRPr lang="en-US" altLang="ja-JP" dirty="0"/>
-          </a:p>
-          <a:p>
-            <a:endParaRPr lang="en-US" altLang="ja-JP" dirty="0"/>
-          </a:p>
-          <a:p>
-            <a:endParaRPr lang="en-US" altLang="ja-JP" dirty="0"/>
+            <a:r>
+              <a:rPr kumimoji="1" lang="ja-JP" altLang="en-US" sz="2800" dirty="0"/>
+              <a:t>曙ブレーキ工業</a:t>
+            </a:r>
+            <a:r>
+              <a:rPr kumimoji="1" lang="en-US" altLang="ja-JP" sz="2800" dirty="0"/>
+              <a:t>(7238)</a:t>
+            </a:r>
+          </a:p>
+          <a:p>
+            <a:r>
+              <a:rPr lang="ja-JP" altLang="en-US" sz="2400" dirty="0"/>
+              <a:t>曙ブレーキ工業は</a:t>
+            </a:r>
+            <a:r>
+              <a:rPr lang="en-US" altLang="ja-JP" sz="2400" dirty="0"/>
+              <a:t>30</a:t>
+            </a:r>
+            <a:r>
+              <a:rPr lang="ja-JP" altLang="en-US" sz="2400" dirty="0"/>
+              <a:t>日、私的整理の一つである事業再生</a:t>
+            </a:r>
+            <a:r>
+              <a:rPr lang="en-US" altLang="ja-JP" sz="2400" dirty="0"/>
+              <a:t>ADR</a:t>
+            </a:r>
+            <a:r>
+              <a:rPr lang="ja-JP" altLang="en-US" sz="2400" dirty="0"/>
+              <a:t>（裁判以外の紛争解決）を使って再建を目指すと発表した。</a:t>
+            </a:r>
+            <a:endParaRPr lang="en-US" altLang="ja-JP" sz="2400" dirty="0"/>
+          </a:p>
+          <a:p>
+            <a:r>
+              <a:rPr lang="en-US" altLang="ja-JP" sz="2400" dirty="0"/>
+              <a:t>(</a:t>
+            </a:r>
+            <a:r>
+              <a:rPr lang="ja-JP" altLang="en-US" sz="2400" dirty="0"/>
+              <a:t>中略</a:t>
+            </a:r>
+            <a:r>
+              <a:rPr lang="en-US" altLang="ja-JP" sz="2400" dirty="0"/>
+              <a:t>)</a:t>
+            </a:r>
+            <a:endParaRPr lang="ja-JP" altLang="en-US" sz="2400" dirty="0"/>
+          </a:p>
+          <a:p>
+            <a:r>
+              <a:rPr lang="en-US" altLang="ja-JP" sz="2400" dirty="0"/>
+              <a:t>1</a:t>
+            </a:r>
+            <a:r>
+              <a:rPr lang="ja-JP" altLang="en-US" sz="2400" dirty="0"/>
+              <a:t>月初め、ある地方銀行が債務の返済を曙ブレーキに強く迫ってきたのが引き金だった。</a:t>
+            </a:r>
+          </a:p>
+          <a:p>
+            <a:endParaRPr kumimoji="1" lang="en-US" altLang="ja-JP" sz="2400" dirty="0"/>
+          </a:p>
+          <a:p>
+            <a:r>
+              <a:rPr lang="ja-JP" altLang="en-US" sz="2400" u="sng" dirty="0"/>
+              <a:t>曙ブレーキは債務超過でもなく、資金繰りに窮しているわけでもない。</a:t>
+            </a:r>
+            <a:r>
+              <a:rPr lang="ja-JP" altLang="en-US" sz="2400" dirty="0"/>
+              <a:t>しかし、ゼロ金利政策で追い込まれている地銀各行にとって、債務返済の延長を訴える曙ブレーキの要求はのめる話ではなかった。</a:t>
+            </a:r>
+            <a:endParaRPr lang="en-US" altLang="ja-JP" sz="2400" dirty="0"/>
+          </a:p>
+          <a:p>
+            <a:r>
+              <a:rPr lang="ja-JP" altLang="en-US" sz="2400" u="sng" dirty="0"/>
+              <a:t>取引のある約</a:t>
+            </a:r>
+            <a:r>
+              <a:rPr lang="en-US" altLang="ja-JP" sz="2400" u="sng" dirty="0"/>
+              <a:t>30</a:t>
+            </a:r>
+            <a:r>
+              <a:rPr lang="ja-JP" altLang="en-US" sz="2400" u="sng" dirty="0"/>
+              <a:t>の地銀が足並みをそろえて債権回収を迫れば曙ブレーキの資金繰りは一気に悪化してしまう。この事態を避けるため</a:t>
+            </a:r>
+            <a:r>
+              <a:rPr lang="ja-JP" altLang="en-US" sz="2400" dirty="0"/>
+              <a:t>、曙ブレーキはメインバンクと協議して</a:t>
+            </a:r>
+            <a:r>
+              <a:rPr lang="en-US" altLang="ja-JP" sz="2400" dirty="0"/>
+              <a:t>ADR</a:t>
+            </a:r>
+            <a:r>
+              <a:rPr lang="ja-JP" altLang="en-US" sz="2400" dirty="0"/>
+              <a:t>を申請することを決めた。</a:t>
+            </a:r>
+            <a:endParaRPr lang="en-US" altLang="ja-JP" sz="2400" dirty="0"/>
+          </a:p>
+          <a:p>
+            <a:endParaRPr lang="en-US" altLang="ja-JP" sz="2400" dirty="0"/>
+          </a:p>
+          <a:p>
+            <a:pPr algn="r"/>
+            <a:r>
+              <a:rPr lang="en-US" altLang="ja-JP" sz="2000" dirty="0"/>
+              <a:t>(</a:t>
+            </a:r>
+            <a:r>
+              <a:rPr lang="ja-JP" altLang="en-US" sz="2000" dirty="0"/>
+              <a:t>日経新聞電子版 </a:t>
+            </a:r>
+            <a:r>
+              <a:rPr lang="en-US" altLang="ja-JP" sz="2000" dirty="0"/>
+              <a:t>2019</a:t>
+            </a:r>
+            <a:r>
+              <a:rPr lang="ja-JP" altLang="en-US" sz="2000" dirty="0"/>
+              <a:t>年</a:t>
+            </a:r>
+            <a:r>
+              <a:rPr lang="en-US" altLang="ja-JP" sz="2000" dirty="0"/>
+              <a:t>1</a:t>
+            </a:r>
+            <a:r>
+              <a:rPr lang="ja-JP" altLang="en-US" sz="2000" dirty="0"/>
+              <a:t>月</a:t>
+            </a:r>
+            <a:r>
+              <a:rPr lang="en-US" altLang="ja-JP" sz="2000" dirty="0"/>
+              <a:t>30</a:t>
+            </a:r>
+            <a:r>
+              <a:rPr lang="ja-JP" altLang="en-US" sz="2000" dirty="0"/>
+              <a:t>日付、曙ブレーキ、</a:t>
+            </a:r>
+            <a:r>
+              <a:rPr lang="en-US" altLang="ja-JP" sz="2000" dirty="0"/>
+              <a:t>ADR</a:t>
+            </a:r>
+            <a:r>
+              <a:rPr lang="ja-JP" altLang="en-US" sz="2000" dirty="0"/>
+              <a:t>申請　</a:t>
+            </a:r>
+            <a:r>
+              <a:rPr lang="en-US" altLang="ja-JP" sz="2000" dirty="0"/>
+              <a:t>CASE</a:t>
+            </a:r>
+            <a:r>
+              <a:rPr lang="ja-JP" altLang="en-US" sz="2000" dirty="0"/>
+              <a:t>で綻ぶケイレツより引用</a:t>
+            </a:r>
+            <a:r>
+              <a:rPr lang="en-US" altLang="ja-JP" sz="2000" dirty="0"/>
+              <a:t>)</a:t>
+            </a:r>
+            <a:r>
+              <a:rPr lang="ja-JP" altLang="en-US" sz="2000" dirty="0"/>
+              <a:t> </a:t>
+            </a:r>
+            <a:endParaRPr lang="en-US" altLang="ja-JP" sz="2000" dirty="0"/>
           </a:p>
         </p:txBody>
       </p:sp>
     </p:spTree>
     <p:extLst>
       <p:ext uri="{BB962C8B-B14F-4D97-AF65-F5344CB8AC3E}">
-        <p14:creationId xmlns:p14="http://schemas.microsoft.com/office/powerpoint/2010/main" val="106172253"/>
+        <p14:creationId xmlns:p14="http://schemas.microsoft.com/office/powerpoint/2010/main" val="4140638429"/>
       </p:ext>
     </p:extLst>
   </p:cSld>
@@ -11930,22 +13133,9 @@
           <a:lstStyle/>
           <a:p>
             <a:r>
-              <a:rPr lang="ja-JP" altLang="en-US" dirty="0"/>
-              <a:t>対象とする企業について</a:t>
-            </a:r>
-            <a:r>
-              <a:rPr lang="en-US" altLang="ja-JP" dirty="0"/>
-              <a:t>(</a:t>
-            </a:r>
-            <a:r>
-              <a:rPr lang="ja-JP" altLang="en-US" dirty="0"/>
-              <a:t>さいけい</a:t>
-            </a:r>
-            <a:r>
-              <a:rPr lang="en-US" altLang="ja-JP" dirty="0"/>
-              <a:t>)</a:t>
-            </a:r>
-            <a:endParaRPr kumimoji="1" lang="ja-JP" altLang="en-US" dirty="0"/>
+              <a:rPr kumimoji="1" lang="ja-JP" altLang="en-US" dirty="0"/>
+              <a:t>倒産の定義を決定</a:t>
+            </a:r>
           </a:p>
         </p:txBody>
       </p:sp>
@@ -11980,36 +13170,55 @@
             </a:pPr>
             <a:r>
               <a:rPr lang="ja-JP" altLang="en-US" dirty="0"/>
-              <a:t>①東京証券取引所に上場していた企業</a:t>
+              <a:t>以上を踏まえて、倒産の定義を</a:t>
+            </a:r>
+            <a:endParaRPr lang="en-US" altLang="ja-JP" dirty="0"/>
+          </a:p>
+          <a:p>
+            <a:r>
+              <a:rPr lang="ja-JP" altLang="en-US" dirty="0"/>
+              <a:t>会社更生法手続きを行った企業</a:t>
+            </a:r>
+            <a:endParaRPr lang="en-US" altLang="ja-JP" dirty="0"/>
+          </a:p>
+          <a:p>
+            <a:r>
+              <a:rPr lang="ja-JP" altLang="en-US" dirty="0"/>
+              <a:t>民事再生法手続きを行った企業</a:t>
+            </a:r>
+            <a:endParaRPr lang="en-US" altLang="ja-JP" dirty="0"/>
+          </a:p>
+          <a:p>
+            <a:r>
+              <a:rPr lang="ja-JP" altLang="en-US" dirty="0"/>
+              <a:t>破産手続きを行った企業</a:t>
+            </a:r>
+            <a:endParaRPr lang="en-US" altLang="ja-JP" dirty="0"/>
+          </a:p>
+          <a:p>
+            <a:r>
+              <a:rPr lang="ja-JP" altLang="en-US" dirty="0"/>
+              <a:t>特別清算手続きを行った企業</a:t>
+            </a:r>
+            <a:endParaRPr lang="en-US" altLang="ja-JP" dirty="0"/>
+          </a:p>
+          <a:p>
+            <a:r>
+              <a:rPr lang="ja-JP" altLang="en-US" dirty="0"/>
+              <a:t>銀行取引処分を受けてから</a:t>
             </a:r>
             <a:r>
               <a:rPr lang="en-US" altLang="ja-JP" dirty="0"/>
-              <a:t>(1</a:t>
-            </a:r>
-            <a:r>
-              <a:rPr lang="ja-JP" altLang="en-US" dirty="0"/>
-              <a:t>部</a:t>
-            </a:r>
-            <a:r>
-              <a:rPr lang="en-US" altLang="ja-JP" dirty="0"/>
-              <a:t>,2</a:t>
-            </a:r>
-            <a:r>
-              <a:rPr lang="ja-JP" altLang="en-US" dirty="0"/>
-              <a:t>部</a:t>
-            </a:r>
-            <a:r>
-              <a:rPr lang="en-US" altLang="ja-JP" dirty="0"/>
-              <a:t>,JASDAQ,</a:t>
-            </a:r>
-            <a:r>
-              <a:rPr lang="ja-JP" altLang="en-US" dirty="0"/>
-              <a:t>マザーズ</a:t>
-            </a:r>
-            <a:r>
-              <a:rPr lang="en-US" altLang="ja-JP" dirty="0"/>
-              <a:t>)</a:t>
-            </a:r>
+              <a:t>12</a:t>
+            </a:r>
+            <a:r>
+              <a:rPr lang="ja-JP" altLang="en-US" dirty="0"/>
+              <a:t>ヶ月以内に法的整理の手続きを行った企業</a:t>
+            </a:r>
+            <a:endParaRPr lang="en-US" altLang="ja-JP" dirty="0"/>
+          </a:p>
+          <a:p>
+            <a:endParaRPr lang="en-US" altLang="ja-JP" dirty="0"/>
           </a:p>
           <a:p>
             <a:pPr marL="0" indent="0">
@@ -12017,53 +13226,22 @@
             </a:pPr>
             <a:r>
               <a:rPr lang="ja-JP" altLang="en-US" dirty="0"/>
-              <a:t>②</a:t>
-            </a:r>
-            <a:r>
-              <a:rPr lang="en-US" altLang="ja-JP" dirty="0"/>
-              <a:t>2000</a:t>
-            </a:r>
-            <a:r>
-              <a:rPr lang="ja-JP" altLang="en-US" dirty="0"/>
-              <a:t>年</a:t>
-            </a:r>
-            <a:r>
-              <a:rPr lang="en-US" altLang="ja-JP" dirty="0"/>
-              <a:t>4</a:t>
-            </a:r>
-            <a:r>
-              <a:rPr lang="ja-JP" altLang="en-US" dirty="0"/>
-              <a:t>月以降に上場廃止となった企業</a:t>
+              <a:t>以後“倒産“という場合にはこれらの企業を指す</a:t>
             </a:r>
             <a:endParaRPr lang="en-US" altLang="ja-JP" dirty="0"/>
           </a:p>
           <a:p>
-            <a:pPr marL="0" indent="0">
-              <a:buNone/>
-            </a:pPr>
-            <a:r>
-              <a:rPr lang="ja-JP" altLang="en-US" dirty="0"/>
-              <a:t>③製造業に分類される企業</a:t>
-            </a:r>
-            <a:r>
-              <a:rPr lang="en-US" altLang="ja-JP" dirty="0"/>
-              <a:t>(</a:t>
-            </a:r>
-            <a:r>
-              <a:rPr lang="ja-JP" altLang="en-US" dirty="0"/>
-              <a:t>総務省の日本標準産業分類に基づく</a:t>
-            </a:r>
-            <a:r>
-              <a:rPr lang="en-US" altLang="ja-JP" dirty="0"/>
-              <a:t>)</a:t>
-            </a:r>
+            <a:endParaRPr lang="en-US" altLang="ja-JP" dirty="0"/>
+          </a:p>
+          <a:p>
+            <a:endParaRPr lang="en-US" altLang="ja-JP" dirty="0"/>
           </a:p>
         </p:txBody>
       </p:sp>
     </p:spTree>
     <p:extLst>
       <p:ext uri="{BB962C8B-B14F-4D97-AF65-F5344CB8AC3E}">
-        <p14:creationId xmlns:p14="http://schemas.microsoft.com/office/powerpoint/2010/main" val="421789723"/>
+        <p14:creationId xmlns:p14="http://schemas.microsoft.com/office/powerpoint/2010/main" val="106172253"/>
       </p:ext>
     </p:extLst>
   </p:cSld>
@@ -12108,6 +13286,193 @@
         </p:nvSpPr>
         <p:spPr>
           <a:xfrm>
+            <a:off x="0" y="0"/>
+            <a:ext cx="10515600" cy="746983"/>
+          </a:xfrm>
+        </p:spPr>
+        <p:txBody>
+          <a:bodyPr/>
+          <a:lstStyle/>
+          <a:p>
+            <a:r>
+              <a:rPr lang="ja-JP" altLang="en-US" dirty="0"/>
+              <a:t>対象とする企業について</a:t>
+            </a:r>
+            <a:r>
+              <a:rPr lang="en-US" altLang="ja-JP" dirty="0"/>
+              <a:t>(</a:t>
+            </a:r>
+            <a:r>
+              <a:rPr lang="ja-JP" altLang="en-US" dirty="0"/>
+              <a:t>さいけい</a:t>
+            </a:r>
+            <a:r>
+              <a:rPr lang="en-US" altLang="ja-JP" dirty="0"/>
+              <a:t>)</a:t>
+            </a:r>
+            <a:endParaRPr kumimoji="1" lang="ja-JP" altLang="en-US" dirty="0"/>
+          </a:p>
+        </p:txBody>
+      </p:sp>
+      <p:sp>
+        <p:nvSpPr>
+          <p:cNvPr id="3" name="コンテンツ プレースホルダー 2">
+            <a:extLst>
+              <a:ext uri="{FF2B5EF4-FFF2-40B4-BE49-F238E27FC236}">
+                <a16:creationId xmlns:a16="http://schemas.microsoft.com/office/drawing/2014/main" id="{6542FA18-B0BE-4A9A-A81C-6917BCE2D0B7}"/>
+              </a:ext>
+            </a:extLst>
+          </p:cNvPr>
+          <p:cNvSpPr>
+            <a:spLocks noGrp="1"/>
+          </p:cNvSpPr>
+          <p:nvPr>
+            <p:ph idx="1"/>
+          </p:nvPr>
+        </p:nvSpPr>
+        <p:spPr>
+          <a:xfrm>
+            <a:off x="0" y="746983"/>
+            <a:ext cx="10515600" cy="5064855"/>
+          </a:xfrm>
+        </p:spPr>
+        <p:txBody>
+          <a:bodyPr/>
+          <a:lstStyle/>
+          <a:p>
+            <a:pPr marL="0" indent="0">
+              <a:buNone/>
+            </a:pPr>
+            <a:r>
+              <a:rPr lang="ja-JP" altLang="en-US" dirty="0"/>
+              <a:t>①東京証券取引所に上場していた企業</a:t>
+            </a:r>
+            <a:r>
+              <a:rPr lang="en-US" altLang="ja-JP" dirty="0"/>
+              <a:t>(1</a:t>
+            </a:r>
+            <a:r>
+              <a:rPr lang="ja-JP" altLang="en-US" dirty="0"/>
+              <a:t>部</a:t>
+            </a:r>
+            <a:r>
+              <a:rPr lang="en-US" altLang="ja-JP" dirty="0"/>
+              <a:t>,2</a:t>
+            </a:r>
+            <a:r>
+              <a:rPr lang="ja-JP" altLang="en-US" dirty="0"/>
+              <a:t>部</a:t>
+            </a:r>
+            <a:r>
+              <a:rPr lang="en-US" altLang="ja-JP" dirty="0"/>
+              <a:t>,JASDAQ,</a:t>
+            </a:r>
+            <a:r>
+              <a:rPr lang="ja-JP" altLang="en-US" dirty="0"/>
+              <a:t>マザーズ</a:t>
+            </a:r>
+            <a:r>
+              <a:rPr lang="en-US" altLang="ja-JP" dirty="0"/>
+              <a:t>)</a:t>
+            </a:r>
+          </a:p>
+          <a:p>
+            <a:pPr marL="0" indent="0">
+              <a:buNone/>
+            </a:pPr>
+            <a:r>
+              <a:rPr lang="ja-JP" altLang="en-US" dirty="0"/>
+              <a:t>②</a:t>
+            </a:r>
+            <a:r>
+              <a:rPr lang="en-US" altLang="ja-JP" dirty="0"/>
+              <a:t>2000</a:t>
+            </a:r>
+            <a:r>
+              <a:rPr lang="ja-JP" altLang="en-US" dirty="0"/>
+              <a:t>年</a:t>
+            </a:r>
+            <a:r>
+              <a:rPr lang="en-US" altLang="ja-JP" dirty="0"/>
+              <a:t>4</a:t>
+            </a:r>
+            <a:r>
+              <a:rPr lang="ja-JP" altLang="en-US" dirty="0"/>
+              <a:t>月以降に上場廃止となった企業</a:t>
+            </a:r>
+            <a:endParaRPr lang="en-US" altLang="ja-JP" dirty="0"/>
+          </a:p>
+          <a:p>
+            <a:pPr marL="0" indent="0">
+              <a:buNone/>
+            </a:pPr>
+            <a:r>
+              <a:rPr lang="ja-JP" altLang="en-US" dirty="0"/>
+              <a:t>③製造業に分類される企業</a:t>
+            </a:r>
+            <a:r>
+              <a:rPr lang="en-US" altLang="ja-JP" dirty="0"/>
+              <a:t>(</a:t>
+            </a:r>
+            <a:r>
+              <a:rPr lang="ja-JP" altLang="en-US" dirty="0"/>
+              <a:t>総務省の日本標準産業分類に基づく</a:t>
+            </a:r>
+            <a:r>
+              <a:rPr lang="en-US" altLang="ja-JP" dirty="0"/>
+              <a:t>)</a:t>
+            </a:r>
+          </a:p>
+        </p:txBody>
+      </p:sp>
+    </p:spTree>
+    <p:extLst>
+      <p:ext uri="{BB962C8B-B14F-4D97-AF65-F5344CB8AC3E}">
+        <p14:creationId xmlns:p14="http://schemas.microsoft.com/office/powerpoint/2010/main" val="421789723"/>
+      </p:ext>
+    </p:extLst>
+  </p:cSld>
+  <p:clrMapOvr>
+    <a:masterClrMapping/>
+  </p:clrMapOvr>
+</p:sld>
+</file>
+
+<file path=ppt/slides/slide19.xml><?xml version="1.0" encoding="utf-8"?>
+<p:sld xmlns:a="http://schemas.openxmlformats.org/drawingml/2006/main" xmlns:r="http://schemas.openxmlformats.org/officeDocument/2006/relationships" xmlns:p="http://schemas.openxmlformats.org/presentationml/2006/main">
+  <p:cSld>
+    <p:spTree>
+      <p:nvGrpSpPr>
+        <p:cNvPr id="1" name=""/>
+        <p:cNvGrpSpPr/>
+        <p:nvPr/>
+      </p:nvGrpSpPr>
+      <p:grpSpPr>
+        <a:xfrm>
+          <a:off x="0" y="0"/>
+          <a:ext cx="0" cy="0"/>
+          <a:chOff x="0" y="0"/>
+          <a:chExt cx="0" cy="0"/>
+        </a:xfrm>
+      </p:grpSpPr>
+      <p:sp>
+        <p:nvSpPr>
+          <p:cNvPr id="2" name="タイトル 1">
+            <a:extLst>
+              <a:ext uri="{FF2B5EF4-FFF2-40B4-BE49-F238E27FC236}">
+                <a16:creationId xmlns:a16="http://schemas.microsoft.com/office/drawing/2014/main" id="{84E76098-5ABF-4709-A130-78345D6144C6}"/>
+              </a:ext>
+            </a:extLst>
+          </p:cNvPr>
+          <p:cNvSpPr>
+            <a:spLocks noGrp="1"/>
+          </p:cNvSpPr>
+          <p:nvPr>
+            <p:ph type="title"/>
+          </p:nvPr>
+        </p:nvSpPr>
+        <p:spPr>
+          <a:xfrm>
             <a:off x="0" y="19878"/>
             <a:ext cx="10515600" cy="746983"/>
           </a:xfrm>
@@ -12303,178 +13668,6 @@
     <p:extLst>
       <p:ext uri="{BB962C8B-B14F-4D97-AF65-F5344CB8AC3E}">
         <p14:creationId xmlns:p14="http://schemas.microsoft.com/office/powerpoint/2010/main" val="3259732705"/>
-      </p:ext>
-    </p:extLst>
-  </p:cSld>
-  <p:clrMapOvr>
-    <a:masterClrMapping/>
-  </p:clrMapOvr>
-</p:sld>
-</file>
-
-<file path=ppt/slides/slide19.xml><?xml version="1.0" encoding="utf-8"?>
-<p:sld xmlns:a="http://schemas.openxmlformats.org/drawingml/2006/main" xmlns:r="http://schemas.openxmlformats.org/officeDocument/2006/relationships" xmlns:p="http://schemas.openxmlformats.org/presentationml/2006/main">
-  <p:cSld>
-    <p:spTree>
-      <p:nvGrpSpPr>
-        <p:cNvPr id="1" name=""/>
-        <p:cNvGrpSpPr/>
-        <p:nvPr/>
-      </p:nvGrpSpPr>
-      <p:grpSpPr>
-        <a:xfrm>
-          <a:off x="0" y="0"/>
-          <a:ext cx="0" cy="0"/>
-          <a:chOff x="0" y="0"/>
-          <a:chExt cx="0" cy="0"/>
-        </a:xfrm>
-      </p:grpSpPr>
-      <p:sp>
-        <p:nvSpPr>
-          <p:cNvPr id="3" name="コンテンツ プレースホルダー 2">
-            <a:extLst>
-              <a:ext uri="{FF2B5EF4-FFF2-40B4-BE49-F238E27FC236}">
-                <a16:creationId xmlns:a16="http://schemas.microsoft.com/office/drawing/2014/main" id="{6542FA18-B0BE-4A9A-A81C-6917BCE2D0B7}"/>
-              </a:ext>
-            </a:extLst>
-          </p:cNvPr>
-          <p:cNvSpPr>
-            <a:spLocks noGrp="1"/>
-          </p:cNvSpPr>
-          <p:nvPr>
-            <p:ph idx="1"/>
-          </p:nvPr>
-        </p:nvSpPr>
-        <p:spPr>
-          <a:xfrm>
-            <a:off x="838200" y="488091"/>
-            <a:ext cx="10515600" cy="5881817"/>
-          </a:xfrm>
-        </p:spPr>
-        <p:txBody>
-          <a:bodyPr>
-            <a:normAutofit/>
-          </a:bodyPr>
-          <a:lstStyle/>
-          <a:p>
-            <a:pPr marL="0" indent="0" algn="ctr">
-              <a:buNone/>
-            </a:pPr>
-            <a:r>
-              <a:rPr lang="en-US" altLang="ja-JP" dirty="0"/>
-              <a:t>(</a:t>
-            </a:r>
-            <a:r>
-              <a:rPr lang="ja-JP" altLang="en-US" dirty="0"/>
-              <a:t>当たり前だが</a:t>
-            </a:r>
-            <a:r>
-              <a:rPr lang="en-US" altLang="ja-JP" dirty="0"/>
-              <a:t>)</a:t>
-            </a:r>
-            <a:r>
-              <a:rPr lang="ja-JP" altLang="en-US" dirty="0"/>
-              <a:t>倒産となった企業は上場廃止となる。</a:t>
-            </a:r>
-            <a:endParaRPr lang="en-US" altLang="ja-JP" dirty="0"/>
-          </a:p>
-          <a:p>
-            <a:pPr marL="0" indent="0" algn="ctr">
-              <a:buNone/>
-            </a:pPr>
-            <a:r>
-              <a:rPr lang="ja-JP" altLang="en-US" dirty="0">
-                <a:solidFill>
-                  <a:srgbClr val="FF0000"/>
-                </a:solidFill>
-              </a:rPr>
-              <a:t>しかしながら</a:t>
-            </a:r>
-            <a:endParaRPr lang="en-US" altLang="ja-JP" dirty="0">
-              <a:solidFill>
-                <a:srgbClr val="FF0000"/>
-              </a:solidFill>
-            </a:endParaRPr>
-          </a:p>
-          <a:p>
-            <a:pPr marL="0" indent="0">
-              <a:buNone/>
-            </a:pPr>
-            <a:r>
-              <a:rPr lang="ja-JP" altLang="en-US" dirty="0"/>
-              <a:t>倒産以外の理由で上場廃止となった企業のその後を調べると倒産となった企業が多々あった。</a:t>
-            </a:r>
-            <a:endParaRPr lang="en-US" altLang="ja-JP" dirty="0"/>
-          </a:p>
-          <a:p>
-            <a:pPr marL="0" indent="0" algn="ctr">
-              <a:buNone/>
-            </a:pPr>
-            <a:r>
-              <a:rPr lang="ja-JP" altLang="en-US" dirty="0">
-                <a:solidFill>
-                  <a:srgbClr val="FF0000"/>
-                </a:solidFill>
-              </a:rPr>
-              <a:t>↓</a:t>
-            </a:r>
-            <a:endParaRPr lang="en-US" altLang="ja-JP" dirty="0">
-              <a:solidFill>
-                <a:srgbClr val="FF0000"/>
-              </a:solidFill>
-            </a:endParaRPr>
-          </a:p>
-          <a:p>
-            <a:pPr marL="0" indent="0">
-              <a:buNone/>
-            </a:pPr>
-            <a:r>
-              <a:rPr lang="ja-JP" altLang="en-US" dirty="0"/>
-              <a:t>倒産以外の理由で上場廃止となったがその後倒産した場合、その企業を上場企業の倒産に含めないことは不合理ではないか？</a:t>
-            </a:r>
-            <a:endParaRPr lang="en-US" altLang="ja-JP" dirty="0"/>
-          </a:p>
-          <a:p>
-            <a:pPr marL="0" indent="0" algn="ctr">
-              <a:buNone/>
-            </a:pPr>
-            <a:r>
-              <a:rPr lang="ja-JP" altLang="en-US" dirty="0">
-                <a:solidFill>
-                  <a:srgbClr val="FF0000"/>
-                </a:solidFill>
-              </a:rPr>
-              <a:t>↓</a:t>
-            </a:r>
-            <a:endParaRPr lang="en-US" altLang="ja-JP" dirty="0">
-              <a:solidFill>
-                <a:srgbClr val="FF0000"/>
-              </a:solidFill>
-            </a:endParaRPr>
-          </a:p>
-          <a:p>
-            <a:pPr marL="0" indent="0">
-              <a:buNone/>
-            </a:pPr>
-            <a:r>
-              <a:rPr lang="ja-JP" altLang="en-US" dirty="0"/>
-              <a:t>“倒産以外の理由で上場廃止となった企業“について対象とする</a:t>
-            </a:r>
-            <a:br>
-              <a:rPr lang="en-US" altLang="ja-JP" dirty="0"/>
-            </a:br>
-            <a:r>
-              <a:rPr lang="ja-JP" altLang="en-US" dirty="0"/>
-              <a:t>企業の中に含めるかどうかを検討する必要がある</a:t>
-            </a:r>
-            <a:endParaRPr lang="en-US" altLang="ja-JP" dirty="0"/>
-          </a:p>
-        </p:txBody>
-      </p:sp>
-    </p:spTree>
-    <p:extLst>
-      <p:ext uri="{BB962C8B-B14F-4D97-AF65-F5344CB8AC3E}">
-        <p14:creationId xmlns:p14="http://schemas.microsoft.com/office/powerpoint/2010/main" val="2721327828"/>
       </p:ext>
     </p:extLst>
   </p:cSld>
@@ -12880,6 +14073,178 @@
       </p:grpSpPr>
       <p:sp>
         <p:nvSpPr>
+          <p:cNvPr id="3" name="コンテンツ プレースホルダー 2">
+            <a:extLst>
+              <a:ext uri="{FF2B5EF4-FFF2-40B4-BE49-F238E27FC236}">
+                <a16:creationId xmlns:a16="http://schemas.microsoft.com/office/drawing/2014/main" id="{6542FA18-B0BE-4A9A-A81C-6917BCE2D0B7}"/>
+              </a:ext>
+            </a:extLst>
+          </p:cNvPr>
+          <p:cNvSpPr>
+            <a:spLocks noGrp="1"/>
+          </p:cNvSpPr>
+          <p:nvPr>
+            <p:ph idx="1"/>
+          </p:nvPr>
+        </p:nvSpPr>
+        <p:spPr>
+          <a:xfrm>
+            <a:off x="838200" y="488091"/>
+            <a:ext cx="10515600" cy="5881817"/>
+          </a:xfrm>
+        </p:spPr>
+        <p:txBody>
+          <a:bodyPr>
+            <a:normAutofit/>
+          </a:bodyPr>
+          <a:lstStyle/>
+          <a:p>
+            <a:pPr marL="0" indent="0" algn="ctr">
+              <a:buNone/>
+            </a:pPr>
+            <a:r>
+              <a:rPr lang="en-US" altLang="ja-JP" dirty="0"/>
+              <a:t>(</a:t>
+            </a:r>
+            <a:r>
+              <a:rPr lang="ja-JP" altLang="en-US" dirty="0"/>
+              <a:t>当たり前だが</a:t>
+            </a:r>
+            <a:r>
+              <a:rPr lang="en-US" altLang="ja-JP" dirty="0"/>
+              <a:t>)</a:t>
+            </a:r>
+            <a:r>
+              <a:rPr lang="ja-JP" altLang="en-US" dirty="0"/>
+              <a:t>倒産となった企業は上場廃止となる。</a:t>
+            </a:r>
+            <a:endParaRPr lang="en-US" altLang="ja-JP" dirty="0"/>
+          </a:p>
+          <a:p>
+            <a:pPr marL="0" indent="0" algn="ctr">
+              <a:buNone/>
+            </a:pPr>
+            <a:r>
+              <a:rPr lang="ja-JP" altLang="en-US" dirty="0">
+                <a:solidFill>
+                  <a:srgbClr val="FF0000"/>
+                </a:solidFill>
+              </a:rPr>
+              <a:t>しかしながら</a:t>
+            </a:r>
+            <a:endParaRPr lang="en-US" altLang="ja-JP" dirty="0">
+              <a:solidFill>
+                <a:srgbClr val="FF0000"/>
+              </a:solidFill>
+            </a:endParaRPr>
+          </a:p>
+          <a:p>
+            <a:pPr marL="0" indent="0">
+              <a:buNone/>
+            </a:pPr>
+            <a:r>
+              <a:rPr lang="ja-JP" altLang="en-US" dirty="0"/>
+              <a:t>倒産以外の理由で上場廃止となった企業のその後を調べると倒産となった企業が多々あった。</a:t>
+            </a:r>
+            <a:endParaRPr lang="en-US" altLang="ja-JP" dirty="0"/>
+          </a:p>
+          <a:p>
+            <a:pPr marL="0" indent="0" algn="ctr">
+              <a:buNone/>
+            </a:pPr>
+            <a:r>
+              <a:rPr lang="ja-JP" altLang="en-US" dirty="0">
+                <a:solidFill>
+                  <a:srgbClr val="FF0000"/>
+                </a:solidFill>
+              </a:rPr>
+              <a:t>↓</a:t>
+            </a:r>
+            <a:endParaRPr lang="en-US" altLang="ja-JP" dirty="0">
+              <a:solidFill>
+                <a:srgbClr val="FF0000"/>
+              </a:solidFill>
+            </a:endParaRPr>
+          </a:p>
+          <a:p>
+            <a:pPr marL="0" indent="0">
+              <a:buNone/>
+            </a:pPr>
+            <a:r>
+              <a:rPr lang="ja-JP" altLang="en-US" dirty="0"/>
+              <a:t>倒産以外の理由で上場廃止となったがその後倒産した場合、その企業を上場企業の倒産に含めないことは不合理ではないか？</a:t>
+            </a:r>
+            <a:endParaRPr lang="en-US" altLang="ja-JP" dirty="0"/>
+          </a:p>
+          <a:p>
+            <a:pPr marL="0" indent="0" algn="ctr">
+              <a:buNone/>
+            </a:pPr>
+            <a:r>
+              <a:rPr lang="ja-JP" altLang="en-US" dirty="0">
+                <a:solidFill>
+                  <a:srgbClr val="FF0000"/>
+                </a:solidFill>
+              </a:rPr>
+              <a:t>↓</a:t>
+            </a:r>
+            <a:endParaRPr lang="en-US" altLang="ja-JP" dirty="0">
+              <a:solidFill>
+                <a:srgbClr val="FF0000"/>
+              </a:solidFill>
+            </a:endParaRPr>
+          </a:p>
+          <a:p>
+            <a:pPr marL="0" indent="0">
+              <a:buNone/>
+            </a:pPr>
+            <a:r>
+              <a:rPr lang="ja-JP" altLang="en-US" dirty="0"/>
+              <a:t>“倒産以外の理由で上場廃止となった企業“について対象とする</a:t>
+            </a:r>
+            <a:br>
+              <a:rPr lang="en-US" altLang="ja-JP" dirty="0"/>
+            </a:br>
+            <a:r>
+              <a:rPr lang="ja-JP" altLang="en-US" dirty="0"/>
+              <a:t>企業の中に含めるかどうかを検討する必要がある</a:t>
+            </a:r>
+            <a:endParaRPr lang="en-US" altLang="ja-JP" dirty="0"/>
+          </a:p>
+        </p:txBody>
+      </p:sp>
+    </p:spTree>
+    <p:extLst>
+      <p:ext uri="{BB962C8B-B14F-4D97-AF65-F5344CB8AC3E}">
+        <p14:creationId xmlns:p14="http://schemas.microsoft.com/office/powerpoint/2010/main" val="2721327828"/>
+      </p:ext>
+    </p:extLst>
+  </p:cSld>
+  <p:clrMapOvr>
+    <a:masterClrMapping/>
+  </p:clrMapOvr>
+</p:sld>
+</file>
+
+<file path=ppt/slides/slide21.xml><?xml version="1.0" encoding="utf-8"?>
+<p:sld xmlns:a="http://schemas.openxmlformats.org/drawingml/2006/main" xmlns:r="http://schemas.openxmlformats.org/officeDocument/2006/relationships" xmlns:p="http://schemas.openxmlformats.org/presentationml/2006/main">
+  <p:cSld>
+    <p:spTree>
+      <p:nvGrpSpPr>
+        <p:cNvPr id="1" name=""/>
+        <p:cNvGrpSpPr/>
+        <p:nvPr/>
+      </p:nvGrpSpPr>
+      <p:grpSpPr>
+        <a:xfrm>
+          <a:off x="0" y="0"/>
+          <a:ext cx="0" cy="0"/>
+          <a:chOff x="0" y="0"/>
+          <a:chExt cx="0" cy="0"/>
+        </a:xfrm>
+      </p:grpSpPr>
+      <p:sp>
+        <p:nvSpPr>
           <p:cNvPr id="2" name="タイトル 1">
             <a:extLst>
               <a:ext uri="{FF2B5EF4-FFF2-40B4-BE49-F238E27FC236}">
@@ -13025,7 +14390,7 @@
 </p:sld>
 </file>
 
-<file path=ppt/slides/slide21.xml><?xml version="1.0" encoding="utf-8"?>
+<file path=ppt/slides/slide22.xml><?xml version="1.0" encoding="utf-8"?>
 <p:sld xmlns:a="http://schemas.openxmlformats.org/drawingml/2006/main" xmlns:r="http://schemas.openxmlformats.org/officeDocument/2006/relationships" xmlns:p="http://schemas.openxmlformats.org/presentationml/2006/main">
   <p:cSld>
     <p:spTree>
@@ -13624,7 +14989,7 @@
 </p:sld>
 </file>
 
-<file path=ppt/slides/slide22.xml><?xml version="1.0" encoding="utf-8"?>
+<file path=ppt/slides/slide23.xml><?xml version="1.0" encoding="utf-8"?>
 <p:sld xmlns:a="http://schemas.openxmlformats.org/drawingml/2006/main" xmlns:r="http://schemas.openxmlformats.org/officeDocument/2006/relationships" xmlns:p="http://schemas.openxmlformats.org/presentationml/2006/main">
   <p:cSld>
     <p:spTree>
@@ -13990,7 +15355,7 @@
 </p:sld>
 </file>
 
-<file path=ppt/slides/slide23.xml><?xml version="1.0" encoding="utf-8"?>
+<file path=ppt/slides/slide24.xml><?xml version="1.0" encoding="utf-8"?>
 <p:sld xmlns:a="http://schemas.openxmlformats.org/drawingml/2006/main" xmlns:r="http://schemas.openxmlformats.org/officeDocument/2006/relationships" xmlns:p="http://schemas.openxmlformats.org/presentationml/2006/main">
   <p:cSld>
     <p:spTree>
@@ -14107,239 +15472,6 @@
     <p:extLst>
       <p:ext uri="{BB962C8B-B14F-4D97-AF65-F5344CB8AC3E}">
         <p14:creationId xmlns:p14="http://schemas.microsoft.com/office/powerpoint/2010/main" val="1677586832"/>
-      </p:ext>
-    </p:extLst>
-  </p:cSld>
-  <p:clrMapOvr>
-    <a:masterClrMapping/>
-  </p:clrMapOvr>
-</p:sld>
-</file>
-
-<file path=ppt/slides/slide24.xml><?xml version="1.0" encoding="utf-8"?>
-<p:sld xmlns:a="http://schemas.openxmlformats.org/drawingml/2006/main" xmlns:r="http://schemas.openxmlformats.org/officeDocument/2006/relationships" xmlns:p="http://schemas.openxmlformats.org/presentationml/2006/main">
-  <p:cSld>
-    <p:spTree>
-      <p:nvGrpSpPr>
-        <p:cNvPr id="1" name=""/>
-        <p:cNvGrpSpPr/>
-        <p:nvPr/>
-      </p:nvGrpSpPr>
-      <p:grpSpPr>
-        <a:xfrm>
-          <a:off x="0" y="0"/>
-          <a:ext cx="0" cy="0"/>
-          <a:chOff x="0" y="0"/>
-          <a:chExt cx="0" cy="0"/>
-        </a:xfrm>
-      </p:grpSpPr>
-      <p:sp>
-        <p:nvSpPr>
-          <p:cNvPr id="2" name="タイトル 1">
-            <a:extLst>
-              <a:ext uri="{FF2B5EF4-FFF2-40B4-BE49-F238E27FC236}">
-                <a16:creationId xmlns:a16="http://schemas.microsoft.com/office/drawing/2014/main" id="{84E76098-5ABF-4709-A130-78345D6144C6}"/>
-              </a:ext>
-            </a:extLst>
-          </p:cNvPr>
-          <p:cNvSpPr>
-            <a:spLocks noGrp="1"/>
-          </p:cNvSpPr>
-          <p:nvPr>
-            <p:ph type="title"/>
-          </p:nvPr>
-        </p:nvSpPr>
-        <p:spPr>
-          <a:xfrm>
-            <a:off x="0" y="0"/>
-            <a:ext cx="12192000" cy="746983"/>
-          </a:xfrm>
-        </p:spPr>
-        <p:txBody>
-          <a:bodyPr>
-            <a:normAutofit/>
-          </a:bodyPr>
-          <a:lstStyle/>
-          <a:p>
-            <a:r>
-              <a:rPr kumimoji="1" lang="ja-JP" altLang="en-US" dirty="0"/>
-              <a:t>雪印食品</a:t>
-            </a:r>
-          </a:p>
-        </p:txBody>
-      </p:sp>
-      <p:sp>
-        <p:nvSpPr>
-          <p:cNvPr id="3" name="コンテンツ プレースホルダー 2">
-            <a:extLst>
-              <a:ext uri="{FF2B5EF4-FFF2-40B4-BE49-F238E27FC236}">
-                <a16:creationId xmlns:a16="http://schemas.microsoft.com/office/drawing/2014/main" id="{6542FA18-B0BE-4A9A-A81C-6917BCE2D0B7}"/>
-              </a:ext>
-            </a:extLst>
-          </p:cNvPr>
-          <p:cNvSpPr>
-            <a:spLocks noGrp="1"/>
-          </p:cNvSpPr>
-          <p:nvPr>
-            <p:ph idx="1"/>
-          </p:nvPr>
-        </p:nvSpPr>
-        <p:spPr>
-          <a:xfrm>
-            <a:off x="0" y="746983"/>
-            <a:ext cx="12192000" cy="5469924"/>
-          </a:xfrm>
-        </p:spPr>
-        <p:txBody>
-          <a:bodyPr/>
-          <a:lstStyle/>
-          <a:p>
-            <a:pPr marL="0" indent="0">
-              <a:buNone/>
-            </a:pPr>
-            <a:r>
-              <a:rPr lang="ja-JP" altLang="en-US" dirty="0"/>
-              <a:t>雪印乳業子会社。</a:t>
-            </a:r>
-            <a:endParaRPr lang="zh-TW" altLang="en-US" dirty="0"/>
-          </a:p>
-          <a:p>
-            <a:pPr marL="0" indent="0">
-              <a:buNone/>
-            </a:pPr>
-            <a:r>
-              <a:rPr lang="en-US" altLang="ja-JP" dirty="0"/>
-              <a:t>2001</a:t>
-            </a:r>
-            <a:r>
-              <a:rPr lang="ja-JP" altLang="en-US" dirty="0"/>
-              <a:t>年に牛海綿状脳症（</a:t>
-            </a:r>
-            <a:r>
-              <a:rPr lang="en-US" altLang="ja-JP" dirty="0"/>
-              <a:t>BSE</a:t>
-            </a:r>
-            <a:r>
-              <a:rPr lang="ja-JP" altLang="en-US" dirty="0"/>
-              <a:t>、いわゆる狂牛病）対策を悪用する牛肉産地</a:t>
-            </a:r>
-            <a:br>
-              <a:rPr lang="en-US" altLang="ja-JP" dirty="0"/>
-            </a:br>
-            <a:r>
-              <a:rPr lang="ja-JP" altLang="en-US" dirty="0"/>
-              <a:t>偽装事件（雪印牛肉偽装事件）を起こした。その事件が親会社である雪印乳業の食中毒事件と時期的に重なったため、会社の信用がなくなり経営が破綻、</a:t>
-            </a:r>
-            <a:r>
-              <a:rPr lang="en-US" altLang="ja-JP" dirty="0"/>
-              <a:t>2002</a:t>
-            </a:r>
-            <a:r>
-              <a:rPr lang="ja-JP" altLang="en-US" dirty="0"/>
-              <a:t>年</a:t>
-            </a:r>
-            <a:r>
-              <a:rPr lang="en-US" altLang="ja-JP" dirty="0"/>
-              <a:t>4</a:t>
-            </a:r>
-            <a:r>
-              <a:rPr lang="ja-JP" altLang="en-US" dirty="0"/>
-              <a:t>月廃業・上場廃止、解散。</a:t>
-            </a:r>
-            <a:r>
-              <a:rPr lang="en-US" altLang="ja-JP" dirty="0"/>
-              <a:t>2005</a:t>
-            </a:r>
-            <a:r>
-              <a:rPr lang="ja-JP" altLang="en-US" dirty="0"/>
-              <a:t>年</a:t>
-            </a:r>
-            <a:r>
-              <a:rPr lang="en-US" altLang="ja-JP" dirty="0"/>
-              <a:t>8</a:t>
-            </a:r>
-            <a:r>
-              <a:rPr lang="ja-JP" altLang="en-US" dirty="0"/>
-              <a:t>月</a:t>
-            </a:r>
-            <a:r>
-              <a:rPr lang="en-US" altLang="ja-JP" dirty="0"/>
-              <a:t>12</a:t>
-            </a:r>
-            <a:r>
-              <a:rPr lang="ja-JP" altLang="en-US" dirty="0"/>
-              <a:t>日、清算結了。</a:t>
-            </a:r>
-            <a:endParaRPr lang="en-US" altLang="ja-JP" dirty="0"/>
-          </a:p>
-          <a:p>
-            <a:pPr marL="0" indent="0">
-              <a:buNone/>
-            </a:pPr>
-            <a:r>
-              <a:rPr lang="ja-JP" altLang="en-US" dirty="0"/>
-              <a:t>↓</a:t>
-            </a:r>
-            <a:endParaRPr lang="en-US" altLang="ja-JP" dirty="0"/>
-          </a:p>
-          <a:p>
-            <a:pPr marL="0" indent="0">
-              <a:buNone/>
-            </a:pPr>
-            <a:r>
-              <a:rPr lang="ja-JP" altLang="en-US" dirty="0"/>
-              <a:t>特別清算</a:t>
-            </a:r>
-            <a:r>
-              <a:rPr lang="en-US" altLang="ja-JP" dirty="0"/>
-              <a:t>(</a:t>
-            </a:r>
-            <a:r>
-              <a:rPr lang="ja-JP" altLang="en-US" dirty="0"/>
-              <a:t>倒産</a:t>
-            </a:r>
-            <a:r>
-              <a:rPr lang="en-US" altLang="ja-JP" dirty="0"/>
-              <a:t>)</a:t>
-            </a:r>
-            <a:r>
-              <a:rPr lang="ja-JP" altLang="en-US" dirty="0"/>
-              <a:t>なのか通常清算</a:t>
-            </a:r>
-            <a:r>
-              <a:rPr lang="en-US" altLang="ja-JP" dirty="0"/>
-              <a:t>(</a:t>
-            </a:r>
-            <a:r>
-              <a:rPr lang="ja-JP" altLang="en-US" dirty="0"/>
-              <a:t>廃業</a:t>
-            </a:r>
-            <a:r>
-              <a:rPr lang="en-US" altLang="ja-JP" dirty="0"/>
-              <a:t>)</a:t>
-            </a:r>
-            <a:r>
-              <a:rPr lang="ja-JP" altLang="en-US" dirty="0"/>
-              <a:t>なのかがはっきり分からないため、対象企業になるのか不明確。しかし、親会社の雪印乳業自体が複数の子会社を売却していることからも法的整理と同等と思われる。</a:t>
-            </a:r>
-            <a:endParaRPr lang="en-US" altLang="ja-JP" dirty="0"/>
-          </a:p>
-          <a:p>
-            <a:pPr marL="0" indent="0">
-              <a:buNone/>
-            </a:pPr>
-            <a:r>
-              <a:rPr lang="ja-JP" altLang="en-US" dirty="0"/>
-              <a:t>→対象企業への追加を検討中</a:t>
-            </a:r>
-            <a:endParaRPr lang="en-US" altLang="ja-JP" dirty="0"/>
-          </a:p>
-        </p:txBody>
-      </p:sp>
-    </p:spTree>
-    <p:extLst>
-      <p:ext uri="{BB962C8B-B14F-4D97-AF65-F5344CB8AC3E}">
-        <p14:creationId xmlns:p14="http://schemas.microsoft.com/office/powerpoint/2010/main" val="4277347724"/>
       </p:ext>
     </p:extLst>
   </p:cSld>
@@ -14395,10 +15527,9 @@
           <a:lstStyle/>
           <a:p>
             <a:r>
-              <a:rPr lang="ja-JP" altLang="en-US" dirty="0"/>
-              <a:t>丸石ホールディングス </a:t>
-            </a:r>
-            <a:endParaRPr lang="en-US" altLang="ja-JP" dirty="0"/>
+              <a:rPr kumimoji="1" lang="ja-JP" altLang="en-US" dirty="0"/>
+              <a:t>雪印食品</a:t>
+            </a:r>
           </a:p>
         </p:txBody>
       </p:sp>
@@ -14421,7 +15552,7 @@
         <p:spPr>
           <a:xfrm>
             <a:off x="0" y="746983"/>
-            <a:ext cx="12192000" cy="5064855"/>
+            <a:ext cx="12192000" cy="5469924"/>
           </a:xfrm>
         </p:spPr>
         <p:txBody>
@@ -14432,78 +15563,77 @@
               <a:buNone/>
             </a:pPr>
             <a:r>
-              <a:rPr lang="en-US" altLang="ja-JP" dirty="0"/>
-              <a:t>9</a:t>
-            </a:r>
-            <a:r>
-              <a:rPr lang="ja-JP" altLang="en-US" dirty="0"/>
-              <a:t>月</a:t>
-            </a:r>
-            <a:r>
-              <a:rPr lang="en-US" altLang="ja-JP" dirty="0"/>
-              <a:t>1</a:t>
-            </a:r>
-            <a:r>
-              <a:rPr lang="ja-JP" altLang="en-US" dirty="0"/>
-              <a:t>日傘下の滋賀丸石自転車工業がプライムシステム（現サンライズ・テクノロジー）の出資を得て旧丸石から自転車事業を譲り受けた。</a:t>
-            </a:r>
-            <a:r>
-              <a:rPr lang="en-US" altLang="zh-TW" dirty="0"/>
-              <a:t> 2004</a:t>
-            </a:r>
-            <a:r>
-              <a:rPr lang="ja-JP" altLang="en-US" dirty="0"/>
-              <a:t>年</a:t>
-            </a:r>
-            <a:r>
-              <a:rPr lang="en-US" altLang="ja-JP" dirty="0"/>
-              <a:t>9</a:t>
-            </a:r>
-            <a:r>
-              <a:rPr lang="ja-JP" altLang="en-US" dirty="0"/>
-              <a:t>月</a:t>
-            </a:r>
-            <a:r>
-              <a:rPr lang="en-US" altLang="ja-JP" dirty="0"/>
-              <a:t>4</a:t>
-            </a:r>
-            <a:r>
-              <a:rPr lang="ja-JP" altLang="en-US" dirty="0"/>
-              <a:t>日　監査意見不表明により上場廃止、</a:t>
-            </a:r>
-            <a:r>
-              <a:rPr lang="en-US" altLang="ja-JP" dirty="0"/>
-              <a:t>9</a:t>
-            </a:r>
-            <a:r>
-              <a:rPr lang="ja-JP" altLang="en-US" dirty="0"/>
-              <a:t>月</a:t>
-            </a:r>
-            <a:r>
-              <a:rPr lang="en-US" altLang="ja-JP" dirty="0"/>
-              <a:t>16</a:t>
-            </a:r>
-            <a:r>
-              <a:rPr lang="ja-JP" altLang="en-US" dirty="0"/>
-              <a:t>日銀行取引停止処分を受け丸石</a:t>
-            </a:r>
-            <a:r>
-              <a:rPr lang="en-US" altLang="ja-JP" dirty="0"/>
-              <a:t>HD</a:t>
-            </a:r>
-            <a:r>
-              <a:rPr lang="ja-JP" altLang="en-US" dirty="0"/>
-              <a:t>は事実上の倒産となった。</a:t>
-            </a:r>
-            <a:endParaRPr lang="en-US" altLang="ja-JP" dirty="0"/>
+              <a:rPr lang="ja-JP" altLang="en-US" dirty="0"/>
+              <a:t>雪印乳業子会社。</a:t>
+            </a:r>
+            <a:endParaRPr lang="zh-TW" altLang="en-US" dirty="0"/>
           </a:p>
           <a:p>
             <a:pPr marL="0" indent="0">
               <a:buNone/>
             </a:pPr>
             <a:r>
-              <a:rPr lang="ja-JP" altLang="en-US" dirty="0"/>
-              <a:t>↓</a:t>
+              <a:rPr lang="en-US" altLang="ja-JP" dirty="0"/>
+              <a:t>2001</a:t>
+            </a:r>
+            <a:r>
+              <a:rPr lang="ja-JP" altLang="en-US" dirty="0"/>
+              <a:t>年に牛海綿状脳症（</a:t>
+            </a:r>
+            <a:r>
+              <a:rPr lang="en-US" altLang="ja-JP" dirty="0"/>
+              <a:t>BSE</a:t>
+            </a:r>
+            <a:r>
+              <a:rPr lang="ja-JP" altLang="en-US" dirty="0"/>
+              <a:t>、いわゆる狂牛病）対策を悪用する牛肉産地</a:t>
+            </a:r>
+            <a:br>
+              <a:rPr lang="en-US" altLang="ja-JP" dirty="0"/>
+            </a:br>
+            <a:r>
+              <a:rPr lang="ja-JP" altLang="en-US" dirty="0"/>
+              <a:t>偽装事件（雪印牛肉偽装事件）を起こした。その事件が親会社である雪印乳業の食中毒事件と時期的に重なったため、会社の信用がなくなり経営が破綻、</a:t>
+            </a:r>
+            <a:r>
+              <a:rPr lang="en-US" altLang="ja-JP" dirty="0"/>
+              <a:t>2002</a:t>
+            </a:r>
+            <a:r>
+              <a:rPr lang="ja-JP" altLang="en-US" dirty="0"/>
+              <a:t>年</a:t>
+            </a:r>
+            <a:r>
+              <a:rPr lang="en-US" altLang="ja-JP" dirty="0"/>
+              <a:t>4</a:t>
+            </a:r>
+            <a:r>
+              <a:rPr lang="ja-JP" altLang="en-US" dirty="0"/>
+              <a:t>月廃業・上場廃止、解散。</a:t>
+            </a:r>
+            <a:r>
+              <a:rPr lang="en-US" altLang="ja-JP" dirty="0"/>
+              <a:t>2005</a:t>
+            </a:r>
+            <a:r>
+              <a:rPr lang="ja-JP" altLang="en-US" dirty="0"/>
+              <a:t>年</a:t>
+            </a:r>
+            <a:r>
+              <a:rPr lang="en-US" altLang="ja-JP" dirty="0"/>
+              <a:t>8</a:t>
+            </a:r>
+            <a:r>
+              <a:rPr lang="ja-JP" altLang="en-US" dirty="0"/>
+              <a:t>月</a:t>
+            </a:r>
+            <a:r>
+              <a:rPr lang="en-US" altLang="ja-JP" dirty="0"/>
+              <a:t>12</a:t>
+            </a:r>
+            <a:r>
+              <a:rPr lang="ja-JP" altLang="en-US" dirty="0"/>
+              <a:t>日、清算結了。</a:t>
             </a:r>
             <a:endParaRPr lang="en-US" altLang="ja-JP" dirty="0"/>
           </a:p>
@@ -14513,7 +15643,7 @@
             </a:pPr>
             <a:r>
               <a:rPr lang="ja-JP" altLang="en-US" dirty="0"/>
-              <a:t>法的整理を行っていないため対象企業にならない。しかし、事業の譲渡を行っているほか、銀行取引停止処分を受けており経営は破たんしていたと思われる。</a:t>
+              <a:t>↓</a:t>
             </a:r>
             <a:endParaRPr lang="en-US" altLang="ja-JP" dirty="0"/>
           </a:p>
@@ -14523,7 +15653,39 @@
             </a:pPr>
             <a:r>
               <a:rPr lang="ja-JP" altLang="en-US" dirty="0"/>
-              <a:t>→対象企業への追加を検討中</a:t>
+              <a:t>特別清算</a:t>
+            </a:r>
+            <a:r>
+              <a:rPr lang="en-US" altLang="ja-JP" dirty="0"/>
+              <a:t>(</a:t>
+            </a:r>
+            <a:r>
+              <a:rPr lang="ja-JP" altLang="en-US" dirty="0"/>
+              <a:t>倒産</a:t>
+            </a:r>
+            <a:r>
+              <a:rPr lang="en-US" altLang="ja-JP" dirty="0"/>
+              <a:t>)</a:t>
+            </a:r>
+            <a:r>
+              <a:rPr lang="ja-JP" altLang="en-US" dirty="0"/>
+              <a:t>なのか通常清算</a:t>
+            </a:r>
+            <a:r>
+              <a:rPr lang="en-US" altLang="ja-JP" dirty="0"/>
+              <a:t>(</a:t>
+            </a:r>
+            <a:r>
+              <a:rPr lang="ja-JP" altLang="en-US" dirty="0"/>
+              <a:t>廃業</a:t>
+            </a:r>
+            <a:r>
+              <a:rPr lang="en-US" altLang="ja-JP" dirty="0"/>
+              <a:t>)</a:t>
+            </a:r>
+            <a:r>
+              <a:rPr lang="ja-JP" altLang="en-US" dirty="0"/>
+              <a:t>なのかがはっきり分からないため、対象企業になるのか不明確。しかし、親会社の雪印乳業自体が複数の子会社を売却していることからも法的整理と同等と思われる。</a:t>
             </a:r>
             <a:endParaRPr lang="en-US" altLang="ja-JP" dirty="0"/>
           </a:p>
@@ -14531,6 +15693,10 @@
             <a:pPr marL="0" indent="0">
               <a:buNone/>
             </a:pPr>
+            <a:r>
+              <a:rPr lang="ja-JP" altLang="en-US" dirty="0"/>
+              <a:t>→対象企業への追加を検討中</a:t>
+            </a:r>
             <a:endParaRPr lang="en-US" altLang="ja-JP" dirty="0"/>
           </a:p>
         </p:txBody>
@@ -14538,7 +15704,7 @@
     </p:spTree>
     <p:extLst>
       <p:ext uri="{BB962C8B-B14F-4D97-AF65-F5344CB8AC3E}">
-        <p14:creationId xmlns:p14="http://schemas.microsoft.com/office/powerpoint/2010/main" val="217385172"/>
+        <p14:creationId xmlns:p14="http://schemas.microsoft.com/office/powerpoint/2010/main" val="4277347724"/>
       </p:ext>
     </p:extLst>
   </p:cSld>
@@ -14595,7 +15761,7 @@
           <a:p>
             <a:r>
               <a:rPr lang="ja-JP" altLang="en-US" dirty="0"/>
-              <a:t>日立造船富岡機械</a:t>
+              <a:t>丸石ホールディングス </a:t>
             </a:r>
             <a:endParaRPr lang="en-US" altLang="ja-JP" dirty="0"/>
           </a:p>
@@ -14603,10 +15769,10 @@
       </p:sp>
       <p:sp>
         <p:nvSpPr>
-          <p:cNvPr id="7" name="コンテンツ プレースホルダー 6">
+          <p:cNvPr id="3" name="コンテンツ プレースホルダー 2">
             <a:extLst>
               <a:ext uri="{FF2B5EF4-FFF2-40B4-BE49-F238E27FC236}">
-                <a16:creationId xmlns:a16="http://schemas.microsoft.com/office/drawing/2014/main" id="{FEA305A5-A6FF-45C7-9DDC-3D02030E850F}"/>
+                <a16:creationId xmlns:a16="http://schemas.microsoft.com/office/drawing/2014/main" id="{6542FA18-B0BE-4A9A-A81C-6917BCE2D0B7}"/>
               </a:ext>
             </a:extLst>
           </p:cNvPr>
@@ -14620,129 +15786,124 @@
         <p:spPr>
           <a:xfrm>
             <a:off x="0" y="746983"/>
-            <a:ext cx="12192000" cy="5861222"/>
+            <a:ext cx="12192000" cy="5064855"/>
           </a:xfrm>
         </p:spPr>
         <p:txBody>
-          <a:bodyPr>
-            <a:normAutofit/>
-          </a:bodyPr>
+          <a:bodyPr/>
           <a:lstStyle/>
           <a:p>
             <a:pPr marL="0" indent="0">
               <a:buNone/>
             </a:pPr>
             <a:r>
-              <a:rPr lang="ja-JP" altLang="en-US" sz="2400" dirty="0"/>
-              <a:t>富岡機械の主力事業である製紙機械事業を取り巻く環境は、</a:t>
-            </a:r>
-            <a:br>
-              <a:rPr lang="en-US" altLang="ja-JP" sz="2400" dirty="0"/>
-            </a:br>
-            <a:r>
-              <a:rPr lang="ja-JP" altLang="en-US" sz="2400" dirty="0"/>
-              <a:t>①製紙業界の新設抄紙機の設備投資縮小ならびに改良およびメンテナンス中心の市場への移行</a:t>
-            </a:r>
-            <a:br>
-              <a:rPr lang="en-US" altLang="ja-JP" sz="2400" dirty="0"/>
-            </a:br>
-            <a:r>
-              <a:rPr lang="ja-JP" altLang="en-US" sz="2400" dirty="0"/>
-              <a:t>②製紙機械メーカー間の競争激化による受注量および価格の低迷</a:t>
-            </a:r>
-            <a:br>
-              <a:rPr lang="en-US" altLang="ja-JP" sz="2400" dirty="0"/>
-            </a:br>
-            <a:r>
-              <a:rPr lang="ja-JP" altLang="en-US" sz="2400" dirty="0"/>
-              <a:t>③海外市場における現地メーカーおよび欧州勢との競争激化などにより、富岡機械の近年の受注は低迷し、業績不振が続いています。</a:t>
-            </a:r>
-            <a:endParaRPr lang="en-US" altLang="ja-JP" sz="2400" dirty="0"/>
+              <a:rPr lang="en-US" altLang="ja-JP" dirty="0"/>
+              <a:t>9</a:t>
+            </a:r>
+            <a:r>
+              <a:rPr lang="ja-JP" altLang="en-US" dirty="0"/>
+              <a:t>月</a:t>
+            </a:r>
+            <a:r>
+              <a:rPr lang="en-US" altLang="ja-JP" dirty="0"/>
+              <a:t>1</a:t>
+            </a:r>
+            <a:r>
+              <a:rPr lang="ja-JP" altLang="en-US" dirty="0"/>
+              <a:t>日傘下の滋賀丸石自転車工業がプライムシステム（現サンライズ・テクノロジー）の出資を得て旧丸石から自転車事業を譲り受けた。</a:t>
+            </a:r>
+            <a:r>
+              <a:rPr lang="en-US" altLang="zh-TW" dirty="0"/>
+              <a:t> 2004</a:t>
+            </a:r>
+            <a:r>
+              <a:rPr lang="ja-JP" altLang="en-US" dirty="0"/>
+              <a:t>年</a:t>
+            </a:r>
+            <a:r>
+              <a:rPr lang="en-US" altLang="ja-JP" dirty="0"/>
+              <a:t>9</a:t>
+            </a:r>
+            <a:r>
+              <a:rPr lang="ja-JP" altLang="en-US" dirty="0"/>
+              <a:t>月</a:t>
+            </a:r>
+            <a:r>
+              <a:rPr lang="en-US" altLang="ja-JP" dirty="0"/>
+              <a:t>4</a:t>
+            </a:r>
+            <a:r>
+              <a:rPr lang="ja-JP" altLang="en-US" dirty="0"/>
+              <a:t>日　監査意見不表明により上場廃止、</a:t>
+            </a:r>
+            <a:r>
+              <a:rPr lang="en-US" altLang="ja-JP" dirty="0"/>
+              <a:t>9</a:t>
+            </a:r>
+            <a:r>
+              <a:rPr lang="ja-JP" altLang="en-US" dirty="0"/>
+              <a:t>月</a:t>
+            </a:r>
+            <a:r>
+              <a:rPr lang="en-US" altLang="ja-JP" dirty="0"/>
+              <a:t>16</a:t>
+            </a:r>
+            <a:r>
+              <a:rPr lang="ja-JP" altLang="en-US" dirty="0"/>
+              <a:t>日銀行取引停止処分を受け丸石</a:t>
+            </a:r>
+            <a:r>
+              <a:rPr lang="en-US" altLang="ja-JP" dirty="0"/>
+              <a:t>HD</a:t>
+            </a:r>
+            <a:r>
+              <a:rPr lang="ja-JP" altLang="en-US" dirty="0"/>
+              <a:t>は事実上の倒産となった。</a:t>
+            </a:r>
+            <a:endParaRPr lang="en-US" altLang="ja-JP" dirty="0"/>
           </a:p>
           <a:p>
             <a:pPr marL="0" indent="0">
               <a:buNone/>
             </a:pPr>
             <a:r>
-              <a:rPr lang="ja-JP" altLang="en-US" sz="2400" dirty="0"/>
-              <a:t>この結果、富岡機械は、平成</a:t>
-            </a:r>
-            <a:r>
-              <a:rPr lang="en-US" altLang="ja-JP" sz="2400" dirty="0"/>
-              <a:t>17</a:t>
-            </a:r>
-            <a:r>
-              <a:rPr lang="ja-JP" altLang="en-US" sz="2400" dirty="0"/>
-              <a:t>年</a:t>
-            </a:r>
-            <a:r>
-              <a:rPr lang="en-US" altLang="ja-JP" sz="2400" dirty="0"/>
-              <a:t>3</a:t>
-            </a:r>
-            <a:r>
-              <a:rPr lang="ja-JP" altLang="en-US" sz="2400" dirty="0"/>
-              <a:t>月期見込みを含めれば、</a:t>
-            </a:r>
-            <a:r>
-              <a:rPr lang="en-US" altLang="ja-JP" sz="2400" dirty="0"/>
-              <a:t>3</a:t>
-            </a:r>
-            <a:r>
-              <a:rPr lang="ja-JP" altLang="en-US" sz="2400" dirty="0"/>
-              <a:t>期連続の損失計上かつ無配となる状況にあります。</a:t>
-            </a:r>
-            <a:r>
-              <a:rPr lang="en-US" altLang="ja-JP" sz="2400" dirty="0"/>
-              <a:t>(</a:t>
-            </a:r>
-            <a:r>
-              <a:rPr lang="ja-JP" altLang="en-US" sz="2400" dirty="0"/>
-              <a:t>中略</a:t>
-            </a:r>
-            <a:r>
-              <a:rPr lang="en-US" altLang="ja-JP" sz="2400" dirty="0"/>
-              <a:t>)</a:t>
-            </a:r>
+              <a:rPr lang="ja-JP" altLang="en-US" dirty="0"/>
+              <a:t>↓</a:t>
+            </a:r>
+            <a:endParaRPr lang="en-US" altLang="ja-JP" dirty="0"/>
           </a:p>
           <a:p>
             <a:pPr marL="0" indent="0">
               <a:buNone/>
             </a:pPr>
             <a:r>
-              <a:rPr lang="ja-JP" altLang="en-US" sz="2400" dirty="0"/>
-              <a:t>富岡機械では、以上のような明るい展望を欠く市場動向と現在の同社の経営資源からみて、先行きの経営状況は厳しさを増すのみで、このまま事業を継続した場合、富岡機械の株式価値を減少させるばかりであり、富岡機械の株主その他のステークホルダーにとって最悪の事態に立ち至ることになると判断し、解散の決断を行ったものであります。</a:t>
-            </a:r>
-            <a:endParaRPr lang="en-US" altLang="ja-JP" sz="2400" dirty="0"/>
+              <a:rPr lang="ja-JP" altLang="en-US" dirty="0"/>
+              <a:t>法的整理を行っていないため対象企業にならない。しかし、事業の譲渡を行っているほか、銀行取引停止処分を受けており経営は破たんしていたと思われる。</a:t>
+            </a:r>
+            <a:endParaRPr lang="en-US" altLang="ja-JP" dirty="0"/>
           </a:p>
           <a:p>
             <a:pPr marL="0" indent="0">
               <a:buNone/>
             </a:pPr>
-            <a:endParaRPr lang="en-US" altLang="ja-JP" sz="2400" dirty="0"/>
+            <a:r>
+              <a:rPr lang="ja-JP" altLang="en-US" dirty="0"/>
+              <a:t>→対象企業への追加を検討中</a:t>
+            </a:r>
+            <a:endParaRPr lang="en-US" altLang="ja-JP" dirty="0"/>
           </a:p>
           <a:p>
             <a:pPr marL="0" indent="0">
               <a:buNone/>
             </a:pPr>
-            <a:r>
-              <a:rPr lang="ja-JP" altLang="en-US" sz="2400" dirty="0"/>
-              <a:t>→他の三社と異なり早い段階で解散しており、対象企業への追加の可能性</a:t>
-            </a:r>
-            <a:br>
-              <a:rPr lang="en-US" altLang="ja-JP" sz="2400" dirty="0"/>
-            </a:br>
-            <a:r>
-              <a:rPr lang="ja-JP" altLang="en-US" sz="2400" dirty="0"/>
-              <a:t>　は薄い。</a:t>
-            </a:r>
-            <a:endParaRPr lang="en-US" altLang="ja-JP" sz="2400" dirty="0"/>
+            <a:endParaRPr lang="en-US" altLang="ja-JP" dirty="0"/>
           </a:p>
         </p:txBody>
       </p:sp>
     </p:spTree>
     <p:extLst>
       <p:ext uri="{BB962C8B-B14F-4D97-AF65-F5344CB8AC3E}">
-        <p14:creationId xmlns:p14="http://schemas.microsoft.com/office/powerpoint/2010/main" val="3541657779"/>
+        <p14:creationId xmlns:p14="http://schemas.microsoft.com/office/powerpoint/2010/main" val="217385172"/>
       </p:ext>
     </p:extLst>
   </p:cSld>
@@ -14799,6 +15960,210 @@
           <a:p>
             <a:r>
               <a:rPr lang="ja-JP" altLang="en-US" dirty="0"/>
+              <a:t>日立造船富岡機械</a:t>
+            </a:r>
+            <a:endParaRPr lang="en-US" altLang="ja-JP" dirty="0"/>
+          </a:p>
+        </p:txBody>
+      </p:sp>
+      <p:sp>
+        <p:nvSpPr>
+          <p:cNvPr id="7" name="コンテンツ プレースホルダー 6">
+            <a:extLst>
+              <a:ext uri="{FF2B5EF4-FFF2-40B4-BE49-F238E27FC236}">
+                <a16:creationId xmlns:a16="http://schemas.microsoft.com/office/drawing/2014/main" id="{FEA305A5-A6FF-45C7-9DDC-3D02030E850F}"/>
+              </a:ext>
+            </a:extLst>
+          </p:cNvPr>
+          <p:cNvSpPr>
+            <a:spLocks noGrp="1"/>
+          </p:cNvSpPr>
+          <p:nvPr>
+            <p:ph idx="1"/>
+          </p:nvPr>
+        </p:nvSpPr>
+        <p:spPr>
+          <a:xfrm>
+            <a:off x="0" y="746983"/>
+            <a:ext cx="12192000" cy="5861222"/>
+          </a:xfrm>
+        </p:spPr>
+        <p:txBody>
+          <a:bodyPr>
+            <a:normAutofit/>
+          </a:bodyPr>
+          <a:lstStyle/>
+          <a:p>
+            <a:pPr marL="0" indent="0">
+              <a:buNone/>
+            </a:pPr>
+            <a:r>
+              <a:rPr lang="ja-JP" altLang="en-US" sz="2400" dirty="0"/>
+              <a:t>富岡機械の主力事業である製紙機械事業を取り巻く環境は、</a:t>
+            </a:r>
+            <a:br>
+              <a:rPr lang="en-US" altLang="ja-JP" sz="2400" dirty="0"/>
+            </a:br>
+            <a:r>
+              <a:rPr lang="ja-JP" altLang="en-US" sz="2400" dirty="0"/>
+              <a:t>①製紙業界の新設抄紙機の設備投資縮小ならびに改良およびメンテナンス中心の市場への移行</a:t>
+            </a:r>
+            <a:br>
+              <a:rPr lang="en-US" altLang="ja-JP" sz="2400" dirty="0"/>
+            </a:br>
+            <a:r>
+              <a:rPr lang="ja-JP" altLang="en-US" sz="2400" dirty="0"/>
+              <a:t>②製紙機械メーカー間の競争激化による受注量および価格の低迷</a:t>
+            </a:r>
+            <a:br>
+              <a:rPr lang="en-US" altLang="ja-JP" sz="2400" dirty="0"/>
+            </a:br>
+            <a:r>
+              <a:rPr lang="ja-JP" altLang="en-US" sz="2400" dirty="0"/>
+              <a:t>③海外市場における現地メーカーおよび欧州勢との競争激化などにより、富岡機械の近年の受注は低迷し、業績不振が続いています。</a:t>
+            </a:r>
+            <a:endParaRPr lang="en-US" altLang="ja-JP" sz="2400" dirty="0"/>
+          </a:p>
+          <a:p>
+            <a:pPr marL="0" indent="0">
+              <a:buNone/>
+            </a:pPr>
+            <a:r>
+              <a:rPr lang="ja-JP" altLang="en-US" sz="2400" dirty="0"/>
+              <a:t>この結果、富岡機械は、平成</a:t>
+            </a:r>
+            <a:r>
+              <a:rPr lang="en-US" altLang="ja-JP" sz="2400" dirty="0"/>
+              <a:t>17</a:t>
+            </a:r>
+            <a:r>
+              <a:rPr lang="ja-JP" altLang="en-US" sz="2400" dirty="0"/>
+              <a:t>年</a:t>
+            </a:r>
+            <a:r>
+              <a:rPr lang="en-US" altLang="ja-JP" sz="2400" dirty="0"/>
+              <a:t>3</a:t>
+            </a:r>
+            <a:r>
+              <a:rPr lang="ja-JP" altLang="en-US" sz="2400" dirty="0"/>
+              <a:t>月期見込みを含めれば、</a:t>
+            </a:r>
+            <a:r>
+              <a:rPr lang="en-US" altLang="ja-JP" sz="2400" dirty="0"/>
+              <a:t>3</a:t>
+            </a:r>
+            <a:r>
+              <a:rPr lang="ja-JP" altLang="en-US" sz="2400" dirty="0"/>
+              <a:t>期連続の損失計上かつ無配となる状況にあります。</a:t>
+            </a:r>
+            <a:r>
+              <a:rPr lang="en-US" altLang="ja-JP" sz="2400" dirty="0"/>
+              <a:t>(</a:t>
+            </a:r>
+            <a:r>
+              <a:rPr lang="ja-JP" altLang="en-US" sz="2400" dirty="0"/>
+              <a:t>中略</a:t>
+            </a:r>
+            <a:r>
+              <a:rPr lang="en-US" altLang="ja-JP" sz="2400" dirty="0"/>
+              <a:t>)</a:t>
+            </a:r>
+          </a:p>
+          <a:p>
+            <a:pPr marL="0" indent="0">
+              <a:buNone/>
+            </a:pPr>
+            <a:r>
+              <a:rPr lang="ja-JP" altLang="en-US" sz="2400" dirty="0"/>
+              <a:t>富岡機械では、以上のような明るい展望を欠く市場動向と現在の同社の経営資源からみて、先行きの経営状況は厳しさを増すのみで、このまま事業を継続した場合、富岡機械の株式価値を減少させるばかりであり、富岡機械の株主その他のステークホルダーにとって最悪の事態に立ち至ることになると判断し、解散の決断を行ったものであります。</a:t>
+            </a:r>
+            <a:endParaRPr lang="en-US" altLang="ja-JP" sz="2400" dirty="0"/>
+          </a:p>
+          <a:p>
+            <a:pPr marL="0" indent="0">
+              <a:buNone/>
+            </a:pPr>
+            <a:endParaRPr lang="en-US" altLang="ja-JP" sz="2400" dirty="0"/>
+          </a:p>
+          <a:p>
+            <a:pPr marL="0" indent="0">
+              <a:buNone/>
+            </a:pPr>
+            <a:r>
+              <a:rPr lang="ja-JP" altLang="en-US" sz="2400" dirty="0"/>
+              <a:t>→他の三社と異なり早い段階で解散しており、対象企業への追加の可能性</a:t>
+            </a:r>
+            <a:br>
+              <a:rPr lang="en-US" altLang="ja-JP" sz="2400" dirty="0"/>
+            </a:br>
+            <a:r>
+              <a:rPr lang="ja-JP" altLang="en-US" sz="2400" dirty="0"/>
+              <a:t>　は薄い。</a:t>
+            </a:r>
+            <a:endParaRPr lang="en-US" altLang="ja-JP" sz="2400" dirty="0"/>
+          </a:p>
+        </p:txBody>
+      </p:sp>
+    </p:spTree>
+    <p:extLst>
+      <p:ext uri="{BB962C8B-B14F-4D97-AF65-F5344CB8AC3E}">
+        <p14:creationId xmlns:p14="http://schemas.microsoft.com/office/powerpoint/2010/main" val="3541657779"/>
+      </p:ext>
+    </p:extLst>
+  </p:cSld>
+  <p:clrMapOvr>
+    <a:masterClrMapping/>
+  </p:clrMapOvr>
+</p:sld>
+</file>
+
+<file path=ppt/slides/slide28.xml><?xml version="1.0" encoding="utf-8"?>
+<p:sld xmlns:a="http://schemas.openxmlformats.org/drawingml/2006/main" xmlns:r="http://schemas.openxmlformats.org/officeDocument/2006/relationships" xmlns:p="http://schemas.openxmlformats.org/presentationml/2006/main">
+  <p:cSld>
+    <p:spTree>
+      <p:nvGrpSpPr>
+        <p:cNvPr id="1" name=""/>
+        <p:cNvGrpSpPr/>
+        <p:nvPr/>
+      </p:nvGrpSpPr>
+      <p:grpSpPr>
+        <a:xfrm>
+          <a:off x="0" y="0"/>
+          <a:ext cx="0" cy="0"/>
+          <a:chOff x="0" y="0"/>
+          <a:chExt cx="0" cy="0"/>
+        </a:xfrm>
+      </p:grpSpPr>
+      <p:sp>
+        <p:nvSpPr>
+          <p:cNvPr id="2" name="タイトル 1">
+            <a:extLst>
+              <a:ext uri="{FF2B5EF4-FFF2-40B4-BE49-F238E27FC236}">
+                <a16:creationId xmlns:a16="http://schemas.microsoft.com/office/drawing/2014/main" id="{84E76098-5ABF-4709-A130-78345D6144C6}"/>
+              </a:ext>
+            </a:extLst>
+          </p:cNvPr>
+          <p:cNvSpPr>
+            <a:spLocks noGrp="1"/>
+          </p:cNvSpPr>
+          <p:nvPr>
+            <p:ph type="title"/>
+          </p:nvPr>
+        </p:nvSpPr>
+        <p:spPr>
+          <a:xfrm>
+            <a:off x="0" y="0"/>
+            <a:ext cx="12192000" cy="746983"/>
+          </a:xfrm>
+        </p:spPr>
+        <p:txBody>
+          <a:bodyPr>
+            <a:normAutofit/>
+          </a:bodyPr>
+          <a:lstStyle/>
+          <a:p>
+            <a:r>
+              <a:rPr lang="ja-JP" altLang="en-US" dirty="0"/>
               <a:t>対象とする年代について</a:t>
             </a:r>
             <a:endParaRPr kumimoji="1" lang="ja-JP" altLang="en-US" dirty="0"/>
@@ -14995,7 +16360,7 @@
 </p:sld>
 </file>
 
-<file path=ppt/slides/slide28.xml><?xml version="1.0" encoding="utf-8"?>
+<file path=ppt/slides/slide29.xml><?xml version="1.0" encoding="utf-8"?>
 <p:sld xmlns:a="http://schemas.openxmlformats.org/drawingml/2006/main" xmlns:r="http://schemas.openxmlformats.org/officeDocument/2006/relationships" xmlns:p="http://schemas.openxmlformats.org/presentationml/2006/main">
   <p:cSld>
     <p:spTree>
@@ -15196,7 +16561,214 @@
 </p:sld>
 </file>
 
-<file path=ppt/slides/slide29.xml><?xml version="1.0" encoding="utf-8"?>
+<file path=ppt/slides/slide3.xml><?xml version="1.0" encoding="utf-8"?>
+<p:sld xmlns:a="http://schemas.openxmlformats.org/drawingml/2006/main" xmlns:r="http://schemas.openxmlformats.org/officeDocument/2006/relationships" xmlns:p="http://schemas.openxmlformats.org/presentationml/2006/main">
+  <p:cSld>
+    <p:spTree>
+      <p:nvGrpSpPr>
+        <p:cNvPr id="1" name=""/>
+        <p:cNvGrpSpPr/>
+        <p:nvPr/>
+      </p:nvGrpSpPr>
+      <p:grpSpPr>
+        <a:xfrm>
+          <a:off x="0" y="0"/>
+          <a:ext cx="0" cy="0"/>
+          <a:chOff x="0" y="0"/>
+          <a:chExt cx="0" cy="0"/>
+        </a:xfrm>
+      </p:grpSpPr>
+      <p:sp>
+        <p:nvSpPr>
+          <p:cNvPr id="2" name="タイトル 1">
+            <a:extLst>
+              <a:ext uri="{FF2B5EF4-FFF2-40B4-BE49-F238E27FC236}">
+                <a16:creationId xmlns:a16="http://schemas.microsoft.com/office/drawing/2014/main" id="{84E76098-5ABF-4709-A130-78345D6144C6}"/>
+              </a:ext>
+            </a:extLst>
+          </p:cNvPr>
+          <p:cNvSpPr>
+            <a:spLocks noGrp="1"/>
+          </p:cNvSpPr>
+          <p:nvPr>
+            <p:ph type="title"/>
+          </p:nvPr>
+        </p:nvSpPr>
+        <p:spPr>
+          <a:xfrm>
+            <a:off x="0" y="0"/>
+            <a:ext cx="10515600" cy="746983"/>
+          </a:xfrm>
+        </p:spPr>
+        <p:txBody>
+          <a:bodyPr/>
+          <a:lstStyle/>
+          <a:p>
+            <a:r>
+              <a:rPr kumimoji="1" lang="ja-JP" altLang="en-US" dirty="0"/>
+              <a:t>アプローチ方法</a:t>
+            </a:r>
+          </a:p>
+        </p:txBody>
+      </p:sp>
+      <p:sp>
+        <p:nvSpPr>
+          <p:cNvPr id="3" name="コンテンツ プレースホルダー 2">
+            <a:extLst>
+              <a:ext uri="{FF2B5EF4-FFF2-40B4-BE49-F238E27FC236}">
+                <a16:creationId xmlns:a16="http://schemas.microsoft.com/office/drawing/2014/main" id="{6542FA18-B0BE-4A9A-A81C-6917BCE2D0B7}"/>
+              </a:ext>
+            </a:extLst>
+          </p:cNvPr>
+          <p:cNvSpPr>
+            <a:spLocks noGrp="1"/>
+          </p:cNvSpPr>
+          <p:nvPr>
+            <p:ph idx="1"/>
+          </p:nvPr>
+        </p:nvSpPr>
+        <p:spPr>
+          <a:xfrm>
+            <a:off x="0" y="746983"/>
+            <a:ext cx="12192000" cy="5064855"/>
+          </a:xfrm>
+        </p:spPr>
+        <p:txBody>
+          <a:bodyPr>
+            <a:normAutofit/>
+          </a:bodyPr>
+          <a:lstStyle/>
+          <a:p>
+            <a:pPr marL="0" indent="0">
+              <a:buNone/>
+            </a:pPr>
+            <a:r>
+              <a:rPr lang="ja-JP" altLang="en-US" dirty="0"/>
+              <a:t>①財務データからアプローチしているもの</a:t>
+            </a:r>
+            <a:endParaRPr lang="en-US" altLang="ja-JP" dirty="0"/>
+          </a:p>
+          <a:p>
+            <a:pPr lvl="1"/>
+            <a:r>
+              <a:rPr lang="ja-JP" altLang="en-US" dirty="0"/>
+              <a:t>一般的な財務諸表分析から</a:t>
+            </a:r>
+            <a:r>
+              <a:rPr lang="en-US" altLang="ja-JP" dirty="0"/>
+              <a:t>(</a:t>
+            </a:r>
+            <a:r>
+              <a:rPr lang="ja-JP" altLang="en-US" dirty="0"/>
+              <a:t>流動比率とか</a:t>
+            </a:r>
+            <a:r>
+              <a:rPr lang="en-US" altLang="ja-JP" dirty="0"/>
+              <a:t>)</a:t>
+            </a:r>
+          </a:p>
+          <a:p>
+            <a:pPr lvl="1"/>
+            <a:r>
+              <a:rPr lang="ja-JP" altLang="en-US" dirty="0"/>
+              <a:t>残余利益など研究者が考案した指標によるもの</a:t>
+            </a:r>
+            <a:endParaRPr lang="en-US" altLang="ja-JP" dirty="0"/>
+          </a:p>
+          <a:p>
+            <a:pPr lvl="1"/>
+            <a:endParaRPr lang="en-US" altLang="ja-JP" dirty="0"/>
+          </a:p>
+          <a:p>
+            <a:pPr marL="0" indent="0">
+              <a:buNone/>
+            </a:pPr>
+            <a:r>
+              <a:rPr lang="ja-JP" altLang="en-US" dirty="0"/>
+              <a:t>②定性的な情報からアプローチしているもの</a:t>
+            </a:r>
+            <a:endParaRPr lang="en-US" altLang="ja-JP" dirty="0"/>
+          </a:p>
+          <a:p>
+            <a:pPr lvl="1"/>
+            <a:r>
+              <a:rPr lang="ja-JP" altLang="en-US" dirty="0"/>
+              <a:t>顧客の減少の有無、新製品の開発を行ったかどうか等　</a:t>
+            </a:r>
+            <a:endParaRPr lang="en-US" altLang="ja-JP" dirty="0"/>
+          </a:p>
+          <a:p>
+            <a:pPr marL="0" indent="0">
+              <a:buNone/>
+            </a:pPr>
+            <a:endParaRPr lang="en-US" altLang="ja-JP" dirty="0"/>
+          </a:p>
+          <a:p>
+            <a:pPr marL="0" indent="0">
+              <a:buNone/>
+            </a:pPr>
+            <a:r>
+              <a:rPr lang="ja-JP" altLang="en-US" dirty="0"/>
+              <a:t>③倒産した企業のみを対象にして比較していく方法、倒産した企業と</a:t>
+            </a:r>
+            <a:br>
+              <a:rPr lang="en-US" altLang="ja-JP" dirty="0"/>
+            </a:br>
+            <a:r>
+              <a:rPr lang="ja-JP" altLang="en-US" dirty="0"/>
+              <a:t>　同様の規模を持つ存続した企業を比較していく方法</a:t>
+            </a:r>
+            <a:endParaRPr lang="en-US" altLang="ja-JP" dirty="0"/>
+          </a:p>
+          <a:p>
+            <a:endParaRPr lang="en-US" altLang="ja-JP" dirty="0"/>
+          </a:p>
+          <a:p>
+            <a:pPr lvl="1"/>
+            <a:endParaRPr lang="en-US" altLang="ja-JP" dirty="0"/>
+          </a:p>
+          <a:p>
+            <a:pPr lvl="1"/>
+            <a:endParaRPr lang="en-US" altLang="ja-JP" dirty="0"/>
+          </a:p>
+          <a:p>
+            <a:pPr lvl="1"/>
+            <a:endParaRPr lang="en-US" altLang="ja-JP" dirty="0"/>
+          </a:p>
+          <a:p>
+            <a:pPr marL="457200" lvl="1" indent="0">
+              <a:buNone/>
+            </a:pPr>
+            <a:endParaRPr lang="en-US" altLang="ja-JP" dirty="0"/>
+          </a:p>
+          <a:p>
+            <a:pPr marL="457200" lvl="1" indent="0">
+              <a:buNone/>
+            </a:pPr>
+            <a:endParaRPr lang="en-US" altLang="ja-JP" dirty="0"/>
+          </a:p>
+          <a:p>
+            <a:pPr marL="457200" lvl="1" indent="0">
+              <a:buNone/>
+            </a:pPr>
+            <a:endParaRPr lang="en-US" altLang="ja-JP" dirty="0"/>
+          </a:p>
+        </p:txBody>
+      </p:sp>
+    </p:spTree>
+    <p:extLst>
+      <p:ext uri="{BB962C8B-B14F-4D97-AF65-F5344CB8AC3E}">
+        <p14:creationId xmlns:p14="http://schemas.microsoft.com/office/powerpoint/2010/main" val="3083241807"/>
+      </p:ext>
+    </p:extLst>
+  </p:cSld>
+  <p:clrMapOvr>
+    <a:masterClrMapping/>
+  </p:clrMapOvr>
+</p:sld>
+</file>
+
+<file path=ppt/slides/slide30.xml><?xml version="1.0" encoding="utf-8"?>
 <p:sld xmlns:a="http://schemas.openxmlformats.org/drawingml/2006/main" xmlns:r="http://schemas.openxmlformats.org/officeDocument/2006/relationships" xmlns:p="http://schemas.openxmlformats.org/presentationml/2006/main">
   <p:cSld>
     <p:spTree>
@@ -15946,214 +17518,7 @@
 </p:sld>
 </file>
 
-<file path=ppt/slides/slide3.xml><?xml version="1.0" encoding="utf-8"?>
-<p:sld xmlns:a="http://schemas.openxmlformats.org/drawingml/2006/main" xmlns:r="http://schemas.openxmlformats.org/officeDocument/2006/relationships" xmlns:p="http://schemas.openxmlformats.org/presentationml/2006/main">
-  <p:cSld>
-    <p:spTree>
-      <p:nvGrpSpPr>
-        <p:cNvPr id="1" name=""/>
-        <p:cNvGrpSpPr/>
-        <p:nvPr/>
-      </p:nvGrpSpPr>
-      <p:grpSpPr>
-        <a:xfrm>
-          <a:off x="0" y="0"/>
-          <a:ext cx="0" cy="0"/>
-          <a:chOff x="0" y="0"/>
-          <a:chExt cx="0" cy="0"/>
-        </a:xfrm>
-      </p:grpSpPr>
-      <p:sp>
-        <p:nvSpPr>
-          <p:cNvPr id="2" name="タイトル 1">
-            <a:extLst>
-              <a:ext uri="{FF2B5EF4-FFF2-40B4-BE49-F238E27FC236}">
-                <a16:creationId xmlns:a16="http://schemas.microsoft.com/office/drawing/2014/main" id="{84E76098-5ABF-4709-A130-78345D6144C6}"/>
-              </a:ext>
-            </a:extLst>
-          </p:cNvPr>
-          <p:cNvSpPr>
-            <a:spLocks noGrp="1"/>
-          </p:cNvSpPr>
-          <p:nvPr>
-            <p:ph type="title"/>
-          </p:nvPr>
-        </p:nvSpPr>
-        <p:spPr>
-          <a:xfrm>
-            <a:off x="0" y="0"/>
-            <a:ext cx="10515600" cy="746983"/>
-          </a:xfrm>
-        </p:spPr>
-        <p:txBody>
-          <a:bodyPr/>
-          <a:lstStyle/>
-          <a:p>
-            <a:r>
-              <a:rPr kumimoji="1" lang="ja-JP" altLang="en-US" dirty="0"/>
-              <a:t>アプローチ方法</a:t>
-            </a:r>
-          </a:p>
-        </p:txBody>
-      </p:sp>
-      <p:sp>
-        <p:nvSpPr>
-          <p:cNvPr id="3" name="コンテンツ プレースホルダー 2">
-            <a:extLst>
-              <a:ext uri="{FF2B5EF4-FFF2-40B4-BE49-F238E27FC236}">
-                <a16:creationId xmlns:a16="http://schemas.microsoft.com/office/drawing/2014/main" id="{6542FA18-B0BE-4A9A-A81C-6917BCE2D0B7}"/>
-              </a:ext>
-            </a:extLst>
-          </p:cNvPr>
-          <p:cNvSpPr>
-            <a:spLocks noGrp="1"/>
-          </p:cNvSpPr>
-          <p:nvPr>
-            <p:ph idx="1"/>
-          </p:nvPr>
-        </p:nvSpPr>
-        <p:spPr>
-          <a:xfrm>
-            <a:off x="0" y="746983"/>
-            <a:ext cx="12192000" cy="5064855"/>
-          </a:xfrm>
-        </p:spPr>
-        <p:txBody>
-          <a:bodyPr>
-            <a:normAutofit/>
-          </a:bodyPr>
-          <a:lstStyle/>
-          <a:p>
-            <a:pPr marL="0" indent="0">
-              <a:buNone/>
-            </a:pPr>
-            <a:r>
-              <a:rPr lang="ja-JP" altLang="en-US" dirty="0"/>
-              <a:t>①財務データからアプローチしているもの</a:t>
-            </a:r>
-            <a:endParaRPr lang="en-US" altLang="ja-JP" dirty="0"/>
-          </a:p>
-          <a:p>
-            <a:pPr lvl="1"/>
-            <a:r>
-              <a:rPr lang="ja-JP" altLang="en-US" dirty="0"/>
-              <a:t>一般的な財務諸表分析から</a:t>
-            </a:r>
-            <a:r>
-              <a:rPr lang="en-US" altLang="ja-JP" dirty="0"/>
-              <a:t>(</a:t>
-            </a:r>
-            <a:r>
-              <a:rPr lang="ja-JP" altLang="en-US" dirty="0"/>
-              <a:t>流動比率とか</a:t>
-            </a:r>
-            <a:r>
-              <a:rPr lang="en-US" altLang="ja-JP" dirty="0"/>
-              <a:t>)</a:t>
-            </a:r>
-          </a:p>
-          <a:p>
-            <a:pPr lvl="1"/>
-            <a:r>
-              <a:rPr lang="ja-JP" altLang="en-US" dirty="0"/>
-              <a:t>残余利益など研究者が考案した指標によるもの</a:t>
-            </a:r>
-            <a:endParaRPr lang="en-US" altLang="ja-JP" dirty="0"/>
-          </a:p>
-          <a:p>
-            <a:pPr lvl="1"/>
-            <a:endParaRPr lang="en-US" altLang="ja-JP" dirty="0"/>
-          </a:p>
-          <a:p>
-            <a:pPr marL="0" indent="0">
-              <a:buNone/>
-            </a:pPr>
-            <a:r>
-              <a:rPr lang="ja-JP" altLang="en-US" dirty="0"/>
-              <a:t>②定性的な情報からアプローチしているもの</a:t>
-            </a:r>
-            <a:endParaRPr lang="en-US" altLang="ja-JP" dirty="0"/>
-          </a:p>
-          <a:p>
-            <a:pPr lvl="1"/>
-            <a:r>
-              <a:rPr lang="ja-JP" altLang="en-US" dirty="0"/>
-              <a:t>顧客の減少の有無、新製品の開発を行ったかどうか等　</a:t>
-            </a:r>
-            <a:endParaRPr lang="en-US" altLang="ja-JP" dirty="0"/>
-          </a:p>
-          <a:p>
-            <a:pPr marL="0" indent="0">
-              <a:buNone/>
-            </a:pPr>
-            <a:endParaRPr lang="en-US" altLang="ja-JP" dirty="0"/>
-          </a:p>
-          <a:p>
-            <a:pPr marL="0" indent="0">
-              <a:buNone/>
-            </a:pPr>
-            <a:r>
-              <a:rPr lang="ja-JP" altLang="en-US" dirty="0"/>
-              <a:t>③倒産した企業のみを対象にして比較していく方法、倒産した企業と</a:t>
-            </a:r>
-            <a:br>
-              <a:rPr lang="en-US" altLang="ja-JP" dirty="0"/>
-            </a:br>
-            <a:r>
-              <a:rPr lang="ja-JP" altLang="en-US" dirty="0"/>
-              <a:t>　同様の規模を持つ存続した企業を比較していく方法</a:t>
-            </a:r>
-            <a:endParaRPr lang="en-US" altLang="ja-JP" dirty="0"/>
-          </a:p>
-          <a:p>
-            <a:endParaRPr lang="en-US" altLang="ja-JP" dirty="0"/>
-          </a:p>
-          <a:p>
-            <a:pPr lvl="1"/>
-            <a:endParaRPr lang="en-US" altLang="ja-JP" dirty="0"/>
-          </a:p>
-          <a:p>
-            <a:pPr lvl="1"/>
-            <a:endParaRPr lang="en-US" altLang="ja-JP" dirty="0"/>
-          </a:p>
-          <a:p>
-            <a:pPr lvl="1"/>
-            <a:endParaRPr lang="en-US" altLang="ja-JP" dirty="0"/>
-          </a:p>
-          <a:p>
-            <a:pPr marL="457200" lvl="1" indent="0">
-              <a:buNone/>
-            </a:pPr>
-            <a:endParaRPr lang="en-US" altLang="ja-JP" dirty="0"/>
-          </a:p>
-          <a:p>
-            <a:pPr marL="457200" lvl="1" indent="0">
-              <a:buNone/>
-            </a:pPr>
-            <a:endParaRPr lang="en-US" altLang="ja-JP" dirty="0"/>
-          </a:p>
-          <a:p>
-            <a:pPr marL="457200" lvl="1" indent="0">
-              <a:buNone/>
-            </a:pPr>
-            <a:endParaRPr lang="en-US" altLang="ja-JP" dirty="0"/>
-          </a:p>
-        </p:txBody>
-      </p:sp>
-    </p:spTree>
-    <p:extLst>
-      <p:ext uri="{BB962C8B-B14F-4D97-AF65-F5344CB8AC3E}">
-        <p14:creationId xmlns:p14="http://schemas.microsoft.com/office/powerpoint/2010/main" val="3083241807"/>
-      </p:ext>
-    </p:extLst>
-  </p:cSld>
-  <p:clrMapOvr>
-    <a:masterClrMapping/>
-  </p:clrMapOvr>
-</p:sld>
-</file>
-
-<file path=ppt/slides/slide30.xml><?xml version="1.0" encoding="utf-8"?>
+<file path=ppt/slides/slide31.xml><?xml version="1.0" encoding="utf-8"?>
 <p:sld xmlns:a="http://schemas.openxmlformats.org/drawingml/2006/main" xmlns:r="http://schemas.openxmlformats.org/officeDocument/2006/relationships" xmlns:p="http://schemas.openxmlformats.org/presentationml/2006/main">
   <p:cSld>
     <p:spTree>
@@ -16257,7 +17622,7 @@
 </p:sld>
 </file>
 
-<file path=ppt/slides/slide31.xml><?xml version="1.0" encoding="utf-8"?>
+<file path=ppt/slides/slide32.xml><?xml version="1.0" encoding="utf-8"?>
 <p:sld xmlns:a="http://schemas.openxmlformats.org/drawingml/2006/main" xmlns:r="http://schemas.openxmlformats.org/officeDocument/2006/relationships" xmlns:p="http://schemas.openxmlformats.org/presentationml/2006/main">
   <p:cSld>
     <p:spTree>
@@ -16322,7 +17687,7 @@
 </p:sld>
 </file>
 
-<file path=ppt/slides/slide32.xml><?xml version="1.0" encoding="utf-8"?>
+<file path=ppt/slides/slide33.xml><?xml version="1.0" encoding="utf-8"?>
 <p:sld xmlns:a="http://schemas.openxmlformats.org/drawingml/2006/main" xmlns:r="http://schemas.openxmlformats.org/officeDocument/2006/relationships" xmlns:p="http://schemas.openxmlformats.org/presentationml/2006/main">
   <p:cSld>
     <p:spTree>
@@ -16546,7 +17911,7 @@
 </p:sld>
 </file>
 
-<file path=ppt/slides/slide33.xml><?xml version="1.0" encoding="utf-8"?>
+<file path=ppt/slides/slide34.xml><?xml version="1.0" encoding="utf-8"?>
 <p:sld xmlns:a="http://schemas.openxmlformats.org/drawingml/2006/main" xmlns:r="http://schemas.openxmlformats.org/officeDocument/2006/relationships" xmlns:p="http://schemas.openxmlformats.org/presentationml/2006/main">
   <p:cSld>
     <p:spTree>
@@ -16612,7 +17977,7 @@
 </p:sld>
 </file>
 
-<file path=ppt/slides/slide34.xml><?xml version="1.0" encoding="utf-8"?>
+<file path=ppt/slides/slide35.xml><?xml version="1.0" encoding="utf-8"?>
 <p:sld xmlns:a="http://schemas.openxmlformats.org/drawingml/2006/main" xmlns:r="http://schemas.openxmlformats.org/officeDocument/2006/relationships" xmlns:p="http://schemas.openxmlformats.org/presentationml/2006/main">
   <p:cSld>
     <p:spTree>
@@ -16794,7 +18159,7 @@
 </p:sld>
 </file>
 
-<file path=ppt/slides/slide35.xml><?xml version="1.0" encoding="utf-8"?>
+<file path=ppt/slides/slide36.xml><?xml version="1.0" encoding="utf-8"?>
 <p:sld xmlns:a="http://schemas.openxmlformats.org/drawingml/2006/main" xmlns:r="http://schemas.openxmlformats.org/officeDocument/2006/relationships" xmlns:p="http://schemas.openxmlformats.org/presentationml/2006/main">
   <p:cSld>
     <p:spTree>
@@ -18683,9 +20048,9 @@
 </file>
 
 <file path=ppt/theme/theme1.xml><?xml version="1.0" encoding="utf-8"?>
-<a:theme xmlns:a="http://schemas.openxmlformats.org/drawingml/2006/main" name="Office Theme">
+<a:theme xmlns:a="http://schemas.openxmlformats.org/drawingml/2006/main" name="Office テーマ">
   <a:themeElements>
-    <a:clrScheme name="Office テーマ">
+    <a:clrScheme name="Office">
       <a:dk1>
         <a:sysClr val="windowText" lastClr="000000"/>
       </a:dk1>
@@ -18699,22 +20064,22 @@
         <a:srgbClr val="E7E6E6"/>
       </a:lt2>
       <a:accent1>
-        <a:srgbClr val="29AF8C"/>
+        <a:srgbClr val="4472C4"/>
       </a:accent1>
       <a:accent2>
-        <a:srgbClr val="97BE49"/>
+        <a:srgbClr val="ED7D31"/>
       </a:accent2>
       <a:accent3>
-        <a:srgbClr val="3D9CCC"/>
+        <a:srgbClr val="A5A5A5"/>
       </a:accent3>
       <a:accent4>
-        <a:srgbClr val="7C60C6"/>
+        <a:srgbClr val="FFC000"/>
       </a:accent4>
       <a:accent5>
-        <a:srgbClr val="C9492C"/>
+        <a:srgbClr val="5B9BD5"/>
       </a:accent5>
       <a:accent6>
-        <a:srgbClr val="D58C2E"/>
+        <a:srgbClr val="70AD47"/>
       </a:accent6>
       <a:hlink>
         <a:srgbClr val="0563C1"/>
@@ -18723,9 +20088,9 @@
         <a:srgbClr val="954F72"/>
       </a:folHlink>
     </a:clrScheme>
-    <a:fontScheme name="Office テーマ">
+    <a:fontScheme name="Office">
       <a:majorFont>
-        <a:latin typeface="Calibri Light" panose="020F0302020204030204"/>
+        <a:latin typeface="游ゴシック Light" panose="020F0302020204030204"/>
         <a:ea typeface=""/>
         <a:cs typeface=""/>
         <a:font script="Jpan" typeface="游ゴシック Light"/>
@@ -18758,9 +20123,26 @@
         <a:font script="Viet" typeface="Times New Roman"/>
         <a:font script="Uigh" typeface="Microsoft Uighur"/>
         <a:font script="Geor" typeface="Sylfaen"/>
+        <a:font script="Armn" typeface="Arial"/>
+        <a:font script="Bugi" typeface="Leelawadee UI"/>
+        <a:font script="Bopo" typeface="Microsoft JhengHei"/>
+        <a:font script="Java" typeface="Javanese Text"/>
+        <a:font script="Lisu" typeface="Segoe UI"/>
+        <a:font script="Mymr" typeface="Myanmar Text"/>
+        <a:font script="Nkoo" typeface="Ebrima"/>
+        <a:font script="Olck" typeface="Nirmala UI"/>
+        <a:font script="Osma" typeface="Ebrima"/>
+        <a:font script="Phag" typeface="Phagspa"/>
+        <a:font script="Syrn" typeface="Estrangelo Edessa"/>
+        <a:font script="Syrj" typeface="Estrangelo Edessa"/>
+        <a:font script="Syre" typeface="Estrangelo Edessa"/>
+        <a:font script="Sora" typeface="Nirmala UI"/>
+        <a:font script="Tale" typeface="Microsoft Tai Le"/>
+        <a:font script="Talu" typeface="Microsoft New Tai Lue"/>
+        <a:font script="Tfng" typeface="Ebrima"/>
       </a:majorFont>
       <a:minorFont>
-        <a:latin typeface="Calibri" panose="020F0502020204030204"/>
+        <a:latin typeface="游ゴシック" panose="020F0502020204030204"/>
         <a:ea typeface=""/>
         <a:cs typeface=""/>
         <a:font script="Jpan" typeface="游ゴシック"/>
@@ -18793,9 +20175,26 @@
         <a:font script="Viet" typeface="Arial"/>
         <a:font script="Uigh" typeface="Microsoft Uighur"/>
         <a:font script="Geor" typeface="Sylfaen"/>
+        <a:font script="Armn" typeface="Arial"/>
+        <a:font script="Bugi" typeface="Leelawadee UI"/>
+        <a:font script="Bopo" typeface="Microsoft JhengHei"/>
+        <a:font script="Java" typeface="Javanese Text"/>
+        <a:font script="Lisu" typeface="Segoe UI"/>
+        <a:font script="Mymr" typeface="Myanmar Text"/>
+        <a:font script="Nkoo" typeface="Ebrima"/>
+        <a:font script="Olck" typeface="Nirmala UI"/>
+        <a:font script="Osma" typeface="Ebrima"/>
+        <a:font script="Phag" typeface="Phagspa"/>
+        <a:font script="Syrn" typeface="Estrangelo Edessa"/>
+        <a:font script="Syrj" typeface="Estrangelo Edessa"/>
+        <a:font script="Syre" typeface="Estrangelo Edessa"/>
+        <a:font script="Sora" typeface="Nirmala UI"/>
+        <a:font script="Tale" typeface="Microsoft Tai Le"/>
+        <a:font script="Talu" typeface="Microsoft New Tai Lue"/>
+        <a:font script="Tfng" typeface="Ebrima"/>
       </a:minorFont>
     </a:fontScheme>
-    <a:fmtScheme name="Office テーマ">
+    <a:fmtScheme name="Office">
       <a:fillStyleLst>
         <a:solidFill>
           <a:schemeClr val="phClr"/>
@@ -18937,7 +20336,7 @@
   <a:extraClrSchemeLst/>
   <a:extLst>
     <a:ext uri="{05A4C25C-085E-4340-85A3-A5531E510DB2}">
-      <thm15:themeFamily xmlns:thm15="http://schemas.microsoft.com/office/thememl/2012/main" name="Office Theme" id="{62F939B6-93AF-4DB8-9C6B-D6C7DFDC589F}" vid="{3E4F19A7-A959-40BB-972C-4880BAF8EB09}"/>
+      <thm15:themeFamily xmlns:thm15="http://schemas.microsoft.com/office/thememl/2012/main" name="Office Theme" id="{62F939B6-93AF-4DB8-9C6B-D6C7DFDC589F}" vid="{4A3C46E8-61CC-4603-A589-7422A47A8E4A}"/>
     </a:ext>
   </a:extLst>
 </a:theme>
